--- a/Feb26-AzureDataLake/AzureDataLake+Hadoop3.0.pptx
+++ b/Feb26-AzureDataLake/AzureDataLake+Hadoop3.0.pptx
@@ -6,7 +6,7 @@
     <p:sldMasterId id="2147483655" r:id="rId2"/>
   </p:sldMasterIdLst>
   <p:notesMasterIdLst>
-    <p:notesMasterId r:id="rId15"/>
+    <p:notesMasterId r:id="rId19"/>
   </p:notesMasterIdLst>
   <p:sldIdLst>
     <p:sldId id="257" r:id="rId3"/>
@@ -18,9 +18,13 @@
     <p:sldId id="286" r:id="rId9"/>
     <p:sldId id="288" r:id="rId10"/>
     <p:sldId id="289" r:id="rId11"/>
-    <p:sldId id="266" r:id="rId12"/>
-    <p:sldId id="279" r:id="rId13"/>
-    <p:sldId id="267" r:id="rId14"/>
+    <p:sldId id="295" r:id="rId12"/>
+    <p:sldId id="266" r:id="rId13"/>
+    <p:sldId id="297" r:id="rId14"/>
+    <p:sldId id="298" r:id="rId15"/>
+    <p:sldId id="296" r:id="rId16"/>
+    <p:sldId id="279" r:id="rId17"/>
+    <p:sldId id="267" r:id="rId18"/>
   </p:sldIdLst>
   <p:sldSz cx="12192000" cy="6858000"/>
   <p:notesSz cx="6858000" cy="9144000"/>
@@ -120,6 +124,30 @@
     </a:lvl9pPr>
   </p:defaultTextStyle>
   <p:extLst>
+    <p:ext uri="{521415D9-36F7-43E2-AB2F-B90AF26B5E84}">
+      <p14:sectionLst xmlns:p14="http://schemas.microsoft.com/office/powerpoint/2010/main">
+        <p14:section name="Default Section" id="{CE5787EA-1E57-4B46-BDCA-19C73C66D20B}">
+          <p14:sldIdLst>
+            <p14:sldId id="257"/>
+            <p14:sldId id="258"/>
+            <p14:sldId id="268"/>
+            <p14:sldId id="271"/>
+            <p14:sldId id="284"/>
+            <p14:sldId id="287"/>
+            <p14:sldId id="286"/>
+            <p14:sldId id="288"/>
+            <p14:sldId id="289"/>
+            <p14:sldId id="295"/>
+            <p14:sldId id="266"/>
+            <p14:sldId id="297"/>
+            <p14:sldId id="298"/>
+            <p14:sldId id="296"/>
+            <p14:sldId id="279"/>
+            <p14:sldId id="267"/>
+          </p14:sldIdLst>
+        </p14:section>
+      </p14:sectionLst>
+    </p:ext>
     <p:ext uri="{EFAFB233-063F-42B5-8137-9DF3F51BA10A}">
       <p15:sldGuideLst xmlns:p15="http://schemas.microsoft.com/office/powerpoint/2012/main"/>
     </p:ext>
@@ -209,7 +237,7 @@
           <a:p>
             <a:fld id="{1AD2477C-EE5B-46FF-B20E-C93D78E3ECC1}" type="datetimeFigureOut">
               <a:rPr lang="en-US" smtClean="0"/>
-              <a:t>24-Jan-19</a:t>
+              <a:t>25-Jan-19</a:t>
             </a:fld>
             <a:endParaRPr lang="en-US" dirty="0"/>
           </a:p>
@@ -977,9 +1005,287 @@
           <a:bodyPr/>
           <a:lstStyle/>
           <a:p>
+            <a:fld id="{0FA58A73-9AF5-4868-B9BF-52715282A3BA}" type="slidenum">
+              <a:rPr lang="en-US" smtClean="0"/>
+              <a:t>10</a:t>
+            </a:fld>
+            <a:endParaRPr lang="en-US"/>
+          </a:p>
+        </p:txBody>
+      </p:sp>
+    </p:spTree>
+    <p:extLst>
+      <p:ext uri="{BB962C8B-B14F-4D97-AF65-F5344CB8AC3E}">
+        <p14:creationId xmlns:p14="http://schemas.microsoft.com/office/powerpoint/2010/main" val="3091115579"/>
+      </p:ext>
+    </p:extLst>
+  </p:cSld>
+  <p:clrMapOvr>
+    <a:masterClrMapping/>
+  </p:clrMapOvr>
+</p:notes>
+</file>
+
+<file path=ppt/notesSlides/notesSlide6.xml><?xml version="1.0" encoding="utf-8"?>
+<p:notes xmlns:a="http://schemas.openxmlformats.org/drawingml/2006/main" xmlns:r="http://schemas.openxmlformats.org/officeDocument/2006/relationships" xmlns:p="http://schemas.openxmlformats.org/presentationml/2006/main">
+  <p:cSld>
+    <p:spTree>
+      <p:nvGrpSpPr>
+        <p:cNvPr id="1" name=""/>
+        <p:cNvGrpSpPr/>
+        <p:nvPr/>
+      </p:nvGrpSpPr>
+      <p:grpSpPr>
+        <a:xfrm>
+          <a:off x="0" y="0"/>
+          <a:ext cx="0" cy="0"/>
+          <a:chOff x="0" y="0"/>
+          <a:chExt cx="0" cy="0"/>
+        </a:xfrm>
+      </p:grpSpPr>
+      <p:sp>
+        <p:nvSpPr>
+          <p:cNvPr id="2" name="Slide Image Placeholder 1"/>
+          <p:cNvSpPr>
+            <a:spLocks noGrp="1" noRot="1" noChangeAspect="1"/>
+          </p:cNvSpPr>
+          <p:nvPr>
+            <p:ph type="sldImg"/>
+          </p:nvPr>
+        </p:nvSpPr>
+        <p:spPr/>
+      </p:sp>
+      <p:sp>
+        <p:nvSpPr>
+          <p:cNvPr id="3" name="Notes Placeholder 2"/>
+          <p:cNvSpPr>
+            <a:spLocks noGrp="1"/>
+          </p:cNvSpPr>
+          <p:nvPr>
+            <p:ph type="body" idx="1"/>
+          </p:nvPr>
+        </p:nvSpPr>
+        <p:spPr/>
+        <p:txBody>
+          <a:bodyPr/>
+          <a:lstStyle/>
+          <a:p>
+            <a:endParaRPr lang="en-US" dirty="0"/>
+          </a:p>
+        </p:txBody>
+      </p:sp>
+      <p:sp>
+        <p:nvSpPr>
+          <p:cNvPr id="4" name="Slide Number Placeholder 3"/>
+          <p:cNvSpPr>
+            <a:spLocks noGrp="1"/>
+          </p:cNvSpPr>
+          <p:nvPr>
+            <p:ph type="sldNum" sz="quarter" idx="5"/>
+          </p:nvPr>
+        </p:nvSpPr>
+        <p:spPr/>
+        <p:txBody>
+          <a:bodyPr/>
+          <a:lstStyle/>
+          <a:p>
+            <a:fld id="{0FA58A73-9AF5-4868-B9BF-52715282A3BA}" type="slidenum">
+              <a:rPr lang="en-US" smtClean="0"/>
+              <a:t>12</a:t>
+            </a:fld>
+            <a:endParaRPr lang="en-US"/>
+          </a:p>
+        </p:txBody>
+      </p:sp>
+    </p:spTree>
+    <p:extLst>
+      <p:ext uri="{BB962C8B-B14F-4D97-AF65-F5344CB8AC3E}">
+        <p14:creationId xmlns:p14="http://schemas.microsoft.com/office/powerpoint/2010/main" val="2164599022"/>
+      </p:ext>
+    </p:extLst>
+  </p:cSld>
+  <p:clrMapOvr>
+    <a:masterClrMapping/>
+  </p:clrMapOvr>
+</p:notes>
+</file>
+
+<file path=ppt/notesSlides/notesSlide7.xml><?xml version="1.0" encoding="utf-8"?>
+<p:notes xmlns:a="http://schemas.openxmlformats.org/drawingml/2006/main" xmlns:r="http://schemas.openxmlformats.org/officeDocument/2006/relationships" xmlns:p="http://schemas.openxmlformats.org/presentationml/2006/main">
+  <p:cSld>
+    <p:spTree>
+      <p:nvGrpSpPr>
+        <p:cNvPr id="1" name=""/>
+        <p:cNvGrpSpPr/>
+        <p:nvPr/>
+      </p:nvGrpSpPr>
+      <p:grpSpPr>
+        <a:xfrm>
+          <a:off x="0" y="0"/>
+          <a:ext cx="0" cy="0"/>
+          <a:chOff x="0" y="0"/>
+          <a:chExt cx="0" cy="0"/>
+        </a:xfrm>
+      </p:grpSpPr>
+      <p:sp>
+        <p:nvSpPr>
+          <p:cNvPr id="2" name="Slide Image Placeholder 1"/>
+          <p:cNvSpPr>
+            <a:spLocks noGrp="1" noRot="1" noChangeAspect="1"/>
+          </p:cNvSpPr>
+          <p:nvPr>
+            <p:ph type="sldImg"/>
+          </p:nvPr>
+        </p:nvSpPr>
+        <p:spPr/>
+      </p:sp>
+      <p:sp>
+        <p:nvSpPr>
+          <p:cNvPr id="3" name="Notes Placeholder 2"/>
+          <p:cNvSpPr>
+            <a:spLocks noGrp="1"/>
+          </p:cNvSpPr>
+          <p:nvPr>
+            <p:ph type="body" idx="1"/>
+          </p:nvPr>
+        </p:nvSpPr>
+        <p:spPr/>
+        <p:txBody>
+          <a:bodyPr/>
+          <a:lstStyle/>
+          <a:p>
+            <a:r>
+              <a:rPr lang="en-US" dirty="0"/>
+              <a:t>Cost reduction - </a:t>
+            </a:r>
+            <a:r>
+              <a:rPr lang="en-US" b="1" dirty="0"/>
+              <a:t>Big data</a:t>
+            </a:r>
+            <a:r>
+              <a:rPr lang="en-US" dirty="0"/>
+              <a:t> technologies such as Hadoop and cloud-based analytics bring significant cost advantages when it comes to storing </a:t>
+            </a:r>
+            <a:r>
+              <a:rPr lang="en-US" b="1" dirty="0"/>
+              <a:t>large </a:t>
+            </a:r>
+            <a:r>
+              <a:rPr lang="en-US" dirty="0"/>
+              <a:t>amounts of </a:t>
+            </a:r>
+            <a:r>
+              <a:rPr lang="en-US" b="1" dirty="0"/>
+              <a:t>data.</a:t>
+            </a:r>
+          </a:p>
+          <a:p>
+            <a:endParaRPr lang="en-US" dirty="0"/>
+          </a:p>
+        </p:txBody>
+      </p:sp>
+      <p:sp>
+        <p:nvSpPr>
+          <p:cNvPr id="4" name="Slide Number Placeholder 3"/>
+          <p:cNvSpPr>
+            <a:spLocks noGrp="1"/>
+          </p:cNvSpPr>
+          <p:nvPr>
+            <p:ph type="sldNum" sz="quarter" idx="5"/>
+          </p:nvPr>
+        </p:nvSpPr>
+        <p:spPr/>
+        <p:txBody>
+          <a:bodyPr/>
+          <a:lstStyle/>
+          <a:p>
+            <a:fld id="{0FA58A73-9AF5-4868-B9BF-52715282A3BA}" type="slidenum">
+              <a:rPr lang="en-US" smtClean="0"/>
+              <a:t>14</a:t>
+            </a:fld>
+            <a:endParaRPr lang="en-US"/>
+          </a:p>
+        </p:txBody>
+      </p:sp>
+    </p:spTree>
+    <p:extLst>
+      <p:ext uri="{BB962C8B-B14F-4D97-AF65-F5344CB8AC3E}">
+        <p14:creationId xmlns:p14="http://schemas.microsoft.com/office/powerpoint/2010/main" val="2129124157"/>
+      </p:ext>
+    </p:extLst>
+  </p:cSld>
+  <p:clrMapOvr>
+    <a:masterClrMapping/>
+  </p:clrMapOvr>
+</p:notes>
+</file>
+
+<file path=ppt/notesSlides/notesSlide8.xml><?xml version="1.0" encoding="utf-8"?>
+<p:notes xmlns:a="http://schemas.openxmlformats.org/drawingml/2006/main" xmlns:r="http://schemas.openxmlformats.org/officeDocument/2006/relationships" xmlns:p="http://schemas.openxmlformats.org/presentationml/2006/main">
+  <p:cSld>
+    <p:spTree>
+      <p:nvGrpSpPr>
+        <p:cNvPr id="1" name=""/>
+        <p:cNvGrpSpPr/>
+        <p:nvPr/>
+      </p:nvGrpSpPr>
+      <p:grpSpPr>
+        <a:xfrm>
+          <a:off x="0" y="0"/>
+          <a:ext cx="0" cy="0"/>
+          <a:chOff x="0" y="0"/>
+          <a:chExt cx="0" cy="0"/>
+        </a:xfrm>
+      </p:grpSpPr>
+      <p:sp>
+        <p:nvSpPr>
+          <p:cNvPr id="2" name="Slide Image Placeholder 1"/>
+          <p:cNvSpPr>
+            <a:spLocks noGrp="1" noRot="1" noChangeAspect="1"/>
+          </p:cNvSpPr>
+          <p:nvPr>
+            <p:ph type="sldImg"/>
+          </p:nvPr>
+        </p:nvSpPr>
+        <p:spPr/>
+      </p:sp>
+      <p:sp>
+        <p:nvSpPr>
+          <p:cNvPr id="3" name="Notes Placeholder 2"/>
+          <p:cNvSpPr>
+            <a:spLocks noGrp="1"/>
+          </p:cNvSpPr>
+          <p:nvPr>
+            <p:ph type="body" idx="1"/>
+          </p:nvPr>
+        </p:nvSpPr>
+        <p:spPr/>
+        <p:txBody>
+          <a:bodyPr/>
+          <a:lstStyle/>
+          <a:p>
+            <a:endParaRPr lang="en-US" dirty="0"/>
+          </a:p>
+        </p:txBody>
+      </p:sp>
+      <p:sp>
+        <p:nvSpPr>
+          <p:cNvPr id="4" name="Slide Number Placeholder 3"/>
+          <p:cNvSpPr>
+            <a:spLocks noGrp="1"/>
+          </p:cNvSpPr>
+          <p:nvPr>
+            <p:ph type="sldNum" sz="quarter" idx="5"/>
+          </p:nvPr>
+        </p:nvSpPr>
+        <p:spPr/>
+        <p:txBody>
+          <a:bodyPr/>
+          <a:lstStyle/>
+          <a:p>
             <a:fld id="{5E50757B-0709-4736-92FA-0BEB494FC234}" type="slidenum">
               <a:rPr lang="en-US" smtClean="0"/>
-              <a:t>11</a:t>
+              <a:t>15</a:t>
             </a:fld>
             <a:endParaRPr lang="en-US" dirty="0"/>
           </a:p>
@@ -1054,7 +1360,7 @@
           <a:p>
             <a:fld id="{6AC814A8-707E-4EB7-B523-A83E81DFE400}" type="datetimeFigureOut">
               <a:rPr lang="en-US" smtClean="0"/>
-              <a:t>24-Jan-19</a:t>
+              <a:t>25-Jan-19</a:t>
             </a:fld>
             <a:endParaRPr lang="en-US" dirty="0"/>
           </a:p>
@@ -1116,6 +1422,204 @@
 </file>
 
 <file path=ppt/slideLayouts/slideLayout2.xml><?xml version="1.0" encoding="utf-8"?>
+<p:sldLayout xmlns:a="http://schemas.openxmlformats.org/drawingml/2006/main" xmlns:r="http://schemas.openxmlformats.org/officeDocument/2006/relationships" xmlns:p="http://schemas.openxmlformats.org/presentationml/2006/main" type="obj">
+  <p:cSld name="Title and Content">
+    <p:spTree>
+      <p:nvGrpSpPr>
+        <p:cNvPr id="1" name=""/>
+        <p:cNvGrpSpPr/>
+        <p:nvPr/>
+      </p:nvGrpSpPr>
+      <p:grpSpPr>
+        <a:xfrm>
+          <a:off x="0" y="0"/>
+          <a:ext cx="0" cy="0"/>
+          <a:chOff x="0" y="0"/>
+          <a:chExt cx="0" cy="0"/>
+        </a:xfrm>
+      </p:grpSpPr>
+      <p:sp>
+        <p:nvSpPr>
+          <p:cNvPr id="2" name="Title 1">
+            <a:extLst>
+              <a:ext uri="{FF2B5EF4-FFF2-40B4-BE49-F238E27FC236}">
+                <a16:creationId xmlns:a16="http://schemas.microsoft.com/office/drawing/2014/main" id="{0416D6E4-EC94-48B5-B64B-962E040FDE36}"/>
+              </a:ext>
+            </a:extLst>
+          </p:cNvPr>
+          <p:cNvSpPr>
+            <a:spLocks noGrp="1"/>
+          </p:cNvSpPr>
+          <p:nvPr>
+            <p:ph type="title"/>
+          </p:nvPr>
+        </p:nvSpPr>
+        <p:spPr/>
+        <p:txBody>
+          <a:bodyPr/>
+          <a:lstStyle/>
+          <a:p>
+            <a:r>
+              <a:rPr lang="en-US"/>
+              <a:t>Click to edit Master title style</a:t>
+            </a:r>
+          </a:p>
+        </p:txBody>
+      </p:sp>
+      <p:sp>
+        <p:nvSpPr>
+          <p:cNvPr id="3" name="Content Placeholder 2">
+            <a:extLst>
+              <a:ext uri="{FF2B5EF4-FFF2-40B4-BE49-F238E27FC236}">
+                <a16:creationId xmlns:a16="http://schemas.microsoft.com/office/drawing/2014/main" id="{E9F38684-CE16-4988-8D98-7B3F545290FF}"/>
+              </a:ext>
+            </a:extLst>
+          </p:cNvPr>
+          <p:cNvSpPr>
+            <a:spLocks noGrp="1"/>
+          </p:cNvSpPr>
+          <p:nvPr>
+            <p:ph idx="1"/>
+          </p:nvPr>
+        </p:nvSpPr>
+        <p:spPr/>
+        <p:txBody>
+          <a:bodyPr/>
+          <a:lstStyle/>
+          <a:p>
+            <a:pPr lvl="0"/>
+            <a:r>
+              <a:rPr lang="en-US"/>
+              <a:t>Edit Master text styles</a:t>
+            </a:r>
+          </a:p>
+          <a:p>
+            <a:pPr lvl="1"/>
+            <a:r>
+              <a:rPr lang="en-US"/>
+              <a:t>Second level</a:t>
+            </a:r>
+          </a:p>
+          <a:p>
+            <a:pPr lvl="2"/>
+            <a:r>
+              <a:rPr lang="en-US"/>
+              <a:t>Third level</a:t>
+            </a:r>
+          </a:p>
+          <a:p>
+            <a:pPr lvl="3"/>
+            <a:r>
+              <a:rPr lang="en-US"/>
+              <a:t>Fourth level</a:t>
+            </a:r>
+          </a:p>
+          <a:p>
+            <a:pPr lvl="4"/>
+            <a:r>
+              <a:rPr lang="en-US"/>
+              <a:t>Fifth level</a:t>
+            </a:r>
+          </a:p>
+        </p:txBody>
+      </p:sp>
+      <p:sp>
+        <p:nvSpPr>
+          <p:cNvPr id="4" name="Date Placeholder 3">
+            <a:extLst>
+              <a:ext uri="{FF2B5EF4-FFF2-40B4-BE49-F238E27FC236}">
+                <a16:creationId xmlns:a16="http://schemas.microsoft.com/office/drawing/2014/main" id="{03F0B38E-A857-4CEA-8A8D-69BA1DF7F952}"/>
+              </a:ext>
+            </a:extLst>
+          </p:cNvPr>
+          <p:cNvSpPr>
+            <a:spLocks noGrp="1"/>
+          </p:cNvSpPr>
+          <p:nvPr>
+            <p:ph type="dt" sz="half" idx="10"/>
+          </p:nvPr>
+        </p:nvSpPr>
+        <p:spPr/>
+        <p:txBody>
+          <a:bodyPr/>
+          <a:lstStyle/>
+          <a:p>
+            <a:fld id="{A643D7BA-99BF-4038-8F6C-FBBEE1A9CE38}" type="datetimeFigureOut">
+              <a:rPr lang="en-US" smtClean="0"/>
+              <a:t>25-Jan-19</a:t>
+            </a:fld>
+            <a:endParaRPr lang="en-US"/>
+          </a:p>
+        </p:txBody>
+      </p:sp>
+      <p:sp>
+        <p:nvSpPr>
+          <p:cNvPr id="5" name="Footer Placeholder 4">
+            <a:extLst>
+              <a:ext uri="{FF2B5EF4-FFF2-40B4-BE49-F238E27FC236}">
+                <a16:creationId xmlns:a16="http://schemas.microsoft.com/office/drawing/2014/main" id="{D8066506-42B6-46EB-AA98-F9CFD1F306BD}"/>
+              </a:ext>
+            </a:extLst>
+          </p:cNvPr>
+          <p:cNvSpPr>
+            <a:spLocks noGrp="1"/>
+          </p:cNvSpPr>
+          <p:nvPr>
+            <p:ph type="ftr" sz="quarter" idx="11"/>
+          </p:nvPr>
+        </p:nvSpPr>
+        <p:spPr/>
+        <p:txBody>
+          <a:bodyPr/>
+          <a:lstStyle/>
+          <a:p>
+            <a:endParaRPr lang="en-US"/>
+          </a:p>
+        </p:txBody>
+      </p:sp>
+      <p:sp>
+        <p:nvSpPr>
+          <p:cNvPr id="6" name="Slide Number Placeholder 5">
+            <a:extLst>
+              <a:ext uri="{FF2B5EF4-FFF2-40B4-BE49-F238E27FC236}">
+                <a16:creationId xmlns:a16="http://schemas.microsoft.com/office/drawing/2014/main" id="{D5BF3E62-4E35-4C83-8C1C-C809794B4537}"/>
+              </a:ext>
+            </a:extLst>
+          </p:cNvPr>
+          <p:cNvSpPr>
+            <a:spLocks noGrp="1"/>
+          </p:cNvSpPr>
+          <p:nvPr>
+            <p:ph type="sldNum" sz="quarter" idx="12"/>
+          </p:nvPr>
+        </p:nvSpPr>
+        <p:spPr/>
+        <p:txBody>
+          <a:bodyPr/>
+          <a:lstStyle/>
+          <a:p>
+            <a:fld id="{C0E38C3A-1CB1-4AAE-8D1F-7B3F6C5B5FBC}" type="slidenum">
+              <a:rPr lang="en-US" smtClean="0"/>
+              <a:t>‹#›</a:t>
+            </a:fld>
+            <a:endParaRPr lang="en-US"/>
+          </a:p>
+        </p:txBody>
+      </p:sp>
+    </p:spTree>
+    <p:extLst>
+      <p:ext uri="{BB962C8B-B14F-4D97-AF65-F5344CB8AC3E}">
+        <p14:creationId xmlns:p14="http://schemas.microsoft.com/office/powerpoint/2010/main" val="1674371316"/>
+      </p:ext>
+    </p:extLst>
+  </p:cSld>
+  <p:clrMapOvr>
+    <a:masterClrMapping/>
+  </p:clrMapOvr>
+</p:sldLayout>
+</file>
+
+<file path=ppt/slideLayouts/slideLayout3.xml><?xml version="1.0" encoding="utf-8"?>
 <p:sldLayout xmlns:a="http://schemas.openxmlformats.org/drawingml/2006/main" xmlns:r="http://schemas.openxmlformats.org/officeDocument/2006/relationships" xmlns:p="http://schemas.openxmlformats.org/presentationml/2006/main" preserve="1" userDrawn="1">
   <p:cSld name="Blank">
     <p:spTree>
@@ -1145,7 +1649,7 @@
 </p:sldLayout>
 </file>
 
-<file path=ppt/slideLayouts/slideLayout3.xml><?xml version="1.0" encoding="utf-8"?>
+<file path=ppt/slideLayouts/slideLayout4.xml><?xml version="1.0" encoding="utf-8"?>
 <p:sldLayout xmlns:a="http://schemas.openxmlformats.org/drawingml/2006/main" xmlns:r="http://schemas.openxmlformats.org/officeDocument/2006/relationships" xmlns:p="http://schemas.openxmlformats.org/presentationml/2006/main" preserve="1" userDrawn="1">
   <p:cSld name="first">
     <p:spTree>
@@ -1611,7 +2115,7 @@
 </p:sldLayout>
 </file>
 
-<file path=ppt/slideLayouts/slideLayout4.xml><?xml version="1.0" encoding="utf-8"?>
+<file path=ppt/slideLayouts/slideLayout5.xml><?xml version="1.0" encoding="utf-8"?>
 <p:sldLayout xmlns:a="http://schemas.openxmlformats.org/drawingml/2006/main" xmlns:r="http://schemas.openxmlformats.org/officeDocument/2006/relationships" xmlns:p="http://schemas.openxmlformats.org/presentationml/2006/main" type="titleOnly">
   <p:cSld name="Title Only">
     <p:spTree>
@@ -1667,7 +2171,7 @@
           <a:p>
             <a:fld id="{6AC814A8-707E-4EB7-B523-A83E81DFE400}" type="datetimeFigureOut">
               <a:rPr lang="en-US" smtClean="0"/>
-              <a:t>24-Jan-19</a:t>
+              <a:t>25-Jan-19</a:t>
             </a:fld>
             <a:endParaRPr lang="en-US"/>
           </a:p>
@@ -1878,7 +2382,7 @@
           <a:p>
             <a:fld id="{6AC814A8-707E-4EB7-B523-A83E81DFE400}" type="datetimeFigureOut">
               <a:rPr lang="en-US" smtClean="0"/>
-              <a:t>24-Jan-19</a:t>
+              <a:t>25-Jan-19</a:t>
             </a:fld>
             <a:endParaRPr lang="en-US" dirty="0"/>
           </a:p>
@@ -1972,6 +2476,7 @@
   <p:clrMap bg1="lt1" tx1="dk1" bg2="lt2" tx2="dk2" accent1="accent1" accent2="accent2" accent3="accent3" accent4="accent4" accent5="accent5" accent6="accent6" hlink="hlink" folHlink="folHlink"/>
   <p:sldLayoutIdLst>
     <p:sldLayoutId id="2147483654" r:id="rId1"/>
+    <p:sldLayoutId id="2147483659" r:id="rId2"/>
   </p:sldLayoutIdLst>
   <p:txStyles>
     <p:titleStyle>
@@ -2746,6 +3251,749 @@
       </p:grpSpPr>
       <p:sp>
         <p:nvSpPr>
+          <p:cNvPr id="15" name="Rectangle 14">
+            <a:extLst>
+              <a:ext uri="{FF2B5EF4-FFF2-40B4-BE49-F238E27FC236}">
+                <a16:creationId xmlns:a16="http://schemas.microsoft.com/office/drawing/2014/main" id="{6753252F-4873-4F63-801D-CC719279A7D5}"/>
+              </a:ext>
+              <a:ext uri="{C183D7F6-B498-43B3-948B-1728B52AA6E4}">
+                <adec:decorative xmlns:adec="http://schemas.microsoft.com/office/drawing/2017/decorative" val="1"/>
+              </a:ext>
+            </a:extLst>
+          </p:cNvPr>
+          <p:cNvSpPr>
+            <a:spLocks noGrp="1" noRot="1" noChangeAspect="1" noMove="1" noResize="1" noEditPoints="1" noAdjustHandles="1" noChangeArrowheads="1" noChangeShapeType="1" noTextEdit="1"/>
+          </p:cNvSpPr>
+          <p:nvPr>
+            <p:extLst>
+              <p:ext uri="{386F3935-93C4-4BCD-93E2-E3B085C9AB24}">
+                <p16:designElem xmlns:p16="http://schemas.microsoft.com/office/powerpoint/2015/main" val="1"/>
+              </p:ext>
+            </p:extLst>
+          </p:nvPr>
+        </p:nvSpPr>
+        <p:spPr>
+          <a:xfrm>
+            <a:off x="0" y="0"/>
+            <a:ext cx="12192000" cy="6858000"/>
+          </a:xfrm>
+          <a:prstGeom prst="rect">
+            <a:avLst/>
+          </a:prstGeom>
+          <a:solidFill>
+            <a:srgbClr val="FFFFFF"/>
+          </a:solidFill>
+          <a:ln>
+            <a:noFill/>
+          </a:ln>
+        </p:spPr>
+        <p:style>
+          <a:lnRef idx="2">
+            <a:schemeClr val="accent1">
+              <a:shade val="50000"/>
+            </a:schemeClr>
+          </a:lnRef>
+          <a:fillRef idx="1">
+            <a:schemeClr val="accent1"/>
+          </a:fillRef>
+          <a:effectRef idx="0">
+            <a:schemeClr val="accent1"/>
+          </a:effectRef>
+          <a:fontRef idx="minor">
+            <a:schemeClr val="lt1"/>
+          </a:fontRef>
+        </p:style>
+        <p:txBody>
+          <a:bodyPr rtlCol="0" anchor="ctr"/>
+          <a:lstStyle/>
+          <a:p>
+            <a:pPr algn="ctr"/>
+            <a:endParaRPr lang="en-US"/>
+          </a:p>
+        </p:txBody>
+      </p:sp>
+      <p:sp>
+        <p:nvSpPr>
+          <p:cNvPr id="17" name="Rectangle 16">
+            <a:extLst>
+              <a:ext uri="{FF2B5EF4-FFF2-40B4-BE49-F238E27FC236}">
+                <a16:creationId xmlns:a16="http://schemas.microsoft.com/office/drawing/2014/main" id="{047C8CCB-F95D-4249-92DD-651249D3535A}"/>
+              </a:ext>
+              <a:ext uri="{C183D7F6-B498-43B3-948B-1728B52AA6E4}">
+                <adec:decorative xmlns:adec="http://schemas.microsoft.com/office/drawing/2017/decorative" val="1"/>
+              </a:ext>
+            </a:extLst>
+          </p:cNvPr>
+          <p:cNvSpPr>
+            <a:spLocks noGrp="1" noRot="1" noChangeAspect="1" noMove="1" noResize="1" noEditPoints="1" noAdjustHandles="1" noChangeArrowheads="1" noChangeShapeType="1" noTextEdit="1"/>
+          </p:cNvSpPr>
+          <p:nvPr>
+            <p:extLst>
+              <p:ext uri="{386F3935-93C4-4BCD-93E2-E3B085C9AB24}">
+                <p16:designElem xmlns:p16="http://schemas.microsoft.com/office/powerpoint/2015/main" val="1"/>
+              </p:ext>
+            </p:extLst>
+          </p:nvPr>
+        </p:nvSpPr>
+        <p:spPr>
+          <a:xfrm>
+            <a:off x="0" y="0"/>
+            <a:ext cx="2013557" cy="6858000"/>
+          </a:xfrm>
+          <a:prstGeom prst="rect">
+            <a:avLst/>
+          </a:prstGeom>
+          <a:solidFill>
+            <a:srgbClr val="7F7F7F"/>
+          </a:solidFill>
+          <a:ln>
+            <a:noFill/>
+          </a:ln>
+        </p:spPr>
+        <p:style>
+          <a:lnRef idx="2">
+            <a:schemeClr val="accent1">
+              <a:shade val="50000"/>
+            </a:schemeClr>
+          </a:lnRef>
+          <a:fillRef idx="1">
+            <a:schemeClr val="accent1"/>
+          </a:fillRef>
+          <a:effectRef idx="0">
+            <a:schemeClr val="accent1"/>
+          </a:effectRef>
+          <a:fontRef idx="minor">
+            <a:schemeClr val="lt1"/>
+          </a:fontRef>
+        </p:style>
+        <p:txBody>
+          <a:bodyPr rtlCol="0" anchor="ctr"/>
+          <a:lstStyle/>
+          <a:p>
+            <a:pPr algn="ctr"/>
+            <a:endParaRPr lang="en-US"/>
+          </a:p>
+        </p:txBody>
+      </p:sp>
+      <p:sp>
+        <p:nvSpPr>
+          <p:cNvPr id="2" name="Title 1">
+            <a:extLst>
+              <a:ext uri="{FF2B5EF4-FFF2-40B4-BE49-F238E27FC236}">
+                <a16:creationId xmlns:a16="http://schemas.microsoft.com/office/drawing/2014/main" id="{D1DFC740-E98C-4D1B-96D9-BFDF2FE0F1E7}"/>
+              </a:ext>
+            </a:extLst>
+          </p:cNvPr>
+          <p:cNvSpPr>
+            <a:spLocks noGrp="1"/>
+          </p:cNvSpPr>
+          <p:nvPr>
+            <p:ph type="title"/>
+          </p:nvPr>
+        </p:nvSpPr>
+        <p:spPr>
+          <a:xfrm>
+            <a:off x="640080" y="2074363"/>
+            <a:ext cx="2752354" cy="2709275"/>
+          </a:xfrm>
+          <a:prstGeom prst="ellipse">
+            <a:avLst/>
+          </a:prstGeom>
+          <a:solidFill>
+            <a:srgbClr val="262626"/>
+          </a:solidFill>
+          <a:ln w="174625" cmpd="thinThick">
+            <a:solidFill>
+              <a:srgbClr val="262626"/>
+            </a:solidFill>
+          </a:ln>
+        </p:spPr>
+        <p:txBody>
+          <a:bodyPr vert="horz" lIns="91440" tIns="45720" rIns="91440" bIns="45720" rtlCol="0" anchor="ctr">
+            <a:normAutofit/>
+          </a:bodyPr>
+          <a:lstStyle/>
+          <a:p>
+            <a:pPr algn="ctr"/>
+            <a:r>
+              <a:rPr lang="en-US" sz="2600" kern="1200">
+                <a:solidFill>
+                  <a:srgbClr val="FFFFFF"/>
+                </a:solidFill>
+                <a:latin typeface="+mj-lt"/>
+                <a:ea typeface="+mj-ea"/>
+                <a:cs typeface="+mj-cs"/>
+              </a:rPr>
+              <a:t>Choosing Blob or Data Lake</a:t>
+            </a:r>
+          </a:p>
+        </p:txBody>
+      </p:sp>
+      <p:graphicFrame>
+        <p:nvGraphicFramePr>
+          <p:cNvPr id="5" name="Content Placeholder 4">
+            <a:extLst>
+              <a:ext uri="{FF2B5EF4-FFF2-40B4-BE49-F238E27FC236}">
+                <a16:creationId xmlns:a16="http://schemas.microsoft.com/office/drawing/2014/main" id="{B6BD677E-19C8-4F97-A400-3759EDE8A102}"/>
+              </a:ext>
+            </a:extLst>
+          </p:cNvPr>
+          <p:cNvGraphicFramePr>
+            <a:graphicFrameLocks noGrp="1"/>
+          </p:cNvGraphicFramePr>
+          <p:nvPr>
+            <p:ph idx="1"/>
+            <p:extLst>
+              <p:ext uri="{D42A27DB-BD31-4B8C-83A1-F6EECF244321}">
+                <p14:modId xmlns:p14="http://schemas.microsoft.com/office/powerpoint/2010/main" val="2866405815"/>
+              </p:ext>
+            </p:extLst>
+          </p:nvPr>
+        </p:nvGraphicFramePr>
+        <p:xfrm>
+          <a:off x="4038600" y="1157348"/>
+          <a:ext cx="7188200" cy="4539918"/>
+        </p:xfrm>
+        <a:graphic>
+          <a:graphicData uri="http://schemas.openxmlformats.org/drawingml/2006/table">
+            <a:tbl>
+              <a:tblPr firstRow="1" bandRow="1">
+                <a:noFill/>
+                <a:tableStyleId>{5C22544A-7EE6-4342-B048-85BDC9FD1C3A}</a:tableStyleId>
+              </a:tblPr>
+              <a:tblGrid>
+                <a:gridCol w="3553507">
+                  <a:extLst>
+                    <a:ext uri="{9D8B030D-6E8A-4147-A177-3AD203B41FA5}">
+                      <a16:colId xmlns:a16="http://schemas.microsoft.com/office/drawing/2014/main" val="1921880753"/>
+                    </a:ext>
+                  </a:extLst>
+                </a:gridCol>
+                <a:gridCol w="3634693">
+                  <a:extLst>
+                    <a:ext uri="{9D8B030D-6E8A-4147-A177-3AD203B41FA5}">
+                      <a16:colId xmlns:a16="http://schemas.microsoft.com/office/drawing/2014/main" val="4128458057"/>
+                    </a:ext>
+                  </a:extLst>
+                </a:gridCol>
+              </a:tblGrid>
+              <a:tr h="631302">
+                <a:tc>
+                  <a:txBody>
+                    <a:bodyPr/>
+                    <a:lstStyle/>
+                    <a:p>
+                      <a:r>
+                        <a:rPr lang="en-US" sz="2300" b="1">
+                          <a:solidFill>
+                            <a:schemeClr val="tx1">
+                              <a:lumMod val="75000"/>
+                              <a:lumOff val="25000"/>
+                            </a:schemeClr>
+                          </a:solidFill>
+                        </a:rPr>
+                        <a:t>Azure Blob</a:t>
+                      </a:r>
+                    </a:p>
+                  </a:txBody>
+                  <a:tcPr marL="233815" marR="175362" marT="116908" marB="116908">
+                    <a:lnL w="12700" cmpd="sng">
+                      <a:noFill/>
+                      <a:prstDash val="solid"/>
+                    </a:lnL>
+                    <a:lnR w="12700" cmpd="sng">
+                      <a:noFill/>
+                      <a:prstDash val="solid"/>
+                    </a:lnR>
+                    <a:lnT w="9525" cap="flat" cmpd="sng" algn="ctr">
+                      <a:noFill/>
+                      <a:prstDash val="solid"/>
+                    </a:lnT>
+                    <a:lnB w="9525" cap="flat" cmpd="sng" algn="ctr">
+                      <a:solidFill>
+                        <a:srgbClr val="C7C6C1"/>
+                      </a:solidFill>
+                      <a:prstDash val="solid"/>
+                    </a:lnB>
+                    <a:noFill/>
+                  </a:tcPr>
+                </a:tc>
+                <a:tc>
+                  <a:txBody>
+                    <a:bodyPr/>
+                    <a:lstStyle/>
+                    <a:p>
+                      <a:r>
+                        <a:rPr lang="en-US" sz="2300" b="1">
+                          <a:solidFill>
+                            <a:schemeClr val="tx1">
+                              <a:lumMod val="75000"/>
+                              <a:lumOff val="25000"/>
+                            </a:schemeClr>
+                          </a:solidFill>
+                        </a:rPr>
+                        <a:t>Azure Data Lake</a:t>
+                      </a:r>
+                    </a:p>
+                  </a:txBody>
+                  <a:tcPr marL="233815" marR="175362" marT="116908" marB="116908">
+                    <a:lnL w="12700" cmpd="sng">
+                      <a:noFill/>
+                      <a:prstDash val="solid"/>
+                    </a:lnL>
+                    <a:lnR w="12700" cmpd="sng">
+                      <a:noFill/>
+                      <a:prstDash val="solid"/>
+                    </a:lnR>
+                    <a:lnT w="9525" cap="flat" cmpd="sng" algn="ctr">
+                      <a:noFill/>
+                      <a:prstDash val="solid"/>
+                    </a:lnT>
+                    <a:lnB w="9525" cap="flat" cmpd="sng" algn="ctr">
+                      <a:solidFill>
+                        <a:srgbClr val="C7C6C1"/>
+                      </a:solidFill>
+                      <a:prstDash val="solid"/>
+                    </a:lnB>
+                    <a:noFill/>
+                  </a:tcPr>
+                </a:tc>
+                <a:extLst>
+                  <a:ext uri="{0D108BD9-81ED-4DB2-BD59-A6C34878D82A}">
+                    <a16:rowId xmlns:a16="http://schemas.microsoft.com/office/drawing/2014/main" val="156637423"/>
+                  </a:ext>
+                </a:extLst>
+              </a:tr>
+              <a:tr h="787179">
+                <a:tc>
+                  <a:txBody>
+                    <a:bodyPr/>
+                    <a:lstStyle/>
+                    <a:p>
+                      <a:r>
+                        <a:rPr lang="en-US" sz="1700">
+                          <a:solidFill>
+                            <a:schemeClr val="tx1">
+                              <a:lumMod val="75000"/>
+                              <a:lumOff val="25000"/>
+                            </a:schemeClr>
+                          </a:solidFill>
+                        </a:rPr>
+                        <a:t>Preferred for non-text files like images, videos</a:t>
+                      </a:r>
+                    </a:p>
+                  </a:txBody>
+                  <a:tcPr marL="233815" marR="175362" marT="116908" marB="116908">
+                    <a:lnL w="12700" cmpd="sng">
+                      <a:noFill/>
+                      <a:prstDash val="solid"/>
+                    </a:lnL>
+                    <a:lnR w="12700" cmpd="sng">
+                      <a:noFill/>
+                      <a:prstDash val="solid"/>
+                    </a:lnR>
+                    <a:lnT w="9525" cap="flat" cmpd="sng" algn="ctr">
+                      <a:solidFill>
+                        <a:srgbClr val="C7C6C1"/>
+                      </a:solidFill>
+                      <a:prstDash val="solid"/>
+                    </a:lnT>
+                    <a:lnB w="9525" cap="flat" cmpd="sng" algn="ctr">
+                      <a:solidFill>
+                        <a:srgbClr val="C7C6C1"/>
+                      </a:solidFill>
+                      <a:prstDash val="solid"/>
+                    </a:lnB>
+                    <a:noFill/>
+                  </a:tcPr>
+                </a:tc>
+                <a:tc>
+                  <a:txBody>
+                    <a:bodyPr/>
+                    <a:lstStyle/>
+                    <a:p>
+                      <a:r>
+                        <a:rPr lang="en-US" sz="1700">
+                          <a:solidFill>
+                            <a:schemeClr val="tx1">
+                              <a:lumMod val="75000"/>
+                              <a:lumOff val="25000"/>
+                            </a:schemeClr>
+                          </a:solidFill>
+                        </a:rPr>
+                        <a:t>Preferred for text files like CSV, XML, Json</a:t>
+                      </a:r>
+                    </a:p>
+                  </a:txBody>
+                  <a:tcPr marL="233815" marR="175362" marT="116908" marB="116908">
+                    <a:lnL w="12700" cmpd="sng">
+                      <a:noFill/>
+                      <a:prstDash val="solid"/>
+                    </a:lnL>
+                    <a:lnR w="12700" cmpd="sng">
+                      <a:noFill/>
+                      <a:prstDash val="solid"/>
+                    </a:lnR>
+                    <a:lnT w="9525" cap="flat" cmpd="sng" algn="ctr">
+                      <a:solidFill>
+                        <a:srgbClr val="C7C6C1"/>
+                      </a:solidFill>
+                      <a:prstDash val="solid"/>
+                    </a:lnT>
+                    <a:lnB w="9525" cap="flat" cmpd="sng" algn="ctr">
+                      <a:solidFill>
+                        <a:srgbClr val="C7C6C1"/>
+                      </a:solidFill>
+                      <a:prstDash val="solid"/>
+                    </a:lnB>
+                    <a:noFill/>
+                  </a:tcPr>
+                </a:tc>
+                <a:extLst>
+                  <a:ext uri="{0D108BD9-81ED-4DB2-BD59-A6C34878D82A}">
+                    <a16:rowId xmlns:a16="http://schemas.microsoft.com/office/drawing/2014/main" val="2665863048"/>
+                  </a:ext>
+                </a:extLst>
+              </a:tr>
+              <a:tr h="1040479">
+                <a:tc>
+                  <a:txBody>
+                    <a:bodyPr/>
+                    <a:lstStyle/>
+                    <a:p>
+                      <a:r>
+                        <a:rPr lang="en-US" sz="1700">
+                          <a:solidFill>
+                            <a:schemeClr val="tx1">
+                              <a:lumMod val="75000"/>
+                              <a:lumOff val="25000"/>
+                            </a:schemeClr>
+                          </a:solidFill>
+                        </a:rPr>
+                        <a:t>Not integrated with Azure AD</a:t>
+                      </a:r>
+                    </a:p>
+                  </a:txBody>
+                  <a:tcPr marL="233815" marR="175362" marT="116908" marB="116908">
+                    <a:lnL w="12700" cmpd="sng">
+                      <a:noFill/>
+                      <a:prstDash val="solid"/>
+                    </a:lnL>
+                    <a:lnR w="12700" cmpd="sng">
+                      <a:noFill/>
+                      <a:prstDash val="solid"/>
+                    </a:lnR>
+                    <a:lnT w="9525" cap="flat" cmpd="sng" algn="ctr">
+                      <a:solidFill>
+                        <a:srgbClr val="C7C6C1"/>
+                      </a:solidFill>
+                      <a:prstDash val="solid"/>
+                    </a:lnT>
+                    <a:lnB w="9525" cap="flat" cmpd="sng" algn="ctr">
+                      <a:solidFill>
+                        <a:srgbClr val="C7C6C1"/>
+                      </a:solidFill>
+                      <a:prstDash val="solid"/>
+                    </a:lnB>
+                    <a:noFill/>
+                  </a:tcPr>
+                </a:tc>
+                <a:tc>
+                  <a:txBody>
+                    <a:bodyPr/>
+                    <a:lstStyle/>
+                    <a:p>
+                      <a:r>
+                        <a:rPr lang="en-US" sz="1700">
+                          <a:solidFill>
+                            <a:schemeClr val="tx1">
+                              <a:lumMod val="75000"/>
+                              <a:lumOff val="25000"/>
+                            </a:schemeClr>
+                          </a:solidFill>
+                        </a:rPr>
+                        <a:t>Tightly integrated with Azure AD. i.e. We can set access controls over files we store here.</a:t>
+                      </a:r>
+                    </a:p>
+                  </a:txBody>
+                  <a:tcPr marL="233815" marR="175362" marT="116908" marB="116908">
+                    <a:lnL w="12700" cmpd="sng">
+                      <a:noFill/>
+                      <a:prstDash val="solid"/>
+                    </a:lnL>
+                    <a:lnR w="12700" cmpd="sng">
+                      <a:noFill/>
+                      <a:prstDash val="solid"/>
+                    </a:lnR>
+                    <a:lnT w="9525" cap="flat" cmpd="sng" algn="ctr">
+                      <a:solidFill>
+                        <a:srgbClr val="C7C6C1"/>
+                      </a:solidFill>
+                      <a:prstDash val="solid"/>
+                    </a:lnT>
+                    <a:lnB w="9525" cap="flat" cmpd="sng" algn="ctr">
+                      <a:solidFill>
+                        <a:srgbClr val="C7C6C1"/>
+                      </a:solidFill>
+                      <a:prstDash val="solid"/>
+                    </a:lnB>
+                    <a:noFill/>
+                  </a:tcPr>
+                </a:tc>
+                <a:extLst>
+                  <a:ext uri="{0D108BD9-81ED-4DB2-BD59-A6C34878D82A}">
+                    <a16:rowId xmlns:a16="http://schemas.microsoft.com/office/drawing/2014/main" val="2419628635"/>
+                  </a:ext>
+                </a:extLst>
+              </a:tr>
+              <a:tr h="787179">
+                <a:tc>
+                  <a:txBody>
+                    <a:bodyPr/>
+                    <a:lstStyle/>
+                    <a:p>
+                      <a:r>
+                        <a:rPr lang="en-US" sz="1700">
+                          <a:solidFill>
+                            <a:schemeClr val="tx1">
+                              <a:lumMod val="75000"/>
+                              <a:lumOff val="25000"/>
+                            </a:schemeClr>
+                          </a:solidFill>
+                        </a:rPr>
+                        <a:t>Cost is based on accessing (hot &amp; cool access tier)</a:t>
+                      </a:r>
+                    </a:p>
+                  </a:txBody>
+                  <a:tcPr marL="233815" marR="175362" marT="116908" marB="116908">
+                    <a:lnL w="12700" cmpd="sng">
+                      <a:noFill/>
+                      <a:prstDash val="solid"/>
+                    </a:lnL>
+                    <a:lnR w="12700" cmpd="sng">
+                      <a:noFill/>
+                      <a:prstDash val="solid"/>
+                    </a:lnR>
+                    <a:lnT w="9525" cap="flat" cmpd="sng" algn="ctr">
+                      <a:solidFill>
+                        <a:srgbClr val="C7C6C1"/>
+                      </a:solidFill>
+                      <a:prstDash val="solid"/>
+                    </a:lnT>
+                    <a:lnB w="9525" cap="flat" cmpd="sng" algn="ctr">
+                      <a:solidFill>
+                        <a:srgbClr val="C7C6C1"/>
+                      </a:solidFill>
+                      <a:prstDash val="solid"/>
+                    </a:lnB>
+                    <a:noFill/>
+                  </a:tcPr>
+                </a:tc>
+                <a:tc>
+                  <a:txBody>
+                    <a:bodyPr/>
+                    <a:lstStyle/>
+                    <a:p>
+                      <a:r>
+                        <a:rPr lang="en-US" sz="1700">
+                          <a:solidFill>
+                            <a:schemeClr val="tx1">
+                              <a:lumMod val="75000"/>
+                              <a:lumOff val="25000"/>
+                            </a:schemeClr>
+                          </a:solidFill>
+                        </a:rPr>
+                        <a:t>Cost is based on amount of Storage we use</a:t>
+                      </a:r>
+                    </a:p>
+                  </a:txBody>
+                  <a:tcPr marL="233815" marR="175362" marT="116908" marB="116908">
+                    <a:lnL w="12700" cmpd="sng">
+                      <a:noFill/>
+                      <a:prstDash val="solid"/>
+                    </a:lnL>
+                    <a:lnR w="12700" cmpd="sng">
+                      <a:noFill/>
+                      <a:prstDash val="solid"/>
+                    </a:lnR>
+                    <a:lnT w="9525" cap="flat" cmpd="sng" algn="ctr">
+                      <a:solidFill>
+                        <a:srgbClr val="C7C6C1"/>
+                      </a:solidFill>
+                      <a:prstDash val="solid"/>
+                    </a:lnT>
+                    <a:lnB w="9525" cap="flat" cmpd="sng" algn="ctr">
+                      <a:solidFill>
+                        <a:srgbClr val="C7C6C1"/>
+                      </a:solidFill>
+                      <a:prstDash val="solid"/>
+                    </a:lnB>
+                    <a:noFill/>
+                  </a:tcPr>
+                </a:tc>
+                <a:extLst>
+                  <a:ext uri="{0D108BD9-81ED-4DB2-BD59-A6C34878D82A}">
+                    <a16:rowId xmlns:a16="http://schemas.microsoft.com/office/drawing/2014/main" val="595667150"/>
+                  </a:ext>
+                </a:extLst>
+              </a:tr>
+              <a:tr h="1293779">
+                <a:tc>
+                  <a:txBody>
+                    <a:bodyPr/>
+                    <a:lstStyle/>
+                    <a:p>
+                      <a:r>
+                        <a:rPr lang="en-US" sz="1700" dirty="0">
+                          <a:solidFill>
+                            <a:schemeClr val="tx1">
+                              <a:lumMod val="75000"/>
+                              <a:lumOff val="25000"/>
+                            </a:schemeClr>
+                          </a:solidFill>
+                        </a:rPr>
+                        <a:t>Meant  for storage</a:t>
+                      </a:r>
+                    </a:p>
+                  </a:txBody>
+                  <a:tcPr marL="233815" marR="175362" marT="116908" marB="116908">
+                    <a:lnL w="12700" cmpd="sng">
+                      <a:noFill/>
+                      <a:prstDash val="solid"/>
+                    </a:lnL>
+                    <a:lnR w="12700" cmpd="sng">
+                      <a:noFill/>
+                      <a:prstDash val="solid"/>
+                    </a:lnR>
+                    <a:lnT w="9525" cap="flat" cmpd="sng" algn="ctr">
+                      <a:solidFill>
+                        <a:srgbClr val="C7C6C1"/>
+                      </a:solidFill>
+                      <a:prstDash val="solid"/>
+                    </a:lnT>
+                    <a:lnB w="9525" cap="flat" cmpd="sng" algn="ctr">
+                      <a:solidFill>
+                        <a:srgbClr val="C7C6C1"/>
+                      </a:solidFill>
+                      <a:prstDash val="solid"/>
+                    </a:lnB>
+                    <a:noFill/>
+                  </a:tcPr>
+                </a:tc>
+                <a:tc>
+                  <a:txBody>
+                    <a:bodyPr/>
+                    <a:lstStyle/>
+                    <a:p>
+                      <a:r>
+                        <a:rPr lang="en-US" sz="1700" dirty="0">
+                          <a:solidFill>
+                            <a:schemeClr val="tx1">
+                              <a:lumMod val="75000"/>
+                              <a:lumOff val="25000"/>
+                            </a:schemeClr>
+                          </a:solidFill>
+                        </a:rPr>
+                        <a:t>Meant more for Analytics and tight integration with </a:t>
+                      </a:r>
+                      <a:r>
+                        <a:rPr lang="en-US" sz="1700" dirty="0" err="1">
+                          <a:solidFill>
+                            <a:schemeClr val="tx1">
+                              <a:lumMod val="75000"/>
+                              <a:lumOff val="25000"/>
+                            </a:schemeClr>
+                          </a:solidFill>
+                        </a:rPr>
+                        <a:t>HdInsight</a:t>
+                      </a:r>
+                      <a:r>
+                        <a:rPr lang="en-US" sz="1700" dirty="0">
+                          <a:solidFill>
+                            <a:schemeClr val="tx1">
+                              <a:lumMod val="75000"/>
+                              <a:lumOff val="25000"/>
+                            </a:schemeClr>
+                          </a:solidFill>
+                        </a:rPr>
+                        <a:t> and even native tools like Hadoop, Spark…</a:t>
+                      </a:r>
+                    </a:p>
+                  </a:txBody>
+                  <a:tcPr marL="233815" marR="175362" marT="116908" marB="116908">
+                    <a:lnL w="12700" cmpd="sng">
+                      <a:noFill/>
+                      <a:prstDash val="solid"/>
+                    </a:lnL>
+                    <a:lnR w="12700" cmpd="sng">
+                      <a:noFill/>
+                      <a:prstDash val="solid"/>
+                    </a:lnR>
+                    <a:lnT w="9525" cap="flat" cmpd="sng" algn="ctr">
+                      <a:solidFill>
+                        <a:srgbClr val="C7C6C1"/>
+                      </a:solidFill>
+                      <a:prstDash val="solid"/>
+                    </a:lnT>
+                    <a:lnB w="9525" cap="flat" cmpd="sng" algn="ctr">
+                      <a:solidFill>
+                        <a:srgbClr val="C7C6C1"/>
+                      </a:solidFill>
+                      <a:prstDash val="solid"/>
+                    </a:lnB>
+                    <a:noFill/>
+                  </a:tcPr>
+                </a:tc>
+                <a:extLst>
+                  <a:ext uri="{0D108BD9-81ED-4DB2-BD59-A6C34878D82A}">
+                    <a16:rowId xmlns:a16="http://schemas.microsoft.com/office/drawing/2014/main" val="772825050"/>
+                  </a:ext>
+                </a:extLst>
+              </a:tr>
+            </a:tbl>
+          </a:graphicData>
+        </a:graphic>
+      </p:graphicFrame>
+    </p:spTree>
+    <p:extLst>
+      <p:ext uri="{BB962C8B-B14F-4D97-AF65-F5344CB8AC3E}">
+        <p14:creationId xmlns:p14="http://schemas.microsoft.com/office/powerpoint/2010/main" val="1095325821"/>
+      </p:ext>
+    </p:extLst>
+  </p:cSld>
+  <p:clrMapOvr>
+    <a:masterClrMapping/>
+  </p:clrMapOvr>
+</p:sld>
+</file>
+
+<file path=ppt/slides/slide11.xml><?xml version="1.0" encoding="utf-8"?>
+<p:sld xmlns:a="http://schemas.openxmlformats.org/drawingml/2006/main" xmlns:r="http://schemas.openxmlformats.org/officeDocument/2006/relationships" xmlns:p="http://schemas.openxmlformats.org/presentationml/2006/main">
+  <p:cSld>
+    <p:bg>
+      <p:bgPr>
+        <a:solidFill>
+          <a:schemeClr val="bg1"/>
+        </a:solidFill>
+        <a:effectLst/>
+      </p:bgPr>
+    </p:bg>
+    <p:spTree>
+      <p:nvGrpSpPr>
+        <p:cNvPr id="1" name=""/>
+        <p:cNvGrpSpPr/>
+        <p:nvPr/>
+      </p:nvGrpSpPr>
+      <p:grpSpPr>
+        <a:xfrm>
+          <a:off x="0" y="0"/>
+          <a:ext cx="0" cy="0"/>
+          <a:chOff x="0" y="0"/>
+          <a:chExt cx="0" cy="0"/>
+        </a:xfrm>
+      </p:grpSpPr>
+      <p:sp>
+        <p:nvSpPr>
           <p:cNvPr id="32" name="Rectangle 31">
             <a:extLst>
               <a:ext uri="{FF2B5EF4-FFF2-40B4-BE49-F238E27FC236}">
@@ -3273,671 +4521,13 @@
 </p:sld>
 </file>
 
-<file path=ppt/slides/slide11.xml><?xml version="1.0" encoding="utf-8"?>
-<p:sld xmlns:a="http://schemas.openxmlformats.org/drawingml/2006/main" xmlns:r="http://schemas.openxmlformats.org/officeDocument/2006/relationships" xmlns:p="http://schemas.openxmlformats.org/presentationml/2006/main">
-  <p:cSld>
-    <p:spTree>
-      <p:nvGrpSpPr>
-        <p:cNvPr id="1" name=""/>
-        <p:cNvGrpSpPr/>
-        <p:nvPr/>
-      </p:nvGrpSpPr>
-      <p:grpSpPr>
-        <a:xfrm>
-          <a:off x="0" y="0"/>
-          <a:ext cx="0" cy="0"/>
-          <a:chOff x="0" y="0"/>
-          <a:chExt cx="0" cy="0"/>
-        </a:xfrm>
-      </p:grpSpPr>
-      <p:sp>
-        <p:nvSpPr>
-          <p:cNvPr id="2" name="Title 1" hidden="1"/>
-          <p:cNvSpPr>
-            <a:spLocks noGrp="1"/>
-          </p:cNvSpPr>
-          <p:nvPr>
-            <p:ph type="title"/>
-          </p:nvPr>
-        </p:nvSpPr>
-        <p:spPr/>
-        <p:txBody>
-          <a:bodyPr/>
-          <a:lstStyle/>
-          <a:p>
-            <a:endParaRPr lang="en-US" dirty="0"/>
-          </a:p>
-        </p:txBody>
-      </p:sp>
-      <p:sp>
-        <p:nvSpPr>
-          <p:cNvPr id="7" name="Title 1"/>
-          <p:cNvSpPr txBox="1">
-            <a:spLocks/>
-          </p:cNvSpPr>
-          <p:nvPr/>
-        </p:nvSpPr>
-        <p:spPr>
-          <a:xfrm>
-            <a:off x="403747" y="1022492"/>
-            <a:ext cx="8139752" cy="4463908"/>
-          </a:xfrm>
-          <a:prstGeom prst="rect">
-            <a:avLst/>
-          </a:prstGeom>
-        </p:spPr>
-        <p:txBody>
-          <a:bodyPr vert="horz" lIns="91440" tIns="45720" rIns="91440" bIns="45720" rtlCol="0" anchor="ctr">
-            <a:normAutofit/>
-          </a:bodyPr>
-          <a:lstStyle>
-            <a:lvl1pPr algn="l" defTabSz="914400" rtl="0" eaLnBrk="1" latinLnBrk="0" hangingPunct="1">
-              <a:lnSpc>
-                <a:spcPct val="90000"/>
-              </a:lnSpc>
-              <a:spcBef>
-                <a:spcPct val="0"/>
-              </a:spcBef>
-              <a:buNone/>
-              <a:defRPr sz="4400" kern="1200">
-                <a:solidFill>
-                  <a:schemeClr val="tx1"/>
-                </a:solidFill>
-                <a:latin typeface="+mj-lt"/>
-                <a:ea typeface="+mj-ea"/>
-                <a:cs typeface="+mj-cs"/>
-              </a:defRPr>
-            </a:lvl1pPr>
-          </a:lstStyle>
-          <a:p>
-            <a:r>
-              <a:rPr lang="en-US" sz="3200" dirty="0">
-                <a:solidFill>
-                  <a:schemeClr val="bg1"/>
-                </a:solidFill>
-                <a:latin typeface="Segoe UI" panose="020B0502040204020203" pitchFamily="34" charset="0"/>
-                <a:ea typeface="Segoe UI" panose="020B0502040204020203" pitchFamily="34" charset="0"/>
-                <a:cs typeface="Segoe UI" panose="020B0502040204020203" pitchFamily="34" charset="0"/>
-              </a:rPr>
-              <a:t>Enter Text</a:t>
-            </a:r>
-          </a:p>
-        </p:txBody>
-      </p:sp>
-      <p:pic>
-        <p:nvPicPr>
-          <p:cNvPr id="4" name="Picture 3"/>
-          <p:cNvPicPr>
-            <a:picLocks noChangeAspect="1"/>
-          </p:cNvPicPr>
-          <p:nvPr/>
-        </p:nvPicPr>
-        <p:blipFill>
-          <a:blip r:embed="rId3">
-            <a:extLst>
-              <a:ext uri="{28A0092B-C50C-407E-A947-70E740481C1C}">
-                <a14:useLocalDpi xmlns:a14="http://schemas.microsoft.com/office/drawing/2010/main" val="0"/>
-              </a:ext>
-            </a:extLst>
-          </a:blip>
-          <a:stretch>
-            <a:fillRect/>
-          </a:stretch>
-        </p:blipFill>
-        <p:spPr>
-          <a:xfrm>
-            <a:off x="0" y="4180"/>
-            <a:ext cx="12192000" cy="6849639"/>
-          </a:xfrm>
-          <a:prstGeom prst="rect">
-            <a:avLst/>
-          </a:prstGeom>
-        </p:spPr>
-      </p:pic>
-      <p:sp>
-        <p:nvSpPr>
-          <p:cNvPr id="6" name="TextBox 5"/>
-          <p:cNvSpPr txBox="1"/>
-          <p:nvPr/>
-        </p:nvSpPr>
-        <p:spPr>
-          <a:xfrm>
-            <a:off x="403747" y="1874676"/>
-            <a:ext cx="9754044" cy="1015663"/>
-          </a:xfrm>
-          <a:prstGeom prst="rect">
-            <a:avLst/>
-          </a:prstGeom>
-          <a:noFill/>
-        </p:spPr>
-        <p:txBody>
-          <a:bodyPr wrap="square" rtlCol="0">
-            <a:spAutoFit/>
-          </a:bodyPr>
-          <a:lstStyle/>
-          <a:p>
-            <a:pPr marL="342900" lvl="0" indent="-342900">
-              <a:buFont typeface="Arial" panose="020B0604020202020204" pitchFamily="34" charset="0"/>
-              <a:buChar char="•"/>
-            </a:pPr>
-            <a:r>
-              <a:rPr lang="en-US" sz="3000" dirty="0"/>
-              <a:t>.</a:t>
-            </a:r>
-          </a:p>
-          <a:p>
-            <a:pPr marL="342900" lvl="0" indent="-342900">
-              <a:buFont typeface="Arial" panose="020B0604020202020204" pitchFamily="34" charset="0"/>
-              <a:buChar char="•"/>
-            </a:pPr>
-            <a:endParaRPr lang="en-US" sz="3000" dirty="0"/>
-          </a:p>
-        </p:txBody>
-      </p:sp>
-      <p:sp>
-        <p:nvSpPr>
-          <p:cNvPr id="3" name="Rectangle 2">
-            <a:extLst>
-              <a:ext uri="{FF2B5EF4-FFF2-40B4-BE49-F238E27FC236}">
-                <a16:creationId xmlns:a16="http://schemas.microsoft.com/office/drawing/2014/main" id="{5DECC70E-2EDD-4E20-B4C1-240F4C3DD4B7}"/>
-              </a:ext>
-            </a:extLst>
-          </p:cNvPr>
-          <p:cNvSpPr/>
-          <p:nvPr/>
-        </p:nvSpPr>
-        <p:spPr>
-          <a:xfrm>
-            <a:off x="403747" y="848564"/>
-            <a:ext cx="9754044" cy="707886"/>
-          </a:xfrm>
-          <a:prstGeom prst="rect">
-            <a:avLst/>
-          </a:prstGeom>
-          <a:noFill/>
-        </p:spPr>
-        <p:txBody>
-          <a:bodyPr wrap="square" lIns="91440" tIns="45720" rIns="91440" bIns="45720">
-            <a:spAutoFit/>
-          </a:bodyPr>
-          <a:lstStyle/>
-          <a:p>
-            <a:r>
-              <a:rPr lang="en-US" sz="4000" dirty="0">
-                <a:ln w="0"/>
-                <a:effectLst>
-                  <a:outerShdw blurRad="38100" dist="19050" dir="2700000" algn="tl" rotWithShape="0">
-                    <a:schemeClr val="dk1">
-                      <a:alpha val="40000"/>
-                    </a:schemeClr>
-                  </a:outerShdw>
-                </a:effectLst>
-              </a:rPr>
-              <a:t>References</a:t>
-            </a:r>
-          </a:p>
-        </p:txBody>
-      </p:sp>
-    </p:spTree>
-    <p:extLst>
-      <p:ext uri="{BB962C8B-B14F-4D97-AF65-F5344CB8AC3E}">
-        <p14:creationId xmlns:p14="http://schemas.microsoft.com/office/powerpoint/2010/main" val="3797604941"/>
-      </p:ext>
-    </p:extLst>
-  </p:cSld>
-  <p:clrMapOvr>
-    <a:masterClrMapping/>
-  </p:clrMapOvr>
-</p:sld>
-</file>
-
 <file path=ppt/slides/slide12.xml><?xml version="1.0" encoding="utf-8"?>
-<p:sld xmlns:a="http://schemas.openxmlformats.org/drawingml/2006/main" xmlns:r="http://schemas.openxmlformats.org/officeDocument/2006/relationships" xmlns:p="http://schemas.openxmlformats.org/presentationml/2006/main">
-  <p:cSld>
-    <p:spTree>
-      <p:nvGrpSpPr>
-        <p:cNvPr id="1" name=""/>
-        <p:cNvGrpSpPr/>
-        <p:nvPr/>
-      </p:nvGrpSpPr>
-      <p:grpSpPr>
-        <a:xfrm>
-          <a:off x="0" y="0"/>
-          <a:ext cx="0" cy="0"/>
-          <a:chOff x="0" y="0"/>
-          <a:chExt cx="0" cy="0"/>
-        </a:xfrm>
-      </p:grpSpPr>
-      <p:sp>
-        <p:nvSpPr>
-          <p:cNvPr id="2" name="Title 1" hidden="1"/>
-          <p:cNvSpPr>
-            <a:spLocks noGrp="1"/>
-          </p:cNvSpPr>
-          <p:nvPr>
-            <p:ph type="title"/>
-          </p:nvPr>
-        </p:nvSpPr>
-        <p:spPr/>
-        <p:txBody>
-          <a:bodyPr/>
-          <a:lstStyle/>
-          <a:p>
-            <a:endParaRPr lang="en-US" dirty="0"/>
-          </a:p>
-        </p:txBody>
-      </p:sp>
-      <p:sp>
-        <p:nvSpPr>
-          <p:cNvPr id="7" name="Title 1"/>
-          <p:cNvSpPr txBox="1">
-            <a:spLocks/>
-          </p:cNvSpPr>
-          <p:nvPr/>
-        </p:nvSpPr>
-        <p:spPr>
-          <a:xfrm>
-            <a:off x="403747" y="1022492"/>
-            <a:ext cx="8139752" cy="4463908"/>
-          </a:xfrm>
-          <a:prstGeom prst="rect">
-            <a:avLst/>
-          </a:prstGeom>
-        </p:spPr>
-        <p:txBody>
-          <a:bodyPr vert="horz" lIns="91440" tIns="45720" rIns="91440" bIns="45720" rtlCol="0" anchor="ctr">
-            <a:normAutofit/>
-          </a:bodyPr>
-          <a:lstStyle>
-            <a:lvl1pPr algn="l" defTabSz="914400" rtl="0" eaLnBrk="1" latinLnBrk="0" hangingPunct="1">
-              <a:lnSpc>
-                <a:spcPct val="90000"/>
-              </a:lnSpc>
-              <a:spcBef>
-                <a:spcPct val="0"/>
-              </a:spcBef>
-              <a:buNone/>
-              <a:defRPr sz="4400" kern="1200">
-                <a:solidFill>
-                  <a:schemeClr val="tx1"/>
-                </a:solidFill>
-                <a:latin typeface="+mj-lt"/>
-                <a:ea typeface="+mj-ea"/>
-                <a:cs typeface="+mj-cs"/>
-              </a:defRPr>
-            </a:lvl1pPr>
-          </a:lstStyle>
-          <a:p>
-            <a:r>
-              <a:rPr lang="en-US" sz="3200" dirty="0">
-                <a:solidFill>
-                  <a:schemeClr val="bg1"/>
-                </a:solidFill>
-                <a:latin typeface="Segoe UI" panose="020B0502040204020203" pitchFamily="34" charset="0"/>
-                <a:ea typeface="Segoe UI" panose="020B0502040204020203" pitchFamily="34" charset="0"/>
-                <a:cs typeface="Segoe UI" panose="020B0502040204020203" pitchFamily="34" charset="0"/>
-              </a:rPr>
-              <a:t>Enter Text</a:t>
-            </a:r>
-          </a:p>
-        </p:txBody>
-      </p:sp>
-      <p:pic>
-        <p:nvPicPr>
-          <p:cNvPr id="4" name="Picture 3"/>
-          <p:cNvPicPr>
-            <a:picLocks noChangeAspect="1"/>
-          </p:cNvPicPr>
-          <p:nvPr/>
-        </p:nvPicPr>
-        <p:blipFill>
-          <a:blip r:embed="rId2">
-            <a:extLst>
-              <a:ext uri="{28A0092B-C50C-407E-A947-70E740481C1C}">
-                <a14:useLocalDpi xmlns:a14="http://schemas.microsoft.com/office/drawing/2010/main" val="0"/>
-              </a:ext>
-            </a:extLst>
-          </a:blip>
-          <a:stretch>
-            <a:fillRect/>
-          </a:stretch>
-        </p:blipFill>
-        <p:spPr>
-          <a:xfrm>
-            <a:off x="0" y="4180"/>
-            <a:ext cx="12192000" cy="6849639"/>
-          </a:xfrm>
-          <a:prstGeom prst="rect">
-            <a:avLst/>
-          </a:prstGeom>
-        </p:spPr>
-      </p:pic>
-      <p:sp>
-        <p:nvSpPr>
-          <p:cNvPr id="5" name="Rectangle 4">
-            <a:extLst>
-              <a:ext uri="{FF2B5EF4-FFF2-40B4-BE49-F238E27FC236}">
-                <a16:creationId xmlns:a16="http://schemas.microsoft.com/office/drawing/2014/main" id="{95D344C9-CBA8-4BF1-8CA0-979B03AD54B2}"/>
-              </a:ext>
-            </a:extLst>
-          </p:cNvPr>
-          <p:cNvSpPr/>
-          <p:nvPr/>
-        </p:nvSpPr>
-        <p:spPr>
-          <a:xfrm>
-            <a:off x="4147053" y="1026522"/>
-            <a:ext cx="3491918" cy="923330"/>
-          </a:xfrm>
-          <a:prstGeom prst="rect">
-            <a:avLst/>
-          </a:prstGeom>
-          <a:noFill/>
-        </p:spPr>
-        <p:txBody>
-          <a:bodyPr wrap="none" lIns="91440" tIns="45720" rIns="91440" bIns="45720">
-            <a:spAutoFit/>
-          </a:bodyPr>
-          <a:lstStyle/>
-          <a:p>
-            <a:pPr algn="ctr"/>
-            <a:r>
-              <a:rPr lang="en-US" sz="5400" dirty="0">
-                <a:ln w="0"/>
-                <a:effectLst>
-                  <a:outerShdw blurRad="38100" dist="19050" dir="2700000" algn="tl" rotWithShape="0">
-                    <a:schemeClr val="dk1">
-                      <a:alpha val="40000"/>
-                    </a:schemeClr>
-                  </a:outerShdw>
-                </a:effectLst>
-              </a:rPr>
-              <a:t>Questions ?</a:t>
-            </a:r>
-          </a:p>
-        </p:txBody>
-      </p:sp>
-      <p:sp>
-        <p:nvSpPr>
-          <p:cNvPr id="13" name="TextBox 12">
-            <a:extLst>
-              <a:ext uri="{FF2B5EF4-FFF2-40B4-BE49-F238E27FC236}">
-                <a16:creationId xmlns:a16="http://schemas.microsoft.com/office/drawing/2014/main" id="{00F1E887-74F5-4F95-8509-56E70256AA1E}"/>
-              </a:ext>
-            </a:extLst>
-          </p:cNvPr>
-          <p:cNvSpPr txBox="1"/>
-          <p:nvPr/>
-        </p:nvSpPr>
-        <p:spPr>
-          <a:xfrm>
-            <a:off x="1135469" y="4446550"/>
-            <a:ext cx="3338154" cy="430887"/>
-          </a:xfrm>
-          <a:prstGeom prst="rect">
-            <a:avLst/>
-          </a:prstGeom>
-          <a:noFill/>
-        </p:spPr>
-        <p:txBody>
-          <a:bodyPr wrap="square" rtlCol="0">
-            <a:spAutoFit/>
-          </a:bodyPr>
-          <a:lstStyle/>
-          <a:p>
-            <a:r>
-              <a:rPr lang="en-US" sz="2200" dirty="0">
-                <a:solidFill>
-                  <a:schemeClr val="tx2"/>
-                </a:solidFill>
-                <a:ea typeface="Segoe UI" panose="020B0502040204020203" pitchFamily="34" charset="0"/>
-                <a:cs typeface="Segoe UI" panose="020B0502040204020203" pitchFamily="34" charset="0"/>
-                <a:hlinkClick r:id="rId3">
-                  <a:extLst>
-                    <a:ext uri="{A12FA001-AC4F-418D-AE19-62706E023703}">
-                      <ahyp:hlinkClr xmlns:ahyp="http://schemas.microsoft.com/office/drawing/2018/hyperlinkcolor" val="tx"/>
-                    </a:ext>
-                  </a:extLst>
-                </a:hlinkClick>
-              </a:rPr>
-              <a:t>dinesarun@hotmail.com</a:t>
-            </a:r>
-            <a:endParaRPr lang="en-US" sz="2200" dirty="0">
-              <a:solidFill>
-                <a:schemeClr val="tx2"/>
-              </a:solidFill>
-              <a:ea typeface="Segoe UI" panose="020B0502040204020203" pitchFamily="34" charset="0"/>
-              <a:cs typeface="Segoe UI" panose="020B0502040204020203" pitchFamily="34" charset="0"/>
-            </a:endParaRPr>
-          </a:p>
-        </p:txBody>
-      </p:sp>
-      <p:pic>
-        <p:nvPicPr>
-          <p:cNvPr id="14" name="Picture 13">
-            <a:extLst>
-              <a:ext uri="{FF2B5EF4-FFF2-40B4-BE49-F238E27FC236}">
-                <a16:creationId xmlns:a16="http://schemas.microsoft.com/office/drawing/2014/main" id="{D9A53123-1833-40CC-9E6E-D6BC945D047F}"/>
-              </a:ext>
-            </a:extLst>
-          </p:cNvPr>
-          <p:cNvPicPr>
-            <a:picLocks noChangeAspect="1"/>
-          </p:cNvPicPr>
-          <p:nvPr/>
-        </p:nvPicPr>
-        <p:blipFill>
-          <a:blip r:embed="rId4" cstate="print">
-            <a:extLst>
-              <a:ext uri="{28A0092B-C50C-407E-A947-70E740481C1C}">
-                <a14:useLocalDpi xmlns:a14="http://schemas.microsoft.com/office/drawing/2010/main" val="0"/>
-              </a:ext>
-            </a:extLst>
-          </a:blip>
-          <a:stretch>
-            <a:fillRect/>
-          </a:stretch>
-        </p:blipFill>
-        <p:spPr>
-          <a:xfrm>
-            <a:off x="655144" y="5033112"/>
-            <a:ext cx="400110" cy="400110"/>
-          </a:xfrm>
-          <a:prstGeom prst="rect">
-            <a:avLst/>
-          </a:prstGeom>
-        </p:spPr>
-      </p:pic>
-      <p:sp>
-        <p:nvSpPr>
-          <p:cNvPr id="15" name="Rectangle 14">
-            <a:extLst>
-              <a:ext uri="{FF2B5EF4-FFF2-40B4-BE49-F238E27FC236}">
-                <a16:creationId xmlns:a16="http://schemas.microsoft.com/office/drawing/2014/main" id="{0E39F9F4-E445-43D1-9F4C-AF8E0478CF7E}"/>
-              </a:ext>
-            </a:extLst>
-          </p:cNvPr>
-          <p:cNvSpPr/>
-          <p:nvPr/>
-        </p:nvSpPr>
-        <p:spPr>
-          <a:xfrm>
-            <a:off x="1135469" y="5017723"/>
-            <a:ext cx="1535546" cy="430887"/>
-          </a:xfrm>
-          <a:prstGeom prst="rect">
-            <a:avLst/>
-          </a:prstGeom>
-        </p:spPr>
-        <p:txBody>
-          <a:bodyPr wrap="square">
-            <a:spAutoFit/>
-          </a:bodyPr>
-          <a:lstStyle/>
-          <a:p>
-            <a:r>
-              <a:rPr lang="en-US" sz="2200" dirty="0">
-                <a:solidFill>
-                  <a:schemeClr val="tx2"/>
-                </a:solidFill>
-                <a:ea typeface="Segoe UI" panose="020B0502040204020203" pitchFamily="34" charset="0"/>
-                <a:cs typeface="Segoe UI" panose="020B0502040204020203" pitchFamily="34" charset="0"/>
-              </a:rPr>
-              <a:t>dinuswt22</a:t>
-            </a:r>
-          </a:p>
-        </p:txBody>
-      </p:sp>
-      <p:sp>
-        <p:nvSpPr>
-          <p:cNvPr id="20" name="Rectangle 19">
-            <a:extLst>
-              <a:ext uri="{FF2B5EF4-FFF2-40B4-BE49-F238E27FC236}">
-                <a16:creationId xmlns:a16="http://schemas.microsoft.com/office/drawing/2014/main" id="{F64071A0-A47D-4532-945E-A9470B1BCDDF}"/>
-              </a:ext>
-            </a:extLst>
-          </p:cNvPr>
-          <p:cNvSpPr/>
-          <p:nvPr/>
-        </p:nvSpPr>
-        <p:spPr>
-          <a:xfrm>
-            <a:off x="1135469" y="3899138"/>
-            <a:ext cx="5664949" cy="430887"/>
-          </a:xfrm>
-          <a:prstGeom prst="rect">
-            <a:avLst/>
-          </a:prstGeom>
-        </p:spPr>
-        <p:txBody>
-          <a:bodyPr wrap="none">
-            <a:spAutoFit/>
-          </a:bodyPr>
-          <a:lstStyle/>
-          <a:p>
-            <a:r>
-              <a:rPr lang="en-US" sz="2200" dirty="0">
-                <a:ln w="0"/>
-                <a:solidFill>
-                  <a:schemeClr val="tx2"/>
-                </a:solidFill>
-                <a:hlinkClick r:id="rId5">
-                  <a:extLst>
-                    <a:ext uri="{A12FA001-AC4F-418D-AE19-62706E023703}">
-                      <ahyp:hlinkClr xmlns:ahyp="http://schemas.microsoft.com/office/drawing/2018/hyperlinkcolor" val="tx"/>
-                    </a:ext>
-                  </a:extLst>
-                </a:hlinkClick>
-              </a:rPr>
-              <a:t>https://github.com/dinesarun/azurevidyapeeth</a:t>
-            </a:r>
-            <a:r>
-              <a:rPr lang="en-US" sz="2200" dirty="0">
-                <a:ln w="0"/>
-                <a:solidFill>
-                  <a:schemeClr val="tx2"/>
-                </a:solidFill>
-              </a:rPr>
-              <a:t> </a:t>
-            </a:r>
-          </a:p>
-        </p:txBody>
-      </p:sp>
-      <p:pic>
-        <p:nvPicPr>
-          <p:cNvPr id="23" name="Picture 22">
-            <a:extLst>
-              <a:ext uri="{FF2B5EF4-FFF2-40B4-BE49-F238E27FC236}">
-                <a16:creationId xmlns:a16="http://schemas.microsoft.com/office/drawing/2014/main" id="{A9B0461C-AB70-4460-BF27-62E823D6EF90}"/>
-              </a:ext>
-            </a:extLst>
-          </p:cNvPr>
-          <p:cNvPicPr>
-            <a:picLocks noChangeAspect="1"/>
-          </p:cNvPicPr>
-          <p:nvPr/>
-        </p:nvPicPr>
-        <p:blipFill>
-          <a:blip r:embed="rId6" cstate="print">
-            <a:extLst>
-              <a:ext uri="{28A0092B-C50C-407E-A947-70E740481C1C}">
-                <a14:useLocalDpi xmlns:a14="http://schemas.microsoft.com/office/drawing/2010/main" val="0"/>
-              </a:ext>
-            </a:extLst>
-          </a:blip>
-          <a:stretch>
-            <a:fillRect/>
-          </a:stretch>
-        </p:blipFill>
-        <p:spPr>
-          <a:xfrm>
-            <a:off x="655145" y="3914527"/>
-            <a:ext cx="400110" cy="400110"/>
-          </a:xfrm>
-          <a:prstGeom prst="rect">
-            <a:avLst/>
-          </a:prstGeom>
-        </p:spPr>
-      </p:pic>
-      <p:pic>
-        <p:nvPicPr>
-          <p:cNvPr id="17" name="Picture 16">
-            <a:extLst>
-              <a:ext uri="{FF2B5EF4-FFF2-40B4-BE49-F238E27FC236}">
-                <a16:creationId xmlns:a16="http://schemas.microsoft.com/office/drawing/2014/main" id="{ECB69F6C-E75C-4C2B-B650-D04154C65845}"/>
-              </a:ext>
-            </a:extLst>
-          </p:cNvPr>
-          <p:cNvPicPr>
-            <a:picLocks noChangeAspect="1"/>
-          </p:cNvPicPr>
-          <p:nvPr/>
-        </p:nvPicPr>
-        <p:blipFill>
-          <a:blip r:embed="rId7" cstate="print">
-            <a:extLst>
-              <a:ext uri="{28A0092B-C50C-407E-A947-70E740481C1C}">
-                <a14:useLocalDpi xmlns:a14="http://schemas.microsoft.com/office/drawing/2010/main" val="0"/>
-              </a:ext>
-            </a:extLst>
-          </a:blip>
-          <a:stretch>
-            <a:fillRect/>
-          </a:stretch>
-        </p:blipFill>
-        <p:spPr>
-          <a:xfrm>
-            <a:off x="624367" y="4446550"/>
-            <a:ext cx="430887" cy="430887"/>
-          </a:xfrm>
-          <a:prstGeom prst="rect">
-            <a:avLst/>
-          </a:prstGeom>
-        </p:spPr>
-      </p:pic>
-    </p:spTree>
-    <p:extLst>
-      <p:ext uri="{BB962C8B-B14F-4D97-AF65-F5344CB8AC3E}">
-        <p14:creationId xmlns:p14="http://schemas.microsoft.com/office/powerpoint/2010/main" val="445054829"/>
-      </p:ext>
-    </p:extLst>
-  </p:cSld>
-  <p:clrMapOvr>
-    <a:masterClrMapping/>
-  </p:clrMapOvr>
-</p:sld>
-</file>
-
-<file path=ppt/slides/slide2.xml><?xml version="1.0" encoding="utf-8"?>
 <p:sld xmlns:a="http://schemas.openxmlformats.org/drawingml/2006/main" xmlns:r="http://schemas.openxmlformats.org/officeDocument/2006/relationships" xmlns:p="http://schemas.openxmlformats.org/presentationml/2006/main">
   <p:cSld>
     <p:bg>
       <p:bgPr>
         <a:solidFill>
-          <a:schemeClr val="bg1">
-            <a:tint val="95000"/>
-            <a:satMod val="170000"/>
-          </a:schemeClr>
+          <a:schemeClr val="bg1"/>
         </a:solidFill>
         <a:effectLst/>
       </p:bgPr>
@@ -3958,10 +4548,98 @@
       </p:grpSpPr>
       <p:sp>
         <p:nvSpPr>
-          <p:cNvPr id="12" name="Rectangle 11">
+          <p:cNvPr id="2" name="Title 1">
             <a:extLst>
               <a:ext uri="{FF2B5EF4-FFF2-40B4-BE49-F238E27FC236}">
-                <a16:creationId xmlns:a16="http://schemas.microsoft.com/office/drawing/2014/main" id="{5B336162-B533-4EFE-8BB3-8EBB4A5E32F8}"/>
+                <a16:creationId xmlns:a16="http://schemas.microsoft.com/office/drawing/2014/main" id="{D1DFC740-E98C-4D1B-96D9-BFDF2FE0F1E7}"/>
+              </a:ext>
+            </a:extLst>
+          </p:cNvPr>
+          <p:cNvSpPr>
+            <a:spLocks noGrp="1"/>
+          </p:cNvSpPr>
+          <p:nvPr>
+            <p:ph type="title"/>
+          </p:nvPr>
+        </p:nvSpPr>
+        <p:spPr>
+          <a:xfrm>
+            <a:off x="1136428" y="627564"/>
+            <a:ext cx="7474172" cy="1325563"/>
+          </a:xfrm>
+        </p:spPr>
+        <p:txBody>
+          <a:bodyPr>
+            <a:normAutofit/>
+          </a:bodyPr>
+          <a:lstStyle/>
+          <a:p>
+            <a:r>
+              <a:rPr lang="en-US" dirty="0"/>
+              <a:t>Data Lake Analytics</a:t>
+            </a:r>
+          </a:p>
+        </p:txBody>
+      </p:sp>
+      <p:sp>
+        <p:nvSpPr>
+          <p:cNvPr id="3" name="Content Placeholder 2">
+            <a:extLst>
+              <a:ext uri="{FF2B5EF4-FFF2-40B4-BE49-F238E27FC236}">
+                <a16:creationId xmlns:a16="http://schemas.microsoft.com/office/drawing/2014/main" id="{C33E2DB0-AB25-48A2-89A1-D57DFF34F0A5}"/>
+              </a:ext>
+            </a:extLst>
+          </p:cNvPr>
+          <p:cNvSpPr>
+            <a:spLocks noGrp="1"/>
+          </p:cNvSpPr>
+          <p:nvPr>
+            <p:ph idx="1"/>
+          </p:nvPr>
+        </p:nvSpPr>
+        <p:spPr>
+          <a:xfrm>
+            <a:off x="1136429" y="2278173"/>
+            <a:ext cx="6467867" cy="3450613"/>
+          </a:xfrm>
+        </p:spPr>
+        <p:txBody>
+          <a:bodyPr anchor="ctr">
+            <a:normAutofit/>
+          </a:bodyPr>
+          <a:lstStyle/>
+          <a:p>
+            <a:r>
+              <a:rPr lang="en-US" sz="2400" dirty="0"/>
+              <a:t>Run Big Data analysis jobs that scale to massive data sets.</a:t>
+            </a:r>
+          </a:p>
+          <a:p>
+            <a:r>
+              <a:rPr lang="en-US" sz="2400" dirty="0"/>
+              <a:t>Create and manage batch, real-time and interactive analytics jobs.</a:t>
+            </a:r>
+          </a:p>
+          <a:p>
+            <a:r>
+              <a:rPr lang="en-US" sz="2400" dirty="0"/>
+              <a:t>Query using the U-SQL language.</a:t>
+            </a:r>
+          </a:p>
+          <a:p>
+            <a:r>
+              <a:rPr lang="en-US" sz="2400" dirty="0"/>
+              <a:t>Work with Visual Studio.</a:t>
+            </a:r>
+          </a:p>
+        </p:txBody>
+      </p:sp>
+      <p:sp>
+        <p:nvSpPr>
+          <p:cNvPr id="14" name="Rectangle 9">
+            <a:extLst>
+              <a:ext uri="{FF2B5EF4-FFF2-40B4-BE49-F238E27FC236}">
+                <a16:creationId xmlns:a16="http://schemas.microsoft.com/office/drawing/2014/main" id="{59A309A7-1751-4ABE-A3C1-EEC40366AD89}"/>
               </a:ext>
               <a:ext uri="{C183D7F6-B498-43B3-948B-1728B52AA6E4}">
                 <adec:decorative xmlns:adec="http://schemas.microsoft.com/office/drawing/2017/decorative" val="1"/>
@@ -3981,14 +4659,14 @@
         </p:nvSpPr>
         <p:spPr>
           <a:xfrm>
-            <a:off x="0" y="0"/>
-            <a:ext cx="5314384" cy="6858000"/>
+            <a:off x="10088880" y="0"/>
+            <a:ext cx="2103120" cy="6858000"/>
           </a:xfrm>
           <a:prstGeom prst="rect">
             <a:avLst/>
           </a:prstGeom>
           <a:solidFill>
-            <a:srgbClr val="D0CECE"/>
+            <a:schemeClr val="accent1"/>
           </a:solidFill>
           <a:ln>
             <a:noFill/>
@@ -4021,276 +4699,122 @@
       </p:sp>
       <p:sp>
         <p:nvSpPr>
-          <p:cNvPr id="7" name="Title 1"/>
-          <p:cNvSpPr txBox="1">
-            <a:spLocks/>
+          <p:cNvPr id="15" name="Oval 11">
+            <a:extLst>
+              <a:ext uri="{FF2B5EF4-FFF2-40B4-BE49-F238E27FC236}">
+                <a16:creationId xmlns:a16="http://schemas.microsoft.com/office/drawing/2014/main" id="{967D8EB6-EAE1-4F9C-B398-83321E287204}"/>
+              </a:ext>
+              <a:ext uri="{C183D7F6-B498-43B3-948B-1728B52AA6E4}">
+                <adec:decorative xmlns:adec="http://schemas.microsoft.com/office/drawing/2017/decorative" val="1"/>
+              </a:ext>
+            </a:extLst>
+          </p:cNvPr>
+          <p:cNvSpPr>
+            <a:spLocks noGrp="1" noRot="1" noChangeAspect="1" noMove="1" noResize="1" noEditPoints="1" noAdjustHandles="1" noChangeArrowheads="1" noChangeShapeType="1" noTextEdit="1"/>
           </p:cNvSpPr>
-          <p:nvPr/>
+          <p:nvPr>
+            <p:extLst>
+              <p:ext uri="{386F3935-93C4-4BCD-93E2-E3B085C9AB24}">
+                <p16:designElem xmlns:p16="http://schemas.microsoft.com/office/powerpoint/2015/main" val="1"/>
+              </p:ext>
+            </p:extLst>
+          </p:nvPr>
         </p:nvSpPr>
         <p:spPr>
           <a:xfrm>
-            <a:off x="6049182" y="802638"/>
-            <a:ext cx="5408696" cy="5252722"/>
+            <a:off x="8915400" y="2358913"/>
+            <a:ext cx="2140172" cy="2140172"/>
+          </a:xfrm>
+          <a:prstGeom prst="ellipse">
+            <a:avLst/>
+          </a:prstGeom>
+          <a:solidFill>
+            <a:srgbClr val="FFFFFF"/>
+          </a:solidFill>
+          <a:ln w="22225">
+            <a:solidFill>
+              <a:schemeClr val="accent1"/>
+            </a:solidFill>
+          </a:ln>
+        </p:spPr>
+        <p:style>
+          <a:lnRef idx="2">
+            <a:schemeClr val="accent1">
+              <a:shade val="50000"/>
+            </a:schemeClr>
+          </a:lnRef>
+          <a:fillRef idx="1">
+            <a:schemeClr val="accent1"/>
+          </a:fillRef>
+          <a:effectRef idx="0">
+            <a:schemeClr val="accent1"/>
+          </a:effectRef>
+          <a:fontRef idx="minor">
+            <a:schemeClr val="lt1"/>
+          </a:fontRef>
+        </p:style>
+        <p:txBody>
+          <a:bodyPr rtlCol="0" anchor="ctr"/>
+          <a:lstStyle/>
+          <a:p>
+            <a:pPr algn="ctr"/>
+            <a:endParaRPr lang="en-US"/>
+          </a:p>
+        </p:txBody>
+      </p:sp>
+      <p:pic>
+        <p:nvPicPr>
+          <p:cNvPr id="16" name="Graphic 6" descr="Bar chart">
+            <a:extLst>
+              <a:ext uri="{FF2B5EF4-FFF2-40B4-BE49-F238E27FC236}">
+                <a16:creationId xmlns:a16="http://schemas.microsoft.com/office/drawing/2014/main" id="{B17B742C-D5DB-4F32-AE60-9516C6BA6EF8}"/>
+              </a:ext>
+            </a:extLst>
+          </p:cNvPr>
+          <p:cNvPicPr>
+            <a:picLocks noChangeAspect="1"/>
+          </p:cNvPicPr>
+          <p:nvPr/>
+        </p:nvPicPr>
+        <p:blipFill>
+          <a:blip r:embed="rId3">
+            <a:extLst>
+              <a:ext uri="{28A0092B-C50C-407E-A947-70E740481C1C}">
+                <a14:useLocalDpi xmlns:a14="http://schemas.microsoft.com/office/drawing/2010/main" val="0"/>
+              </a:ext>
+              <a:ext uri="{96DAC541-7B7A-43D3-8B79-37D633B846F1}">
+                <asvg:svgBlip xmlns:asvg="http://schemas.microsoft.com/office/drawing/2016/SVG/main" r:embed="rId4"/>
+              </a:ext>
+            </a:extLst>
+          </a:blip>
+          <a:stretch>
+            <a:fillRect/>
+          </a:stretch>
+        </p:blipFill>
+        <p:spPr>
+          <a:xfrm>
+            <a:off x="9413987" y="2857501"/>
+            <a:ext cx="1142998" cy="1142998"/>
           </a:xfrm>
           <a:prstGeom prst="rect">
             <a:avLst/>
           </a:prstGeom>
         </p:spPr>
-        <p:txBody>
-          <a:bodyPr vert="horz" lIns="91440" tIns="45720" rIns="91440" bIns="45720" rtlCol="0" anchor="ctr">
-            <a:normAutofit/>
-          </a:bodyPr>
-          <a:lstStyle>
-            <a:lvl1pPr algn="l" defTabSz="914400" rtl="0" eaLnBrk="1" latinLnBrk="0" hangingPunct="1">
-              <a:lnSpc>
-                <a:spcPct val="90000"/>
-              </a:lnSpc>
-              <a:spcBef>
-                <a:spcPct val="0"/>
-              </a:spcBef>
-              <a:buNone/>
-              <a:defRPr sz="4400" kern="1200">
-                <a:solidFill>
-                  <a:schemeClr val="tx1"/>
-                </a:solidFill>
-                <a:latin typeface="+mj-lt"/>
-                <a:ea typeface="+mj-ea"/>
-                <a:cs typeface="+mj-cs"/>
-              </a:defRPr>
-            </a:lvl1pPr>
-          </a:lstStyle>
-          <a:p>
-            <a:pPr marL="285750" indent="-228600">
-              <a:spcAft>
-                <a:spcPts val="600"/>
-              </a:spcAft>
-              <a:buFont typeface="Arial" panose="020B0604020202020204" pitchFamily="34" charset="0"/>
-              <a:buChar char="•"/>
-            </a:pPr>
-            <a:endParaRPr lang="en-US" sz="2400">
-              <a:latin typeface="+mn-lt"/>
-              <a:ea typeface="+mn-ea"/>
-              <a:cs typeface="+mn-cs"/>
-            </a:endParaRPr>
-          </a:p>
-          <a:p>
-            <a:pPr marL="514350" indent="-228600">
-              <a:spcAft>
-                <a:spcPts val="600"/>
-              </a:spcAft>
-              <a:buFont typeface="Arial" panose="020B0604020202020204" pitchFamily="34" charset="0"/>
-              <a:buChar char="•"/>
-            </a:pPr>
-            <a:r>
-              <a:rPr lang="en-US" sz="2400" dirty="0">
-                <a:latin typeface="+mn-lt"/>
-                <a:ea typeface="+mn-ea"/>
-                <a:cs typeface="+mn-cs"/>
-              </a:rPr>
-              <a:t>Database options in Azure</a:t>
-            </a:r>
-          </a:p>
-          <a:p>
-            <a:pPr marL="514350" indent="-228600">
-              <a:spcAft>
-                <a:spcPts val="600"/>
-              </a:spcAft>
-              <a:buFont typeface="Arial" panose="020B0604020202020204" pitchFamily="34" charset="0"/>
-              <a:buChar char="•"/>
-            </a:pPr>
-            <a:r>
-              <a:rPr lang="en-US" sz="2400" dirty="0">
-                <a:latin typeface="+mn-lt"/>
-                <a:ea typeface="+mn-ea"/>
-                <a:cs typeface="+mn-cs"/>
-              </a:rPr>
-              <a:t>Why should I choose Data Lake?</a:t>
-            </a:r>
-          </a:p>
-          <a:p>
-            <a:pPr marL="514350" indent="-228600">
-              <a:spcAft>
-                <a:spcPts val="600"/>
-              </a:spcAft>
-              <a:buFont typeface="Arial" panose="020B0604020202020204" pitchFamily="34" charset="0"/>
-              <a:buChar char="•"/>
-            </a:pPr>
-            <a:r>
-              <a:rPr lang="en-US" sz="2400" dirty="0">
-                <a:latin typeface="+mn-lt"/>
-                <a:ea typeface="+mn-ea"/>
-                <a:cs typeface="+mn-cs"/>
-              </a:rPr>
-              <a:t>Control v Business value</a:t>
-            </a:r>
-          </a:p>
-          <a:p>
-            <a:pPr marL="514350" indent="-228600">
-              <a:spcAft>
-                <a:spcPts val="600"/>
-              </a:spcAft>
-              <a:buFont typeface="Arial" panose="020B0604020202020204" pitchFamily="34" charset="0"/>
-              <a:buChar char="•"/>
-            </a:pPr>
-            <a:endParaRPr lang="en-US" sz="2400" dirty="0">
-              <a:latin typeface="+mn-lt"/>
-              <a:ea typeface="+mn-ea"/>
-              <a:cs typeface="+mn-cs"/>
-            </a:endParaRPr>
-          </a:p>
-        </p:txBody>
-      </p:sp>
-      <p:sp>
-        <p:nvSpPr>
-          <p:cNvPr id="2" name="Title 1" hidden="1"/>
-          <p:cNvSpPr>
-            <a:spLocks noGrp="1"/>
-          </p:cNvSpPr>
-          <p:nvPr>
-            <p:ph type="title"/>
-          </p:nvPr>
-        </p:nvSpPr>
-        <p:spPr/>
-        <p:txBody>
-          <a:bodyPr>
-            <a:normAutofit/>
-          </a:bodyPr>
-          <a:lstStyle/>
-          <a:p>
-            <a:r>
-              <a:rPr lang="en-US" dirty="0" err="1"/>
-              <a:t>Agensss</a:t>
-            </a:r>
-            <a:endParaRPr lang="en-US" dirty="0"/>
-          </a:p>
-        </p:txBody>
-      </p:sp>
-      <p:sp>
-        <p:nvSpPr>
-          <p:cNvPr id="3" name="Rectangle 2">
-            <a:extLst>
-              <a:ext uri="{FF2B5EF4-FFF2-40B4-BE49-F238E27FC236}">
-                <a16:creationId xmlns:a16="http://schemas.microsoft.com/office/drawing/2014/main" id="{5DECC70E-2EDD-4E20-B4C1-240F4C3DD4B7}"/>
-              </a:ext>
-            </a:extLst>
-          </p:cNvPr>
-          <p:cNvSpPr/>
-          <p:nvPr/>
-        </p:nvSpPr>
-        <p:spPr>
-          <a:xfrm>
-            <a:off x="403747" y="848564"/>
-            <a:ext cx="2408333" cy="707886"/>
-          </a:xfrm>
-          <a:prstGeom prst="rect">
-            <a:avLst/>
-          </a:prstGeom>
-          <a:noFill/>
-        </p:spPr>
-        <p:txBody>
-          <a:bodyPr wrap="square" lIns="91440" tIns="45720" rIns="91440" bIns="45720">
-            <a:spAutoFit/>
-          </a:bodyPr>
-          <a:lstStyle/>
-          <a:p>
-            <a:endParaRPr lang="en-US" sz="4000" dirty="0">
-              <a:ln w="0"/>
-              <a:effectLst>
-                <a:outerShdw blurRad="38100" dist="19050" dir="2700000" algn="tl" rotWithShape="0">
-                  <a:schemeClr val="dk1">
-                    <a:alpha val="40000"/>
-                  </a:schemeClr>
-                </a:outerShdw>
-              </a:effectLst>
-            </a:endParaRPr>
-          </a:p>
-        </p:txBody>
-      </p:sp>
-      <p:sp>
-        <p:nvSpPr>
-          <p:cNvPr id="24" name="Title 1">
-            <a:extLst>
-              <a:ext uri="{FF2B5EF4-FFF2-40B4-BE49-F238E27FC236}">
-                <a16:creationId xmlns:a16="http://schemas.microsoft.com/office/drawing/2014/main" id="{DC31FA86-3847-48D3-9F7C-CCA04A249F1A}"/>
-              </a:ext>
-            </a:extLst>
-          </p:cNvPr>
-          <p:cNvSpPr txBox="1">
-            <a:spLocks/>
-          </p:cNvSpPr>
-          <p:nvPr/>
-        </p:nvSpPr>
-        <p:spPr>
-          <a:xfrm>
-            <a:off x="1490598" y="2590731"/>
-            <a:ext cx="2647059" cy="1676537"/>
-          </a:xfrm>
-          <a:prstGeom prst="rect">
-            <a:avLst/>
-          </a:prstGeom>
-        </p:spPr>
-        <p:txBody>
-          <a:bodyPr vert="horz" lIns="91440" tIns="45720" rIns="91440" bIns="45720" rtlCol="0" anchor="ctr">
-            <a:normAutofit/>
-          </a:bodyPr>
-          <a:lstStyle>
-            <a:lvl1pPr algn="l" defTabSz="914400" rtl="0" eaLnBrk="1" latinLnBrk="0" hangingPunct="1">
-              <a:lnSpc>
-                <a:spcPct val="90000"/>
-              </a:lnSpc>
-              <a:spcBef>
-                <a:spcPct val="0"/>
-              </a:spcBef>
-              <a:buNone/>
-              <a:defRPr sz="4400" kern="1200">
-                <a:solidFill>
-                  <a:schemeClr val="tx1"/>
-                </a:solidFill>
-                <a:latin typeface="+mj-lt"/>
-                <a:ea typeface="+mj-ea"/>
-                <a:cs typeface="+mj-cs"/>
-              </a:defRPr>
-            </a:lvl1pPr>
-          </a:lstStyle>
-          <a:p>
-            <a:r>
-              <a:rPr lang="en-US" sz="5600" dirty="0">
-                <a:ln w="0"/>
-                <a:solidFill>
-                  <a:schemeClr val="bg1"/>
-                </a:solidFill>
-                <a:effectLst>
-                  <a:outerShdw blurRad="38100" dist="19050" dir="2700000" algn="tl" rotWithShape="0">
-                    <a:schemeClr val="dk1">
-                      <a:alpha val="40000"/>
-                    </a:schemeClr>
-                  </a:outerShdw>
-                </a:effectLst>
-              </a:rPr>
-              <a:t>Agenda</a:t>
-            </a:r>
-            <a:endParaRPr lang="en-US" sz="5600" dirty="0">
-              <a:solidFill>
-                <a:schemeClr val="bg1"/>
-              </a:solidFill>
-            </a:endParaRPr>
-          </a:p>
-        </p:txBody>
-      </p:sp>
+      </p:pic>
     </p:spTree>
     <p:extLst>
       <p:ext uri="{BB962C8B-B14F-4D97-AF65-F5344CB8AC3E}">
-        <p14:creationId xmlns:p14="http://schemas.microsoft.com/office/powerpoint/2010/main" val="3863763873"/>
+        <p14:creationId xmlns:p14="http://schemas.microsoft.com/office/powerpoint/2010/main" val="2196034314"/>
       </p:ext>
     </p:extLst>
   </p:cSld>
   <p:clrMapOvr>
-    <a:overrideClrMapping bg1="dk1" tx1="lt1" bg2="dk2" tx2="lt2" accent1="accent1" accent2="accent2" accent3="accent3" accent4="accent4" accent5="accent5" accent6="accent6" hlink="hlink" folHlink="folHlink"/>
+    <a:masterClrMapping/>
   </p:clrMapOvr>
 </p:sld>
 </file>
 
-<file path=ppt/slides/slide3.xml><?xml version="1.0" encoding="utf-8"?>
+<file path=ppt/slides/slide13.xml><?xml version="1.0" encoding="utf-8"?>
 <p:sld xmlns:a="http://schemas.openxmlformats.org/drawingml/2006/main" xmlns:r="http://schemas.openxmlformats.org/officeDocument/2006/relationships" xmlns:p="http://schemas.openxmlformats.org/presentationml/2006/main">
   <p:cSld>
     <p:bg>
@@ -4317,611 +4841,7 @@
       </p:grpSpPr>
       <p:sp>
         <p:nvSpPr>
-          <p:cNvPr id="9" name="Rectangle 11">
-            <a:extLst>
-              <a:ext uri="{FF2B5EF4-FFF2-40B4-BE49-F238E27FC236}">
-                <a16:creationId xmlns:a16="http://schemas.microsoft.com/office/drawing/2014/main" id="{823AC064-BC96-4F32-8AE1-B2FD38754823}"/>
-              </a:ext>
-              <a:ext uri="{C183D7F6-B498-43B3-948B-1728B52AA6E4}">
-                <adec:decorative xmlns:adec="http://schemas.microsoft.com/office/drawing/2017/decorative" val="1"/>
-              </a:ext>
-            </a:extLst>
-          </p:cNvPr>
-          <p:cNvSpPr>
-            <a:spLocks noGrp="1" noRot="1" noChangeAspect="1" noMove="1" noResize="1" noEditPoints="1" noAdjustHandles="1" noChangeArrowheads="1" noChangeShapeType="1" noTextEdit="1"/>
-          </p:cNvSpPr>
-          <p:nvPr>
-            <p:extLst>
-              <p:ext uri="{386F3935-93C4-4BCD-93E2-E3B085C9AB24}">
-                <p16:designElem xmlns:p16="http://schemas.microsoft.com/office/powerpoint/2015/main" val="1"/>
-              </p:ext>
-            </p:extLst>
-          </p:nvPr>
-        </p:nvSpPr>
-        <p:spPr bwMode="ltGray">
-          <a:xfrm>
-            <a:off x="378068" y="4633546"/>
-            <a:ext cx="11438793" cy="1844256"/>
-          </a:xfrm>
-          <a:prstGeom prst="rect">
-            <a:avLst/>
-          </a:prstGeom>
-          <a:solidFill>
-            <a:srgbClr val="404040"/>
-          </a:solidFill>
-          <a:ln w="127000" cap="sq" cmpd="thinThick">
-            <a:solidFill>
-              <a:srgbClr val="404040"/>
-            </a:solidFill>
-          </a:ln>
-        </p:spPr>
-        <p:style>
-          <a:lnRef idx="2">
-            <a:schemeClr val="accent1">
-              <a:shade val="50000"/>
-            </a:schemeClr>
-          </a:lnRef>
-          <a:fillRef idx="1">
-            <a:schemeClr val="accent1"/>
-          </a:fillRef>
-          <a:effectRef idx="0">
-            <a:schemeClr val="accent1"/>
-          </a:effectRef>
-          <a:fontRef idx="minor">
-            <a:schemeClr val="lt1"/>
-          </a:fontRef>
-        </p:style>
-        <p:txBody>
-          <a:bodyPr rtlCol="0" anchor="ctr"/>
-          <a:lstStyle/>
-          <a:p>
-            <a:pPr marL="0" marR="0" lvl="0" indent="0" algn="ctr" defTabSz="914400" rtl="0" eaLnBrk="1" fontAlgn="auto" latinLnBrk="0" hangingPunct="1">
-              <a:lnSpc>
-                <a:spcPct val="100000"/>
-              </a:lnSpc>
-              <a:spcBef>
-                <a:spcPts val="0"/>
-              </a:spcBef>
-              <a:spcAft>
-                <a:spcPts val="0"/>
-              </a:spcAft>
-              <a:buClrTx/>
-              <a:buSzTx/>
-              <a:buFontTx/>
-              <a:buNone/>
-              <a:tabLst/>
-              <a:defRPr/>
-            </a:pPr>
-            <a:endParaRPr kumimoji="0" lang="en-US" sz="1800" b="0" i="0" u="none" strike="noStrike" kern="1200" cap="none" spc="0" normalizeH="0" baseline="0" noProof="0">
-              <a:ln>
-                <a:noFill/>
-              </a:ln>
-              <a:solidFill>
-                <a:prstClr val="white"/>
-              </a:solidFill>
-              <a:effectLst/>
-              <a:uLnTx/>
-              <a:uFillTx/>
-              <a:latin typeface="Calibri" panose="020F0502020204030204"/>
-              <a:ea typeface="+mn-ea"/>
-              <a:cs typeface="+mn-cs"/>
-            </a:endParaRPr>
-          </a:p>
-        </p:txBody>
-      </p:sp>
-      <p:sp>
-        <p:nvSpPr>
-          <p:cNvPr id="7" name="Title 1"/>
-          <p:cNvSpPr txBox="1">
-            <a:spLocks/>
-          </p:cNvSpPr>
-          <p:nvPr/>
-        </p:nvSpPr>
-        <p:spPr>
-          <a:xfrm>
-            <a:off x="526073" y="4756638"/>
-            <a:ext cx="11139854" cy="930447"/>
-          </a:xfrm>
-          <a:prstGeom prst="rect">
-            <a:avLst/>
-          </a:prstGeom>
-        </p:spPr>
-        <p:txBody>
-          <a:bodyPr vert="horz" lIns="91440" tIns="45720" rIns="91440" bIns="45720" rtlCol="0" anchor="b">
-            <a:normAutofit/>
-          </a:bodyPr>
-          <a:lstStyle>
-            <a:lvl1pPr algn="l" defTabSz="914400" rtl="0" eaLnBrk="1" latinLnBrk="0" hangingPunct="1">
-              <a:lnSpc>
-                <a:spcPct val="90000"/>
-              </a:lnSpc>
-              <a:spcBef>
-                <a:spcPct val="0"/>
-              </a:spcBef>
-              <a:buNone/>
-              <a:defRPr sz="4400" kern="1200">
-                <a:solidFill>
-                  <a:schemeClr val="tx1"/>
-                </a:solidFill>
-                <a:latin typeface="+mj-lt"/>
-                <a:ea typeface="+mj-ea"/>
-                <a:cs typeface="+mj-cs"/>
-              </a:defRPr>
-            </a:lvl1pPr>
-          </a:lstStyle>
-          <a:p>
-            <a:pPr algn="ctr">
-              <a:spcAft>
-                <a:spcPts val="600"/>
-              </a:spcAft>
-            </a:pPr>
-            <a:r>
-              <a:rPr lang="en-US" sz="5400" kern="1200">
-                <a:solidFill>
-                  <a:srgbClr val="FFFFFF"/>
-                </a:solidFill>
-                <a:latin typeface="+mj-lt"/>
-                <a:ea typeface="+mj-ea"/>
-                <a:cs typeface="+mj-cs"/>
-              </a:rPr>
-              <a:t>Database options in Azure</a:t>
-            </a:r>
-          </a:p>
-        </p:txBody>
-      </p:sp>
-      <p:pic>
-        <p:nvPicPr>
-          <p:cNvPr id="5" name="Picture 4">
-            <a:extLst>
-              <a:ext uri="{FF2B5EF4-FFF2-40B4-BE49-F238E27FC236}">
-                <a16:creationId xmlns:a16="http://schemas.microsoft.com/office/drawing/2014/main" id="{7E7B9D47-43B9-401B-B302-53E330CE30B4}"/>
-              </a:ext>
-            </a:extLst>
-          </p:cNvPr>
-          <p:cNvPicPr>
-            <a:picLocks noChangeAspect="1"/>
-          </p:cNvPicPr>
-          <p:nvPr/>
-        </p:nvPicPr>
-        <p:blipFill>
-          <a:blip r:embed="rId3">
-            <a:extLst>
-              <a:ext uri="{BEBA8EAE-BF5A-486C-A8C5-ECC9F3942E4B}">
-                <a14:imgProps xmlns:a14="http://schemas.microsoft.com/office/drawing/2010/main">
-                  <a14:imgLayer r:embed="rId4">
-                    <a14:imgEffect>
-                      <a14:colorTemperature colorTemp="9334"/>
-                    </a14:imgEffect>
-                    <a14:imgEffect>
-                      <a14:saturation sat="264000"/>
-                    </a14:imgEffect>
-                    <a14:imgEffect>
-                      <a14:brightnessContrast bright="11000" contrast="-29000"/>
-                    </a14:imgEffect>
-                  </a14:imgLayer>
-                </a14:imgProps>
-              </a:ext>
-            </a:extLst>
-          </a:blip>
-          <a:stretch>
-            <a:fillRect/>
-          </a:stretch>
-        </p:blipFill>
-        <p:spPr>
-          <a:xfrm>
-            <a:off x="842781" y="307731"/>
-            <a:ext cx="10451339" cy="3997637"/>
-          </a:xfrm>
-          <a:prstGeom prst="rect">
-            <a:avLst/>
-          </a:prstGeom>
-        </p:spPr>
-      </p:pic>
-      <p:cxnSp>
-        <p:nvCxnSpPr>
-          <p:cNvPr id="14" name="Straight Connector 13">
-            <a:extLst>
-              <a:ext uri="{FF2B5EF4-FFF2-40B4-BE49-F238E27FC236}">
-                <a16:creationId xmlns:a16="http://schemas.microsoft.com/office/drawing/2014/main" id="{7E7C77BC-7138-40B1-A15B-20F57A494629}"/>
-              </a:ext>
-              <a:ext uri="{C183D7F6-B498-43B3-948B-1728B52AA6E4}">
-                <adec:decorative xmlns:adec="http://schemas.microsoft.com/office/drawing/2017/decorative" val="1"/>
-              </a:ext>
-            </a:extLst>
-          </p:cNvPr>
-          <p:cNvCxnSpPr>
-            <a:cxnSpLocks noGrp="1" noRot="1" noChangeAspect="1" noMove="1" noResize="1" noEditPoints="1" noAdjustHandles="1" noChangeArrowheads="1" noChangeShapeType="1"/>
-          </p:cNvCxnSpPr>
-          <p:nvPr>
-            <p:extLst>
-              <p:ext uri="{386F3935-93C4-4BCD-93E2-E3B085C9AB24}">
-                <p16:designElem xmlns:p16="http://schemas.microsoft.com/office/powerpoint/2015/main" val="1"/>
-              </p:ext>
-            </p:extLst>
-          </p:nvPr>
-        </p:nvCxnSpPr>
-        <p:spPr>
-          <a:xfrm>
-            <a:off x="2209800" y="5738691"/>
-            <a:ext cx="7772400" cy="0"/>
-          </a:xfrm>
-          <a:prstGeom prst="line">
-            <a:avLst/>
-          </a:prstGeom>
-          <a:ln w="22225">
-            <a:solidFill>
-              <a:srgbClr val="D9D9D9"/>
-            </a:solidFill>
-          </a:ln>
-        </p:spPr>
-        <p:style>
-          <a:lnRef idx="1">
-            <a:schemeClr val="accent1"/>
-          </a:lnRef>
-          <a:fillRef idx="0">
-            <a:schemeClr val="accent1"/>
-          </a:fillRef>
-          <a:effectRef idx="0">
-            <a:schemeClr val="accent1"/>
-          </a:effectRef>
-          <a:fontRef idx="minor">
-            <a:schemeClr val="tx1"/>
-          </a:fontRef>
-        </p:style>
-      </p:cxnSp>
-      <p:sp>
-        <p:nvSpPr>
-          <p:cNvPr id="2" name="Title 1" hidden="1"/>
-          <p:cNvSpPr>
-            <a:spLocks noGrp="1"/>
-          </p:cNvSpPr>
-          <p:nvPr>
-            <p:ph type="title"/>
-          </p:nvPr>
-        </p:nvSpPr>
-        <p:spPr/>
-        <p:txBody>
-          <a:bodyPr/>
-          <a:lstStyle/>
-          <a:p>
-            <a:endParaRPr lang="en-US" dirty="0"/>
-          </a:p>
-        </p:txBody>
-      </p:sp>
-    </p:spTree>
-    <p:extLst>
-      <p:ext uri="{BB962C8B-B14F-4D97-AF65-F5344CB8AC3E}">
-        <p14:creationId xmlns:p14="http://schemas.microsoft.com/office/powerpoint/2010/main" val="2163416231"/>
-      </p:ext>
-    </p:extLst>
-  </p:cSld>
-  <p:clrMapOvr>
-    <a:masterClrMapping/>
-  </p:clrMapOvr>
-</p:sld>
-</file>
-
-<file path=ppt/slides/slide4.xml><?xml version="1.0" encoding="utf-8"?>
-<p:sld xmlns:a="http://schemas.openxmlformats.org/drawingml/2006/main" xmlns:r="http://schemas.openxmlformats.org/officeDocument/2006/relationships" xmlns:p="http://schemas.openxmlformats.org/presentationml/2006/main">
-  <p:cSld>
-    <p:bg>
-      <p:bgPr>
-        <a:solidFill>
-          <a:schemeClr val="bg1"/>
-        </a:solidFill>
-        <a:effectLst/>
-      </p:bgPr>
-    </p:bg>
-    <p:spTree>
-      <p:nvGrpSpPr>
-        <p:cNvPr id="1" name=""/>
-        <p:cNvGrpSpPr/>
-        <p:nvPr/>
-      </p:nvGrpSpPr>
-      <p:grpSpPr>
-        <a:xfrm>
-          <a:off x="0" y="0"/>
-          <a:ext cx="0" cy="0"/>
-          <a:chOff x="0" y="0"/>
-          <a:chExt cx="0" cy="0"/>
-        </a:xfrm>
-      </p:grpSpPr>
-      <p:sp>
-        <p:nvSpPr>
-          <p:cNvPr id="13" name="Rectangle 12">
-            <a:extLst>
-              <a:ext uri="{FF2B5EF4-FFF2-40B4-BE49-F238E27FC236}">
-                <a16:creationId xmlns:a16="http://schemas.microsoft.com/office/drawing/2014/main" id="{823AC064-BC96-4F32-8AE1-B2FD38754823}"/>
-              </a:ext>
-              <a:ext uri="{C183D7F6-B498-43B3-948B-1728B52AA6E4}">
-                <adec:decorative xmlns:adec="http://schemas.microsoft.com/office/drawing/2017/decorative" val="1"/>
-              </a:ext>
-            </a:extLst>
-          </p:cNvPr>
-          <p:cNvSpPr>
-            <a:spLocks noGrp="1" noRot="1" noChangeAspect="1" noMove="1" noResize="1" noEditPoints="1" noAdjustHandles="1" noChangeArrowheads="1" noChangeShapeType="1" noTextEdit="1"/>
-          </p:cNvSpPr>
-          <p:nvPr>
-            <p:extLst>
-              <p:ext uri="{386F3935-93C4-4BCD-93E2-E3B085C9AB24}">
-                <p16:designElem xmlns:p16="http://schemas.microsoft.com/office/powerpoint/2015/main" val="1"/>
-              </p:ext>
-            </p:extLst>
-          </p:nvPr>
-        </p:nvSpPr>
-        <p:spPr bwMode="ltGray">
-          <a:xfrm>
-            <a:off x="378068" y="4633546"/>
-            <a:ext cx="11438793" cy="1844256"/>
-          </a:xfrm>
-          <a:prstGeom prst="rect">
-            <a:avLst/>
-          </a:prstGeom>
-          <a:solidFill>
-            <a:srgbClr val="404040"/>
-          </a:solidFill>
-          <a:ln w="127000" cap="sq" cmpd="thinThick">
-            <a:solidFill>
-              <a:srgbClr val="404040"/>
-            </a:solidFill>
-          </a:ln>
-        </p:spPr>
-        <p:style>
-          <a:lnRef idx="2">
-            <a:schemeClr val="accent1">
-              <a:shade val="50000"/>
-            </a:schemeClr>
-          </a:lnRef>
-          <a:fillRef idx="1">
-            <a:schemeClr val="accent1"/>
-          </a:fillRef>
-          <a:effectRef idx="0">
-            <a:schemeClr val="accent1"/>
-          </a:effectRef>
-          <a:fontRef idx="minor">
-            <a:schemeClr val="lt1"/>
-          </a:fontRef>
-        </p:style>
-        <p:txBody>
-          <a:bodyPr rtlCol="0" anchor="ctr"/>
-          <a:lstStyle/>
-          <a:p>
-            <a:pPr marL="0" marR="0" lvl="0" indent="0" algn="ctr" defTabSz="914400" rtl="0" eaLnBrk="1" fontAlgn="auto" latinLnBrk="0" hangingPunct="1">
-              <a:lnSpc>
-                <a:spcPct val="100000"/>
-              </a:lnSpc>
-              <a:spcBef>
-                <a:spcPts val="0"/>
-              </a:spcBef>
-              <a:spcAft>
-                <a:spcPts val="0"/>
-              </a:spcAft>
-              <a:buClrTx/>
-              <a:buSzTx/>
-              <a:buFontTx/>
-              <a:buNone/>
-              <a:tabLst/>
-              <a:defRPr/>
-            </a:pPr>
-            <a:endParaRPr kumimoji="0" lang="en-US" sz="1800" b="0" i="0" u="none" strike="noStrike" kern="1200" cap="none" spc="0" normalizeH="0" baseline="0" noProof="0">
-              <a:ln>
-                <a:noFill/>
-              </a:ln>
-              <a:solidFill>
-                <a:prstClr val="white"/>
-              </a:solidFill>
-              <a:effectLst/>
-              <a:uLnTx/>
-              <a:uFillTx/>
-              <a:latin typeface="Calibri" panose="020F0502020204030204"/>
-              <a:ea typeface="+mn-ea"/>
-              <a:cs typeface="+mn-cs"/>
-            </a:endParaRPr>
-          </a:p>
-        </p:txBody>
-      </p:sp>
-      <p:sp>
-        <p:nvSpPr>
-          <p:cNvPr id="7" name="Title 1"/>
-          <p:cNvSpPr txBox="1">
-            <a:spLocks/>
-          </p:cNvSpPr>
-          <p:nvPr/>
-        </p:nvSpPr>
-        <p:spPr>
-          <a:xfrm>
-            <a:off x="526073" y="4756638"/>
-            <a:ext cx="11139854" cy="930447"/>
-          </a:xfrm>
-          <a:prstGeom prst="rect">
-            <a:avLst/>
-          </a:prstGeom>
-        </p:spPr>
-        <p:txBody>
-          <a:bodyPr vert="horz" lIns="91440" tIns="45720" rIns="91440" bIns="45720" rtlCol="0" anchor="b">
-            <a:normAutofit/>
-          </a:bodyPr>
-          <a:lstStyle>
-            <a:lvl1pPr algn="l" defTabSz="914400" rtl="0" eaLnBrk="1" latinLnBrk="0" hangingPunct="1">
-              <a:lnSpc>
-                <a:spcPct val="90000"/>
-              </a:lnSpc>
-              <a:spcBef>
-                <a:spcPct val="0"/>
-              </a:spcBef>
-              <a:buNone/>
-              <a:defRPr sz="4400" kern="1200">
-                <a:solidFill>
-                  <a:schemeClr val="tx1"/>
-                </a:solidFill>
-                <a:latin typeface="+mj-lt"/>
-                <a:ea typeface="+mj-ea"/>
-                <a:cs typeface="+mj-cs"/>
-              </a:defRPr>
-            </a:lvl1pPr>
-          </a:lstStyle>
-          <a:p>
-            <a:pPr algn="ctr">
-              <a:spcAft>
-                <a:spcPts val="600"/>
-              </a:spcAft>
-            </a:pPr>
-            <a:r>
-              <a:rPr lang="en-US" sz="5400" kern="1200" dirty="0">
-                <a:solidFill>
-                  <a:srgbClr val="FFFFFF"/>
-                </a:solidFill>
-                <a:latin typeface="+mj-lt"/>
-                <a:ea typeface="+mj-ea"/>
-                <a:cs typeface="+mj-cs"/>
-              </a:rPr>
-              <a:t>OLAP, OLTP</a:t>
-            </a:r>
-          </a:p>
-        </p:txBody>
-      </p:sp>
-      <p:pic>
-        <p:nvPicPr>
-          <p:cNvPr id="8" name="Picture 7">
-            <a:extLst>
-              <a:ext uri="{FF2B5EF4-FFF2-40B4-BE49-F238E27FC236}">
-                <a16:creationId xmlns:a16="http://schemas.microsoft.com/office/drawing/2014/main" id="{724D2382-4398-4CAB-9665-3A3871483AA7}"/>
-              </a:ext>
-            </a:extLst>
-          </p:cNvPr>
-          <p:cNvPicPr>
-            <a:picLocks noChangeAspect="1"/>
-          </p:cNvPicPr>
-          <p:nvPr/>
-        </p:nvPicPr>
-        <p:blipFill>
-          <a:blip r:embed="rId3"/>
-          <a:stretch>
-            <a:fillRect/>
-          </a:stretch>
-        </p:blipFill>
-        <p:spPr>
-          <a:xfrm>
-            <a:off x="1860411" y="307731"/>
-            <a:ext cx="8416079" cy="3997637"/>
-          </a:xfrm>
-          <a:prstGeom prst="rect">
-            <a:avLst/>
-          </a:prstGeom>
-        </p:spPr>
-      </p:pic>
-      <p:cxnSp>
-        <p:nvCxnSpPr>
-          <p:cNvPr id="15" name="Straight Connector 14">
-            <a:extLst>
-              <a:ext uri="{FF2B5EF4-FFF2-40B4-BE49-F238E27FC236}">
-                <a16:creationId xmlns:a16="http://schemas.microsoft.com/office/drawing/2014/main" id="{7E7C77BC-7138-40B1-A15B-20F57A494629}"/>
-              </a:ext>
-              <a:ext uri="{C183D7F6-B498-43B3-948B-1728B52AA6E4}">
-                <adec:decorative xmlns:adec="http://schemas.microsoft.com/office/drawing/2017/decorative" val="1"/>
-              </a:ext>
-            </a:extLst>
-          </p:cNvPr>
-          <p:cNvCxnSpPr>
-            <a:cxnSpLocks noGrp="1" noRot="1" noChangeAspect="1" noMove="1" noResize="1" noEditPoints="1" noAdjustHandles="1" noChangeArrowheads="1" noChangeShapeType="1"/>
-          </p:cNvCxnSpPr>
-          <p:nvPr>
-            <p:extLst>
-              <p:ext uri="{386F3935-93C4-4BCD-93E2-E3B085C9AB24}">
-                <p16:designElem xmlns:p16="http://schemas.microsoft.com/office/powerpoint/2015/main" val="1"/>
-              </p:ext>
-            </p:extLst>
-          </p:nvPr>
-        </p:nvCxnSpPr>
-        <p:spPr>
-          <a:xfrm>
-            <a:off x="2209800" y="5738691"/>
-            <a:ext cx="7772400" cy="0"/>
-          </a:xfrm>
-          <a:prstGeom prst="line">
-            <a:avLst/>
-          </a:prstGeom>
-          <a:ln w="22225">
-            <a:solidFill>
-              <a:srgbClr val="D9D9D9"/>
-            </a:solidFill>
-          </a:ln>
-        </p:spPr>
-        <p:style>
-          <a:lnRef idx="1">
-            <a:schemeClr val="accent1"/>
-          </a:lnRef>
-          <a:fillRef idx="0">
-            <a:schemeClr val="accent1"/>
-          </a:fillRef>
-          <a:effectRef idx="0">
-            <a:schemeClr val="accent1"/>
-          </a:effectRef>
-          <a:fontRef idx="minor">
-            <a:schemeClr val="tx1"/>
-          </a:fontRef>
-        </p:style>
-      </p:cxnSp>
-      <p:sp>
-        <p:nvSpPr>
-          <p:cNvPr id="2" name="Title 1" hidden="1"/>
-          <p:cNvSpPr>
-            <a:spLocks noGrp="1"/>
-          </p:cNvSpPr>
-          <p:nvPr>
-            <p:ph type="title"/>
-          </p:nvPr>
-        </p:nvSpPr>
-        <p:spPr/>
-        <p:txBody>
-          <a:bodyPr/>
-          <a:lstStyle/>
-          <a:p>
-            <a:endParaRPr lang="en-US" dirty="0"/>
-          </a:p>
-        </p:txBody>
-      </p:sp>
-    </p:spTree>
-    <p:extLst>
-      <p:ext uri="{BB962C8B-B14F-4D97-AF65-F5344CB8AC3E}">
-        <p14:creationId xmlns:p14="http://schemas.microsoft.com/office/powerpoint/2010/main" val="3228373058"/>
-      </p:ext>
-    </p:extLst>
-  </p:cSld>
-  <p:clrMapOvr>
-    <a:masterClrMapping/>
-  </p:clrMapOvr>
-</p:sld>
-</file>
-
-<file path=ppt/slides/slide5.xml><?xml version="1.0" encoding="utf-8"?>
-<p:sld xmlns:a="http://schemas.openxmlformats.org/drawingml/2006/main" xmlns:r="http://schemas.openxmlformats.org/officeDocument/2006/relationships" xmlns:p="http://schemas.openxmlformats.org/presentationml/2006/main">
-  <p:cSld>
-    <p:bg>
-      <p:bgPr>
-        <a:solidFill>
-          <a:schemeClr val="bg1"/>
-        </a:solidFill>
-        <a:effectLst/>
-      </p:bgPr>
-    </p:bg>
-    <p:spTree>
-      <p:nvGrpSpPr>
-        <p:cNvPr id="1" name=""/>
-        <p:cNvGrpSpPr/>
-        <p:nvPr/>
-      </p:nvGrpSpPr>
-      <p:grpSpPr>
-        <a:xfrm>
-          <a:off x="0" y="0"/>
-          <a:ext cx="0" cy="0"/>
-          <a:chOff x="0" y="0"/>
-          <a:chExt cx="0" cy="0"/>
-        </a:xfrm>
-      </p:grpSpPr>
-      <p:sp>
-        <p:nvSpPr>
-          <p:cNvPr id="11" name="Rectangle 10">
+          <p:cNvPr id="25" name="Rectangle 24">
             <a:extLst>
               <a:ext uri="{FF2B5EF4-FFF2-40B4-BE49-F238E27FC236}">
                 <a16:creationId xmlns:a16="http://schemas.microsoft.com/office/drawing/2014/main" id="{C0B27210-D0CA-4654-B3E3-9ABB4F178EA1}"/>
@@ -4987,65 +4907,67 @@
       </p:sp>
       <p:sp>
         <p:nvSpPr>
-          <p:cNvPr id="2" name="Title 1">
-            <a:extLst>
-              <a:ext uri="{FF2B5EF4-FFF2-40B4-BE49-F238E27FC236}">
-                <a16:creationId xmlns:a16="http://schemas.microsoft.com/office/drawing/2014/main" id="{FB79745D-258C-40B9-87BB-E62B7BED6093}"/>
-              </a:ext>
-            </a:extLst>
-          </p:cNvPr>
-          <p:cNvSpPr>
-            <a:spLocks noGrp="1"/>
+          <p:cNvPr id="7" name="Title 1"/>
+          <p:cNvSpPr txBox="1">
+            <a:spLocks/>
           </p:cNvSpPr>
-          <p:nvPr>
-            <p:ph type="title"/>
-          </p:nvPr>
+          <p:nvPr/>
         </p:nvSpPr>
         <p:spPr>
           <a:xfrm>
             <a:off x="6746628" y="1783959"/>
             <a:ext cx="4645250" cy="2889114"/>
           </a:xfrm>
+          <a:prstGeom prst="rect">
+            <a:avLst/>
+          </a:prstGeom>
         </p:spPr>
         <p:txBody>
           <a:bodyPr vert="horz" lIns="91440" tIns="45720" rIns="91440" bIns="45720" rtlCol="0" anchor="b">
             <a:normAutofit/>
           </a:bodyPr>
-          <a:lstStyle/>
-          <a:p>
+          <a:lstStyle>
+            <a:lvl1pPr algn="l" defTabSz="914400" rtl="0" eaLnBrk="1" latinLnBrk="0" hangingPunct="1">
+              <a:lnSpc>
+                <a:spcPct val="90000"/>
+              </a:lnSpc>
+              <a:spcBef>
+                <a:spcPct val="0"/>
+              </a:spcBef>
+              <a:buNone/>
+              <a:defRPr sz="4400" kern="1200">
+                <a:solidFill>
+                  <a:schemeClr val="tx1"/>
+                </a:solidFill>
+                <a:latin typeface="+mj-lt"/>
+                <a:ea typeface="+mj-ea"/>
+                <a:cs typeface="+mj-cs"/>
+              </a:defRPr>
+            </a:lvl1pPr>
+          </a:lstStyle>
+          <a:p>
+            <a:pPr>
+              <a:spcAft>
+                <a:spcPts val="600"/>
+              </a:spcAft>
+            </a:pPr>
             <a:r>
               <a:rPr lang="en-US" sz="6000" kern="1200">
-                <a:ln w="0"/>
                 <a:solidFill>
                   <a:schemeClr val="bg1"/>
                 </a:solidFill>
-                <a:effectLst>
-                  <a:outerShdw blurRad="38100" dist="19050" dir="2700000" algn="tl" rotWithShape="0">
-                    <a:schemeClr val="dk1">
-                      <a:alpha val="40000"/>
-                    </a:schemeClr>
-                  </a:outerShdw>
-                </a:effectLst>
                 <a:latin typeface="+mj-lt"/>
                 <a:ea typeface="+mj-ea"/>
                 <a:cs typeface="+mj-cs"/>
               </a:rPr>
-              <a:t>Why should I choose Azure Data Lake?...</a:t>
+              <a:t>Play Time!</a:t>
             </a:r>
-            <a:endParaRPr lang="en-US" sz="6000" kern="1200">
-              <a:solidFill>
-                <a:schemeClr val="bg1"/>
-              </a:solidFill>
-              <a:latin typeface="+mj-lt"/>
-              <a:ea typeface="+mj-ea"/>
-              <a:cs typeface="+mj-cs"/>
-            </a:endParaRPr>
           </a:p>
         </p:txBody>
       </p:sp>
       <p:sp>
         <p:nvSpPr>
-          <p:cNvPr id="13" name="Freeform: Shape 12">
+          <p:cNvPr id="27" name="Freeform: Shape 26">
             <a:extLst>
               <a:ext uri="{FF2B5EF4-FFF2-40B4-BE49-F238E27FC236}">
                 <a16:creationId xmlns:a16="http://schemas.microsoft.com/office/drawing/2014/main" id="{1DB7C82F-AB7E-4F0C-B829-FA1B9C415180}"/>
@@ -5212,7 +5134,7 @@
       </p:sp>
       <p:sp>
         <p:nvSpPr>
-          <p:cNvPr id="15" name="Freeform: Shape 14">
+          <p:cNvPr id="29" name="Freeform: Shape 28">
             <a:extLst>
               <a:ext uri="{FF2B5EF4-FFF2-40B4-BE49-F238E27FC236}">
                 <a16:creationId xmlns:a16="http://schemas.microsoft.com/office/drawing/2014/main" id="{70B66945-4967-4040-926D-DCA44313CDAB}"/>
@@ -5377,6 +5299,2303 @@
       </p:sp>
       <p:pic>
         <p:nvPicPr>
+          <p:cNvPr id="20" name="Graphic 19" descr="Game controller">
+            <a:extLst>
+              <a:ext uri="{FF2B5EF4-FFF2-40B4-BE49-F238E27FC236}">
+                <a16:creationId xmlns:a16="http://schemas.microsoft.com/office/drawing/2014/main" id="{BD5C9F0B-0710-4943-B1E7-10580408D24D}"/>
+              </a:ext>
+            </a:extLst>
+          </p:cNvPr>
+          <p:cNvPicPr>
+            <a:picLocks noChangeAspect="1"/>
+          </p:cNvPicPr>
+          <p:nvPr/>
+        </p:nvPicPr>
+        <p:blipFill>
+          <a:blip r:embed="rId2">
+            <a:extLst>
+              <a:ext uri="{28A0092B-C50C-407E-A947-70E740481C1C}">
+                <a14:useLocalDpi xmlns:a14="http://schemas.microsoft.com/office/drawing/2010/main" val="0"/>
+              </a:ext>
+              <a:ext uri="{96DAC541-7B7A-43D3-8B79-37D633B846F1}">
+                <asvg:svgBlip xmlns:asvg="http://schemas.microsoft.com/office/drawing/2016/SVG/main" r:embed="rId3"/>
+              </a:ext>
+            </a:extLst>
+          </a:blip>
+          <a:stretch>
+            <a:fillRect/>
+          </a:stretch>
+        </p:blipFill>
+        <p:spPr>
+          <a:xfrm>
+            <a:off x="419382" y="720993"/>
+            <a:ext cx="4047843" cy="4047843"/>
+          </a:xfrm>
+          <a:prstGeom prst="rect">
+            <a:avLst/>
+          </a:prstGeom>
+        </p:spPr>
+      </p:pic>
+      <p:sp>
+        <p:nvSpPr>
+          <p:cNvPr id="2" name="Title 1" hidden="1"/>
+          <p:cNvSpPr>
+            <a:spLocks noGrp="1"/>
+          </p:cNvSpPr>
+          <p:nvPr>
+            <p:ph type="title"/>
+          </p:nvPr>
+        </p:nvSpPr>
+        <p:spPr/>
+        <p:txBody>
+          <a:bodyPr/>
+          <a:lstStyle/>
+          <a:p>
+            <a:endParaRPr lang="en-US" dirty="0"/>
+          </a:p>
+        </p:txBody>
+      </p:sp>
+    </p:spTree>
+    <p:extLst>
+      <p:ext uri="{BB962C8B-B14F-4D97-AF65-F5344CB8AC3E}">
+        <p14:creationId xmlns:p14="http://schemas.microsoft.com/office/powerpoint/2010/main" val="3950535276"/>
+      </p:ext>
+    </p:extLst>
+  </p:cSld>
+  <p:clrMapOvr>
+    <a:masterClrMapping/>
+  </p:clrMapOvr>
+</p:sld>
+</file>
+
+<file path=ppt/slides/slide14.xml><?xml version="1.0" encoding="utf-8"?>
+<p:sld xmlns:a="http://schemas.openxmlformats.org/drawingml/2006/main" xmlns:r="http://schemas.openxmlformats.org/officeDocument/2006/relationships" xmlns:p="http://schemas.openxmlformats.org/presentationml/2006/main">
+  <p:cSld>
+    <p:spTree>
+      <p:nvGrpSpPr>
+        <p:cNvPr id="1" name=""/>
+        <p:cNvGrpSpPr/>
+        <p:nvPr/>
+      </p:nvGrpSpPr>
+      <p:grpSpPr>
+        <a:xfrm>
+          <a:off x="0" y="0"/>
+          <a:ext cx="0" cy="0"/>
+          <a:chOff x="0" y="0"/>
+          <a:chExt cx="0" cy="0"/>
+        </a:xfrm>
+      </p:grpSpPr>
+      <p:sp>
+        <p:nvSpPr>
+          <p:cNvPr id="2" name="Title 1">
+            <a:extLst>
+              <a:ext uri="{FF2B5EF4-FFF2-40B4-BE49-F238E27FC236}">
+                <a16:creationId xmlns:a16="http://schemas.microsoft.com/office/drawing/2014/main" id="{D1DFC740-E98C-4D1B-96D9-BFDF2FE0F1E7}"/>
+              </a:ext>
+            </a:extLst>
+          </p:cNvPr>
+          <p:cNvSpPr>
+            <a:spLocks noGrp="1"/>
+          </p:cNvSpPr>
+          <p:nvPr>
+            <p:ph type="title"/>
+          </p:nvPr>
+        </p:nvSpPr>
+        <p:spPr/>
+        <p:txBody>
+          <a:bodyPr/>
+          <a:lstStyle/>
+          <a:p>
+            <a:r>
+              <a:rPr lang="en-US" dirty="0"/>
+              <a:t>Why BigData</a:t>
+            </a:r>
+          </a:p>
+        </p:txBody>
+      </p:sp>
+      <p:sp>
+        <p:nvSpPr>
+          <p:cNvPr id="3" name="Content Placeholder 2">
+            <a:extLst>
+              <a:ext uri="{FF2B5EF4-FFF2-40B4-BE49-F238E27FC236}">
+                <a16:creationId xmlns:a16="http://schemas.microsoft.com/office/drawing/2014/main" id="{C33E2DB0-AB25-48A2-89A1-D57DFF34F0A5}"/>
+              </a:ext>
+            </a:extLst>
+          </p:cNvPr>
+          <p:cNvSpPr>
+            <a:spLocks noGrp="1"/>
+          </p:cNvSpPr>
+          <p:nvPr>
+            <p:ph idx="1"/>
+          </p:nvPr>
+        </p:nvSpPr>
+        <p:spPr/>
+        <p:txBody>
+          <a:bodyPr/>
+          <a:lstStyle/>
+          <a:p>
+            <a:r>
+              <a:rPr lang="en-US" dirty="0"/>
+              <a:t>Cost reduction.</a:t>
+            </a:r>
+          </a:p>
+          <a:p>
+            <a:r>
+              <a:rPr lang="en-US" dirty="0"/>
+              <a:t>Hybrid storage options,</a:t>
+            </a:r>
+          </a:p>
+          <a:p>
+            <a:pPr lvl="1"/>
+            <a:r>
+              <a:rPr lang="en-US" dirty="0"/>
+              <a:t>Mostly used – SQL Server</a:t>
+            </a:r>
+          </a:p>
+          <a:p>
+            <a:pPr lvl="1"/>
+            <a:r>
+              <a:rPr lang="en-US" dirty="0"/>
+              <a:t>Rarely used like logs – Azure Blob</a:t>
+            </a:r>
+          </a:p>
+          <a:p>
+            <a:endParaRPr lang="en-US" dirty="0"/>
+          </a:p>
+          <a:p>
+            <a:r>
+              <a:rPr lang="en-US" dirty="0"/>
+              <a:t>AI , Analytics, Cloud are also in picture of Big Data.</a:t>
+            </a:r>
+          </a:p>
+          <a:p>
+            <a:endParaRPr lang="en-US" dirty="0"/>
+          </a:p>
+          <a:p>
+            <a:r>
+              <a:rPr lang="en-US" dirty="0"/>
+              <a:t>Empowers management to make better decisions analyzing more about their work.</a:t>
+            </a:r>
+          </a:p>
+        </p:txBody>
+      </p:sp>
+    </p:spTree>
+    <p:extLst>
+      <p:ext uri="{BB962C8B-B14F-4D97-AF65-F5344CB8AC3E}">
+        <p14:creationId xmlns:p14="http://schemas.microsoft.com/office/powerpoint/2010/main" val="463510590"/>
+      </p:ext>
+    </p:extLst>
+  </p:cSld>
+  <p:clrMapOvr>
+    <a:masterClrMapping/>
+  </p:clrMapOvr>
+</p:sld>
+</file>
+
+<file path=ppt/slides/slide15.xml><?xml version="1.0" encoding="utf-8"?>
+<p:sld xmlns:a="http://schemas.openxmlformats.org/drawingml/2006/main" xmlns:r="http://schemas.openxmlformats.org/officeDocument/2006/relationships" xmlns:p="http://schemas.openxmlformats.org/presentationml/2006/main">
+  <p:cSld>
+    <p:spTree>
+      <p:nvGrpSpPr>
+        <p:cNvPr id="1" name=""/>
+        <p:cNvGrpSpPr/>
+        <p:nvPr/>
+      </p:nvGrpSpPr>
+      <p:grpSpPr>
+        <a:xfrm>
+          <a:off x="0" y="0"/>
+          <a:ext cx="0" cy="0"/>
+          <a:chOff x="0" y="0"/>
+          <a:chExt cx="0" cy="0"/>
+        </a:xfrm>
+      </p:grpSpPr>
+      <p:sp>
+        <p:nvSpPr>
+          <p:cNvPr id="2" name="Title 1" hidden="1"/>
+          <p:cNvSpPr>
+            <a:spLocks noGrp="1"/>
+          </p:cNvSpPr>
+          <p:nvPr>
+            <p:ph type="title"/>
+          </p:nvPr>
+        </p:nvSpPr>
+        <p:spPr/>
+        <p:txBody>
+          <a:bodyPr/>
+          <a:lstStyle/>
+          <a:p>
+            <a:endParaRPr lang="en-US" dirty="0"/>
+          </a:p>
+        </p:txBody>
+      </p:sp>
+      <p:sp>
+        <p:nvSpPr>
+          <p:cNvPr id="7" name="Title 1"/>
+          <p:cNvSpPr txBox="1">
+            <a:spLocks/>
+          </p:cNvSpPr>
+          <p:nvPr/>
+        </p:nvSpPr>
+        <p:spPr>
+          <a:xfrm>
+            <a:off x="403747" y="1022492"/>
+            <a:ext cx="8139752" cy="4463908"/>
+          </a:xfrm>
+          <a:prstGeom prst="rect">
+            <a:avLst/>
+          </a:prstGeom>
+        </p:spPr>
+        <p:txBody>
+          <a:bodyPr vert="horz" lIns="91440" tIns="45720" rIns="91440" bIns="45720" rtlCol="0" anchor="ctr">
+            <a:normAutofit/>
+          </a:bodyPr>
+          <a:lstStyle>
+            <a:lvl1pPr algn="l" defTabSz="914400" rtl="0" eaLnBrk="1" latinLnBrk="0" hangingPunct="1">
+              <a:lnSpc>
+                <a:spcPct val="90000"/>
+              </a:lnSpc>
+              <a:spcBef>
+                <a:spcPct val="0"/>
+              </a:spcBef>
+              <a:buNone/>
+              <a:defRPr sz="4400" kern="1200">
+                <a:solidFill>
+                  <a:schemeClr val="tx1"/>
+                </a:solidFill>
+                <a:latin typeface="+mj-lt"/>
+                <a:ea typeface="+mj-ea"/>
+                <a:cs typeface="+mj-cs"/>
+              </a:defRPr>
+            </a:lvl1pPr>
+          </a:lstStyle>
+          <a:p>
+            <a:r>
+              <a:rPr lang="en-US" sz="3200" dirty="0">
+                <a:solidFill>
+                  <a:schemeClr val="bg1"/>
+                </a:solidFill>
+                <a:latin typeface="Segoe UI" panose="020B0502040204020203" pitchFamily="34" charset="0"/>
+                <a:ea typeface="Segoe UI" panose="020B0502040204020203" pitchFamily="34" charset="0"/>
+                <a:cs typeface="Segoe UI" panose="020B0502040204020203" pitchFamily="34" charset="0"/>
+              </a:rPr>
+              <a:t>Enter Text</a:t>
+            </a:r>
+          </a:p>
+        </p:txBody>
+      </p:sp>
+      <p:pic>
+        <p:nvPicPr>
+          <p:cNvPr id="4" name="Picture 3"/>
+          <p:cNvPicPr>
+            <a:picLocks noChangeAspect="1"/>
+          </p:cNvPicPr>
+          <p:nvPr/>
+        </p:nvPicPr>
+        <p:blipFill>
+          <a:blip r:embed="rId3">
+            <a:extLst>
+              <a:ext uri="{28A0092B-C50C-407E-A947-70E740481C1C}">
+                <a14:useLocalDpi xmlns:a14="http://schemas.microsoft.com/office/drawing/2010/main" val="0"/>
+              </a:ext>
+            </a:extLst>
+          </a:blip>
+          <a:stretch>
+            <a:fillRect/>
+          </a:stretch>
+        </p:blipFill>
+        <p:spPr>
+          <a:xfrm>
+            <a:off x="0" y="4180"/>
+            <a:ext cx="12192000" cy="6849639"/>
+          </a:xfrm>
+          <a:prstGeom prst="rect">
+            <a:avLst/>
+          </a:prstGeom>
+        </p:spPr>
+      </p:pic>
+      <p:sp>
+        <p:nvSpPr>
+          <p:cNvPr id="6" name="TextBox 5"/>
+          <p:cNvSpPr txBox="1"/>
+          <p:nvPr/>
+        </p:nvSpPr>
+        <p:spPr>
+          <a:xfrm>
+            <a:off x="403747" y="1874676"/>
+            <a:ext cx="9754044" cy="1015663"/>
+          </a:xfrm>
+          <a:prstGeom prst="rect">
+            <a:avLst/>
+          </a:prstGeom>
+          <a:noFill/>
+        </p:spPr>
+        <p:txBody>
+          <a:bodyPr wrap="square" rtlCol="0">
+            <a:spAutoFit/>
+          </a:bodyPr>
+          <a:lstStyle/>
+          <a:p>
+            <a:pPr marL="342900" lvl="0" indent="-342900">
+              <a:buFont typeface="Arial" panose="020B0604020202020204" pitchFamily="34" charset="0"/>
+              <a:buChar char="•"/>
+            </a:pPr>
+            <a:r>
+              <a:rPr lang="en-US" sz="3000" dirty="0"/>
+              <a:t>https://blogs.msdn.microsoft.com/azuredatalake/</a:t>
+            </a:r>
+          </a:p>
+          <a:p>
+            <a:pPr marL="342900" lvl="0" indent="-342900">
+              <a:buFont typeface="Arial" panose="020B0604020202020204" pitchFamily="34" charset="0"/>
+              <a:buChar char="•"/>
+            </a:pPr>
+            <a:endParaRPr lang="en-US" sz="3000" dirty="0"/>
+          </a:p>
+        </p:txBody>
+      </p:sp>
+      <p:sp>
+        <p:nvSpPr>
+          <p:cNvPr id="3" name="Rectangle 2">
+            <a:extLst>
+              <a:ext uri="{FF2B5EF4-FFF2-40B4-BE49-F238E27FC236}">
+                <a16:creationId xmlns:a16="http://schemas.microsoft.com/office/drawing/2014/main" id="{5DECC70E-2EDD-4E20-B4C1-240F4C3DD4B7}"/>
+              </a:ext>
+            </a:extLst>
+          </p:cNvPr>
+          <p:cNvSpPr/>
+          <p:nvPr/>
+        </p:nvSpPr>
+        <p:spPr>
+          <a:xfrm>
+            <a:off x="403747" y="848564"/>
+            <a:ext cx="9754044" cy="707886"/>
+          </a:xfrm>
+          <a:prstGeom prst="rect">
+            <a:avLst/>
+          </a:prstGeom>
+          <a:noFill/>
+        </p:spPr>
+        <p:txBody>
+          <a:bodyPr wrap="square" lIns="91440" tIns="45720" rIns="91440" bIns="45720">
+            <a:spAutoFit/>
+          </a:bodyPr>
+          <a:lstStyle/>
+          <a:p>
+            <a:r>
+              <a:rPr lang="en-US" sz="4000" dirty="0">
+                <a:ln w="0"/>
+                <a:effectLst>
+                  <a:outerShdw blurRad="38100" dist="19050" dir="2700000" algn="tl" rotWithShape="0">
+                    <a:schemeClr val="dk1">
+                      <a:alpha val="40000"/>
+                    </a:schemeClr>
+                  </a:outerShdw>
+                </a:effectLst>
+              </a:rPr>
+              <a:t>References</a:t>
+            </a:r>
+          </a:p>
+        </p:txBody>
+      </p:sp>
+    </p:spTree>
+    <p:extLst>
+      <p:ext uri="{BB962C8B-B14F-4D97-AF65-F5344CB8AC3E}">
+        <p14:creationId xmlns:p14="http://schemas.microsoft.com/office/powerpoint/2010/main" val="3797604941"/>
+      </p:ext>
+    </p:extLst>
+  </p:cSld>
+  <p:clrMapOvr>
+    <a:masterClrMapping/>
+  </p:clrMapOvr>
+</p:sld>
+</file>
+
+<file path=ppt/slides/slide16.xml><?xml version="1.0" encoding="utf-8"?>
+<p:sld xmlns:a="http://schemas.openxmlformats.org/drawingml/2006/main" xmlns:r="http://schemas.openxmlformats.org/officeDocument/2006/relationships" xmlns:p="http://schemas.openxmlformats.org/presentationml/2006/main">
+  <p:cSld>
+    <p:spTree>
+      <p:nvGrpSpPr>
+        <p:cNvPr id="1" name=""/>
+        <p:cNvGrpSpPr/>
+        <p:nvPr/>
+      </p:nvGrpSpPr>
+      <p:grpSpPr>
+        <a:xfrm>
+          <a:off x="0" y="0"/>
+          <a:ext cx="0" cy="0"/>
+          <a:chOff x="0" y="0"/>
+          <a:chExt cx="0" cy="0"/>
+        </a:xfrm>
+      </p:grpSpPr>
+      <p:sp>
+        <p:nvSpPr>
+          <p:cNvPr id="2" name="Title 1" hidden="1"/>
+          <p:cNvSpPr>
+            <a:spLocks noGrp="1"/>
+          </p:cNvSpPr>
+          <p:nvPr>
+            <p:ph type="title"/>
+          </p:nvPr>
+        </p:nvSpPr>
+        <p:spPr/>
+        <p:txBody>
+          <a:bodyPr/>
+          <a:lstStyle/>
+          <a:p>
+            <a:endParaRPr lang="en-US" dirty="0"/>
+          </a:p>
+        </p:txBody>
+      </p:sp>
+      <p:sp>
+        <p:nvSpPr>
+          <p:cNvPr id="7" name="Title 1"/>
+          <p:cNvSpPr txBox="1">
+            <a:spLocks/>
+          </p:cNvSpPr>
+          <p:nvPr/>
+        </p:nvSpPr>
+        <p:spPr>
+          <a:xfrm>
+            <a:off x="403747" y="1022492"/>
+            <a:ext cx="8139752" cy="4463908"/>
+          </a:xfrm>
+          <a:prstGeom prst="rect">
+            <a:avLst/>
+          </a:prstGeom>
+        </p:spPr>
+        <p:txBody>
+          <a:bodyPr vert="horz" lIns="91440" tIns="45720" rIns="91440" bIns="45720" rtlCol="0" anchor="ctr">
+            <a:normAutofit/>
+          </a:bodyPr>
+          <a:lstStyle>
+            <a:lvl1pPr algn="l" defTabSz="914400" rtl="0" eaLnBrk="1" latinLnBrk="0" hangingPunct="1">
+              <a:lnSpc>
+                <a:spcPct val="90000"/>
+              </a:lnSpc>
+              <a:spcBef>
+                <a:spcPct val="0"/>
+              </a:spcBef>
+              <a:buNone/>
+              <a:defRPr sz="4400" kern="1200">
+                <a:solidFill>
+                  <a:schemeClr val="tx1"/>
+                </a:solidFill>
+                <a:latin typeface="+mj-lt"/>
+                <a:ea typeface="+mj-ea"/>
+                <a:cs typeface="+mj-cs"/>
+              </a:defRPr>
+            </a:lvl1pPr>
+          </a:lstStyle>
+          <a:p>
+            <a:r>
+              <a:rPr lang="en-US" sz="3200" dirty="0">
+                <a:solidFill>
+                  <a:schemeClr val="bg1"/>
+                </a:solidFill>
+                <a:latin typeface="Segoe UI" panose="020B0502040204020203" pitchFamily="34" charset="0"/>
+                <a:ea typeface="Segoe UI" panose="020B0502040204020203" pitchFamily="34" charset="0"/>
+                <a:cs typeface="Segoe UI" panose="020B0502040204020203" pitchFamily="34" charset="0"/>
+              </a:rPr>
+              <a:t>Enter Text</a:t>
+            </a:r>
+          </a:p>
+        </p:txBody>
+      </p:sp>
+      <p:pic>
+        <p:nvPicPr>
+          <p:cNvPr id="4" name="Picture 3"/>
+          <p:cNvPicPr>
+            <a:picLocks noChangeAspect="1"/>
+          </p:cNvPicPr>
+          <p:nvPr/>
+        </p:nvPicPr>
+        <p:blipFill>
+          <a:blip r:embed="rId2">
+            <a:extLst>
+              <a:ext uri="{28A0092B-C50C-407E-A947-70E740481C1C}">
+                <a14:useLocalDpi xmlns:a14="http://schemas.microsoft.com/office/drawing/2010/main" val="0"/>
+              </a:ext>
+            </a:extLst>
+          </a:blip>
+          <a:stretch>
+            <a:fillRect/>
+          </a:stretch>
+        </p:blipFill>
+        <p:spPr>
+          <a:xfrm>
+            <a:off x="0" y="4180"/>
+            <a:ext cx="12192000" cy="6849639"/>
+          </a:xfrm>
+          <a:prstGeom prst="rect">
+            <a:avLst/>
+          </a:prstGeom>
+        </p:spPr>
+      </p:pic>
+      <p:sp>
+        <p:nvSpPr>
+          <p:cNvPr id="5" name="Rectangle 4">
+            <a:extLst>
+              <a:ext uri="{FF2B5EF4-FFF2-40B4-BE49-F238E27FC236}">
+                <a16:creationId xmlns:a16="http://schemas.microsoft.com/office/drawing/2014/main" id="{95D344C9-CBA8-4BF1-8CA0-979B03AD54B2}"/>
+              </a:ext>
+            </a:extLst>
+          </p:cNvPr>
+          <p:cNvSpPr/>
+          <p:nvPr/>
+        </p:nvSpPr>
+        <p:spPr>
+          <a:xfrm>
+            <a:off x="4147053" y="1026522"/>
+            <a:ext cx="3491918" cy="923330"/>
+          </a:xfrm>
+          <a:prstGeom prst="rect">
+            <a:avLst/>
+          </a:prstGeom>
+          <a:noFill/>
+        </p:spPr>
+        <p:txBody>
+          <a:bodyPr wrap="none" lIns="91440" tIns="45720" rIns="91440" bIns="45720">
+            <a:spAutoFit/>
+          </a:bodyPr>
+          <a:lstStyle/>
+          <a:p>
+            <a:pPr algn="ctr"/>
+            <a:r>
+              <a:rPr lang="en-US" sz="5400" dirty="0">
+                <a:ln w="0"/>
+                <a:effectLst>
+                  <a:outerShdw blurRad="38100" dist="19050" dir="2700000" algn="tl" rotWithShape="0">
+                    <a:schemeClr val="dk1">
+                      <a:alpha val="40000"/>
+                    </a:schemeClr>
+                  </a:outerShdw>
+                </a:effectLst>
+              </a:rPr>
+              <a:t>Questions ?</a:t>
+            </a:r>
+          </a:p>
+        </p:txBody>
+      </p:sp>
+      <p:sp>
+        <p:nvSpPr>
+          <p:cNvPr id="13" name="TextBox 12">
+            <a:extLst>
+              <a:ext uri="{FF2B5EF4-FFF2-40B4-BE49-F238E27FC236}">
+                <a16:creationId xmlns:a16="http://schemas.microsoft.com/office/drawing/2014/main" id="{00F1E887-74F5-4F95-8509-56E70256AA1E}"/>
+              </a:ext>
+            </a:extLst>
+          </p:cNvPr>
+          <p:cNvSpPr txBox="1"/>
+          <p:nvPr/>
+        </p:nvSpPr>
+        <p:spPr>
+          <a:xfrm>
+            <a:off x="1135469" y="4446550"/>
+            <a:ext cx="3338154" cy="430887"/>
+          </a:xfrm>
+          <a:prstGeom prst="rect">
+            <a:avLst/>
+          </a:prstGeom>
+          <a:noFill/>
+        </p:spPr>
+        <p:txBody>
+          <a:bodyPr wrap="square" rtlCol="0">
+            <a:spAutoFit/>
+          </a:bodyPr>
+          <a:lstStyle/>
+          <a:p>
+            <a:r>
+              <a:rPr lang="en-US" sz="2200" dirty="0">
+                <a:solidFill>
+                  <a:schemeClr val="tx2"/>
+                </a:solidFill>
+                <a:ea typeface="Segoe UI" panose="020B0502040204020203" pitchFamily="34" charset="0"/>
+                <a:cs typeface="Segoe UI" panose="020B0502040204020203" pitchFamily="34" charset="0"/>
+                <a:hlinkClick r:id="rId3">
+                  <a:extLst>
+                    <a:ext uri="{A12FA001-AC4F-418D-AE19-62706E023703}">
+                      <ahyp:hlinkClr xmlns:ahyp="http://schemas.microsoft.com/office/drawing/2018/hyperlinkcolor" val="tx"/>
+                    </a:ext>
+                  </a:extLst>
+                </a:hlinkClick>
+              </a:rPr>
+              <a:t>dinesarun@hotmail.com</a:t>
+            </a:r>
+            <a:endParaRPr lang="en-US" sz="2200" dirty="0">
+              <a:solidFill>
+                <a:schemeClr val="tx2"/>
+              </a:solidFill>
+              <a:ea typeface="Segoe UI" panose="020B0502040204020203" pitchFamily="34" charset="0"/>
+              <a:cs typeface="Segoe UI" panose="020B0502040204020203" pitchFamily="34" charset="0"/>
+            </a:endParaRPr>
+          </a:p>
+        </p:txBody>
+      </p:sp>
+      <p:pic>
+        <p:nvPicPr>
+          <p:cNvPr id="14" name="Picture 13">
+            <a:extLst>
+              <a:ext uri="{FF2B5EF4-FFF2-40B4-BE49-F238E27FC236}">
+                <a16:creationId xmlns:a16="http://schemas.microsoft.com/office/drawing/2014/main" id="{D9A53123-1833-40CC-9E6E-D6BC945D047F}"/>
+              </a:ext>
+            </a:extLst>
+          </p:cNvPr>
+          <p:cNvPicPr>
+            <a:picLocks noChangeAspect="1"/>
+          </p:cNvPicPr>
+          <p:nvPr/>
+        </p:nvPicPr>
+        <p:blipFill>
+          <a:blip r:embed="rId4" cstate="print">
+            <a:extLst>
+              <a:ext uri="{28A0092B-C50C-407E-A947-70E740481C1C}">
+                <a14:useLocalDpi xmlns:a14="http://schemas.microsoft.com/office/drawing/2010/main" val="0"/>
+              </a:ext>
+            </a:extLst>
+          </a:blip>
+          <a:stretch>
+            <a:fillRect/>
+          </a:stretch>
+        </p:blipFill>
+        <p:spPr>
+          <a:xfrm>
+            <a:off x="655144" y="5033112"/>
+            <a:ext cx="400110" cy="400110"/>
+          </a:xfrm>
+          <a:prstGeom prst="rect">
+            <a:avLst/>
+          </a:prstGeom>
+        </p:spPr>
+      </p:pic>
+      <p:sp>
+        <p:nvSpPr>
+          <p:cNvPr id="15" name="Rectangle 14">
+            <a:extLst>
+              <a:ext uri="{FF2B5EF4-FFF2-40B4-BE49-F238E27FC236}">
+                <a16:creationId xmlns:a16="http://schemas.microsoft.com/office/drawing/2014/main" id="{0E39F9F4-E445-43D1-9F4C-AF8E0478CF7E}"/>
+              </a:ext>
+            </a:extLst>
+          </p:cNvPr>
+          <p:cNvSpPr/>
+          <p:nvPr/>
+        </p:nvSpPr>
+        <p:spPr>
+          <a:xfrm>
+            <a:off x="1135469" y="5017723"/>
+            <a:ext cx="1535546" cy="430887"/>
+          </a:xfrm>
+          <a:prstGeom prst="rect">
+            <a:avLst/>
+          </a:prstGeom>
+        </p:spPr>
+        <p:txBody>
+          <a:bodyPr wrap="square">
+            <a:spAutoFit/>
+          </a:bodyPr>
+          <a:lstStyle/>
+          <a:p>
+            <a:r>
+              <a:rPr lang="en-US" sz="2200" dirty="0">
+                <a:solidFill>
+                  <a:schemeClr val="tx2"/>
+                </a:solidFill>
+                <a:ea typeface="Segoe UI" panose="020B0502040204020203" pitchFamily="34" charset="0"/>
+                <a:cs typeface="Segoe UI" panose="020B0502040204020203" pitchFamily="34" charset="0"/>
+              </a:rPr>
+              <a:t>dinuswt22</a:t>
+            </a:r>
+          </a:p>
+        </p:txBody>
+      </p:sp>
+      <p:sp>
+        <p:nvSpPr>
+          <p:cNvPr id="20" name="Rectangle 19">
+            <a:extLst>
+              <a:ext uri="{FF2B5EF4-FFF2-40B4-BE49-F238E27FC236}">
+                <a16:creationId xmlns:a16="http://schemas.microsoft.com/office/drawing/2014/main" id="{F64071A0-A47D-4532-945E-A9470B1BCDDF}"/>
+              </a:ext>
+            </a:extLst>
+          </p:cNvPr>
+          <p:cNvSpPr/>
+          <p:nvPr/>
+        </p:nvSpPr>
+        <p:spPr>
+          <a:xfrm>
+            <a:off x="1135469" y="3899138"/>
+            <a:ext cx="5664949" cy="430887"/>
+          </a:xfrm>
+          <a:prstGeom prst="rect">
+            <a:avLst/>
+          </a:prstGeom>
+        </p:spPr>
+        <p:txBody>
+          <a:bodyPr wrap="none">
+            <a:spAutoFit/>
+          </a:bodyPr>
+          <a:lstStyle/>
+          <a:p>
+            <a:r>
+              <a:rPr lang="en-US" sz="2200" dirty="0">
+                <a:ln w="0"/>
+                <a:solidFill>
+                  <a:schemeClr val="tx2"/>
+                </a:solidFill>
+                <a:hlinkClick r:id="rId5">
+                  <a:extLst>
+                    <a:ext uri="{A12FA001-AC4F-418D-AE19-62706E023703}">
+                      <ahyp:hlinkClr xmlns:ahyp="http://schemas.microsoft.com/office/drawing/2018/hyperlinkcolor" val="tx"/>
+                    </a:ext>
+                  </a:extLst>
+                </a:hlinkClick>
+              </a:rPr>
+              <a:t>https://github.com/dinesarun/azurevidyapeeth</a:t>
+            </a:r>
+            <a:r>
+              <a:rPr lang="en-US" sz="2200" dirty="0">
+                <a:ln w="0"/>
+                <a:solidFill>
+                  <a:schemeClr val="tx2"/>
+                </a:solidFill>
+              </a:rPr>
+              <a:t> </a:t>
+            </a:r>
+          </a:p>
+        </p:txBody>
+      </p:sp>
+      <p:pic>
+        <p:nvPicPr>
+          <p:cNvPr id="23" name="Picture 22">
+            <a:extLst>
+              <a:ext uri="{FF2B5EF4-FFF2-40B4-BE49-F238E27FC236}">
+                <a16:creationId xmlns:a16="http://schemas.microsoft.com/office/drawing/2014/main" id="{A9B0461C-AB70-4460-BF27-62E823D6EF90}"/>
+              </a:ext>
+            </a:extLst>
+          </p:cNvPr>
+          <p:cNvPicPr>
+            <a:picLocks noChangeAspect="1"/>
+          </p:cNvPicPr>
+          <p:nvPr/>
+        </p:nvPicPr>
+        <p:blipFill>
+          <a:blip r:embed="rId6" cstate="print">
+            <a:extLst>
+              <a:ext uri="{28A0092B-C50C-407E-A947-70E740481C1C}">
+                <a14:useLocalDpi xmlns:a14="http://schemas.microsoft.com/office/drawing/2010/main" val="0"/>
+              </a:ext>
+            </a:extLst>
+          </a:blip>
+          <a:stretch>
+            <a:fillRect/>
+          </a:stretch>
+        </p:blipFill>
+        <p:spPr>
+          <a:xfrm>
+            <a:off x="655145" y="3914527"/>
+            <a:ext cx="400110" cy="400110"/>
+          </a:xfrm>
+          <a:prstGeom prst="rect">
+            <a:avLst/>
+          </a:prstGeom>
+        </p:spPr>
+      </p:pic>
+      <p:pic>
+        <p:nvPicPr>
+          <p:cNvPr id="17" name="Picture 16">
+            <a:extLst>
+              <a:ext uri="{FF2B5EF4-FFF2-40B4-BE49-F238E27FC236}">
+                <a16:creationId xmlns:a16="http://schemas.microsoft.com/office/drawing/2014/main" id="{ECB69F6C-E75C-4C2B-B650-D04154C65845}"/>
+              </a:ext>
+            </a:extLst>
+          </p:cNvPr>
+          <p:cNvPicPr>
+            <a:picLocks noChangeAspect="1"/>
+          </p:cNvPicPr>
+          <p:nvPr/>
+        </p:nvPicPr>
+        <p:blipFill>
+          <a:blip r:embed="rId7" cstate="print">
+            <a:extLst>
+              <a:ext uri="{28A0092B-C50C-407E-A947-70E740481C1C}">
+                <a14:useLocalDpi xmlns:a14="http://schemas.microsoft.com/office/drawing/2010/main" val="0"/>
+              </a:ext>
+            </a:extLst>
+          </a:blip>
+          <a:stretch>
+            <a:fillRect/>
+          </a:stretch>
+        </p:blipFill>
+        <p:spPr>
+          <a:xfrm>
+            <a:off x="624367" y="4446550"/>
+            <a:ext cx="430887" cy="430887"/>
+          </a:xfrm>
+          <a:prstGeom prst="rect">
+            <a:avLst/>
+          </a:prstGeom>
+        </p:spPr>
+      </p:pic>
+    </p:spTree>
+    <p:extLst>
+      <p:ext uri="{BB962C8B-B14F-4D97-AF65-F5344CB8AC3E}">
+        <p14:creationId xmlns:p14="http://schemas.microsoft.com/office/powerpoint/2010/main" val="445054829"/>
+      </p:ext>
+    </p:extLst>
+  </p:cSld>
+  <p:clrMapOvr>
+    <a:masterClrMapping/>
+  </p:clrMapOvr>
+</p:sld>
+</file>
+
+<file path=ppt/slides/slide2.xml><?xml version="1.0" encoding="utf-8"?>
+<p:sld xmlns:a="http://schemas.openxmlformats.org/drawingml/2006/main" xmlns:r="http://schemas.openxmlformats.org/officeDocument/2006/relationships" xmlns:p="http://schemas.openxmlformats.org/presentationml/2006/main">
+  <p:cSld>
+    <p:bg>
+      <p:bgPr>
+        <a:solidFill>
+          <a:schemeClr val="bg1">
+            <a:tint val="95000"/>
+            <a:satMod val="170000"/>
+          </a:schemeClr>
+        </a:solidFill>
+        <a:effectLst/>
+      </p:bgPr>
+    </p:bg>
+    <p:spTree>
+      <p:nvGrpSpPr>
+        <p:cNvPr id="1" name=""/>
+        <p:cNvGrpSpPr/>
+        <p:nvPr/>
+      </p:nvGrpSpPr>
+      <p:grpSpPr>
+        <a:xfrm>
+          <a:off x="0" y="0"/>
+          <a:ext cx="0" cy="0"/>
+          <a:chOff x="0" y="0"/>
+          <a:chExt cx="0" cy="0"/>
+        </a:xfrm>
+      </p:grpSpPr>
+      <p:sp>
+        <p:nvSpPr>
+          <p:cNvPr id="12" name="Rectangle 11">
+            <a:extLst>
+              <a:ext uri="{FF2B5EF4-FFF2-40B4-BE49-F238E27FC236}">
+                <a16:creationId xmlns:a16="http://schemas.microsoft.com/office/drawing/2014/main" id="{5B336162-B533-4EFE-8BB3-8EBB4A5E32F8}"/>
+              </a:ext>
+              <a:ext uri="{C183D7F6-B498-43B3-948B-1728B52AA6E4}">
+                <adec:decorative xmlns:adec="http://schemas.microsoft.com/office/drawing/2017/decorative" val="1"/>
+              </a:ext>
+            </a:extLst>
+          </p:cNvPr>
+          <p:cNvSpPr>
+            <a:spLocks noGrp="1" noRot="1" noChangeAspect="1" noMove="1" noResize="1" noEditPoints="1" noAdjustHandles="1" noChangeArrowheads="1" noChangeShapeType="1" noTextEdit="1"/>
+          </p:cNvSpPr>
+          <p:nvPr>
+            <p:extLst>
+              <p:ext uri="{386F3935-93C4-4BCD-93E2-E3B085C9AB24}">
+                <p16:designElem xmlns:p16="http://schemas.microsoft.com/office/powerpoint/2015/main" val="1"/>
+              </p:ext>
+            </p:extLst>
+          </p:nvPr>
+        </p:nvSpPr>
+        <p:spPr>
+          <a:xfrm>
+            <a:off x="0" y="0"/>
+            <a:ext cx="5314384" cy="6858000"/>
+          </a:xfrm>
+          <a:prstGeom prst="rect">
+            <a:avLst/>
+          </a:prstGeom>
+          <a:solidFill>
+            <a:srgbClr val="D0CECE"/>
+          </a:solidFill>
+          <a:ln>
+            <a:noFill/>
+          </a:ln>
+        </p:spPr>
+        <p:style>
+          <a:lnRef idx="2">
+            <a:schemeClr val="accent1">
+              <a:shade val="50000"/>
+            </a:schemeClr>
+          </a:lnRef>
+          <a:fillRef idx="1">
+            <a:schemeClr val="accent1"/>
+          </a:fillRef>
+          <a:effectRef idx="0">
+            <a:schemeClr val="accent1"/>
+          </a:effectRef>
+          <a:fontRef idx="minor">
+            <a:schemeClr val="lt1"/>
+          </a:fontRef>
+        </p:style>
+        <p:txBody>
+          <a:bodyPr rtlCol="0" anchor="ctr"/>
+          <a:lstStyle/>
+          <a:p>
+            <a:pPr algn="ctr"/>
+            <a:endParaRPr lang="en-US"/>
+          </a:p>
+        </p:txBody>
+      </p:sp>
+      <p:sp>
+        <p:nvSpPr>
+          <p:cNvPr id="7" name="Title 1"/>
+          <p:cNvSpPr txBox="1">
+            <a:spLocks/>
+          </p:cNvSpPr>
+          <p:nvPr/>
+        </p:nvSpPr>
+        <p:spPr>
+          <a:xfrm>
+            <a:off x="6049182" y="802638"/>
+            <a:ext cx="5408696" cy="5252722"/>
+          </a:xfrm>
+          <a:prstGeom prst="rect">
+            <a:avLst/>
+          </a:prstGeom>
+        </p:spPr>
+        <p:txBody>
+          <a:bodyPr vert="horz" lIns="91440" tIns="45720" rIns="91440" bIns="45720" rtlCol="0" anchor="ctr">
+            <a:normAutofit/>
+          </a:bodyPr>
+          <a:lstStyle>
+            <a:lvl1pPr algn="l" defTabSz="914400" rtl="0" eaLnBrk="1" latinLnBrk="0" hangingPunct="1">
+              <a:lnSpc>
+                <a:spcPct val="90000"/>
+              </a:lnSpc>
+              <a:spcBef>
+                <a:spcPct val="0"/>
+              </a:spcBef>
+              <a:buNone/>
+              <a:defRPr sz="4400" kern="1200">
+                <a:solidFill>
+                  <a:schemeClr val="tx1"/>
+                </a:solidFill>
+                <a:latin typeface="+mj-lt"/>
+                <a:ea typeface="+mj-ea"/>
+                <a:cs typeface="+mj-cs"/>
+              </a:defRPr>
+            </a:lvl1pPr>
+          </a:lstStyle>
+          <a:p>
+            <a:pPr marL="285750" indent="-228600">
+              <a:spcAft>
+                <a:spcPts val="600"/>
+              </a:spcAft>
+              <a:buFont typeface="Arial" panose="020B0604020202020204" pitchFamily="34" charset="0"/>
+              <a:buChar char="•"/>
+            </a:pPr>
+            <a:endParaRPr lang="en-US" sz="2400">
+              <a:latin typeface="+mn-lt"/>
+              <a:ea typeface="+mn-ea"/>
+              <a:cs typeface="+mn-cs"/>
+            </a:endParaRPr>
+          </a:p>
+          <a:p>
+            <a:pPr marL="514350" indent="-228600">
+              <a:spcAft>
+                <a:spcPts val="600"/>
+              </a:spcAft>
+              <a:buFont typeface="Arial" panose="020B0604020202020204" pitchFamily="34" charset="0"/>
+              <a:buChar char="•"/>
+            </a:pPr>
+            <a:r>
+              <a:rPr lang="en-US" sz="2400" dirty="0">
+                <a:latin typeface="+mn-lt"/>
+                <a:ea typeface="+mn-ea"/>
+                <a:cs typeface="+mn-cs"/>
+              </a:rPr>
+              <a:t>Database options in Azure</a:t>
+            </a:r>
+          </a:p>
+          <a:p>
+            <a:pPr marL="514350" indent="-228600">
+              <a:spcAft>
+                <a:spcPts val="600"/>
+              </a:spcAft>
+              <a:buFont typeface="Arial" panose="020B0604020202020204" pitchFamily="34" charset="0"/>
+              <a:buChar char="•"/>
+            </a:pPr>
+            <a:r>
+              <a:rPr lang="en-US" sz="2400" dirty="0">
+                <a:latin typeface="+mn-lt"/>
+                <a:ea typeface="+mn-ea"/>
+                <a:cs typeface="+mn-cs"/>
+              </a:rPr>
+              <a:t>Why should I choose Data Lake?</a:t>
+            </a:r>
+          </a:p>
+          <a:p>
+            <a:pPr marL="514350" indent="-228600">
+              <a:spcAft>
+                <a:spcPts val="600"/>
+              </a:spcAft>
+              <a:buFont typeface="Arial" panose="020B0604020202020204" pitchFamily="34" charset="0"/>
+              <a:buChar char="•"/>
+            </a:pPr>
+            <a:r>
+              <a:rPr lang="en-US" sz="2400" dirty="0">
+                <a:latin typeface="+mn-lt"/>
+                <a:ea typeface="+mn-ea"/>
+                <a:cs typeface="+mn-cs"/>
+              </a:rPr>
+              <a:t>Control v Business value</a:t>
+            </a:r>
+          </a:p>
+          <a:p>
+            <a:pPr marL="514350" indent="-228600">
+              <a:spcAft>
+                <a:spcPts val="600"/>
+              </a:spcAft>
+              <a:buFont typeface="Arial" panose="020B0604020202020204" pitchFamily="34" charset="0"/>
+              <a:buChar char="•"/>
+            </a:pPr>
+            <a:endParaRPr lang="en-US" sz="2400" dirty="0">
+              <a:latin typeface="+mn-lt"/>
+              <a:ea typeface="+mn-ea"/>
+              <a:cs typeface="+mn-cs"/>
+            </a:endParaRPr>
+          </a:p>
+        </p:txBody>
+      </p:sp>
+      <p:sp>
+        <p:nvSpPr>
+          <p:cNvPr id="2" name="Title 1" hidden="1"/>
+          <p:cNvSpPr>
+            <a:spLocks noGrp="1"/>
+          </p:cNvSpPr>
+          <p:nvPr>
+            <p:ph type="title"/>
+          </p:nvPr>
+        </p:nvSpPr>
+        <p:spPr/>
+        <p:txBody>
+          <a:bodyPr>
+            <a:normAutofit/>
+          </a:bodyPr>
+          <a:lstStyle/>
+          <a:p>
+            <a:r>
+              <a:rPr lang="en-US" dirty="0" err="1"/>
+              <a:t>Agensss</a:t>
+            </a:r>
+            <a:endParaRPr lang="en-US" dirty="0"/>
+          </a:p>
+        </p:txBody>
+      </p:sp>
+      <p:sp>
+        <p:nvSpPr>
+          <p:cNvPr id="3" name="Rectangle 2">
+            <a:extLst>
+              <a:ext uri="{FF2B5EF4-FFF2-40B4-BE49-F238E27FC236}">
+                <a16:creationId xmlns:a16="http://schemas.microsoft.com/office/drawing/2014/main" id="{5DECC70E-2EDD-4E20-B4C1-240F4C3DD4B7}"/>
+              </a:ext>
+            </a:extLst>
+          </p:cNvPr>
+          <p:cNvSpPr/>
+          <p:nvPr/>
+        </p:nvSpPr>
+        <p:spPr>
+          <a:xfrm>
+            <a:off x="403747" y="848564"/>
+            <a:ext cx="2408333" cy="707886"/>
+          </a:xfrm>
+          <a:prstGeom prst="rect">
+            <a:avLst/>
+          </a:prstGeom>
+          <a:noFill/>
+        </p:spPr>
+        <p:txBody>
+          <a:bodyPr wrap="square" lIns="91440" tIns="45720" rIns="91440" bIns="45720">
+            <a:spAutoFit/>
+          </a:bodyPr>
+          <a:lstStyle/>
+          <a:p>
+            <a:endParaRPr lang="en-US" sz="4000" dirty="0">
+              <a:ln w="0"/>
+              <a:effectLst>
+                <a:outerShdw blurRad="38100" dist="19050" dir="2700000" algn="tl" rotWithShape="0">
+                  <a:schemeClr val="dk1">
+                    <a:alpha val="40000"/>
+                  </a:schemeClr>
+                </a:outerShdw>
+              </a:effectLst>
+            </a:endParaRPr>
+          </a:p>
+        </p:txBody>
+      </p:sp>
+      <p:sp>
+        <p:nvSpPr>
+          <p:cNvPr id="24" name="Title 1">
+            <a:extLst>
+              <a:ext uri="{FF2B5EF4-FFF2-40B4-BE49-F238E27FC236}">
+                <a16:creationId xmlns:a16="http://schemas.microsoft.com/office/drawing/2014/main" id="{DC31FA86-3847-48D3-9F7C-CCA04A249F1A}"/>
+              </a:ext>
+            </a:extLst>
+          </p:cNvPr>
+          <p:cNvSpPr txBox="1">
+            <a:spLocks/>
+          </p:cNvSpPr>
+          <p:nvPr/>
+        </p:nvSpPr>
+        <p:spPr>
+          <a:xfrm>
+            <a:off x="1490598" y="2590731"/>
+            <a:ext cx="2647059" cy="1676537"/>
+          </a:xfrm>
+          <a:prstGeom prst="rect">
+            <a:avLst/>
+          </a:prstGeom>
+        </p:spPr>
+        <p:txBody>
+          <a:bodyPr vert="horz" lIns="91440" tIns="45720" rIns="91440" bIns="45720" rtlCol="0" anchor="ctr">
+            <a:normAutofit/>
+          </a:bodyPr>
+          <a:lstStyle>
+            <a:lvl1pPr algn="l" defTabSz="914400" rtl="0" eaLnBrk="1" latinLnBrk="0" hangingPunct="1">
+              <a:lnSpc>
+                <a:spcPct val="90000"/>
+              </a:lnSpc>
+              <a:spcBef>
+                <a:spcPct val="0"/>
+              </a:spcBef>
+              <a:buNone/>
+              <a:defRPr sz="4400" kern="1200">
+                <a:solidFill>
+                  <a:schemeClr val="tx1"/>
+                </a:solidFill>
+                <a:latin typeface="+mj-lt"/>
+                <a:ea typeface="+mj-ea"/>
+                <a:cs typeface="+mj-cs"/>
+              </a:defRPr>
+            </a:lvl1pPr>
+          </a:lstStyle>
+          <a:p>
+            <a:r>
+              <a:rPr lang="en-US" sz="5600" dirty="0">
+                <a:ln w="0"/>
+                <a:solidFill>
+                  <a:schemeClr val="bg1"/>
+                </a:solidFill>
+                <a:effectLst>
+                  <a:outerShdw blurRad="38100" dist="19050" dir="2700000" algn="tl" rotWithShape="0">
+                    <a:schemeClr val="dk1">
+                      <a:alpha val="40000"/>
+                    </a:schemeClr>
+                  </a:outerShdw>
+                </a:effectLst>
+              </a:rPr>
+              <a:t>Agenda</a:t>
+            </a:r>
+            <a:endParaRPr lang="en-US" sz="5600" dirty="0">
+              <a:solidFill>
+                <a:schemeClr val="bg1"/>
+              </a:solidFill>
+            </a:endParaRPr>
+          </a:p>
+        </p:txBody>
+      </p:sp>
+    </p:spTree>
+    <p:extLst>
+      <p:ext uri="{BB962C8B-B14F-4D97-AF65-F5344CB8AC3E}">
+        <p14:creationId xmlns:p14="http://schemas.microsoft.com/office/powerpoint/2010/main" val="3863763873"/>
+      </p:ext>
+    </p:extLst>
+  </p:cSld>
+  <p:clrMapOvr>
+    <a:overrideClrMapping bg1="dk1" tx1="lt1" bg2="dk2" tx2="lt2" accent1="accent1" accent2="accent2" accent3="accent3" accent4="accent4" accent5="accent5" accent6="accent6" hlink="hlink" folHlink="folHlink"/>
+  </p:clrMapOvr>
+</p:sld>
+</file>
+
+<file path=ppt/slides/slide3.xml><?xml version="1.0" encoding="utf-8"?>
+<p:sld xmlns:a="http://schemas.openxmlformats.org/drawingml/2006/main" xmlns:r="http://schemas.openxmlformats.org/officeDocument/2006/relationships" xmlns:p="http://schemas.openxmlformats.org/presentationml/2006/main">
+  <p:cSld>
+    <p:bg>
+      <p:bgPr>
+        <a:solidFill>
+          <a:schemeClr val="bg1"/>
+        </a:solidFill>
+        <a:effectLst/>
+      </p:bgPr>
+    </p:bg>
+    <p:spTree>
+      <p:nvGrpSpPr>
+        <p:cNvPr id="1" name=""/>
+        <p:cNvGrpSpPr/>
+        <p:nvPr/>
+      </p:nvGrpSpPr>
+      <p:grpSpPr>
+        <a:xfrm>
+          <a:off x="0" y="0"/>
+          <a:ext cx="0" cy="0"/>
+          <a:chOff x="0" y="0"/>
+          <a:chExt cx="0" cy="0"/>
+        </a:xfrm>
+      </p:grpSpPr>
+      <p:sp>
+        <p:nvSpPr>
+          <p:cNvPr id="9" name="Rectangle 11">
+            <a:extLst>
+              <a:ext uri="{FF2B5EF4-FFF2-40B4-BE49-F238E27FC236}">
+                <a16:creationId xmlns:a16="http://schemas.microsoft.com/office/drawing/2014/main" id="{823AC064-BC96-4F32-8AE1-B2FD38754823}"/>
+              </a:ext>
+              <a:ext uri="{C183D7F6-B498-43B3-948B-1728B52AA6E4}">
+                <adec:decorative xmlns:adec="http://schemas.microsoft.com/office/drawing/2017/decorative" val="1"/>
+              </a:ext>
+            </a:extLst>
+          </p:cNvPr>
+          <p:cNvSpPr>
+            <a:spLocks noGrp="1" noRot="1" noChangeAspect="1" noMove="1" noResize="1" noEditPoints="1" noAdjustHandles="1" noChangeArrowheads="1" noChangeShapeType="1" noTextEdit="1"/>
+          </p:cNvSpPr>
+          <p:nvPr>
+            <p:extLst>
+              <p:ext uri="{386F3935-93C4-4BCD-93E2-E3B085C9AB24}">
+                <p16:designElem xmlns:p16="http://schemas.microsoft.com/office/powerpoint/2015/main" val="1"/>
+              </p:ext>
+            </p:extLst>
+          </p:nvPr>
+        </p:nvSpPr>
+        <p:spPr bwMode="ltGray">
+          <a:xfrm>
+            <a:off x="378068" y="4633546"/>
+            <a:ext cx="11438793" cy="1844256"/>
+          </a:xfrm>
+          <a:prstGeom prst="rect">
+            <a:avLst/>
+          </a:prstGeom>
+          <a:solidFill>
+            <a:srgbClr val="404040"/>
+          </a:solidFill>
+          <a:ln w="127000" cap="sq" cmpd="thinThick">
+            <a:solidFill>
+              <a:srgbClr val="404040"/>
+            </a:solidFill>
+          </a:ln>
+        </p:spPr>
+        <p:style>
+          <a:lnRef idx="2">
+            <a:schemeClr val="accent1">
+              <a:shade val="50000"/>
+            </a:schemeClr>
+          </a:lnRef>
+          <a:fillRef idx="1">
+            <a:schemeClr val="accent1"/>
+          </a:fillRef>
+          <a:effectRef idx="0">
+            <a:schemeClr val="accent1"/>
+          </a:effectRef>
+          <a:fontRef idx="minor">
+            <a:schemeClr val="lt1"/>
+          </a:fontRef>
+        </p:style>
+        <p:txBody>
+          <a:bodyPr rtlCol="0" anchor="ctr"/>
+          <a:lstStyle/>
+          <a:p>
+            <a:pPr marL="0" marR="0" lvl="0" indent="0" algn="ctr" defTabSz="914400" rtl="0" eaLnBrk="1" fontAlgn="auto" latinLnBrk="0" hangingPunct="1">
+              <a:lnSpc>
+                <a:spcPct val="100000"/>
+              </a:lnSpc>
+              <a:spcBef>
+                <a:spcPts val="0"/>
+              </a:spcBef>
+              <a:spcAft>
+                <a:spcPts val="0"/>
+              </a:spcAft>
+              <a:buClrTx/>
+              <a:buSzTx/>
+              <a:buFontTx/>
+              <a:buNone/>
+              <a:tabLst/>
+              <a:defRPr/>
+            </a:pPr>
+            <a:endParaRPr kumimoji="0" lang="en-US" sz="1800" b="0" i="0" u="none" strike="noStrike" kern="1200" cap="none" spc="0" normalizeH="0" baseline="0" noProof="0">
+              <a:ln>
+                <a:noFill/>
+              </a:ln>
+              <a:solidFill>
+                <a:prstClr val="white"/>
+              </a:solidFill>
+              <a:effectLst/>
+              <a:uLnTx/>
+              <a:uFillTx/>
+              <a:latin typeface="Calibri" panose="020F0502020204030204"/>
+              <a:ea typeface="+mn-ea"/>
+              <a:cs typeface="+mn-cs"/>
+            </a:endParaRPr>
+          </a:p>
+        </p:txBody>
+      </p:sp>
+      <p:sp>
+        <p:nvSpPr>
+          <p:cNvPr id="7" name="Title 1"/>
+          <p:cNvSpPr txBox="1">
+            <a:spLocks/>
+          </p:cNvSpPr>
+          <p:nvPr/>
+        </p:nvSpPr>
+        <p:spPr>
+          <a:xfrm>
+            <a:off x="526073" y="4756638"/>
+            <a:ext cx="11139854" cy="930447"/>
+          </a:xfrm>
+          <a:prstGeom prst="rect">
+            <a:avLst/>
+          </a:prstGeom>
+        </p:spPr>
+        <p:txBody>
+          <a:bodyPr vert="horz" lIns="91440" tIns="45720" rIns="91440" bIns="45720" rtlCol="0" anchor="b">
+            <a:normAutofit/>
+          </a:bodyPr>
+          <a:lstStyle>
+            <a:lvl1pPr algn="l" defTabSz="914400" rtl="0" eaLnBrk="1" latinLnBrk="0" hangingPunct="1">
+              <a:lnSpc>
+                <a:spcPct val="90000"/>
+              </a:lnSpc>
+              <a:spcBef>
+                <a:spcPct val="0"/>
+              </a:spcBef>
+              <a:buNone/>
+              <a:defRPr sz="4400" kern="1200">
+                <a:solidFill>
+                  <a:schemeClr val="tx1"/>
+                </a:solidFill>
+                <a:latin typeface="+mj-lt"/>
+                <a:ea typeface="+mj-ea"/>
+                <a:cs typeface="+mj-cs"/>
+              </a:defRPr>
+            </a:lvl1pPr>
+          </a:lstStyle>
+          <a:p>
+            <a:pPr algn="ctr">
+              <a:spcAft>
+                <a:spcPts val="600"/>
+              </a:spcAft>
+            </a:pPr>
+            <a:r>
+              <a:rPr lang="en-US" sz="5400" kern="1200">
+                <a:solidFill>
+                  <a:srgbClr val="FFFFFF"/>
+                </a:solidFill>
+                <a:latin typeface="+mj-lt"/>
+                <a:ea typeface="+mj-ea"/>
+                <a:cs typeface="+mj-cs"/>
+              </a:rPr>
+              <a:t>Database options in Azure</a:t>
+            </a:r>
+          </a:p>
+        </p:txBody>
+      </p:sp>
+      <p:pic>
+        <p:nvPicPr>
+          <p:cNvPr id="5" name="Picture 4">
+            <a:extLst>
+              <a:ext uri="{FF2B5EF4-FFF2-40B4-BE49-F238E27FC236}">
+                <a16:creationId xmlns:a16="http://schemas.microsoft.com/office/drawing/2014/main" id="{7E7B9D47-43B9-401B-B302-53E330CE30B4}"/>
+              </a:ext>
+            </a:extLst>
+          </p:cNvPr>
+          <p:cNvPicPr>
+            <a:picLocks noChangeAspect="1"/>
+          </p:cNvPicPr>
+          <p:nvPr/>
+        </p:nvPicPr>
+        <p:blipFill>
+          <a:blip r:embed="rId3">
+            <a:extLst>
+              <a:ext uri="{BEBA8EAE-BF5A-486C-A8C5-ECC9F3942E4B}">
+                <a14:imgProps xmlns:a14="http://schemas.microsoft.com/office/drawing/2010/main">
+                  <a14:imgLayer r:embed="rId4">
+                    <a14:imgEffect>
+                      <a14:colorTemperature colorTemp="9334"/>
+                    </a14:imgEffect>
+                    <a14:imgEffect>
+                      <a14:saturation sat="264000"/>
+                    </a14:imgEffect>
+                    <a14:imgEffect>
+                      <a14:brightnessContrast bright="11000" contrast="-29000"/>
+                    </a14:imgEffect>
+                  </a14:imgLayer>
+                </a14:imgProps>
+              </a:ext>
+            </a:extLst>
+          </a:blip>
+          <a:stretch>
+            <a:fillRect/>
+          </a:stretch>
+        </p:blipFill>
+        <p:spPr>
+          <a:xfrm>
+            <a:off x="842781" y="307731"/>
+            <a:ext cx="10451339" cy="3997637"/>
+          </a:xfrm>
+          <a:prstGeom prst="rect">
+            <a:avLst/>
+          </a:prstGeom>
+        </p:spPr>
+      </p:pic>
+      <p:cxnSp>
+        <p:nvCxnSpPr>
+          <p:cNvPr id="14" name="Straight Connector 13">
+            <a:extLst>
+              <a:ext uri="{FF2B5EF4-FFF2-40B4-BE49-F238E27FC236}">
+                <a16:creationId xmlns:a16="http://schemas.microsoft.com/office/drawing/2014/main" id="{7E7C77BC-7138-40B1-A15B-20F57A494629}"/>
+              </a:ext>
+              <a:ext uri="{C183D7F6-B498-43B3-948B-1728B52AA6E4}">
+                <adec:decorative xmlns:adec="http://schemas.microsoft.com/office/drawing/2017/decorative" val="1"/>
+              </a:ext>
+            </a:extLst>
+          </p:cNvPr>
+          <p:cNvCxnSpPr>
+            <a:cxnSpLocks noGrp="1" noRot="1" noChangeAspect="1" noMove="1" noResize="1" noEditPoints="1" noAdjustHandles="1" noChangeArrowheads="1" noChangeShapeType="1"/>
+          </p:cNvCxnSpPr>
+          <p:nvPr>
+            <p:extLst>
+              <p:ext uri="{386F3935-93C4-4BCD-93E2-E3B085C9AB24}">
+                <p16:designElem xmlns:p16="http://schemas.microsoft.com/office/powerpoint/2015/main" val="1"/>
+              </p:ext>
+            </p:extLst>
+          </p:nvPr>
+        </p:nvCxnSpPr>
+        <p:spPr>
+          <a:xfrm>
+            <a:off x="2209800" y="5738691"/>
+            <a:ext cx="7772400" cy="0"/>
+          </a:xfrm>
+          <a:prstGeom prst="line">
+            <a:avLst/>
+          </a:prstGeom>
+          <a:ln w="22225">
+            <a:solidFill>
+              <a:srgbClr val="D9D9D9"/>
+            </a:solidFill>
+          </a:ln>
+        </p:spPr>
+        <p:style>
+          <a:lnRef idx="1">
+            <a:schemeClr val="accent1"/>
+          </a:lnRef>
+          <a:fillRef idx="0">
+            <a:schemeClr val="accent1"/>
+          </a:fillRef>
+          <a:effectRef idx="0">
+            <a:schemeClr val="accent1"/>
+          </a:effectRef>
+          <a:fontRef idx="minor">
+            <a:schemeClr val="tx1"/>
+          </a:fontRef>
+        </p:style>
+      </p:cxnSp>
+      <p:sp>
+        <p:nvSpPr>
+          <p:cNvPr id="2" name="Title 1" hidden="1"/>
+          <p:cNvSpPr>
+            <a:spLocks noGrp="1"/>
+          </p:cNvSpPr>
+          <p:nvPr>
+            <p:ph type="title"/>
+          </p:nvPr>
+        </p:nvSpPr>
+        <p:spPr/>
+        <p:txBody>
+          <a:bodyPr/>
+          <a:lstStyle/>
+          <a:p>
+            <a:endParaRPr lang="en-US" dirty="0"/>
+          </a:p>
+        </p:txBody>
+      </p:sp>
+    </p:spTree>
+    <p:extLst>
+      <p:ext uri="{BB962C8B-B14F-4D97-AF65-F5344CB8AC3E}">
+        <p14:creationId xmlns:p14="http://schemas.microsoft.com/office/powerpoint/2010/main" val="2163416231"/>
+      </p:ext>
+    </p:extLst>
+  </p:cSld>
+  <p:clrMapOvr>
+    <a:masterClrMapping/>
+  </p:clrMapOvr>
+</p:sld>
+</file>
+
+<file path=ppt/slides/slide4.xml><?xml version="1.0" encoding="utf-8"?>
+<p:sld xmlns:a="http://schemas.openxmlformats.org/drawingml/2006/main" xmlns:r="http://schemas.openxmlformats.org/officeDocument/2006/relationships" xmlns:p="http://schemas.openxmlformats.org/presentationml/2006/main">
+  <p:cSld>
+    <p:bg>
+      <p:bgPr>
+        <a:solidFill>
+          <a:schemeClr val="bg1"/>
+        </a:solidFill>
+        <a:effectLst/>
+      </p:bgPr>
+    </p:bg>
+    <p:spTree>
+      <p:nvGrpSpPr>
+        <p:cNvPr id="1" name=""/>
+        <p:cNvGrpSpPr/>
+        <p:nvPr/>
+      </p:nvGrpSpPr>
+      <p:grpSpPr>
+        <a:xfrm>
+          <a:off x="0" y="0"/>
+          <a:ext cx="0" cy="0"/>
+          <a:chOff x="0" y="0"/>
+          <a:chExt cx="0" cy="0"/>
+        </a:xfrm>
+      </p:grpSpPr>
+      <p:sp>
+        <p:nvSpPr>
+          <p:cNvPr id="13" name="Rectangle 12">
+            <a:extLst>
+              <a:ext uri="{FF2B5EF4-FFF2-40B4-BE49-F238E27FC236}">
+                <a16:creationId xmlns:a16="http://schemas.microsoft.com/office/drawing/2014/main" id="{823AC064-BC96-4F32-8AE1-B2FD38754823}"/>
+              </a:ext>
+              <a:ext uri="{C183D7F6-B498-43B3-948B-1728B52AA6E4}">
+                <adec:decorative xmlns:adec="http://schemas.microsoft.com/office/drawing/2017/decorative" val="1"/>
+              </a:ext>
+            </a:extLst>
+          </p:cNvPr>
+          <p:cNvSpPr>
+            <a:spLocks noGrp="1" noRot="1" noChangeAspect="1" noMove="1" noResize="1" noEditPoints="1" noAdjustHandles="1" noChangeArrowheads="1" noChangeShapeType="1" noTextEdit="1"/>
+          </p:cNvSpPr>
+          <p:nvPr>
+            <p:extLst>
+              <p:ext uri="{386F3935-93C4-4BCD-93E2-E3B085C9AB24}">
+                <p16:designElem xmlns:p16="http://schemas.microsoft.com/office/powerpoint/2015/main" val="1"/>
+              </p:ext>
+            </p:extLst>
+          </p:nvPr>
+        </p:nvSpPr>
+        <p:spPr bwMode="ltGray">
+          <a:xfrm>
+            <a:off x="378068" y="4633546"/>
+            <a:ext cx="11438793" cy="1844256"/>
+          </a:xfrm>
+          <a:prstGeom prst="rect">
+            <a:avLst/>
+          </a:prstGeom>
+          <a:solidFill>
+            <a:srgbClr val="404040"/>
+          </a:solidFill>
+          <a:ln w="127000" cap="sq" cmpd="thinThick">
+            <a:solidFill>
+              <a:srgbClr val="404040"/>
+            </a:solidFill>
+          </a:ln>
+        </p:spPr>
+        <p:style>
+          <a:lnRef idx="2">
+            <a:schemeClr val="accent1">
+              <a:shade val="50000"/>
+            </a:schemeClr>
+          </a:lnRef>
+          <a:fillRef idx="1">
+            <a:schemeClr val="accent1"/>
+          </a:fillRef>
+          <a:effectRef idx="0">
+            <a:schemeClr val="accent1"/>
+          </a:effectRef>
+          <a:fontRef idx="minor">
+            <a:schemeClr val="lt1"/>
+          </a:fontRef>
+        </p:style>
+        <p:txBody>
+          <a:bodyPr rtlCol="0" anchor="ctr"/>
+          <a:lstStyle/>
+          <a:p>
+            <a:pPr marL="0" marR="0" lvl="0" indent="0" algn="ctr" defTabSz="914400" rtl="0" eaLnBrk="1" fontAlgn="auto" latinLnBrk="0" hangingPunct="1">
+              <a:lnSpc>
+                <a:spcPct val="100000"/>
+              </a:lnSpc>
+              <a:spcBef>
+                <a:spcPts val="0"/>
+              </a:spcBef>
+              <a:spcAft>
+                <a:spcPts val="0"/>
+              </a:spcAft>
+              <a:buClrTx/>
+              <a:buSzTx/>
+              <a:buFontTx/>
+              <a:buNone/>
+              <a:tabLst/>
+              <a:defRPr/>
+            </a:pPr>
+            <a:endParaRPr kumimoji="0" lang="en-US" sz="1800" b="0" i="0" u="none" strike="noStrike" kern="1200" cap="none" spc="0" normalizeH="0" baseline="0" noProof="0">
+              <a:ln>
+                <a:noFill/>
+              </a:ln>
+              <a:solidFill>
+                <a:prstClr val="white"/>
+              </a:solidFill>
+              <a:effectLst/>
+              <a:uLnTx/>
+              <a:uFillTx/>
+              <a:latin typeface="Calibri" panose="020F0502020204030204"/>
+              <a:ea typeface="+mn-ea"/>
+              <a:cs typeface="+mn-cs"/>
+            </a:endParaRPr>
+          </a:p>
+        </p:txBody>
+      </p:sp>
+      <p:sp>
+        <p:nvSpPr>
+          <p:cNvPr id="7" name="Title 1"/>
+          <p:cNvSpPr txBox="1">
+            <a:spLocks/>
+          </p:cNvSpPr>
+          <p:nvPr/>
+        </p:nvSpPr>
+        <p:spPr>
+          <a:xfrm>
+            <a:off x="526073" y="4756638"/>
+            <a:ext cx="11139854" cy="930447"/>
+          </a:xfrm>
+          <a:prstGeom prst="rect">
+            <a:avLst/>
+          </a:prstGeom>
+        </p:spPr>
+        <p:txBody>
+          <a:bodyPr vert="horz" lIns="91440" tIns="45720" rIns="91440" bIns="45720" rtlCol="0" anchor="b">
+            <a:normAutofit/>
+          </a:bodyPr>
+          <a:lstStyle>
+            <a:lvl1pPr algn="l" defTabSz="914400" rtl="0" eaLnBrk="1" latinLnBrk="0" hangingPunct="1">
+              <a:lnSpc>
+                <a:spcPct val="90000"/>
+              </a:lnSpc>
+              <a:spcBef>
+                <a:spcPct val="0"/>
+              </a:spcBef>
+              <a:buNone/>
+              <a:defRPr sz="4400" kern="1200">
+                <a:solidFill>
+                  <a:schemeClr val="tx1"/>
+                </a:solidFill>
+                <a:latin typeface="+mj-lt"/>
+                <a:ea typeface="+mj-ea"/>
+                <a:cs typeface="+mj-cs"/>
+              </a:defRPr>
+            </a:lvl1pPr>
+          </a:lstStyle>
+          <a:p>
+            <a:pPr algn="ctr">
+              <a:spcAft>
+                <a:spcPts val="600"/>
+              </a:spcAft>
+            </a:pPr>
+            <a:r>
+              <a:rPr lang="en-US" sz="5400" kern="1200" dirty="0">
+                <a:solidFill>
+                  <a:srgbClr val="FFFFFF"/>
+                </a:solidFill>
+                <a:latin typeface="+mj-lt"/>
+                <a:ea typeface="+mj-ea"/>
+                <a:cs typeface="+mj-cs"/>
+              </a:rPr>
+              <a:t>OLAP, OLTP</a:t>
+            </a:r>
+          </a:p>
+        </p:txBody>
+      </p:sp>
+      <p:pic>
+        <p:nvPicPr>
+          <p:cNvPr id="8" name="Picture 7">
+            <a:extLst>
+              <a:ext uri="{FF2B5EF4-FFF2-40B4-BE49-F238E27FC236}">
+                <a16:creationId xmlns:a16="http://schemas.microsoft.com/office/drawing/2014/main" id="{724D2382-4398-4CAB-9665-3A3871483AA7}"/>
+              </a:ext>
+            </a:extLst>
+          </p:cNvPr>
+          <p:cNvPicPr>
+            <a:picLocks noChangeAspect="1"/>
+          </p:cNvPicPr>
+          <p:nvPr/>
+        </p:nvPicPr>
+        <p:blipFill>
+          <a:blip r:embed="rId3"/>
+          <a:stretch>
+            <a:fillRect/>
+          </a:stretch>
+        </p:blipFill>
+        <p:spPr>
+          <a:xfrm>
+            <a:off x="1860411" y="307731"/>
+            <a:ext cx="8416079" cy="3997637"/>
+          </a:xfrm>
+          <a:prstGeom prst="rect">
+            <a:avLst/>
+          </a:prstGeom>
+        </p:spPr>
+      </p:pic>
+      <p:cxnSp>
+        <p:nvCxnSpPr>
+          <p:cNvPr id="15" name="Straight Connector 14">
+            <a:extLst>
+              <a:ext uri="{FF2B5EF4-FFF2-40B4-BE49-F238E27FC236}">
+                <a16:creationId xmlns:a16="http://schemas.microsoft.com/office/drawing/2014/main" id="{7E7C77BC-7138-40B1-A15B-20F57A494629}"/>
+              </a:ext>
+              <a:ext uri="{C183D7F6-B498-43B3-948B-1728B52AA6E4}">
+                <adec:decorative xmlns:adec="http://schemas.microsoft.com/office/drawing/2017/decorative" val="1"/>
+              </a:ext>
+            </a:extLst>
+          </p:cNvPr>
+          <p:cNvCxnSpPr>
+            <a:cxnSpLocks noGrp="1" noRot="1" noChangeAspect="1" noMove="1" noResize="1" noEditPoints="1" noAdjustHandles="1" noChangeArrowheads="1" noChangeShapeType="1"/>
+          </p:cNvCxnSpPr>
+          <p:nvPr>
+            <p:extLst>
+              <p:ext uri="{386F3935-93C4-4BCD-93E2-E3B085C9AB24}">
+                <p16:designElem xmlns:p16="http://schemas.microsoft.com/office/powerpoint/2015/main" val="1"/>
+              </p:ext>
+            </p:extLst>
+          </p:nvPr>
+        </p:nvCxnSpPr>
+        <p:spPr>
+          <a:xfrm>
+            <a:off x="2209800" y="5738691"/>
+            <a:ext cx="7772400" cy="0"/>
+          </a:xfrm>
+          <a:prstGeom prst="line">
+            <a:avLst/>
+          </a:prstGeom>
+          <a:ln w="22225">
+            <a:solidFill>
+              <a:srgbClr val="D9D9D9"/>
+            </a:solidFill>
+          </a:ln>
+        </p:spPr>
+        <p:style>
+          <a:lnRef idx="1">
+            <a:schemeClr val="accent1"/>
+          </a:lnRef>
+          <a:fillRef idx="0">
+            <a:schemeClr val="accent1"/>
+          </a:fillRef>
+          <a:effectRef idx="0">
+            <a:schemeClr val="accent1"/>
+          </a:effectRef>
+          <a:fontRef idx="minor">
+            <a:schemeClr val="tx1"/>
+          </a:fontRef>
+        </p:style>
+      </p:cxnSp>
+      <p:sp>
+        <p:nvSpPr>
+          <p:cNvPr id="2" name="Title 1" hidden="1"/>
+          <p:cNvSpPr>
+            <a:spLocks noGrp="1"/>
+          </p:cNvSpPr>
+          <p:nvPr>
+            <p:ph type="title"/>
+          </p:nvPr>
+        </p:nvSpPr>
+        <p:spPr/>
+        <p:txBody>
+          <a:bodyPr/>
+          <a:lstStyle/>
+          <a:p>
+            <a:endParaRPr lang="en-US" dirty="0"/>
+          </a:p>
+        </p:txBody>
+      </p:sp>
+    </p:spTree>
+    <p:extLst>
+      <p:ext uri="{BB962C8B-B14F-4D97-AF65-F5344CB8AC3E}">
+        <p14:creationId xmlns:p14="http://schemas.microsoft.com/office/powerpoint/2010/main" val="3228373058"/>
+      </p:ext>
+    </p:extLst>
+  </p:cSld>
+  <p:clrMapOvr>
+    <a:masterClrMapping/>
+  </p:clrMapOvr>
+</p:sld>
+</file>
+
+<file path=ppt/slides/slide5.xml><?xml version="1.0" encoding="utf-8"?>
+<p:sld xmlns:a="http://schemas.openxmlformats.org/drawingml/2006/main" xmlns:r="http://schemas.openxmlformats.org/officeDocument/2006/relationships" xmlns:p="http://schemas.openxmlformats.org/presentationml/2006/main">
+  <p:cSld>
+    <p:bg>
+      <p:bgPr>
+        <a:solidFill>
+          <a:schemeClr val="bg1"/>
+        </a:solidFill>
+        <a:effectLst/>
+      </p:bgPr>
+    </p:bg>
+    <p:spTree>
+      <p:nvGrpSpPr>
+        <p:cNvPr id="1" name=""/>
+        <p:cNvGrpSpPr/>
+        <p:nvPr/>
+      </p:nvGrpSpPr>
+      <p:grpSpPr>
+        <a:xfrm>
+          <a:off x="0" y="0"/>
+          <a:ext cx="0" cy="0"/>
+          <a:chOff x="0" y="0"/>
+          <a:chExt cx="0" cy="0"/>
+        </a:xfrm>
+      </p:grpSpPr>
+      <p:sp>
+        <p:nvSpPr>
+          <p:cNvPr id="11" name="Rectangle 10">
+            <a:extLst>
+              <a:ext uri="{FF2B5EF4-FFF2-40B4-BE49-F238E27FC236}">
+                <a16:creationId xmlns:a16="http://schemas.microsoft.com/office/drawing/2014/main" id="{C0B27210-D0CA-4654-B3E3-9ABB4F178EA1}"/>
+              </a:ext>
+              <a:ext uri="{C183D7F6-B498-43B3-948B-1728B52AA6E4}">
+                <adec:decorative xmlns:adec="http://schemas.microsoft.com/office/drawing/2017/decorative" val="1"/>
+              </a:ext>
+            </a:extLst>
+          </p:cNvPr>
+          <p:cNvSpPr>
+            <a:spLocks noGrp="1" noRot="1" noChangeAspect="1" noMove="1" noResize="1" noEditPoints="1" noAdjustHandles="1" noChangeArrowheads="1" noChangeShapeType="1" noTextEdit="1"/>
+          </p:cNvSpPr>
+          <p:nvPr>
+            <p:extLst>
+              <p:ext uri="{386F3935-93C4-4BCD-93E2-E3B085C9AB24}">
+                <p16:designElem xmlns:p16="http://schemas.microsoft.com/office/powerpoint/2015/main" val="1"/>
+              </p:ext>
+            </p:extLst>
+          </p:nvPr>
+        </p:nvSpPr>
+        <p:spPr>
+          <a:xfrm>
+            <a:off x="0" y="0"/>
+            <a:ext cx="12192000" cy="6858000"/>
+          </a:xfrm>
+          <a:prstGeom prst="rect">
+            <a:avLst/>
+          </a:prstGeom>
+          <a:solidFill>
+            <a:schemeClr val="tx1">
+              <a:lumMod val="75000"/>
+              <a:lumOff val="25000"/>
+            </a:schemeClr>
+          </a:solidFill>
+          <a:ln>
+            <a:noFill/>
+          </a:ln>
+        </p:spPr>
+        <p:style>
+          <a:lnRef idx="2">
+            <a:schemeClr val="accent1">
+              <a:shade val="50000"/>
+            </a:schemeClr>
+          </a:lnRef>
+          <a:fillRef idx="1">
+            <a:schemeClr val="accent1"/>
+          </a:fillRef>
+          <a:effectRef idx="0">
+            <a:schemeClr val="accent1"/>
+          </a:effectRef>
+          <a:fontRef idx="minor">
+            <a:schemeClr val="lt1"/>
+          </a:fontRef>
+        </p:style>
+        <p:txBody>
+          <a:bodyPr rtlCol="0" anchor="ctr"/>
+          <a:lstStyle/>
+          <a:p>
+            <a:pPr algn="ctr"/>
+            <a:endParaRPr lang="en-US"/>
+          </a:p>
+        </p:txBody>
+      </p:sp>
+      <p:sp>
+        <p:nvSpPr>
+          <p:cNvPr id="2" name="Title 1">
+            <a:extLst>
+              <a:ext uri="{FF2B5EF4-FFF2-40B4-BE49-F238E27FC236}">
+                <a16:creationId xmlns:a16="http://schemas.microsoft.com/office/drawing/2014/main" id="{FB79745D-258C-40B9-87BB-E62B7BED6093}"/>
+              </a:ext>
+            </a:extLst>
+          </p:cNvPr>
+          <p:cNvSpPr>
+            <a:spLocks noGrp="1"/>
+          </p:cNvSpPr>
+          <p:nvPr>
+            <p:ph type="title"/>
+          </p:nvPr>
+        </p:nvSpPr>
+        <p:spPr>
+          <a:xfrm>
+            <a:off x="6746628" y="1783959"/>
+            <a:ext cx="4645250" cy="2889114"/>
+          </a:xfrm>
+        </p:spPr>
+        <p:txBody>
+          <a:bodyPr vert="horz" lIns="91440" tIns="45720" rIns="91440" bIns="45720" rtlCol="0" anchor="b">
+            <a:normAutofit/>
+          </a:bodyPr>
+          <a:lstStyle/>
+          <a:p>
+            <a:r>
+              <a:rPr lang="en-US" sz="6000" kern="1200">
+                <a:ln w="0"/>
+                <a:solidFill>
+                  <a:schemeClr val="bg1"/>
+                </a:solidFill>
+                <a:effectLst>
+                  <a:outerShdw blurRad="38100" dist="19050" dir="2700000" algn="tl" rotWithShape="0">
+                    <a:schemeClr val="dk1">
+                      <a:alpha val="40000"/>
+                    </a:schemeClr>
+                  </a:outerShdw>
+                </a:effectLst>
+                <a:latin typeface="+mj-lt"/>
+                <a:ea typeface="+mj-ea"/>
+                <a:cs typeface="+mj-cs"/>
+              </a:rPr>
+              <a:t>Why should I choose Azure Data Lake?...</a:t>
+            </a:r>
+            <a:endParaRPr lang="en-US" sz="6000" kern="1200">
+              <a:solidFill>
+                <a:schemeClr val="bg1"/>
+              </a:solidFill>
+              <a:latin typeface="+mj-lt"/>
+              <a:ea typeface="+mj-ea"/>
+              <a:cs typeface="+mj-cs"/>
+            </a:endParaRPr>
+          </a:p>
+        </p:txBody>
+      </p:sp>
+      <p:sp>
+        <p:nvSpPr>
+          <p:cNvPr id="13" name="Freeform: Shape 12">
+            <a:extLst>
+              <a:ext uri="{FF2B5EF4-FFF2-40B4-BE49-F238E27FC236}">
+                <a16:creationId xmlns:a16="http://schemas.microsoft.com/office/drawing/2014/main" id="{1DB7C82F-AB7E-4F0C-B829-FA1B9C415180}"/>
+              </a:ext>
+              <a:ext uri="{C183D7F6-B498-43B3-948B-1728B52AA6E4}">
+                <adec:decorative xmlns:adec="http://schemas.microsoft.com/office/drawing/2017/decorative" val="1"/>
+              </a:ext>
+            </a:extLst>
+          </p:cNvPr>
+          <p:cNvSpPr>
+            <a:spLocks noGrp="1" noRot="1" noChangeAspect="1" noMove="1" noResize="1" noEditPoints="1" noAdjustHandles="1" noChangeArrowheads="1" noChangeShapeType="1" noTextEdit="1"/>
+          </p:cNvSpPr>
+          <p:nvPr>
+            <p:extLst>
+              <p:ext uri="{386F3935-93C4-4BCD-93E2-E3B085C9AB24}">
+                <p16:designElem xmlns:p16="http://schemas.microsoft.com/office/powerpoint/2015/main" val="1"/>
+              </p:ext>
+            </p:extLst>
+          </p:nvPr>
+        </p:nvSpPr>
+        <p:spPr>
+          <a:xfrm flipH="1">
+            <a:off x="0" y="0"/>
+            <a:ext cx="6172782" cy="6858000"/>
+          </a:xfrm>
+          <a:custGeom>
+            <a:avLst/>
+            <a:gdLst>
+              <a:gd name="connsiteX0" fmla="*/ 6172782 w 6172782"/>
+              <a:gd name="connsiteY0" fmla="*/ 0 h 6858000"/>
+              <a:gd name="connsiteX1" fmla="*/ 69075 w 6172782"/>
+              <a:gd name="connsiteY1" fmla="*/ 0 h 6858000"/>
+              <a:gd name="connsiteX2" fmla="*/ 35131 w 6172782"/>
+              <a:gd name="connsiteY2" fmla="*/ 267128 h 6858000"/>
+              <a:gd name="connsiteX3" fmla="*/ 0 w 6172782"/>
+              <a:gd name="connsiteY3" fmla="*/ 962845 h 6858000"/>
+              <a:gd name="connsiteX4" fmla="*/ 3276103 w 6172782"/>
+              <a:gd name="connsiteY4" fmla="*/ 6782205 h 6858000"/>
+              <a:gd name="connsiteX5" fmla="*/ 3407923 w 6172782"/>
+              <a:gd name="connsiteY5" fmla="*/ 6858000 h 6858000"/>
+              <a:gd name="connsiteX6" fmla="*/ 6172782 w 6172782"/>
+              <a:gd name="connsiteY6" fmla="*/ 6858000 h 6858000"/>
+            </a:gdLst>
+            <a:ahLst/>
+            <a:cxnLst>
+              <a:cxn ang="0">
+                <a:pos x="connsiteX0" y="connsiteY0"/>
+              </a:cxn>
+              <a:cxn ang="0">
+                <a:pos x="connsiteX1" y="connsiteY1"/>
+              </a:cxn>
+              <a:cxn ang="0">
+                <a:pos x="connsiteX2" y="connsiteY2"/>
+              </a:cxn>
+              <a:cxn ang="0">
+                <a:pos x="connsiteX3" y="connsiteY3"/>
+              </a:cxn>
+              <a:cxn ang="0">
+                <a:pos x="connsiteX4" y="connsiteY4"/>
+              </a:cxn>
+              <a:cxn ang="0">
+                <a:pos x="connsiteX5" y="connsiteY5"/>
+              </a:cxn>
+              <a:cxn ang="0">
+                <a:pos x="connsiteX6" y="connsiteY6"/>
+              </a:cxn>
+            </a:cxnLst>
+            <a:rect l="l" t="t" r="r" b="b"/>
+            <a:pathLst>
+              <a:path w="6172782" h="6858000">
+                <a:moveTo>
+                  <a:pt x="6172782" y="0"/>
+                </a:moveTo>
+                <a:lnTo>
+                  <a:pt x="69075" y="0"/>
+                </a:lnTo>
+                <a:lnTo>
+                  <a:pt x="35131" y="267128"/>
+                </a:lnTo>
+                <a:cubicBezTo>
+                  <a:pt x="11901" y="495874"/>
+                  <a:pt x="0" y="727970"/>
+                  <a:pt x="0" y="962845"/>
+                </a:cubicBezTo>
+                <a:cubicBezTo>
+                  <a:pt x="0" y="3429034"/>
+                  <a:pt x="1312002" y="5588789"/>
+                  <a:pt x="3276103" y="6782205"/>
+                </a:cubicBezTo>
+                <a:lnTo>
+                  <a:pt x="3407923" y="6858000"/>
+                </a:lnTo>
+                <a:lnTo>
+                  <a:pt x="6172782" y="6858000"/>
+                </a:lnTo>
+                <a:close/>
+              </a:path>
+            </a:pathLst>
+          </a:custGeom>
+          <a:solidFill>
+            <a:schemeClr val="bg1">
+              <a:alpha val="80000"/>
+            </a:schemeClr>
+          </a:solidFill>
+          <a:ln>
+            <a:noFill/>
+          </a:ln>
+        </p:spPr>
+        <p:style>
+          <a:lnRef idx="2">
+            <a:schemeClr val="accent1">
+              <a:shade val="50000"/>
+            </a:schemeClr>
+          </a:lnRef>
+          <a:fillRef idx="1">
+            <a:schemeClr val="accent1"/>
+          </a:fillRef>
+          <a:effectRef idx="0">
+            <a:schemeClr val="accent1"/>
+          </a:effectRef>
+          <a:fontRef idx="minor">
+            <a:schemeClr val="lt1"/>
+          </a:fontRef>
+        </p:style>
+        <p:txBody>
+          <a:bodyPr wrap="square" rtlCol="0" anchor="ctr">
+            <a:noAutofit/>
+          </a:bodyPr>
+          <a:lstStyle/>
+          <a:p>
+            <a:pPr marL="0" marR="0" lvl="0" indent="0" algn="ctr" defTabSz="914400" rtl="0" eaLnBrk="1" fontAlgn="auto" latinLnBrk="0" hangingPunct="1">
+              <a:lnSpc>
+                <a:spcPct val="100000"/>
+              </a:lnSpc>
+              <a:spcBef>
+                <a:spcPts val="0"/>
+              </a:spcBef>
+              <a:spcAft>
+                <a:spcPts val="0"/>
+              </a:spcAft>
+              <a:buClrTx/>
+              <a:buSzTx/>
+              <a:buFontTx/>
+              <a:buNone/>
+              <a:tabLst/>
+              <a:defRPr/>
+            </a:pPr>
+            <a:endParaRPr kumimoji="0" lang="en-US" sz="1800" b="0" i="0" u="none" strike="noStrike" kern="1200" cap="none" spc="0" normalizeH="0" baseline="0" noProof="0">
+              <a:ln>
+                <a:noFill/>
+              </a:ln>
+              <a:solidFill>
+                <a:prstClr val="white"/>
+              </a:solidFill>
+              <a:effectLst/>
+              <a:uLnTx/>
+              <a:uFillTx/>
+              <a:latin typeface="Calibri" panose="020F0502020204030204"/>
+              <a:ea typeface="+mn-ea"/>
+              <a:cs typeface="+mn-cs"/>
+            </a:endParaRPr>
+          </a:p>
+        </p:txBody>
+      </p:sp>
+      <p:sp>
+        <p:nvSpPr>
+          <p:cNvPr id="15" name="Freeform: Shape 14">
+            <a:extLst>
+              <a:ext uri="{FF2B5EF4-FFF2-40B4-BE49-F238E27FC236}">
+                <a16:creationId xmlns:a16="http://schemas.microsoft.com/office/drawing/2014/main" id="{70B66945-4967-4040-926D-DCA44313CDAB}"/>
+              </a:ext>
+              <a:ext uri="{C183D7F6-B498-43B3-948B-1728B52AA6E4}">
+                <adec:decorative xmlns:adec="http://schemas.microsoft.com/office/drawing/2017/decorative" val="1"/>
+              </a:ext>
+            </a:extLst>
+          </p:cNvPr>
+          <p:cNvSpPr>
+            <a:spLocks noGrp="1" noRot="1" noChangeAspect="1" noMove="1" noResize="1" noEditPoints="1" noAdjustHandles="1" noChangeArrowheads="1" noChangeShapeType="1" noTextEdit="1"/>
+          </p:cNvSpPr>
+          <p:nvPr>
+            <p:extLst>
+              <p:ext uri="{386F3935-93C4-4BCD-93E2-E3B085C9AB24}">
+                <p16:designElem xmlns:p16="http://schemas.microsoft.com/office/powerpoint/2015/main" val="1"/>
+              </p:ext>
+            </p:extLst>
+          </p:nvPr>
+        </p:nvSpPr>
+        <p:spPr>
+          <a:xfrm>
+            <a:off x="0" y="0"/>
+            <a:ext cx="6024154" cy="6858000"/>
+          </a:xfrm>
+          <a:custGeom>
+            <a:avLst/>
+            <a:gdLst>
+              <a:gd name="connsiteX0" fmla="*/ 0 w 6024154"/>
+              <a:gd name="connsiteY0" fmla="*/ 0 h 6858000"/>
+              <a:gd name="connsiteX1" fmla="*/ 5953780 w 6024154"/>
+              <a:gd name="connsiteY1" fmla="*/ 0 h 6858000"/>
+              <a:gd name="connsiteX2" fmla="*/ 5989880 w 6024154"/>
+              <a:gd name="connsiteY2" fmla="*/ 284091 h 6858000"/>
+              <a:gd name="connsiteX3" fmla="*/ 6024154 w 6024154"/>
+              <a:gd name="connsiteY3" fmla="*/ 962844 h 6858000"/>
+              <a:gd name="connsiteX4" fmla="*/ 2549934 w 6024154"/>
+              <a:gd name="connsiteY4" fmla="*/ 6800152 h 6858000"/>
+              <a:gd name="connsiteX5" fmla="*/ 2436987 w 6024154"/>
+              <a:gd name="connsiteY5" fmla="*/ 6858000 h 6858000"/>
+              <a:gd name="connsiteX6" fmla="*/ 0 w 6024154"/>
+              <a:gd name="connsiteY6" fmla="*/ 6858000 h 6858000"/>
+            </a:gdLst>
+            <a:ahLst/>
+            <a:cxnLst>
+              <a:cxn ang="0">
+                <a:pos x="connsiteX0" y="connsiteY0"/>
+              </a:cxn>
+              <a:cxn ang="0">
+                <a:pos x="connsiteX1" y="connsiteY1"/>
+              </a:cxn>
+              <a:cxn ang="0">
+                <a:pos x="connsiteX2" y="connsiteY2"/>
+              </a:cxn>
+              <a:cxn ang="0">
+                <a:pos x="connsiteX3" y="connsiteY3"/>
+              </a:cxn>
+              <a:cxn ang="0">
+                <a:pos x="connsiteX4" y="connsiteY4"/>
+              </a:cxn>
+              <a:cxn ang="0">
+                <a:pos x="connsiteX5" y="connsiteY5"/>
+              </a:cxn>
+              <a:cxn ang="0">
+                <a:pos x="connsiteX6" y="connsiteY6"/>
+              </a:cxn>
+            </a:cxnLst>
+            <a:rect l="l" t="t" r="r" b="b"/>
+            <a:pathLst>
+              <a:path w="6024154" h="6858000">
+                <a:moveTo>
+                  <a:pt x="0" y="0"/>
+                </a:moveTo>
+                <a:lnTo>
+                  <a:pt x="5953780" y="0"/>
+                </a:lnTo>
+                <a:lnTo>
+                  <a:pt x="5989880" y="284091"/>
+                </a:lnTo>
+                <a:cubicBezTo>
+                  <a:pt x="6012544" y="507260"/>
+                  <a:pt x="6024154" y="733696"/>
+                  <a:pt x="6024154" y="962844"/>
+                </a:cubicBezTo>
+                <a:cubicBezTo>
+                  <a:pt x="6024154" y="3483472"/>
+                  <a:pt x="4619336" y="5675986"/>
+                  <a:pt x="2549934" y="6800152"/>
+                </a:cubicBezTo>
+                <a:lnTo>
+                  <a:pt x="2436987" y="6858000"/>
+                </a:lnTo>
+                <a:lnTo>
+                  <a:pt x="0" y="6858000"/>
+                </a:lnTo>
+                <a:close/>
+              </a:path>
+            </a:pathLst>
+          </a:custGeom>
+          <a:solidFill>
+            <a:schemeClr val="bg1"/>
+          </a:solidFill>
+          <a:ln>
+            <a:noFill/>
+          </a:ln>
+        </p:spPr>
+        <p:style>
+          <a:lnRef idx="2">
+            <a:schemeClr val="accent1">
+              <a:shade val="50000"/>
+            </a:schemeClr>
+          </a:lnRef>
+          <a:fillRef idx="1">
+            <a:schemeClr val="accent1"/>
+          </a:fillRef>
+          <a:effectRef idx="0">
+            <a:schemeClr val="accent1"/>
+          </a:effectRef>
+          <a:fontRef idx="minor">
+            <a:schemeClr val="lt1"/>
+          </a:fontRef>
+        </p:style>
+        <p:txBody>
+          <a:bodyPr wrap="square" rtlCol="0" anchor="ctr">
+            <a:noAutofit/>
+          </a:bodyPr>
+          <a:lstStyle/>
+          <a:p>
+            <a:pPr marL="0" marR="0" lvl="0" indent="0" algn="ctr" defTabSz="914400" rtl="0" eaLnBrk="1" fontAlgn="auto" latinLnBrk="0" hangingPunct="1">
+              <a:lnSpc>
+                <a:spcPct val="100000"/>
+              </a:lnSpc>
+              <a:spcBef>
+                <a:spcPts val="0"/>
+              </a:spcBef>
+              <a:spcAft>
+                <a:spcPts val="0"/>
+              </a:spcAft>
+              <a:buClrTx/>
+              <a:buSzTx/>
+              <a:buFontTx/>
+              <a:buNone/>
+              <a:tabLst/>
+              <a:defRPr/>
+            </a:pPr>
+            <a:endParaRPr kumimoji="0" lang="en-US" sz="1800" b="0" i="0" u="none" strike="noStrike" kern="1200" cap="none" spc="0" normalizeH="0" baseline="0" noProof="0">
+              <a:ln>
+                <a:noFill/>
+              </a:ln>
+              <a:solidFill>
+                <a:prstClr val="white"/>
+              </a:solidFill>
+              <a:effectLst/>
+              <a:uLnTx/>
+              <a:uFillTx/>
+              <a:latin typeface="Calibri" panose="020F0502020204030204"/>
+              <a:ea typeface="+mn-ea"/>
+              <a:cs typeface="+mn-cs"/>
+            </a:endParaRPr>
+          </a:p>
+        </p:txBody>
+      </p:sp>
+      <p:pic>
+        <p:nvPicPr>
           <p:cNvPr id="6" name="Graphic 5" descr="Thought bubble">
             <a:extLst>
               <a:ext uri="{FF2B5EF4-FFF2-40B4-BE49-F238E27FC236}">
@@ -5537,7 +7756,7 @@
         <p:spPr>
           <a:xfrm>
             <a:off x="6746628" y="1783959"/>
-            <a:ext cx="4645250" cy="2889114"/>
+            <a:ext cx="5140572" cy="2889114"/>
           </a:xfrm>
         </p:spPr>
         <p:txBody>
@@ -5555,7 +7774,7 @@
               </a:spcBef>
             </a:pPr>
             <a:r>
-              <a:rPr lang="en-US" sz="2000" kern="1200">
+              <a:rPr lang="en-US" sz="2000" kern="1200" dirty="0">
                 <a:solidFill>
                   <a:schemeClr val="bg1"/>
                 </a:solidFill>
@@ -5566,7 +7785,7 @@
               <a:t>What can I store?</a:t>
             </a:r>
             <a:br>
-              <a:rPr lang="en-US" sz="2000" kern="1200">
+              <a:rPr lang="en-US" sz="2000" kern="1200" dirty="0">
                 <a:solidFill>
                   <a:schemeClr val="bg1"/>
                 </a:solidFill>
@@ -5576,7 +7795,7 @@
               </a:rPr>
             </a:br>
             <a:br>
-              <a:rPr lang="en-US" sz="2000" kern="1200">
+              <a:rPr lang="en-US" sz="2000" kern="1200" dirty="0">
                 <a:solidFill>
                   <a:schemeClr val="bg1"/>
                 </a:solidFill>
@@ -5586,7 +7805,7 @@
               </a:rPr>
             </a:br>
             <a:r>
-              <a:rPr lang="en-US" sz="2000" kern="1200">
+              <a:rPr lang="en-US" sz="2000" b="1" kern="1200" dirty="0">
                 <a:solidFill>
                   <a:schemeClr val="bg1"/>
                 </a:solidFill>
@@ -5594,10 +7813,10 @@
                 <a:ea typeface="+mj-ea"/>
                 <a:cs typeface="+mj-cs"/>
               </a:rPr>
-              <a:t>Semi-structured (CSV, XML,)</a:t>
+              <a:t>Semi-structured (CSV, XML, other files...)</a:t>
             </a:r>
             <a:br>
-              <a:rPr lang="en-US" sz="2000" kern="1200">
+              <a:rPr lang="en-US" sz="2000" kern="1200" dirty="0">
                 <a:solidFill>
                   <a:schemeClr val="bg1"/>
                 </a:solidFill>
@@ -5607,7 +7826,7 @@
               </a:rPr>
             </a:br>
             <a:br>
-              <a:rPr lang="en-US" sz="2000" kern="1200">
+              <a:rPr lang="en-US" sz="2000" kern="1200" dirty="0">
                 <a:solidFill>
                   <a:schemeClr val="bg1"/>
                 </a:solidFill>
@@ -5617,7 +7836,7 @@
               </a:rPr>
             </a:br>
             <a:r>
-              <a:rPr lang="en-US" sz="2000" kern="1200">
+              <a:rPr lang="en-US" sz="2000" kern="1200" dirty="0">
                 <a:solidFill>
                   <a:schemeClr val="bg1"/>
                 </a:solidFill>
@@ -5628,7 +7847,7 @@
               <a:t>Structured (Relational like SQL)</a:t>
             </a:r>
             <a:br>
-              <a:rPr lang="en-US" sz="2000" kern="1200">
+              <a:rPr lang="en-US" sz="2000" kern="1200" dirty="0">
                 <a:solidFill>
                   <a:schemeClr val="bg1"/>
                 </a:solidFill>
@@ -5638,7 +7857,7 @@
               </a:rPr>
             </a:br>
             <a:br>
-              <a:rPr lang="en-US" sz="2000" kern="1200">
+              <a:rPr lang="en-US" sz="2000" kern="1200" dirty="0">
                 <a:solidFill>
                   <a:schemeClr val="bg1"/>
                 </a:solidFill>
@@ -5648,7 +7867,7 @@
               </a:rPr>
             </a:br>
             <a:r>
-              <a:rPr lang="en-US" sz="2000" kern="1200">
+              <a:rPr lang="en-US" sz="2000" kern="1200" dirty="0">
                 <a:solidFill>
                   <a:schemeClr val="bg1"/>
                 </a:solidFill>
@@ -5659,7 +7878,7 @@
               <a:t>Un-structured (Image, Video, PDF, Document, Key/Value, Graph,..)</a:t>
             </a:r>
             <a:br>
-              <a:rPr lang="en-US" sz="2000" kern="1200">
+              <a:rPr lang="en-US" sz="2000" kern="1200" dirty="0">
                 <a:solidFill>
                   <a:schemeClr val="bg1"/>
                 </a:solidFill>
@@ -5668,7 +7887,7 @@
                 <a:cs typeface="+mj-cs"/>
               </a:rPr>
             </a:br>
-            <a:endParaRPr lang="en-US" sz="2000" kern="1200">
+            <a:endParaRPr lang="en-US" sz="2000" kern="1200" dirty="0">
               <a:solidFill>
                 <a:schemeClr val="bg1"/>
               </a:solidFill>

--- a/Feb26-AzureDataLake/AzureDataLake+Hadoop3.0.pptx
+++ b/Feb26-AzureDataLake/AzureDataLake+Hadoop3.0.pptx
@@ -6,25 +6,28 @@
     <p:sldMasterId id="2147483655" r:id="rId2"/>
   </p:sldMasterIdLst>
   <p:notesMasterIdLst>
-    <p:notesMasterId r:id="rId19"/>
+    <p:notesMasterId r:id="rId22"/>
   </p:notesMasterIdLst>
   <p:sldIdLst>
     <p:sldId id="257" r:id="rId3"/>
     <p:sldId id="258" r:id="rId4"/>
-    <p:sldId id="268" r:id="rId5"/>
-    <p:sldId id="271" r:id="rId6"/>
-    <p:sldId id="284" r:id="rId7"/>
-    <p:sldId id="287" r:id="rId8"/>
-    <p:sldId id="286" r:id="rId9"/>
-    <p:sldId id="288" r:id="rId10"/>
-    <p:sldId id="289" r:id="rId11"/>
-    <p:sldId id="295" r:id="rId12"/>
-    <p:sldId id="266" r:id="rId13"/>
-    <p:sldId id="297" r:id="rId14"/>
-    <p:sldId id="298" r:id="rId15"/>
-    <p:sldId id="296" r:id="rId16"/>
-    <p:sldId id="279" r:id="rId17"/>
-    <p:sldId id="267" r:id="rId18"/>
+    <p:sldId id="296" r:id="rId5"/>
+    <p:sldId id="268" r:id="rId6"/>
+    <p:sldId id="271" r:id="rId7"/>
+    <p:sldId id="284" r:id="rId8"/>
+    <p:sldId id="300" r:id="rId9"/>
+    <p:sldId id="286" r:id="rId10"/>
+    <p:sldId id="288" r:id="rId11"/>
+    <p:sldId id="289" r:id="rId12"/>
+    <p:sldId id="299" r:id="rId13"/>
+    <p:sldId id="295" r:id="rId14"/>
+    <p:sldId id="266" r:id="rId15"/>
+    <p:sldId id="297" r:id="rId16"/>
+    <p:sldId id="298" r:id="rId17"/>
+    <p:sldId id="301" r:id="rId18"/>
+    <p:sldId id="302" r:id="rId19"/>
+    <p:sldId id="279" r:id="rId20"/>
+    <p:sldId id="267" r:id="rId21"/>
   </p:sldIdLst>
   <p:sldSz cx="12192000" cy="6858000"/>
   <p:notesSz cx="6858000" cy="9144000"/>
@@ -130,18 +133,21 @@
           <p14:sldIdLst>
             <p14:sldId id="257"/>
             <p14:sldId id="258"/>
+            <p14:sldId id="296"/>
             <p14:sldId id="268"/>
             <p14:sldId id="271"/>
             <p14:sldId id="284"/>
-            <p14:sldId id="287"/>
+            <p14:sldId id="300"/>
             <p14:sldId id="286"/>
             <p14:sldId id="288"/>
             <p14:sldId id="289"/>
+            <p14:sldId id="299"/>
             <p14:sldId id="295"/>
             <p14:sldId id="266"/>
             <p14:sldId id="297"/>
             <p14:sldId id="298"/>
-            <p14:sldId id="296"/>
+            <p14:sldId id="301"/>
+            <p14:sldId id="302"/>
             <p14:sldId id="279"/>
             <p14:sldId id="267"/>
           </p14:sldIdLst>
@@ -153,6 +159,135 @@
     </p:ext>
   </p:extLst>
 </p:presentation>
+</file>
+
+<file path=ppt/changesInfos/changesInfo1.xml><?xml version="1.0" encoding="utf-8"?>
+<pc:chgInfo xmlns:a="http://schemas.openxmlformats.org/drawingml/2006/main" xmlns:r="http://schemas.openxmlformats.org/officeDocument/2006/relationships" xmlns:ac="http://schemas.microsoft.com/office/drawing/2013/main/command" xmlns:pc="http://schemas.microsoft.com/office/powerpoint/2013/main/command">
+  <pc:docChgLst>
+    <pc:chgData name="Dinesh Kumar P" userId="5f917421-3b1a-4d94-88fd-2522a897db9f" providerId="ADAL" clId="{E2277BA3-7823-4E7D-A67D-33D5B425379A}"/>
+    <pc:docChg chg="undo custSel modSld">
+      <pc:chgData name="Dinesh Kumar P" userId="5f917421-3b1a-4d94-88fd-2522a897db9f" providerId="ADAL" clId="{E2277BA3-7823-4E7D-A67D-33D5B425379A}" dt="2019-02-25T13:31:02.209" v="386" actId="20577"/>
+      <pc:docMkLst>
+        <pc:docMk/>
+      </pc:docMkLst>
+      <pc:sldChg chg="modNotesTx">
+        <pc:chgData name="Dinesh Kumar P" userId="5f917421-3b1a-4d94-88fd-2522a897db9f" providerId="ADAL" clId="{E2277BA3-7823-4E7D-A67D-33D5B425379A}" dt="2019-02-25T13:22:07.058" v="6" actId="20577"/>
+        <pc:sldMkLst>
+          <pc:docMk/>
+          <pc:sldMk cId="1419328490" sldId="257"/>
+        </pc:sldMkLst>
+      </pc:sldChg>
+      <pc:sldChg chg="modSp modNotesTx">
+        <pc:chgData name="Dinesh Kumar P" userId="5f917421-3b1a-4d94-88fd-2522a897db9f" providerId="ADAL" clId="{E2277BA3-7823-4E7D-A67D-33D5B425379A}" dt="2019-02-25T13:31:02.209" v="386" actId="20577"/>
+        <pc:sldMkLst>
+          <pc:docMk/>
+          <pc:sldMk cId="282758675" sldId="284"/>
+        </pc:sldMkLst>
+        <pc:spChg chg="mod">
+          <ac:chgData name="Dinesh Kumar P" userId="5f917421-3b1a-4d94-88fd-2522a897db9f" providerId="ADAL" clId="{E2277BA3-7823-4E7D-A67D-33D5B425379A}" dt="2019-02-25T13:31:02.209" v="386" actId="20577"/>
+          <ac:spMkLst>
+            <pc:docMk/>
+            <pc:sldMk cId="282758675" sldId="284"/>
+            <ac:spMk id="2" creationId="{FB79745D-258C-40B9-87BB-E62B7BED6093}"/>
+          </ac:spMkLst>
+        </pc:spChg>
+      </pc:sldChg>
+      <pc:sldChg chg="modSp">
+        <pc:chgData name="Dinesh Kumar P" userId="5f917421-3b1a-4d94-88fd-2522a897db9f" providerId="ADAL" clId="{E2277BA3-7823-4E7D-A67D-33D5B425379A}" dt="2019-02-25T13:24:09.315" v="23" actId="403"/>
+        <pc:sldMkLst>
+          <pc:docMk/>
+          <pc:sldMk cId="4154480963" sldId="287"/>
+        </pc:sldMkLst>
+        <pc:spChg chg="mod">
+          <ac:chgData name="Dinesh Kumar P" userId="5f917421-3b1a-4d94-88fd-2522a897db9f" providerId="ADAL" clId="{E2277BA3-7823-4E7D-A67D-33D5B425379A}" dt="2019-02-25T13:24:09.315" v="23" actId="403"/>
+          <ac:spMkLst>
+            <pc:docMk/>
+            <pc:sldMk cId="4154480963" sldId="287"/>
+            <ac:spMk id="2" creationId="{77936936-A873-42CF-B54E-6F7B62A8FE71}"/>
+          </ac:spMkLst>
+        </pc:spChg>
+      </pc:sldChg>
+      <pc:sldChg chg="modSp">
+        <pc:chgData name="Dinesh Kumar P" userId="5f917421-3b1a-4d94-88fd-2522a897db9f" providerId="ADAL" clId="{E2277BA3-7823-4E7D-A67D-33D5B425379A}" dt="2019-02-25T13:27:48.663" v="194" actId="20577"/>
+        <pc:sldMkLst>
+          <pc:docMk/>
+          <pc:sldMk cId="1095325821" sldId="295"/>
+        </pc:sldMkLst>
+        <pc:spChg chg="mod">
+          <ac:chgData name="Dinesh Kumar P" userId="5f917421-3b1a-4d94-88fd-2522a897db9f" providerId="ADAL" clId="{E2277BA3-7823-4E7D-A67D-33D5B425379A}" dt="2019-02-25T13:26:24.680" v="114" actId="6549"/>
+          <ac:spMkLst>
+            <pc:docMk/>
+            <pc:sldMk cId="1095325821" sldId="295"/>
+            <ac:spMk id="2" creationId="{D1DFC740-E98C-4D1B-96D9-BFDF2FE0F1E7}"/>
+          </ac:spMkLst>
+        </pc:spChg>
+        <pc:graphicFrameChg chg="modGraphic">
+          <ac:chgData name="Dinesh Kumar P" userId="5f917421-3b1a-4d94-88fd-2522a897db9f" providerId="ADAL" clId="{E2277BA3-7823-4E7D-A67D-33D5B425379A}" dt="2019-02-25T13:27:48.663" v="194" actId="20577"/>
+          <ac:graphicFrameMkLst>
+            <pc:docMk/>
+            <pc:sldMk cId="1095325821" sldId="295"/>
+            <ac:graphicFrameMk id="5" creationId="{B6BD677E-19C8-4F97-A400-3759EDE8A102}"/>
+          </ac:graphicFrameMkLst>
+        </pc:graphicFrameChg>
+      </pc:sldChg>
+    </pc:docChg>
+  </pc:docChgLst>
+  <pc:docChgLst>
+    <pc:chgData name="Dinesh Kumar P" userId="S::dineshp@syncfusion.com::5f917421-3b1a-4d94-88fd-2522a897db9f" providerId="AD" clId="Web-{A260944A-4491-472A-AF5B-86D173F5B421}"/>
+    <pc:docChg chg="modSld">
+      <pc:chgData name="Dinesh Kumar P" userId="S::dineshp@syncfusion.com::5f917421-3b1a-4d94-88fd-2522a897db9f" providerId="AD" clId="Web-{A260944A-4491-472A-AF5B-86D173F5B421}" dt="2019-02-25T09:43:02.372" v="32"/>
+      <pc:docMkLst>
+        <pc:docMk/>
+      </pc:docMkLst>
+      <pc:sldChg chg="modSp">
+        <pc:chgData name="Dinesh Kumar P" userId="S::dineshp@syncfusion.com::5f917421-3b1a-4d94-88fd-2522a897db9f" providerId="AD" clId="Web-{A260944A-4491-472A-AF5B-86D173F5B421}" dt="2019-02-25T09:42:31.325" v="14" actId="688"/>
+        <pc:sldMkLst>
+          <pc:docMk/>
+          <pc:sldMk cId="4036904399" sldId="288"/>
+        </pc:sldMkLst>
+        <pc:spChg chg="mod">
+          <ac:chgData name="Dinesh Kumar P" userId="S::dineshp@syncfusion.com::5f917421-3b1a-4d94-88fd-2522a897db9f" providerId="AD" clId="Web-{A260944A-4491-472A-AF5B-86D173F5B421}" dt="2019-02-25T09:42:24.904" v="12" actId="20577"/>
+          <ac:spMkLst>
+            <pc:docMk/>
+            <pc:sldMk cId="4036904399" sldId="288"/>
+            <ac:spMk id="3" creationId="{31AB2B53-80DE-4859-A624-C644A4AB9501}"/>
+          </ac:spMkLst>
+        </pc:spChg>
+        <pc:picChg chg="mod">
+          <ac:chgData name="Dinesh Kumar P" userId="S::dineshp@syncfusion.com::5f917421-3b1a-4d94-88fd-2522a897db9f" providerId="AD" clId="Web-{A260944A-4491-472A-AF5B-86D173F5B421}" dt="2019-02-25T09:42:31.325" v="14" actId="688"/>
+          <ac:picMkLst>
+            <pc:docMk/>
+            <pc:sldMk cId="4036904399" sldId="288"/>
+            <ac:picMk id="13" creationId="{CDD2619D-EBC2-4B3B-919E-2CFAC0BDF184}"/>
+          </ac:picMkLst>
+        </pc:picChg>
+      </pc:sldChg>
+      <pc:sldChg chg="modSp">
+        <pc:chgData name="Dinesh Kumar P" userId="S::dineshp@syncfusion.com::5f917421-3b1a-4d94-88fd-2522a897db9f" providerId="AD" clId="Web-{A260944A-4491-472A-AF5B-86D173F5B421}" dt="2019-02-25T09:43:02.372" v="32"/>
+        <pc:sldMkLst>
+          <pc:docMk/>
+          <pc:sldMk cId="1095325821" sldId="295"/>
+        </pc:sldMkLst>
+        <pc:spChg chg="mod">
+          <ac:chgData name="Dinesh Kumar P" userId="S::dineshp@syncfusion.com::5f917421-3b1a-4d94-88fd-2522a897db9f" providerId="AD" clId="Web-{A260944A-4491-472A-AF5B-86D173F5B421}" dt="2019-02-25T09:42:59.497" v="19" actId="20577"/>
+          <ac:spMkLst>
+            <pc:docMk/>
+            <pc:sldMk cId="1095325821" sldId="295"/>
+            <ac:spMk id="2" creationId="{D1DFC740-E98C-4D1B-96D9-BFDF2FE0F1E7}"/>
+          </ac:spMkLst>
+        </pc:spChg>
+        <pc:graphicFrameChg chg="mod modGraphic">
+          <ac:chgData name="Dinesh Kumar P" userId="S::dineshp@syncfusion.com::5f917421-3b1a-4d94-88fd-2522a897db9f" providerId="AD" clId="Web-{A260944A-4491-472A-AF5B-86D173F5B421}" dt="2019-02-25T09:43:02.372" v="32"/>
+          <ac:graphicFrameMkLst>
+            <pc:docMk/>
+            <pc:sldMk cId="1095325821" sldId="295"/>
+            <ac:graphicFrameMk id="5" creationId="{B6BD677E-19C8-4F97-A400-3759EDE8A102}"/>
+          </ac:graphicFrameMkLst>
+        </pc:graphicFrameChg>
+      </pc:sldChg>
+    </pc:docChg>
+  </pc:docChgLst>
+</pc:chgInfo>
 </file>
 
 <file path=ppt/notesMasters/notesMaster1.xml><?xml version="1.0" encoding="utf-8"?>
@@ -237,7 +372,7 @@
           <a:p>
             <a:fld id="{1AD2477C-EE5B-46FF-B20E-C93D78E3ECC1}" type="datetimeFigureOut">
               <a:rPr lang="en-US" smtClean="0"/>
-              <a:t>25-Jan-19</a:t>
+              <a:t>2/25/2019</a:t>
             </a:fld>
             <a:endParaRPr lang="en-US" dirty="0"/>
           </a:p>
@@ -558,7 +693,7 @@
             </a:r>
             <a:r>
               <a:rPr lang="en-US" dirty="0"/>
-              <a:t>. I am Dinesh Kumar. Product Manager at Syncfusion Software. I manage ‘Data sources’ division of Data Platform team. And I am pretty happy to present this Webinar in Azure Vidyapeeth to this wonderful audience. Here we go!</a:t>
+              <a:t>. I am Dinesh Kumar. Product Manager at Syncfusion Software. I manage ‘Data sources’ division of Data Platform team. And I am pretty happy to present this Webinar in Azure Vidyapeeth to you all. Here we go!</a:t>
             </a:r>
           </a:p>
         </p:txBody>
@@ -590,6 +725,426 @@
     <p:extLst>
       <p:ext uri="{BB962C8B-B14F-4D97-AF65-F5344CB8AC3E}">
         <p14:creationId xmlns:p14="http://schemas.microsoft.com/office/powerpoint/2010/main" val="523887470"/>
+      </p:ext>
+    </p:extLst>
+  </p:cSld>
+  <p:clrMapOvr>
+    <a:masterClrMapping/>
+  </p:clrMapOvr>
+</p:notes>
+</file>
+
+<file path=ppt/notesSlides/notesSlide10.xml><?xml version="1.0" encoding="utf-8"?>
+<p:notes xmlns:a="http://schemas.openxmlformats.org/drawingml/2006/main" xmlns:r="http://schemas.openxmlformats.org/officeDocument/2006/relationships" xmlns:p="http://schemas.openxmlformats.org/presentationml/2006/main">
+  <p:cSld>
+    <p:spTree>
+      <p:nvGrpSpPr>
+        <p:cNvPr id="1" name=""/>
+        <p:cNvGrpSpPr/>
+        <p:nvPr/>
+      </p:nvGrpSpPr>
+      <p:grpSpPr>
+        <a:xfrm>
+          <a:off x="0" y="0"/>
+          <a:ext cx="0" cy="0"/>
+          <a:chOff x="0" y="0"/>
+          <a:chExt cx="0" cy="0"/>
+        </a:xfrm>
+      </p:grpSpPr>
+      <p:sp>
+        <p:nvSpPr>
+          <p:cNvPr id="2" name="Slide Image Placeholder 1"/>
+          <p:cNvSpPr>
+            <a:spLocks noGrp="1" noRot="1" noChangeAspect="1"/>
+          </p:cNvSpPr>
+          <p:nvPr>
+            <p:ph type="sldImg"/>
+          </p:nvPr>
+        </p:nvSpPr>
+        <p:spPr/>
+      </p:sp>
+      <p:sp>
+        <p:nvSpPr>
+          <p:cNvPr id="3" name="Notes Placeholder 2"/>
+          <p:cNvSpPr>
+            <a:spLocks noGrp="1"/>
+          </p:cNvSpPr>
+          <p:nvPr>
+            <p:ph type="body" idx="1"/>
+          </p:nvPr>
+        </p:nvSpPr>
+        <p:spPr/>
+        <p:txBody>
+          <a:bodyPr/>
+          <a:lstStyle/>
+          <a:p>
+            <a:endParaRPr lang="en-US" dirty="0"/>
+          </a:p>
+        </p:txBody>
+      </p:sp>
+      <p:sp>
+        <p:nvSpPr>
+          <p:cNvPr id="4" name="Slide Number Placeholder 3"/>
+          <p:cNvSpPr>
+            <a:spLocks noGrp="1"/>
+          </p:cNvSpPr>
+          <p:nvPr>
+            <p:ph type="sldNum" sz="quarter" idx="5"/>
+          </p:nvPr>
+        </p:nvSpPr>
+        <p:spPr/>
+        <p:txBody>
+          <a:bodyPr/>
+          <a:lstStyle/>
+          <a:p>
+            <a:fld id="{0FA58A73-9AF5-4868-B9BF-52715282A3BA}" type="slidenum">
+              <a:rPr lang="en-US" smtClean="0"/>
+              <a:t>14</a:t>
+            </a:fld>
+            <a:endParaRPr lang="en-US"/>
+          </a:p>
+        </p:txBody>
+      </p:sp>
+    </p:spTree>
+    <p:extLst>
+      <p:ext uri="{BB962C8B-B14F-4D97-AF65-F5344CB8AC3E}">
+        <p14:creationId xmlns:p14="http://schemas.microsoft.com/office/powerpoint/2010/main" val="2164599022"/>
+      </p:ext>
+    </p:extLst>
+  </p:cSld>
+  <p:clrMapOvr>
+    <a:masterClrMapping/>
+  </p:clrMapOvr>
+</p:notes>
+</file>
+
+<file path=ppt/notesSlides/notesSlide11.xml><?xml version="1.0" encoding="utf-8"?>
+<p:notes xmlns:a="http://schemas.openxmlformats.org/drawingml/2006/main" xmlns:r="http://schemas.openxmlformats.org/officeDocument/2006/relationships" xmlns:p="http://schemas.openxmlformats.org/presentationml/2006/main">
+  <p:cSld>
+    <p:spTree>
+      <p:nvGrpSpPr>
+        <p:cNvPr id="1" name=""/>
+        <p:cNvGrpSpPr/>
+        <p:nvPr/>
+      </p:nvGrpSpPr>
+      <p:grpSpPr>
+        <a:xfrm>
+          <a:off x="0" y="0"/>
+          <a:ext cx="0" cy="0"/>
+          <a:chOff x="0" y="0"/>
+          <a:chExt cx="0" cy="0"/>
+        </a:xfrm>
+      </p:grpSpPr>
+      <p:sp>
+        <p:nvSpPr>
+          <p:cNvPr id="2" name="Slide Image Placeholder 1"/>
+          <p:cNvSpPr>
+            <a:spLocks noGrp="1" noRot="1" noChangeAspect="1"/>
+          </p:cNvSpPr>
+          <p:nvPr>
+            <p:ph type="sldImg"/>
+          </p:nvPr>
+        </p:nvSpPr>
+        <p:spPr/>
+      </p:sp>
+      <p:sp>
+        <p:nvSpPr>
+          <p:cNvPr id="3" name="Notes Placeholder 2"/>
+          <p:cNvSpPr>
+            <a:spLocks noGrp="1"/>
+          </p:cNvSpPr>
+          <p:nvPr>
+            <p:ph type="body" idx="1"/>
+          </p:nvPr>
+        </p:nvSpPr>
+        <p:spPr/>
+        <p:txBody>
+          <a:bodyPr/>
+          <a:lstStyle/>
+          <a:p>
+            <a:pPr marL="228600" indent="-228600">
+              <a:buAutoNum type="arabicPeriod"/>
+            </a:pPr>
+            <a:r>
+              <a:rPr lang="en-IN" dirty="0"/>
+              <a:t>Data Analytics service in portal</a:t>
+            </a:r>
+          </a:p>
+          <a:p>
+            <a:pPr marL="228600" indent="-228600">
+              <a:buAutoNum type="arabicPeriod"/>
+            </a:pPr>
+            <a:r>
+              <a:rPr lang="en-IN" dirty="0"/>
+              <a:t>Add Data sources – Data Lake, Storage accounts for Blob</a:t>
+            </a:r>
+          </a:p>
+          <a:p>
+            <a:pPr marL="228600" indent="-228600">
+              <a:buAutoNum type="arabicPeriod"/>
+            </a:pPr>
+            <a:r>
+              <a:rPr lang="en-IN" dirty="0"/>
+              <a:t>Show the code in Visual Studio – </a:t>
+            </a:r>
+            <a:r>
+              <a:rPr lang="en-IN" dirty="0" err="1"/>
+              <a:t>Read.usql</a:t>
+            </a:r>
+            <a:r>
+              <a:rPr lang="en-IN" dirty="0"/>
+              <a:t>, </a:t>
+            </a:r>
+            <a:r>
+              <a:rPr lang="en-IN" dirty="0" err="1"/>
+              <a:t>Script.usql</a:t>
+            </a:r>
+            <a:endParaRPr lang="en-IN" dirty="0"/>
+          </a:p>
+          <a:p>
+            <a:pPr marL="228600" indent="-228600">
+              <a:buAutoNum type="arabicPeriod"/>
+            </a:pPr>
+            <a:r>
+              <a:rPr lang="en-IN" dirty="0"/>
+              <a:t>Submit locally and show the output in </a:t>
+            </a:r>
+            <a:r>
+              <a:rPr lang="en-IN" dirty="0" err="1"/>
+              <a:t>AppData</a:t>
+            </a:r>
+            <a:endParaRPr lang="en-IN" dirty="0"/>
+          </a:p>
+          <a:p>
+            <a:pPr marL="228600" indent="-228600">
+              <a:buAutoNum type="arabicPeriod"/>
+            </a:pPr>
+            <a:r>
+              <a:rPr lang="en-IN" dirty="0"/>
+              <a:t>Connecting Azure account in ‘Data Lake Analytics Explorer’</a:t>
+            </a:r>
+          </a:p>
+          <a:p>
+            <a:pPr marL="228600" indent="-228600">
+              <a:buAutoNum type="arabicPeriod"/>
+            </a:pPr>
+            <a:r>
+              <a:rPr lang="en-IN" dirty="0"/>
+              <a:t>Submit in Azure and Show the output in Azure Data Lake.</a:t>
+            </a:r>
+          </a:p>
+          <a:p>
+            <a:pPr marL="228600" indent="-228600">
+              <a:buAutoNum type="arabicPeriod"/>
+            </a:pPr>
+            <a:r>
+              <a:rPr lang="en-IN" dirty="0"/>
+              <a:t>Finally create a “U-SQL” Sample Application and show different use cases.</a:t>
+            </a:r>
+          </a:p>
+          <a:p>
+            <a:pPr marL="228600" indent="-228600">
+              <a:buAutoNum type="arabicPeriod"/>
+            </a:pPr>
+            <a:endParaRPr lang="en-IN" dirty="0"/>
+          </a:p>
+        </p:txBody>
+      </p:sp>
+      <p:sp>
+        <p:nvSpPr>
+          <p:cNvPr id="4" name="Slide Number Placeholder 3"/>
+          <p:cNvSpPr>
+            <a:spLocks noGrp="1"/>
+          </p:cNvSpPr>
+          <p:nvPr>
+            <p:ph type="sldNum" sz="quarter" idx="10"/>
+          </p:nvPr>
+        </p:nvSpPr>
+        <p:spPr/>
+        <p:txBody>
+          <a:bodyPr/>
+          <a:lstStyle/>
+          <a:p>
+            <a:fld id="{5E50757B-0709-4736-92FA-0BEB494FC234}" type="slidenum">
+              <a:rPr lang="en-US" smtClean="0"/>
+              <a:t>15</a:t>
+            </a:fld>
+            <a:endParaRPr lang="en-US" dirty="0"/>
+          </a:p>
+        </p:txBody>
+      </p:sp>
+    </p:spTree>
+    <p:extLst>
+      <p:ext uri="{BB962C8B-B14F-4D97-AF65-F5344CB8AC3E}">
+        <p14:creationId xmlns:p14="http://schemas.microsoft.com/office/powerpoint/2010/main" val="4249313955"/>
+      </p:ext>
+    </p:extLst>
+  </p:cSld>
+  <p:clrMapOvr>
+    <a:masterClrMapping/>
+  </p:clrMapOvr>
+</p:notes>
+</file>
+
+<file path=ppt/notesSlides/notesSlide12.xml><?xml version="1.0" encoding="utf-8"?>
+<p:notes xmlns:a="http://schemas.openxmlformats.org/drawingml/2006/main" xmlns:r="http://schemas.openxmlformats.org/officeDocument/2006/relationships" xmlns:p="http://schemas.openxmlformats.org/presentationml/2006/main">
+  <p:cSld>
+    <p:spTree>
+      <p:nvGrpSpPr>
+        <p:cNvPr id="1" name=""/>
+        <p:cNvGrpSpPr/>
+        <p:nvPr/>
+      </p:nvGrpSpPr>
+      <p:grpSpPr>
+        <a:xfrm>
+          <a:off x="0" y="0"/>
+          <a:ext cx="0" cy="0"/>
+          <a:chOff x="0" y="0"/>
+          <a:chExt cx="0" cy="0"/>
+        </a:xfrm>
+      </p:grpSpPr>
+      <p:sp>
+        <p:nvSpPr>
+          <p:cNvPr id="2" name="Slide Image Placeholder 1"/>
+          <p:cNvSpPr>
+            <a:spLocks noGrp="1" noRot="1" noChangeAspect="1"/>
+          </p:cNvSpPr>
+          <p:nvPr>
+            <p:ph type="sldImg"/>
+          </p:nvPr>
+        </p:nvSpPr>
+        <p:spPr/>
+      </p:sp>
+      <p:sp>
+        <p:nvSpPr>
+          <p:cNvPr id="3" name="Notes Placeholder 2"/>
+          <p:cNvSpPr>
+            <a:spLocks noGrp="1"/>
+          </p:cNvSpPr>
+          <p:nvPr>
+            <p:ph type="body" idx="1"/>
+          </p:nvPr>
+        </p:nvSpPr>
+        <p:spPr/>
+        <p:txBody>
+          <a:bodyPr/>
+          <a:lstStyle/>
+          <a:p>
+            <a:endParaRPr lang="en-US" dirty="0"/>
+          </a:p>
+        </p:txBody>
+      </p:sp>
+      <p:sp>
+        <p:nvSpPr>
+          <p:cNvPr id="4" name="Slide Number Placeholder 3"/>
+          <p:cNvSpPr>
+            <a:spLocks noGrp="1"/>
+          </p:cNvSpPr>
+          <p:nvPr>
+            <p:ph type="sldNum" sz="quarter" idx="5"/>
+          </p:nvPr>
+        </p:nvSpPr>
+        <p:spPr/>
+        <p:txBody>
+          <a:bodyPr/>
+          <a:lstStyle/>
+          <a:p>
+            <a:fld id="{0FA58A73-9AF5-4868-B9BF-52715282A3BA}" type="slidenum">
+              <a:rPr lang="en-US" smtClean="0"/>
+              <a:t>16</a:t>
+            </a:fld>
+            <a:endParaRPr lang="en-US"/>
+          </a:p>
+        </p:txBody>
+      </p:sp>
+    </p:spTree>
+    <p:extLst>
+      <p:ext uri="{BB962C8B-B14F-4D97-AF65-F5344CB8AC3E}">
+        <p14:creationId xmlns:p14="http://schemas.microsoft.com/office/powerpoint/2010/main" val="2548791793"/>
+      </p:ext>
+    </p:extLst>
+  </p:cSld>
+  <p:clrMapOvr>
+    <a:masterClrMapping/>
+  </p:clrMapOvr>
+</p:notes>
+</file>
+
+<file path=ppt/notesSlides/notesSlide13.xml><?xml version="1.0" encoding="utf-8"?>
+<p:notes xmlns:a="http://schemas.openxmlformats.org/drawingml/2006/main" xmlns:r="http://schemas.openxmlformats.org/officeDocument/2006/relationships" xmlns:p="http://schemas.openxmlformats.org/presentationml/2006/main">
+  <p:cSld>
+    <p:spTree>
+      <p:nvGrpSpPr>
+        <p:cNvPr id="1" name=""/>
+        <p:cNvGrpSpPr/>
+        <p:nvPr/>
+      </p:nvGrpSpPr>
+      <p:grpSpPr>
+        <a:xfrm>
+          <a:off x="0" y="0"/>
+          <a:ext cx="0" cy="0"/>
+          <a:chOff x="0" y="0"/>
+          <a:chExt cx="0" cy="0"/>
+        </a:xfrm>
+      </p:grpSpPr>
+      <p:sp>
+        <p:nvSpPr>
+          <p:cNvPr id="2" name="Slide Image Placeholder 1"/>
+          <p:cNvSpPr>
+            <a:spLocks noGrp="1" noRot="1" noChangeAspect="1"/>
+          </p:cNvSpPr>
+          <p:nvPr>
+            <p:ph type="sldImg"/>
+          </p:nvPr>
+        </p:nvSpPr>
+        <p:spPr/>
+      </p:sp>
+      <p:sp>
+        <p:nvSpPr>
+          <p:cNvPr id="3" name="Notes Placeholder 2"/>
+          <p:cNvSpPr>
+            <a:spLocks noGrp="1"/>
+          </p:cNvSpPr>
+          <p:nvPr>
+            <p:ph type="body" idx="1"/>
+          </p:nvPr>
+        </p:nvSpPr>
+        <p:spPr/>
+        <p:txBody>
+          <a:bodyPr/>
+          <a:lstStyle/>
+          <a:p>
+            <a:endParaRPr lang="en-US" dirty="0"/>
+          </a:p>
+        </p:txBody>
+      </p:sp>
+      <p:sp>
+        <p:nvSpPr>
+          <p:cNvPr id="4" name="Slide Number Placeholder 3"/>
+          <p:cNvSpPr>
+            <a:spLocks noGrp="1"/>
+          </p:cNvSpPr>
+          <p:nvPr>
+            <p:ph type="sldNum" sz="quarter" idx="5"/>
+          </p:nvPr>
+        </p:nvSpPr>
+        <p:spPr/>
+        <p:txBody>
+          <a:bodyPr/>
+          <a:lstStyle/>
+          <a:p>
+            <a:fld id="{5E50757B-0709-4736-92FA-0BEB494FC234}" type="slidenum">
+              <a:rPr lang="en-US" smtClean="0"/>
+              <a:t>18</a:t>
+            </a:fld>
+            <a:endParaRPr lang="en-US" dirty="0"/>
+          </a:p>
+        </p:txBody>
+      </p:sp>
+    </p:spTree>
+    <p:extLst>
+      <p:ext uri="{BB962C8B-B14F-4D97-AF65-F5344CB8AC3E}">
+        <p14:creationId xmlns:p14="http://schemas.microsoft.com/office/powerpoint/2010/main" val="4152446127"/>
       </p:ext>
     </p:extLst>
   </p:cSld>
@@ -837,18 +1392,18 @@
           <a:bodyPr/>
           <a:lstStyle/>
           <a:p>
-            <a:fld id="{5E50757B-0709-4736-92FA-0BEB494FC234}" type="slidenum">
+            <a:fld id="{0FA58A73-9AF5-4868-B9BF-52715282A3BA}" type="slidenum">
               <a:rPr lang="en-US" smtClean="0"/>
               <a:t>3</a:t>
             </a:fld>
-            <a:endParaRPr lang="en-US" dirty="0"/>
+            <a:endParaRPr lang="en-US"/>
           </a:p>
         </p:txBody>
       </p:sp>
     </p:spTree>
     <p:extLst>
       <p:ext uri="{BB962C8B-B14F-4D97-AF65-F5344CB8AC3E}">
-        <p14:creationId xmlns:p14="http://schemas.microsoft.com/office/powerpoint/2010/main" val="3294678829"/>
+        <p14:creationId xmlns:p14="http://schemas.microsoft.com/office/powerpoint/2010/main" val="2129124157"/>
       </p:ext>
     </p:extLst>
   </p:cSld>
@@ -932,7 +1487,7 @@
     </p:spTree>
     <p:extLst>
       <p:ext uri="{BB962C8B-B14F-4D97-AF65-F5344CB8AC3E}">
-        <p14:creationId xmlns:p14="http://schemas.microsoft.com/office/powerpoint/2010/main" val="3799552140"/>
+        <p14:creationId xmlns:p14="http://schemas.microsoft.com/office/powerpoint/2010/main" val="3294678829"/>
       </p:ext>
     </p:extLst>
   </p:cSld>
@@ -1005,18 +1560,18 @@
           <a:bodyPr/>
           <a:lstStyle/>
           <a:p>
-            <a:fld id="{0FA58A73-9AF5-4868-B9BF-52715282A3BA}" type="slidenum">
+            <a:fld id="{5E50757B-0709-4736-92FA-0BEB494FC234}" type="slidenum">
               <a:rPr lang="en-US" smtClean="0"/>
-              <a:t>10</a:t>
+              <a:t>5</a:t>
             </a:fld>
-            <a:endParaRPr lang="en-US"/>
+            <a:endParaRPr lang="en-US" dirty="0"/>
           </a:p>
         </p:txBody>
       </p:sp>
     </p:spTree>
     <p:extLst>
       <p:ext uri="{BB962C8B-B14F-4D97-AF65-F5344CB8AC3E}">
-        <p14:creationId xmlns:p14="http://schemas.microsoft.com/office/powerpoint/2010/main" val="3091115579"/>
+        <p14:creationId xmlns:p14="http://schemas.microsoft.com/office/powerpoint/2010/main" val="3799552140"/>
       </p:ext>
     </p:extLst>
   </p:cSld>
@@ -1070,7 +1625,76 @@
           <a:bodyPr/>
           <a:lstStyle/>
           <a:p>
-            <a:endParaRPr lang="en-US" dirty="0"/>
+            <a:pPr marL="171450" indent="-171450">
+              <a:buFont typeface="Arial" panose="020B0604020202020204" pitchFamily="34" charset="0"/>
+              <a:buChar char="•"/>
+            </a:pPr>
+            <a:r>
+              <a:rPr lang="en-US" dirty="0"/>
+              <a:t>Realizing value of investing, depends on how best to use it.</a:t>
+            </a:r>
+          </a:p>
+          <a:p>
+            <a:pPr marL="171450" indent="-171450">
+              <a:buFont typeface="Arial" panose="020B0604020202020204" pitchFamily="34" charset="0"/>
+              <a:buChar char="•"/>
+            </a:pPr>
+            <a:r>
+              <a:rPr lang="en-US" dirty="0"/>
+              <a:t>Choose Data Lake, based on the pr</a:t>
+            </a:r>
+            <a:r>
+              <a:rPr lang="en-US" sz="1200" b="0" i="0" kern="1200" dirty="0">
+                <a:solidFill>
+                  <a:schemeClr val="tx1"/>
+                </a:solidFill>
+                <a:effectLst/>
+                <a:latin typeface="+mn-lt"/>
+                <a:ea typeface="+mn-ea"/>
+                <a:cs typeface="+mn-cs"/>
+              </a:rPr>
+              <a:t>oblem you’re trying to solve. i.e. does the problem is around Analytics, Machine Learning,...</a:t>
+            </a:r>
+          </a:p>
+          <a:p>
+            <a:pPr marL="171450" indent="-171450">
+              <a:buFont typeface="Arial" panose="020B0604020202020204" pitchFamily="34" charset="0"/>
+              <a:buChar char="•"/>
+            </a:pPr>
+            <a:r>
+              <a:rPr lang="en-US" sz="1200" b="0" i="0" kern="1200" dirty="0">
+                <a:solidFill>
+                  <a:schemeClr val="tx1"/>
+                </a:solidFill>
+                <a:effectLst/>
+                <a:latin typeface="+mn-lt"/>
+                <a:ea typeface="+mn-ea"/>
+                <a:cs typeface="+mn-cs"/>
+              </a:rPr>
+              <a:t>Data projects should really be treated as products and not merely as infrastructure</a:t>
+            </a:r>
+          </a:p>
+          <a:p>
+            <a:pPr marL="171450" indent="-171450">
+              <a:buFont typeface="Arial" panose="020B0604020202020204" pitchFamily="34" charset="0"/>
+              <a:buChar char="•"/>
+            </a:pPr>
+            <a:endParaRPr lang="en-US" sz="1200" b="0" i="0" kern="1200" dirty="0">
+              <a:solidFill>
+                <a:schemeClr val="tx1"/>
+              </a:solidFill>
+              <a:effectLst/>
+              <a:latin typeface="+mn-lt"/>
+              <a:ea typeface="+mn-ea"/>
+              <a:cs typeface="+mn-cs"/>
+            </a:endParaRPr>
+          </a:p>
+          <a:p>
+            <a:pPr marL="171450" indent="-171450">
+              <a:buFont typeface="Arial" panose="020B0604020202020204" pitchFamily="34" charset="0"/>
+              <a:buChar char="•"/>
+            </a:pPr>
+            <a:endParaRPr lang="en-IN" dirty="0"/>
           </a:p>
         </p:txBody>
       </p:sp>
@@ -1081,7 +1705,7 @@
             <a:spLocks noGrp="1"/>
           </p:cNvSpPr>
           <p:nvPr>
-            <p:ph type="sldNum" sz="quarter" idx="5"/>
+            <p:ph type="sldNum" sz="quarter" idx="10"/>
           </p:nvPr>
         </p:nvSpPr>
         <p:spPr/>
@@ -1089,18 +1713,18 @@
           <a:bodyPr/>
           <a:lstStyle/>
           <a:p>
-            <a:fld id="{0FA58A73-9AF5-4868-B9BF-52715282A3BA}" type="slidenum">
+            <a:fld id="{5E50757B-0709-4736-92FA-0BEB494FC234}" type="slidenum">
               <a:rPr lang="en-US" smtClean="0"/>
-              <a:t>12</a:t>
+              <a:t>6</a:t>
             </a:fld>
-            <a:endParaRPr lang="en-US"/>
+            <a:endParaRPr lang="en-US" dirty="0"/>
           </a:p>
         </p:txBody>
       </p:sp>
     </p:spTree>
     <p:extLst>
       <p:ext uri="{BB962C8B-B14F-4D97-AF65-F5344CB8AC3E}">
-        <p14:creationId xmlns:p14="http://schemas.microsoft.com/office/powerpoint/2010/main" val="2164599022"/>
+        <p14:creationId xmlns:p14="http://schemas.microsoft.com/office/powerpoint/2010/main" val="2011034792"/>
       </p:ext>
     </p:extLst>
   </p:cSld>
@@ -1154,33 +1778,35 @@
           <a:bodyPr/>
           <a:lstStyle/>
           <a:p>
-            <a:r>
-              <a:rPr lang="en-US" dirty="0"/>
-              <a:t>Cost reduction - </a:t>
-            </a:r>
-            <a:r>
-              <a:rPr lang="en-US" b="1" dirty="0"/>
-              <a:t>Big data</a:t>
-            </a:r>
-            <a:r>
-              <a:rPr lang="en-US" dirty="0"/>
-              <a:t> technologies such as Hadoop and cloud-based analytics bring significant cost advantages when it comes to storing </a:t>
-            </a:r>
-            <a:r>
-              <a:rPr lang="en-US" b="1" dirty="0"/>
-              <a:t>large </a:t>
-            </a:r>
-            <a:r>
-              <a:rPr lang="en-US" dirty="0"/>
-              <a:t>amounts of </a:t>
-            </a:r>
-            <a:r>
-              <a:rPr lang="en-US" b="1" dirty="0"/>
-              <a:t>data.</a:t>
-            </a:r>
-          </a:p>
-          <a:p>
-            <a:endParaRPr lang="en-US" dirty="0"/>
+            <a:pPr marL="171450" indent="-171450">
+              <a:buFont typeface="Arial" panose="020B0604020202020204" pitchFamily="34" charset="0"/>
+              <a:buChar char="•"/>
+            </a:pPr>
+            <a:r>
+              <a:rPr lang="en-US" sz="1200" dirty="0"/>
+              <a:t>Different file formats.</a:t>
+            </a:r>
+          </a:p>
+          <a:p>
+            <a:pPr marL="171450" indent="-171450">
+              <a:buFont typeface="Arial" panose="020B0604020202020204" pitchFamily="34" charset="0"/>
+              <a:buChar char="•"/>
+            </a:pPr>
+            <a:r>
+              <a:rPr lang="en-US" sz="1200" dirty="0"/>
+              <a:t>Different reporting tools.</a:t>
+            </a:r>
+          </a:p>
+          <a:p>
+            <a:pPr marL="171450" indent="-171450">
+              <a:buFont typeface="Arial" panose="020B0604020202020204" pitchFamily="34" charset="0"/>
+              <a:buChar char="•"/>
+            </a:pPr>
+            <a:r>
+              <a:rPr lang="en-US" sz="1200" dirty="0"/>
+              <a:t>Different data types – Phone calls, Logs, Feedbacks.</a:t>
+            </a:r>
+            <a:endParaRPr lang="en-IN" dirty="0"/>
           </a:p>
         </p:txBody>
       </p:sp>
@@ -1191,7 +1817,7 @@
             <a:spLocks noGrp="1"/>
           </p:cNvSpPr>
           <p:nvPr>
-            <p:ph type="sldNum" sz="quarter" idx="5"/>
+            <p:ph type="sldNum" sz="quarter" idx="10"/>
           </p:nvPr>
         </p:nvSpPr>
         <p:spPr/>
@@ -1199,18 +1825,18 @@
           <a:bodyPr/>
           <a:lstStyle/>
           <a:p>
-            <a:fld id="{0FA58A73-9AF5-4868-B9BF-52715282A3BA}" type="slidenum">
+            <a:fld id="{5E50757B-0709-4736-92FA-0BEB494FC234}" type="slidenum">
               <a:rPr lang="en-US" smtClean="0"/>
-              <a:t>14</a:t>
+              <a:t>7</a:t>
             </a:fld>
-            <a:endParaRPr lang="en-US"/>
+            <a:endParaRPr lang="en-US" dirty="0"/>
           </a:p>
         </p:txBody>
       </p:sp>
     </p:spTree>
     <p:extLst>
       <p:ext uri="{BB962C8B-B14F-4D97-AF65-F5344CB8AC3E}">
-        <p14:creationId xmlns:p14="http://schemas.microsoft.com/office/powerpoint/2010/main" val="2129124157"/>
+        <p14:creationId xmlns:p14="http://schemas.microsoft.com/office/powerpoint/2010/main" val="4253539702"/>
       </p:ext>
     </p:extLst>
   </p:cSld>
@@ -1283,18 +1909,150 @@
           <a:bodyPr/>
           <a:lstStyle/>
           <a:p>
-            <a:fld id="{5E50757B-0709-4736-92FA-0BEB494FC234}" type="slidenum">
+            <a:fld id="{0FA58A73-9AF5-4868-B9BF-52715282A3BA}" type="slidenum">
               <a:rPr lang="en-US" smtClean="0"/>
-              <a:t>15</a:t>
+              <a:t>12</a:t>
             </a:fld>
-            <a:endParaRPr lang="en-US" dirty="0"/>
+            <a:endParaRPr lang="en-US"/>
           </a:p>
         </p:txBody>
       </p:sp>
     </p:spTree>
     <p:extLst>
       <p:ext uri="{BB962C8B-B14F-4D97-AF65-F5344CB8AC3E}">
-        <p14:creationId xmlns:p14="http://schemas.microsoft.com/office/powerpoint/2010/main" val="4152446127"/>
+        <p14:creationId xmlns:p14="http://schemas.microsoft.com/office/powerpoint/2010/main" val="3091115579"/>
+      </p:ext>
+    </p:extLst>
+  </p:cSld>
+  <p:clrMapOvr>
+    <a:masterClrMapping/>
+  </p:clrMapOvr>
+</p:notes>
+</file>
+
+<file path=ppt/notesSlides/notesSlide9.xml><?xml version="1.0" encoding="utf-8"?>
+<p:notes xmlns:a="http://schemas.openxmlformats.org/drawingml/2006/main" xmlns:r="http://schemas.openxmlformats.org/officeDocument/2006/relationships" xmlns:p="http://schemas.openxmlformats.org/presentationml/2006/main">
+  <p:cSld>
+    <p:spTree>
+      <p:nvGrpSpPr>
+        <p:cNvPr id="1" name=""/>
+        <p:cNvGrpSpPr/>
+        <p:nvPr/>
+      </p:nvGrpSpPr>
+      <p:grpSpPr>
+        <a:xfrm>
+          <a:off x="0" y="0"/>
+          <a:ext cx="0" cy="0"/>
+          <a:chOff x="0" y="0"/>
+          <a:chExt cx="0" cy="0"/>
+        </a:xfrm>
+      </p:grpSpPr>
+      <p:sp>
+        <p:nvSpPr>
+          <p:cNvPr id="2" name="Slide Image Placeholder 1"/>
+          <p:cNvSpPr>
+            <a:spLocks noGrp="1" noRot="1" noChangeAspect="1"/>
+          </p:cNvSpPr>
+          <p:nvPr>
+            <p:ph type="sldImg"/>
+          </p:nvPr>
+        </p:nvSpPr>
+        <p:spPr/>
+      </p:sp>
+      <p:sp>
+        <p:nvSpPr>
+          <p:cNvPr id="3" name="Notes Placeholder 2"/>
+          <p:cNvSpPr>
+            <a:spLocks noGrp="1"/>
+          </p:cNvSpPr>
+          <p:nvPr>
+            <p:ph type="body" idx="1"/>
+          </p:nvPr>
+        </p:nvSpPr>
+        <p:spPr/>
+        <p:txBody>
+          <a:bodyPr/>
+          <a:lstStyle/>
+          <a:p>
+            <a:r>
+              <a:rPr lang="en-US" dirty="0"/>
+              <a:t>In this demo, lets see how to setup , manage and access a data lake repository for operational and exploratory analytics.</a:t>
+            </a:r>
+          </a:p>
+          <a:p>
+            <a:pPr marL="228600" indent="-228600">
+              <a:buAutoNum type="arabicPeriod"/>
+            </a:pPr>
+            <a:r>
+              <a:rPr lang="en-US" dirty="0"/>
+              <a:t>Create Azure Data Lake in Azure Portal.</a:t>
+            </a:r>
+          </a:p>
+          <a:p>
+            <a:pPr marL="228600" indent="-228600">
+              <a:buAutoNum type="arabicPeriod"/>
+            </a:pPr>
+            <a:r>
+              <a:rPr lang="en-US" dirty="0"/>
+              <a:t>Create Data Analytics in Azure Portal.</a:t>
+            </a:r>
+          </a:p>
+          <a:p>
+            <a:pPr marL="228600" indent="-228600">
+              <a:buAutoNum type="arabicPeriod"/>
+            </a:pPr>
+            <a:r>
+              <a:rPr lang="en-US" dirty="0"/>
+              <a:t>Show web app creation in Azure AD and copy the keys and URLs from that </a:t>
+            </a:r>
+            <a:r>
+              <a:rPr lang="en-US" dirty="0" err="1"/>
+              <a:t>webapp</a:t>
+            </a:r>
+            <a:r>
+              <a:rPr lang="en-US" dirty="0"/>
+              <a:t>.</a:t>
+            </a:r>
+          </a:p>
+          <a:p>
+            <a:pPr marL="228600" indent="-228600">
+              <a:buAutoNum type="arabicPeriod"/>
+            </a:pPr>
+            <a:r>
+              <a:rPr lang="en-US" dirty="0"/>
+              <a:t>Fetch data via Rest API</a:t>
+            </a:r>
+            <a:endParaRPr lang="en-IN" dirty="0"/>
+          </a:p>
+        </p:txBody>
+      </p:sp>
+      <p:sp>
+        <p:nvSpPr>
+          <p:cNvPr id="4" name="Slide Number Placeholder 3"/>
+          <p:cNvSpPr>
+            <a:spLocks noGrp="1"/>
+          </p:cNvSpPr>
+          <p:nvPr>
+            <p:ph type="sldNum" sz="quarter" idx="10"/>
+          </p:nvPr>
+        </p:nvSpPr>
+        <p:spPr/>
+        <p:txBody>
+          <a:bodyPr/>
+          <a:lstStyle/>
+          <a:p>
+            <a:fld id="{5E50757B-0709-4736-92FA-0BEB494FC234}" type="slidenum">
+              <a:rPr lang="en-US" smtClean="0"/>
+              <a:t>13</a:t>
+            </a:fld>
+            <a:endParaRPr lang="en-US" dirty="0"/>
+          </a:p>
+        </p:txBody>
+      </p:sp>
+    </p:spTree>
+    <p:extLst>
+      <p:ext uri="{BB962C8B-B14F-4D97-AF65-F5344CB8AC3E}">
+        <p14:creationId xmlns:p14="http://schemas.microsoft.com/office/powerpoint/2010/main" val="1920147630"/>
       </p:ext>
     </p:extLst>
   </p:cSld>
@@ -1360,7 +2118,7 @@
           <a:p>
             <a:fld id="{6AC814A8-707E-4EB7-B523-A83E81DFE400}" type="datetimeFigureOut">
               <a:rPr lang="en-US" smtClean="0"/>
-              <a:t>25-Jan-19</a:t>
+              <a:t>2/25/2019</a:t>
             </a:fld>
             <a:endParaRPr lang="en-US" dirty="0"/>
           </a:p>
@@ -1546,7 +2304,7 @@
           <a:p>
             <a:fld id="{A643D7BA-99BF-4038-8F6C-FBBEE1A9CE38}" type="datetimeFigureOut">
               <a:rPr lang="en-US" smtClean="0"/>
-              <a:t>25-Jan-19</a:t>
+              <a:t>2/25/2019</a:t>
             </a:fld>
             <a:endParaRPr lang="en-US"/>
           </a:p>
@@ -1882,7 +2640,7 @@
                 <a:hlinkClick r:id="rId3">
                   <a:extLst>
                     <a:ext uri="{A12FA001-AC4F-418D-AE19-62706E023703}">
-                      <ahyp:hlinkClr xmlns:ahyp="http://schemas.microsoft.com/office/drawing/2018/hyperlinkcolor" val="tx"/>
+                      <ahyp:hlinkClr xmlns="" xmlns:ahyp="http://schemas.microsoft.com/office/drawing/2018/hyperlinkcolor" val="tx"/>
                     </a:ext>
                   </a:extLst>
                 </a:hlinkClick>
@@ -2011,7 +2769,7 @@
                 <a:hlinkClick r:id="rId5">
                   <a:extLst>
                     <a:ext uri="{A12FA001-AC4F-418D-AE19-62706E023703}">
-                      <ahyp:hlinkClr xmlns:ahyp="http://schemas.microsoft.com/office/drawing/2018/hyperlinkcolor" val="tx"/>
+                      <ahyp:hlinkClr xmlns="" xmlns:ahyp="http://schemas.microsoft.com/office/drawing/2018/hyperlinkcolor" val="tx"/>
                     </a:ext>
                   </a:extLst>
                 </a:hlinkClick>
@@ -2171,7 +2929,7 @@
           <a:p>
             <a:fld id="{6AC814A8-707E-4EB7-B523-A83E81DFE400}" type="datetimeFigureOut">
               <a:rPr lang="en-US" smtClean="0"/>
-              <a:t>25-Jan-19</a:t>
+              <a:t>2/25/2019</a:t>
             </a:fld>
             <a:endParaRPr lang="en-US"/>
           </a:p>
@@ -2382,7 +3140,7 @@
           <a:p>
             <a:fld id="{6AC814A8-707E-4EB7-B523-A83E81DFE400}" type="datetimeFigureOut">
               <a:rPr lang="en-US" smtClean="0"/>
-              <a:t>25-Jan-19</a:t>
+              <a:t>2/25/2019</a:t>
             </a:fld>
             <a:endParaRPr lang="en-US" dirty="0"/>
           </a:p>
@@ -3230,7 +3988,10 @@
     <p:bg>
       <p:bgPr>
         <a:solidFill>
-          <a:schemeClr val="bg1"/>
+          <a:schemeClr val="bg1">
+            <a:tint val="95000"/>
+            <a:satMod val="170000"/>
+          </a:schemeClr>
         </a:solidFill>
         <a:effectLst/>
       </p:bgPr>
@@ -3251,10 +4012,52 @@
       </p:grpSpPr>
       <p:sp>
         <p:nvSpPr>
-          <p:cNvPr id="15" name="Rectangle 14">
+          <p:cNvPr id="5" name="Title 4">
             <a:extLst>
               <a:ext uri="{FF2B5EF4-FFF2-40B4-BE49-F238E27FC236}">
-                <a16:creationId xmlns:a16="http://schemas.microsoft.com/office/drawing/2014/main" id="{6753252F-4873-4F63-801D-CC719279A7D5}"/>
+                <a16:creationId xmlns:a16="http://schemas.microsoft.com/office/drawing/2014/main" id="{DAF88513-78BD-44CB-9818-60D9D54FCEC8}"/>
+              </a:ext>
+            </a:extLst>
+          </p:cNvPr>
+          <p:cNvSpPr>
+            <a:spLocks noGrp="1"/>
+          </p:cNvSpPr>
+          <p:nvPr>
+            <p:ph type="title"/>
+          </p:nvPr>
+        </p:nvSpPr>
+        <p:spPr>
+          <a:xfrm>
+            <a:off x="6653600" y="1396289"/>
+            <a:ext cx="5006336" cy="1325563"/>
+          </a:xfrm>
+        </p:spPr>
+        <p:txBody>
+          <a:bodyPr vert="horz" lIns="91440" tIns="45720" rIns="91440" bIns="45720" rtlCol="0" anchor="ctr">
+            <a:normAutofit/>
+          </a:bodyPr>
+          <a:lstStyle/>
+          <a:p>
+            <a:r>
+              <a:rPr lang="en-US" kern="1200">
+                <a:solidFill>
+                  <a:schemeClr val="tx1"/>
+                </a:solidFill>
+                <a:latin typeface="+mj-lt"/>
+                <a:ea typeface="+mj-ea"/>
+                <a:cs typeface="+mj-cs"/>
+              </a:rPr>
+              <a:t>Features</a:t>
+            </a:r>
+          </a:p>
+        </p:txBody>
+      </p:sp>
+      <p:sp>
+        <p:nvSpPr>
+          <p:cNvPr id="24" name="Freeform: Shape 23">
+            <a:extLst>
+              <a:ext uri="{FF2B5EF4-FFF2-40B4-BE49-F238E27FC236}">
+                <a16:creationId xmlns:a16="http://schemas.microsoft.com/office/drawing/2014/main" id="{4F74D28C-3268-4E35-8EE1-D92CB4A85A7D}"/>
               </a:ext>
               <a:ext uri="{C183D7F6-B498-43B3-948B-1728B52AA6E4}">
                 <adec:decorative xmlns:adec="http://schemas.microsoft.com/office/drawing/2017/decorative" val="1"/>
@@ -3273,15 +4076,253 @@
           </p:nvPr>
         </p:nvSpPr>
         <p:spPr>
-          <a:xfrm>
+          <a:xfrm flipH="1">
             <a:off x="0" y="0"/>
-            <a:ext cx="12192000" cy="6858000"/>
+            <a:ext cx="6172782" cy="6858000"/>
           </a:xfrm>
-          <a:prstGeom prst="rect">
+          <a:custGeom>
             <a:avLst/>
-          </a:prstGeom>
+            <a:gdLst>
+              <a:gd name="connsiteX0" fmla="*/ 6172782 w 6172782"/>
+              <a:gd name="connsiteY0" fmla="*/ 0 h 6858000"/>
+              <a:gd name="connsiteX1" fmla="*/ 69075 w 6172782"/>
+              <a:gd name="connsiteY1" fmla="*/ 0 h 6858000"/>
+              <a:gd name="connsiteX2" fmla="*/ 35131 w 6172782"/>
+              <a:gd name="connsiteY2" fmla="*/ 267128 h 6858000"/>
+              <a:gd name="connsiteX3" fmla="*/ 0 w 6172782"/>
+              <a:gd name="connsiteY3" fmla="*/ 962845 h 6858000"/>
+              <a:gd name="connsiteX4" fmla="*/ 3276103 w 6172782"/>
+              <a:gd name="connsiteY4" fmla="*/ 6782205 h 6858000"/>
+              <a:gd name="connsiteX5" fmla="*/ 3407923 w 6172782"/>
+              <a:gd name="connsiteY5" fmla="*/ 6858000 h 6858000"/>
+              <a:gd name="connsiteX6" fmla="*/ 6172782 w 6172782"/>
+              <a:gd name="connsiteY6" fmla="*/ 6858000 h 6858000"/>
+            </a:gdLst>
+            <a:ahLst/>
+            <a:cxnLst>
+              <a:cxn ang="0">
+                <a:pos x="connsiteX0" y="connsiteY0"/>
+              </a:cxn>
+              <a:cxn ang="0">
+                <a:pos x="connsiteX1" y="connsiteY1"/>
+              </a:cxn>
+              <a:cxn ang="0">
+                <a:pos x="connsiteX2" y="connsiteY2"/>
+              </a:cxn>
+              <a:cxn ang="0">
+                <a:pos x="connsiteX3" y="connsiteY3"/>
+              </a:cxn>
+              <a:cxn ang="0">
+                <a:pos x="connsiteX4" y="connsiteY4"/>
+              </a:cxn>
+              <a:cxn ang="0">
+                <a:pos x="connsiteX5" y="connsiteY5"/>
+              </a:cxn>
+              <a:cxn ang="0">
+                <a:pos x="connsiteX6" y="connsiteY6"/>
+              </a:cxn>
+            </a:cxnLst>
+            <a:rect l="l" t="t" r="r" b="b"/>
+            <a:pathLst>
+              <a:path w="6172782" h="6858000">
+                <a:moveTo>
+                  <a:pt x="6172782" y="0"/>
+                </a:moveTo>
+                <a:lnTo>
+                  <a:pt x="69075" y="0"/>
+                </a:lnTo>
+                <a:lnTo>
+                  <a:pt x="35131" y="267128"/>
+                </a:lnTo>
+                <a:cubicBezTo>
+                  <a:pt x="11901" y="495874"/>
+                  <a:pt x="0" y="727970"/>
+                  <a:pt x="0" y="962845"/>
+                </a:cubicBezTo>
+                <a:cubicBezTo>
+                  <a:pt x="0" y="3429034"/>
+                  <a:pt x="1312002" y="5588789"/>
+                  <a:pt x="3276103" y="6782205"/>
+                </a:cubicBezTo>
+                <a:lnTo>
+                  <a:pt x="3407923" y="6858000"/>
+                </a:lnTo>
+                <a:lnTo>
+                  <a:pt x="6172782" y="6858000"/>
+                </a:lnTo>
+                <a:close/>
+              </a:path>
+            </a:pathLst>
+          </a:custGeom>
           <a:solidFill>
-            <a:srgbClr val="FFFFFF"/>
+            <a:srgbClr val="FFFFFF">
+              <a:alpha val="80000"/>
+            </a:srgbClr>
+          </a:solidFill>
+          <a:ln>
+            <a:noFill/>
+          </a:ln>
+        </p:spPr>
+        <p:style>
+          <a:lnRef idx="2">
+            <a:schemeClr val="accent1">
+              <a:shade val="50000"/>
+            </a:schemeClr>
+          </a:lnRef>
+          <a:fillRef idx="1">
+            <a:schemeClr val="accent1"/>
+          </a:fillRef>
+          <a:effectRef idx="0">
+            <a:schemeClr val="accent1"/>
+          </a:effectRef>
+          <a:fontRef idx="minor">
+            <a:schemeClr val="lt1"/>
+          </a:fontRef>
+        </p:style>
+        <p:txBody>
+          <a:bodyPr wrap="square" rtlCol="0" anchor="ctr">
+            <a:noAutofit/>
+          </a:bodyPr>
+          <a:lstStyle/>
+          <a:p>
+            <a:pPr marL="0" marR="0" lvl="0" indent="0" algn="ctr" defTabSz="914400" rtl="0" eaLnBrk="1" fontAlgn="auto" latinLnBrk="0" hangingPunct="1">
+              <a:lnSpc>
+                <a:spcPct val="100000"/>
+              </a:lnSpc>
+              <a:spcBef>
+                <a:spcPts val="0"/>
+              </a:spcBef>
+              <a:spcAft>
+                <a:spcPts val="0"/>
+              </a:spcAft>
+              <a:buClrTx/>
+              <a:buSzTx/>
+              <a:buFontTx/>
+              <a:buNone/>
+              <a:tabLst/>
+              <a:defRPr/>
+            </a:pPr>
+            <a:endParaRPr kumimoji="0" lang="en-US" sz="1800" b="0" i="0" u="none" strike="noStrike" kern="1200" cap="none" spc="0" normalizeH="0" baseline="0" noProof="0">
+              <a:ln>
+                <a:noFill/>
+              </a:ln>
+              <a:solidFill>
+                <a:prstClr val="white"/>
+              </a:solidFill>
+              <a:effectLst/>
+              <a:uLnTx/>
+              <a:uFillTx/>
+              <a:latin typeface="Calibri" panose="020F0502020204030204"/>
+              <a:ea typeface="+mn-ea"/>
+              <a:cs typeface="+mn-cs"/>
+            </a:endParaRPr>
+          </a:p>
+        </p:txBody>
+      </p:sp>
+      <p:sp>
+        <p:nvSpPr>
+          <p:cNvPr id="26" name="Freeform: Shape 25">
+            <a:extLst>
+              <a:ext uri="{FF2B5EF4-FFF2-40B4-BE49-F238E27FC236}">
+                <a16:creationId xmlns:a16="http://schemas.microsoft.com/office/drawing/2014/main" id="{58D44E42-C462-4105-BC86-FE75B4E3C4AF}"/>
+              </a:ext>
+              <a:ext uri="{C183D7F6-B498-43B3-948B-1728B52AA6E4}">
+                <adec:decorative xmlns:adec="http://schemas.microsoft.com/office/drawing/2017/decorative" val="1"/>
+              </a:ext>
+            </a:extLst>
+          </p:cNvPr>
+          <p:cNvSpPr>
+            <a:spLocks noGrp="1" noRot="1" noChangeAspect="1" noMove="1" noResize="1" noEditPoints="1" noAdjustHandles="1" noChangeArrowheads="1" noChangeShapeType="1" noTextEdit="1"/>
+          </p:cNvSpPr>
+          <p:nvPr>
+            <p:extLst>
+              <p:ext uri="{386F3935-93C4-4BCD-93E2-E3B085C9AB24}">
+                <p16:designElem xmlns:p16="http://schemas.microsoft.com/office/powerpoint/2015/main" val="1"/>
+              </p:ext>
+            </p:extLst>
+          </p:nvPr>
+        </p:nvSpPr>
+        <p:spPr>
+          <a:xfrm flipH="1">
+            <a:off x="0" y="0"/>
+            <a:ext cx="6024154" cy="6858000"/>
+          </a:xfrm>
+          <a:custGeom>
+            <a:avLst/>
+            <a:gdLst>
+              <a:gd name="connsiteX0" fmla="*/ 70374 w 6024154"/>
+              <a:gd name="connsiteY0" fmla="*/ 0 h 6858000"/>
+              <a:gd name="connsiteX1" fmla="*/ 6024154 w 6024154"/>
+              <a:gd name="connsiteY1" fmla="*/ 0 h 6858000"/>
+              <a:gd name="connsiteX2" fmla="*/ 6024154 w 6024154"/>
+              <a:gd name="connsiteY2" fmla="*/ 6858000 h 6858000"/>
+              <a:gd name="connsiteX3" fmla="*/ 3587167 w 6024154"/>
+              <a:gd name="connsiteY3" fmla="*/ 6858000 h 6858000"/>
+              <a:gd name="connsiteX4" fmla="*/ 3474220 w 6024154"/>
+              <a:gd name="connsiteY4" fmla="*/ 6800152 h 6858000"/>
+              <a:gd name="connsiteX5" fmla="*/ 0 w 6024154"/>
+              <a:gd name="connsiteY5" fmla="*/ 962844 h 6858000"/>
+              <a:gd name="connsiteX6" fmla="*/ 34274 w 6024154"/>
+              <a:gd name="connsiteY6" fmla="*/ 284091 h 6858000"/>
+            </a:gdLst>
+            <a:ahLst/>
+            <a:cxnLst>
+              <a:cxn ang="0">
+                <a:pos x="connsiteX0" y="connsiteY0"/>
+              </a:cxn>
+              <a:cxn ang="0">
+                <a:pos x="connsiteX1" y="connsiteY1"/>
+              </a:cxn>
+              <a:cxn ang="0">
+                <a:pos x="connsiteX2" y="connsiteY2"/>
+              </a:cxn>
+              <a:cxn ang="0">
+                <a:pos x="connsiteX3" y="connsiteY3"/>
+              </a:cxn>
+              <a:cxn ang="0">
+                <a:pos x="connsiteX4" y="connsiteY4"/>
+              </a:cxn>
+              <a:cxn ang="0">
+                <a:pos x="connsiteX5" y="connsiteY5"/>
+              </a:cxn>
+              <a:cxn ang="0">
+                <a:pos x="connsiteX6" y="connsiteY6"/>
+              </a:cxn>
+            </a:cxnLst>
+            <a:rect l="l" t="t" r="r" b="b"/>
+            <a:pathLst>
+              <a:path w="6024154" h="6858000">
+                <a:moveTo>
+                  <a:pt x="70374" y="0"/>
+                </a:moveTo>
+                <a:lnTo>
+                  <a:pt x="6024154" y="0"/>
+                </a:lnTo>
+                <a:lnTo>
+                  <a:pt x="6024154" y="6858000"/>
+                </a:lnTo>
+                <a:lnTo>
+                  <a:pt x="3587167" y="6858000"/>
+                </a:lnTo>
+                <a:lnTo>
+                  <a:pt x="3474220" y="6800152"/>
+                </a:lnTo>
+                <a:cubicBezTo>
+                  <a:pt x="1404818" y="5675986"/>
+                  <a:pt x="0" y="3483472"/>
+                  <a:pt x="0" y="962844"/>
+                </a:cubicBezTo>
+                <a:cubicBezTo>
+                  <a:pt x="0" y="733696"/>
+                  <a:pt x="11610" y="507260"/>
+                  <a:pt x="34274" y="284091"/>
+                </a:cubicBezTo>
+                <a:close/>
+              </a:path>
+            </a:pathLst>
+          </a:custGeom>
+          <a:solidFill>
+            <a:schemeClr val="tx1"/>
           </a:solidFill>
           <a:ln>
             <a:noFill/>
@@ -3307,662 +4348,225 @@
           <a:bodyPr rtlCol="0" anchor="ctr"/>
           <a:lstStyle/>
           <a:p>
-            <a:pPr algn="ctr"/>
-            <a:endParaRPr lang="en-US"/>
+            <a:pPr marL="0" marR="0" lvl="0" indent="0" algn="ctr" defTabSz="914400" rtl="0" eaLnBrk="1" fontAlgn="auto" latinLnBrk="0" hangingPunct="1">
+              <a:lnSpc>
+                <a:spcPct val="100000"/>
+              </a:lnSpc>
+              <a:spcBef>
+                <a:spcPts val="0"/>
+              </a:spcBef>
+              <a:spcAft>
+                <a:spcPts val="0"/>
+              </a:spcAft>
+              <a:buClrTx/>
+              <a:buSzTx/>
+              <a:buFontTx/>
+              <a:buNone/>
+              <a:tabLst/>
+              <a:defRPr/>
+            </a:pPr>
+            <a:endParaRPr kumimoji="0" lang="en-US" sz="1800" b="0" i="0" u="none" strike="noStrike" kern="1200" cap="none" spc="0" normalizeH="0" baseline="0" noProof="0">
+              <a:ln>
+                <a:noFill/>
+              </a:ln>
+              <a:solidFill>
+                <a:prstClr val="white"/>
+              </a:solidFill>
+              <a:effectLst/>
+              <a:uLnTx/>
+              <a:uFillTx/>
+              <a:latin typeface="Calibri" panose="020F0502020204030204"/>
+              <a:ea typeface="+mn-ea"/>
+              <a:cs typeface="+mn-cs"/>
+            </a:endParaRPr>
           </a:p>
         </p:txBody>
       </p:sp>
-      <p:sp>
-        <p:nvSpPr>
-          <p:cNvPr id="17" name="Rectangle 16">
+      <p:pic>
+        <p:nvPicPr>
+          <p:cNvPr id="19" name="Graphic 9" descr="Checkmark">
             <a:extLst>
               <a:ext uri="{FF2B5EF4-FFF2-40B4-BE49-F238E27FC236}">
-                <a16:creationId xmlns:a16="http://schemas.microsoft.com/office/drawing/2014/main" id="{047C8CCB-F95D-4249-92DD-651249D3535A}"/>
-              </a:ext>
-              <a:ext uri="{C183D7F6-B498-43B3-948B-1728B52AA6E4}">
-                <adec:decorative xmlns:adec="http://schemas.microsoft.com/office/drawing/2017/decorative" val="1"/>
+                <a16:creationId xmlns:a16="http://schemas.microsoft.com/office/drawing/2014/main" id="{A0646294-2E67-4734-9EE8-F03912F4ACAA}"/>
               </a:ext>
             </a:extLst>
           </p:cNvPr>
-          <p:cNvSpPr>
-            <a:spLocks noGrp="1" noRot="1" noChangeAspect="1" noMove="1" noResize="1" noEditPoints="1" noAdjustHandles="1" noChangeArrowheads="1" noChangeShapeType="1" noTextEdit="1"/>
-          </p:cNvSpPr>
-          <p:nvPr>
-            <p:extLst>
-              <p:ext uri="{386F3935-93C4-4BCD-93E2-E3B085C9AB24}">
-                <p16:designElem xmlns:p16="http://schemas.microsoft.com/office/powerpoint/2015/main" val="1"/>
-              </p:ext>
-            </p:extLst>
-          </p:nvPr>
-        </p:nvSpPr>
+          <p:cNvPicPr>
+            <a:picLocks noChangeAspect="1"/>
+          </p:cNvPicPr>
+          <p:nvPr/>
+        </p:nvPicPr>
+        <p:blipFill>
+          <a:blip r:embed="rId2">
+            <a:extLst>
+              <a:ext uri="{28A0092B-C50C-407E-A947-70E740481C1C}">
+                <a14:useLocalDpi xmlns:a14="http://schemas.microsoft.com/office/drawing/2010/main" val="0"/>
+              </a:ext>
+              <a:ext uri="{96DAC541-7B7A-43D3-8B79-37D633B846F1}">
+                <asvg:svgBlip xmlns:asvg="http://schemas.microsoft.com/office/drawing/2016/SVG/main" r:embed="rId3"/>
+              </a:ext>
+            </a:extLst>
+          </a:blip>
+          <a:stretch>
+            <a:fillRect/>
+          </a:stretch>
+        </p:blipFill>
         <p:spPr>
           <a:xfrm>
-            <a:off x="0" y="0"/>
-            <a:ext cx="2013557" cy="6858000"/>
+            <a:off x="364241" y="643466"/>
+            <a:ext cx="4105275" cy="4105275"/>
           </a:xfrm>
           <a:prstGeom prst="rect">
             <a:avLst/>
           </a:prstGeom>
-          <a:solidFill>
-            <a:srgbClr val="7F7F7F"/>
-          </a:solidFill>
-          <a:ln>
-            <a:noFill/>
-          </a:ln>
         </p:spPr>
-        <p:style>
-          <a:lnRef idx="2">
-            <a:schemeClr val="accent1">
-              <a:shade val="50000"/>
-            </a:schemeClr>
-          </a:lnRef>
-          <a:fillRef idx="1">
-            <a:schemeClr val="accent1"/>
-          </a:fillRef>
-          <a:effectRef idx="0">
-            <a:schemeClr val="accent1"/>
-          </a:effectRef>
-          <a:fontRef idx="minor">
-            <a:schemeClr val="lt1"/>
-          </a:fontRef>
-        </p:style>
-        <p:txBody>
-          <a:bodyPr rtlCol="0" anchor="ctr"/>
-          <a:lstStyle/>
-          <a:p>
-            <a:pPr algn="ctr"/>
-            <a:endParaRPr lang="en-US"/>
-          </a:p>
-        </p:txBody>
-      </p:sp>
-      <p:sp>
-        <p:nvSpPr>
-          <p:cNvPr id="2" name="Title 1">
+      </p:pic>
+      <p:sp>
+        <p:nvSpPr>
+          <p:cNvPr id="6" name="TextBox 5">
             <a:extLst>
               <a:ext uri="{FF2B5EF4-FFF2-40B4-BE49-F238E27FC236}">
-                <a16:creationId xmlns:a16="http://schemas.microsoft.com/office/drawing/2014/main" id="{D1DFC740-E98C-4D1B-96D9-BFDF2FE0F1E7}"/>
+                <a16:creationId xmlns:a16="http://schemas.microsoft.com/office/drawing/2014/main" id="{DAE41854-34F0-4882-BE05-660AC137FDFB}"/>
               </a:ext>
             </a:extLst>
           </p:cNvPr>
-          <p:cNvSpPr>
-            <a:spLocks noGrp="1"/>
-          </p:cNvSpPr>
-          <p:nvPr>
-            <p:ph type="title"/>
-          </p:nvPr>
+          <p:cNvSpPr txBox="1"/>
+          <p:nvPr/>
         </p:nvSpPr>
         <p:spPr>
           <a:xfrm>
-            <a:off x="640080" y="2074363"/>
-            <a:ext cx="2752354" cy="2709275"/>
+            <a:off x="6658044" y="2871982"/>
+            <a:ext cx="5006336" cy="3181684"/>
           </a:xfrm>
-          <a:prstGeom prst="ellipse">
+          <a:prstGeom prst="rect">
             <a:avLst/>
           </a:prstGeom>
-          <a:solidFill>
-            <a:srgbClr val="262626"/>
-          </a:solidFill>
-          <a:ln w="174625" cmpd="thinThick">
-            <a:solidFill>
-              <a:srgbClr val="262626"/>
-            </a:solidFill>
-          </a:ln>
         </p:spPr>
         <p:txBody>
-          <a:bodyPr vert="horz" lIns="91440" tIns="45720" rIns="91440" bIns="45720" rtlCol="0" anchor="ctr">
+          <a:bodyPr vert="horz" lIns="91440" tIns="45720" rIns="91440" bIns="45720" rtlCol="0" anchor="t">
             <a:normAutofit/>
           </a:bodyPr>
           <a:lstStyle/>
           <a:p>
-            <a:pPr algn="ctr"/>
-            <a:r>
-              <a:rPr lang="en-US" sz="2600" kern="1200">
-                <a:solidFill>
-                  <a:srgbClr val="FFFFFF"/>
-                </a:solidFill>
-                <a:latin typeface="+mj-lt"/>
-                <a:ea typeface="+mj-ea"/>
-                <a:cs typeface="+mj-cs"/>
-              </a:rPr>
-              <a:t>Choosing Blob or Data Lake</a:t>
-            </a:r>
+            <a:pPr marL="342900" lvl="0" indent="-228600">
+              <a:lnSpc>
+                <a:spcPct val="90000"/>
+              </a:lnSpc>
+              <a:spcAft>
+                <a:spcPts val="600"/>
+              </a:spcAft>
+              <a:buFont typeface="Arial" panose="020B0604020202020204" pitchFamily="34" charset="0"/>
+              <a:buChar char="•"/>
+            </a:pPr>
+            <a:r>
+              <a:rPr lang="en-US" dirty="0"/>
+              <a:t>Optimized storage for Big Data analytics workloads.</a:t>
+            </a:r>
+          </a:p>
+          <a:p>
+            <a:pPr marL="342900" lvl="0" indent="-228600">
+              <a:lnSpc>
+                <a:spcPct val="90000"/>
+              </a:lnSpc>
+              <a:spcAft>
+                <a:spcPts val="600"/>
+              </a:spcAft>
+              <a:buFont typeface="Arial" panose="020B0604020202020204" pitchFamily="34" charset="0"/>
+              <a:buChar char="•"/>
+            </a:pPr>
+            <a:r>
+              <a:rPr lang="en-US" dirty="0"/>
+              <a:t>Hierarchical file system</a:t>
+            </a:r>
+          </a:p>
+          <a:p>
+            <a:pPr marL="342900" lvl="0" indent="-228600">
+              <a:lnSpc>
+                <a:spcPct val="90000"/>
+              </a:lnSpc>
+              <a:spcAft>
+                <a:spcPts val="600"/>
+              </a:spcAft>
+              <a:buFont typeface="Arial" panose="020B0604020202020204" pitchFamily="34" charset="0"/>
+              <a:buChar char="•"/>
+            </a:pPr>
+            <a:r>
+              <a:rPr lang="en-US" dirty="0"/>
+              <a:t>Security</a:t>
+            </a:r>
+          </a:p>
+          <a:p>
+            <a:pPr marL="800100" lvl="1" indent="-228600">
+              <a:lnSpc>
+                <a:spcPct val="90000"/>
+              </a:lnSpc>
+              <a:spcAft>
+                <a:spcPts val="600"/>
+              </a:spcAft>
+              <a:buFont typeface="Arial" panose="020B0604020202020204" pitchFamily="34" charset="0"/>
+              <a:buChar char="•"/>
+            </a:pPr>
+            <a:r>
+              <a:rPr lang="en-US" dirty="0"/>
+              <a:t>Authentication – Azure AD</a:t>
+            </a:r>
+          </a:p>
+          <a:p>
+            <a:pPr marL="800100" lvl="1" indent="-228600">
+              <a:lnSpc>
+                <a:spcPct val="90000"/>
+              </a:lnSpc>
+              <a:spcAft>
+                <a:spcPts val="600"/>
+              </a:spcAft>
+              <a:buFont typeface="Arial" panose="020B0604020202020204" pitchFamily="34" charset="0"/>
+              <a:buChar char="•"/>
+            </a:pPr>
+            <a:r>
+              <a:rPr lang="en-US" dirty="0"/>
+              <a:t>Authorization – POSIX ACLs</a:t>
+            </a:r>
+          </a:p>
+          <a:p>
+            <a:pPr marL="342900" lvl="0" indent="-228600">
+              <a:lnSpc>
+                <a:spcPct val="90000"/>
+              </a:lnSpc>
+              <a:spcAft>
+                <a:spcPts val="600"/>
+              </a:spcAft>
+              <a:buFont typeface="Arial" panose="020B0604020202020204" pitchFamily="34" charset="0"/>
+              <a:buChar char="•"/>
+            </a:pPr>
+            <a:r>
+              <a:rPr lang="en-US" dirty="0"/>
+              <a:t>No limits on account sizes, file sizes or no of files.</a:t>
+            </a:r>
+          </a:p>
+          <a:p>
+            <a:pPr marL="342900" lvl="0" indent="-228600">
+              <a:lnSpc>
+                <a:spcPct val="90000"/>
+              </a:lnSpc>
+              <a:spcAft>
+                <a:spcPts val="600"/>
+              </a:spcAft>
+              <a:buFont typeface="Arial" panose="020B0604020202020204" pitchFamily="34" charset="0"/>
+              <a:buChar char="•"/>
+            </a:pPr>
+            <a:endParaRPr lang="en-US" dirty="0"/>
           </a:p>
         </p:txBody>
       </p:sp>
-      <p:graphicFrame>
-        <p:nvGraphicFramePr>
-          <p:cNvPr id="5" name="Content Placeholder 4">
-            <a:extLst>
-              <a:ext uri="{FF2B5EF4-FFF2-40B4-BE49-F238E27FC236}">
-                <a16:creationId xmlns:a16="http://schemas.microsoft.com/office/drawing/2014/main" id="{B6BD677E-19C8-4F97-A400-3759EDE8A102}"/>
-              </a:ext>
-            </a:extLst>
-          </p:cNvPr>
-          <p:cNvGraphicFramePr>
-            <a:graphicFrameLocks noGrp="1"/>
-          </p:cNvGraphicFramePr>
-          <p:nvPr>
-            <p:ph idx="1"/>
-            <p:extLst>
-              <p:ext uri="{D42A27DB-BD31-4B8C-83A1-F6EECF244321}">
-                <p14:modId xmlns:p14="http://schemas.microsoft.com/office/powerpoint/2010/main" val="2866405815"/>
-              </p:ext>
-            </p:extLst>
-          </p:nvPr>
-        </p:nvGraphicFramePr>
-        <p:xfrm>
-          <a:off x="4038600" y="1157348"/>
-          <a:ext cx="7188200" cy="4539918"/>
-        </p:xfrm>
-        <a:graphic>
-          <a:graphicData uri="http://schemas.openxmlformats.org/drawingml/2006/table">
-            <a:tbl>
-              <a:tblPr firstRow="1" bandRow="1">
-                <a:noFill/>
-                <a:tableStyleId>{5C22544A-7EE6-4342-B048-85BDC9FD1C3A}</a:tableStyleId>
-              </a:tblPr>
-              <a:tblGrid>
-                <a:gridCol w="3553507">
-                  <a:extLst>
-                    <a:ext uri="{9D8B030D-6E8A-4147-A177-3AD203B41FA5}">
-                      <a16:colId xmlns:a16="http://schemas.microsoft.com/office/drawing/2014/main" val="1921880753"/>
-                    </a:ext>
-                  </a:extLst>
-                </a:gridCol>
-                <a:gridCol w="3634693">
-                  <a:extLst>
-                    <a:ext uri="{9D8B030D-6E8A-4147-A177-3AD203B41FA5}">
-                      <a16:colId xmlns:a16="http://schemas.microsoft.com/office/drawing/2014/main" val="4128458057"/>
-                    </a:ext>
-                  </a:extLst>
-                </a:gridCol>
-              </a:tblGrid>
-              <a:tr h="631302">
-                <a:tc>
-                  <a:txBody>
-                    <a:bodyPr/>
-                    <a:lstStyle/>
-                    <a:p>
-                      <a:r>
-                        <a:rPr lang="en-US" sz="2300" b="1">
-                          <a:solidFill>
-                            <a:schemeClr val="tx1">
-                              <a:lumMod val="75000"/>
-                              <a:lumOff val="25000"/>
-                            </a:schemeClr>
-                          </a:solidFill>
-                        </a:rPr>
-                        <a:t>Azure Blob</a:t>
-                      </a:r>
-                    </a:p>
-                  </a:txBody>
-                  <a:tcPr marL="233815" marR="175362" marT="116908" marB="116908">
-                    <a:lnL w="12700" cmpd="sng">
-                      <a:noFill/>
-                      <a:prstDash val="solid"/>
-                    </a:lnL>
-                    <a:lnR w="12700" cmpd="sng">
-                      <a:noFill/>
-                      <a:prstDash val="solid"/>
-                    </a:lnR>
-                    <a:lnT w="9525" cap="flat" cmpd="sng" algn="ctr">
-                      <a:noFill/>
-                      <a:prstDash val="solid"/>
-                    </a:lnT>
-                    <a:lnB w="9525" cap="flat" cmpd="sng" algn="ctr">
-                      <a:solidFill>
-                        <a:srgbClr val="C7C6C1"/>
-                      </a:solidFill>
-                      <a:prstDash val="solid"/>
-                    </a:lnB>
-                    <a:noFill/>
-                  </a:tcPr>
-                </a:tc>
-                <a:tc>
-                  <a:txBody>
-                    <a:bodyPr/>
-                    <a:lstStyle/>
-                    <a:p>
-                      <a:r>
-                        <a:rPr lang="en-US" sz="2300" b="1">
-                          <a:solidFill>
-                            <a:schemeClr val="tx1">
-                              <a:lumMod val="75000"/>
-                              <a:lumOff val="25000"/>
-                            </a:schemeClr>
-                          </a:solidFill>
-                        </a:rPr>
-                        <a:t>Azure Data Lake</a:t>
-                      </a:r>
-                    </a:p>
-                  </a:txBody>
-                  <a:tcPr marL="233815" marR="175362" marT="116908" marB="116908">
-                    <a:lnL w="12700" cmpd="sng">
-                      <a:noFill/>
-                      <a:prstDash val="solid"/>
-                    </a:lnL>
-                    <a:lnR w="12700" cmpd="sng">
-                      <a:noFill/>
-                      <a:prstDash val="solid"/>
-                    </a:lnR>
-                    <a:lnT w="9525" cap="flat" cmpd="sng" algn="ctr">
-                      <a:noFill/>
-                      <a:prstDash val="solid"/>
-                    </a:lnT>
-                    <a:lnB w="9525" cap="flat" cmpd="sng" algn="ctr">
-                      <a:solidFill>
-                        <a:srgbClr val="C7C6C1"/>
-                      </a:solidFill>
-                      <a:prstDash val="solid"/>
-                    </a:lnB>
-                    <a:noFill/>
-                  </a:tcPr>
-                </a:tc>
-                <a:extLst>
-                  <a:ext uri="{0D108BD9-81ED-4DB2-BD59-A6C34878D82A}">
-                    <a16:rowId xmlns:a16="http://schemas.microsoft.com/office/drawing/2014/main" val="156637423"/>
-                  </a:ext>
-                </a:extLst>
-              </a:tr>
-              <a:tr h="787179">
-                <a:tc>
-                  <a:txBody>
-                    <a:bodyPr/>
-                    <a:lstStyle/>
-                    <a:p>
-                      <a:r>
-                        <a:rPr lang="en-US" sz="1700">
-                          <a:solidFill>
-                            <a:schemeClr val="tx1">
-                              <a:lumMod val="75000"/>
-                              <a:lumOff val="25000"/>
-                            </a:schemeClr>
-                          </a:solidFill>
-                        </a:rPr>
-                        <a:t>Preferred for non-text files like images, videos</a:t>
-                      </a:r>
-                    </a:p>
-                  </a:txBody>
-                  <a:tcPr marL="233815" marR="175362" marT="116908" marB="116908">
-                    <a:lnL w="12700" cmpd="sng">
-                      <a:noFill/>
-                      <a:prstDash val="solid"/>
-                    </a:lnL>
-                    <a:lnR w="12700" cmpd="sng">
-                      <a:noFill/>
-                      <a:prstDash val="solid"/>
-                    </a:lnR>
-                    <a:lnT w="9525" cap="flat" cmpd="sng" algn="ctr">
-                      <a:solidFill>
-                        <a:srgbClr val="C7C6C1"/>
-                      </a:solidFill>
-                      <a:prstDash val="solid"/>
-                    </a:lnT>
-                    <a:lnB w="9525" cap="flat" cmpd="sng" algn="ctr">
-                      <a:solidFill>
-                        <a:srgbClr val="C7C6C1"/>
-                      </a:solidFill>
-                      <a:prstDash val="solid"/>
-                    </a:lnB>
-                    <a:noFill/>
-                  </a:tcPr>
-                </a:tc>
-                <a:tc>
-                  <a:txBody>
-                    <a:bodyPr/>
-                    <a:lstStyle/>
-                    <a:p>
-                      <a:r>
-                        <a:rPr lang="en-US" sz="1700">
-                          <a:solidFill>
-                            <a:schemeClr val="tx1">
-                              <a:lumMod val="75000"/>
-                              <a:lumOff val="25000"/>
-                            </a:schemeClr>
-                          </a:solidFill>
-                        </a:rPr>
-                        <a:t>Preferred for text files like CSV, XML, Json</a:t>
-                      </a:r>
-                    </a:p>
-                  </a:txBody>
-                  <a:tcPr marL="233815" marR="175362" marT="116908" marB="116908">
-                    <a:lnL w="12700" cmpd="sng">
-                      <a:noFill/>
-                      <a:prstDash val="solid"/>
-                    </a:lnL>
-                    <a:lnR w="12700" cmpd="sng">
-                      <a:noFill/>
-                      <a:prstDash val="solid"/>
-                    </a:lnR>
-                    <a:lnT w="9525" cap="flat" cmpd="sng" algn="ctr">
-                      <a:solidFill>
-                        <a:srgbClr val="C7C6C1"/>
-                      </a:solidFill>
-                      <a:prstDash val="solid"/>
-                    </a:lnT>
-                    <a:lnB w="9525" cap="flat" cmpd="sng" algn="ctr">
-                      <a:solidFill>
-                        <a:srgbClr val="C7C6C1"/>
-                      </a:solidFill>
-                      <a:prstDash val="solid"/>
-                    </a:lnB>
-                    <a:noFill/>
-                  </a:tcPr>
-                </a:tc>
-                <a:extLst>
-                  <a:ext uri="{0D108BD9-81ED-4DB2-BD59-A6C34878D82A}">
-                    <a16:rowId xmlns:a16="http://schemas.microsoft.com/office/drawing/2014/main" val="2665863048"/>
-                  </a:ext>
-                </a:extLst>
-              </a:tr>
-              <a:tr h="1040479">
-                <a:tc>
-                  <a:txBody>
-                    <a:bodyPr/>
-                    <a:lstStyle/>
-                    <a:p>
-                      <a:r>
-                        <a:rPr lang="en-US" sz="1700">
-                          <a:solidFill>
-                            <a:schemeClr val="tx1">
-                              <a:lumMod val="75000"/>
-                              <a:lumOff val="25000"/>
-                            </a:schemeClr>
-                          </a:solidFill>
-                        </a:rPr>
-                        <a:t>Not integrated with Azure AD</a:t>
-                      </a:r>
-                    </a:p>
-                  </a:txBody>
-                  <a:tcPr marL="233815" marR="175362" marT="116908" marB="116908">
-                    <a:lnL w="12700" cmpd="sng">
-                      <a:noFill/>
-                      <a:prstDash val="solid"/>
-                    </a:lnL>
-                    <a:lnR w="12700" cmpd="sng">
-                      <a:noFill/>
-                      <a:prstDash val="solid"/>
-                    </a:lnR>
-                    <a:lnT w="9525" cap="flat" cmpd="sng" algn="ctr">
-                      <a:solidFill>
-                        <a:srgbClr val="C7C6C1"/>
-                      </a:solidFill>
-                      <a:prstDash val="solid"/>
-                    </a:lnT>
-                    <a:lnB w="9525" cap="flat" cmpd="sng" algn="ctr">
-                      <a:solidFill>
-                        <a:srgbClr val="C7C6C1"/>
-                      </a:solidFill>
-                      <a:prstDash val="solid"/>
-                    </a:lnB>
-                    <a:noFill/>
-                  </a:tcPr>
-                </a:tc>
-                <a:tc>
-                  <a:txBody>
-                    <a:bodyPr/>
-                    <a:lstStyle/>
-                    <a:p>
-                      <a:r>
-                        <a:rPr lang="en-US" sz="1700">
-                          <a:solidFill>
-                            <a:schemeClr val="tx1">
-                              <a:lumMod val="75000"/>
-                              <a:lumOff val="25000"/>
-                            </a:schemeClr>
-                          </a:solidFill>
-                        </a:rPr>
-                        <a:t>Tightly integrated with Azure AD. i.e. We can set access controls over files we store here.</a:t>
-                      </a:r>
-                    </a:p>
-                  </a:txBody>
-                  <a:tcPr marL="233815" marR="175362" marT="116908" marB="116908">
-                    <a:lnL w="12700" cmpd="sng">
-                      <a:noFill/>
-                      <a:prstDash val="solid"/>
-                    </a:lnL>
-                    <a:lnR w="12700" cmpd="sng">
-                      <a:noFill/>
-                      <a:prstDash val="solid"/>
-                    </a:lnR>
-                    <a:lnT w="9525" cap="flat" cmpd="sng" algn="ctr">
-                      <a:solidFill>
-                        <a:srgbClr val="C7C6C1"/>
-                      </a:solidFill>
-                      <a:prstDash val="solid"/>
-                    </a:lnT>
-                    <a:lnB w="9525" cap="flat" cmpd="sng" algn="ctr">
-                      <a:solidFill>
-                        <a:srgbClr val="C7C6C1"/>
-                      </a:solidFill>
-                      <a:prstDash val="solid"/>
-                    </a:lnB>
-                    <a:noFill/>
-                  </a:tcPr>
-                </a:tc>
-                <a:extLst>
-                  <a:ext uri="{0D108BD9-81ED-4DB2-BD59-A6C34878D82A}">
-                    <a16:rowId xmlns:a16="http://schemas.microsoft.com/office/drawing/2014/main" val="2419628635"/>
-                  </a:ext>
-                </a:extLst>
-              </a:tr>
-              <a:tr h="787179">
-                <a:tc>
-                  <a:txBody>
-                    <a:bodyPr/>
-                    <a:lstStyle/>
-                    <a:p>
-                      <a:r>
-                        <a:rPr lang="en-US" sz="1700">
-                          <a:solidFill>
-                            <a:schemeClr val="tx1">
-                              <a:lumMod val="75000"/>
-                              <a:lumOff val="25000"/>
-                            </a:schemeClr>
-                          </a:solidFill>
-                        </a:rPr>
-                        <a:t>Cost is based on accessing (hot &amp; cool access tier)</a:t>
-                      </a:r>
-                    </a:p>
-                  </a:txBody>
-                  <a:tcPr marL="233815" marR="175362" marT="116908" marB="116908">
-                    <a:lnL w="12700" cmpd="sng">
-                      <a:noFill/>
-                      <a:prstDash val="solid"/>
-                    </a:lnL>
-                    <a:lnR w="12700" cmpd="sng">
-                      <a:noFill/>
-                      <a:prstDash val="solid"/>
-                    </a:lnR>
-                    <a:lnT w="9525" cap="flat" cmpd="sng" algn="ctr">
-                      <a:solidFill>
-                        <a:srgbClr val="C7C6C1"/>
-                      </a:solidFill>
-                      <a:prstDash val="solid"/>
-                    </a:lnT>
-                    <a:lnB w="9525" cap="flat" cmpd="sng" algn="ctr">
-                      <a:solidFill>
-                        <a:srgbClr val="C7C6C1"/>
-                      </a:solidFill>
-                      <a:prstDash val="solid"/>
-                    </a:lnB>
-                    <a:noFill/>
-                  </a:tcPr>
-                </a:tc>
-                <a:tc>
-                  <a:txBody>
-                    <a:bodyPr/>
-                    <a:lstStyle/>
-                    <a:p>
-                      <a:r>
-                        <a:rPr lang="en-US" sz="1700">
-                          <a:solidFill>
-                            <a:schemeClr val="tx1">
-                              <a:lumMod val="75000"/>
-                              <a:lumOff val="25000"/>
-                            </a:schemeClr>
-                          </a:solidFill>
-                        </a:rPr>
-                        <a:t>Cost is based on amount of Storage we use</a:t>
-                      </a:r>
-                    </a:p>
-                  </a:txBody>
-                  <a:tcPr marL="233815" marR="175362" marT="116908" marB="116908">
-                    <a:lnL w="12700" cmpd="sng">
-                      <a:noFill/>
-                      <a:prstDash val="solid"/>
-                    </a:lnL>
-                    <a:lnR w="12700" cmpd="sng">
-                      <a:noFill/>
-                      <a:prstDash val="solid"/>
-                    </a:lnR>
-                    <a:lnT w="9525" cap="flat" cmpd="sng" algn="ctr">
-                      <a:solidFill>
-                        <a:srgbClr val="C7C6C1"/>
-                      </a:solidFill>
-                      <a:prstDash val="solid"/>
-                    </a:lnT>
-                    <a:lnB w="9525" cap="flat" cmpd="sng" algn="ctr">
-                      <a:solidFill>
-                        <a:srgbClr val="C7C6C1"/>
-                      </a:solidFill>
-                      <a:prstDash val="solid"/>
-                    </a:lnB>
-                    <a:noFill/>
-                  </a:tcPr>
-                </a:tc>
-                <a:extLst>
-                  <a:ext uri="{0D108BD9-81ED-4DB2-BD59-A6C34878D82A}">
-                    <a16:rowId xmlns:a16="http://schemas.microsoft.com/office/drawing/2014/main" val="595667150"/>
-                  </a:ext>
-                </a:extLst>
-              </a:tr>
-              <a:tr h="1293779">
-                <a:tc>
-                  <a:txBody>
-                    <a:bodyPr/>
-                    <a:lstStyle/>
-                    <a:p>
-                      <a:r>
-                        <a:rPr lang="en-US" sz="1700" dirty="0">
-                          <a:solidFill>
-                            <a:schemeClr val="tx1">
-                              <a:lumMod val="75000"/>
-                              <a:lumOff val="25000"/>
-                            </a:schemeClr>
-                          </a:solidFill>
-                        </a:rPr>
-                        <a:t>Meant  for storage</a:t>
-                      </a:r>
-                    </a:p>
-                  </a:txBody>
-                  <a:tcPr marL="233815" marR="175362" marT="116908" marB="116908">
-                    <a:lnL w="12700" cmpd="sng">
-                      <a:noFill/>
-                      <a:prstDash val="solid"/>
-                    </a:lnL>
-                    <a:lnR w="12700" cmpd="sng">
-                      <a:noFill/>
-                      <a:prstDash val="solid"/>
-                    </a:lnR>
-                    <a:lnT w="9525" cap="flat" cmpd="sng" algn="ctr">
-                      <a:solidFill>
-                        <a:srgbClr val="C7C6C1"/>
-                      </a:solidFill>
-                      <a:prstDash val="solid"/>
-                    </a:lnT>
-                    <a:lnB w="9525" cap="flat" cmpd="sng" algn="ctr">
-                      <a:solidFill>
-                        <a:srgbClr val="C7C6C1"/>
-                      </a:solidFill>
-                      <a:prstDash val="solid"/>
-                    </a:lnB>
-                    <a:noFill/>
-                  </a:tcPr>
-                </a:tc>
-                <a:tc>
-                  <a:txBody>
-                    <a:bodyPr/>
-                    <a:lstStyle/>
-                    <a:p>
-                      <a:r>
-                        <a:rPr lang="en-US" sz="1700" dirty="0">
-                          <a:solidFill>
-                            <a:schemeClr val="tx1">
-                              <a:lumMod val="75000"/>
-                              <a:lumOff val="25000"/>
-                            </a:schemeClr>
-                          </a:solidFill>
-                        </a:rPr>
-                        <a:t>Meant more for Analytics and tight integration with </a:t>
-                      </a:r>
-                      <a:r>
-                        <a:rPr lang="en-US" sz="1700" dirty="0" err="1">
-                          <a:solidFill>
-                            <a:schemeClr val="tx1">
-                              <a:lumMod val="75000"/>
-                              <a:lumOff val="25000"/>
-                            </a:schemeClr>
-                          </a:solidFill>
-                        </a:rPr>
-                        <a:t>HdInsight</a:t>
-                      </a:r>
-                      <a:r>
-                        <a:rPr lang="en-US" sz="1700" dirty="0">
-                          <a:solidFill>
-                            <a:schemeClr val="tx1">
-                              <a:lumMod val="75000"/>
-                              <a:lumOff val="25000"/>
-                            </a:schemeClr>
-                          </a:solidFill>
-                        </a:rPr>
-                        <a:t> and even native tools like Hadoop, Spark…</a:t>
-                      </a:r>
-                    </a:p>
-                  </a:txBody>
-                  <a:tcPr marL="233815" marR="175362" marT="116908" marB="116908">
-                    <a:lnL w="12700" cmpd="sng">
-                      <a:noFill/>
-                      <a:prstDash val="solid"/>
-                    </a:lnL>
-                    <a:lnR w="12700" cmpd="sng">
-                      <a:noFill/>
-                      <a:prstDash val="solid"/>
-                    </a:lnR>
-                    <a:lnT w="9525" cap="flat" cmpd="sng" algn="ctr">
-                      <a:solidFill>
-                        <a:srgbClr val="C7C6C1"/>
-                      </a:solidFill>
-                      <a:prstDash val="solid"/>
-                    </a:lnT>
-                    <a:lnB w="9525" cap="flat" cmpd="sng" algn="ctr">
-                      <a:solidFill>
-                        <a:srgbClr val="C7C6C1"/>
-                      </a:solidFill>
-                      <a:prstDash val="solid"/>
-                    </a:lnB>
-                    <a:noFill/>
-                  </a:tcPr>
-                </a:tc>
-                <a:extLst>
-                  <a:ext uri="{0D108BD9-81ED-4DB2-BD59-A6C34878D82A}">
-                    <a16:rowId xmlns:a16="http://schemas.microsoft.com/office/drawing/2014/main" val="772825050"/>
-                  </a:ext>
-                </a:extLst>
-              </a:tr>
-            </a:tbl>
-          </a:graphicData>
-        </a:graphic>
-      </p:graphicFrame>
     </p:spTree>
     <p:extLst>
       <p:ext uri="{BB962C8B-B14F-4D97-AF65-F5344CB8AC3E}">
-        <p14:creationId xmlns:p14="http://schemas.microsoft.com/office/powerpoint/2010/main" val="1095325821"/>
+        <p14:creationId xmlns:p14="http://schemas.microsoft.com/office/powerpoint/2010/main" val="3307069712"/>
       </p:ext>
     </p:extLst>
   </p:cSld>
   <p:clrMapOvr>
-    <a:masterClrMapping/>
+    <a:overrideClrMapping bg1="dk1" tx1="lt1" bg2="dk2" tx2="lt2" accent1="accent1" accent2="accent2" accent3="accent3" accent4="accent4" accent5="accent5" accent6="accent6" hlink="hlink" folHlink="folHlink"/>
   </p:clrMapOvr>
 </p:sld>
 </file>
@@ -3994,7 +4598,7 @@
       </p:grpSpPr>
       <p:sp>
         <p:nvSpPr>
-          <p:cNvPr id="32" name="Rectangle 31">
+          <p:cNvPr id="11" name="Rectangle 10">
             <a:extLst>
               <a:ext uri="{FF2B5EF4-FFF2-40B4-BE49-F238E27FC236}">
                 <a16:creationId xmlns:a16="http://schemas.microsoft.com/office/drawing/2014/main" id="{C0B27210-D0CA-4654-B3E3-9ABB4F178EA1}"/>
@@ -4060,52 +4664,42 @@
       </p:sp>
       <p:sp>
         <p:nvSpPr>
-          <p:cNvPr id="7" name="Title 1"/>
-          <p:cNvSpPr txBox="1">
-            <a:spLocks/>
+          <p:cNvPr id="2" name="Title 1">
+            <a:extLst>
+              <a:ext uri="{FF2B5EF4-FFF2-40B4-BE49-F238E27FC236}">
+                <a16:creationId xmlns:a16="http://schemas.microsoft.com/office/drawing/2014/main" id="{77936936-A873-42CF-B54E-6F7B62A8FE71}"/>
+              </a:ext>
+            </a:extLst>
+          </p:cNvPr>
+          <p:cNvSpPr>
+            <a:spLocks noGrp="1"/>
           </p:cNvSpPr>
-          <p:nvPr/>
+          <p:nvPr>
+            <p:ph type="title"/>
+          </p:nvPr>
         </p:nvSpPr>
         <p:spPr>
           <a:xfrm>
             <a:off x="6746628" y="1783959"/>
             <a:ext cx="4645250" cy="2889114"/>
           </a:xfrm>
-          <a:prstGeom prst="rect">
-            <a:avLst/>
-          </a:prstGeom>
         </p:spPr>
         <p:txBody>
           <a:bodyPr vert="horz" lIns="91440" tIns="45720" rIns="91440" bIns="45720" rtlCol="0" anchor="b">
             <a:normAutofit/>
           </a:bodyPr>
-          <a:lstStyle>
-            <a:lvl1pPr algn="l" defTabSz="914400" rtl="0" eaLnBrk="1" latinLnBrk="0" hangingPunct="1">
+          <a:lstStyle/>
+          <a:p>
+            <a:pPr marL="457200" lvl="1" algn="l" rtl="0">
               <a:lnSpc>
                 <a:spcPct val="90000"/>
               </a:lnSpc>
               <a:spcBef>
                 <a:spcPct val="0"/>
               </a:spcBef>
-              <a:buNone/>
-              <a:defRPr sz="4400" kern="1200">
-                <a:solidFill>
-                  <a:schemeClr val="tx1"/>
-                </a:solidFill>
-                <a:latin typeface="+mj-lt"/>
-                <a:ea typeface="+mj-ea"/>
-                <a:cs typeface="+mj-cs"/>
-              </a:defRPr>
-            </a:lvl1pPr>
-          </a:lstStyle>
-          <a:p>
-            <a:pPr>
-              <a:spcAft>
-                <a:spcPts val="600"/>
-              </a:spcAft>
             </a:pPr>
             <a:r>
-              <a:rPr lang="en-US" sz="6000" kern="1200">
+              <a:rPr lang="en-US" sz="3200" kern="1200" dirty="0">
                 <a:solidFill>
                   <a:schemeClr val="bg1"/>
                 </a:solidFill>
@@ -4113,14 +4707,94 @@
                 <a:ea typeface="+mj-ea"/>
                 <a:cs typeface="+mj-cs"/>
               </a:rPr>
-              <a:t>Play Time!</a:t>
-            </a:r>
+              <a:t>So, What can I store?</a:t>
+            </a:r>
+            <a:br>
+              <a:rPr lang="en-US" sz="3200" kern="1200" dirty="0">
+                <a:solidFill>
+                  <a:schemeClr val="bg1"/>
+                </a:solidFill>
+                <a:latin typeface="+mj-lt"/>
+                <a:ea typeface="+mj-ea"/>
+                <a:cs typeface="+mj-cs"/>
+              </a:rPr>
+            </a:br>
+            <a:br>
+              <a:rPr lang="en-US" sz="2000" kern="1200" dirty="0">
+                <a:solidFill>
+                  <a:schemeClr val="bg1"/>
+                </a:solidFill>
+                <a:latin typeface="+mj-lt"/>
+                <a:ea typeface="+mj-ea"/>
+                <a:cs typeface="+mj-cs"/>
+              </a:rPr>
+            </a:br>
+            <a:r>
+              <a:rPr lang="en-US" sz="2000" kern="1200" dirty="0">
+                <a:solidFill>
+                  <a:schemeClr val="bg1"/>
+                </a:solidFill>
+                <a:latin typeface="+mj-lt"/>
+                <a:ea typeface="+mj-ea"/>
+                <a:cs typeface="+mj-cs"/>
+              </a:rPr>
+              <a:t>=&gt; Semi-structured (CSV, XML, other files...)</a:t>
+            </a:r>
+            <a:br>
+              <a:rPr lang="en-US" sz="2000" kern="1200" dirty="0">
+                <a:solidFill>
+                  <a:schemeClr val="bg1"/>
+                </a:solidFill>
+                <a:latin typeface="+mj-lt"/>
+                <a:ea typeface="+mj-ea"/>
+                <a:cs typeface="+mj-cs"/>
+              </a:rPr>
+            </a:br>
+            <a:br>
+              <a:rPr lang="en-US" sz="2000" kern="1200" dirty="0">
+                <a:solidFill>
+                  <a:schemeClr val="bg1"/>
+                </a:solidFill>
+                <a:latin typeface="+mj-lt"/>
+                <a:ea typeface="+mj-ea"/>
+                <a:cs typeface="+mj-cs"/>
+              </a:rPr>
+            </a:br>
+            <a:r>
+              <a:rPr lang="en-US" sz="2000" kern="1200" dirty="0">
+                <a:solidFill>
+                  <a:schemeClr val="bg1"/>
+                </a:solidFill>
+                <a:latin typeface="+mj-lt"/>
+                <a:ea typeface="+mj-ea"/>
+                <a:cs typeface="+mj-cs"/>
+              </a:rPr>
+              <a:t>=&gt; Un-structured (Image, Video, PDF, Document, Key/Value, Graph,..)</a:t>
+            </a:r>
+            <a:br>
+              <a:rPr lang="en-US" sz="2000" kern="1200" dirty="0">
+                <a:solidFill>
+                  <a:schemeClr val="bg1"/>
+                </a:solidFill>
+                <a:latin typeface="+mj-lt"/>
+                <a:ea typeface="+mj-ea"/>
+                <a:cs typeface="+mj-cs"/>
+              </a:rPr>
+            </a:br>
+            <a:endParaRPr lang="en-US" sz="2000" kern="1200" dirty="0">
+              <a:solidFill>
+                <a:schemeClr val="bg1"/>
+              </a:solidFill>
+              <a:latin typeface="+mj-lt"/>
+              <a:ea typeface="+mj-ea"/>
+              <a:cs typeface="+mj-cs"/>
+            </a:endParaRPr>
           </a:p>
         </p:txBody>
       </p:sp>
       <p:sp>
         <p:nvSpPr>
-          <p:cNvPr id="34" name="Freeform: Shape 33">
+          <p:cNvPr id="13" name="Freeform: Shape 12">
             <a:extLst>
               <a:ext uri="{FF2B5EF4-FFF2-40B4-BE49-F238E27FC236}">
                 <a16:creationId xmlns:a16="http://schemas.microsoft.com/office/drawing/2014/main" id="{1DB7C82F-AB7E-4F0C-B829-FA1B9C415180}"/>
@@ -4287,7 +4961,7 @@
       </p:sp>
       <p:sp>
         <p:nvSpPr>
-          <p:cNvPr id="36" name="Freeform: Shape 35">
+          <p:cNvPr id="15" name="Freeform: Shape 14">
             <a:extLst>
               <a:ext uri="{FF2B5EF4-FFF2-40B4-BE49-F238E27FC236}">
                 <a16:creationId xmlns:a16="http://schemas.microsoft.com/office/drawing/2014/main" id="{70B66945-4967-4040-926D-DCA44313CDAB}"/>
@@ -4452,10 +5126,10 @@
       </p:sp>
       <p:pic>
         <p:nvPicPr>
-          <p:cNvPr id="20" name="Graphic 19" descr="Game controller">
+          <p:cNvPr id="6" name="Graphic 5" descr="Shopping cart">
             <a:extLst>
               <a:ext uri="{FF2B5EF4-FFF2-40B4-BE49-F238E27FC236}">
-                <a16:creationId xmlns:a16="http://schemas.microsoft.com/office/drawing/2014/main" id="{BD5C9F0B-0710-4943-B1E7-10580408D24D}"/>
+                <a16:creationId xmlns:a16="http://schemas.microsoft.com/office/drawing/2014/main" id="{587F4DA6-CF5D-4C2E-8025-DF6EDCDF5726}"/>
               </a:ext>
             </a:extLst>
           </p:cNvPr>
@@ -4489,34 +5163,15 @@
           </a:prstGeom>
         </p:spPr>
       </p:pic>
-      <p:sp>
-        <p:nvSpPr>
-          <p:cNvPr id="2" name="Title 1" hidden="1"/>
-          <p:cNvSpPr>
-            <a:spLocks noGrp="1"/>
-          </p:cNvSpPr>
-          <p:nvPr>
-            <p:ph type="title"/>
-          </p:nvPr>
-        </p:nvSpPr>
-        <p:spPr/>
-        <p:txBody>
-          <a:bodyPr/>
-          <a:lstStyle/>
-          <a:p>
-            <a:endParaRPr lang="en-US" dirty="0"/>
-          </a:p>
-        </p:txBody>
-      </p:sp>
     </p:spTree>
     <p:extLst>
       <p:ext uri="{BB962C8B-B14F-4D97-AF65-F5344CB8AC3E}">
-        <p14:creationId xmlns:p14="http://schemas.microsoft.com/office/powerpoint/2010/main" val="1495756082"/>
+        <p14:creationId xmlns:p14="http://schemas.microsoft.com/office/powerpoint/2010/main" val="3356231617"/>
       </p:ext>
     </p:extLst>
   </p:cSld>
   <p:clrMapOvr>
-    <a:overrideClrMapping bg1="lt1" tx1="dk1" bg2="lt2" tx2="dk2" accent1="accent1" accent2="accent2" accent3="accent3" accent4="accent4" accent5="accent5" accent6="accent6" hlink="hlink" folHlink="folHlink"/>
+    <a:masterClrMapping/>
   </p:clrMapOvr>
 </p:sld>
 </file>
@@ -4548,98 +5203,10 @@
       </p:grpSpPr>
       <p:sp>
         <p:nvSpPr>
-          <p:cNvPr id="2" name="Title 1">
+          <p:cNvPr id="15" name="Rectangle 14">
             <a:extLst>
               <a:ext uri="{FF2B5EF4-FFF2-40B4-BE49-F238E27FC236}">
-                <a16:creationId xmlns:a16="http://schemas.microsoft.com/office/drawing/2014/main" id="{D1DFC740-E98C-4D1B-96D9-BFDF2FE0F1E7}"/>
-              </a:ext>
-            </a:extLst>
-          </p:cNvPr>
-          <p:cNvSpPr>
-            <a:spLocks noGrp="1"/>
-          </p:cNvSpPr>
-          <p:nvPr>
-            <p:ph type="title"/>
-          </p:nvPr>
-        </p:nvSpPr>
-        <p:spPr>
-          <a:xfrm>
-            <a:off x="1136428" y="627564"/>
-            <a:ext cx="7474172" cy="1325563"/>
-          </a:xfrm>
-        </p:spPr>
-        <p:txBody>
-          <a:bodyPr>
-            <a:normAutofit/>
-          </a:bodyPr>
-          <a:lstStyle/>
-          <a:p>
-            <a:r>
-              <a:rPr lang="en-US" dirty="0"/>
-              <a:t>Data Lake Analytics</a:t>
-            </a:r>
-          </a:p>
-        </p:txBody>
-      </p:sp>
-      <p:sp>
-        <p:nvSpPr>
-          <p:cNvPr id="3" name="Content Placeholder 2">
-            <a:extLst>
-              <a:ext uri="{FF2B5EF4-FFF2-40B4-BE49-F238E27FC236}">
-                <a16:creationId xmlns:a16="http://schemas.microsoft.com/office/drawing/2014/main" id="{C33E2DB0-AB25-48A2-89A1-D57DFF34F0A5}"/>
-              </a:ext>
-            </a:extLst>
-          </p:cNvPr>
-          <p:cNvSpPr>
-            <a:spLocks noGrp="1"/>
-          </p:cNvSpPr>
-          <p:nvPr>
-            <p:ph idx="1"/>
-          </p:nvPr>
-        </p:nvSpPr>
-        <p:spPr>
-          <a:xfrm>
-            <a:off x="1136429" y="2278173"/>
-            <a:ext cx="6467867" cy="3450613"/>
-          </a:xfrm>
-        </p:spPr>
-        <p:txBody>
-          <a:bodyPr anchor="ctr">
-            <a:normAutofit/>
-          </a:bodyPr>
-          <a:lstStyle/>
-          <a:p>
-            <a:r>
-              <a:rPr lang="en-US" sz="2400" dirty="0"/>
-              <a:t>Run Big Data analysis jobs that scale to massive data sets.</a:t>
-            </a:r>
-          </a:p>
-          <a:p>
-            <a:r>
-              <a:rPr lang="en-US" sz="2400" dirty="0"/>
-              <a:t>Create and manage batch, real-time and interactive analytics jobs.</a:t>
-            </a:r>
-          </a:p>
-          <a:p>
-            <a:r>
-              <a:rPr lang="en-US" sz="2400" dirty="0"/>
-              <a:t>Query using the U-SQL language.</a:t>
-            </a:r>
-          </a:p>
-          <a:p>
-            <a:r>
-              <a:rPr lang="en-US" sz="2400" dirty="0"/>
-              <a:t>Work with Visual Studio.</a:t>
-            </a:r>
-          </a:p>
-        </p:txBody>
-      </p:sp>
-      <p:sp>
-        <p:nvSpPr>
-          <p:cNvPr id="14" name="Rectangle 9">
-            <a:extLst>
-              <a:ext uri="{FF2B5EF4-FFF2-40B4-BE49-F238E27FC236}">
-                <a16:creationId xmlns:a16="http://schemas.microsoft.com/office/drawing/2014/main" id="{59A309A7-1751-4ABE-A3C1-EEC40366AD89}"/>
+                <a16:creationId xmlns:a16="http://schemas.microsoft.com/office/drawing/2014/main" id="{6753252F-4873-4F63-801D-CC719279A7D5}"/>
               </a:ext>
               <a:ext uri="{C183D7F6-B498-43B3-948B-1728B52AA6E4}">
                 <adec:decorative xmlns:adec="http://schemas.microsoft.com/office/drawing/2017/decorative" val="1"/>
@@ -4659,14 +5226,14 @@
         </p:nvSpPr>
         <p:spPr>
           <a:xfrm>
-            <a:off x="10088880" y="0"/>
-            <a:ext cx="2103120" cy="6858000"/>
+            <a:off x="0" y="0"/>
+            <a:ext cx="12192000" cy="6858000"/>
           </a:xfrm>
           <a:prstGeom prst="rect">
             <a:avLst/>
           </a:prstGeom>
           <a:solidFill>
-            <a:schemeClr val="accent1"/>
+            <a:srgbClr val="FFFFFF"/>
           </a:solidFill>
           <a:ln>
             <a:noFill/>
@@ -4699,10 +5266,10 @@
       </p:sp>
       <p:sp>
         <p:nvSpPr>
-          <p:cNvPr id="15" name="Oval 11">
+          <p:cNvPr id="17" name="Rectangle 16">
             <a:extLst>
               <a:ext uri="{FF2B5EF4-FFF2-40B4-BE49-F238E27FC236}">
-                <a16:creationId xmlns:a16="http://schemas.microsoft.com/office/drawing/2014/main" id="{967D8EB6-EAE1-4F9C-B398-83321E287204}"/>
+                <a16:creationId xmlns:a16="http://schemas.microsoft.com/office/drawing/2014/main" id="{047C8CCB-F95D-4249-92DD-651249D3535A}"/>
               </a:ext>
               <a:ext uri="{C183D7F6-B498-43B3-948B-1728B52AA6E4}">
                 <adec:decorative xmlns:adec="http://schemas.microsoft.com/office/drawing/2017/decorative" val="1"/>
@@ -4722,19 +5289,17 @@
         </p:nvSpPr>
         <p:spPr>
           <a:xfrm>
-            <a:off x="8915400" y="2358913"/>
-            <a:ext cx="2140172" cy="2140172"/>
+            <a:off x="0" y="0"/>
+            <a:ext cx="2013557" cy="6858000"/>
           </a:xfrm>
-          <a:prstGeom prst="ellipse">
+          <a:prstGeom prst="rect">
             <a:avLst/>
           </a:prstGeom>
           <a:solidFill>
-            <a:srgbClr val="FFFFFF"/>
+            <a:srgbClr val="7F7F7F"/>
           </a:solidFill>
-          <a:ln w="22225">
-            <a:solidFill>
-              <a:schemeClr val="accent1"/>
-            </a:solidFill>
+          <a:ln>
+            <a:noFill/>
           </a:ln>
         </p:spPr>
         <p:style>
@@ -4762,49 +5327,684 @@
           </a:p>
         </p:txBody>
       </p:sp>
-      <p:pic>
-        <p:nvPicPr>
-          <p:cNvPr id="16" name="Graphic 6" descr="Bar chart">
+      <p:sp>
+        <p:nvSpPr>
+          <p:cNvPr id="2" name="Title 1">
             <a:extLst>
               <a:ext uri="{FF2B5EF4-FFF2-40B4-BE49-F238E27FC236}">
-                <a16:creationId xmlns:a16="http://schemas.microsoft.com/office/drawing/2014/main" id="{B17B742C-D5DB-4F32-AE60-9516C6BA6EF8}"/>
+                <a16:creationId xmlns:a16="http://schemas.microsoft.com/office/drawing/2014/main" id="{D1DFC740-E98C-4D1B-96D9-BFDF2FE0F1E7}"/>
               </a:ext>
             </a:extLst>
           </p:cNvPr>
-          <p:cNvPicPr>
-            <a:picLocks noChangeAspect="1"/>
-          </p:cNvPicPr>
-          <p:nvPr/>
-        </p:nvPicPr>
-        <p:blipFill>
-          <a:blip r:embed="rId3">
-            <a:extLst>
-              <a:ext uri="{28A0092B-C50C-407E-A947-70E740481C1C}">
-                <a14:useLocalDpi xmlns:a14="http://schemas.microsoft.com/office/drawing/2010/main" val="0"/>
-              </a:ext>
-              <a:ext uri="{96DAC541-7B7A-43D3-8B79-37D633B846F1}">
-                <asvg:svgBlip xmlns:asvg="http://schemas.microsoft.com/office/drawing/2016/SVG/main" r:embed="rId4"/>
-              </a:ext>
-            </a:extLst>
-          </a:blip>
-          <a:stretch>
-            <a:fillRect/>
-          </a:stretch>
-        </p:blipFill>
+          <p:cNvSpPr>
+            <a:spLocks noGrp="1"/>
+          </p:cNvSpPr>
+          <p:nvPr>
+            <p:ph type="title"/>
+          </p:nvPr>
+        </p:nvSpPr>
         <p:spPr>
           <a:xfrm>
-            <a:off x="9413987" y="2857501"/>
-            <a:ext cx="1142998" cy="1142998"/>
+            <a:off x="640080" y="2074363"/>
+            <a:ext cx="2752354" cy="2709275"/>
+          </a:xfrm>
+          <a:prstGeom prst="ellipse">
+            <a:avLst/>
+          </a:prstGeom>
+          <a:solidFill>
+            <a:srgbClr val="262626"/>
+          </a:solidFill>
+          <a:ln w="174625" cmpd="thinThick">
+            <a:solidFill>
+              <a:srgbClr val="262626"/>
+            </a:solidFill>
+          </a:ln>
+        </p:spPr>
+        <p:txBody>
+          <a:bodyPr vert="horz" lIns="91440" tIns="45720" rIns="91440" bIns="45720" rtlCol="0" anchor="ctr">
+            <a:normAutofit/>
+          </a:bodyPr>
+          <a:lstStyle/>
+          <a:p>
+            <a:pPr algn="ctr"/>
+            <a:r>
+              <a:rPr lang="en-US" sz="2600" kern="1200" dirty="0">
+                <a:solidFill>
+                  <a:srgbClr val="FFFFFF"/>
+                </a:solidFill>
+                <a:latin typeface="+mj-lt"/>
+                <a:ea typeface="+mj-ea"/>
+                <a:cs typeface="+mj-cs"/>
+              </a:rPr>
+              <a:t>Blob </a:t>
+            </a:r>
+            <a:br>
+              <a:rPr lang="en-US" sz="2600" kern="1200" dirty="0">
+                <a:solidFill>
+                  <a:srgbClr val="FFFFFF"/>
+                </a:solidFill>
+                <a:latin typeface="+mj-lt"/>
+                <a:ea typeface="+mj-ea"/>
+                <a:cs typeface="+mj-cs"/>
+              </a:rPr>
+            </a:br>
+            <a:r>
+              <a:rPr lang="en-US" sz="2600" kern="1200" dirty="0">
+                <a:solidFill>
+                  <a:srgbClr val="FFFFFF"/>
+                </a:solidFill>
+                <a:latin typeface="+mj-lt"/>
+                <a:ea typeface="+mj-ea"/>
+                <a:cs typeface="+mj-cs"/>
+              </a:rPr>
+              <a:t>or</a:t>
+            </a:r>
+            <a:br>
+              <a:rPr lang="en-US" sz="2600" kern="1200" dirty="0">
+                <a:solidFill>
+                  <a:srgbClr val="FFFFFF"/>
+                </a:solidFill>
+                <a:latin typeface="+mj-lt"/>
+                <a:ea typeface="+mj-ea"/>
+                <a:cs typeface="+mj-cs"/>
+              </a:rPr>
+            </a:br>
+            <a:r>
+              <a:rPr lang="en-US" sz="2600" kern="1200" dirty="0">
+                <a:solidFill>
+                  <a:srgbClr val="FFFFFF"/>
+                </a:solidFill>
+                <a:latin typeface="+mj-lt"/>
+                <a:ea typeface="+mj-ea"/>
+                <a:cs typeface="+mj-cs"/>
+              </a:rPr>
+              <a:t>Data Lake</a:t>
+            </a:r>
+          </a:p>
+        </p:txBody>
+      </p:sp>
+      <p:graphicFrame>
+        <p:nvGraphicFramePr>
+          <p:cNvPr id="5" name="Content Placeholder 4">
+            <a:extLst>
+              <a:ext uri="{FF2B5EF4-FFF2-40B4-BE49-F238E27FC236}">
+                <a16:creationId xmlns:a16="http://schemas.microsoft.com/office/drawing/2014/main" id="{B6BD677E-19C8-4F97-A400-3759EDE8A102}"/>
+              </a:ext>
+            </a:extLst>
+          </p:cNvPr>
+          <p:cNvGraphicFramePr>
+            <a:graphicFrameLocks noGrp="1"/>
+          </p:cNvGraphicFramePr>
+          <p:nvPr>
+            <p:ph idx="1"/>
+            <p:extLst>
+              <p:ext uri="{D42A27DB-BD31-4B8C-83A1-F6EECF244321}">
+                <p14:modId xmlns:p14="http://schemas.microsoft.com/office/powerpoint/2010/main" val="4153802624"/>
+              </p:ext>
+            </p:extLst>
+          </p:nvPr>
+        </p:nvGraphicFramePr>
+        <p:xfrm>
+          <a:off x="4038600" y="1157348"/>
+          <a:ext cx="7188200" cy="4539918"/>
+        </p:xfrm>
+        <a:graphic>
+          <a:graphicData uri="http://schemas.openxmlformats.org/drawingml/2006/table">
+            <a:tbl>
+              <a:tblPr firstRow="1" bandRow="1">
+                <a:noFill/>
+                <a:tableStyleId>{5C22544A-7EE6-4342-B048-85BDC9FD1C3A}</a:tableStyleId>
+              </a:tblPr>
+              <a:tblGrid>
+                <a:gridCol w="3553507">
+                  <a:extLst>
+                    <a:ext uri="{9D8B030D-6E8A-4147-A177-3AD203B41FA5}">
+                      <a16:colId xmlns:a16="http://schemas.microsoft.com/office/drawing/2014/main" val="1921880753"/>
+                    </a:ext>
+                  </a:extLst>
+                </a:gridCol>
+                <a:gridCol w="3634693">
+                  <a:extLst>
+                    <a:ext uri="{9D8B030D-6E8A-4147-A177-3AD203B41FA5}">
+                      <a16:colId xmlns:a16="http://schemas.microsoft.com/office/drawing/2014/main" val="4128458057"/>
+                    </a:ext>
+                  </a:extLst>
+                </a:gridCol>
+              </a:tblGrid>
+              <a:tr h="631302">
+                <a:tc>
+                  <a:txBody>
+                    <a:bodyPr/>
+                    <a:lstStyle/>
+                    <a:p>
+                      <a:r>
+                        <a:rPr lang="en-US" sz="2300" b="1" dirty="0">
+                          <a:solidFill>
+                            <a:schemeClr val="tx1">
+                              <a:lumMod val="75000"/>
+                              <a:lumOff val="25000"/>
+                            </a:schemeClr>
+                          </a:solidFill>
+                        </a:rPr>
+                        <a:t>Azure Blob</a:t>
+                      </a:r>
+                    </a:p>
+                  </a:txBody>
+                  <a:tcPr marL="233815" marR="175362" marT="116908" marB="116908">
+                    <a:lnL w="12700" cmpd="sng">
+                      <a:noFill/>
+                      <a:prstDash val="solid"/>
+                    </a:lnL>
+                    <a:lnR w="12700" cmpd="sng">
+                      <a:noFill/>
+                      <a:prstDash val="solid"/>
+                    </a:lnR>
+                    <a:lnT w="9525" cap="flat" cmpd="sng" algn="ctr">
+                      <a:noFill/>
+                      <a:prstDash val="solid"/>
+                    </a:lnT>
+                    <a:lnB w="9525" cap="flat" cmpd="sng" algn="ctr">
+                      <a:solidFill>
+                        <a:srgbClr val="C7C6C1"/>
+                      </a:solidFill>
+                      <a:prstDash val="solid"/>
+                    </a:lnB>
+                    <a:noFill/>
+                  </a:tcPr>
+                </a:tc>
+                <a:tc>
+                  <a:txBody>
+                    <a:bodyPr/>
+                    <a:lstStyle/>
+                    <a:p>
+                      <a:r>
+                        <a:rPr lang="en-US" sz="2300" b="1" dirty="0">
+                          <a:solidFill>
+                            <a:schemeClr val="tx1">
+                              <a:lumMod val="75000"/>
+                              <a:lumOff val="25000"/>
+                            </a:schemeClr>
+                          </a:solidFill>
+                        </a:rPr>
+                        <a:t>Azure Data Lake</a:t>
+                      </a:r>
+                    </a:p>
+                  </a:txBody>
+                  <a:tcPr marL="233815" marR="175362" marT="116908" marB="116908">
+                    <a:lnL w="12700" cmpd="sng">
+                      <a:noFill/>
+                      <a:prstDash val="solid"/>
+                    </a:lnL>
+                    <a:lnR w="12700" cmpd="sng">
+                      <a:noFill/>
+                      <a:prstDash val="solid"/>
+                    </a:lnR>
+                    <a:lnT w="9525" cap="flat" cmpd="sng" algn="ctr">
+                      <a:noFill/>
+                      <a:prstDash val="solid"/>
+                    </a:lnT>
+                    <a:lnB w="9525" cap="flat" cmpd="sng" algn="ctr">
+                      <a:solidFill>
+                        <a:srgbClr val="C7C6C1"/>
+                      </a:solidFill>
+                      <a:prstDash val="solid"/>
+                    </a:lnB>
+                    <a:noFill/>
+                  </a:tcPr>
+                </a:tc>
+                <a:extLst>
+                  <a:ext uri="{0D108BD9-81ED-4DB2-BD59-A6C34878D82A}">
+                    <a16:rowId xmlns:a16="http://schemas.microsoft.com/office/drawing/2014/main" val="156637423"/>
+                  </a:ext>
+                </a:extLst>
+              </a:tr>
+              <a:tr h="787179">
+                <a:tc>
+                  <a:txBody>
+                    <a:bodyPr/>
+                    <a:lstStyle/>
+                    <a:p>
+                      <a:r>
+                        <a:rPr lang="en-US" sz="1700" dirty="0">
+                          <a:solidFill>
+                            <a:schemeClr val="tx1">
+                              <a:lumMod val="75000"/>
+                              <a:lumOff val="25000"/>
+                            </a:schemeClr>
+                          </a:solidFill>
+                        </a:rPr>
+                        <a:t>For non-text files like images, videos</a:t>
+                      </a:r>
+                    </a:p>
+                  </a:txBody>
+                  <a:tcPr marL="233815" marR="175362" marT="116908" marB="116908">
+                    <a:lnL w="12700" cmpd="sng">
+                      <a:noFill/>
+                      <a:prstDash val="solid"/>
+                    </a:lnL>
+                    <a:lnR w="12700" cmpd="sng">
+                      <a:noFill/>
+                      <a:prstDash val="solid"/>
+                    </a:lnR>
+                    <a:lnT w="9525" cap="flat" cmpd="sng" algn="ctr">
+                      <a:solidFill>
+                        <a:srgbClr val="C7C6C1"/>
+                      </a:solidFill>
+                      <a:prstDash val="solid"/>
+                    </a:lnT>
+                    <a:lnB w="9525" cap="flat" cmpd="sng" algn="ctr">
+                      <a:solidFill>
+                        <a:srgbClr val="C7C6C1"/>
+                      </a:solidFill>
+                      <a:prstDash val="solid"/>
+                    </a:lnB>
+                    <a:noFill/>
+                  </a:tcPr>
+                </a:tc>
+                <a:tc>
+                  <a:txBody>
+                    <a:bodyPr/>
+                    <a:lstStyle/>
+                    <a:p>
+                      <a:r>
+                        <a:rPr lang="en-US" sz="1700" dirty="0">
+                          <a:solidFill>
+                            <a:schemeClr val="tx1">
+                              <a:lumMod val="75000"/>
+                              <a:lumOff val="25000"/>
+                            </a:schemeClr>
+                          </a:solidFill>
+                        </a:rPr>
+                        <a:t>For text files like CSV, XML, Json</a:t>
+                      </a:r>
+                    </a:p>
+                  </a:txBody>
+                  <a:tcPr marL="233815" marR="175362" marT="116908" marB="116908">
+                    <a:lnL w="12700" cmpd="sng">
+                      <a:noFill/>
+                      <a:prstDash val="solid"/>
+                    </a:lnL>
+                    <a:lnR w="12700" cmpd="sng">
+                      <a:noFill/>
+                      <a:prstDash val="solid"/>
+                    </a:lnR>
+                    <a:lnT w="9525" cap="flat" cmpd="sng" algn="ctr">
+                      <a:solidFill>
+                        <a:srgbClr val="C7C6C1"/>
+                      </a:solidFill>
+                      <a:prstDash val="solid"/>
+                    </a:lnT>
+                    <a:lnB w="9525" cap="flat" cmpd="sng" algn="ctr">
+                      <a:solidFill>
+                        <a:srgbClr val="C7C6C1"/>
+                      </a:solidFill>
+                      <a:prstDash val="solid"/>
+                    </a:lnB>
+                    <a:noFill/>
+                  </a:tcPr>
+                </a:tc>
+                <a:extLst>
+                  <a:ext uri="{0D108BD9-81ED-4DB2-BD59-A6C34878D82A}">
+                    <a16:rowId xmlns:a16="http://schemas.microsoft.com/office/drawing/2014/main" val="2665863048"/>
+                  </a:ext>
+                </a:extLst>
+              </a:tr>
+              <a:tr h="1040479">
+                <a:tc>
+                  <a:txBody>
+                    <a:bodyPr/>
+                    <a:lstStyle/>
+                    <a:p>
+                      <a:r>
+                        <a:rPr lang="en-US" sz="1700" dirty="0">
+                          <a:solidFill>
+                            <a:schemeClr val="tx1">
+                              <a:lumMod val="75000"/>
+                              <a:lumOff val="25000"/>
+                            </a:schemeClr>
+                          </a:solidFill>
+                        </a:rPr>
+                        <a:t>Not integrated with Azure AD</a:t>
+                      </a:r>
+                    </a:p>
+                  </a:txBody>
+                  <a:tcPr marL="233815" marR="175362" marT="116908" marB="116908">
+                    <a:lnL w="12700" cmpd="sng">
+                      <a:noFill/>
+                      <a:prstDash val="solid"/>
+                    </a:lnL>
+                    <a:lnR w="12700" cmpd="sng">
+                      <a:noFill/>
+                      <a:prstDash val="solid"/>
+                    </a:lnR>
+                    <a:lnT w="9525" cap="flat" cmpd="sng" algn="ctr">
+                      <a:solidFill>
+                        <a:srgbClr val="C7C6C1"/>
+                      </a:solidFill>
+                      <a:prstDash val="solid"/>
+                    </a:lnT>
+                    <a:lnB w="9525" cap="flat" cmpd="sng" algn="ctr">
+                      <a:solidFill>
+                        <a:srgbClr val="C7C6C1"/>
+                      </a:solidFill>
+                      <a:prstDash val="solid"/>
+                    </a:lnB>
+                    <a:noFill/>
+                  </a:tcPr>
+                </a:tc>
+                <a:tc>
+                  <a:txBody>
+                    <a:bodyPr/>
+                    <a:lstStyle/>
+                    <a:p>
+                      <a:r>
+                        <a:rPr lang="en-US" sz="1700" dirty="0">
+                          <a:solidFill>
+                            <a:schemeClr val="tx1">
+                              <a:lumMod val="75000"/>
+                              <a:lumOff val="25000"/>
+                            </a:schemeClr>
+                          </a:solidFill>
+                        </a:rPr>
+                        <a:t>Tightly integrated with Azure AD. i.e. We can set access controls over files we store here.</a:t>
+                      </a:r>
+                    </a:p>
+                  </a:txBody>
+                  <a:tcPr marL="233815" marR="175362" marT="116908" marB="116908">
+                    <a:lnL w="12700" cmpd="sng">
+                      <a:noFill/>
+                      <a:prstDash val="solid"/>
+                    </a:lnL>
+                    <a:lnR w="12700" cmpd="sng">
+                      <a:noFill/>
+                      <a:prstDash val="solid"/>
+                    </a:lnR>
+                    <a:lnT w="9525" cap="flat" cmpd="sng" algn="ctr">
+                      <a:solidFill>
+                        <a:srgbClr val="C7C6C1"/>
+                      </a:solidFill>
+                      <a:prstDash val="solid"/>
+                    </a:lnT>
+                    <a:lnB w="9525" cap="flat" cmpd="sng" algn="ctr">
+                      <a:solidFill>
+                        <a:srgbClr val="C7C6C1"/>
+                      </a:solidFill>
+                      <a:prstDash val="solid"/>
+                    </a:lnB>
+                    <a:noFill/>
+                  </a:tcPr>
+                </a:tc>
+                <a:extLst>
+                  <a:ext uri="{0D108BD9-81ED-4DB2-BD59-A6C34878D82A}">
+                    <a16:rowId xmlns:a16="http://schemas.microsoft.com/office/drawing/2014/main" val="2419628635"/>
+                  </a:ext>
+                </a:extLst>
+              </a:tr>
+              <a:tr h="787179">
+                <a:tc>
+                  <a:txBody>
+                    <a:bodyPr/>
+                    <a:lstStyle/>
+                    <a:p>
+                      <a:r>
+                        <a:rPr lang="en-US" sz="1700" dirty="0">
+                          <a:solidFill>
+                            <a:schemeClr val="tx1">
+                              <a:lumMod val="75000"/>
+                              <a:lumOff val="25000"/>
+                            </a:schemeClr>
+                          </a:solidFill>
+                        </a:rPr>
+                        <a:t>Cost is based on accessing (hot &amp; cool access tier)</a:t>
+                      </a:r>
+                    </a:p>
+                  </a:txBody>
+                  <a:tcPr marL="233815" marR="175362" marT="116908" marB="116908">
+                    <a:lnL w="12700" cmpd="sng">
+                      <a:noFill/>
+                      <a:prstDash val="solid"/>
+                    </a:lnL>
+                    <a:lnR w="12700" cmpd="sng">
+                      <a:noFill/>
+                      <a:prstDash val="solid"/>
+                    </a:lnR>
+                    <a:lnT w="9525" cap="flat" cmpd="sng" algn="ctr">
+                      <a:solidFill>
+                        <a:srgbClr val="C7C6C1"/>
+                      </a:solidFill>
+                      <a:prstDash val="solid"/>
+                    </a:lnT>
+                    <a:lnB w="9525" cap="flat" cmpd="sng" algn="ctr">
+                      <a:solidFill>
+                        <a:srgbClr val="C7C6C1"/>
+                      </a:solidFill>
+                      <a:prstDash val="solid"/>
+                    </a:lnB>
+                    <a:noFill/>
+                  </a:tcPr>
+                </a:tc>
+                <a:tc>
+                  <a:txBody>
+                    <a:bodyPr/>
+                    <a:lstStyle/>
+                    <a:p>
+                      <a:r>
+                        <a:rPr lang="en-US" sz="1700" dirty="0">
+                          <a:solidFill>
+                            <a:schemeClr val="tx1">
+                              <a:lumMod val="75000"/>
+                              <a:lumOff val="25000"/>
+                            </a:schemeClr>
+                          </a:solidFill>
+                        </a:rPr>
+                        <a:t>Cost is based on amount of Storage we use</a:t>
+                      </a:r>
+                    </a:p>
+                  </a:txBody>
+                  <a:tcPr marL="233815" marR="175362" marT="116908" marB="116908">
+                    <a:lnL w="12700" cmpd="sng">
+                      <a:noFill/>
+                      <a:prstDash val="solid"/>
+                    </a:lnL>
+                    <a:lnR w="12700" cmpd="sng">
+                      <a:noFill/>
+                      <a:prstDash val="solid"/>
+                    </a:lnR>
+                    <a:lnT w="9525" cap="flat" cmpd="sng" algn="ctr">
+                      <a:solidFill>
+                        <a:srgbClr val="C7C6C1"/>
+                      </a:solidFill>
+                      <a:prstDash val="solid"/>
+                    </a:lnT>
+                    <a:lnB w="9525" cap="flat" cmpd="sng" algn="ctr">
+                      <a:solidFill>
+                        <a:srgbClr val="C7C6C1"/>
+                      </a:solidFill>
+                      <a:prstDash val="solid"/>
+                    </a:lnB>
+                    <a:noFill/>
+                  </a:tcPr>
+                </a:tc>
+                <a:extLst>
+                  <a:ext uri="{0D108BD9-81ED-4DB2-BD59-A6C34878D82A}">
+                    <a16:rowId xmlns:a16="http://schemas.microsoft.com/office/drawing/2014/main" val="595667150"/>
+                  </a:ext>
+                </a:extLst>
+              </a:tr>
+              <a:tr h="1293779">
+                <a:tc>
+                  <a:txBody>
+                    <a:bodyPr/>
+                    <a:lstStyle/>
+                    <a:p>
+                      <a:r>
+                        <a:rPr lang="en-US" sz="1700" dirty="0">
+                          <a:solidFill>
+                            <a:schemeClr val="tx1">
+                              <a:lumMod val="75000"/>
+                              <a:lumOff val="25000"/>
+                            </a:schemeClr>
+                          </a:solidFill>
+                        </a:rPr>
+                        <a:t>Meant for storage</a:t>
+                      </a:r>
+                    </a:p>
+                  </a:txBody>
+                  <a:tcPr marL="233815" marR="175362" marT="116908" marB="116908">
+                    <a:lnL w="12700" cmpd="sng">
+                      <a:noFill/>
+                      <a:prstDash val="solid"/>
+                    </a:lnL>
+                    <a:lnR w="12700" cmpd="sng">
+                      <a:noFill/>
+                      <a:prstDash val="solid"/>
+                    </a:lnR>
+                    <a:lnT w="9525" cap="flat" cmpd="sng" algn="ctr">
+                      <a:solidFill>
+                        <a:srgbClr val="C7C6C1"/>
+                      </a:solidFill>
+                      <a:prstDash val="solid"/>
+                    </a:lnT>
+                    <a:lnB w="9525" cap="flat" cmpd="sng" algn="ctr">
+                      <a:solidFill>
+                        <a:srgbClr val="C7C6C1"/>
+                      </a:solidFill>
+                      <a:prstDash val="solid"/>
+                    </a:lnB>
+                    <a:noFill/>
+                  </a:tcPr>
+                </a:tc>
+                <a:tc>
+                  <a:txBody>
+                    <a:bodyPr/>
+                    <a:lstStyle/>
+                    <a:p>
+                      <a:r>
+                        <a:rPr lang="en-US" sz="1700" dirty="0">
+                          <a:solidFill>
+                            <a:schemeClr val="tx1">
+                              <a:lumMod val="75000"/>
+                              <a:lumOff val="25000"/>
+                            </a:schemeClr>
+                          </a:solidFill>
+                        </a:rPr>
+                        <a:t>Meant more for Analytics and tight integration with BigData environment (</a:t>
+                      </a:r>
+                      <a:r>
+                        <a:rPr lang="en-US" sz="1700" dirty="0" err="1">
+                          <a:solidFill>
+                            <a:schemeClr val="tx1">
+                              <a:lumMod val="75000"/>
+                              <a:lumOff val="25000"/>
+                            </a:schemeClr>
+                          </a:solidFill>
+                        </a:rPr>
+                        <a:t>HdInsight</a:t>
+                      </a:r>
+                      <a:r>
+                        <a:rPr lang="en-US" sz="1700" dirty="0">
+                          <a:solidFill>
+                            <a:schemeClr val="tx1">
+                              <a:lumMod val="75000"/>
+                              <a:lumOff val="25000"/>
+                            </a:schemeClr>
+                          </a:solidFill>
+                        </a:rPr>
+                        <a:t>, Any native tool like Hadoop, Spark…)</a:t>
+                      </a:r>
+                    </a:p>
+                  </a:txBody>
+                  <a:tcPr marL="233815" marR="175362" marT="116908" marB="116908">
+                    <a:lnL w="12700" cmpd="sng">
+                      <a:noFill/>
+                      <a:prstDash val="solid"/>
+                    </a:lnL>
+                    <a:lnR w="12700" cmpd="sng">
+                      <a:noFill/>
+                      <a:prstDash val="solid"/>
+                    </a:lnR>
+                    <a:lnT w="9525" cap="flat" cmpd="sng" algn="ctr">
+                      <a:solidFill>
+                        <a:srgbClr val="C7C6C1"/>
+                      </a:solidFill>
+                      <a:prstDash val="solid"/>
+                    </a:lnT>
+                    <a:lnB w="9525" cap="flat" cmpd="sng" algn="ctr">
+                      <a:solidFill>
+                        <a:srgbClr val="C7C6C1"/>
+                      </a:solidFill>
+                      <a:prstDash val="solid"/>
+                    </a:lnB>
+                    <a:noFill/>
+                  </a:tcPr>
+                </a:tc>
+                <a:extLst>
+                  <a:ext uri="{0D108BD9-81ED-4DB2-BD59-A6C34878D82A}">
+                    <a16:rowId xmlns:a16="http://schemas.microsoft.com/office/drawing/2014/main" val="772825050"/>
+                  </a:ext>
+                </a:extLst>
+              </a:tr>
+            </a:tbl>
+          </a:graphicData>
+        </a:graphic>
+      </p:graphicFrame>
+      <p:sp>
+        <p:nvSpPr>
+          <p:cNvPr id="3" name="TextBox 2">
+            <a:extLst>
+              <a:ext uri="{FF2B5EF4-FFF2-40B4-BE49-F238E27FC236}">
+                <a16:creationId xmlns:a16="http://schemas.microsoft.com/office/drawing/2014/main" id="{223F9A21-057A-4EAE-AD2A-AD13C76C5C08}"/>
+              </a:ext>
+            </a:extLst>
+          </p:cNvPr>
+          <p:cNvSpPr txBox="1"/>
+          <p:nvPr/>
+        </p:nvSpPr>
+        <p:spPr>
+          <a:xfrm>
+            <a:off x="2013557" y="5857102"/>
+            <a:ext cx="10089685" cy="646331"/>
           </a:xfrm>
           <a:prstGeom prst="rect">
             <a:avLst/>
           </a:prstGeom>
+          <a:noFill/>
         </p:spPr>
-      </p:pic>
+        <p:txBody>
+          <a:bodyPr wrap="none" rtlCol="0">
+            <a:spAutoFit/>
+          </a:bodyPr>
+          <a:lstStyle/>
+          <a:p>
+            <a:r>
+              <a:rPr lang="en-US" dirty="0"/>
+              <a:t>Find more here</a:t>
+            </a:r>
+            <a:br>
+              <a:rPr lang="en-US" dirty="0"/>
+            </a:br>
+            <a:r>
+              <a:rPr lang="en-US" dirty="0"/>
+              <a:t> - </a:t>
+            </a:r>
+            <a:r>
+              <a:rPr lang="en-US" dirty="0">
+                <a:hlinkClick r:id="rId3"/>
+              </a:rPr>
+              <a:t>https://docs.microsoft.com/en-us/azure/data-lake-store/data-lake-store-comparison-with-blob-storage</a:t>
+            </a:r>
+            <a:r>
+              <a:rPr lang="en-US" dirty="0"/>
+              <a:t> </a:t>
+            </a:r>
+            <a:endParaRPr lang="en-IN" dirty="0"/>
+          </a:p>
+        </p:txBody>
+      </p:sp>
     </p:spTree>
     <p:extLst>
       <p:ext uri="{BB962C8B-B14F-4D97-AF65-F5344CB8AC3E}">
-        <p14:creationId xmlns:p14="http://schemas.microsoft.com/office/powerpoint/2010/main" val="2196034314"/>
+        <p14:creationId xmlns:p14="http://schemas.microsoft.com/office/powerpoint/2010/main" val="1095325821"/>
       </p:ext>
     </p:extLst>
   </p:cSld>
@@ -4841,7 +6041,7 @@
       </p:grpSpPr>
       <p:sp>
         <p:nvSpPr>
-          <p:cNvPr id="25" name="Rectangle 24">
+          <p:cNvPr id="32" name="Rectangle 31">
             <a:extLst>
               <a:ext uri="{FF2B5EF4-FFF2-40B4-BE49-F238E27FC236}">
                 <a16:creationId xmlns:a16="http://schemas.microsoft.com/office/drawing/2014/main" id="{C0B27210-D0CA-4654-B3E3-9ABB4F178EA1}"/>
@@ -4952,7 +6152,7 @@
               </a:spcAft>
             </a:pPr>
             <a:r>
-              <a:rPr lang="en-US" sz="6000" kern="1200">
+              <a:rPr lang="en-US" sz="6000" kern="1200" dirty="0">
                 <a:solidFill>
                   <a:schemeClr val="bg1"/>
                 </a:solidFill>
@@ -4967,7 +6167,7 @@
       </p:sp>
       <p:sp>
         <p:nvSpPr>
-          <p:cNvPr id="27" name="Freeform: Shape 26">
+          <p:cNvPr id="34" name="Freeform: Shape 33">
             <a:extLst>
               <a:ext uri="{FF2B5EF4-FFF2-40B4-BE49-F238E27FC236}">
                 <a16:creationId xmlns:a16="http://schemas.microsoft.com/office/drawing/2014/main" id="{1DB7C82F-AB7E-4F0C-B829-FA1B9C415180}"/>
@@ -5134,7 +6334,7 @@
       </p:sp>
       <p:sp>
         <p:nvSpPr>
-          <p:cNvPr id="29" name="Freeform: Shape 28">
+          <p:cNvPr id="36" name="Freeform: Shape 35">
             <a:extLst>
               <a:ext uri="{FF2B5EF4-FFF2-40B4-BE49-F238E27FC236}">
                 <a16:creationId xmlns:a16="http://schemas.microsoft.com/office/drawing/2014/main" id="{70B66945-4967-4040-926D-DCA44313CDAB}"/>
@@ -5312,13 +6512,13 @@
           <p:nvPr/>
         </p:nvPicPr>
         <p:blipFill>
-          <a:blip r:embed="rId2">
+          <a:blip r:embed="rId3">
             <a:extLst>
               <a:ext uri="{28A0092B-C50C-407E-A947-70E740481C1C}">
                 <a14:useLocalDpi xmlns:a14="http://schemas.microsoft.com/office/drawing/2010/main" val="0"/>
               </a:ext>
               <a:ext uri="{96DAC541-7B7A-43D3-8B79-37D633B846F1}">
-                <asvg:svgBlip xmlns:asvg="http://schemas.microsoft.com/office/drawing/2016/SVG/main" r:embed="rId3"/>
+                <asvg:svgBlip xmlns:asvg="http://schemas.microsoft.com/office/drawing/2016/SVG/main" r:embed="rId4"/>
               </a:ext>
             </a:extLst>
           </a:blip>
@@ -5358,12 +6558,12 @@
     </p:spTree>
     <p:extLst>
       <p:ext uri="{BB962C8B-B14F-4D97-AF65-F5344CB8AC3E}">
-        <p14:creationId xmlns:p14="http://schemas.microsoft.com/office/powerpoint/2010/main" val="3950535276"/>
+        <p14:creationId xmlns:p14="http://schemas.microsoft.com/office/powerpoint/2010/main" val="1495756082"/>
       </p:ext>
     </p:extLst>
   </p:cSld>
   <p:clrMapOvr>
-    <a:masterClrMapping/>
+    <a:overrideClrMapping bg1="lt1" tx1="dk1" bg2="lt2" tx2="dk2" accent1="accent1" accent2="accent2" accent3="accent3" accent4="accent4" accent5="accent5" accent6="accent6" hlink="hlink" folHlink="folHlink"/>
   </p:clrMapOvr>
 </p:sld>
 </file>
@@ -5371,792 +6571,10 @@
 <file path=ppt/slides/slide14.xml><?xml version="1.0" encoding="utf-8"?>
 <p:sld xmlns:a="http://schemas.openxmlformats.org/drawingml/2006/main" xmlns:r="http://schemas.openxmlformats.org/officeDocument/2006/relationships" xmlns:p="http://schemas.openxmlformats.org/presentationml/2006/main">
   <p:cSld>
-    <p:spTree>
-      <p:nvGrpSpPr>
-        <p:cNvPr id="1" name=""/>
-        <p:cNvGrpSpPr/>
-        <p:nvPr/>
-      </p:nvGrpSpPr>
-      <p:grpSpPr>
-        <a:xfrm>
-          <a:off x="0" y="0"/>
-          <a:ext cx="0" cy="0"/>
-          <a:chOff x="0" y="0"/>
-          <a:chExt cx="0" cy="0"/>
-        </a:xfrm>
-      </p:grpSpPr>
-      <p:sp>
-        <p:nvSpPr>
-          <p:cNvPr id="2" name="Title 1">
-            <a:extLst>
-              <a:ext uri="{FF2B5EF4-FFF2-40B4-BE49-F238E27FC236}">
-                <a16:creationId xmlns:a16="http://schemas.microsoft.com/office/drawing/2014/main" id="{D1DFC740-E98C-4D1B-96D9-BFDF2FE0F1E7}"/>
-              </a:ext>
-            </a:extLst>
-          </p:cNvPr>
-          <p:cNvSpPr>
-            <a:spLocks noGrp="1"/>
-          </p:cNvSpPr>
-          <p:nvPr>
-            <p:ph type="title"/>
-          </p:nvPr>
-        </p:nvSpPr>
-        <p:spPr/>
-        <p:txBody>
-          <a:bodyPr/>
-          <a:lstStyle/>
-          <a:p>
-            <a:r>
-              <a:rPr lang="en-US" dirty="0"/>
-              <a:t>Why BigData</a:t>
-            </a:r>
-          </a:p>
-        </p:txBody>
-      </p:sp>
-      <p:sp>
-        <p:nvSpPr>
-          <p:cNvPr id="3" name="Content Placeholder 2">
-            <a:extLst>
-              <a:ext uri="{FF2B5EF4-FFF2-40B4-BE49-F238E27FC236}">
-                <a16:creationId xmlns:a16="http://schemas.microsoft.com/office/drawing/2014/main" id="{C33E2DB0-AB25-48A2-89A1-D57DFF34F0A5}"/>
-              </a:ext>
-            </a:extLst>
-          </p:cNvPr>
-          <p:cNvSpPr>
-            <a:spLocks noGrp="1"/>
-          </p:cNvSpPr>
-          <p:nvPr>
-            <p:ph idx="1"/>
-          </p:nvPr>
-        </p:nvSpPr>
-        <p:spPr/>
-        <p:txBody>
-          <a:bodyPr/>
-          <a:lstStyle/>
-          <a:p>
-            <a:r>
-              <a:rPr lang="en-US" dirty="0"/>
-              <a:t>Cost reduction.</a:t>
-            </a:r>
-          </a:p>
-          <a:p>
-            <a:r>
-              <a:rPr lang="en-US" dirty="0"/>
-              <a:t>Hybrid storage options,</a:t>
-            </a:r>
-          </a:p>
-          <a:p>
-            <a:pPr lvl="1"/>
-            <a:r>
-              <a:rPr lang="en-US" dirty="0"/>
-              <a:t>Mostly used – SQL Server</a:t>
-            </a:r>
-          </a:p>
-          <a:p>
-            <a:pPr lvl="1"/>
-            <a:r>
-              <a:rPr lang="en-US" dirty="0"/>
-              <a:t>Rarely used like logs – Azure Blob</a:t>
-            </a:r>
-          </a:p>
-          <a:p>
-            <a:endParaRPr lang="en-US" dirty="0"/>
-          </a:p>
-          <a:p>
-            <a:r>
-              <a:rPr lang="en-US" dirty="0"/>
-              <a:t>AI , Analytics, Cloud are also in picture of Big Data.</a:t>
-            </a:r>
-          </a:p>
-          <a:p>
-            <a:endParaRPr lang="en-US" dirty="0"/>
-          </a:p>
-          <a:p>
-            <a:r>
-              <a:rPr lang="en-US" dirty="0"/>
-              <a:t>Empowers management to make better decisions analyzing more about their work.</a:t>
-            </a:r>
-          </a:p>
-        </p:txBody>
-      </p:sp>
-    </p:spTree>
-    <p:extLst>
-      <p:ext uri="{BB962C8B-B14F-4D97-AF65-F5344CB8AC3E}">
-        <p14:creationId xmlns:p14="http://schemas.microsoft.com/office/powerpoint/2010/main" val="463510590"/>
-      </p:ext>
-    </p:extLst>
-  </p:cSld>
-  <p:clrMapOvr>
-    <a:masterClrMapping/>
-  </p:clrMapOvr>
-</p:sld>
-</file>
-
-<file path=ppt/slides/slide15.xml><?xml version="1.0" encoding="utf-8"?>
-<p:sld xmlns:a="http://schemas.openxmlformats.org/drawingml/2006/main" xmlns:r="http://schemas.openxmlformats.org/officeDocument/2006/relationships" xmlns:p="http://schemas.openxmlformats.org/presentationml/2006/main">
-  <p:cSld>
-    <p:spTree>
-      <p:nvGrpSpPr>
-        <p:cNvPr id="1" name=""/>
-        <p:cNvGrpSpPr/>
-        <p:nvPr/>
-      </p:nvGrpSpPr>
-      <p:grpSpPr>
-        <a:xfrm>
-          <a:off x="0" y="0"/>
-          <a:ext cx="0" cy="0"/>
-          <a:chOff x="0" y="0"/>
-          <a:chExt cx="0" cy="0"/>
-        </a:xfrm>
-      </p:grpSpPr>
-      <p:sp>
-        <p:nvSpPr>
-          <p:cNvPr id="2" name="Title 1" hidden="1"/>
-          <p:cNvSpPr>
-            <a:spLocks noGrp="1"/>
-          </p:cNvSpPr>
-          <p:nvPr>
-            <p:ph type="title"/>
-          </p:nvPr>
-        </p:nvSpPr>
-        <p:spPr/>
-        <p:txBody>
-          <a:bodyPr/>
-          <a:lstStyle/>
-          <a:p>
-            <a:endParaRPr lang="en-US" dirty="0"/>
-          </a:p>
-        </p:txBody>
-      </p:sp>
-      <p:sp>
-        <p:nvSpPr>
-          <p:cNvPr id="7" name="Title 1"/>
-          <p:cNvSpPr txBox="1">
-            <a:spLocks/>
-          </p:cNvSpPr>
-          <p:nvPr/>
-        </p:nvSpPr>
-        <p:spPr>
-          <a:xfrm>
-            <a:off x="403747" y="1022492"/>
-            <a:ext cx="8139752" cy="4463908"/>
-          </a:xfrm>
-          <a:prstGeom prst="rect">
-            <a:avLst/>
-          </a:prstGeom>
-        </p:spPr>
-        <p:txBody>
-          <a:bodyPr vert="horz" lIns="91440" tIns="45720" rIns="91440" bIns="45720" rtlCol="0" anchor="ctr">
-            <a:normAutofit/>
-          </a:bodyPr>
-          <a:lstStyle>
-            <a:lvl1pPr algn="l" defTabSz="914400" rtl="0" eaLnBrk="1" latinLnBrk="0" hangingPunct="1">
-              <a:lnSpc>
-                <a:spcPct val="90000"/>
-              </a:lnSpc>
-              <a:spcBef>
-                <a:spcPct val="0"/>
-              </a:spcBef>
-              <a:buNone/>
-              <a:defRPr sz="4400" kern="1200">
-                <a:solidFill>
-                  <a:schemeClr val="tx1"/>
-                </a:solidFill>
-                <a:latin typeface="+mj-lt"/>
-                <a:ea typeface="+mj-ea"/>
-                <a:cs typeface="+mj-cs"/>
-              </a:defRPr>
-            </a:lvl1pPr>
-          </a:lstStyle>
-          <a:p>
-            <a:r>
-              <a:rPr lang="en-US" sz="3200" dirty="0">
-                <a:solidFill>
-                  <a:schemeClr val="bg1"/>
-                </a:solidFill>
-                <a:latin typeface="Segoe UI" panose="020B0502040204020203" pitchFamily="34" charset="0"/>
-                <a:ea typeface="Segoe UI" panose="020B0502040204020203" pitchFamily="34" charset="0"/>
-                <a:cs typeface="Segoe UI" panose="020B0502040204020203" pitchFamily="34" charset="0"/>
-              </a:rPr>
-              <a:t>Enter Text</a:t>
-            </a:r>
-          </a:p>
-        </p:txBody>
-      </p:sp>
-      <p:pic>
-        <p:nvPicPr>
-          <p:cNvPr id="4" name="Picture 3"/>
-          <p:cNvPicPr>
-            <a:picLocks noChangeAspect="1"/>
-          </p:cNvPicPr>
-          <p:nvPr/>
-        </p:nvPicPr>
-        <p:blipFill>
-          <a:blip r:embed="rId3">
-            <a:extLst>
-              <a:ext uri="{28A0092B-C50C-407E-A947-70E740481C1C}">
-                <a14:useLocalDpi xmlns:a14="http://schemas.microsoft.com/office/drawing/2010/main" val="0"/>
-              </a:ext>
-            </a:extLst>
-          </a:blip>
-          <a:stretch>
-            <a:fillRect/>
-          </a:stretch>
-        </p:blipFill>
-        <p:spPr>
-          <a:xfrm>
-            <a:off x="0" y="4180"/>
-            <a:ext cx="12192000" cy="6849639"/>
-          </a:xfrm>
-          <a:prstGeom prst="rect">
-            <a:avLst/>
-          </a:prstGeom>
-        </p:spPr>
-      </p:pic>
-      <p:sp>
-        <p:nvSpPr>
-          <p:cNvPr id="6" name="TextBox 5"/>
-          <p:cNvSpPr txBox="1"/>
-          <p:nvPr/>
-        </p:nvSpPr>
-        <p:spPr>
-          <a:xfrm>
-            <a:off x="403747" y="1874676"/>
-            <a:ext cx="9754044" cy="1015663"/>
-          </a:xfrm>
-          <a:prstGeom prst="rect">
-            <a:avLst/>
-          </a:prstGeom>
-          <a:noFill/>
-        </p:spPr>
-        <p:txBody>
-          <a:bodyPr wrap="square" rtlCol="0">
-            <a:spAutoFit/>
-          </a:bodyPr>
-          <a:lstStyle/>
-          <a:p>
-            <a:pPr marL="342900" lvl="0" indent="-342900">
-              <a:buFont typeface="Arial" panose="020B0604020202020204" pitchFamily="34" charset="0"/>
-              <a:buChar char="•"/>
-            </a:pPr>
-            <a:r>
-              <a:rPr lang="en-US" sz="3000" dirty="0"/>
-              <a:t>https://blogs.msdn.microsoft.com/azuredatalake/</a:t>
-            </a:r>
-          </a:p>
-          <a:p>
-            <a:pPr marL="342900" lvl="0" indent="-342900">
-              <a:buFont typeface="Arial" panose="020B0604020202020204" pitchFamily="34" charset="0"/>
-              <a:buChar char="•"/>
-            </a:pPr>
-            <a:endParaRPr lang="en-US" sz="3000" dirty="0"/>
-          </a:p>
-        </p:txBody>
-      </p:sp>
-      <p:sp>
-        <p:nvSpPr>
-          <p:cNvPr id="3" name="Rectangle 2">
-            <a:extLst>
-              <a:ext uri="{FF2B5EF4-FFF2-40B4-BE49-F238E27FC236}">
-                <a16:creationId xmlns:a16="http://schemas.microsoft.com/office/drawing/2014/main" id="{5DECC70E-2EDD-4E20-B4C1-240F4C3DD4B7}"/>
-              </a:ext>
-            </a:extLst>
-          </p:cNvPr>
-          <p:cNvSpPr/>
-          <p:nvPr/>
-        </p:nvSpPr>
-        <p:spPr>
-          <a:xfrm>
-            <a:off x="403747" y="848564"/>
-            <a:ext cx="9754044" cy="707886"/>
-          </a:xfrm>
-          <a:prstGeom prst="rect">
-            <a:avLst/>
-          </a:prstGeom>
-          <a:noFill/>
-        </p:spPr>
-        <p:txBody>
-          <a:bodyPr wrap="square" lIns="91440" tIns="45720" rIns="91440" bIns="45720">
-            <a:spAutoFit/>
-          </a:bodyPr>
-          <a:lstStyle/>
-          <a:p>
-            <a:r>
-              <a:rPr lang="en-US" sz="4000" dirty="0">
-                <a:ln w="0"/>
-                <a:effectLst>
-                  <a:outerShdw blurRad="38100" dist="19050" dir="2700000" algn="tl" rotWithShape="0">
-                    <a:schemeClr val="dk1">
-                      <a:alpha val="40000"/>
-                    </a:schemeClr>
-                  </a:outerShdw>
-                </a:effectLst>
-              </a:rPr>
-              <a:t>References</a:t>
-            </a:r>
-          </a:p>
-        </p:txBody>
-      </p:sp>
-    </p:spTree>
-    <p:extLst>
-      <p:ext uri="{BB962C8B-B14F-4D97-AF65-F5344CB8AC3E}">
-        <p14:creationId xmlns:p14="http://schemas.microsoft.com/office/powerpoint/2010/main" val="3797604941"/>
-      </p:ext>
-    </p:extLst>
-  </p:cSld>
-  <p:clrMapOvr>
-    <a:masterClrMapping/>
-  </p:clrMapOvr>
-</p:sld>
-</file>
-
-<file path=ppt/slides/slide16.xml><?xml version="1.0" encoding="utf-8"?>
-<p:sld xmlns:a="http://schemas.openxmlformats.org/drawingml/2006/main" xmlns:r="http://schemas.openxmlformats.org/officeDocument/2006/relationships" xmlns:p="http://schemas.openxmlformats.org/presentationml/2006/main">
-  <p:cSld>
-    <p:spTree>
-      <p:nvGrpSpPr>
-        <p:cNvPr id="1" name=""/>
-        <p:cNvGrpSpPr/>
-        <p:nvPr/>
-      </p:nvGrpSpPr>
-      <p:grpSpPr>
-        <a:xfrm>
-          <a:off x="0" y="0"/>
-          <a:ext cx="0" cy="0"/>
-          <a:chOff x="0" y="0"/>
-          <a:chExt cx="0" cy="0"/>
-        </a:xfrm>
-      </p:grpSpPr>
-      <p:sp>
-        <p:nvSpPr>
-          <p:cNvPr id="2" name="Title 1" hidden="1"/>
-          <p:cNvSpPr>
-            <a:spLocks noGrp="1"/>
-          </p:cNvSpPr>
-          <p:nvPr>
-            <p:ph type="title"/>
-          </p:nvPr>
-        </p:nvSpPr>
-        <p:spPr/>
-        <p:txBody>
-          <a:bodyPr/>
-          <a:lstStyle/>
-          <a:p>
-            <a:endParaRPr lang="en-US" dirty="0"/>
-          </a:p>
-        </p:txBody>
-      </p:sp>
-      <p:sp>
-        <p:nvSpPr>
-          <p:cNvPr id="7" name="Title 1"/>
-          <p:cNvSpPr txBox="1">
-            <a:spLocks/>
-          </p:cNvSpPr>
-          <p:nvPr/>
-        </p:nvSpPr>
-        <p:spPr>
-          <a:xfrm>
-            <a:off x="403747" y="1022492"/>
-            <a:ext cx="8139752" cy="4463908"/>
-          </a:xfrm>
-          <a:prstGeom prst="rect">
-            <a:avLst/>
-          </a:prstGeom>
-        </p:spPr>
-        <p:txBody>
-          <a:bodyPr vert="horz" lIns="91440" tIns="45720" rIns="91440" bIns="45720" rtlCol="0" anchor="ctr">
-            <a:normAutofit/>
-          </a:bodyPr>
-          <a:lstStyle>
-            <a:lvl1pPr algn="l" defTabSz="914400" rtl="0" eaLnBrk="1" latinLnBrk="0" hangingPunct="1">
-              <a:lnSpc>
-                <a:spcPct val="90000"/>
-              </a:lnSpc>
-              <a:spcBef>
-                <a:spcPct val="0"/>
-              </a:spcBef>
-              <a:buNone/>
-              <a:defRPr sz="4400" kern="1200">
-                <a:solidFill>
-                  <a:schemeClr val="tx1"/>
-                </a:solidFill>
-                <a:latin typeface="+mj-lt"/>
-                <a:ea typeface="+mj-ea"/>
-                <a:cs typeface="+mj-cs"/>
-              </a:defRPr>
-            </a:lvl1pPr>
-          </a:lstStyle>
-          <a:p>
-            <a:r>
-              <a:rPr lang="en-US" sz="3200" dirty="0">
-                <a:solidFill>
-                  <a:schemeClr val="bg1"/>
-                </a:solidFill>
-                <a:latin typeface="Segoe UI" panose="020B0502040204020203" pitchFamily="34" charset="0"/>
-                <a:ea typeface="Segoe UI" panose="020B0502040204020203" pitchFamily="34" charset="0"/>
-                <a:cs typeface="Segoe UI" panose="020B0502040204020203" pitchFamily="34" charset="0"/>
-              </a:rPr>
-              <a:t>Enter Text</a:t>
-            </a:r>
-          </a:p>
-        </p:txBody>
-      </p:sp>
-      <p:pic>
-        <p:nvPicPr>
-          <p:cNvPr id="4" name="Picture 3"/>
-          <p:cNvPicPr>
-            <a:picLocks noChangeAspect="1"/>
-          </p:cNvPicPr>
-          <p:nvPr/>
-        </p:nvPicPr>
-        <p:blipFill>
-          <a:blip r:embed="rId2">
-            <a:extLst>
-              <a:ext uri="{28A0092B-C50C-407E-A947-70E740481C1C}">
-                <a14:useLocalDpi xmlns:a14="http://schemas.microsoft.com/office/drawing/2010/main" val="0"/>
-              </a:ext>
-            </a:extLst>
-          </a:blip>
-          <a:stretch>
-            <a:fillRect/>
-          </a:stretch>
-        </p:blipFill>
-        <p:spPr>
-          <a:xfrm>
-            <a:off x="0" y="4180"/>
-            <a:ext cx="12192000" cy="6849639"/>
-          </a:xfrm>
-          <a:prstGeom prst="rect">
-            <a:avLst/>
-          </a:prstGeom>
-        </p:spPr>
-      </p:pic>
-      <p:sp>
-        <p:nvSpPr>
-          <p:cNvPr id="5" name="Rectangle 4">
-            <a:extLst>
-              <a:ext uri="{FF2B5EF4-FFF2-40B4-BE49-F238E27FC236}">
-                <a16:creationId xmlns:a16="http://schemas.microsoft.com/office/drawing/2014/main" id="{95D344C9-CBA8-4BF1-8CA0-979B03AD54B2}"/>
-              </a:ext>
-            </a:extLst>
-          </p:cNvPr>
-          <p:cNvSpPr/>
-          <p:nvPr/>
-        </p:nvSpPr>
-        <p:spPr>
-          <a:xfrm>
-            <a:off x="4147053" y="1026522"/>
-            <a:ext cx="3491918" cy="923330"/>
-          </a:xfrm>
-          <a:prstGeom prst="rect">
-            <a:avLst/>
-          </a:prstGeom>
-          <a:noFill/>
-        </p:spPr>
-        <p:txBody>
-          <a:bodyPr wrap="none" lIns="91440" tIns="45720" rIns="91440" bIns="45720">
-            <a:spAutoFit/>
-          </a:bodyPr>
-          <a:lstStyle/>
-          <a:p>
-            <a:pPr algn="ctr"/>
-            <a:r>
-              <a:rPr lang="en-US" sz="5400" dirty="0">
-                <a:ln w="0"/>
-                <a:effectLst>
-                  <a:outerShdw blurRad="38100" dist="19050" dir="2700000" algn="tl" rotWithShape="0">
-                    <a:schemeClr val="dk1">
-                      <a:alpha val="40000"/>
-                    </a:schemeClr>
-                  </a:outerShdw>
-                </a:effectLst>
-              </a:rPr>
-              <a:t>Questions ?</a:t>
-            </a:r>
-          </a:p>
-        </p:txBody>
-      </p:sp>
-      <p:sp>
-        <p:nvSpPr>
-          <p:cNvPr id="13" name="TextBox 12">
-            <a:extLst>
-              <a:ext uri="{FF2B5EF4-FFF2-40B4-BE49-F238E27FC236}">
-                <a16:creationId xmlns:a16="http://schemas.microsoft.com/office/drawing/2014/main" id="{00F1E887-74F5-4F95-8509-56E70256AA1E}"/>
-              </a:ext>
-            </a:extLst>
-          </p:cNvPr>
-          <p:cNvSpPr txBox="1"/>
-          <p:nvPr/>
-        </p:nvSpPr>
-        <p:spPr>
-          <a:xfrm>
-            <a:off x="1135469" y="4446550"/>
-            <a:ext cx="3338154" cy="430887"/>
-          </a:xfrm>
-          <a:prstGeom prst="rect">
-            <a:avLst/>
-          </a:prstGeom>
-          <a:noFill/>
-        </p:spPr>
-        <p:txBody>
-          <a:bodyPr wrap="square" rtlCol="0">
-            <a:spAutoFit/>
-          </a:bodyPr>
-          <a:lstStyle/>
-          <a:p>
-            <a:r>
-              <a:rPr lang="en-US" sz="2200" dirty="0">
-                <a:solidFill>
-                  <a:schemeClr val="tx2"/>
-                </a:solidFill>
-                <a:ea typeface="Segoe UI" panose="020B0502040204020203" pitchFamily="34" charset="0"/>
-                <a:cs typeface="Segoe UI" panose="020B0502040204020203" pitchFamily="34" charset="0"/>
-                <a:hlinkClick r:id="rId3">
-                  <a:extLst>
-                    <a:ext uri="{A12FA001-AC4F-418D-AE19-62706E023703}">
-                      <ahyp:hlinkClr xmlns:ahyp="http://schemas.microsoft.com/office/drawing/2018/hyperlinkcolor" val="tx"/>
-                    </a:ext>
-                  </a:extLst>
-                </a:hlinkClick>
-              </a:rPr>
-              <a:t>dinesarun@hotmail.com</a:t>
-            </a:r>
-            <a:endParaRPr lang="en-US" sz="2200" dirty="0">
-              <a:solidFill>
-                <a:schemeClr val="tx2"/>
-              </a:solidFill>
-              <a:ea typeface="Segoe UI" panose="020B0502040204020203" pitchFamily="34" charset="0"/>
-              <a:cs typeface="Segoe UI" panose="020B0502040204020203" pitchFamily="34" charset="0"/>
-            </a:endParaRPr>
-          </a:p>
-        </p:txBody>
-      </p:sp>
-      <p:pic>
-        <p:nvPicPr>
-          <p:cNvPr id="14" name="Picture 13">
-            <a:extLst>
-              <a:ext uri="{FF2B5EF4-FFF2-40B4-BE49-F238E27FC236}">
-                <a16:creationId xmlns:a16="http://schemas.microsoft.com/office/drawing/2014/main" id="{D9A53123-1833-40CC-9E6E-D6BC945D047F}"/>
-              </a:ext>
-            </a:extLst>
-          </p:cNvPr>
-          <p:cNvPicPr>
-            <a:picLocks noChangeAspect="1"/>
-          </p:cNvPicPr>
-          <p:nvPr/>
-        </p:nvPicPr>
-        <p:blipFill>
-          <a:blip r:embed="rId4" cstate="print">
-            <a:extLst>
-              <a:ext uri="{28A0092B-C50C-407E-A947-70E740481C1C}">
-                <a14:useLocalDpi xmlns:a14="http://schemas.microsoft.com/office/drawing/2010/main" val="0"/>
-              </a:ext>
-            </a:extLst>
-          </a:blip>
-          <a:stretch>
-            <a:fillRect/>
-          </a:stretch>
-        </p:blipFill>
-        <p:spPr>
-          <a:xfrm>
-            <a:off x="655144" y="5033112"/>
-            <a:ext cx="400110" cy="400110"/>
-          </a:xfrm>
-          <a:prstGeom prst="rect">
-            <a:avLst/>
-          </a:prstGeom>
-        </p:spPr>
-      </p:pic>
-      <p:sp>
-        <p:nvSpPr>
-          <p:cNvPr id="15" name="Rectangle 14">
-            <a:extLst>
-              <a:ext uri="{FF2B5EF4-FFF2-40B4-BE49-F238E27FC236}">
-                <a16:creationId xmlns:a16="http://schemas.microsoft.com/office/drawing/2014/main" id="{0E39F9F4-E445-43D1-9F4C-AF8E0478CF7E}"/>
-              </a:ext>
-            </a:extLst>
-          </p:cNvPr>
-          <p:cNvSpPr/>
-          <p:nvPr/>
-        </p:nvSpPr>
-        <p:spPr>
-          <a:xfrm>
-            <a:off x="1135469" y="5017723"/>
-            <a:ext cx="1535546" cy="430887"/>
-          </a:xfrm>
-          <a:prstGeom prst="rect">
-            <a:avLst/>
-          </a:prstGeom>
-        </p:spPr>
-        <p:txBody>
-          <a:bodyPr wrap="square">
-            <a:spAutoFit/>
-          </a:bodyPr>
-          <a:lstStyle/>
-          <a:p>
-            <a:r>
-              <a:rPr lang="en-US" sz="2200" dirty="0">
-                <a:solidFill>
-                  <a:schemeClr val="tx2"/>
-                </a:solidFill>
-                <a:ea typeface="Segoe UI" panose="020B0502040204020203" pitchFamily="34" charset="0"/>
-                <a:cs typeface="Segoe UI" panose="020B0502040204020203" pitchFamily="34" charset="0"/>
-              </a:rPr>
-              <a:t>dinuswt22</a:t>
-            </a:r>
-          </a:p>
-        </p:txBody>
-      </p:sp>
-      <p:sp>
-        <p:nvSpPr>
-          <p:cNvPr id="20" name="Rectangle 19">
-            <a:extLst>
-              <a:ext uri="{FF2B5EF4-FFF2-40B4-BE49-F238E27FC236}">
-                <a16:creationId xmlns:a16="http://schemas.microsoft.com/office/drawing/2014/main" id="{F64071A0-A47D-4532-945E-A9470B1BCDDF}"/>
-              </a:ext>
-            </a:extLst>
-          </p:cNvPr>
-          <p:cNvSpPr/>
-          <p:nvPr/>
-        </p:nvSpPr>
-        <p:spPr>
-          <a:xfrm>
-            <a:off x="1135469" y="3899138"/>
-            <a:ext cx="5664949" cy="430887"/>
-          </a:xfrm>
-          <a:prstGeom prst="rect">
-            <a:avLst/>
-          </a:prstGeom>
-        </p:spPr>
-        <p:txBody>
-          <a:bodyPr wrap="none">
-            <a:spAutoFit/>
-          </a:bodyPr>
-          <a:lstStyle/>
-          <a:p>
-            <a:r>
-              <a:rPr lang="en-US" sz="2200" dirty="0">
-                <a:ln w="0"/>
-                <a:solidFill>
-                  <a:schemeClr val="tx2"/>
-                </a:solidFill>
-                <a:hlinkClick r:id="rId5">
-                  <a:extLst>
-                    <a:ext uri="{A12FA001-AC4F-418D-AE19-62706E023703}">
-                      <ahyp:hlinkClr xmlns:ahyp="http://schemas.microsoft.com/office/drawing/2018/hyperlinkcolor" val="tx"/>
-                    </a:ext>
-                  </a:extLst>
-                </a:hlinkClick>
-              </a:rPr>
-              <a:t>https://github.com/dinesarun/azurevidyapeeth</a:t>
-            </a:r>
-            <a:r>
-              <a:rPr lang="en-US" sz="2200" dirty="0">
-                <a:ln w="0"/>
-                <a:solidFill>
-                  <a:schemeClr val="tx2"/>
-                </a:solidFill>
-              </a:rPr>
-              <a:t> </a:t>
-            </a:r>
-          </a:p>
-        </p:txBody>
-      </p:sp>
-      <p:pic>
-        <p:nvPicPr>
-          <p:cNvPr id="23" name="Picture 22">
-            <a:extLst>
-              <a:ext uri="{FF2B5EF4-FFF2-40B4-BE49-F238E27FC236}">
-                <a16:creationId xmlns:a16="http://schemas.microsoft.com/office/drawing/2014/main" id="{A9B0461C-AB70-4460-BF27-62E823D6EF90}"/>
-              </a:ext>
-            </a:extLst>
-          </p:cNvPr>
-          <p:cNvPicPr>
-            <a:picLocks noChangeAspect="1"/>
-          </p:cNvPicPr>
-          <p:nvPr/>
-        </p:nvPicPr>
-        <p:blipFill>
-          <a:blip r:embed="rId6" cstate="print">
-            <a:extLst>
-              <a:ext uri="{28A0092B-C50C-407E-A947-70E740481C1C}">
-                <a14:useLocalDpi xmlns:a14="http://schemas.microsoft.com/office/drawing/2010/main" val="0"/>
-              </a:ext>
-            </a:extLst>
-          </a:blip>
-          <a:stretch>
-            <a:fillRect/>
-          </a:stretch>
-        </p:blipFill>
-        <p:spPr>
-          <a:xfrm>
-            <a:off x="655145" y="3914527"/>
-            <a:ext cx="400110" cy="400110"/>
-          </a:xfrm>
-          <a:prstGeom prst="rect">
-            <a:avLst/>
-          </a:prstGeom>
-        </p:spPr>
-      </p:pic>
-      <p:pic>
-        <p:nvPicPr>
-          <p:cNvPr id="17" name="Picture 16">
-            <a:extLst>
-              <a:ext uri="{FF2B5EF4-FFF2-40B4-BE49-F238E27FC236}">
-                <a16:creationId xmlns:a16="http://schemas.microsoft.com/office/drawing/2014/main" id="{ECB69F6C-E75C-4C2B-B650-D04154C65845}"/>
-              </a:ext>
-            </a:extLst>
-          </p:cNvPr>
-          <p:cNvPicPr>
-            <a:picLocks noChangeAspect="1"/>
-          </p:cNvPicPr>
-          <p:nvPr/>
-        </p:nvPicPr>
-        <p:blipFill>
-          <a:blip r:embed="rId7" cstate="print">
-            <a:extLst>
-              <a:ext uri="{28A0092B-C50C-407E-A947-70E740481C1C}">
-                <a14:useLocalDpi xmlns:a14="http://schemas.microsoft.com/office/drawing/2010/main" val="0"/>
-              </a:ext>
-            </a:extLst>
-          </a:blip>
-          <a:stretch>
-            <a:fillRect/>
-          </a:stretch>
-        </p:blipFill>
-        <p:spPr>
-          <a:xfrm>
-            <a:off x="624367" y="4446550"/>
-            <a:ext cx="430887" cy="430887"/>
-          </a:xfrm>
-          <a:prstGeom prst="rect">
-            <a:avLst/>
-          </a:prstGeom>
-        </p:spPr>
-      </p:pic>
-    </p:spTree>
-    <p:extLst>
-      <p:ext uri="{BB962C8B-B14F-4D97-AF65-F5344CB8AC3E}">
-        <p14:creationId xmlns:p14="http://schemas.microsoft.com/office/powerpoint/2010/main" val="445054829"/>
-      </p:ext>
-    </p:extLst>
-  </p:cSld>
-  <p:clrMapOvr>
-    <a:masterClrMapping/>
-  </p:clrMapOvr>
-</p:sld>
-</file>
-
-<file path=ppt/slides/slide2.xml><?xml version="1.0" encoding="utf-8"?>
-<p:sld xmlns:a="http://schemas.openxmlformats.org/drawingml/2006/main" xmlns:r="http://schemas.openxmlformats.org/officeDocument/2006/relationships" xmlns:p="http://schemas.openxmlformats.org/presentationml/2006/main">
-  <p:cSld>
     <p:bg>
       <p:bgPr>
         <a:solidFill>
-          <a:schemeClr val="bg1">
-            <a:tint val="95000"/>
-            <a:satMod val="170000"/>
-          </a:schemeClr>
+          <a:schemeClr val="bg1"/>
         </a:solidFill>
         <a:effectLst/>
       </p:bgPr>
@@ -6177,10 +6595,10 @@
       </p:grpSpPr>
       <p:sp>
         <p:nvSpPr>
-          <p:cNvPr id="12" name="Rectangle 11">
+          <p:cNvPr id="33" name="Rectangle 27">
             <a:extLst>
               <a:ext uri="{FF2B5EF4-FFF2-40B4-BE49-F238E27FC236}">
-                <a16:creationId xmlns:a16="http://schemas.microsoft.com/office/drawing/2014/main" id="{5B336162-B533-4EFE-8BB3-8EBB4A5E32F8}"/>
+                <a16:creationId xmlns:a16="http://schemas.microsoft.com/office/drawing/2014/main" id="{56C20283-73E0-40EC-8AD8-057F581F64C2}"/>
               </a:ext>
               <a:ext uri="{C183D7F6-B498-43B3-948B-1728B52AA6E4}">
                 <adec:decorative xmlns:adec="http://schemas.microsoft.com/office/drawing/2017/decorative" val="1"/>
@@ -6200,14 +6618,14 @@
         </p:nvSpPr>
         <p:spPr>
           <a:xfrm>
-            <a:off x="0" y="0"/>
-            <a:ext cx="5314384" cy="6858000"/>
+            <a:off x="1524" y="0"/>
+            <a:ext cx="12188952" cy="6858000"/>
           </a:xfrm>
           <a:prstGeom prst="rect">
             <a:avLst/>
           </a:prstGeom>
           <a:solidFill>
-            <a:srgbClr val="D0CECE"/>
+            <a:schemeClr val="tx1"/>
           </a:solidFill>
           <a:ln>
             <a:noFill/>
@@ -6240,128 +6658,236 @@
       </p:sp>
       <p:sp>
         <p:nvSpPr>
-          <p:cNvPr id="7" name="Title 1"/>
-          <p:cNvSpPr txBox="1">
-            <a:spLocks/>
+          <p:cNvPr id="34" name="Freeform 28">
+            <a:extLst>
+              <a:ext uri="{FF2B5EF4-FFF2-40B4-BE49-F238E27FC236}">
+                <a16:creationId xmlns:a16="http://schemas.microsoft.com/office/drawing/2014/main" id="{3FCC729B-E528-40C3-82D3-BA4375575E87}"/>
+              </a:ext>
+              <a:ext uri="{C183D7F6-B498-43B3-948B-1728B52AA6E4}">
+                <adec:decorative xmlns:adec="http://schemas.microsoft.com/office/drawing/2017/decorative" val="1"/>
+              </a:ext>
+            </a:extLst>
+          </p:cNvPr>
+          <p:cNvSpPr>
+            <a:spLocks noGrp="1" noRot="1" noChangeAspect="1" noMove="1" noResize="1" noEditPoints="1" noAdjustHandles="1" noChangeArrowheads="1" noChangeShapeType="1" noTextEdit="1"/>
           </p:cNvSpPr>
-          <p:nvPr/>
+          <p:nvPr>
+            <p:extLst>
+              <p:ext uri="{386F3935-93C4-4BCD-93E2-E3B085C9AB24}">
+                <p16:designElem xmlns:p16="http://schemas.microsoft.com/office/powerpoint/2015/main" val="1"/>
+              </p:ext>
+            </p:extLst>
+          </p:nvPr>
         </p:nvSpPr>
         <p:spPr>
-          <a:xfrm>
-            <a:off x="6049182" y="802638"/>
-            <a:ext cx="5408696" cy="5252722"/>
+          <a:xfrm flipH="1" flipV="1">
+            <a:off x="960120" y="0"/>
+            <a:ext cx="11218661" cy="6858000"/>
           </a:xfrm>
-          <a:prstGeom prst="rect">
+          <a:custGeom>
             <a:avLst/>
-          </a:prstGeom>
+            <a:gdLst>
+              <a:gd name="connsiteX0" fmla="*/ 0 w 11218661"/>
+              <a:gd name="connsiteY0" fmla="*/ 0 h 6858000"/>
+              <a:gd name="connsiteX1" fmla="*/ 8042507 w 11218661"/>
+              <a:gd name="connsiteY1" fmla="*/ 0 h 6858000"/>
+              <a:gd name="connsiteX2" fmla="*/ 11218661 w 11218661"/>
+              <a:gd name="connsiteY2" fmla="*/ 6858000 h 6858000"/>
+              <a:gd name="connsiteX3" fmla="*/ 0 w 11218661"/>
+              <a:gd name="connsiteY3" fmla="*/ 6858000 h 6858000"/>
+            </a:gdLst>
+            <a:ahLst/>
+            <a:cxnLst>
+              <a:cxn ang="0">
+                <a:pos x="connsiteX0" y="connsiteY0"/>
+              </a:cxn>
+              <a:cxn ang="0">
+                <a:pos x="connsiteX1" y="connsiteY1"/>
+              </a:cxn>
+              <a:cxn ang="0">
+                <a:pos x="connsiteX2" y="connsiteY2"/>
+              </a:cxn>
+              <a:cxn ang="0">
+                <a:pos x="connsiteX3" y="connsiteY3"/>
+              </a:cxn>
+            </a:cxnLst>
+            <a:rect l="l" t="t" r="r" b="b"/>
+            <a:pathLst>
+              <a:path w="11218661" h="6858000">
+                <a:moveTo>
+                  <a:pt x="0" y="0"/>
+                </a:moveTo>
+                <a:lnTo>
+                  <a:pt x="8042507" y="0"/>
+                </a:lnTo>
+                <a:lnTo>
+                  <a:pt x="11218661" y="6858000"/>
+                </a:lnTo>
+                <a:lnTo>
+                  <a:pt x="0" y="6858000"/>
+                </a:lnTo>
+                <a:close/>
+              </a:path>
+            </a:pathLst>
+          </a:custGeom>
+          <a:solidFill>
+            <a:schemeClr val="bg1">
+              <a:lumMod val="85000"/>
+              <a:lumOff val="15000"/>
+              <a:alpha val="70000"/>
+            </a:schemeClr>
+          </a:solidFill>
+          <a:ln>
+            <a:noFill/>
+          </a:ln>
         </p:spPr>
+        <p:style>
+          <a:lnRef idx="2">
+            <a:schemeClr val="accent1">
+              <a:shade val="50000"/>
+            </a:schemeClr>
+          </a:lnRef>
+          <a:fillRef idx="1">
+            <a:schemeClr val="accent1"/>
+          </a:fillRef>
+          <a:effectRef idx="0">
+            <a:schemeClr val="accent1"/>
+          </a:effectRef>
+          <a:fontRef idx="minor">
+            <a:schemeClr val="lt1"/>
+          </a:fontRef>
+        </p:style>
         <p:txBody>
-          <a:bodyPr vert="horz" lIns="91440" tIns="45720" rIns="91440" bIns="45720" rtlCol="0" anchor="ctr">
-            <a:normAutofit/>
+          <a:bodyPr wrap="square" rtlCol="0" anchor="ctr">
+            <a:noAutofit/>
           </a:bodyPr>
-          <a:lstStyle>
-            <a:lvl1pPr algn="l" defTabSz="914400" rtl="0" eaLnBrk="1" latinLnBrk="0" hangingPunct="1">
-              <a:lnSpc>
-                <a:spcPct val="90000"/>
-              </a:lnSpc>
-              <a:spcBef>
-                <a:spcPct val="0"/>
-              </a:spcBef>
-              <a:buNone/>
-              <a:defRPr sz="4400" kern="1200">
-                <a:solidFill>
-                  <a:schemeClr val="tx1"/>
-                </a:solidFill>
-                <a:latin typeface="+mj-lt"/>
-                <a:ea typeface="+mj-ea"/>
-                <a:cs typeface="+mj-cs"/>
-              </a:defRPr>
-            </a:lvl1pPr>
-          </a:lstStyle>
-          <a:p>
-            <a:pPr marL="285750" indent="-228600">
-              <a:spcAft>
-                <a:spcPts val="600"/>
-              </a:spcAft>
-              <a:buFont typeface="Arial" panose="020B0604020202020204" pitchFamily="34" charset="0"/>
-              <a:buChar char="•"/>
-            </a:pPr>
-            <a:endParaRPr lang="en-US" sz="2400">
-              <a:latin typeface="+mn-lt"/>
-              <a:ea typeface="+mn-ea"/>
-              <a:cs typeface="+mn-cs"/>
-            </a:endParaRPr>
-          </a:p>
-          <a:p>
-            <a:pPr marL="514350" indent="-228600">
-              <a:spcAft>
-                <a:spcPts val="600"/>
-              </a:spcAft>
-              <a:buFont typeface="Arial" panose="020B0604020202020204" pitchFamily="34" charset="0"/>
-              <a:buChar char="•"/>
-            </a:pPr>
-            <a:r>
-              <a:rPr lang="en-US" sz="2400" dirty="0">
-                <a:latin typeface="+mn-lt"/>
-                <a:ea typeface="+mn-ea"/>
-                <a:cs typeface="+mn-cs"/>
-              </a:rPr>
-              <a:t>Database options in Azure</a:t>
-            </a:r>
-          </a:p>
-          <a:p>
-            <a:pPr marL="514350" indent="-228600">
-              <a:spcAft>
-                <a:spcPts val="600"/>
-              </a:spcAft>
-              <a:buFont typeface="Arial" panose="020B0604020202020204" pitchFamily="34" charset="0"/>
-              <a:buChar char="•"/>
-            </a:pPr>
-            <a:r>
-              <a:rPr lang="en-US" sz="2400" dirty="0">
-                <a:latin typeface="+mn-lt"/>
-                <a:ea typeface="+mn-ea"/>
-                <a:cs typeface="+mn-cs"/>
-              </a:rPr>
-              <a:t>Why should I choose Data Lake?</a:t>
-            </a:r>
-          </a:p>
-          <a:p>
-            <a:pPr marL="514350" indent="-228600">
-              <a:spcAft>
-                <a:spcPts val="600"/>
-              </a:spcAft>
-              <a:buFont typeface="Arial" panose="020B0604020202020204" pitchFamily="34" charset="0"/>
-              <a:buChar char="•"/>
-            </a:pPr>
-            <a:r>
-              <a:rPr lang="en-US" sz="2400" dirty="0">
-                <a:latin typeface="+mn-lt"/>
-                <a:ea typeface="+mn-ea"/>
-                <a:cs typeface="+mn-cs"/>
-              </a:rPr>
-              <a:t>Control v Business value</a:t>
-            </a:r>
-          </a:p>
-          <a:p>
-            <a:pPr marL="514350" indent="-228600">
-              <a:spcAft>
-                <a:spcPts val="600"/>
-              </a:spcAft>
-              <a:buFont typeface="Arial" panose="020B0604020202020204" pitchFamily="34" charset="0"/>
-              <a:buChar char="•"/>
-            </a:pPr>
-            <a:endParaRPr lang="en-US" sz="2400" dirty="0">
-              <a:latin typeface="+mn-lt"/>
-              <a:ea typeface="+mn-ea"/>
-              <a:cs typeface="+mn-cs"/>
-            </a:endParaRPr>
+          <a:lstStyle/>
+          <a:p>
+            <a:pPr algn="ctr"/>
+            <a:endParaRPr lang="en-US"/>
           </a:p>
         </p:txBody>
       </p:sp>
       <p:sp>
         <p:nvSpPr>
-          <p:cNvPr id="2" name="Title 1" hidden="1"/>
+          <p:cNvPr id="32" name="Freeform 26">
+            <a:extLst>
+              <a:ext uri="{FF2B5EF4-FFF2-40B4-BE49-F238E27FC236}">
+                <a16:creationId xmlns:a16="http://schemas.microsoft.com/office/drawing/2014/main" id="{58F1FB8D-1842-4A04-998D-6CF047AB2790}"/>
+              </a:ext>
+              <a:ext uri="{C183D7F6-B498-43B3-948B-1728B52AA6E4}">
+                <adec:decorative xmlns:adec="http://schemas.microsoft.com/office/drawing/2017/decorative" val="1"/>
+              </a:ext>
+            </a:extLst>
+          </p:cNvPr>
+          <p:cNvSpPr>
+            <a:spLocks noGrp="1" noRot="1" noChangeAspect="1" noMove="1" noResize="1" noEditPoints="1" noAdjustHandles="1" noChangeArrowheads="1" noChangeShapeType="1" noTextEdit="1"/>
+          </p:cNvSpPr>
+          <p:nvPr>
+            <p:extLst>
+              <p:ext uri="{386F3935-93C4-4BCD-93E2-E3B085C9AB24}">
+                <p16:designElem xmlns:p16="http://schemas.microsoft.com/office/powerpoint/2015/main" val="1"/>
+              </p:ext>
+            </p:extLst>
+          </p:nvPr>
+        </p:nvSpPr>
+        <p:spPr>
+          <a:xfrm flipH="1" flipV="1">
+            <a:off x="1420248" y="0"/>
+            <a:ext cx="10771752" cy="6858000"/>
+          </a:xfrm>
+          <a:custGeom>
+            <a:avLst/>
+            <a:gdLst>
+              <a:gd name="connsiteX0" fmla="*/ 0 w 10771752"/>
+              <a:gd name="connsiteY0" fmla="*/ 0 h 6858000"/>
+              <a:gd name="connsiteX1" fmla="*/ 7595598 w 10771752"/>
+              <a:gd name="connsiteY1" fmla="*/ 0 h 6858000"/>
+              <a:gd name="connsiteX2" fmla="*/ 10771752 w 10771752"/>
+              <a:gd name="connsiteY2" fmla="*/ 6858000 h 6858000"/>
+              <a:gd name="connsiteX3" fmla="*/ 0 w 10771752"/>
+              <a:gd name="connsiteY3" fmla="*/ 6858000 h 6858000"/>
+            </a:gdLst>
+            <a:ahLst/>
+            <a:cxnLst>
+              <a:cxn ang="0">
+                <a:pos x="connsiteX0" y="connsiteY0"/>
+              </a:cxn>
+              <a:cxn ang="0">
+                <a:pos x="connsiteX1" y="connsiteY1"/>
+              </a:cxn>
+              <a:cxn ang="0">
+                <a:pos x="connsiteX2" y="connsiteY2"/>
+              </a:cxn>
+              <a:cxn ang="0">
+                <a:pos x="connsiteX3" y="connsiteY3"/>
+              </a:cxn>
+            </a:cxnLst>
+            <a:rect l="l" t="t" r="r" b="b"/>
+            <a:pathLst>
+              <a:path w="10771752" h="6858000">
+                <a:moveTo>
+                  <a:pt x="0" y="0"/>
+                </a:moveTo>
+                <a:lnTo>
+                  <a:pt x="7595598" y="0"/>
+                </a:lnTo>
+                <a:lnTo>
+                  <a:pt x="10771752" y="6858000"/>
+                </a:lnTo>
+                <a:lnTo>
+                  <a:pt x="0" y="6858000"/>
+                </a:lnTo>
+                <a:close/>
+              </a:path>
+            </a:pathLst>
+          </a:custGeom>
+          <a:solidFill>
+            <a:schemeClr val="bg1">
+              <a:lumMod val="85000"/>
+              <a:lumOff val="15000"/>
+            </a:schemeClr>
+          </a:solidFill>
+          <a:ln>
+            <a:noFill/>
+          </a:ln>
+        </p:spPr>
+        <p:style>
+          <a:lnRef idx="2">
+            <a:schemeClr val="accent1">
+              <a:shade val="50000"/>
+            </a:schemeClr>
+          </a:lnRef>
+          <a:fillRef idx="1">
+            <a:schemeClr val="accent1"/>
+          </a:fillRef>
+          <a:effectRef idx="0">
+            <a:schemeClr val="accent1"/>
+          </a:effectRef>
+          <a:fontRef idx="minor">
+            <a:schemeClr val="lt1"/>
+          </a:fontRef>
+        </p:style>
+        <p:txBody>
+          <a:bodyPr wrap="square" rtlCol="0" anchor="ctr">
+            <a:noAutofit/>
+          </a:bodyPr>
+          <a:lstStyle/>
+          <a:p>
+            <a:pPr algn="ctr"/>
+            <a:endParaRPr lang="en-US"/>
+          </a:p>
+        </p:txBody>
+      </p:sp>
+      <p:sp>
+        <p:nvSpPr>
+          <p:cNvPr id="2" name="Title 1">
+            <a:extLst>
+              <a:ext uri="{FF2B5EF4-FFF2-40B4-BE49-F238E27FC236}">
+                <a16:creationId xmlns:a16="http://schemas.microsoft.com/office/drawing/2014/main" id="{D1DFC740-E98C-4D1B-96D9-BFDF2FE0F1E7}"/>
+              </a:ext>
+            </a:extLst>
+          </p:cNvPr>
           <p:cNvSpPr>
             <a:spLocks noGrp="1"/>
           </p:cNvSpPr>
@@ -6369,7 +6895,12 @@
             <p:ph type="title"/>
           </p:nvPr>
         </p:nvSpPr>
-        <p:spPr/>
+        <p:spPr>
+          <a:xfrm>
+            <a:off x="4384039" y="365125"/>
+            <a:ext cx="7164493" cy="1325563"/>
+          </a:xfrm>
+        </p:spPr>
         <p:txBody>
           <a:bodyPr>
             <a:normAutofit/>
@@ -6377,129 +6908,151 @@
           <a:lstStyle/>
           <a:p>
             <a:r>
-              <a:rPr lang="en-US" dirty="0" err="1"/>
-              <a:t>Agensss</a:t>
-            </a:r>
-            <a:endParaRPr lang="en-US" dirty="0"/>
+              <a:rPr lang="en-US" dirty="0"/>
+              <a:t>Data Lake Analytics</a:t>
+            </a:r>
           </a:p>
         </p:txBody>
       </p:sp>
-      <p:sp>
-        <p:nvSpPr>
-          <p:cNvPr id="3" name="Rectangle 2">
+      <p:pic>
+        <p:nvPicPr>
+          <p:cNvPr id="16" name="Graphic 6" descr="Bar chart">
             <a:extLst>
               <a:ext uri="{FF2B5EF4-FFF2-40B4-BE49-F238E27FC236}">
-                <a16:creationId xmlns:a16="http://schemas.microsoft.com/office/drawing/2014/main" id="{5DECC70E-2EDD-4E20-B4C1-240F4C3DD4B7}"/>
+                <a16:creationId xmlns:a16="http://schemas.microsoft.com/office/drawing/2014/main" id="{B17B742C-D5DB-4F32-AE60-9516C6BA6EF8}"/>
               </a:ext>
             </a:extLst>
           </p:cNvPr>
-          <p:cNvSpPr/>
+          <p:cNvPicPr>
+            <a:picLocks noChangeAspect="1"/>
+          </p:cNvPicPr>
           <p:nvPr/>
-        </p:nvSpPr>
+        </p:nvPicPr>
+        <p:blipFill>
+          <a:blip r:embed="rId3">
+            <a:extLst>
+              <a:ext uri="{28A0092B-C50C-407E-A947-70E740481C1C}">
+                <a14:useLocalDpi xmlns:a14="http://schemas.microsoft.com/office/drawing/2010/main" val="0"/>
+              </a:ext>
+              <a:ext uri="{96DAC541-7B7A-43D3-8B79-37D633B846F1}">
+                <asvg:svgBlip xmlns:asvg="http://schemas.microsoft.com/office/drawing/2016/SVG/main" r:embed="rId4"/>
+              </a:ext>
+            </a:extLst>
+          </a:blip>
+          <a:stretch>
+            <a:fillRect/>
+          </a:stretch>
+        </p:blipFill>
         <p:spPr>
           <a:xfrm>
-            <a:off x="403747" y="848564"/>
-            <a:ext cx="2408333" cy="707886"/>
-          </a:xfrm>
-          <a:prstGeom prst="rect">
-            <a:avLst/>
-          </a:prstGeom>
-          <a:noFill/>
-        </p:spPr>
-        <p:txBody>
-          <a:bodyPr wrap="square" lIns="91440" tIns="45720" rIns="91440" bIns="45720">
-            <a:spAutoFit/>
-          </a:bodyPr>
-          <a:lstStyle/>
-          <a:p>
-            <a:endParaRPr lang="en-US" sz="4000" dirty="0">
-              <a:ln w="0"/>
-              <a:effectLst>
-                <a:outerShdw blurRad="38100" dist="19050" dir="2700000" algn="tl" rotWithShape="0">
-                  <a:schemeClr val="dk1">
-                    <a:alpha val="40000"/>
-                  </a:schemeClr>
-                </a:outerShdw>
-              </a:effectLst>
-            </a:endParaRPr>
-          </a:p>
-        </p:txBody>
-      </p:sp>
-      <p:sp>
-        <p:nvSpPr>
-          <p:cNvPr id="24" name="Title 1">
-            <a:extLst>
-              <a:ext uri="{FF2B5EF4-FFF2-40B4-BE49-F238E27FC236}">
-                <a16:creationId xmlns:a16="http://schemas.microsoft.com/office/drawing/2014/main" id="{DC31FA86-3847-48D3-9F7C-CCA04A249F1A}"/>
-              </a:ext>
-            </a:extLst>
-          </p:cNvPr>
-          <p:cNvSpPr txBox="1">
-            <a:spLocks/>
-          </p:cNvSpPr>
-          <p:nvPr/>
-        </p:nvSpPr>
-        <p:spPr>
-          <a:xfrm>
-            <a:off x="1490598" y="2590731"/>
-            <a:ext cx="2647059" cy="1676537"/>
+            <a:off x="480060" y="1715781"/>
+            <a:ext cx="3425957" cy="3425957"/>
           </a:xfrm>
           <a:prstGeom prst="rect">
             <a:avLst/>
           </a:prstGeom>
         </p:spPr>
+      </p:pic>
+      <p:sp>
+        <p:nvSpPr>
+          <p:cNvPr id="3" name="Content Placeholder 2">
+            <a:extLst>
+              <a:ext uri="{FF2B5EF4-FFF2-40B4-BE49-F238E27FC236}">
+                <a16:creationId xmlns:a16="http://schemas.microsoft.com/office/drawing/2014/main" id="{C33E2DB0-AB25-48A2-89A1-D57DFF34F0A5}"/>
+              </a:ext>
+            </a:extLst>
+          </p:cNvPr>
+          <p:cNvSpPr>
+            <a:spLocks noGrp="1"/>
+          </p:cNvSpPr>
+          <p:nvPr>
+            <p:ph idx="1"/>
+          </p:nvPr>
+        </p:nvSpPr>
+        <p:spPr>
+          <a:xfrm>
+            <a:off x="4387515" y="2022601"/>
+            <a:ext cx="7161017" cy="4154361"/>
+          </a:xfrm>
+        </p:spPr>
         <p:txBody>
-          <a:bodyPr vert="horz" lIns="91440" tIns="45720" rIns="91440" bIns="45720" rtlCol="0" anchor="ctr">
+          <a:bodyPr>
             <a:normAutofit/>
           </a:bodyPr>
-          <a:lstStyle>
-            <a:lvl1pPr algn="l" defTabSz="914400" rtl="0" eaLnBrk="1" latinLnBrk="0" hangingPunct="1">
-              <a:lnSpc>
-                <a:spcPct val="90000"/>
-              </a:lnSpc>
-              <a:spcBef>
-                <a:spcPct val="0"/>
-              </a:spcBef>
-              <a:buNone/>
-              <a:defRPr sz="4400" kern="1200">
-                <a:solidFill>
-                  <a:schemeClr val="tx1"/>
-                </a:solidFill>
-                <a:latin typeface="+mj-lt"/>
-                <a:ea typeface="+mj-ea"/>
-                <a:cs typeface="+mj-cs"/>
-              </a:defRPr>
-            </a:lvl1pPr>
-          </a:lstStyle>
-          <a:p>
-            <a:r>
-              <a:rPr lang="en-US" sz="5600" dirty="0">
-                <a:ln w="0"/>
-                <a:solidFill>
-                  <a:schemeClr val="bg1"/>
-                </a:solidFill>
-                <a:effectLst>
-                  <a:outerShdw blurRad="38100" dist="19050" dir="2700000" algn="tl" rotWithShape="0">
-                    <a:schemeClr val="dk1">
-                      <a:alpha val="40000"/>
-                    </a:schemeClr>
-                  </a:outerShdw>
-                </a:effectLst>
-              </a:rPr>
-              <a:t>Agenda</a:t>
-            </a:r>
-            <a:endParaRPr lang="en-US" sz="5600" dirty="0">
-              <a:solidFill>
-                <a:schemeClr val="bg1"/>
-              </a:solidFill>
-            </a:endParaRPr>
+          <a:lstStyle/>
+          <a:p>
+            <a:r>
+              <a:rPr lang="en-US" sz="2000" dirty="0"/>
+              <a:t>On demand analytics job service.</a:t>
+            </a:r>
+          </a:p>
+          <a:p>
+            <a:r>
+              <a:rPr lang="en-US" sz="2000" dirty="0"/>
+              <a:t>Simplifying BigData via Dynamic scaling based on data size</a:t>
+            </a:r>
+          </a:p>
+          <a:p>
+            <a:r>
+              <a:rPr lang="en-US" sz="2000" dirty="0"/>
+              <a:t>Built on YARN for cloud scale and performance.</a:t>
+            </a:r>
+          </a:p>
+          <a:p>
+            <a:r>
+              <a:rPr lang="en-US" sz="2000" dirty="0"/>
+              <a:t>Works with all Azure data.</a:t>
+            </a:r>
+          </a:p>
+          <a:p>
+            <a:pPr lvl="1"/>
+            <a:r>
+              <a:rPr lang="en-US" sz="2000" dirty="0"/>
+              <a:t>Highest performance with Azure Data Lake</a:t>
+            </a:r>
+          </a:p>
+          <a:p>
+            <a:pPr lvl="1"/>
+            <a:r>
+              <a:rPr lang="en-US" sz="2000" dirty="0"/>
+              <a:t>Also works with Blob, SQL </a:t>
+            </a:r>
+            <a:r>
+              <a:rPr lang="en-US" sz="2000" dirty="0" err="1"/>
+              <a:t>db</a:t>
+            </a:r>
+            <a:r>
+              <a:rPr lang="en-US" sz="2000" dirty="0"/>
+              <a:t> and Warehouse.</a:t>
+            </a:r>
+          </a:p>
+          <a:p>
+            <a:endParaRPr lang="en-US" sz="2000" dirty="0"/>
+          </a:p>
+          <a:p>
+            <a:r>
+              <a:rPr lang="en-US" sz="2000" dirty="0"/>
+              <a:t>Query language -&gt; U-SQL.</a:t>
+            </a:r>
+          </a:p>
+          <a:p>
+            <a:r>
+              <a:rPr lang="en-US" sz="2000" dirty="0"/>
+              <a:t>IDE -&gt; Visual Studio.</a:t>
+            </a:r>
+          </a:p>
+          <a:p>
+            <a:r>
+              <a:rPr lang="en-US" sz="2000" dirty="0"/>
+              <a:t>Cost -&gt; Pay only for the processing power that you use.</a:t>
+            </a:r>
           </a:p>
         </p:txBody>
       </p:sp>
     </p:spTree>
     <p:extLst>
       <p:ext uri="{BB962C8B-B14F-4D97-AF65-F5344CB8AC3E}">
-        <p14:creationId xmlns:p14="http://schemas.microsoft.com/office/powerpoint/2010/main" val="3863763873"/>
+        <p14:creationId xmlns:p14="http://schemas.microsoft.com/office/powerpoint/2010/main" val="2196034314"/>
       </p:ext>
     </p:extLst>
   </p:cSld>
@@ -6509,7 +7062,7 @@
 </p:sld>
 </file>
 
-<file path=ppt/slides/slide3.xml><?xml version="1.0" encoding="utf-8"?>
+<file path=ppt/slides/slide15.xml><?xml version="1.0" encoding="utf-8"?>
 <p:sld xmlns:a="http://schemas.openxmlformats.org/drawingml/2006/main" xmlns:r="http://schemas.openxmlformats.org/officeDocument/2006/relationships" xmlns:p="http://schemas.openxmlformats.org/presentationml/2006/main">
   <p:cSld>
     <p:bg>
@@ -6536,611 +7089,7 @@
       </p:grpSpPr>
       <p:sp>
         <p:nvSpPr>
-          <p:cNvPr id="9" name="Rectangle 11">
-            <a:extLst>
-              <a:ext uri="{FF2B5EF4-FFF2-40B4-BE49-F238E27FC236}">
-                <a16:creationId xmlns:a16="http://schemas.microsoft.com/office/drawing/2014/main" id="{823AC064-BC96-4F32-8AE1-B2FD38754823}"/>
-              </a:ext>
-              <a:ext uri="{C183D7F6-B498-43B3-948B-1728B52AA6E4}">
-                <adec:decorative xmlns:adec="http://schemas.microsoft.com/office/drawing/2017/decorative" val="1"/>
-              </a:ext>
-            </a:extLst>
-          </p:cNvPr>
-          <p:cNvSpPr>
-            <a:spLocks noGrp="1" noRot="1" noChangeAspect="1" noMove="1" noResize="1" noEditPoints="1" noAdjustHandles="1" noChangeArrowheads="1" noChangeShapeType="1" noTextEdit="1"/>
-          </p:cNvSpPr>
-          <p:nvPr>
-            <p:extLst>
-              <p:ext uri="{386F3935-93C4-4BCD-93E2-E3B085C9AB24}">
-                <p16:designElem xmlns:p16="http://schemas.microsoft.com/office/powerpoint/2015/main" val="1"/>
-              </p:ext>
-            </p:extLst>
-          </p:nvPr>
-        </p:nvSpPr>
-        <p:spPr bwMode="ltGray">
-          <a:xfrm>
-            <a:off x="378068" y="4633546"/>
-            <a:ext cx="11438793" cy="1844256"/>
-          </a:xfrm>
-          <a:prstGeom prst="rect">
-            <a:avLst/>
-          </a:prstGeom>
-          <a:solidFill>
-            <a:srgbClr val="404040"/>
-          </a:solidFill>
-          <a:ln w="127000" cap="sq" cmpd="thinThick">
-            <a:solidFill>
-              <a:srgbClr val="404040"/>
-            </a:solidFill>
-          </a:ln>
-        </p:spPr>
-        <p:style>
-          <a:lnRef idx="2">
-            <a:schemeClr val="accent1">
-              <a:shade val="50000"/>
-            </a:schemeClr>
-          </a:lnRef>
-          <a:fillRef idx="1">
-            <a:schemeClr val="accent1"/>
-          </a:fillRef>
-          <a:effectRef idx="0">
-            <a:schemeClr val="accent1"/>
-          </a:effectRef>
-          <a:fontRef idx="minor">
-            <a:schemeClr val="lt1"/>
-          </a:fontRef>
-        </p:style>
-        <p:txBody>
-          <a:bodyPr rtlCol="0" anchor="ctr"/>
-          <a:lstStyle/>
-          <a:p>
-            <a:pPr marL="0" marR="0" lvl="0" indent="0" algn="ctr" defTabSz="914400" rtl="0" eaLnBrk="1" fontAlgn="auto" latinLnBrk="0" hangingPunct="1">
-              <a:lnSpc>
-                <a:spcPct val="100000"/>
-              </a:lnSpc>
-              <a:spcBef>
-                <a:spcPts val="0"/>
-              </a:spcBef>
-              <a:spcAft>
-                <a:spcPts val="0"/>
-              </a:spcAft>
-              <a:buClrTx/>
-              <a:buSzTx/>
-              <a:buFontTx/>
-              <a:buNone/>
-              <a:tabLst/>
-              <a:defRPr/>
-            </a:pPr>
-            <a:endParaRPr kumimoji="0" lang="en-US" sz="1800" b="0" i="0" u="none" strike="noStrike" kern="1200" cap="none" spc="0" normalizeH="0" baseline="0" noProof="0">
-              <a:ln>
-                <a:noFill/>
-              </a:ln>
-              <a:solidFill>
-                <a:prstClr val="white"/>
-              </a:solidFill>
-              <a:effectLst/>
-              <a:uLnTx/>
-              <a:uFillTx/>
-              <a:latin typeface="Calibri" panose="020F0502020204030204"/>
-              <a:ea typeface="+mn-ea"/>
-              <a:cs typeface="+mn-cs"/>
-            </a:endParaRPr>
-          </a:p>
-        </p:txBody>
-      </p:sp>
-      <p:sp>
-        <p:nvSpPr>
-          <p:cNvPr id="7" name="Title 1"/>
-          <p:cNvSpPr txBox="1">
-            <a:spLocks/>
-          </p:cNvSpPr>
-          <p:nvPr/>
-        </p:nvSpPr>
-        <p:spPr>
-          <a:xfrm>
-            <a:off x="526073" y="4756638"/>
-            <a:ext cx="11139854" cy="930447"/>
-          </a:xfrm>
-          <a:prstGeom prst="rect">
-            <a:avLst/>
-          </a:prstGeom>
-        </p:spPr>
-        <p:txBody>
-          <a:bodyPr vert="horz" lIns="91440" tIns="45720" rIns="91440" bIns="45720" rtlCol="0" anchor="b">
-            <a:normAutofit/>
-          </a:bodyPr>
-          <a:lstStyle>
-            <a:lvl1pPr algn="l" defTabSz="914400" rtl="0" eaLnBrk="1" latinLnBrk="0" hangingPunct="1">
-              <a:lnSpc>
-                <a:spcPct val="90000"/>
-              </a:lnSpc>
-              <a:spcBef>
-                <a:spcPct val="0"/>
-              </a:spcBef>
-              <a:buNone/>
-              <a:defRPr sz="4400" kern="1200">
-                <a:solidFill>
-                  <a:schemeClr val="tx1"/>
-                </a:solidFill>
-                <a:latin typeface="+mj-lt"/>
-                <a:ea typeface="+mj-ea"/>
-                <a:cs typeface="+mj-cs"/>
-              </a:defRPr>
-            </a:lvl1pPr>
-          </a:lstStyle>
-          <a:p>
-            <a:pPr algn="ctr">
-              <a:spcAft>
-                <a:spcPts val="600"/>
-              </a:spcAft>
-            </a:pPr>
-            <a:r>
-              <a:rPr lang="en-US" sz="5400" kern="1200">
-                <a:solidFill>
-                  <a:srgbClr val="FFFFFF"/>
-                </a:solidFill>
-                <a:latin typeface="+mj-lt"/>
-                <a:ea typeface="+mj-ea"/>
-                <a:cs typeface="+mj-cs"/>
-              </a:rPr>
-              <a:t>Database options in Azure</a:t>
-            </a:r>
-          </a:p>
-        </p:txBody>
-      </p:sp>
-      <p:pic>
-        <p:nvPicPr>
-          <p:cNvPr id="5" name="Picture 4">
-            <a:extLst>
-              <a:ext uri="{FF2B5EF4-FFF2-40B4-BE49-F238E27FC236}">
-                <a16:creationId xmlns:a16="http://schemas.microsoft.com/office/drawing/2014/main" id="{7E7B9D47-43B9-401B-B302-53E330CE30B4}"/>
-              </a:ext>
-            </a:extLst>
-          </p:cNvPr>
-          <p:cNvPicPr>
-            <a:picLocks noChangeAspect="1"/>
-          </p:cNvPicPr>
-          <p:nvPr/>
-        </p:nvPicPr>
-        <p:blipFill>
-          <a:blip r:embed="rId3">
-            <a:extLst>
-              <a:ext uri="{BEBA8EAE-BF5A-486C-A8C5-ECC9F3942E4B}">
-                <a14:imgProps xmlns:a14="http://schemas.microsoft.com/office/drawing/2010/main">
-                  <a14:imgLayer r:embed="rId4">
-                    <a14:imgEffect>
-                      <a14:colorTemperature colorTemp="9334"/>
-                    </a14:imgEffect>
-                    <a14:imgEffect>
-                      <a14:saturation sat="264000"/>
-                    </a14:imgEffect>
-                    <a14:imgEffect>
-                      <a14:brightnessContrast bright="11000" contrast="-29000"/>
-                    </a14:imgEffect>
-                  </a14:imgLayer>
-                </a14:imgProps>
-              </a:ext>
-            </a:extLst>
-          </a:blip>
-          <a:stretch>
-            <a:fillRect/>
-          </a:stretch>
-        </p:blipFill>
-        <p:spPr>
-          <a:xfrm>
-            <a:off x="842781" y="307731"/>
-            <a:ext cx="10451339" cy="3997637"/>
-          </a:xfrm>
-          <a:prstGeom prst="rect">
-            <a:avLst/>
-          </a:prstGeom>
-        </p:spPr>
-      </p:pic>
-      <p:cxnSp>
-        <p:nvCxnSpPr>
-          <p:cNvPr id="14" name="Straight Connector 13">
-            <a:extLst>
-              <a:ext uri="{FF2B5EF4-FFF2-40B4-BE49-F238E27FC236}">
-                <a16:creationId xmlns:a16="http://schemas.microsoft.com/office/drawing/2014/main" id="{7E7C77BC-7138-40B1-A15B-20F57A494629}"/>
-              </a:ext>
-              <a:ext uri="{C183D7F6-B498-43B3-948B-1728B52AA6E4}">
-                <adec:decorative xmlns:adec="http://schemas.microsoft.com/office/drawing/2017/decorative" val="1"/>
-              </a:ext>
-            </a:extLst>
-          </p:cNvPr>
-          <p:cNvCxnSpPr>
-            <a:cxnSpLocks noGrp="1" noRot="1" noChangeAspect="1" noMove="1" noResize="1" noEditPoints="1" noAdjustHandles="1" noChangeArrowheads="1" noChangeShapeType="1"/>
-          </p:cNvCxnSpPr>
-          <p:nvPr>
-            <p:extLst>
-              <p:ext uri="{386F3935-93C4-4BCD-93E2-E3B085C9AB24}">
-                <p16:designElem xmlns:p16="http://schemas.microsoft.com/office/powerpoint/2015/main" val="1"/>
-              </p:ext>
-            </p:extLst>
-          </p:nvPr>
-        </p:nvCxnSpPr>
-        <p:spPr>
-          <a:xfrm>
-            <a:off x="2209800" y="5738691"/>
-            <a:ext cx="7772400" cy="0"/>
-          </a:xfrm>
-          <a:prstGeom prst="line">
-            <a:avLst/>
-          </a:prstGeom>
-          <a:ln w="22225">
-            <a:solidFill>
-              <a:srgbClr val="D9D9D9"/>
-            </a:solidFill>
-          </a:ln>
-        </p:spPr>
-        <p:style>
-          <a:lnRef idx="1">
-            <a:schemeClr val="accent1"/>
-          </a:lnRef>
-          <a:fillRef idx="0">
-            <a:schemeClr val="accent1"/>
-          </a:fillRef>
-          <a:effectRef idx="0">
-            <a:schemeClr val="accent1"/>
-          </a:effectRef>
-          <a:fontRef idx="minor">
-            <a:schemeClr val="tx1"/>
-          </a:fontRef>
-        </p:style>
-      </p:cxnSp>
-      <p:sp>
-        <p:nvSpPr>
-          <p:cNvPr id="2" name="Title 1" hidden="1"/>
-          <p:cNvSpPr>
-            <a:spLocks noGrp="1"/>
-          </p:cNvSpPr>
-          <p:nvPr>
-            <p:ph type="title"/>
-          </p:nvPr>
-        </p:nvSpPr>
-        <p:spPr/>
-        <p:txBody>
-          <a:bodyPr/>
-          <a:lstStyle/>
-          <a:p>
-            <a:endParaRPr lang="en-US" dirty="0"/>
-          </a:p>
-        </p:txBody>
-      </p:sp>
-    </p:spTree>
-    <p:extLst>
-      <p:ext uri="{BB962C8B-B14F-4D97-AF65-F5344CB8AC3E}">
-        <p14:creationId xmlns:p14="http://schemas.microsoft.com/office/powerpoint/2010/main" val="2163416231"/>
-      </p:ext>
-    </p:extLst>
-  </p:cSld>
-  <p:clrMapOvr>
-    <a:masterClrMapping/>
-  </p:clrMapOvr>
-</p:sld>
-</file>
-
-<file path=ppt/slides/slide4.xml><?xml version="1.0" encoding="utf-8"?>
-<p:sld xmlns:a="http://schemas.openxmlformats.org/drawingml/2006/main" xmlns:r="http://schemas.openxmlformats.org/officeDocument/2006/relationships" xmlns:p="http://schemas.openxmlformats.org/presentationml/2006/main">
-  <p:cSld>
-    <p:bg>
-      <p:bgPr>
-        <a:solidFill>
-          <a:schemeClr val="bg1"/>
-        </a:solidFill>
-        <a:effectLst/>
-      </p:bgPr>
-    </p:bg>
-    <p:spTree>
-      <p:nvGrpSpPr>
-        <p:cNvPr id="1" name=""/>
-        <p:cNvGrpSpPr/>
-        <p:nvPr/>
-      </p:nvGrpSpPr>
-      <p:grpSpPr>
-        <a:xfrm>
-          <a:off x="0" y="0"/>
-          <a:ext cx="0" cy="0"/>
-          <a:chOff x="0" y="0"/>
-          <a:chExt cx="0" cy="0"/>
-        </a:xfrm>
-      </p:grpSpPr>
-      <p:sp>
-        <p:nvSpPr>
-          <p:cNvPr id="13" name="Rectangle 12">
-            <a:extLst>
-              <a:ext uri="{FF2B5EF4-FFF2-40B4-BE49-F238E27FC236}">
-                <a16:creationId xmlns:a16="http://schemas.microsoft.com/office/drawing/2014/main" id="{823AC064-BC96-4F32-8AE1-B2FD38754823}"/>
-              </a:ext>
-              <a:ext uri="{C183D7F6-B498-43B3-948B-1728B52AA6E4}">
-                <adec:decorative xmlns:adec="http://schemas.microsoft.com/office/drawing/2017/decorative" val="1"/>
-              </a:ext>
-            </a:extLst>
-          </p:cNvPr>
-          <p:cNvSpPr>
-            <a:spLocks noGrp="1" noRot="1" noChangeAspect="1" noMove="1" noResize="1" noEditPoints="1" noAdjustHandles="1" noChangeArrowheads="1" noChangeShapeType="1" noTextEdit="1"/>
-          </p:cNvSpPr>
-          <p:nvPr>
-            <p:extLst>
-              <p:ext uri="{386F3935-93C4-4BCD-93E2-E3B085C9AB24}">
-                <p16:designElem xmlns:p16="http://schemas.microsoft.com/office/powerpoint/2015/main" val="1"/>
-              </p:ext>
-            </p:extLst>
-          </p:nvPr>
-        </p:nvSpPr>
-        <p:spPr bwMode="ltGray">
-          <a:xfrm>
-            <a:off x="378068" y="4633546"/>
-            <a:ext cx="11438793" cy="1844256"/>
-          </a:xfrm>
-          <a:prstGeom prst="rect">
-            <a:avLst/>
-          </a:prstGeom>
-          <a:solidFill>
-            <a:srgbClr val="404040"/>
-          </a:solidFill>
-          <a:ln w="127000" cap="sq" cmpd="thinThick">
-            <a:solidFill>
-              <a:srgbClr val="404040"/>
-            </a:solidFill>
-          </a:ln>
-        </p:spPr>
-        <p:style>
-          <a:lnRef idx="2">
-            <a:schemeClr val="accent1">
-              <a:shade val="50000"/>
-            </a:schemeClr>
-          </a:lnRef>
-          <a:fillRef idx="1">
-            <a:schemeClr val="accent1"/>
-          </a:fillRef>
-          <a:effectRef idx="0">
-            <a:schemeClr val="accent1"/>
-          </a:effectRef>
-          <a:fontRef idx="minor">
-            <a:schemeClr val="lt1"/>
-          </a:fontRef>
-        </p:style>
-        <p:txBody>
-          <a:bodyPr rtlCol="0" anchor="ctr"/>
-          <a:lstStyle/>
-          <a:p>
-            <a:pPr marL="0" marR="0" lvl="0" indent="0" algn="ctr" defTabSz="914400" rtl="0" eaLnBrk="1" fontAlgn="auto" latinLnBrk="0" hangingPunct="1">
-              <a:lnSpc>
-                <a:spcPct val="100000"/>
-              </a:lnSpc>
-              <a:spcBef>
-                <a:spcPts val="0"/>
-              </a:spcBef>
-              <a:spcAft>
-                <a:spcPts val="0"/>
-              </a:spcAft>
-              <a:buClrTx/>
-              <a:buSzTx/>
-              <a:buFontTx/>
-              <a:buNone/>
-              <a:tabLst/>
-              <a:defRPr/>
-            </a:pPr>
-            <a:endParaRPr kumimoji="0" lang="en-US" sz="1800" b="0" i="0" u="none" strike="noStrike" kern="1200" cap="none" spc="0" normalizeH="0" baseline="0" noProof="0">
-              <a:ln>
-                <a:noFill/>
-              </a:ln>
-              <a:solidFill>
-                <a:prstClr val="white"/>
-              </a:solidFill>
-              <a:effectLst/>
-              <a:uLnTx/>
-              <a:uFillTx/>
-              <a:latin typeface="Calibri" panose="020F0502020204030204"/>
-              <a:ea typeface="+mn-ea"/>
-              <a:cs typeface="+mn-cs"/>
-            </a:endParaRPr>
-          </a:p>
-        </p:txBody>
-      </p:sp>
-      <p:sp>
-        <p:nvSpPr>
-          <p:cNvPr id="7" name="Title 1"/>
-          <p:cNvSpPr txBox="1">
-            <a:spLocks/>
-          </p:cNvSpPr>
-          <p:nvPr/>
-        </p:nvSpPr>
-        <p:spPr>
-          <a:xfrm>
-            <a:off x="526073" y="4756638"/>
-            <a:ext cx="11139854" cy="930447"/>
-          </a:xfrm>
-          <a:prstGeom prst="rect">
-            <a:avLst/>
-          </a:prstGeom>
-        </p:spPr>
-        <p:txBody>
-          <a:bodyPr vert="horz" lIns="91440" tIns="45720" rIns="91440" bIns="45720" rtlCol="0" anchor="b">
-            <a:normAutofit/>
-          </a:bodyPr>
-          <a:lstStyle>
-            <a:lvl1pPr algn="l" defTabSz="914400" rtl="0" eaLnBrk="1" latinLnBrk="0" hangingPunct="1">
-              <a:lnSpc>
-                <a:spcPct val="90000"/>
-              </a:lnSpc>
-              <a:spcBef>
-                <a:spcPct val="0"/>
-              </a:spcBef>
-              <a:buNone/>
-              <a:defRPr sz="4400" kern="1200">
-                <a:solidFill>
-                  <a:schemeClr val="tx1"/>
-                </a:solidFill>
-                <a:latin typeface="+mj-lt"/>
-                <a:ea typeface="+mj-ea"/>
-                <a:cs typeface="+mj-cs"/>
-              </a:defRPr>
-            </a:lvl1pPr>
-          </a:lstStyle>
-          <a:p>
-            <a:pPr algn="ctr">
-              <a:spcAft>
-                <a:spcPts val="600"/>
-              </a:spcAft>
-            </a:pPr>
-            <a:r>
-              <a:rPr lang="en-US" sz="5400" kern="1200" dirty="0">
-                <a:solidFill>
-                  <a:srgbClr val="FFFFFF"/>
-                </a:solidFill>
-                <a:latin typeface="+mj-lt"/>
-                <a:ea typeface="+mj-ea"/>
-                <a:cs typeface="+mj-cs"/>
-              </a:rPr>
-              <a:t>OLAP, OLTP</a:t>
-            </a:r>
-          </a:p>
-        </p:txBody>
-      </p:sp>
-      <p:pic>
-        <p:nvPicPr>
-          <p:cNvPr id="8" name="Picture 7">
-            <a:extLst>
-              <a:ext uri="{FF2B5EF4-FFF2-40B4-BE49-F238E27FC236}">
-                <a16:creationId xmlns:a16="http://schemas.microsoft.com/office/drawing/2014/main" id="{724D2382-4398-4CAB-9665-3A3871483AA7}"/>
-              </a:ext>
-            </a:extLst>
-          </p:cNvPr>
-          <p:cNvPicPr>
-            <a:picLocks noChangeAspect="1"/>
-          </p:cNvPicPr>
-          <p:nvPr/>
-        </p:nvPicPr>
-        <p:blipFill>
-          <a:blip r:embed="rId3"/>
-          <a:stretch>
-            <a:fillRect/>
-          </a:stretch>
-        </p:blipFill>
-        <p:spPr>
-          <a:xfrm>
-            <a:off x="1860411" y="307731"/>
-            <a:ext cx="8416079" cy="3997637"/>
-          </a:xfrm>
-          <a:prstGeom prst="rect">
-            <a:avLst/>
-          </a:prstGeom>
-        </p:spPr>
-      </p:pic>
-      <p:cxnSp>
-        <p:nvCxnSpPr>
-          <p:cNvPr id="15" name="Straight Connector 14">
-            <a:extLst>
-              <a:ext uri="{FF2B5EF4-FFF2-40B4-BE49-F238E27FC236}">
-                <a16:creationId xmlns:a16="http://schemas.microsoft.com/office/drawing/2014/main" id="{7E7C77BC-7138-40B1-A15B-20F57A494629}"/>
-              </a:ext>
-              <a:ext uri="{C183D7F6-B498-43B3-948B-1728B52AA6E4}">
-                <adec:decorative xmlns:adec="http://schemas.microsoft.com/office/drawing/2017/decorative" val="1"/>
-              </a:ext>
-            </a:extLst>
-          </p:cNvPr>
-          <p:cNvCxnSpPr>
-            <a:cxnSpLocks noGrp="1" noRot="1" noChangeAspect="1" noMove="1" noResize="1" noEditPoints="1" noAdjustHandles="1" noChangeArrowheads="1" noChangeShapeType="1"/>
-          </p:cNvCxnSpPr>
-          <p:nvPr>
-            <p:extLst>
-              <p:ext uri="{386F3935-93C4-4BCD-93E2-E3B085C9AB24}">
-                <p16:designElem xmlns:p16="http://schemas.microsoft.com/office/powerpoint/2015/main" val="1"/>
-              </p:ext>
-            </p:extLst>
-          </p:nvPr>
-        </p:nvCxnSpPr>
-        <p:spPr>
-          <a:xfrm>
-            <a:off x="2209800" y="5738691"/>
-            <a:ext cx="7772400" cy="0"/>
-          </a:xfrm>
-          <a:prstGeom prst="line">
-            <a:avLst/>
-          </a:prstGeom>
-          <a:ln w="22225">
-            <a:solidFill>
-              <a:srgbClr val="D9D9D9"/>
-            </a:solidFill>
-          </a:ln>
-        </p:spPr>
-        <p:style>
-          <a:lnRef idx="1">
-            <a:schemeClr val="accent1"/>
-          </a:lnRef>
-          <a:fillRef idx="0">
-            <a:schemeClr val="accent1"/>
-          </a:fillRef>
-          <a:effectRef idx="0">
-            <a:schemeClr val="accent1"/>
-          </a:effectRef>
-          <a:fontRef idx="minor">
-            <a:schemeClr val="tx1"/>
-          </a:fontRef>
-        </p:style>
-      </p:cxnSp>
-      <p:sp>
-        <p:nvSpPr>
-          <p:cNvPr id="2" name="Title 1" hidden="1"/>
-          <p:cNvSpPr>
-            <a:spLocks noGrp="1"/>
-          </p:cNvSpPr>
-          <p:nvPr>
-            <p:ph type="title"/>
-          </p:nvPr>
-        </p:nvSpPr>
-        <p:spPr/>
-        <p:txBody>
-          <a:bodyPr/>
-          <a:lstStyle/>
-          <a:p>
-            <a:endParaRPr lang="en-US" dirty="0"/>
-          </a:p>
-        </p:txBody>
-      </p:sp>
-    </p:spTree>
-    <p:extLst>
-      <p:ext uri="{BB962C8B-B14F-4D97-AF65-F5344CB8AC3E}">
-        <p14:creationId xmlns:p14="http://schemas.microsoft.com/office/powerpoint/2010/main" val="3228373058"/>
-      </p:ext>
-    </p:extLst>
-  </p:cSld>
-  <p:clrMapOvr>
-    <a:masterClrMapping/>
-  </p:clrMapOvr>
-</p:sld>
-</file>
-
-<file path=ppt/slides/slide5.xml><?xml version="1.0" encoding="utf-8"?>
-<p:sld xmlns:a="http://schemas.openxmlformats.org/drawingml/2006/main" xmlns:r="http://schemas.openxmlformats.org/officeDocument/2006/relationships" xmlns:p="http://schemas.openxmlformats.org/presentationml/2006/main">
-  <p:cSld>
-    <p:bg>
-      <p:bgPr>
-        <a:solidFill>
-          <a:schemeClr val="bg1"/>
-        </a:solidFill>
-        <a:effectLst/>
-      </p:bgPr>
-    </p:bg>
-    <p:spTree>
-      <p:nvGrpSpPr>
-        <p:cNvPr id="1" name=""/>
-        <p:cNvGrpSpPr/>
-        <p:nvPr/>
-      </p:nvGrpSpPr>
-      <p:grpSpPr>
-        <a:xfrm>
-          <a:off x="0" y="0"/>
-          <a:ext cx="0" cy="0"/>
-          <a:chOff x="0" y="0"/>
-          <a:chExt cx="0" cy="0"/>
-        </a:xfrm>
-      </p:grpSpPr>
-      <p:sp>
-        <p:nvSpPr>
-          <p:cNvPr id="11" name="Rectangle 10">
+          <p:cNvPr id="25" name="Rectangle 24">
             <a:extLst>
               <a:ext uri="{FF2B5EF4-FFF2-40B4-BE49-F238E27FC236}">
                 <a16:creationId xmlns:a16="http://schemas.microsoft.com/office/drawing/2014/main" id="{C0B27210-D0CA-4654-B3E3-9ABB4F178EA1}"/>
@@ -7206,65 +7155,67 @@
       </p:sp>
       <p:sp>
         <p:nvSpPr>
-          <p:cNvPr id="2" name="Title 1">
-            <a:extLst>
-              <a:ext uri="{FF2B5EF4-FFF2-40B4-BE49-F238E27FC236}">
-                <a16:creationId xmlns:a16="http://schemas.microsoft.com/office/drawing/2014/main" id="{FB79745D-258C-40B9-87BB-E62B7BED6093}"/>
-              </a:ext>
-            </a:extLst>
-          </p:cNvPr>
-          <p:cNvSpPr>
-            <a:spLocks noGrp="1"/>
+          <p:cNvPr id="7" name="Title 1"/>
+          <p:cNvSpPr txBox="1">
+            <a:spLocks/>
           </p:cNvSpPr>
-          <p:nvPr>
-            <p:ph type="title"/>
-          </p:nvPr>
+          <p:nvPr/>
         </p:nvSpPr>
         <p:spPr>
           <a:xfrm>
             <a:off x="6746628" y="1783959"/>
             <a:ext cx="4645250" cy="2889114"/>
           </a:xfrm>
+          <a:prstGeom prst="rect">
+            <a:avLst/>
+          </a:prstGeom>
         </p:spPr>
         <p:txBody>
           <a:bodyPr vert="horz" lIns="91440" tIns="45720" rIns="91440" bIns="45720" rtlCol="0" anchor="b">
             <a:normAutofit/>
           </a:bodyPr>
-          <a:lstStyle/>
-          <a:p>
+          <a:lstStyle>
+            <a:lvl1pPr algn="l" defTabSz="914400" rtl="0" eaLnBrk="1" latinLnBrk="0" hangingPunct="1">
+              <a:lnSpc>
+                <a:spcPct val="90000"/>
+              </a:lnSpc>
+              <a:spcBef>
+                <a:spcPct val="0"/>
+              </a:spcBef>
+              <a:buNone/>
+              <a:defRPr sz="4400" kern="1200">
+                <a:solidFill>
+                  <a:schemeClr val="tx1"/>
+                </a:solidFill>
+                <a:latin typeface="+mj-lt"/>
+                <a:ea typeface="+mj-ea"/>
+                <a:cs typeface="+mj-cs"/>
+              </a:defRPr>
+            </a:lvl1pPr>
+          </a:lstStyle>
+          <a:p>
+            <a:pPr>
+              <a:spcAft>
+                <a:spcPts val="600"/>
+              </a:spcAft>
+            </a:pPr>
             <a:r>
               <a:rPr lang="en-US" sz="6000" kern="1200">
-                <a:ln w="0"/>
                 <a:solidFill>
                   <a:schemeClr val="bg1"/>
                 </a:solidFill>
-                <a:effectLst>
-                  <a:outerShdw blurRad="38100" dist="19050" dir="2700000" algn="tl" rotWithShape="0">
-                    <a:schemeClr val="dk1">
-                      <a:alpha val="40000"/>
-                    </a:schemeClr>
-                  </a:outerShdw>
-                </a:effectLst>
                 <a:latin typeface="+mj-lt"/>
                 <a:ea typeface="+mj-ea"/>
                 <a:cs typeface="+mj-cs"/>
               </a:rPr>
-              <a:t>Why should I choose Azure Data Lake?...</a:t>
-            </a:r>
-            <a:endParaRPr lang="en-US" sz="6000" kern="1200">
-              <a:solidFill>
-                <a:schemeClr val="bg1"/>
-              </a:solidFill>
-              <a:latin typeface="+mj-lt"/>
-              <a:ea typeface="+mj-ea"/>
-              <a:cs typeface="+mj-cs"/>
-            </a:endParaRPr>
+              <a:t>Play Time!</a:t>
+            </a:r>
           </a:p>
         </p:txBody>
       </p:sp>
       <p:sp>
         <p:nvSpPr>
-          <p:cNvPr id="13" name="Freeform: Shape 12">
+          <p:cNvPr id="27" name="Freeform: Shape 26">
             <a:extLst>
               <a:ext uri="{FF2B5EF4-FFF2-40B4-BE49-F238E27FC236}">
                 <a16:creationId xmlns:a16="http://schemas.microsoft.com/office/drawing/2014/main" id="{1DB7C82F-AB7E-4F0C-B829-FA1B9C415180}"/>
@@ -7431,7 +7382,7 @@
       </p:sp>
       <p:sp>
         <p:nvSpPr>
-          <p:cNvPr id="15" name="Freeform: Shape 14">
+          <p:cNvPr id="29" name="Freeform: Shape 28">
             <a:extLst>
               <a:ext uri="{FF2B5EF4-FFF2-40B4-BE49-F238E27FC236}">
                 <a16:creationId xmlns:a16="http://schemas.microsoft.com/office/drawing/2014/main" id="{70B66945-4967-4040-926D-DCA44313CDAB}"/>
@@ -7596,10 +7547,10 @@
       </p:sp>
       <p:pic>
         <p:nvPicPr>
-          <p:cNvPr id="6" name="Graphic 5" descr="Thought bubble">
+          <p:cNvPr id="20" name="Graphic 19" descr="Game controller">
             <a:extLst>
               <a:ext uri="{FF2B5EF4-FFF2-40B4-BE49-F238E27FC236}">
-                <a16:creationId xmlns:a16="http://schemas.microsoft.com/office/drawing/2014/main" id="{43F18568-3874-468E-991F-67144FF1D570}"/>
+                <a16:creationId xmlns:a16="http://schemas.microsoft.com/office/drawing/2014/main" id="{BD5C9F0B-0710-4943-B1E7-10580408D24D}"/>
               </a:ext>
             </a:extLst>
           </p:cNvPr>
@@ -7609,13 +7560,13 @@
           <p:nvPr/>
         </p:nvPicPr>
         <p:blipFill>
-          <a:blip r:embed="rId2">
+          <a:blip r:embed="rId3">
             <a:extLst>
               <a:ext uri="{28A0092B-C50C-407E-A947-70E740481C1C}">
                 <a14:useLocalDpi xmlns:a14="http://schemas.microsoft.com/office/drawing/2010/main" val="0"/>
               </a:ext>
               <a:ext uri="{96DAC541-7B7A-43D3-8B79-37D633B846F1}">
-                <asvg:svgBlip xmlns:asvg="http://schemas.microsoft.com/office/drawing/2016/SVG/main" r:embed="rId3"/>
+                <asvg:svgBlip xmlns:asvg="http://schemas.microsoft.com/office/drawing/2016/SVG/main" r:embed="rId4"/>
               </a:ext>
             </a:extLst>
           </a:blip>
@@ -7633,10 +7584,2313 @@
           </a:prstGeom>
         </p:spPr>
       </p:pic>
+      <p:sp>
+        <p:nvSpPr>
+          <p:cNvPr id="2" name="Title 1" hidden="1"/>
+          <p:cNvSpPr>
+            <a:spLocks noGrp="1"/>
+          </p:cNvSpPr>
+          <p:nvPr>
+            <p:ph type="title"/>
+          </p:nvPr>
+        </p:nvSpPr>
+        <p:spPr/>
+        <p:txBody>
+          <a:bodyPr/>
+          <a:lstStyle/>
+          <a:p>
+            <a:endParaRPr lang="en-US" dirty="0"/>
+          </a:p>
+        </p:txBody>
+      </p:sp>
     </p:spTree>
     <p:extLst>
       <p:ext uri="{BB962C8B-B14F-4D97-AF65-F5344CB8AC3E}">
-        <p14:creationId xmlns:p14="http://schemas.microsoft.com/office/powerpoint/2010/main" val="282758675"/>
+        <p14:creationId xmlns:p14="http://schemas.microsoft.com/office/powerpoint/2010/main" val="3950535276"/>
+      </p:ext>
+    </p:extLst>
+  </p:cSld>
+  <p:clrMapOvr>
+    <a:masterClrMapping/>
+  </p:clrMapOvr>
+</p:sld>
+</file>
+
+<file path=ppt/slides/slide16.xml><?xml version="1.0" encoding="utf-8"?>
+<p:sld xmlns:a="http://schemas.openxmlformats.org/drawingml/2006/main" xmlns:r="http://schemas.openxmlformats.org/officeDocument/2006/relationships" xmlns:p="http://schemas.openxmlformats.org/presentationml/2006/main">
+  <p:cSld>
+    <p:spTree>
+      <p:nvGrpSpPr>
+        <p:cNvPr id="1" name=""/>
+        <p:cNvGrpSpPr/>
+        <p:nvPr/>
+      </p:nvGrpSpPr>
+      <p:grpSpPr>
+        <a:xfrm>
+          <a:off x="0" y="0"/>
+          <a:ext cx="0" cy="0"/>
+          <a:chOff x="0" y="0"/>
+          <a:chExt cx="0" cy="0"/>
+        </a:xfrm>
+      </p:grpSpPr>
+      <p:sp>
+        <p:nvSpPr>
+          <p:cNvPr id="2" name="Title 1">
+            <a:extLst>
+              <a:ext uri="{FF2B5EF4-FFF2-40B4-BE49-F238E27FC236}">
+                <a16:creationId xmlns:a16="http://schemas.microsoft.com/office/drawing/2014/main" id="{D1DFC740-E98C-4D1B-96D9-BFDF2FE0F1E7}"/>
+              </a:ext>
+            </a:extLst>
+          </p:cNvPr>
+          <p:cNvSpPr>
+            <a:spLocks noGrp="1"/>
+          </p:cNvSpPr>
+          <p:nvPr>
+            <p:ph type="title"/>
+          </p:nvPr>
+        </p:nvSpPr>
+        <p:spPr>
+          <a:xfrm>
+            <a:off x="1136428" y="627564"/>
+            <a:ext cx="7474172" cy="1325563"/>
+          </a:xfrm>
+        </p:spPr>
+        <p:txBody>
+          <a:bodyPr>
+            <a:normAutofit/>
+          </a:bodyPr>
+          <a:lstStyle/>
+          <a:p>
+            <a:r>
+              <a:rPr lang="en-US" dirty="0"/>
+              <a:t>Azure Data Lake Storage Gen 2</a:t>
+            </a:r>
+          </a:p>
+        </p:txBody>
+      </p:sp>
+      <p:sp>
+        <p:nvSpPr>
+          <p:cNvPr id="3" name="Content Placeholder 2">
+            <a:extLst>
+              <a:ext uri="{FF2B5EF4-FFF2-40B4-BE49-F238E27FC236}">
+                <a16:creationId xmlns:a16="http://schemas.microsoft.com/office/drawing/2014/main" id="{C33E2DB0-AB25-48A2-89A1-D57DFF34F0A5}"/>
+              </a:ext>
+            </a:extLst>
+          </p:cNvPr>
+          <p:cNvSpPr>
+            <a:spLocks noGrp="1"/>
+          </p:cNvSpPr>
+          <p:nvPr>
+            <p:ph idx="1"/>
+          </p:nvPr>
+        </p:nvSpPr>
+        <p:spPr>
+          <a:xfrm>
+            <a:off x="1136429" y="2278173"/>
+            <a:ext cx="6467867" cy="3450613"/>
+          </a:xfrm>
+        </p:spPr>
+        <p:txBody>
+          <a:bodyPr anchor="ctr">
+            <a:normAutofit/>
+          </a:bodyPr>
+          <a:lstStyle/>
+          <a:p>
+            <a:r>
+              <a:rPr lang="en-US" sz="2400" dirty="0"/>
+              <a:t>GA at Feb 7, 2019</a:t>
+            </a:r>
+          </a:p>
+          <a:p>
+            <a:r>
+              <a:rPr lang="en-US" sz="2400" dirty="0"/>
+              <a:t>Data Lake architecture built on top of Blob storage,</a:t>
+            </a:r>
+          </a:p>
+          <a:p>
+            <a:pPr lvl="1"/>
+            <a:r>
+              <a:rPr lang="en-US" sz="2000" dirty="0"/>
+              <a:t>Same low cost as Blob</a:t>
+            </a:r>
+          </a:p>
+          <a:p>
+            <a:pPr lvl="1"/>
+            <a:r>
+              <a:rPr lang="en-US" sz="2000" dirty="0"/>
+              <a:t>Azure Data Ecosystem</a:t>
+            </a:r>
+          </a:p>
+          <a:p>
+            <a:pPr lvl="1"/>
+            <a:endParaRPr lang="en-US" sz="2000" dirty="0"/>
+          </a:p>
+          <a:p>
+            <a:pPr lvl="1"/>
+            <a:endParaRPr lang="en-US" sz="2000" dirty="0"/>
+          </a:p>
+        </p:txBody>
+      </p:sp>
+      <p:pic>
+        <p:nvPicPr>
+          <p:cNvPr id="16" name="Graphic 6" descr="Bar chart">
+            <a:extLst>
+              <a:ext uri="{FF2B5EF4-FFF2-40B4-BE49-F238E27FC236}">
+                <a16:creationId xmlns:a16="http://schemas.microsoft.com/office/drawing/2014/main" id="{B17B742C-D5DB-4F32-AE60-9516C6BA6EF8}"/>
+              </a:ext>
+            </a:extLst>
+          </p:cNvPr>
+          <p:cNvPicPr>
+            <a:picLocks noChangeAspect="1"/>
+          </p:cNvPicPr>
+          <p:nvPr/>
+        </p:nvPicPr>
+        <p:blipFill>
+          <a:blip r:embed="rId3">
+            <a:extLst>
+              <a:ext uri="{28A0092B-C50C-407E-A947-70E740481C1C}">
+                <a14:useLocalDpi xmlns:a14="http://schemas.microsoft.com/office/drawing/2010/main" val="0"/>
+              </a:ext>
+              <a:ext uri="{96DAC541-7B7A-43D3-8B79-37D633B846F1}">
+                <asvg:svgBlip xmlns:asvg="http://schemas.microsoft.com/office/drawing/2016/SVG/main" r:embed="rId4"/>
+              </a:ext>
+            </a:extLst>
+          </a:blip>
+          <a:stretch>
+            <a:fillRect/>
+          </a:stretch>
+        </p:blipFill>
+        <p:spPr>
+          <a:xfrm>
+            <a:off x="9413987" y="2857501"/>
+            <a:ext cx="1142998" cy="1142998"/>
+          </a:xfrm>
+          <a:prstGeom prst="rect">
+            <a:avLst/>
+          </a:prstGeom>
+        </p:spPr>
+      </p:pic>
+    </p:spTree>
+    <p:extLst>
+      <p:ext uri="{BB962C8B-B14F-4D97-AF65-F5344CB8AC3E}">
+        <p14:creationId xmlns:p14="http://schemas.microsoft.com/office/powerpoint/2010/main" val="3858052651"/>
+      </p:ext>
+    </p:extLst>
+  </p:cSld>
+  <p:clrMapOvr>
+    <a:masterClrMapping/>
+  </p:clrMapOvr>
+</p:sld>
+</file>
+
+<file path=ppt/slides/slide17.xml><?xml version="1.0" encoding="utf-8"?>
+<p:sld xmlns:a="http://schemas.openxmlformats.org/drawingml/2006/main" xmlns:r="http://schemas.openxmlformats.org/officeDocument/2006/relationships" xmlns:p="http://schemas.openxmlformats.org/presentationml/2006/main">
+  <p:cSld>
+    <p:spTree>
+      <p:nvGrpSpPr>
+        <p:cNvPr id="1" name=""/>
+        <p:cNvGrpSpPr/>
+        <p:nvPr/>
+      </p:nvGrpSpPr>
+      <p:grpSpPr>
+        <a:xfrm>
+          <a:off x="0" y="0"/>
+          <a:ext cx="0" cy="0"/>
+          <a:chOff x="0" y="0"/>
+          <a:chExt cx="0" cy="0"/>
+        </a:xfrm>
+      </p:grpSpPr>
+      <p:sp>
+        <p:nvSpPr>
+          <p:cNvPr id="2" name="Title 1">
+            <a:extLst>
+              <a:ext uri="{FF2B5EF4-FFF2-40B4-BE49-F238E27FC236}">
+                <a16:creationId xmlns:a16="http://schemas.microsoft.com/office/drawing/2014/main" id="{46CE63FE-11A2-4E54-A917-3178FB5E7856}"/>
+              </a:ext>
+            </a:extLst>
+          </p:cNvPr>
+          <p:cNvSpPr>
+            <a:spLocks noGrp="1"/>
+          </p:cNvSpPr>
+          <p:nvPr>
+            <p:ph type="title"/>
+          </p:nvPr>
+        </p:nvSpPr>
+        <p:spPr/>
+        <p:txBody>
+          <a:bodyPr/>
+          <a:lstStyle/>
+          <a:p>
+            <a:r>
+              <a:rPr lang="en-US" dirty="0"/>
+              <a:t>Pricing and Upgrade</a:t>
+            </a:r>
+            <a:endParaRPr lang="en-IN" dirty="0"/>
+          </a:p>
+        </p:txBody>
+      </p:sp>
+      <p:sp>
+        <p:nvSpPr>
+          <p:cNvPr id="3" name="Content Placeholder 2">
+            <a:extLst>
+              <a:ext uri="{FF2B5EF4-FFF2-40B4-BE49-F238E27FC236}">
+                <a16:creationId xmlns:a16="http://schemas.microsoft.com/office/drawing/2014/main" id="{90FE507B-CBB9-417D-8D15-29A4A75643CE}"/>
+              </a:ext>
+            </a:extLst>
+          </p:cNvPr>
+          <p:cNvSpPr>
+            <a:spLocks noGrp="1"/>
+          </p:cNvSpPr>
+          <p:nvPr>
+            <p:ph idx="1"/>
+          </p:nvPr>
+        </p:nvSpPr>
+        <p:spPr/>
+        <p:txBody>
+          <a:bodyPr>
+            <a:normAutofit lnSpcReduction="10000"/>
+          </a:bodyPr>
+          <a:lstStyle/>
+          <a:p>
+            <a:r>
+              <a:rPr lang="en-US" dirty="0"/>
+              <a:t>Gen 1 - </a:t>
+            </a:r>
+            <a:r>
+              <a:rPr lang="en-US" dirty="0">
+                <a:hlinkClick r:id="rId2"/>
+              </a:rPr>
+              <a:t>https://azure.microsoft.com/en-us/pricing/details/data-lake-storage-gen1/</a:t>
+            </a:r>
+            <a:endParaRPr lang="en-US" dirty="0"/>
+          </a:p>
+          <a:p>
+            <a:endParaRPr lang="en-US" dirty="0"/>
+          </a:p>
+          <a:p>
+            <a:r>
+              <a:rPr lang="en-US" dirty="0"/>
+              <a:t>Gen 2 - </a:t>
+            </a:r>
+            <a:r>
+              <a:rPr lang="en-US" dirty="0">
+                <a:hlinkClick r:id="rId3"/>
+              </a:rPr>
+              <a:t>https://azure.microsoft.com/en-us/pricing/details/storage/data-lake/</a:t>
+            </a:r>
+            <a:r>
+              <a:rPr lang="en-US" dirty="0"/>
+              <a:t> </a:t>
+            </a:r>
+          </a:p>
+          <a:p>
+            <a:pPr lvl="1"/>
+            <a:r>
+              <a:rPr lang="en-US" dirty="0"/>
+              <a:t>Lesser than Gen 1</a:t>
+            </a:r>
+          </a:p>
+          <a:p>
+            <a:pPr lvl="1"/>
+            <a:r>
+              <a:rPr lang="en-US" dirty="0"/>
+              <a:t>Bit more than Azure Blob</a:t>
+            </a:r>
+          </a:p>
+          <a:p>
+            <a:pPr lvl="1"/>
+            <a:endParaRPr lang="en-US" dirty="0"/>
+          </a:p>
+          <a:p>
+            <a:r>
+              <a:rPr lang="en-US" dirty="0"/>
+              <a:t>Upgrade from Gen1 to Gen2 – When and Why?</a:t>
+            </a:r>
+          </a:p>
+          <a:p>
+            <a:pPr lvl="1"/>
+            <a:r>
+              <a:rPr lang="en-IN" dirty="0">
+                <a:hlinkClick r:id="rId4"/>
+              </a:rPr>
+              <a:t>https://docs.microsoft.com/en-us/azure/storage/blobs/data-lake-storage-upgrade</a:t>
+            </a:r>
+            <a:r>
+              <a:rPr lang="en-IN" dirty="0"/>
+              <a:t> </a:t>
+            </a:r>
+          </a:p>
+        </p:txBody>
+      </p:sp>
+    </p:spTree>
+    <p:extLst>
+      <p:ext uri="{BB962C8B-B14F-4D97-AF65-F5344CB8AC3E}">
+        <p14:creationId xmlns:p14="http://schemas.microsoft.com/office/powerpoint/2010/main" val="109152529"/>
+      </p:ext>
+    </p:extLst>
+  </p:cSld>
+  <p:clrMapOvr>
+    <a:masterClrMapping/>
+  </p:clrMapOvr>
+</p:sld>
+</file>
+
+<file path=ppt/slides/slide18.xml><?xml version="1.0" encoding="utf-8"?>
+<p:sld xmlns:a="http://schemas.openxmlformats.org/drawingml/2006/main" xmlns:r="http://schemas.openxmlformats.org/officeDocument/2006/relationships" xmlns:p="http://schemas.openxmlformats.org/presentationml/2006/main">
+  <p:cSld>
+    <p:spTree>
+      <p:nvGrpSpPr>
+        <p:cNvPr id="1" name=""/>
+        <p:cNvGrpSpPr/>
+        <p:nvPr/>
+      </p:nvGrpSpPr>
+      <p:grpSpPr>
+        <a:xfrm>
+          <a:off x="0" y="0"/>
+          <a:ext cx="0" cy="0"/>
+          <a:chOff x="0" y="0"/>
+          <a:chExt cx="0" cy="0"/>
+        </a:xfrm>
+      </p:grpSpPr>
+      <p:sp>
+        <p:nvSpPr>
+          <p:cNvPr id="2" name="Title 1" hidden="1"/>
+          <p:cNvSpPr>
+            <a:spLocks noGrp="1"/>
+          </p:cNvSpPr>
+          <p:nvPr>
+            <p:ph type="title"/>
+          </p:nvPr>
+        </p:nvSpPr>
+        <p:spPr/>
+        <p:txBody>
+          <a:bodyPr/>
+          <a:lstStyle/>
+          <a:p>
+            <a:endParaRPr lang="en-US" dirty="0"/>
+          </a:p>
+        </p:txBody>
+      </p:sp>
+      <p:sp>
+        <p:nvSpPr>
+          <p:cNvPr id="7" name="Title 1"/>
+          <p:cNvSpPr txBox="1">
+            <a:spLocks/>
+          </p:cNvSpPr>
+          <p:nvPr/>
+        </p:nvSpPr>
+        <p:spPr>
+          <a:xfrm>
+            <a:off x="403747" y="1022492"/>
+            <a:ext cx="8139752" cy="4463908"/>
+          </a:xfrm>
+          <a:prstGeom prst="rect">
+            <a:avLst/>
+          </a:prstGeom>
+        </p:spPr>
+        <p:txBody>
+          <a:bodyPr vert="horz" lIns="91440" tIns="45720" rIns="91440" bIns="45720" rtlCol="0" anchor="ctr">
+            <a:normAutofit/>
+          </a:bodyPr>
+          <a:lstStyle>
+            <a:lvl1pPr algn="l" defTabSz="914400" rtl="0" eaLnBrk="1" latinLnBrk="0" hangingPunct="1">
+              <a:lnSpc>
+                <a:spcPct val="90000"/>
+              </a:lnSpc>
+              <a:spcBef>
+                <a:spcPct val="0"/>
+              </a:spcBef>
+              <a:buNone/>
+              <a:defRPr sz="4400" kern="1200">
+                <a:solidFill>
+                  <a:schemeClr val="tx1"/>
+                </a:solidFill>
+                <a:latin typeface="+mj-lt"/>
+                <a:ea typeface="+mj-ea"/>
+                <a:cs typeface="+mj-cs"/>
+              </a:defRPr>
+            </a:lvl1pPr>
+          </a:lstStyle>
+          <a:p>
+            <a:r>
+              <a:rPr lang="en-US" sz="3200" dirty="0">
+                <a:solidFill>
+                  <a:schemeClr val="bg1"/>
+                </a:solidFill>
+                <a:latin typeface="Segoe UI" panose="020B0502040204020203" pitchFamily="34" charset="0"/>
+                <a:ea typeface="Segoe UI" panose="020B0502040204020203" pitchFamily="34" charset="0"/>
+                <a:cs typeface="Segoe UI" panose="020B0502040204020203" pitchFamily="34" charset="0"/>
+              </a:rPr>
+              <a:t>Enter Text</a:t>
+            </a:r>
+          </a:p>
+        </p:txBody>
+      </p:sp>
+      <p:pic>
+        <p:nvPicPr>
+          <p:cNvPr id="4" name="Picture 3"/>
+          <p:cNvPicPr>
+            <a:picLocks noChangeAspect="1"/>
+          </p:cNvPicPr>
+          <p:nvPr/>
+        </p:nvPicPr>
+        <p:blipFill>
+          <a:blip r:embed="rId3">
+            <a:extLst>
+              <a:ext uri="{28A0092B-C50C-407E-A947-70E740481C1C}">
+                <a14:useLocalDpi xmlns:a14="http://schemas.microsoft.com/office/drawing/2010/main" val="0"/>
+              </a:ext>
+            </a:extLst>
+          </a:blip>
+          <a:stretch>
+            <a:fillRect/>
+          </a:stretch>
+        </p:blipFill>
+        <p:spPr>
+          <a:xfrm>
+            <a:off x="0" y="4180"/>
+            <a:ext cx="12192000" cy="6849639"/>
+          </a:xfrm>
+          <a:prstGeom prst="rect">
+            <a:avLst/>
+          </a:prstGeom>
+        </p:spPr>
+      </p:pic>
+      <p:sp>
+        <p:nvSpPr>
+          <p:cNvPr id="6" name="TextBox 5"/>
+          <p:cNvSpPr txBox="1"/>
+          <p:nvPr/>
+        </p:nvSpPr>
+        <p:spPr>
+          <a:xfrm>
+            <a:off x="403747" y="1874676"/>
+            <a:ext cx="9754044" cy="3323987"/>
+          </a:xfrm>
+          <a:prstGeom prst="rect">
+            <a:avLst/>
+          </a:prstGeom>
+          <a:noFill/>
+        </p:spPr>
+        <p:txBody>
+          <a:bodyPr wrap="square" rtlCol="0">
+            <a:spAutoFit/>
+          </a:bodyPr>
+          <a:lstStyle/>
+          <a:p>
+            <a:pPr marL="342900" lvl="0" indent="-342900">
+              <a:buFont typeface="Arial" panose="020B0604020202020204" pitchFamily="34" charset="0"/>
+              <a:buChar char="•"/>
+            </a:pPr>
+            <a:r>
+              <a:rPr lang="en-US" sz="3000" dirty="0">
+                <a:hlinkClick r:id="rId4"/>
+              </a:rPr>
+              <a:t>https://blogs.msdn.microsoft.com/azuredatalake/</a:t>
+            </a:r>
+            <a:endParaRPr lang="en-US" sz="3000" dirty="0"/>
+          </a:p>
+          <a:p>
+            <a:pPr marL="342900" lvl="0" indent="-342900">
+              <a:buFont typeface="Arial" panose="020B0604020202020204" pitchFamily="34" charset="0"/>
+              <a:buChar char="•"/>
+            </a:pPr>
+            <a:endParaRPr lang="en-US" sz="3000" dirty="0">
+              <a:hlinkClick r:id="rId5"/>
+            </a:endParaRPr>
+          </a:p>
+          <a:p>
+            <a:pPr marL="342900" lvl="0" indent="-342900">
+              <a:buFont typeface="Arial" panose="020B0604020202020204" pitchFamily="34" charset="0"/>
+              <a:buChar char="•"/>
+            </a:pPr>
+            <a:r>
+              <a:rPr lang="en-US" sz="3000" dirty="0">
+                <a:hlinkClick r:id="rId5"/>
+              </a:rPr>
+              <a:t>https://azure.microsoft.com/en-in/resources/videos/data-lake-developer-tools/</a:t>
+            </a:r>
+            <a:r>
+              <a:rPr lang="en-US" sz="3000" dirty="0"/>
+              <a:t>  </a:t>
+            </a:r>
+          </a:p>
+          <a:p>
+            <a:pPr marL="342900" lvl="0" indent="-342900">
+              <a:buFont typeface="Arial" panose="020B0604020202020204" pitchFamily="34" charset="0"/>
+              <a:buChar char="•"/>
+            </a:pPr>
+            <a:endParaRPr lang="en-US" sz="3000" dirty="0"/>
+          </a:p>
+          <a:p>
+            <a:pPr marL="342900" lvl="0" indent="-342900">
+              <a:buFont typeface="Arial" panose="020B0604020202020204" pitchFamily="34" charset="0"/>
+              <a:buChar char="•"/>
+            </a:pPr>
+            <a:endParaRPr lang="en-US" sz="3000" dirty="0"/>
+          </a:p>
+          <a:p>
+            <a:pPr marL="342900" lvl="0" indent="-342900">
+              <a:buFont typeface="Arial" panose="020B0604020202020204" pitchFamily="34" charset="0"/>
+              <a:buChar char="•"/>
+            </a:pPr>
+            <a:endParaRPr lang="en-US" sz="3000" dirty="0"/>
+          </a:p>
+        </p:txBody>
+      </p:sp>
+      <p:sp>
+        <p:nvSpPr>
+          <p:cNvPr id="3" name="Rectangle 2">
+            <a:extLst>
+              <a:ext uri="{FF2B5EF4-FFF2-40B4-BE49-F238E27FC236}">
+                <a16:creationId xmlns:a16="http://schemas.microsoft.com/office/drawing/2014/main" id="{5DECC70E-2EDD-4E20-B4C1-240F4C3DD4B7}"/>
+              </a:ext>
+            </a:extLst>
+          </p:cNvPr>
+          <p:cNvSpPr/>
+          <p:nvPr/>
+        </p:nvSpPr>
+        <p:spPr>
+          <a:xfrm>
+            <a:off x="403747" y="848564"/>
+            <a:ext cx="9754044" cy="707886"/>
+          </a:xfrm>
+          <a:prstGeom prst="rect">
+            <a:avLst/>
+          </a:prstGeom>
+          <a:noFill/>
+        </p:spPr>
+        <p:txBody>
+          <a:bodyPr wrap="square" lIns="91440" tIns="45720" rIns="91440" bIns="45720">
+            <a:spAutoFit/>
+          </a:bodyPr>
+          <a:lstStyle/>
+          <a:p>
+            <a:r>
+              <a:rPr lang="en-US" sz="4000" dirty="0">
+                <a:ln w="0"/>
+                <a:effectLst>
+                  <a:outerShdw blurRad="38100" dist="19050" dir="2700000" algn="tl" rotWithShape="0">
+                    <a:schemeClr val="dk1">
+                      <a:alpha val="40000"/>
+                    </a:schemeClr>
+                  </a:outerShdw>
+                </a:effectLst>
+              </a:rPr>
+              <a:t>References</a:t>
+            </a:r>
+          </a:p>
+        </p:txBody>
+      </p:sp>
+    </p:spTree>
+    <p:extLst>
+      <p:ext uri="{BB962C8B-B14F-4D97-AF65-F5344CB8AC3E}">
+        <p14:creationId xmlns:p14="http://schemas.microsoft.com/office/powerpoint/2010/main" val="3797604941"/>
+      </p:ext>
+    </p:extLst>
+  </p:cSld>
+  <p:clrMapOvr>
+    <a:masterClrMapping/>
+  </p:clrMapOvr>
+</p:sld>
+</file>
+
+<file path=ppt/slides/slide19.xml><?xml version="1.0" encoding="utf-8"?>
+<p:sld xmlns:a="http://schemas.openxmlformats.org/drawingml/2006/main" xmlns:r="http://schemas.openxmlformats.org/officeDocument/2006/relationships" xmlns:p="http://schemas.openxmlformats.org/presentationml/2006/main">
+  <p:cSld>
+    <p:spTree>
+      <p:nvGrpSpPr>
+        <p:cNvPr id="1" name=""/>
+        <p:cNvGrpSpPr/>
+        <p:nvPr/>
+      </p:nvGrpSpPr>
+      <p:grpSpPr>
+        <a:xfrm>
+          <a:off x="0" y="0"/>
+          <a:ext cx="0" cy="0"/>
+          <a:chOff x="0" y="0"/>
+          <a:chExt cx="0" cy="0"/>
+        </a:xfrm>
+      </p:grpSpPr>
+      <p:sp>
+        <p:nvSpPr>
+          <p:cNvPr id="2" name="Title 1" hidden="1"/>
+          <p:cNvSpPr>
+            <a:spLocks noGrp="1"/>
+          </p:cNvSpPr>
+          <p:nvPr>
+            <p:ph type="title"/>
+          </p:nvPr>
+        </p:nvSpPr>
+        <p:spPr/>
+        <p:txBody>
+          <a:bodyPr/>
+          <a:lstStyle/>
+          <a:p>
+            <a:endParaRPr lang="en-US" dirty="0"/>
+          </a:p>
+        </p:txBody>
+      </p:sp>
+      <p:sp>
+        <p:nvSpPr>
+          <p:cNvPr id="7" name="Title 1"/>
+          <p:cNvSpPr txBox="1">
+            <a:spLocks/>
+          </p:cNvSpPr>
+          <p:nvPr/>
+        </p:nvSpPr>
+        <p:spPr>
+          <a:xfrm>
+            <a:off x="403747" y="1022492"/>
+            <a:ext cx="8139752" cy="4463908"/>
+          </a:xfrm>
+          <a:prstGeom prst="rect">
+            <a:avLst/>
+          </a:prstGeom>
+        </p:spPr>
+        <p:txBody>
+          <a:bodyPr vert="horz" lIns="91440" tIns="45720" rIns="91440" bIns="45720" rtlCol="0" anchor="ctr">
+            <a:normAutofit/>
+          </a:bodyPr>
+          <a:lstStyle>
+            <a:lvl1pPr algn="l" defTabSz="914400" rtl="0" eaLnBrk="1" latinLnBrk="0" hangingPunct="1">
+              <a:lnSpc>
+                <a:spcPct val="90000"/>
+              </a:lnSpc>
+              <a:spcBef>
+                <a:spcPct val="0"/>
+              </a:spcBef>
+              <a:buNone/>
+              <a:defRPr sz="4400" kern="1200">
+                <a:solidFill>
+                  <a:schemeClr val="tx1"/>
+                </a:solidFill>
+                <a:latin typeface="+mj-lt"/>
+                <a:ea typeface="+mj-ea"/>
+                <a:cs typeface="+mj-cs"/>
+              </a:defRPr>
+            </a:lvl1pPr>
+          </a:lstStyle>
+          <a:p>
+            <a:r>
+              <a:rPr lang="en-US" sz="3200" dirty="0">
+                <a:solidFill>
+                  <a:schemeClr val="bg1"/>
+                </a:solidFill>
+                <a:latin typeface="Segoe UI" panose="020B0502040204020203" pitchFamily="34" charset="0"/>
+                <a:ea typeface="Segoe UI" panose="020B0502040204020203" pitchFamily="34" charset="0"/>
+                <a:cs typeface="Segoe UI" panose="020B0502040204020203" pitchFamily="34" charset="0"/>
+              </a:rPr>
+              <a:t>Enter Text</a:t>
+            </a:r>
+          </a:p>
+        </p:txBody>
+      </p:sp>
+      <p:pic>
+        <p:nvPicPr>
+          <p:cNvPr id="4" name="Picture 3"/>
+          <p:cNvPicPr>
+            <a:picLocks noChangeAspect="1"/>
+          </p:cNvPicPr>
+          <p:nvPr/>
+        </p:nvPicPr>
+        <p:blipFill>
+          <a:blip r:embed="rId2">
+            <a:extLst>
+              <a:ext uri="{28A0092B-C50C-407E-A947-70E740481C1C}">
+                <a14:useLocalDpi xmlns:a14="http://schemas.microsoft.com/office/drawing/2010/main" val="0"/>
+              </a:ext>
+            </a:extLst>
+          </a:blip>
+          <a:stretch>
+            <a:fillRect/>
+          </a:stretch>
+        </p:blipFill>
+        <p:spPr>
+          <a:xfrm>
+            <a:off x="0" y="4180"/>
+            <a:ext cx="12192000" cy="6849639"/>
+          </a:xfrm>
+          <a:prstGeom prst="rect">
+            <a:avLst/>
+          </a:prstGeom>
+        </p:spPr>
+      </p:pic>
+      <p:sp>
+        <p:nvSpPr>
+          <p:cNvPr id="5" name="Rectangle 4">
+            <a:extLst>
+              <a:ext uri="{FF2B5EF4-FFF2-40B4-BE49-F238E27FC236}">
+                <a16:creationId xmlns:a16="http://schemas.microsoft.com/office/drawing/2014/main" id="{95D344C9-CBA8-4BF1-8CA0-979B03AD54B2}"/>
+              </a:ext>
+            </a:extLst>
+          </p:cNvPr>
+          <p:cNvSpPr/>
+          <p:nvPr/>
+        </p:nvSpPr>
+        <p:spPr>
+          <a:xfrm>
+            <a:off x="4147053" y="1026522"/>
+            <a:ext cx="3491918" cy="923330"/>
+          </a:xfrm>
+          <a:prstGeom prst="rect">
+            <a:avLst/>
+          </a:prstGeom>
+          <a:noFill/>
+        </p:spPr>
+        <p:txBody>
+          <a:bodyPr wrap="none" lIns="91440" tIns="45720" rIns="91440" bIns="45720">
+            <a:spAutoFit/>
+          </a:bodyPr>
+          <a:lstStyle/>
+          <a:p>
+            <a:pPr algn="ctr"/>
+            <a:r>
+              <a:rPr lang="en-US" sz="5400" dirty="0">
+                <a:ln w="0"/>
+                <a:effectLst>
+                  <a:outerShdw blurRad="38100" dist="19050" dir="2700000" algn="tl" rotWithShape="0">
+                    <a:schemeClr val="dk1">
+                      <a:alpha val="40000"/>
+                    </a:schemeClr>
+                  </a:outerShdw>
+                </a:effectLst>
+              </a:rPr>
+              <a:t>Questions ?</a:t>
+            </a:r>
+          </a:p>
+        </p:txBody>
+      </p:sp>
+      <p:sp>
+        <p:nvSpPr>
+          <p:cNvPr id="13" name="TextBox 12">
+            <a:extLst>
+              <a:ext uri="{FF2B5EF4-FFF2-40B4-BE49-F238E27FC236}">
+                <a16:creationId xmlns:a16="http://schemas.microsoft.com/office/drawing/2014/main" id="{00F1E887-74F5-4F95-8509-56E70256AA1E}"/>
+              </a:ext>
+            </a:extLst>
+          </p:cNvPr>
+          <p:cNvSpPr txBox="1"/>
+          <p:nvPr/>
+        </p:nvSpPr>
+        <p:spPr>
+          <a:xfrm>
+            <a:off x="1135469" y="4446550"/>
+            <a:ext cx="3338154" cy="430887"/>
+          </a:xfrm>
+          <a:prstGeom prst="rect">
+            <a:avLst/>
+          </a:prstGeom>
+          <a:noFill/>
+        </p:spPr>
+        <p:txBody>
+          <a:bodyPr wrap="square" rtlCol="0">
+            <a:spAutoFit/>
+          </a:bodyPr>
+          <a:lstStyle/>
+          <a:p>
+            <a:r>
+              <a:rPr lang="en-US" sz="2200" dirty="0">
+                <a:solidFill>
+                  <a:schemeClr val="tx2"/>
+                </a:solidFill>
+                <a:ea typeface="Segoe UI" panose="020B0502040204020203" pitchFamily="34" charset="0"/>
+                <a:cs typeface="Segoe UI" panose="020B0502040204020203" pitchFamily="34" charset="0"/>
+                <a:hlinkClick r:id="rId3">
+                  <a:extLst>
+                    <a:ext uri="{A12FA001-AC4F-418D-AE19-62706E023703}">
+                      <ahyp:hlinkClr xmlns="" xmlns:ahyp="http://schemas.microsoft.com/office/drawing/2018/hyperlinkcolor" val="tx"/>
+                    </a:ext>
+                  </a:extLst>
+                </a:hlinkClick>
+              </a:rPr>
+              <a:t>dinesarun@hotmail.com</a:t>
+            </a:r>
+            <a:endParaRPr lang="en-US" sz="2200" dirty="0">
+              <a:solidFill>
+                <a:schemeClr val="tx2"/>
+              </a:solidFill>
+              <a:ea typeface="Segoe UI" panose="020B0502040204020203" pitchFamily="34" charset="0"/>
+              <a:cs typeface="Segoe UI" panose="020B0502040204020203" pitchFamily="34" charset="0"/>
+            </a:endParaRPr>
+          </a:p>
+        </p:txBody>
+      </p:sp>
+      <p:pic>
+        <p:nvPicPr>
+          <p:cNvPr id="14" name="Picture 13">
+            <a:extLst>
+              <a:ext uri="{FF2B5EF4-FFF2-40B4-BE49-F238E27FC236}">
+                <a16:creationId xmlns:a16="http://schemas.microsoft.com/office/drawing/2014/main" id="{D9A53123-1833-40CC-9E6E-D6BC945D047F}"/>
+              </a:ext>
+            </a:extLst>
+          </p:cNvPr>
+          <p:cNvPicPr>
+            <a:picLocks noChangeAspect="1"/>
+          </p:cNvPicPr>
+          <p:nvPr/>
+        </p:nvPicPr>
+        <p:blipFill>
+          <a:blip r:embed="rId4" cstate="print">
+            <a:extLst>
+              <a:ext uri="{28A0092B-C50C-407E-A947-70E740481C1C}">
+                <a14:useLocalDpi xmlns:a14="http://schemas.microsoft.com/office/drawing/2010/main" val="0"/>
+              </a:ext>
+            </a:extLst>
+          </a:blip>
+          <a:stretch>
+            <a:fillRect/>
+          </a:stretch>
+        </p:blipFill>
+        <p:spPr>
+          <a:xfrm>
+            <a:off x="655144" y="5033112"/>
+            <a:ext cx="400110" cy="400110"/>
+          </a:xfrm>
+          <a:prstGeom prst="rect">
+            <a:avLst/>
+          </a:prstGeom>
+        </p:spPr>
+      </p:pic>
+      <p:sp>
+        <p:nvSpPr>
+          <p:cNvPr id="15" name="Rectangle 14">
+            <a:extLst>
+              <a:ext uri="{FF2B5EF4-FFF2-40B4-BE49-F238E27FC236}">
+                <a16:creationId xmlns:a16="http://schemas.microsoft.com/office/drawing/2014/main" id="{0E39F9F4-E445-43D1-9F4C-AF8E0478CF7E}"/>
+              </a:ext>
+            </a:extLst>
+          </p:cNvPr>
+          <p:cNvSpPr/>
+          <p:nvPr/>
+        </p:nvSpPr>
+        <p:spPr>
+          <a:xfrm>
+            <a:off x="1135469" y="5017723"/>
+            <a:ext cx="1535546" cy="430887"/>
+          </a:xfrm>
+          <a:prstGeom prst="rect">
+            <a:avLst/>
+          </a:prstGeom>
+        </p:spPr>
+        <p:txBody>
+          <a:bodyPr wrap="square">
+            <a:spAutoFit/>
+          </a:bodyPr>
+          <a:lstStyle/>
+          <a:p>
+            <a:r>
+              <a:rPr lang="en-US" sz="2200" dirty="0">
+                <a:solidFill>
+                  <a:schemeClr val="tx2"/>
+                </a:solidFill>
+                <a:ea typeface="Segoe UI" panose="020B0502040204020203" pitchFamily="34" charset="0"/>
+                <a:cs typeface="Segoe UI" panose="020B0502040204020203" pitchFamily="34" charset="0"/>
+              </a:rPr>
+              <a:t>dinuswt22</a:t>
+            </a:r>
+          </a:p>
+        </p:txBody>
+      </p:sp>
+      <p:sp>
+        <p:nvSpPr>
+          <p:cNvPr id="20" name="Rectangle 19">
+            <a:extLst>
+              <a:ext uri="{FF2B5EF4-FFF2-40B4-BE49-F238E27FC236}">
+                <a16:creationId xmlns:a16="http://schemas.microsoft.com/office/drawing/2014/main" id="{F64071A0-A47D-4532-945E-A9470B1BCDDF}"/>
+              </a:ext>
+            </a:extLst>
+          </p:cNvPr>
+          <p:cNvSpPr/>
+          <p:nvPr/>
+        </p:nvSpPr>
+        <p:spPr>
+          <a:xfrm>
+            <a:off x="1135469" y="3899138"/>
+            <a:ext cx="5664949" cy="430887"/>
+          </a:xfrm>
+          <a:prstGeom prst="rect">
+            <a:avLst/>
+          </a:prstGeom>
+        </p:spPr>
+        <p:txBody>
+          <a:bodyPr wrap="none">
+            <a:spAutoFit/>
+          </a:bodyPr>
+          <a:lstStyle/>
+          <a:p>
+            <a:r>
+              <a:rPr lang="en-US" sz="2200" dirty="0">
+                <a:ln w="0"/>
+                <a:solidFill>
+                  <a:schemeClr val="tx2"/>
+                </a:solidFill>
+                <a:hlinkClick r:id="rId5">
+                  <a:extLst>
+                    <a:ext uri="{A12FA001-AC4F-418D-AE19-62706E023703}">
+                      <ahyp:hlinkClr xmlns="" xmlns:ahyp="http://schemas.microsoft.com/office/drawing/2018/hyperlinkcolor" val="tx"/>
+                    </a:ext>
+                  </a:extLst>
+                </a:hlinkClick>
+              </a:rPr>
+              <a:t>https://github.com/dinesarun/azurevidyapeeth</a:t>
+            </a:r>
+            <a:r>
+              <a:rPr lang="en-US" sz="2200" dirty="0">
+                <a:ln w="0"/>
+                <a:solidFill>
+                  <a:schemeClr val="tx2"/>
+                </a:solidFill>
+              </a:rPr>
+              <a:t> </a:t>
+            </a:r>
+          </a:p>
+        </p:txBody>
+      </p:sp>
+      <p:pic>
+        <p:nvPicPr>
+          <p:cNvPr id="23" name="Picture 22">
+            <a:extLst>
+              <a:ext uri="{FF2B5EF4-FFF2-40B4-BE49-F238E27FC236}">
+                <a16:creationId xmlns:a16="http://schemas.microsoft.com/office/drawing/2014/main" id="{A9B0461C-AB70-4460-BF27-62E823D6EF90}"/>
+              </a:ext>
+            </a:extLst>
+          </p:cNvPr>
+          <p:cNvPicPr>
+            <a:picLocks noChangeAspect="1"/>
+          </p:cNvPicPr>
+          <p:nvPr/>
+        </p:nvPicPr>
+        <p:blipFill>
+          <a:blip r:embed="rId6" cstate="print">
+            <a:extLst>
+              <a:ext uri="{28A0092B-C50C-407E-A947-70E740481C1C}">
+                <a14:useLocalDpi xmlns:a14="http://schemas.microsoft.com/office/drawing/2010/main" val="0"/>
+              </a:ext>
+            </a:extLst>
+          </a:blip>
+          <a:stretch>
+            <a:fillRect/>
+          </a:stretch>
+        </p:blipFill>
+        <p:spPr>
+          <a:xfrm>
+            <a:off x="655145" y="3914527"/>
+            <a:ext cx="400110" cy="400110"/>
+          </a:xfrm>
+          <a:prstGeom prst="rect">
+            <a:avLst/>
+          </a:prstGeom>
+        </p:spPr>
+      </p:pic>
+      <p:pic>
+        <p:nvPicPr>
+          <p:cNvPr id="17" name="Picture 16">
+            <a:extLst>
+              <a:ext uri="{FF2B5EF4-FFF2-40B4-BE49-F238E27FC236}">
+                <a16:creationId xmlns:a16="http://schemas.microsoft.com/office/drawing/2014/main" id="{ECB69F6C-E75C-4C2B-B650-D04154C65845}"/>
+              </a:ext>
+            </a:extLst>
+          </p:cNvPr>
+          <p:cNvPicPr>
+            <a:picLocks noChangeAspect="1"/>
+          </p:cNvPicPr>
+          <p:nvPr/>
+        </p:nvPicPr>
+        <p:blipFill>
+          <a:blip r:embed="rId7" cstate="print">
+            <a:extLst>
+              <a:ext uri="{28A0092B-C50C-407E-A947-70E740481C1C}">
+                <a14:useLocalDpi xmlns:a14="http://schemas.microsoft.com/office/drawing/2010/main" val="0"/>
+              </a:ext>
+            </a:extLst>
+          </a:blip>
+          <a:stretch>
+            <a:fillRect/>
+          </a:stretch>
+        </p:blipFill>
+        <p:spPr>
+          <a:xfrm>
+            <a:off x="624367" y="4446550"/>
+            <a:ext cx="430887" cy="430887"/>
+          </a:xfrm>
+          <a:prstGeom prst="rect">
+            <a:avLst/>
+          </a:prstGeom>
+        </p:spPr>
+      </p:pic>
+    </p:spTree>
+    <p:extLst>
+      <p:ext uri="{BB962C8B-B14F-4D97-AF65-F5344CB8AC3E}">
+        <p14:creationId xmlns:p14="http://schemas.microsoft.com/office/powerpoint/2010/main" val="445054829"/>
+      </p:ext>
+    </p:extLst>
+  </p:cSld>
+  <p:clrMapOvr>
+    <a:masterClrMapping/>
+  </p:clrMapOvr>
+</p:sld>
+</file>
+
+<file path=ppt/slides/slide2.xml><?xml version="1.0" encoding="utf-8"?>
+<p:sld xmlns:a="http://schemas.openxmlformats.org/drawingml/2006/main" xmlns:r="http://schemas.openxmlformats.org/officeDocument/2006/relationships" xmlns:p="http://schemas.openxmlformats.org/presentationml/2006/main">
+  <p:cSld>
+    <p:bg>
+      <p:bgPr>
+        <a:solidFill>
+          <a:schemeClr val="bg1">
+            <a:tint val="95000"/>
+            <a:satMod val="170000"/>
+          </a:schemeClr>
+        </a:solidFill>
+        <a:effectLst/>
+      </p:bgPr>
+    </p:bg>
+    <p:spTree>
+      <p:nvGrpSpPr>
+        <p:cNvPr id="1" name=""/>
+        <p:cNvGrpSpPr/>
+        <p:nvPr/>
+      </p:nvGrpSpPr>
+      <p:grpSpPr>
+        <a:xfrm>
+          <a:off x="0" y="0"/>
+          <a:ext cx="0" cy="0"/>
+          <a:chOff x="0" y="0"/>
+          <a:chExt cx="0" cy="0"/>
+        </a:xfrm>
+      </p:grpSpPr>
+      <p:sp>
+        <p:nvSpPr>
+          <p:cNvPr id="12" name="Rectangle 11">
+            <a:extLst>
+              <a:ext uri="{FF2B5EF4-FFF2-40B4-BE49-F238E27FC236}">
+                <a16:creationId xmlns:a16="http://schemas.microsoft.com/office/drawing/2014/main" id="{5B336162-B533-4EFE-8BB3-8EBB4A5E32F8}"/>
+              </a:ext>
+              <a:ext uri="{C183D7F6-B498-43B3-948B-1728B52AA6E4}">
+                <adec:decorative xmlns:adec="http://schemas.microsoft.com/office/drawing/2017/decorative" val="1"/>
+              </a:ext>
+            </a:extLst>
+          </p:cNvPr>
+          <p:cNvSpPr>
+            <a:spLocks noGrp="1" noRot="1" noChangeAspect="1" noMove="1" noResize="1" noEditPoints="1" noAdjustHandles="1" noChangeArrowheads="1" noChangeShapeType="1" noTextEdit="1"/>
+          </p:cNvSpPr>
+          <p:nvPr>
+            <p:extLst>
+              <p:ext uri="{386F3935-93C4-4BCD-93E2-E3B085C9AB24}">
+                <p16:designElem xmlns:p16="http://schemas.microsoft.com/office/powerpoint/2015/main" val="1"/>
+              </p:ext>
+            </p:extLst>
+          </p:nvPr>
+        </p:nvSpPr>
+        <p:spPr>
+          <a:xfrm>
+            <a:off x="0" y="0"/>
+            <a:ext cx="5314384" cy="6858000"/>
+          </a:xfrm>
+          <a:prstGeom prst="rect">
+            <a:avLst/>
+          </a:prstGeom>
+          <a:solidFill>
+            <a:srgbClr val="D0CECE"/>
+          </a:solidFill>
+          <a:ln>
+            <a:noFill/>
+          </a:ln>
+        </p:spPr>
+        <p:style>
+          <a:lnRef idx="2">
+            <a:schemeClr val="accent1">
+              <a:shade val="50000"/>
+            </a:schemeClr>
+          </a:lnRef>
+          <a:fillRef idx="1">
+            <a:schemeClr val="accent1"/>
+          </a:fillRef>
+          <a:effectRef idx="0">
+            <a:schemeClr val="accent1"/>
+          </a:effectRef>
+          <a:fontRef idx="minor">
+            <a:schemeClr val="lt1"/>
+          </a:fontRef>
+        </p:style>
+        <p:txBody>
+          <a:bodyPr rtlCol="0" anchor="ctr"/>
+          <a:lstStyle/>
+          <a:p>
+            <a:pPr algn="ctr"/>
+            <a:endParaRPr lang="en-US"/>
+          </a:p>
+        </p:txBody>
+      </p:sp>
+      <p:sp>
+        <p:nvSpPr>
+          <p:cNvPr id="7" name="Title 1"/>
+          <p:cNvSpPr txBox="1">
+            <a:spLocks/>
+          </p:cNvSpPr>
+          <p:nvPr/>
+        </p:nvSpPr>
+        <p:spPr>
+          <a:xfrm>
+            <a:off x="6049182" y="802638"/>
+            <a:ext cx="5408696" cy="5252722"/>
+          </a:xfrm>
+          <a:prstGeom prst="rect">
+            <a:avLst/>
+          </a:prstGeom>
+        </p:spPr>
+        <p:txBody>
+          <a:bodyPr vert="horz" lIns="91440" tIns="45720" rIns="91440" bIns="45720" rtlCol="0" anchor="ctr">
+            <a:normAutofit/>
+          </a:bodyPr>
+          <a:lstStyle>
+            <a:lvl1pPr algn="l" defTabSz="914400" rtl="0" eaLnBrk="1" latinLnBrk="0" hangingPunct="1">
+              <a:lnSpc>
+                <a:spcPct val="90000"/>
+              </a:lnSpc>
+              <a:spcBef>
+                <a:spcPct val="0"/>
+              </a:spcBef>
+              <a:buNone/>
+              <a:defRPr sz="4400" kern="1200">
+                <a:solidFill>
+                  <a:schemeClr val="tx1"/>
+                </a:solidFill>
+                <a:latin typeface="+mj-lt"/>
+                <a:ea typeface="+mj-ea"/>
+                <a:cs typeface="+mj-cs"/>
+              </a:defRPr>
+            </a:lvl1pPr>
+          </a:lstStyle>
+          <a:p>
+            <a:pPr marL="285750" indent="-228600">
+              <a:spcAft>
+                <a:spcPts val="600"/>
+              </a:spcAft>
+              <a:buFont typeface="Arial" panose="020B0604020202020204" pitchFamily="34" charset="0"/>
+              <a:buChar char="•"/>
+            </a:pPr>
+            <a:endParaRPr lang="en-US" sz="2400">
+              <a:latin typeface="+mn-lt"/>
+              <a:ea typeface="+mn-ea"/>
+              <a:cs typeface="+mn-cs"/>
+            </a:endParaRPr>
+          </a:p>
+          <a:p>
+            <a:pPr marL="514350" indent="-228600">
+              <a:spcAft>
+                <a:spcPts val="600"/>
+              </a:spcAft>
+              <a:buFont typeface="Arial" panose="020B0604020202020204" pitchFamily="34" charset="0"/>
+              <a:buChar char="•"/>
+            </a:pPr>
+            <a:r>
+              <a:rPr lang="en-US" sz="2400" dirty="0">
+                <a:latin typeface="+mn-lt"/>
+                <a:ea typeface="+mn-ea"/>
+                <a:cs typeface="+mn-cs"/>
+              </a:rPr>
+              <a:t>Database options in Azure</a:t>
+            </a:r>
+          </a:p>
+          <a:p>
+            <a:pPr marL="514350" indent="-228600">
+              <a:spcAft>
+                <a:spcPts val="600"/>
+              </a:spcAft>
+              <a:buFont typeface="Arial" panose="020B0604020202020204" pitchFamily="34" charset="0"/>
+              <a:buChar char="•"/>
+            </a:pPr>
+            <a:r>
+              <a:rPr lang="en-US" sz="2400" dirty="0">
+                <a:latin typeface="+mn-lt"/>
+                <a:ea typeface="+mn-ea"/>
+                <a:cs typeface="+mn-cs"/>
+              </a:rPr>
+              <a:t>Why should I choose Data Lake?</a:t>
+            </a:r>
+          </a:p>
+          <a:p>
+            <a:pPr marL="514350" indent="-228600">
+              <a:spcAft>
+                <a:spcPts val="600"/>
+              </a:spcAft>
+              <a:buFont typeface="Arial" panose="020B0604020202020204" pitchFamily="34" charset="0"/>
+              <a:buChar char="•"/>
+            </a:pPr>
+            <a:r>
+              <a:rPr lang="en-US" sz="2400" dirty="0">
+                <a:latin typeface="+mn-lt"/>
+                <a:ea typeface="+mn-ea"/>
+                <a:cs typeface="+mn-cs"/>
+              </a:rPr>
+              <a:t>Control v Business value</a:t>
+            </a:r>
+          </a:p>
+          <a:p>
+            <a:pPr marL="514350" indent="-228600">
+              <a:spcAft>
+                <a:spcPts val="600"/>
+              </a:spcAft>
+              <a:buFont typeface="Arial" panose="020B0604020202020204" pitchFamily="34" charset="0"/>
+              <a:buChar char="•"/>
+            </a:pPr>
+            <a:endParaRPr lang="en-US" sz="2400" dirty="0">
+              <a:latin typeface="+mn-lt"/>
+              <a:ea typeface="+mn-ea"/>
+              <a:cs typeface="+mn-cs"/>
+            </a:endParaRPr>
+          </a:p>
+        </p:txBody>
+      </p:sp>
+      <p:sp>
+        <p:nvSpPr>
+          <p:cNvPr id="2" name="Title 1" hidden="1"/>
+          <p:cNvSpPr>
+            <a:spLocks noGrp="1"/>
+          </p:cNvSpPr>
+          <p:nvPr>
+            <p:ph type="title"/>
+          </p:nvPr>
+        </p:nvSpPr>
+        <p:spPr/>
+        <p:txBody>
+          <a:bodyPr>
+            <a:normAutofit/>
+          </a:bodyPr>
+          <a:lstStyle/>
+          <a:p>
+            <a:r>
+              <a:rPr lang="en-US" dirty="0" err="1"/>
+              <a:t>Agensss</a:t>
+            </a:r>
+            <a:endParaRPr lang="en-US" dirty="0"/>
+          </a:p>
+        </p:txBody>
+      </p:sp>
+      <p:sp>
+        <p:nvSpPr>
+          <p:cNvPr id="3" name="Rectangle 2">
+            <a:extLst>
+              <a:ext uri="{FF2B5EF4-FFF2-40B4-BE49-F238E27FC236}">
+                <a16:creationId xmlns:a16="http://schemas.microsoft.com/office/drawing/2014/main" id="{5DECC70E-2EDD-4E20-B4C1-240F4C3DD4B7}"/>
+              </a:ext>
+            </a:extLst>
+          </p:cNvPr>
+          <p:cNvSpPr/>
+          <p:nvPr/>
+        </p:nvSpPr>
+        <p:spPr>
+          <a:xfrm>
+            <a:off x="403747" y="848564"/>
+            <a:ext cx="2408333" cy="707886"/>
+          </a:xfrm>
+          <a:prstGeom prst="rect">
+            <a:avLst/>
+          </a:prstGeom>
+          <a:noFill/>
+        </p:spPr>
+        <p:txBody>
+          <a:bodyPr wrap="square" lIns="91440" tIns="45720" rIns="91440" bIns="45720">
+            <a:spAutoFit/>
+          </a:bodyPr>
+          <a:lstStyle/>
+          <a:p>
+            <a:endParaRPr lang="en-US" sz="4000" dirty="0">
+              <a:ln w="0"/>
+              <a:effectLst>
+                <a:outerShdw blurRad="38100" dist="19050" dir="2700000" algn="tl" rotWithShape="0">
+                  <a:schemeClr val="dk1">
+                    <a:alpha val="40000"/>
+                  </a:schemeClr>
+                </a:outerShdw>
+              </a:effectLst>
+            </a:endParaRPr>
+          </a:p>
+        </p:txBody>
+      </p:sp>
+      <p:sp>
+        <p:nvSpPr>
+          <p:cNvPr id="24" name="Title 1">
+            <a:extLst>
+              <a:ext uri="{FF2B5EF4-FFF2-40B4-BE49-F238E27FC236}">
+                <a16:creationId xmlns:a16="http://schemas.microsoft.com/office/drawing/2014/main" id="{DC31FA86-3847-48D3-9F7C-CCA04A249F1A}"/>
+              </a:ext>
+            </a:extLst>
+          </p:cNvPr>
+          <p:cNvSpPr txBox="1">
+            <a:spLocks/>
+          </p:cNvSpPr>
+          <p:nvPr/>
+        </p:nvSpPr>
+        <p:spPr>
+          <a:xfrm>
+            <a:off x="1490598" y="2590731"/>
+            <a:ext cx="2647059" cy="1676537"/>
+          </a:xfrm>
+          <a:prstGeom prst="rect">
+            <a:avLst/>
+          </a:prstGeom>
+        </p:spPr>
+        <p:txBody>
+          <a:bodyPr vert="horz" lIns="91440" tIns="45720" rIns="91440" bIns="45720" rtlCol="0" anchor="ctr">
+            <a:normAutofit/>
+          </a:bodyPr>
+          <a:lstStyle>
+            <a:lvl1pPr algn="l" defTabSz="914400" rtl="0" eaLnBrk="1" latinLnBrk="0" hangingPunct="1">
+              <a:lnSpc>
+                <a:spcPct val="90000"/>
+              </a:lnSpc>
+              <a:spcBef>
+                <a:spcPct val="0"/>
+              </a:spcBef>
+              <a:buNone/>
+              <a:defRPr sz="4400" kern="1200">
+                <a:solidFill>
+                  <a:schemeClr val="tx1"/>
+                </a:solidFill>
+                <a:latin typeface="+mj-lt"/>
+                <a:ea typeface="+mj-ea"/>
+                <a:cs typeface="+mj-cs"/>
+              </a:defRPr>
+            </a:lvl1pPr>
+          </a:lstStyle>
+          <a:p>
+            <a:r>
+              <a:rPr lang="en-US" sz="5600" dirty="0">
+                <a:ln w="0"/>
+                <a:solidFill>
+                  <a:schemeClr val="bg1"/>
+                </a:solidFill>
+                <a:effectLst>
+                  <a:outerShdw blurRad="38100" dist="19050" dir="2700000" algn="tl" rotWithShape="0">
+                    <a:schemeClr val="dk1">
+                      <a:alpha val="40000"/>
+                    </a:schemeClr>
+                  </a:outerShdw>
+                </a:effectLst>
+              </a:rPr>
+              <a:t>Agenda</a:t>
+            </a:r>
+            <a:endParaRPr lang="en-US" sz="5600" dirty="0">
+              <a:solidFill>
+                <a:schemeClr val="bg1"/>
+              </a:solidFill>
+            </a:endParaRPr>
+          </a:p>
+        </p:txBody>
+      </p:sp>
+    </p:spTree>
+    <p:extLst>
+      <p:ext uri="{BB962C8B-B14F-4D97-AF65-F5344CB8AC3E}">
+        <p14:creationId xmlns:p14="http://schemas.microsoft.com/office/powerpoint/2010/main" val="3863763873"/>
+      </p:ext>
+    </p:extLst>
+  </p:cSld>
+  <p:clrMapOvr>
+    <a:overrideClrMapping bg1="dk1" tx1="lt1" bg2="dk2" tx2="lt2" accent1="accent1" accent2="accent2" accent3="accent3" accent4="accent4" accent5="accent5" accent6="accent6" hlink="hlink" folHlink="folHlink"/>
+  </p:clrMapOvr>
+</p:sld>
+</file>
+
+<file path=ppt/slides/slide3.xml><?xml version="1.0" encoding="utf-8"?>
+<p:sld xmlns:a="http://schemas.openxmlformats.org/drawingml/2006/main" xmlns:r="http://schemas.openxmlformats.org/officeDocument/2006/relationships" xmlns:p="http://schemas.openxmlformats.org/presentationml/2006/main">
+  <p:cSld>
+    <p:bg>
+      <p:bgPr>
+        <a:solidFill>
+          <a:schemeClr val="bg1"/>
+        </a:solidFill>
+        <a:effectLst/>
+      </p:bgPr>
+    </p:bg>
+    <p:spTree>
+      <p:nvGrpSpPr>
+        <p:cNvPr id="1" name=""/>
+        <p:cNvGrpSpPr/>
+        <p:nvPr/>
+      </p:nvGrpSpPr>
+      <p:grpSpPr>
+        <a:xfrm>
+          <a:off x="0" y="0"/>
+          <a:ext cx="0" cy="0"/>
+          <a:chOff x="0" y="0"/>
+          <a:chExt cx="0" cy="0"/>
+        </a:xfrm>
+      </p:grpSpPr>
+      <p:sp>
+        <p:nvSpPr>
+          <p:cNvPr id="10" name="Down Arrow 7">
+            <a:extLst>
+              <a:ext uri="{FF2B5EF4-FFF2-40B4-BE49-F238E27FC236}">
+                <a16:creationId xmlns:a16="http://schemas.microsoft.com/office/drawing/2014/main" id="{73DE2CFE-42F2-48F0-8706-5264E012B10C}"/>
+              </a:ext>
+              <a:ext uri="{C183D7F6-B498-43B3-948B-1728B52AA6E4}">
+                <adec:decorative xmlns:adec="http://schemas.microsoft.com/office/drawing/2017/decorative" val="1"/>
+              </a:ext>
+            </a:extLst>
+          </p:cNvPr>
+          <p:cNvSpPr>
+            <a:spLocks noGrp="1" noRot="1" noChangeAspect="1" noMove="1" noResize="1" noEditPoints="1" noAdjustHandles="1" noChangeArrowheads="1" noChangeShapeType="1" noTextEdit="1"/>
+          </p:cNvSpPr>
+          <p:nvPr>
+            <p:extLst>
+              <p:ext uri="{386F3935-93C4-4BCD-93E2-E3B085C9AB24}">
+                <p16:designElem xmlns:p16="http://schemas.microsoft.com/office/powerpoint/2015/main" val="1"/>
+              </p:ext>
+            </p:extLst>
+          </p:nvPr>
+        </p:nvSpPr>
+        <p:spPr>
+          <a:xfrm rot="16200000">
+            <a:off x="5662795" y="-3745097"/>
+            <a:ext cx="1354979" cy="10750169"/>
+          </a:xfrm>
+          <a:prstGeom prst="downArrow">
+            <a:avLst>
+              <a:gd name="adj1" fmla="val 100000"/>
+              <a:gd name="adj2" fmla="val 22582"/>
+            </a:avLst>
+          </a:prstGeom>
+          <a:solidFill>
+            <a:srgbClr val="404040"/>
+          </a:solidFill>
+          <a:ln w="53975">
+            <a:noFill/>
+          </a:ln>
+        </p:spPr>
+        <p:style>
+          <a:lnRef idx="2">
+            <a:schemeClr val="accent1">
+              <a:shade val="50000"/>
+            </a:schemeClr>
+          </a:lnRef>
+          <a:fillRef idx="1">
+            <a:schemeClr val="accent1"/>
+          </a:fillRef>
+          <a:effectRef idx="0">
+            <a:schemeClr val="accent1"/>
+          </a:effectRef>
+          <a:fontRef idx="minor">
+            <a:schemeClr val="lt1"/>
+          </a:fontRef>
+        </p:style>
+        <p:txBody>
+          <a:bodyPr rtlCol="0" anchor="ctr"/>
+          <a:lstStyle/>
+          <a:p>
+            <a:pPr marL="0" marR="0" lvl="0" indent="0" algn="ctr" defTabSz="914400" rtl="0" eaLnBrk="1" fontAlgn="auto" latinLnBrk="0" hangingPunct="1">
+              <a:lnSpc>
+                <a:spcPct val="100000"/>
+              </a:lnSpc>
+              <a:spcBef>
+                <a:spcPts val="0"/>
+              </a:spcBef>
+              <a:spcAft>
+                <a:spcPts val="0"/>
+              </a:spcAft>
+              <a:buClrTx/>
+              <a:buSzTx/>
+              <a:buFontTx/>
+              <a:buNone/>
+              <a:tabLst/>
+              <a:defRPr/>
+            </a:pPr>
+            <a:endParaRPr kumimoji="0" lang="en-US" sz="1800" b="0" i="0" u="none" strike="noStrike" kern="1200" cap="none" spc="0" normalizeH="0" baseline="0" noProof="0">
+              <a:ln>
+                <a:noFill/>
+              </a:ln>
+              <a:solidFill>
+                <a:prstClr val="white"/>
+              </a:solidFill>
+              <a:effectLst/>
+              <a:uLnTx/>
+              <a:uFillTx/>
+              <a:latin typeface="Calibri" panose="020F0502020204030204"/>
+              <a:ea typeface="+mn-ea"/>
+              <a:cs typeface="+mn-cs"/>
+            </a:endParaRPr>
+          </a:p>
+        </p:txBody>
+      </p:sp>
+      <p:sp>
+        <p:nvSpPr>
+          <p:cNvPr id="2" name="Title 1">
+            <a:extLst>
+              <a:ext uri="{FF2B5EF4-FFF2-40B4-BE49-F238E27FC236}">
+                <a16:creationId xmlns:a16="http://schemas.microsoft.com/office/drawing/2014/main" id="{D1DFC740-E98C-4D1B-96D9-BFDF2FE0F1E7}"/>
+              </a:ext>
+            </a:extLst>
+          </p:cNvPr>
+          <p:cNvSpPr>
+            <a:spLocks noGrp="1"/>
+          </p:cNvSpPr>
+          <p:nvPr>
+            <p:ph type="title"/>
+          </p:nvPr>
+        </p:nvSpPr>
+        <p:spPr>
+          <a:xfrm>
+            <a:off x="1286932" y="1204109"/>
+            <a:ext cx="10023398" cy="857894"/>
+          </a:xfrm>
+        </p:spPr>
+        <p:txBody>
+          <a:bodyPr>
+            <a:normAutofit/>
+          </a:bodyPr>
+          <a:lstStyle/>
+          <a:p>
+            <a:r>
+              <a:rPr lang="en-US" sz="4000">
+                <a:solidFill>
+                  <a:srgbClr val="FFFFFF"/>
+                </a:solidFill>
+              </a:rPr>
+              <a:t>BigData – Apache Hadoop – Data Lake</a:t>
+            </a:r>
+          </a:p>
+        </p:txBody>
+      </p:sp>
+      <p:sp>
+        <p:nvSpPr>
+          <p:cNvPr id="3" name="Content Placeholder 2">
+            <a:extLst>
+              <a:ext uri="{FF2B5EF4-FFF2-40B4-BE49-F238E27FC236}">
+                <a16:creationId xmlns:a16="http://schemas.microsoft.com/office/drawing/2014/main" id="{C33E2DB0-AB25-48A2-89A1-D57DFF34F0A5}"/>
+              </a:ext>
+            </a:extLst>
+          </p:cNvPr>
+          <p:cNvSpPr>
+            <a:spLocks noGrp="1"/>
+          </p:cNvSpPr>
+          <p:nvPr>
+            <p:ph idx="1"/>
+          </p:nvPr>
+        </p:nvSpPr>
+        <p:spPr>
+          <a:xfrm>
+            <a:off x="1286930" y="2962451"/>
+            <a:ext cx="4052499" cy="2820012"/>
+          </a:xfrm>
+        </p:spPr>
+        <p:txBody>
+          <a:bodyPr>
+            <a:normAutofit/>
+          </a:bodyPr>
+          <a:lstStyle/>
+          <a:p>
+            <a:r>
+              <a:rPr lang="en-US" sz="1800" dirty="0"/>
+              <a:t>Data Lake – Store any kind of data. Like water from different sources pool into a Lake and get stored.</a:t>
+            </a:r>
+          </a:p>
+          <a:p>
+            <a:r>
+              <a:rPr lang="en-US" sz="1800" dirty="0"/>
+              <a:t>Hadoop was the first major data lake with “HDFS” accepting videos, files, logs,…</a:t>
+            </a:r>
+          </a:p>
+          <a:p>
+            <a:r>
+              <a:rPr lang="en-US" sz="1800" dirty="0"/>
+              <a:t>Hadoop’s disadvantage – Slow processing that was overcome by tools like Spark, etc. </a:t>
+            </a:r>
+          </a:p>
+          <a:p>
+            <a:endParaRPr lang="en-US" sz="1800" dirty="0"/>
+          </a:p>
+          <a:p>
+            <a:endParaRPr lang="en-US" sz="1800" dirty="0"/>
+          </a:p>
+          <a:p>
+            <a:pPr marL="0" indent="0">
+              <a:buNone/>
+            </a:pPr>
+            <a:endParaRPr lang="en-US" sz="1800" dirty="0"/>
+          </a:p>
+        </p:txBody>
+      </p:sp>
+      <p:pic>
+        <p:nvPicPr>
+          <p:cNvPr id="5" name="Picture 4" descr="A screenshot of a video game&#10;&#10;Description generated with high confidence">
+            <a:extLst>
+              <a:ext uri="{FF2B5EF4-FFF2-40B4-BE49-F238E27FC236}">
+                <a16:creationId xmlns:a16="http://schemas.microsoft.com/office/drawing/2014/main" id="{79823462-CFD3-4584-8729-A74B23520607}"/>
+              </a:ext>
+            </a:extLst>
+          </p:cNvPr>
+          <p:cNvPicPr>
+            <a:picLocks noChangeAspect="1"/>
+          </p:cNvPicPr>
+          <p:nvPr/>
+        </p:nvPicPr>
+        <p:blipFill>
+          <a:blip r:embed="rId3">
+            <a:extLst>
+              <a:ext uri="{28A0092B-C50C-407E-A947-70E740481C1C}">
+                <a14:useLocalDpi xmlns:a14="http://schemas.microsoft.com/office/drawing/2010/main" val="0"/>
+              </a:ext>
+            </a:extLst>
+          </a:blip>
+          <a:stretch>
+            <a:fillRect/>
+          </a:stretch>
+        </p:blipFill>
+        <p:spPr>
+          <a:xfrm>
+            <a:off x="6153535" y="2950094"/>
+            <a:ext cx="5035735" cy="2820012"/>
+          </a:xfrm>
+          <a:prstGeom prst="rect">
+            <a:avLst/>
+          </a:prstGeom>
+        </p:spPr>
+      </p:pic>
+      <p:sp>
+        <p:nvSpPr>
+          <p:cNvPr id="6" name="Rectangle 5">
+            <a:extLst>
+              <a:ext uri="{FF2B5EF4-FFF2-40B4-BE49-F238E27FC236}">
+                <a16:creationId xmlns:a16="http://schemas.microsoft.com/office/drawing/2014/main" id="{679DA01B-4D3A-404F-A423-1FFD68B29DB6}"/>
+              </a:ext>
+            </a:extLst>
+          </p:cNvPr>
+          <p:cNvSpPr/>
+          <p:nvPr/>
+        </p:nvSpPr>
+        <p:spPr>
+          <a:xfrm>
+            <a:off x="7030903" y="5904476"/>
+            <a:ext cx="4279427" cy="261610"/>
+          </a:xfrm>
+          <a:prstGeom prst="rect">
+            <a:avLst/>
+          </a:prstGeom>
+        </p:spPr>
+        <p:txBody>
+          <a:bodyPr wrap="square">
+            <a:spAutoFit/>
+          </a:bodyPr>
+          <a:lstStyle/>
+          <a:p>
+            <a:pPr algn="r"/>
+            <a:r>
+              <a:rPr lang="en-US" sz="1050" dirty="0"/>
+              <a:t>From: https://www.intricity.com/data-warehousing/what-is-a-data-lake/</a:t>
+            </a:r>
+          </a:p>
+        </p:txBody>
+      </p:sp>
+    </p:spTree>
+    <p:extLst>
+      <p:ext uri="{BB962C8B-B14F-4D97-AF65-F5344CB8AC3E}">
+        <p14:creationId xmlns:p14="http://schemas.microsoft.com/office/powerpoint/2010/main" val="463510590"/>
+      </p:ext>
+    </p:extLst>
+  </p:cSld>
+  <p:clrMapOvr>
+    <a:masterClrMapping/>
+  </p:clrMapOvr>
+</p:sld>
+</file>
+
+<file path=ppt/slides/slide4.xml><?xml version="1.0" encoding="utf-8"?>
+<p:sld xmlns:a="http://schemas.openxmlformats.org/drawingml/2006/main" xmlns:r="http://schemas.openxmlformats.org/officeDocument/2006/relationships" xmlns:p="http://schemas.openxmlformats.org/presentationml/2006/main">
+  <p:cSld>
+    <p:bg>
+      <p:bgPr>
+        <a:solidFill>
+          <a:schemeClr val="bg1"/>
+        </a:solidFill>
+        <a:effectLst/>
+      </p:bgPr>
+    </p:bg>
+    <p:spTree>
+      <p:nvGrpSpPr>
+        <p:cNvPr id="1" name=""/>
+        <p:cNvGrpSpPr/>
+        <p:nvPr/>
+      </p:nvGrpSpPr>
+      <p:grpSpPr>
+        <a:xfrm>
+          <a:off x="0" y="0"/>
+          <a:ext cx="0" cy="0"/>
+          <a:chOff x="0" y="0"/>
+          <a:chExt cx="0" cy="0"/>
+        </a:xfrm>
+      </p:grpSpPr>
+      <p:sp>
+        <p:nvSpPr>
+          <p:cNvPr id="9" name="Rectangle 11">
+            <a:extLst>
+              <a:ext uri="{FF2B5EF4-FFF2-40B4-BE49-F238E27FC236}">
+                <a16:creationId xmlns:a16="http://schemas.microsoft.com/office/drawing/2014/main" id="{823AC064-BC96-4F32-8AE1-B2FD38754823}"/>
+              </a:ext>
+              <a:ext uri="{C183D7F6-B498-43B3-948B-1728B52AA6E4}">
+                <adec:decorative xmlns:adec="http://schemas.microsoft.com/office/drawing/2017/decorative" val="1"/>
+              </a:ext>
+            </a:extLst>
+          </p:cNvPr>
+          <p:cNvSpPr>
+            <a:spLocks noGrp="1" noRot="1" noChangeAspect="1" noMove="1" noResize="1" noEditPoints="1" noAdjustHandles="1" noChangeArrowheads="1" noChangeShapeType="1" noTextEdit="1"/>
+          </p:cNvSpPr>
+          <p:nvPr>
+            <p:extLst>
+              <p:ext uri="{386F3935-93C4-4BCD-93E2-E3B085C9AB24}">
+                <p16:designElem xmlns:p16="http://schemas.microsoft.com/office/powerpoint/2015/main" val="1"/>
+              </p:ext>
+            </p:extLst>
+          </p:nvPr>
+        </p:nvSpPr>
+        <p:spPr bwMode="ltGray">
+          <a:xfrm>
+            <a:off x="378068" y="4633546"/>
+            <a:ext cx="11438793" cy="1844256"/>
+          </a:xfrm>
+          <a:prstGeom prst="rect">
+            <a:avLst/>
+          </a:prstGeom>
+          <a:solidFill>
+            <a:srgbClr val="404040"/>
+          </a:solidFill>
+          <a:ln w="127000" cap="sq" cmpd="thinThick">
+            <a:solidFill>
+              <a:srgbClr val="404040"/>
+            </a:solidFill>
+          </a:ln>
+        </p:spPr>
+        <p:style>
+          <a:lnRef idx="2">
+            <a:schemeClr val="accent1">
+              <a:shade val="50000"/>
+            </a:schemeClr>
+          </a:lnRef>
+          <a:fillRef idx="1">
+            <a:schemeClr val="accent1"/>
+          </a:fillRef>
+          <a:effectRef idx="0">
+            <a:schemeClr val="accent1"/>
+          </a:effectRef>
+          <a:fontRef idx="minor">
+            <a:schemeClr val="lt1"/>
+          </a:fontRef>
+        </p:style>
+        <p:txBody>
+          <a:bodyPr rtlCol="0" anchor="ctr"/>
+          <a:lstStyle/>
+          <a:p>
+            <a:pPr marL="0" marR="0" lvl="0" indent="0" algn="ctr" defTabSz="914400" rtl="0" eaLnBrk="1" fontAlgn="auto" latinLnBrk="0" hangingPunct="1">
+              <a:lnSpc>
+                <a:spcPct val="100000"/>
+              </a:lnSpc>
+              <a:spcBef>
+                <a:spcPts val="0"/>
+              </a:spcBef>
+              <a:spcAft>
+                <a:spcPts val="0"/>
+              </a:spcAft>
+              <a:buClrTx/>
+              <a:buSzTx/>
+              <a:buFontTx/>
+              <a:buNone/>
+              <a:tabLst/>
+              <a:defRPr/>
+            </a:pPr>
+            <a:endParaRPr kumimoji="0" lang="en-US" sz="1800" b="0" i="0" u="none" strike="noStrike" kern="1200" cap="none" spc="0" normalizeH="0" baseline="0" noProof="0">
+              <a:ln>
+                <a:noFill/>
+              </a:ln>
+              <a:solidFill>
+                <a:prstClr val="white"/>
+              </a:solidFill>
+              <a:effectLst/>
+              <a:uLnTx/>
+              <a:uFillTx/>
+              <a:latin typeface="Calibri" panose="020F0502020204030204"/>
+              <a:ea typeface="+mn-ea"/>
+              <a:cs typeface="+mn-cs"/>
+            </a:endParaRPr>
+          </a:p>
+        </p:txBody>
+      </p:sp>
+      <p:sp>
+        <p:nvSpPr>
+          <p:cNvPr id="7" name="Title 1"/>
+          <p:cNvSpPr txBox="1">
+            <a:spLocks/>
+          </p:cNvSpPr>
+          <p:nvPr/>
+        </p:nvSpPr>
+        <p:spPr>
+          <a:xfrm>
+            <a:off x="526073" y="4756638"/>
+            <a:ext cx="11139854" cy="930447"/>
+          </a:xfrm>
+          <a:prstGeom prst="rect">
+            <a:avLst/>
+          </a:prstGeom>
+        </p:spPr>
+        <p:txBody>
+          <a:bodyPr vert="horz" lIns="91440" tIns="45720" rIns="91440" bIns="45720" rtlCol="0" anchor="b">
+            <a:normAutofit/>
+          </a:bodyPr>
+          <a:lstStyle>
+            <a:lvl1pPr algn="l" defTabSz="914400" rtl="0" eaLnBrk="1" latinLnBrk="0" hangingPunct="1">
+              <a:lnSpc>
+                <a:spcPct val="90000"/>
+              </a:lnSpc>
+              <a:spcBef>
+                <a:spcPct val="0"/>
+              </a:spcBef>
+              <a:buNone/>
+              <a:defRPr sz="4400" kern="1200">
+                <a:solidFill>
+                  <a:schemeClr val="tx1"/>
+                </a:solidFill>
+                <a:latin typeface="+mj-lt"/>
+                <a:ea typeface="+mj-ea"/>
+                <a:cs typeface="+mj-cs"/>
+              </a:defRPr>
+            </a:lvl1pPr>
+          </a:lstStyle>
+          <a:p>
+            <a:pPr algn="ctr">
+              <a:spcAft>
+                <a:spcPts val="600"/>
+              </a:spcAft>
+            </a:pPr>
+            <a:r>
+              <a:rPr lang="en-US" sz="5400" kern="1200">
+                <a:solidFill>
+                  <a:srgbClr val="FFFFFF"/>
+                </a:solidFill>
+                <a:latin typeface="+mj-lt"/>
+                <a:ea typeface="+mj-ea"/>
+                <a:cs typeface="+mj-cs"/>
+              </a:rPr>
+              <a:t>Database options in Azure</a:t>
+            </a:r>
+          </a:p>
+        </p:txBody>
+      </p:sp>
+      <p:pic>
+        <p:nvPicPr>
+          <p:cNvPr id="5" name="Picture 4">
+            <a:extLst>
+              <a:ext uri="{FF2B5EF4-FFF2-40B4-BE49-F238E27FC236}">
+                <a16:creationId xmlns:a16="http://schemas.microsoft.com/office/drawing/2014/main" id="{7E7B9D47-43B9-401B-B302-53E330CE30B4}"/>
+              </a:ext>
+            </a:extLst>
+          </p:cNvPr>
+          <p:cNvPicPr>
+            <a:picLocks noChangeAspect="1"/>
+          </p:cNvPicPr>
+          <p:nvPr/>
+        </p:nvPicPr>
+        <p:blipFill>
+          <a:blip r:embed="rId3">
+            <a:extLst>
+              <a:ext uri="{BEBA8EAE-BF5A-486C-A8C5-ECC9F3942E4B}">
+                <a14:imgProps xmlns:a14="http://schemas.microsoft.com/office/drawing/2010/main">
+                  <a14:imgLayer r:embed="rId4">
+                    <a14:imgEffect>
+                      <a14:colorTemperature colorTemp="9334"/>
+                    </a14:imgEffect>
+                    <a14:imgEffect>
+                      <a14:saturation sat="264000"/>
+                    </a14:imgEffect>
+                    <a14:imgEffect>
+                      <a14:brightnessContrast bright="11000" contrast="-29000"/>
+                    </a14:imgEffect>
+                  </a14:imgLayer>
+                </a14:imgProps>
+              </a:ext>
+            </a:extLst>
+          </a:blip>
+          <a:stretch>
+            <a:fillRect/>
+          </a:stretch>
+        </p:blipFill>
+        <p:spPr>
+          <a:xfrm>
+            <a:off x="842781" y="307731"/>
+            <a:ext cx="10451339" cy="3997637"/>
+          </a:xfrm>
+          <a:prstGeom prst="rect">
+            <a:avLst/>
+          </a:prstGeom>
+        </p:spPr>
+      </p:pic>
+      <p:cxnSp>
+        <p:nvCxnSpPr>
+          <p:cNvPr id="14" name="Straight Connector 13">
+            <a:extLst>
+              <a:ext uri="{FF2B5EF4-FFF2-40B4-BE49-F238E27FC236}">
+                <a16:creationId xmlns:a16="http://schemas.microsoft.com/office/drawing/2014/main" id="{7E7C77BC-7138-40B1-A15B-20F57A494629}"/>
+              </a:ext>
+              <a:ext uri="{C183D7F6-B498-43B3-948B-1728B52AA6E4}">
+                <adec:decorative xmlns:adec="http://schemas.microsoft.com/office/drawing/2017/decorative" val="1"/>
+              </a:ext>
+            </a:extLst>
+          </p:cNvPr>
+          <p:cNvCxnSpPr>
+            <a:cxnSpLocks noGrp="1" noRot="1" noChangeAspect="1" noMove="1" noResize="1" noEditPoints="1" noAdjustHandles="1" noChangeArrowheads="1" noChangeShapeType="1"/>
+          </p:cNvCxnSpPr>
+          <p:nvPr>
+            <p:extLst>
+              <p:ext uri="{386F3935-93C4-4BCD-93E2-E3B085C9AB24}">
+                <p16:designElem xmlns:p16="http://schemas.microsoft.com/office/powerpoint/2015/main" val="1"/>
+              </p:ext>
+            </p:extLst>
+          </p:nvPr>
+        </p:nvCxnSpPr>
+        <p:spPr>
+          <a:xfrm>
+            <a:off x="2209800" y="5738691"/>
+            <a:ext cx="7772400" cy="0"/>
+          </a:xfrm>
+          <a:prstGeom prst="line">
+            <a:avLst/>
+          </a:prstGeom>
+          <a:ln w="22225">
+            <a:solidFill>
+              <a:srgbClr val="D9D9D9"/>
+            </a:solidFill>
+          </a:ln>
+        </p:spPr>
+        <p:style>
+          <a:lnRef idx="1">
+            <a:schemeClr val="accent1"/>
+          </a:lnRef>
+          <a:fillRef idx="0">
+            <a:schemeClr val="accent1"/>
+          </a:fillRef>
+          <a:effectRef idx="0">
+            <a:schemeClr val="accent1"/>
+          </a:effectRef>
+          <a:fontRef idx="minor">
+            <a:schemeClr val="tx1"/>
+          </a:fontRef>
+        </p:style>
+      </p:cxnSp>
+      <p:sp>
+        <p:nvSpPr>
+          <p:cNvPr id="2" name="Title 1" hidden="1"/>
+          <p:cNvSpPr>
+            <a:spLocks noGrp="1"/>
+          </p:cNvSpPr>
+          <p:nvPr>
+            <p:ph type="title"/>
+          </p:nvPr>
+        </p:nvSpPr>
+        <p:spPr/>
+        <p:txBody>
+          <a:bodyPr/>
+          <a:lstStyle/>
+          <a:p>
+            <a:endParaRPr lang="en-US" dirty="0"/>
+          </a:p>
+        </p:txBody>
+      </p:sp>
+    </p:spTree>
+    <p:extLst>
+      <p:ext uri="{BB962C8B-B14F-4D97-AF65-F5344CB8AC3E}">
+        <p14:creationId xmlns:p14="http://schemas.microsoft.com/office/powerpoint/2010/main" val="2163416231"/>
+      </p:ext>
+    </p:extLst>
+  </p:cSld>
+  <p:clrMapOvr>
+    <a:masterClrMapping/>
+  </p:clrMapOvr>
+</p:sld>
+</file>
+
+<file path=ppt/slides/slide5.xml><?xml version="1.0" encoding="utf-8"?>
+<p:sld xmlns:a="http://schemas.openxmlformats.org/drawingml/2006/main" xmlns:r="http://schemas.openxmlformats.org/officeDocument/2006/relationships" xmlns:p="http://schemas.openxmlformats.org/presentationml/2006/main">
+  <p:cSld>
+    <p:bg>
+      <p:bgPr>
+        <a:solidFill>
+          <a:schemeClr val="bg1"/>
+        </a:solidFill>
+        <a:effectLst/>
+      </p:bgPr>
+    </p:bg>
+    <p:spTree>
+      <p:nvGrpSpPr>
+        <p:cNvPr id="1" name=""/>
+        <p:cNvGrpSpPr/>
+        <p:nvPr/>
+      </p:nvGrpSpPr>
+      <p:grpSpPr>
+        <a:xfrm>
+          <a:off x="0" y="0"/>
+          <a:ext cx="0" cy="0"/>
+          <a:chOff x="0" y="0"/>
+          <a:chExt cx="0" cy="0"/>
+        </a:xfrm>
+      </p:grpSpPr>
+      <p:sp>
+        <p:nvSpPr>
+          <p:cNvPr id="13" name="Rectangle 12">
+            <a:extLst>
+              <a:ext uri="{FF2B5EF4-FFF2-40B4-BE49-F238E27FC236}">
+                <a16:creationId xmlns:a16="http://schemas.microsoft.com/office/drawing/2014/main" id="{823AC064-BC96-4F32-8AE1-B2FD38754823}"/>
+              </a:ext>
+              <a:ext uri="{C183D7F6-B498-43B3-948B-1728B52AA6E4}">
+                <adec:decorative xmlns:adec="http://schemas.microsoft.com/office/drawing/2017/decorative" val="1"/>
+              </a:ext>
+            </a:extLst>
+          </p:cNvPr>
+          <p:cNvSpPr>
+            <a:spLocks noGrp="1" noRot="1" noChangeAspect="1" noMove="1" noResize="1" noEditPoints="1" noAdjustHandles="1" noChangeArrowheads="1" noChangeShapeType="1" noTextEdit="1"/>
+          </p:cNvSpPr>
+          <p:nvPr>
+            <p:extLst>
+              <p:ext uri="{386F3935-93C4-4BCD-93E2-E3B085C9AB24}">
+                <p16:designElem xmlns:p16="http://schemas.microsoft.com/office/powerpoint/2015/main" val="1"/>
+              </p:ext>
+            </p:extLst>
+          </p:nvPr>
+        </p:nvSpPr>
+        <p:spPr bwMode="ltGray">
+          <a:xfrm>
+            <a:off x="378068" y="4633546"/>
+            <a:ext cx="11438793" cy="1844256"/>
+          </a:xfrm>
+          <a:prstGeom prst="rect">
+            <a:avLst/>
+          </a:prstGeom>
+          <a:solidFill>
+            <a:srgbClr val="404040"/>
+          </a:solidFill>
+          <a:ln w="127000" cap="sq" cmpd="thinThick">
+            <a:solidFill>
+              <a:srgbClr val="404040"/>
+            </a:solidFill>
+          </a:ln>
+        </p:spPr>
+        <p:style>
+          <a:lnRef idx="2">
+            <a:schemeClr val="accent1">
+              <a:shade val="50000"/>
+            </a:schemeClr>
+          </a:lnRef>
+          <a:fillRef idx="1">
+            <a:schemeClr val="accent1"/>
+          </a:fillRef>
+          <a:effectRef idx="0">
+            <a:schemeClr val="accent1"/>
+          </a:effectRef>
+          <a:fontRef idx="minor">
+            <a:schemeClr val="lt1"/>
+          </a:fontRef>
+        </p:style>
+        <p:txBody>
+          <a:bodyPr rtlCol="0" anchor="ctr"/>
+          <a:lstStyle/>
+          <a:p>
+            <a:pPr marL="0" marR="0" lvl="0" indent="0" algn="ctr" defTabSz="914400" rtl="0" eaLnBrk="1" fontAlgn="auto" latinLnBrk="0" hangingPunct="1">
+              <a:lnSpc>
+                <a:spcPct val="100000"/>
+              </a:lnSpc>
+              <a:spcBef>
+                <a:spcPts val="0"/>
+              </a:spcBef>
+              <a:spcAft>
+                <a:spcPts val="0"/>
+              </a:spcAft>
+              <a:buClrTx/>
+              <a:buSzTx/>
+              <a:buFontTx/>
+              <a:buNone/>
+              <a:tabLst/>
+              <a:defRPr/>
+            </a:pPr>
+            <a:endParaRPr kumimoji="0" lang="en-US" sz="1800" b="0" i="0" u="none" strike="noStrike" kern="1200" cap="none" spc="0" normalizeH="0" baseline="0" noProof="0">
+              <a:ln>
+                <a:noFill/>
+              </a:ln>
+              <a:solidFill>
+                <a:prstClr val="white"/>
+              </a:solidFill>
+              <a:effectLst/>
+              <a:uLnTx/>
+              <a:uFillTx/>
+              <a:latin typeface="Calibri" panose="020F0502020204030204"/>
+              <a:ea typeface="+mn-ea"/>
+              <a:cs typeface="+mn-cs"/>
+            </a:endParaRPr>
+          </a:p>
+        </p:txBody>
+      </p:sp>
+      <p:sp>
+        <p:nvSpPr>
+          <p:cNvPr id="7" name="Title 1"/>
+          <p:cNvSpPr txBox="1">
+            <a:spLocks/>
+          </p:cNvSpPr>
+          <p:nvPr/>
+        </p:nvSpPr>
+        <p:spPr>
+          <a:xfrm>
+            <a:off x="526073" y="4756638"/>
+            <a:ext cx="11139854" cy="930447"/>
+          </a:xfrm>
+          <a:prstGeom prst="rect">
+            <a:avLst/>
+          </a:prstGeom>
+        </p:spPr>
+        <p:txBody>
+          <a:bodyPr vert="horz" lIns="91440" tIns="45720" rIns="91440" bIns="45720" rtlCol="0" anchor="b">
+            <a:normAutofit/>
+          </a:bodyPr>
+          <a:lstStyle>
+            <a:lvl1pPr algn="l" defTabSz="914400" rtl="0" eaLnBrk="1" latinLnBrk="0" hangingPunct="1">
+              <a:lnSpc>
+                <a:spcPct val="90000"/>
+              </a:lnSpc>
+              <a:spcBef>
+                <a:spcPct val="0"/>
+              </a:spcBef>
+              <a:buNone/>
+              <a:defRPr sz="4400" kern="1200">
+                <a:solidFill>
+                  <a:schemeClr val="tx1"/>
+                </a:solidFill>
+                <a:latin typeface="+mj-lt"/>
+                <a:ea typeface="+mj-ea"/>
+                <a:cs typeface="+mj-cs"/>
+              </a:defRPr>
+            </a:lvl1pPr>
+          </a:lstStyle>
+          <a:p>
+            <a:pPr algn="ctr">
+              <a:spcAft>
+                <a:spcPts val="600"/>
+              </a:spcAft>
+            </a:pPr>
+            <a:r>
+              <a:rPr lang="en-US" sz="5400" kern="1200" dirty="0">
+                <a:solidFill>
+                  <a:srgbClr val="FFFFFF"/>
+                </a:solidFill>
+                <a:latin typeface="+mj-lt"/>
+                <a:ea typeface="+mj-ea"/>
+                <a:cs typeface="+mj-cs"/>
+              </a:rPr>
+              <a:t>OLAP, OLTP</a:t>
+            </a:r>
+          </a:p>
+        </p:txBody>
+      </p:sp>
+      <p:pic>
+        <p:nvPicPr>
+          <p:cNvPr id="8" name="Picture 7">
+            <a:extLst>
+              <a:ext uri="{FF2B5EF4-FFF2-40B4-BE49-F238E27FC236}">
+                <a16:creationId xmlns:a16="http://schemas.microsoft.com/office/drawing/2014/main" id="{724D2382-4398-4CAB-9665-3A3871483AA7}"/>
+              </a:ext>
+            </a:extLst>
+          </p:cNvPr>
+          <p:cNvPicPr>
+            <a:picLocks noChangeAspect="1"/>
+          </p:cNvPicPr>
+          <p:nvPr/>
+        </p:nvPicPr>
+        <p:blipFill>
+          <a:blip r:embed="rId3"/>
+          <a:stretch>
+            <a:fillRect/>
+          </a:stretch>
+        </p:blipFill>
+        <p:spPr>
+          <a:xfrm>
+            <a:off x="1860411" y="307731"/>
+            <a:ext cx="8416079" cy="3997637"/>
+          </a:xfrm>
+          <a:prstGeom prst="rect">
+            <a:avLst/>
+          </a:prstGeom>
+        </p:spPr>
+      </p:pic>
+      <p:cxnSp>
+        <p:nvCxnSpPr>
+          <p:cNvPr id="15" name="Straight Connector 14">
+            <a:extLst>
+              <a:ext uri="{FF2B5EF4-FFF2-40B4-BE49-F238E27FC236}">
+                <a16:creationId xmlns:a16="http://schemas.microsoft.com/office/drawing/2014/main" id="{7E7C77BC-7138-40B1-A15B-20F57A494629}"/>
+              </a:ext>
+              <a:ext uri="{C183D7F6-B498-43B3-948B-1728B52AA6E4}">
+                <adec:decorative xmlns:adec="http://schemas.microsoft.com/office/drawing/2017/decorative" val="1"/>
+              </a:ext>
+            </a:extLst>
+          </p:cNvPr>
+          <p:cNvCxnSpPr>
+            <a:cxnSpLocks noGrp="1" noRot="1" noChangeAspect="1" noMove="1" noResize="1" noEditPoints="1" noAdjustHandles="1" noChangeArrowheads="1" noChangeShapeType="1"/>
+          </p:cNvCxnSpPr>
+          <p:nvPr>
+            <p:extLst>
+              <p:ext uri="{386F3935-93C4-4BCD-93E2-E3B085C9AB24}">
+                <p16:designElem xmlns:p16="http://schemas.microsoft.com/office/powerpoint/2015/main" val="1"/>
+              </p:ext>
+            </p:extLst>
+          </p:nvPr>
+        </p:nvCxnSpPr>
+        <p:spPr>
+          <a:xfrm>
+            <a:off x="2209800" y="5738691"/>
+            <a:ext cx="7772400" cy="0"/>
+          </a:xfrm>
+          <a:prstGeom prst="line">
+            <a:avLst/>
+          </a:prstGeom>
+          <a:ln w="22225">
+            <a:solidFill>
+              <a:srgbClr val="D9D9D9"/>
+            </a:solidFill>
+          </a:ln>
+        </p:spPr>
+        <p:style>
+          <a:lnRef idx="1">
+            <a:schemeClr val="accent1"/>
+          </a:lnRef>
+          <a:fillRef idx="0">
+            <a:schemeClr val="accent1"/>
+          </a:fillRef>
+          <a:effectRef idx="0">
+            <a:schemeClr val="accent1"/>
+          </a:effectRef>
+          <a:fontRef idx="minor">
+            <a:schemeClr val="tx1"/>
+          </a:fontRef>
+        </p:style>
+      </p:cxnSp>
+      <p:sp>
+        <p:nvSpPr>
+          <p:cNvPr id="2" name="Title 1" hidden="1"/>
+          <p:cNvSpPr>
+            <a:spLocks noGrp="1"/>
+          </p:cNvSpPr>
+          <p:nvPr>
+            <p:ph type="title"/>
+          </p:nvPr>
+        </p:nvSpPr>
+        <p:spPr/>
+        <p:txBody>
+          <a:bodyPr/>
+          <a:lstStyle/>
+          <a:p>
+            <a:endParaRPr lang="en-US" dirty="0"/>
+          </a:p>
+        </p:txBody>
+      </p:sp>
+    </p:spTree>
+    <p:extLst>
+      <p:ext uri="{BB962C8B-B14F-4D97-AF65-F5344CB8AC3E}">
+        <p14:creationId xmlns:p14="http://schemas.microsoft.com/office/powerpoint/2010/main" val="3228373058"/>
       </p:ext>
     </p:extLst>
   </p:cSld>
@@ -7742,7 +9996,7 @@
           <p:cNvPr id="2" name="Title 1">
             <a:extLst>
               <a:ext uri="{FF2B5EF4-FFF2-40B4-BE49-F238E27FC236}">
-                <a16:creationId xmlns:a16="http://schemas.microsoft.com/office/drawing/2014/main" id="{77936936-A873-42CF-B54E-6F7B62A8FE71}"/>
+                <a16:creationId xmlns:a16="http://schemas.microsoft.com/office/drawing/2014/main" id="{FB79745D-258C-40B9-87BB-E62B7BED6093}"/>
               </a:ext>
             </a:extLst>
           </p:cNvPr>
@@ -7756,7 +10010,7 @@
         <p:spPr>
           <a:xfrm>
             <a:off x="6746628" y="1783959"/>
-            <a:ext cx="5140572" cy="2889114"/>
+            <a:ext cx="4645250" cy="2889114"/>
           </a:xfrm>
         </p:spPr>
         <p:txBody>
@@ -7765,129 +10019,26 @@
           </a:bodyPr>
           <a:lstStyle/>
           <a:p>
-            <a:pPr marL="457200" lvl="1" algn="l" rtl="0">
-              <a:lnSpc>
-                <a:spcPct val="90000"/>
-              </a:lnSpc>
-              <a:spcBef>
-                <a:spcPct val="0"/>
-              </a:spcBef>
-            </a:pPr>
-            <a:r>
-              <a:rPr lang="en-US" sz="2000" kern="1200" dirty="0">
+            <a:r>
+              <a:rPr lang="en-US" sz="6000" kern="1200" dirty="0">
+                <a:ln w="0"/>
                 <a:solidFill>
                   <a:schemeClr val="bg1"/>
                 </a:solidFill>
+                <a:effectLst>
+                  <a:outerShdw blurRad="38100" dist="19050" dir="2700000" algn="tl" rotWithShape="0">
+                    <a:schemeClr val="dk1">
+                      <a:alpha val="40000"/>
+                    </a:schemeClr>
+                  </a:outerShdw>
+                </a:effectLst>
                 <a:latin typeface="+mj-lt"/>
                 <a:ea typeface="+mj-ea"/>
                 <a:cs typeface="+mj-cs"/>
               </a:rPr>
-              <a:t>What can I store?</a:t>
-            </a:r>
-            <a:br>
-              <a:rPr lang="en-US" sz="2000" kern="1200" dirty="0">
-                <a:solidFill>
-                  <a:schemeClr val="bg1"/>
-                </a:solidFill>
-                <a:latin typeface="+mj-lt"/>
-                <a:ea typeface="+mj-ea"/>
-                <a:cs typeface="+mj-cs"/>
-              </a:rPr>
-            </a:br>
-            <a:br>
-              <a:rPr lang="en-US" sz="2000" kern="1200" dirty="0">
-                <a:solidFill>
-                  <a:schemeClr val="bg1"/>
-                </a:solidFill>
-                <a:latin typeface="+mj-lt"/>
-                <a:ea typeface="+mj-ea"/>
-                <a:cs typeface="+mj-cs"/>
-              </a:rPr>
-            </a:br>
-            <a:r>
-              <a:rPr lang="en-US" sz="2000" b="1" kern="1200" dirty="0">
-                <a:solidFill>
-                  <a:schemeClr val="bg1"/>
-                </a:solidFill>
-                <a:latin typeface="+mj-lt"/>
-                <a:ea typeface="+mj-ea"/>
-                <a:cs typeface="+mj-cs"/>
-              </a:rPr>
-              <a:t>Semi-structured (CSV, XML, other files...)</a:t>
-            </a:r>
-            <a:br>
-              <a:rPr lang="en-US" sz="2000" kern="1200" dirty="0">
-                <a:solidFill>
-                  <a:schemeClr val="bg1"/>
-                </a:solidFill>
-                <a:latin typeface="+mj-lt"/>
-                <a:ea typeface="+mj-ea"/>
-                <a:cs typeface="+mj-cs"/>
-              </a:rPr>
-            </a:br>
-            <a:br>
-              <a:rPr lang="en-US" sz="2000" kern="1200" dirty="0">
-                <a:solidFill>
-                  <a:schemeClr val="bg1"/>
-                </a:solidFill>
-                <a:latin typeface="+mj-lt"/>
-                <a:ea typeface="+mj-ea"/>
-                <a:cs typeface="+mj-cs"/>
-              </a:rPr>
-            </a:br>
-            <a:r>
-              <a:rPr lang="en-US" sz="2000" kern="1200" dirty="0">
-                <a:solidFill>
-                  <a:schemeClr val="bg1"/>
-                </a:solidFill>
-                <a:latin typeface="+mj-lt"/>
-                <a:ea typeface="+mj-ea"/>
-                <a:cs typeface="+mj-cs"/>
-              </a:rPr>
-              <a:t>Structured (Relational like SQL)</a:t>
-            </a:r>
-            <a:br>
-              <a:rPr lang="en-US" sz="2000" kern="1200" dirty="0">
-                <a:solidFill>
-                  <a:schemeClr val="bg1"/>
-                </a:solidFill>
-                <a:latin typeface="+mj-lt"/>
-                <a:ea typeface="+mj-ea"/>
-                <a:cs typeface="+mj-cs"/>
-              </a:rPr>
-            </a:br>
-            <a:br>
-              <a:rPr lang="en-US" sz="2000" kern="1200" dirty="0">
-                <a:solidFill>
-                  <a:schemeClr val="bg1"/>
-                </a:solidFill>
-                <a:latin typeface="+mj-lt"/>
-                <a:ea typeface="+mj-ea"/>
-                <a:cs typeface="+mj-cs"/>
-              </a:rPr>
-            </a:br>
-            <a:r>
-              <a:rPr lang="en-US" sz="2000" kern="1200" dirty="0">
-                <a:solidFill>
-                  <a:schemeClr val="bg1"/>
-                </a:solidFill>
-                <a:latin typeface="+mj-lt"/>
-                <a:ea typeface="+mj-ea"/>
-                <a:cs typeface="+mj-cs"/>
-              </a:rPr>
-              <a:t>Un-structured (Image, Video, PDF, Document, Key/Value, Graph,..)</a:t>
-            </a:r>
-            <a:br>
-              <a:rPr lang="en-US" sz="2000" kern="1200" dirty="0">
-                <a:solidFill>
-                  <a:schemeClr val="bg1"/>
-                </a:solidFill>
-                <a:latin typeface="+mj-lt"/>
-                <a:ea typeface="+mj-ea"/>
-                <a:cs typeface="+mj-cs"/>
-              </a:rPr>
-            </a:br>
-            <a:endParaRPr lang="en-US" sz="2000" kern="1200" dirty="0">
+              <a:t>Building a Data Lake</a:t>
+            </a:r>
+            <a:endParaRPr lang="en-US" sz="6000" kern="1200" dirty="0">
               <a:solidFill>
                 <a:schemeClr val="bg1"/>
               </a:solidFill>
@@ -8232,10 +10383,10 @@
       </p:sp>
       <p:pic>
         <p:nvPicPr>
-          <p:cNvPr id="6" name="Graphic 5" descr="Shopping cart">
+          <p:cNvPr id="6" name="Graphic 5" descr="Thought bubble">
             <a:extLst>
               <a:ext uri="{FF2B5EF4-FFF2-40B4-BE49-F238E27FC236}">
-                <a16:creationId xmlns:a16="http://schemas.microsoft.com/office/drawing/2014/main" id="{587F4DA6-CF5D-4C2E-8025-DF6EDCDF5726}"/>
+                <a16:creationId xmlns:a16="http://schemas.microsoft.com/office/drawing/2014/main" id="{43F18568-3874-468E-991F-67144FF1D570}"/>
               </a:ext>
             </a:extLst>
           </p:cNvPr>
@@ -8245,13 +10396,13 @@
           <p:nvPr/>
         </p:nvPicPr>
         <p:blipFill>
-          <a:blip r:embed="rId2">
+          <a:blip r:embed="rId3">
             <a:extLst>
               <a:ext uri="{28A0092B-C50C-407E-A947-70E740481C1C}">
                 <a14:useLocalDpi xmlns:a14="http://schemas.microsoft.com/office/drawing/2010/main" val="0"/>
               </a:ext>
               <a:ext uri="{96DAC541-7B7A-43D3-8B79-37D633B846F1}">
-                <asvg:svgBlip xmlns:asvg="http://schemas.microsoft.com/office/drawing/2016/SVG/main" r:embed="rId3"/>
+                <asvg:svgBlip xmlns:asvg="http://schemas.microsoft.com/office/drawing/2016/SVG/main" r:embed="rId4"/>
               </a:ext>
             </a:extLst>
           </a:blip>
@@ -8272,7 +10423,7 @@
     </p:spTree>
     <p:extLst>
       <p:ext uri="{BB962C8B-B14F-4D97-AF65-F5344CB8AC3E}">
-        <p14:creationId xmlns:p14="http://schemas.microsoft.com/office/powerpoint/2010/main" val="4154480963"/>
+        <p14:creationId xmlns:p14="http://schemas.microsoft.com/office/powerpoint/2010/main" val="282758675"/>
       </p:ext>
     </p:extLst>
   </p:cSld>
@@ -8283,6 +10434,235 @@
 </file>
 
 <file path=ppt/slides/slide7.xml><?xml version="1.0" encoding="utf-8"?>
+<p:sld xmlns:a="http://schemas.openxmlformats.org/drawingml/2006/main" xmlns:r="http://schemas.openxmlformats.org/officeDocument/2006/relationships" xmlns:p="http://schemas.openxmlformats.org/presentationml/2006/main">
+  <p:cSld>
+    <p:bg>
+      <p:bgPr>
+        <a:solidFill>
+          <a:schemeClr val="bg1"/>
+        </a:solidFill>
+        <a:effectLst/>
+      </p:bgPr>
+    </p:bg>
+    <p:spTree>
+      <p:nvGrpSpPr>
+        <p:cNvPr id="1" name=""/>
+        <p:cNvGrpSpPr/>
+        <p:nvPr/>
+      </p:nvGrpSpPr>
+      <p:grpSpPr>
+        <a:xfrm>
+          <a:off x="0" y="0"/>
+          <a:ext cx="0" cy="0"/>
+          <a:chOff x="0" y="0"/>
+          <a:chExt cx="0" cy="0"/>
+        </a:xfrm>
+      </p:grpSpPr>
+      <p:sp>
+        <p:nvSpPr>
+          <p:cNvPr id="2" name="Title 1">
+            <a:extLst>
+              <a:ext uri="{FF2B5EF4-FFF2-40B4-BE49-F238E27FC236}">
+                <a16:creationId xmlns:a16="http://schemas.microsoft.com/office/drawing/2014/main" id="{50504AE7-3D0D-4654-B930-3BCBA7466941}"/>
+              </a:ext>
+            </a:extLst>
+          </p:cNvPr>
+          <p:cNvSpPr>
+            <a:spLocks noGrp="1"/>
+          </p:cNvSpPr>
+          <p:nvPr>
+            <p:ph type="title"/>
+          </p:nvPr>
+        </p:nvSpPr>
+        <p:spPr>
+          <a:xfrm>
+            <a:off x="433495" y="3433763"/>
+            <a:ext cx="3197013" cy="2743200"/>
+          </a:xfrm>
+        </p:spPr>
+        <p:txBody>
+          <a:bodyPr anchor="t">
+            <a:normAutofit/>
+          </a:bodyPr>
+          <a:lstStyle/>
+          <a:p>
+            <a:pPr algn="ctr"/>
+            <a:r>
+              <a:rPr lang="en-US"/>
+              <a:t>Use case</a:t>
+            </a:r>
+            <a:endParaRPr lang="en-IN"/>
+          </a:p>
+        </p:txBody>
+      </p:sp>
+      <p:pic>
+        <p:nvPicPr>
+          <p:cNvPr id="7" name="Graphic 6" descr="Upward trend">
+            <a:extLst>
+              <a:ext uri="{FF2B5EF4-FFF2-40B4-BE49-F238E27FC236}">
+                <a16:creationId xmlns:a16="http://schemas.microsoft.com/office/drawing/2014/main" id="{F0711A8C-B43F-4783-9022-FEF63B557DEC}"/>
+              </a:ext>
+            </a:extLst>
+          </p:cNvPr>
+          <p:cNvPicPr>
+            <a:picLocks noChangeAspect="1"/>
+          </p:cNvPicPr>
+          <p:nvPr/>
+        </p:nvPicPr>
+        <p:blipFill>
+          <a:blip r:embed="rId3">
+            <a:extLst>
+              <a:ext uri="{28A0092B-C50C-407E-A947-70E740481C1C}">
+                <a14:useLocalDpi xmlns:a14="http://schemas.microsoft.com/office/drawing/2010/main" val="0"/>
+              </a:ext>
+              <a:ext uri="{96DAC541-7B7A-43D3-8B79-37D633B846F1}">
+                <asvg:svgBlip xmlns:asvg="http://schemas.microsoft.com/office/drawing/2016/SVG/main" r:embed="rId4"/>
+              </a:ext>
+            </a:extLst>
+          </a:blip>
+          <a:stretch>
+            <a:fillRect/>
+          </a:stretch>
+        </p:blipFill>
+        <p:spPr>
+          <a:xfrm>
+            <a:off x="1574801" y="2519363"/>
+            <a:ext cx="914400" cy="914400"/>
+          </a:xfrm>
+          <a:prstGeom prst="rect">
+            <a:avLst/>
+          </a:prstGeom>
+        </p:spPr>
+      </p:pic>
+      <p:sp>
+        <p:nvSpPr>
+          <p:cNvPr id="3" name="Content Placeholder 2">
+            <a:extLst>
+              <a:ext uri="{FF2B5EF4-FFF2-40B4-BE49-F238E27FC236}">
+                <a16:creationId xmlns:a16="http://schemas.microsoft.com/office/drawing/2014/main" id="{79343D11-7352-4A0A-A830-DA238A5133BB}"/>
+              </a:ext>
+            </a:extLst>
+          </p:cNvPr>
+          <p:cNvSpPr>
+            <a:spLocks noGrp="1"/>
+          </p:cNvSpPr>
+          <p:nvPr>
+            <p:ph idx="1"/>
+          </p:nvPr>
+        </p:nvSpPr>
+        <p:spPr>
+          <a:xfrm>
+            <a:off x="4064000" y="643467"/>
+            <a:ext cx="7289799" cy="5533496"/>
+          </a:xfrm>
+        </p:spPr>
+        <p:txBody>
+          <a:bodyPr anchor="ctr">
+            <a:normAutofit lnSpcReduction="10000"/>
+          </a:bodyPr>
+          <a:lstStyle/>
+          <a:p>
+            <a:r>
+              <a:rPr lang="en-US" sz="2200" dirty="0"/>
+              <a:t>An insurance firm. </a:t>
+            </a:r>
+          </a:p>
+          <a:p>
+            <a:r>
+              <a:rPr lang="en-US" sz="2200" dirty="0"/>
+              <a:t>Grown over the years through acquisition of many small insurance companies - hence, it doesn’t have a single, consolidated view of their customer base.</a:t>
+            </a:r>
+          </a:p>
+          <a:p>
+            <a:r>
+              <a:rPr lang="en-US" sz="2200" dirty="0"/>
+              <a:t>Also details are fragmented among many subsystems, product lines -  </a:t>
+            </a:r>
+          </a:p>
+          <a:p>
+            <a:pPr lvl="1"/>
+            <a:r>
+              <a:rPr lang="en-US" sz="2200" dirty="0"/>
+              <a:t>Health insurance, </a:t>
+            </a:r>
+          </a:p>
+          <a:p>
+            <a:pPr lvl="1"/>
+            <a:r>
+              <a:rPr lang="en-US" sz="2200" dirty="0"/>
+              <a:t>Vehicle insurance, </a:t>
+            </a:r>
+          </a:p>
+          <a:p>
+            <a:pPr lvl="1"/>
+            <a:r>
+              <a:rPr lang="en-US" sz="2200" dirty="0"/>
+              <a:t>Pet insurance, etc.	</a:t>
+            </a:r>
+          </a:p>
+          <a:p>
+            <a:pPr marL="0" indent="0">
+              <a:buNone/>
+            </a:pPr>
+            <a:endParaRPr lang="en-US" sz="2200" dirty="0"/>
+          </a:p>
+          <a:p>
+            <a:r>
+              <a:rPr lang="en-US" sz="2200" b="1" dirty="0"/>
+              <a:t>So plans to build a data lake.</a:t>
+            </a:r>
+          </a:p>
+          <a:p>
+            <a:r>
+              <a:rPr lang="en-US" sz="2200" b="1" dirty="0"/>
+              <a:t>Data scientists or BI analysts to generate insights.</a:t>
+            </a:r>
+          </a:p>
+          <a:p>
+            <a:endParaRPr lang="en-US" sz="2400" dirty="0"/>
+          </a:p>
+          <a:p>
+            <a:pPr marL="0" indent="0" algn="r">
+              <a:buNone/>
+            </a:pPr>
+            <a:br>
+              <a:rPr lang="en-US" sz="2000" dirty="0"/>
+            </a:br>
+            <a:br>
+              <a:rPr lang="en-US" sz="2000" dirty="0"/>
+            </a:br>
+            <a:r>
+              <a:rPr lang="en-US" sz="1600" dirty="0"/>
+              <a:t>From: </a:t>
+            </a:r>
+            <a:r>
+              <a:rPr lang="en-US" sz="1600" dirty="0">
+                <a:hlinkClick r:id="rId5"/>
+              </a:rPr>
+              <a:t>https://www.thoughtworks.com/insights/blog/curse-data-lake-monster</a:t>
+            </a:r>
+            <a:r>
+              <a:rPr lang="en-US" sz="1600" dirty="0"/>
+              <a:t> </a:t>
+            </a:r>
+            <a:endParaRPr lang="en-IN" sz="2000" dirty="0"/>
+          </a:p>
+        </p:txBody>
+      </p:sp>
+    </p:spTree>
+    <p:extLst>
+      <p:ext uri="{BB962C8B-B14F-4D97-AF65-F5344CB8AC3E}">
+        <p14:creationId xmlns:p14="http://schemas.microsoft.com/office/powerpoint/2010/main" val="57619213"/>
+      </p:ext>
+    </p:extLst>
+  </p:cSld>
+  <p:clrMapOvr>
+    <a:masterClrMapping/>
+  </p:clrMapOvr>
+</p:sld>
+</file>
+
+<file path=ppt/slides/slide8.xml><?xml version="1.0" encoding="utf-8"?>
 <p:sld xmlns:a="http://schemas.openxmlformats.org/drawingml/2006/main" xmlns:r="http://schemas.openxmlformats.org/officeDocument/2006/relationships" xmlns:p="http://schemas.openxmlformats.org/presentationml/2006/main">
   <p:cSld>
     <p:bg>
@@ -8873,7 +11253,7 @@
 </p:sld>
 </file>
 
-<file path=ppt/slides/slide8.xml><?xml version="1.0" encoding="utf-8"?>
+<file path=ppt/slides/slide9.xml><?xml version="1.0" encoding="utf-8"?>
 <p:sld xmlns:a="http://schemas.openxmlformats.org/drawingml/2006/main" xmlns:r="http://schemas.openxmlformats.org/officeDocument/2006/relationships" xmlns:p="http://schemas.openxmlformats.org/presentationml/2006/main">
   <p:cSld>
     <p:bg>
@@ -9114,7 +11494,7 @@
           </a:stretch>
         </p:blipFill>
         <p:spPr>
-          <a:xfrm>
+          <a:xfrm rot="60000">
             <a:off x="481886" y="3702372"/>
             <a:ext cx="3662730" cy="2563909"/>
           </a:xfrm>
@@ -9150,6 +11530,24 @@
           </a:bodyPr>
           <a:lstStyle/>
           <a:p>
+            <a:pPr marL="342900" indent="-342900">
+              <a:buFont typeface="Arial"/>
+              <a:buChar char="•"/>
+            </a:pPr>
+            <a:r>
+              <a:rPr lang="en-US" sz="2400" dirty="0">
+                <a:solidFill>
+                  <a:srgbClr val="FFFFFF"/>
+                </a:solidFill>
+                <a:cs typeface="Calibri"/>
+              </a:rPr>
+              <a:t>Lesser the control, more business value.</a:t>
+            </a:r>
+            <a:endParaRPr lang="en-US" sz="2400" dirty="0">
+              <a:cs typeface="Calibri"/>
+            </a:endParaRPr>
+          </a:p>
+          <a:p>
             <a:pPr marL="342900" indent="-228600">
               <a:lnSpc>
                 <a:spcPct val="90000"/>
@@ -9160,14 +11558,12 @@
               <a:buFont typeface="Arial" panose="020B0604020202020204" pitchFamily="34" charset="0"/>
               <a:buChar char="•"/>
             </a:pPr>
-            <a:r>
-              <a:rPr lang="en-US" sz="2400">
-                <a:solidFill>
-                  <a:srgbClr val="FFFFFF"/>
-                </a:solidFill>
-              </a:rPr>
-              <a:t>More the control, less business value.</a:t>
-            </a:r>
+            <a:endParaRPr lang="en-US" sz="2400" dirty="0">
+              <a:solidFill>
+                <a:srgbClr val="FFFFFF"/>
+              </a:solidFill>
+              <a:cs typeface="Calibri"/>
+            </a:endParaRPr>
           </a:p>
           <a:p>
             <a:pPr marL="342900" indent="-228600">
@@ -9180,11 +11576,15 @@
               <a:buFont typeface="Arial" panose="020B0604020202020204" pitchFamily="34" charset="0"/>
               <a:buChar char="•"/>
             </a:pPr>
-            <a:endParaRPr lang="en-US" sz="2400">
-              <a:solidFill>
-                <a:srgbClr val="FFFFFF"/>
-              </a:solidFill>
-            </a:endParaRPr>
+            <a:r>
+              <a:rPr lang="en-US" sz="2400" dirty="0">
+                <a:solidFill>
+                  <a:srgbClr val="FFFFFF"/>
+                </a:solidFill>
+              </a:rPr>
+              <a:t>More the control, less business value.</a:t>
+            </a:r>
+            <a:endParaRPr lang="en-US" dirty="0"/>
           </a:p>
           <a:p>
             <a:pPr marL="342900" indent="-228600">
@@ -9197,14 +11597,11 @@
               <a:buFont typeface="Arial" panose="020B0604020202020204" pitchFamily="34" charset="0"/>
               <a:buChar char="•"/>
             </a:pPr>
-            <a:r>
-              <a:rPr lang="en-US" sz="2400">
-                <a:solidFill>
-                  <a:srgbClr val="FFFFFF"/>
-                </a:solidFill>
-              </a:rPr>
-              <a:t>Less the control, more business value.</a:t>
-            </a:r>
+            <a:endParaRPr lang="en-US" sz="2400" dirty="0">
+              <a:solidFill>
+                <a:srgbClr val="FFFFFF"/>
+              </a:solidFill>
+            </a:endParaRPr>
           </a:p>
           <a:p>
             <a:pPr marL="800100" lvl="1" indent="-228600">
@@ -9217,7 +11614,7 @@
               <a:buFont typeface="Arial" panose="020B0604020202020204" pitchFamily="34" charset="0"/>
               <a:buChar char="•"/>
             </a:pPr>
-            <a:endParaRPr lang="en-US" sz="2400">
+            <a:endParaRPr lang="en-US" sz="2400" dirty="0">
               <a:solidFill>
                 <a:srgbClr val="FFFFFF"/>
               </a:solidFill>
@@ -9234,7 +11631,7 @@
               <a:buFont typeface="Arial" panose="020B0604020202020204" pitchFamily="34" charset="0"/>
               <a:buChar char="•"/>
             </a:pPr>
-            <a:endParaRPr lang="en-US" sz="2400">
+            <a:endParaRPr lang="en-US" sz="2400" dirty="0">
               <a:solidFill>
                 <a:srgbClr val="FFFFFF"/>
               </a:solidFill>
@@ -9251,7 +11648,7 @@
               <a:buFont typeface="Arial" panose="020B0604020202020204" pitchFamily="34" charset="0"/>
               <a:buChar char="•"/>
             </a:pPr>
-            <a:endParaRPr lang="en-US" sz="2400">
+            <a:endParaRPr lang="en-US" sz="2400" dirty="0">
               <a:solidFill>
                 <a:srgbClr val="FFFFFF"/>
               </a:solidFill>
@@ -9268,566 +11665,6 @@
   </p:cSld>
   <p:clrMapOvr>
     <a:masterClrMapping/>
-  </p:clrMapOvr>
-</p:sld>
-</file>
-
-<file path=ppt/slides/slide9.xml><?xml version="1.0" encoding="utf-8"?>
-<p:sld xmlns:a="http://schemas.openxmlformats.org/drawingml/2006/main" xmlns:r="http://schemas.openxmlformats.org/officeDocument/2006/relationships" xmlns:p="http://schemas.openxmlformats.org/presentationml/2006/main">
-  <p:cSld>
-    <p:bg>
-      <p:bgPr>
-        <a:solidFill>
-          <a:schemeClr val="bg1">
-            <a:tint val="95000"/>
-            <a:satMod val="170000"/>
-          </a:schemeClr>
-        </a:solidFill>
-        <a:effectLst/>
-      </p:bgPr>
-    </p:bg>
-    <p:spTree>
-      <p:nvGrpSpPr>
-        <p:cNvPr id="1" name=""/>
-        <p:cNvGrpSpPr/>
-        <p:nvPr/>
-      </p:nvGrpSpPr>
-      <p:grpSpPr>
-        <a:xfrm>
-          <a:off x="0" y="0"/>
-          <a:ext cx="0" cy="0"/>
-          <a:chOff x="0" y="0"/>
-          <a:chExt cx="0" cy="0"/>
-        </a:xfrm>
-      </p:grpSpPr>
-      <p:sp>
-        <p:nvSpPr>
-          <p:cNvPr id="5" name="Title 4">
-            <a:extLst>
-              <a:ext uri="{FF2B5EF4-FFF2-40B4-BE49-F238E27FC236}">
-                <a16:creationId xmlns:a16="http://schemas.microsoft.com/office/drawing/2014/main" id="{DAF88513-78BD-44CB-9818-60D9D54FCEC8}"/>
-              </a:ext>
-            </a:extLst>
-          </p:cNvPr>
-          <p:cNvSpPr>
-            <a:spLocks noGrp="1"/>
-          </p:cNvSpPr>
-          <p:nvPr>
-            <p:ph type="title"/>
-          </p:nvPr>
-        </p:nvSpPr>
-        <p:spPr>
-          <a:xfrm>
-            <a:off x="6653600" y="1396289"/>
-            <a:ext cx="5006336" cy="1325563"/>
-          </a:xfrm>
-        </p:spPr>
-        <p:txBody>
-          <a:bodyPr vert="horz" lIns="91440" tIns="45720" rIns="91440" bIns="45720" rtlCol="0" anchor="ctr">
-            <a:normAutofit/>
-          </a:bodyPr>
-          <a:lstStyle/>
-          <a:p>
-            <a:r>
-              <a:rPr lang="en-US" kern="1200">
-                <a:solidFill>
-                  <a:schemeClr val="tx1"/>
-                </a:solidFill>
-                <a:latin typeface="+mj-lt"/>
-                <a:ea typeface="+mj-ea"/>
-                <a:cs typeface="+mj-cs"/>
-              </a:rPr>
-              <a:t>Features</a:t>
-            </a:r>
-          </a:p>
-        </p:txBody>
-      </p:sp>
-      <p:sp>
-        <p:nvSpPr>
-          <p:cNvPr id="24" name="Freeform: Shape 23">
-            <a:extLst>
-              <a:ext uri="{FF2B5EF4-FFF2-40B4-BE49-F238E27FC236}">
-                <a16:creationId xmlns:a16="http://schemas.microsoft.com/office/drawing/2014/main" id="{4F74D28C-3268-4E35-8EE1-D92CB4A85A7D}"/>
-              </a:ext>
-              <a:ext uri="{C183D7F6-B498-43B3-948B-1728B52AA6E4}">
-                <adec:decorative xmlns:adec="http://schemas.microsoft.com/office/drawing/2017/decorative" val="1"/>
-              </a:ext>
-            </a:extLst>
-          </p:cNvPr>
-          <p:cNvSpPr>
-            <a:spLocks noGrp="1" noRot="1" noChangeAspect="1" noMove="1" noResize="1" noEditPoints="1" noAdjustHandles="1" noChangeArrowheads="1" noChangeShapeType="1" noTextEdit="1"/>
-          </p:cNvSpPr>
-          <p:nvPr>
-            <p:extLst>
-              <p:ext uri="{386F3935-93C4-4BCD-93E2-E3B085C9AB24}">
-                <p16:designElem xmlns:p16="http://schemas.microsoft.com/office/powerpoint/2015/main" val="1"/>
-              </p:ext>
-            </p:extLst>
-          </p:nvPr>
-        </p:nvSpPr>
-        <p:spPr>
-          <a:xfrm flipH="1">
-            <a:off x="0" y="0"/>
-            <a:ext cx="6172782" cy="6858000"/>
-          </a:xfrm>
-          <a:custGeom>
-            <a:avLst/>
-            <a:gdLst>
-              <a:gd name="connsiteX0" fmla="*/ 6172782 w 6172782"/>
-              <a:gd name="connsiteY0" fmla="*/ 0 h 6858000"/>
-              <a:gd name="connsiteX1" fmla="*/ 69075 w 6172782"/>
-              <a:gd name="connsiteY1" fmla="*/ 0 h 6858000"/>
-              <a:gd name="connsiteX2" fmla="*/ 35131 w 6172782"/>
-              <a:gd name="connsiteY2" fmla="*/ 267128 h 6858000"/>
-              <a:gd name="connsiteX3" fmla="*/ 0 w 6172782"/>
-              <a:gd name="connsiteY3" fmla="*/ 962845 h 6858000"/>
-              <a:gd name="connsiteX4" fmla="*/ 3276103 w 6172782"/>
-              <a:gd name="connsiteY4" fmla="*/ 6782205 h 6858000"/>
-              <a:gd name="connsiteX5" fmla="*/ 3407923 w 6172782"/>
-              <a:gd name="connsiteY5" fmla="*/ 6858000 h 6858000"/>
-              <a:gd name="connsiteX6" fmla="*/ 6172782 w 6172782"/>
-              <a:gd name="connsiteY6" fmla="*/ 6858000 h 6858000"/>
-            </a:gdLst>
-            <a:ahLst/>
-            <a:cxnLst>
-              <a:cxn ang="0">
-                <a:pos x="connsiteX0" y="connsiteY0"/>
-              </a:cxn>
-              <a:cxn ang="0">
-                <a:pos x="connsiteX1" y="connsiteY1"/>
-              </a:cxn>
-              <a:cxn ang="0">
-                <a:pos x="connsiteX2" y="connsiteY2"/>
-              </a:cxn>
-              <a:cxn ang="0">
-                <a:pos x="connsiteX3" y="connsiteY3"/>
-              </a:cxn>
-              <a:cxn ang="0">
-                <a:pos x="connsiteX4" y="connsiteY4"/>
-              </a:cxn>
-              <a:cxn ang="0">
-                <a:pos x="connsiteX5" y="connsiteY5"/>
-              </a:cxn>
-              <a:cxn ang="0">
-                <a:pos x="connsiteX6" y="connsiteY6"/>
-              </a:cxn>
-            </a:cxnLst>
-            <a:rect l="l" t="t" r="r" b="b"/>
-            <a:pathLst>
-              <a:path w="6172782" h="6858000">
-                <a:moveTo>
-                  <a:pt x="6172782" y="0"/>
-                </a:moveTo>
-                <a:lnTo>
-                  <a:pt x="69075" y="0"/>
-                </a:lnTo>
-                <a:lnTo>
-                  <a:pt x="35131" y="267128"/>
-                </a:lnTo>
-                <a:cubicBezTo>
-                  <a:pt x="11901" y="495874"/>
-                  <a:pt x="0" y="727970"/>
-                  <a:pt x="0" y="962845"/>
-                </a:cubicBezTo>
-                <a:cubicBezTo>
-                  <a:pt x="0" y="3429034"/>
-                  <a:pt x="1312002" y="5588789"/>
-                  <a:pt x="3276103" y="6782205"/>
-                </a:cubicBezTo>
-                <a:lnTo>
-                  <a:pt x="3407923" y="6858000"/>
-                </a:lnTo>
-                <a:lnTo>
-                  <a:pt x="6172782" y="6858000"/>
-                </a:lnTo>
-                <a:close/>
-              </a:path>
-            </a:pathLst>
-          </a:custGeom>
-          <a:solidFill>
-            <a:srgbClr val="FFFFFF">
-              <a:alpha val="80000"/>
-            </a:srgbClr>
-          </a:solidFill>
-          <a:ln>
-            <a:noFill/>
-          </a:ln>
-        </p:spPr>
-        <p:style>
-          <a:lnRef idx="2">
-            <a:schemeClr val="accent1">
-              <a:shade val="50000"/>
-            </a:schemeClr>
-          </a:lnRef>
-          <a:fillRef idx="1">
-            <a:schemeClr val="accent1"/>
-          </a:fillRef>
-          <a:effectRef idx="0">
-            <a:schemeClr val="accent1"/>
-          </a:effectRef>
-          <a:fontRef idx="minor">
-            <a:schemeClr val="lt1"/>
-          </a:fontRef>
-        </p:style>
-        <p:txBody>
-          <a:bodyPr wrap="square" rtlCol="0" anchor="ctr">
-            <a:noAutofit/>
-          </a:bodyPr>
-          <a:lstStyle/>
-          <a:p>
-            <a:pPr marL="0" marR="0" lvl="0" indent="0" algn="ctr" defTabSz="914400" rtl="0" eaLnBrk="1" fontAlgn="auto" latinLnBrk="0" hangingPunct="1">
-              <a:lnSpc>
-                <a:spcPct val="100000"/>
-              </a:lnSpc>
-              <a:spcBef>
-                <a:spcPts val="0"/>
-              </a:spcBef>
-              <a:spcAft>
-                <a:spcPts val="0"/>
-              </a:spcAft>
-              <a:buClrTx/>
-              <a:buSzTx/>
-              <a:buFontTx/>
-              <a:buNone/>
-              <a:tabLst/>
-              <a:defRPr/>
-            </a:pPr>
-            <a:endParaRPr kumimoji="0" lang="en-US" sz="1800" b="0" i="0" u="none" strike="noStrike" kern="1200" cap="none" spc="0" normalizeH="0" baseline="0" noProof="0">
-              <a:ln>
-                <a:noFill/>
-              </a:ln>
-              <a:solidFill>
-                <a:prstClr val="white"/>
-              </a:solidFill>
-              <a:effectLst/>
-              <a:uLnTx/>
-              <a:uFillTx/>
-              <a:latin typeface="Calibri" panose="020F0502020204030204"/>
-              <a:ea typeface="+mn-ea"/>
-              <a:cs typeface="+mn-cs"/>
-            </a:endParaRPr>
-          </a:p>
-        </p:txBody>
-      </p:sp>
-      <p:sp>
-        <p:nvSpPr>
-          <p:cNvPr id="26" name="Freeform: Shape 25">
-            <a:extLst>
-              <a:ext uri="{FF2B5EF4-FFF2-40B4-BE49-F238E27FC236}">
-                <a16:creationId xmlns:a16="http://schemas.microsoft.com/office/drawing/2014/main" id="{58D44E42-C462-4105-BC86-FE75B4E3C4AF}"/>
-              </a:ext>
-              <a:ext uri="{C183D7F6-B498-43B3-948B-1728B52AA6E4}">
-                <adec:decorative xmlns:adec="http://schemas.microsoft.com/office/drawing/2017/decorative" val="1"/>
-              </a:ext>
-            </a:extLst>
-          </p:cNvPr>
-          <p:cNvSpPr>
-            <a:spLocks noGrp="1" noRot="1" noChangeAspect="1" noMove="1" noResize="1" noEditPoints="1" noAdjustHandles="1" noChangeArrowheads="1" noChangeShapeType="1" noTextEdit="1"/>
-          </p:cNvSpPr>
-          <p:nvPr>
-            <p:extLst>
-              <p:ext uri="{386F3935-93C4-4BCD-93E2-E3B085C9AB24}">
-                <p16:designElem xmlns:p16="http://schemas.microsoft.com/office/powerpoint/2015/main" val="1"/>
-              </p:ext>
-            </p:extLst>
-          </p:nvPr>
-        </p:nvSpPr>
-        <p:spPr>
-          <a:xfrm flipH="1">
-            <a:off x="0" y="0"/>
-            <a:ext cx="6024154" cy="6858000"/>
-          </a:xfrm>
-          <a:custGeom>
-            <a:avLst/>
-            <a:gdLst>
-              <a:gd name="connsiteX0" fmla="*/ 70374 w 6024154"/>
-              <a:gd name="connsiteY0" fmla="*/ 0 h 6858000"/>
-              <a:gd name="connsiteX1" fmla="*/ 6024154 w 6024154"/>
-              <a:gd name="connsiteY1" fmla="*/ 0 h 6858000"/>
-              <a:gd name="connsiteX2" fmla="*/ 6024154 w 6024154"/>
-              <a:gd name="connsiteY2" fmla="*/ 6858000 h 6858000"/>
-              <a:gd name="connsiteX3" fmla="*/ 3587167 w 6024154"/>
-              <a:gd name="connsiteY3" fmla="*/ 6858000 h 6858000"/>
-              <a:gd name="connsiteX4" fmla="*/ 3474220 w 6024154"/>
-              <a:gd name="connsiteY4" fmla="*/ 6800152 h 6858000"/>
-              <a:gd name="connsiteX5" fmla="*/ 0 w 6024154"/>
-              <a:gd name="connsiteY5" fmla="*/ 962844 h 6858000"/>
-              <a:gd name="connsiteX6" fmla="*/ 34274 w 6024154"/>
-              <a:gd name="connsiteY6" fmla="*/ 284091 h 6858000"/>
-            </a:gdLst>
-            <a:ahLst/>
-            <a:cxnLst>
-              <a:cxn ang="0">
-                <a:pos x="connsiteX0" y="connsiteY0"/>
-              </a:cxn>
-              <a:cxn ang="0">
-                <a:pos x="connsiteX1" y="connsiteY1"/>
-              </a:cxn>
-              <a:cxn ang="0">
-                <a:pos x="connsiteX2" y="connsiteY2"/>
-              </a:cxn>
-              <a:cxn ang="0">
-                <a:pos x="connsiteX3" y="connsiteY3"/>
-              </a:cxn>
-              <a:cxn ang="0">
-                <a:pos x="connsiteX4" y="connsiteY4"/>
-              </a:cxn>
-              <a:cxn ang="0">
-                <a:pos x="connsiteX5" y="connsiteY5"/>
-              </a:cxn>
-              <a:cxn ang="0">
-                <a:pos x="connsiteX6" y="connsiteY6"/>
-              </a:cxn>
-            </a:cxnLst>
-            <a:rect l="l" t="t" r="r" b="b"/>
-            <a:pathLst>
-              <a:path w="6024154" h="6858000">
-                <a:moveTo>
-                  <a:pt x="70374" y="0"/>
-                </a:moveTo>
-                <a:lnTo>
-                  <a:pt x="6024154" y="0"/>
-                </a:lnTo>
-                <a:lnTo>
-                  <a:pt x="6024154" y="6858000"/>
-                </a:lnTo>
-                <a:lnTo>
-                  <a:pt x="3587167" y="6858000"/>
-                </a:lnTo>
-                <a:lnTo>
-                  <a:pt x="3474220" y="6800152"/>
-                </a:lnTo>
-                <a:cubicBezTo>
-                  <a:pt x="1404818" y="5675986"/>
-                  <a:pt x="0" y="3483472"/>
-                  <a:pt x="0" y="962844"/>
-                </a:cubicBezTo>
-                <a:cubicBezTo>
-                  <a:pt x="0" y="733696"/>
-                  <a:pt x="11610" y="507260"/>
-                  <a:pt x="34274" y="284091"/>
-                </a:cubicBezTo>
-                <a:close/>
-              </a:path>
-            </a:pathLst>
-          </a:custGeom>
-          <a:solidFill>
-            <a:schemeClr val="tx1"/>
-          </a:solidFill>
-          <a:ln>
-            <a:noFill/>
-          </a:ln>
-        </p:spPr>
-        <p:style>
-          <a:lnRef idx="2">
-            <a:schemeClr val="accent1">
-              <a:shade val="50000"/>
-            </a:schemeClr>
-          </a:lnRef>
-          <a:fillRef idx="1">
-            <a:schemeClr val="accent1"/>
-          </a:fillRef>
-          <a:effectRef idx="0">
-            <a:schemeClr val="accent1"/>
-          </a:effectRef>
-          <a:fontRef idx="minor">
-            <a:schemeClr val="lt1"/>
-          </a:fontRef>
-        </p:style>
-        <p:txBody>
-          <a:bodyPr rtlCol="0" anchor="ctr"/>
-          <a:lstStyle/>
-          <a:p>
-            <a:pPr marL="0" marR="0" lvl="0" indent="0" algn="ctr" defTabSz="914400" rtl="0" eaLnBrk="1" fontAlgn="auto" latinLnBrk="0" hangingPunct="1">
-              <a:lnSpc>
-                <a:spcPct val="100000"/>
-              </a:lnSpc>
-              <a:spcBef>
-                <a:spcPts val="0"/>
-              </a:spcBef>
-              <a:spcAft>
-                <a:spcPts val="0"/>
-              </a:spcAft>
-              <a:buClrTx/>
-              <a:buSzTx/>
-              <a:buFontTx/>
-              <a:buNone/>
-              <a:tabLst/>
-              <a:defRPr/>
-            </a:pPr>
-            <a:endParaRPr kumimoji="0" lang="en-US" sz="1800" b="0" i="0" u="none" strike="noStrike" kern="1200" cap="none" spc="0" normalizeH="0" baseline="0" noProof="0">
-              <a:ln>
-                <a:noFill/>
-              </a:ln>
-              <a:solidFill>
-                <a:prstClr val="white"/>
-              </a:solidFill>
-              <a:effectLst/>
-              <a:uLnTx/>
-              <a:uFillTx/>
-              <a:latin typeface="Calibri" panose="020F0502020204030204"/>
-              <a:ea typeface="+mn-ea"/>
-              <a:cs typeface="+mn-cs"/>
-            </a:endParaRPr>
-          </a:p>
-        </p:txBody>
-      </p:sp>
-      <p:pic>
-        <p:nvPicPr>
-          <p:cNvPr id="19" name="Graphic 9" descr="Checkmark">
-            <a:extLst>
-              <a:ext uri="{FF2B5EF4-FFF2-40B4-BE49-F238E27FC236}">
-                <a16:creationId xmlns:a16="http://schemas.microsoft.com/office/drawing/2014/main" id="{A0646294-2E67-4734-9EE8-F03912F4ACAA}"/>
-              </a:ext>
-            </a:extLst>
-          </p:cNvPr>
-          <p:cNvPicPr>
-            <a:picLocks noChangeAspect="1"/>
-          </p:cNvPicPr>
-          <p:nvPr/>
-        </p:nvPicPr>
-        <p:blipFill>
-          <a:blip r:embed="rId2">
-            <a:extLst>
-              <a:ext uri="{28A0092B-C50C-407E-A947-70E740481C1C}">
-                <a14:useLocalDpi xmlns:a14="http://schemas.microsoft.com/office/drawing/2010/main" val="0"/>
-              </a:ext>
-              <a:ext uri="{96DAC541-7B7A-43D3-8B79-37D633B846F1}">
-                <asvg:svgBlip xmlns:asvg="http://schemas.microsoft.com/office/drawing/2016/SVG/main" r:embed="rId3"/>
-              </a:ext>
-            </a:extLst>
-          </a:blip>
-          <a:stretch>
-            <a:fillRect/>
-          </a:stretch>
-        </p:blipFill>
-        <p:spPr>
-          <a:xfrm>
-            <a:off x="364241" y="643466"/>
-            <a:ext cx="4105275" cy="4105275"/>
-          </a:xfrm>
-          <a:prstGeom prst="rect">
-            <a:avLst/>
-          </a:prstGeom>
-        </p:spPr>
-      </p:pic>
-      <p:sp>
-        <p:nvSpPr>
-          <p:cNvPr id="6" name="TextBox 5">
-            <a:extLst>
-              <a:ext uri="{FF2B5EF4-FFF2-40B4-BE49-F238E27FC236}">
-                <a16:creationId xmlns:a16="http://schemas.microsoft.com/office/drawing/2014/main" id="{DAE41854-34F0-4882-BE05-660AC137FDFB}"/>
-              </a:ext>
-            </a:extLst>
-          </p:cNvPr>
-          <p:cNvSpPr txBox="1"/>
-          <p:nvPr/>
-        </p:nvSpPr>
-        <p:spPr>
-          <a:xfrm>
-            <a:off x="6658044" y="2871982"/>
-            <a:ext cx="5006336" cy="3181684"/>
-          </a:xfrm>
-          <a:prstGeom prst="rect">
-            <a:avLst/>
-          </a:prstGeom>
-        </p:spPr>
-        <p:txBody>
-          <a:bodyPr vert="horz" lIns="91440" tIns="45720" rIns="91440" bIns="45720" rtlCol="0" anchor="t">
-            <a:normAutofit/>
-          </a:bodyPr>
-          <a:lstStyle/>
-          <a:p>
-            <a:pPr marL="342900" lvl="0" indent="-228600">
-              <a:lnSpc>
-                <a:spcPct val="90000"/>
-              </a:lnSpc>
-              <a:spcAft>
-                <a:spcPts val="600"/>
-              </a:spcAft>
-              <a:buFont typeface="Arial" panose="020B0604020202020204" pitchFamily="34" charset="0"/>
-              <a:buChar char="•"/>
-            </a:pPr>
-            <a:r>
-              <a:rPr lang="en-US"/>
-              <a:t>Automatic Backups</a:t>
-            </a:r>
-          </a:p>
-          <a:p>
-            <a:pPr marL="342900" indent="-228600">
-              <a:lnSpc>
-                <a:spcPct val="90000"/>
-              </a:lnSpc>
-              <a:spcAft>
-                <a:spcPts val="600"/>
-              </a:spcAft>
-              <a:buFont typeface="Arial" panose="020B0604020202020204" pitchFamily="34" charset="0"/>
-              <a:buChar char="•"/>
-            </a:pPr>
-            <a:r>
-              <a:rPr lang="en-US"/>
-              <a:t>Data Recovery </a:t>
-            </a:r>
-          </a:p>
-          <a:p>
-            <a:pPr marL="342900" indent="-228600">
-              <a:lnSpc>
-                <a:spcPct val="90000"/>
-              </a:lnSpc>
-              <a:spcAft>
-                <a:spcPts val="600"/>
-              </a:spcAft>
-              <a:buFont typeface="Arial" panose="020B0604020202020204" pitchFamily="34" charset="0"/>
-              <a:buChar char="•"/>
-            </a:pPr>
-            <a:r>
-              <a:rPr lang="en-US"/>
-              <a:t>High availability </a:t>
-            </a:r>
-          </a:p>
-          <a:p>
-            <a:pPr marL="800100" lvl="1" indent="-228600">
-              <a:lnSpc>
-                <a:spcPct val="90000"/>
-              </a:lnSpc>
-              <a:spcAft>
-                <a:spcPts val="600"/>
-              </a:spcAft>
-              <a:buFont typeface="Arial" panose="020B0604020202020204" pitchFamily="34" charset="0"/>
-              <a:buChar char="•"/>
-            </a:pPr>
-            <a:r>
-              <a:rPr lang="en-US"/>
-              <a:t>Replica count </a:t>
-            </a:r>
-          </a:p>
-          <a:p>
-            <a:pPr marL="800100" lvl="1" indent="-228600">
-              <a:lnSpc>
-                <a:spcPct val="90000"/>
-              </a:lnSpc>
-              <a:spcAft>
-                <a:spcPts val="600"/>
-              </a:spcAft>
-              <a:buFont typeface="Arial" panose="020B0604020202020204" pitchFamily="34" charset="0"/>
-              <a:buChar char="•"/>
-            </a:pPr>
-            <a:r>
-              <a:rPr lang="en-US"/>
-              <a:t>Geographic location – CosmosDB</a:t>
-            </a:r>
-          </a:p>
-        </p:txBody>
-      </p:sp>
-    </p:spTree>
-    <p:extLst>
-      <p:ext uri="{BB962C8B-B14F-4D97-AF65-F5344CB8AC3E}">
-        <p14:creationId xmlns:p14="http://schemas.microsoft.com/office/powerpoint/2010/main" val="3307069712"/>
-      </p:ext>
-    </p:extLst>
-  </p:cSld>
-  <p:clrMapOvr>
-    <a:overrideClrMapping bg1="dk1" tx1="lt1" bg2="dk2" tx2="lt2" accent1="accent1" accent2="accent2" accent3="accent3" accent4="accent4" accent5="accent5" accent6="accent6" hlink="hlink" folHlink="folHlink"/>
   </p:clrMapOvr>
 </p:sld>
 </file>

--- a/Feb26-AzureDataLake/AzureDataLake+Hadoop3.0.pptx
+++ b/Feb26-AzureDataLake/AzureDataLake+Hadoop3.0.pptx
@@ -15,13 +15,13 @@
     <p:sldId id="268" r:id="rId6"/>
     <p:sldId id="271" r:id="rId7"/>
     <p:sldId id="284" r:id="rId8"/>
-    <p:sldId id="300" r:id="rId9"/>
-    <p:sldId id="286" r:id="rId10"/>
-    <p:sldId id="288" r:id="rId11"/>
-    <p:sldId id="289" r:id="rId12"/>
-    <p:sldId id="299" r:id="rId13"/>
-    <p:sldId id="295" r:id="rId14"/>
-    <p:sldId id="266" r:id="rId15"/>
+    <p:sldId id="303" r:id="rId9"/>
+    <p:sldId id="300" r:id="rId10"/>
+    <p:sldId id="286" r:id="rId11"/>
+    <p:sldId id="288" r:id="rId12"/>
+    <p:sldId id="289" r:id="rId13"/>
+    <p:sldId id="299" r:id="rId14"/>
+    <p:sldId id="295" r:id="rId15"/>
     <p:sldId id="297" r:id="rId16"/>
     <p:sldId id="298" r:id="rId17"/>
     <p:sldId id="301" r:id="rId18"/>
@@ -137,13 +137,13 @@
             <p14:sldId id="268"/>
             <p14:sldId id="271"/>
             <p14:sldId id="284"/>
+            <p14:sldId id="303"/>
             <p14:sldId id="300"/>
             <p14:sldId id="286"/>
             <p14:sldId id="288"/>
             <p14:sldId id="289"/>
             <p14:sldId id="299"/>
             <p14:sldId id="295"/>
-            <p14:sldId id="266"/>
             <p14:sldId id="297"/>
             <p14:sldId id="298"/>
             <p14:sldId id="301"/>
@@ -372,7 +372,7 @@
           <a:p>
             <a:fld id="{1AD2477C-EE5B-46FF-B20E-C93D78E3ECC1}" type="datetimeFigureOut">
               <a:rPr lang="en-US" smtClean="0"/>
-              <a:t>2/25/2019</a:t>
+              <a:t>2/26/2019</a:t>
             </a:fld>
             <a:endParaRPr lang="en-US" dirty="0"/>
           </a:p>
@@ -778,7 +778,91 @@
           <a:bodyPr/>
           <a:lstStyle/>
           <a:p>
-            <a:endParaRPr lang="en-US" dirty="0"/>
+            <a:pPr marL="228600" indent="-228600">
+              <a:buAutoNum type="arabicPeriod"/>
+            </a:pPr>
+            <a:r>
+              <a:rPr lang="en-IN" dirty="0"/>
+              <a:t>Data Analytics service in portal</a:t>
+            </a:r>
+          </a:p>
+          <a:p>
+            <a:pPr marL="228600" indent="-228600">
+              <a:buAutoNum type="arabicPeriod"/>
+            </a:pPr>
+            <a:r>
+              <a:rPr lang="en-IN" dirty="0"/>
+              <a:t>Add Data sources – Data Lake, Storage accounts for Blob</a:t>
+            </a:r>
+          </a:p>
+          <a:p>
+            <a:pPr marL="228600" indent="-228600">
+              <a:buAutoNum type="arabicPeriod"/>
+            </a:pPr>
+            <a:r>
+              <a:rPr lang="en-IN" dirty="0"/>
+              <a:t>Show the code in Visual Studio – </a:t>
+            </a:r>
+            <a:r>
+              <a:rPr lang="en-IN" dirty="0" err="1"/>
+              <a:t>Read.usql</a:t>
+            </a:r>
+            <a:r>
+              <a:rPr lang="en-IN" dirty="0"/>
+              <a:t>, </a:t>
+            </a:r>
+            <a:r>
+              <a:rPr lang="en-IN" dirty="0" err="1"/>
+              <a:t>Script.usql</a:t>
+            </a:r>
+            <a:endParaRPr lang="en-IN" dirty="0"/>
+          </a:p>
+          <a:p>
+            <a:pPr marL="228600" indent="-228600">
+              <a:buAutoNum type="arabicPeriod"/>
+            </a:pPr>
+            <a:r>
+              <a:rPr lang="en-IN" dirty="0"/>
+              <a:t>Submit locally and show the output in </a:t>
+            </a:r>
+            <a:r>
+              <a:rPr lang="en-IN" dirty="0" err="1"/>
+              <a:t>AppData</a:t>
+            </a:r>
+            <a:endParaRPr lang="en-IN" dirty="0"/>
+          </a:p>
+          <a:p>
+            <a:pPr marL="228600" indent="-228600">
+              <a:buAutoNum type="arabicPeriod"/>
+            </a:pPr>
+            <a:r>
+              <a:rPr lang="en-IN" dirty="0"/>
+              <a:t>Connecting Azure account in ‘Data Lake Analytics Explorer’</a:t>
+            </a:r>
+          </a:p>
+          <a:p>
+            <a:pPr marL="228600" indent="-228600">
+              <a:buAutoNum type="arabicPeriod"/>
+            </a:pPr>
+            <a:r>
+              <a:rPr lang="en-IN" dirty="0"/>
+              <a:t>Submit in Azure and Show the output in Azure Data Lake.</a:t>
+            </a:r>
+          </a:p>
+          <a:p>
+            <a:pPr marL="228600" indent="-228600">
+              <a:buAutoNum type="arabicPeriod"/>
+            </a:pPr>
+            <a:r>
+              <a:rPr lang="en-IN" dirty="0"/>
+              <a:t>Finally create a “U-SQL” Sample Application and show different use cases.</a:t>
+            </a:r>
+          </a:p>
+          <a:p>
+            <a:pPr marL="228600" indent="-228600">
+              <a:buAutoNum type="arabicPeriod"/>
+            </a:pPr>
+            <a:endParaRPr lang="en-IN" dirty="0"/>
           </a:p>
         </p:txBody>
       </p:sp>
@@ -789,7 +873,7 @@
             <a:spLocks noGrp="1"/>
           </p:cNvSpPr>
           <p:nvPr>
-            <p:ph type="sldNum" sz="quarter" idx="5"/>
+            <p:ph type="sldNum" sz="quarter" idx="10"/>
           </p:nvPr>
         </p:nvSpPr>
         <p:spPr/>
@@ -797,18 +881,18 @@
           <a:bodyPr/>
           <a:lstStyle/>
           <a:p>
-            <a:fld id="{0FA58A73-9AF5-4868-B9BF-52715282A3BA}" type="slidenum">
+            <a:fld id="{5E50757B-0709-4736-92FA-0BEB494FC234}" type="slidenum">
               <a:rPr lang="en-US" smtClean="0"/>
-              <a:t>14</a:t>
+              <a:t>15</a:t>
             </a:fld>
-            <a:endParaRPr lang="en-US"/>
+            <a:endParaRPr lang="en-US" dirty="0"/>
           </a:p>
         </p:txBody>
       </p:sp>
     </p:spTree>
     <p:extLst>
       <p:ext uri="{BB962C8B-B14F-4D97-AF65-F5344CB8AC3E}">
-        <p14:creationId xmlns:p14="http://schemas.microsoft.com/office/powerpoint/2010/main" val="2164599022"/>
+        <p14:creationId xmlns:p14="http://schemas.microsoft.com/office/powerpoint/2010/main" val="4249313955"/>
       </p:ext>
     </p:extLst>
   </p:cSld>
@@ -862,174 +946,6 @@
           <a:bodyPr/>
           <a:lstStyle/>
           <a:p>
-            <a:pPr marL="228600" indent="-228600">
-              <a:buAutoNum type="arabicPeriod"/>
-            </a:pPr>
-            <a:r>
-              <a:rPr lang="en-IN" dirty="0"/>
-              <a:t>Data Analytics service in portal</a:t>
-            </a:r>
-          </a:p>
-          <a:p>
-            <a:pPr marL="228600" indent="-228600">
-              <a:buAutoNum type="arabicPeriod"/>
-            </a:pPr>
-            <a:r>
-              <a:rPr lang="en-IN" dirty="0"/>
-              <a:t>Add Data sources – Data Lake, Storage accounts for Blob</a:t>
-            </a:r>
-          </a:p>
-          <a:p>
-            <a:pPr marL="228600" indent="-228600">
-              <a:buAutoNum type="arabicPeriod"/>
-            </a:pPr>
-            <a:r>
-              <a:rPr lang="en-IN" dirty="0"/>
-              <a:t>Show the code in Visual Studio – </a:t>
-            </a:r>
-            <a:r>
-              <a:rPr lang="en-IN" dirty="0" err="1"/>
-              <a:t>Read.usql</a:t>
-            </a:r>
-            <a:r>
-              <a:rPr lang="en-IN" dirty="0"/>
-              <a:t>, </a:t>
-            </a:r>
-            <a:r>
-              <a:rPr lang="en-IN" dirty="0" err="1"/>
-              <a:t>Script.usql</a:t>
-            </a:r>
-            <a:endParaRPr lang="en-IN" dirty="0"/>
-          </a:p>
-          <a:p>
-            <a:pPr marL="228600" indent="-228600">
-              <a:buAutoNum type="arabicPeriod"/>
-            </a:pPr>
-            <a:r>
-              <a:rPr lang="en-IN" dirty="0"/>
-              <a:t>Submit locally and show the output in </a:t>
-            </a:r>
-            <a:r>
-              <a:rPr lang="en-IN" dirty="0" err="1"/>
-              <a:t>AppData</a:t>
-            </a:r>
-            <a:endParaRPr lang="en-IN" dirty="0"/>
-          </a:p>
-          <a:p>
-            <a:pPr marL="228600" indent="-228600">
-              <a:buAutoNum type="arabicPeriod"/>
-            </a:pPr>
-            <a:r>
-              <a:rPr lang="en-IN" dirty="0"/>
-              <a:t>Connecting Azure account in ‘Data Lake Analytics Explorer’</a:t>
-            </a:r>
-          </a:p>
-          <a:p>
-            <a:pPr marL="228600" indent="-228600">
-              <a:buAutoNum type="arabicPeriod"/>
-            </a:pPr>
-            <a:r>
-              <a:rPr lang="en-IN" dirty="0"/>
-              <a:t>Submit in Azure and Show the output in Azure Data Lake.</a:t>
-            </a:r>
-          </a:p>
-          <a:p>
-            <a:pPr marL="228600" indent="-228600">
-              <a:buAutoNum type="arabicPeriod"/>
-            </a:pPr>
-            <a:r>
-              <a:rPr lang="en-IN" dirty="0"/>
-              <a:t>Finally create a “U-SQL” Sample Application and show different use cases.</a:t>
-            </a:r>
-          </a:p>
-          <a:p>
-            <a:pPr marL="228600" indent="-228600">
-              <a:buAutoNum type="arabicPeriod"/>
-            </a:pPr>
-            <a:endParaRPr lang="en-IN" dirty="0"/>
-          </a:p>
-        </p:txBody>
-      </p:sp>
-      <p:sp>
-        <p:nvSpPr>
-          <p:cNvPr id="4" name="Slide Number Placeholder 3"/>
-          <p:cNvSpPr>
-            <a:spLocks noGrp="1"/>
-          </p:cNvSpPr>
-          <p:nvPr>
-            <p:ph type="sldNum" sz="quarter" idx="10"/>
-          </p:nvPr>
-        </p:nvSpPr>
-        <p:spPr/>
-        <p:txBody>
-          <a:bodyPr/>
-          <a:lstStyle/>
-          <a:p>
-            <a:fld id="{5E50757B-0709-4736-92FA-0BEB494FC234}" type="slidenum">
-              <a:rPr lang="en-US" smtClean="0"/>
-              <a:t>15</a:t>
-            </a:fld>
-            <a:endParaRPr lang="en-US" dirty="0"/>
-          </a:p>
-        </p:txBody>
-      </p:sp>
-    </p:spTree>
-    <p:extLst>
-      <p:ext uri="{BB962C8B-B14F-4D97-AF65-F5344CB8AC3E}">
-        <p14:creationId xmlns:p14="http://schemas.microsoft.com/office/powerpoint/2010/main" val="4249313955"/>
-      </p:ext>
-    </p:extLst>
-  </p:cSld>
-  <p:clrMapOvr>
-    <a:masterClrMapping/>
-  </p:clrMapOvr>
-</p:notes>
-</file>
-
-<file path=ppt/notesSlides/notesSlide12.xml><?xml version="1.0" encoding="utf-8"?>
-<p:notes xmlns:a="http://schemas.openxmlformats.org/drawingml/2006/main" xmlns:r="http://schemas.openxmlformats.org/officeDocument/2006/relationships" xmlns:p="http://schemas.openxmlformats.org/presentationml/2006/main">
-  <p:cSld>
-    <p:spTree>
-      <p:nvGrpSpPr>
-        <p:cNvPr id="1" name=""/>
-        <p:cNvGrpSpPr/>
-        <p:nvPr/>
-      </p:nvGrpSpPr>
-      <p:grpSpPr>
-        <a:xfrm>
-          <a:off x="0" y="0"/>
-          <a:ext cx="0" cy="0"/>
-          <a:chOff x="0" y="0"/>
-          <a:chExt cx="0" cy="0"/>
-        </a:xfrm>
-      </p:grpSpPr>
-      <p:sp>
-        <p:nvSpPr>
-          <p:cNvPr id="2" name="Slide Image Placeholder 1"/>
-          <p:cNvSpPr>
-            <a:spLocks noGrp="1" noRot="1" noChangeAspect="1"/>
-          </p:cNvSpPr>
-          <p:nvPr>
-            <p:ph type="sldImg"/>
-          </p:nvPr>
-        </p:nvSpPr>
-        <p:spPr/>
-      </p:sp>
-      <p:sp>
-        <p:nvSpPr>
-          <p:cNvPr id="3" name="Notes Placeholder 2"/>
-          <p:cNvSpPr>
-            <a:spLocks noGrp="1"/>
-          </p:cNvSpPr>
-          <p:nvPr>
-            <p:ph type="body" idx="1"/>
-          </p:nvPr>
-        </p:nvSpPr>
-        <p:spPr/>
-        <p:txBody>
-          <a:bodyPr/>
-          <a:lstStyle/>
-          <a:p>
             <a:endParaRPr lang="en-US" dirty="0"/>
           </a:p>
         </p:txBody>
@@ -1070,7 +986,7 @@
 </p:notes>
 </file>
 
-<file path=ppt/notesSlides/notesSlide13.xml><?xml version="1.0" encoding="utf-8"?>
+<file path=ppt/notesSlides/notesSlide12.xml><?xml version="1.0" encoding="utf-8"?>
 <p:notes xmlns:a="http://schemas.openxmlformats.org/drawingml/2006/main" xmlns:r="http://schemas.openxmlformats.org/officeDocument/2006/relationships" xmlns:p="http://schemas.openxmlformats.org/presentationml/2006/main">
   <p:cSld>
     <p:spTree>
@@ -1284,7 +1200,7 @@
                 <a:ea typeface="+mn-ea"/>
                 <a:cs typeface="+mn-cs"/>
               </a:rPr>
-              <a:t>Microsoft Azure comes as huge and changing fast. Hence the name change too. “Azure Data Lake Store” has been renamed to “Azure Data Lake Storage Gen1”</a:t>
+              <a:t>Microsoft Azure comes as huge and changing fast. Hence the name change too. “Azure Data Lake Store” has been renamed to “Azure Data Lake Storage Gen1” and now in this February month, they have made “Gen 2” as generally available.</a:t>
             </a:r>
             <a:endParaRPr lang="en-US" dirty="0"/>
           </a:p>
@@ -1631,7 +1547,7 @@
             </a:pPr>
             <a:r>
               <a:rPr lang="en-US" dirty="0"/>
-              <a:t>Realizing value of investing, depends on how best to use it.</a:t>
+              <a:t>Value of investing can be realized only by using a service at its best.</a:t>
             </a:r>
           </a:p>
           <a:p>
@@ -1641,7 +1557,7 @@
             </a:pPr>
             <a:r>
               <a:rPr lang="en-US" dirty="0"/>
-              <a:t>Choose Data Lake, based on the pr</a:t>
+              <a:t>Choose Data Lake, if the pr</a:t>
             </a:r>
             <a:r>
               <a:rPr lang="en-US" sz="1200" b="0" i="0" kern="1200" dirty="0">
@@ -1653,41 +1569,8 @@
                 <a:ea typeface="+mn-ea"/>
                 <a:cs typeface="+mn-cs"/>
               </a:rPr>
-              <a:t>oblem you’re trying to solve. i.e. does the problem is around Analytics, Machine Learning,...</a:t>
-            </a:r>
-          </a:p>
-          <a:p>
-            <a:pPr marL="171450" indent="-171450">
-              <a:buFont typeface="Arial" panose="020B0604020202020204" pitchFamily="34" charset="0"/>
-              <a:buChar char="•"/>
-            </a:pPr>
-            <a:r>
-              <a:rPr lang="en-US" sz="1200" b="0" i="0" kern="1200" dirty="0">
-                <a:solidFill>
-                  <a:schemeClr val="tx1"/>
-                </a:solidFill>
-                <a:effectLst/>
-                <a:latin typeface="+mn-lt"/>
-                <a:ea typeface="+mn-ea"/>
-                <a:cs typeface="+mn-cs"/>
-              </a:rPr>
-              <a:t>Data projects should really be treated as products and not merely as infrastructure</a:t>
-            </a:r>
-          </a:p>
-          <a:p>
-            <a:pPr marL="171450" indent="-171450">
-              <a:buFont typeface="Arial" panose="020B0604020202020204" pitchFamily="34" charset="0"/>
-              <a:buChar char="•"/>
-            </a:pPr>
-            <a:endParaRPr lang="en-US" sz="1200" b="0" i="0" kern="1200" dirty="0">
-              <a:solidFill>
-                <a:schemeClr val="tx1"/>
-              </a:solidFill>
-              <a:effectLst/>
-              <a:latin typeface="+mn-lt"/>
-              <a:ea typeface="+mn-ea"/>
-              <a:cs typeface="+mn-cs"/>
-            </a:endParaRPr>
+              <a:t>oblem you’re trying to solve is around Analytics, Machine Learning,...</a:t>
+            </a:r>
           </a:p>
           <a:p>
             <a:pPr marL="171450" indent="-171450">
@@ -1827,7 +1710,7 @@
           <a:p>
             <a:fld id="{5E50757B-0709-4736-92FA-0BEB494FC234}" type="slidenum">
               <a:rPr lang="en-US" smtClean="0"/>
-              <a:t>7</a:t>
+              <a:t>8</a:t>
             </a:fld>
             <a:endParaRPr lang="en-US" dirty="0"/>
           </a:p>
@@ -1911,7 +1794,7 @@
           <a:p>
             <a:fld id="{0FA58A73-9AF5-4868-B9BF-52715282A3BA}" type="slidenum">
               <a:rPr lang="en-US" smtClean="0"/>
-              <a:t>12</a:t>
+              <a:t>13</a:t>
             </a:fld>
             <a:endParaRPr lang="en-US"/>
           </a:p>
@@ -1974,55 +1857,7 @@
           <a:bodyPr/>
           <a:lstStyle/>
           <a:p>
-            <a:r>
-              <a:rPr lang="en-US" dirty="0"/>
-              <a:t>In this demo, lets see how to setup , manage and access a data lake repository for operational and exploratory analytics.</a:t>
-            </a:r>
-          </a:p>
-          <a:p>
-            <a:pPr marL="228600" indent="-228600">
-              <a:buAutoNum type="arabicPeriod"/>
-            </a:pPr>
-            <a:r>
-              <a:rPr lang="en-US" dirty="0"/>
-              <a:t>Create Azure Data Lake in Azure Portal.</a:t>
-            </a:r>
-          </a:p>
-          <a:p>
-            <a:pPr marL="228600" indent="-228600">
-              <a:buAutoNum type="arabicPeriod"/>
-            </a:pPr>
-            <a:r>
-              <a:rPr lang="en-US" dirty="0"/>
-              <a:t>Create Data Analytics in Azure Portal.</a:t>
-            </a:r>
-          </a:p>
-          <a:p>
-            <a:pPr marL="228600" indent="-228600">
-              <a:buAutoNum type="arabicPeriod"/>
-            </a:pPr>
-            <a:r>
-              <a:rPr lang="en-US" dirty="0"/>
-              <a:t>Show web app creation in Azure AD and copy the keys and URLs from that </a:t>
-            </a:r>
-            <a:r>
-              <a:rPr lang="en-US" dirty="0" err="1"/>
-              <a:t>webapp</a:t>
-            </a:r>
-            <a:r>
-              <a:rPr lang="en-US" dirty="0"/>
-              <a:t>.</a:t>
-            </a:r>
-          </a:p>
-          <a:p>
-            <a:pPr marL="228600" indent="-228600">
-              <a:buAutoNum type="arabicPeriod"/>
-            </a:pPr>
-            <a:r>
-              <a:rPr lang="en-US" dirty="0"/>
-              <a:t>Fetch data via Rest API</a:t>
-            </a:r>
-            <a:endParaRPr lang="en-IN" dirty="0"/>
+            <a:endParaRPr lang="en-US" dirty="0"/>
           </a:p>
         </p:txBody>
       </p:sp>
@@ -2033,7 +1868,7 @@
             <a:spLocks noGrp="1"/>
           </p:cNvSpPr>
           <p:nvPr>
-            <p:ph type="sldNum" sz="quarter" idx="10"/>
+            <p:ph type="sldNum" sz="quarter" idx="5"/>
           </p:nvPr>
         </p:nvSpPr>
         <p:spPr/>
@@ -2041,18 +1876,18 @@
           <a:bodyPr/>
           <a:lstStyle/>
           <a:p>
-            <a:fld id="{5E50757B-0709-4736-92FA-0BEB494FC234}" type="slidenum">
+            <a:fld id="{0FA58A73-9AF5-4868-B9BF-52715282A3BA}" type="slidenum">
               <a:rPr lang="en-US" smtClean="0"/>
-              <a:t>13</a:t>
+              <a:t>14</a:t>
             </a:fld>
-            <a:endParaRPr lang="en-US" dirty="0"/>
+            <a:endParaRPr lang="en-US"/>
           </a:p>
         </p:txBody>
       </p:sp>
     </p:spTree>
     <p:extLst>
       <p:ext uri="{BB962C8B-B14F-4D97-AF65-F5344CB8AC3E}">
-        <p14:creationId xmlns:p14="http://schemas.microsoft.com/office/powerpoint/2010/main" val="1920147630"/>
+        <p14:creationId xmlns:p14="http://schemas.microsoft.com/office/powerpoint/2010/main" val="2164599022"/>
       </p:ext>
     </p:extLst>
   </p:cSld>
@@ -2118,7 +1953,7 @@
           <a:p>
             <a:fld id="{6AC814A8-707E-4EB7-B523-A83E81DFE400}" type="datetimeFigureOut">
               <a:rPr lang="en-US" smtClean="0"/>
-              <a:t>2/25/2019</a:t>
+              <a:t>2/26/2019</a:t>
             </a:fld>
             <a:endParaRPr lang="en-US" dirty="0"/>
           </a:p>
@@ -2304,7 +2139,7 @@
           <a:p>
             <a:fld id="{A643D7BA-99BF-4038-8F6C-FBBEE1A9CE38}" type="datetimeFigureOut">
               <a:rPr lang="en-US" smtClean="0"/>
-              <a:t>2/25/2019</a:t>
+              <a:t>2/26/2019</a:t>
             </a:fld>
             <a:endParaRPr lang="en-US"/>
           </a:p>
@@ -2640,7 +2475,7 @@
                 <a:hlinkClick r:id="rId3">
                   <a:extLst>
                     <a:ext uri="{A12FA001-AC4F-418D-AE19-62706E023703}">
-                      <ahyp:hlinkClr xmlns="" xmlns:ahyp="http://schemas.microsoft.com/office/drawing/2018/hyperlinkcolor" val="tx"/>
+                      <ahyp:hlinkClr xmlns:ahyp="http://schemas.microsoft.com/office/drawing/2018/hyperlinkcolor" xmlns="" val="tx"/>
                     </a:ext>
                   </a:extLst>
                 </a:hlinkClick>
@@ -2769,7 +2604,7 @@
                 <a:hlinkClick r:id="rId5">
                   <a:extLst>
                     <a:ext uri="{A12FA001-AC4F-418D-AE19-62706E023703}">
-                      <ahyp:hlinkClr xmlns="" xmlns:ahyp="http://schemas.microsoft.com/office/drawing/2018/hyperlinkcolor" val="tx"/>
+                      <ahyp:hlinkClr xmlns:ahyp="http://schemas.microsoft.com/office/drawing/2018/hyperlinkcolor" xmlns="" val="tx"/>
                     </a:ext>
                   </a:extLst>
                 </a:hlinkClick>
@@ -2929,7 +2764,7 @@
           <a:p>
             <a:fld id="{6AC814A8-707E-4EB7-B523-A83E81DFE400}" type="datetimeFigureOut">
               <a:rPr lang="en-US" smtClean="0"/>
-              <a:t>2/25/2019</a:t>
+              <a:t>2/26/2019</a:t>
             </a:fld>
             <a:endParaRPr lang="en-US"/>
           </a:p>
@@ -3140,7 +2975,7 @@
           <a:p>
             <a:fld id="{6AC814A8-707E-4EB7-B523-A83E81DFE400}" type="datetimeFigureOut">
               <a:rPr lang="en-US" smtClean="0"/>
-              <a:t>2/25/2019</a:t>
+              <a:t>2/26/2019</a:t>
             </a:fld>
             <a:endParaRPr lang="en-US" dirty="0"/>
           </a:p>
@@ -3988,6 +3823,422 @@
     <p:bg>
       <p:bgPr>
         <a:solidFill>
+          <a:schemeClr val="bg1"/>
+        </a:solidFill>
+        <a:effectLst/>
+      </p:bgPr>
+    </p:bg>
+    <p:spTree>
+      <p:nvGrpSpPr>
+        <p:cNvPr id="1" name=""/>
+        <p:cNvGrpSpPr/>
+        <p:nvPr/>
+      </p:nvGrpSpPr>
+      <p:grpSpPr>
+        <a:xfrm>
+          <a:off x="0" y="0"/>
+          <a:ext cx="0" cy="0"/>
+          <a:chOff x="0" y="0"/>
+          <a:chExt cx="0" cy="0"/>
+        </a:xfrm>
+      </p:grpSpPr>
+      <p:sp>
+        <p:nvSpPr>
+          <p:cNvPr id="18" name="Rectangle 17">
+            <a:extLst>
+              <a:ext uri="{FF2B5EF4-FFF2-40B4-BE49-F238E27FC236}">
+                <a16:creationId xmlns:a16="http://schemas.microsoft.com/office/drawing/2014/main" id="{99899462-FC16-43B0-966B-FCA263450716}"/>
+              </a:ext>
+              <a:ext uri="{C183D7F6-B498-43B3-948B-1728B52AA6E4}">
+                <adec:decorative xmlns:adec="http://schemas.microsoft.com/office/drawing/2017/decorative" val="1"/>
+              </a:ext>
+            </a:extLst>
+          </p:cNvPr>
+          <p:cNvSpPr>
+            <a:spLocks noGrp="1" noRot="1" noChangeAspect="1" noMove="1" noResize="1" noEditPoints="1" noAdjustHandles="1" noChangeArrowheads="1" noChangeShapeType="1" noTextEdit="1"/>
+          </p:cNvSpPr>
+          <p:nvPr>
+            <p:extLst>
+              <p:ext uri="{386F3935-93C4-4BCD-93E2-E3B085C9AB24}">
+                <p16:designElem xmlns:p16="http://schemas.microsoft.com/office/powerpoint/2015/main" val="1"/>
+              </p:ext>
+            </p:extLst>
+          </p:nvPr>
+        </p:nvSpPr>
+        <p:spPr bwMode="ltGray">
+          <a:xfrm>
+            <a:off x="4654295" y="478232"/>
+            <a:ext cx="7034121" cy="5918673"/>
+          </a:xfrm>
+          <a:prstGeom prst="rect">
+            <a:avLst/>
+          </a:prstGeom>
+          <a:solidFill>
+            <a:srgbClr val="404040"/>
+          </a:solidFill>
+          <a:ln w="127000" cap="sq" cmpd="thinThick">
+            <a:solidFill>
+              <a:srgbClr val="404040"/>
+            </a:solidFill>
+          </a:ln>
+        </p:spPr>
+        <p:style>
+          <a:lnRef idx="2">
+            <a:schemeClr val="accent1">
+              <a:shade val="50000"/>
+            </a:schemeClr>
+          </a:lnRef>
+          <a:fillRef idx="1">
+            <a:schemeClr val="accent1"/>
+          </a:fillRef>
+          <a:effectRef idx="0">
+            <a:schemeClr val="accent1"/>
+          </a:effectRef>
+          <a:fontRef idx="minor">
+            <a:schemeClr val="lt1"/>
+          </a:fontRef>
+        </p:style>
+        <p:txBody>
+          <a:bodyPr rtlCol="0" anchor="ctr"/>
+          <a:lstStyle/>
+          <a:p>
+            <a:pPr algn="ctr"/>
+            <a:endParaRPr lang="en-US"/>
+          </a:p>
+        </p:txBody>
+      </p:sp>
+      <p:sp>
+        <p:nvSpPr>
+          <p:cNvPr id="2" name="Title 1">
+            <a:extLst>
+              <a:ext uri="{FF2B5EF4-FFF2-40B4-BE49-F238E27FC236}">
+                <a16:creationId xmlns:a16="http://schemas.microsoft.com/office/drawing/2014/main" id="{D5D1CDD3-5A9C-428D-97DE-C8E62C358176}"/>
+              </a:ext>
+            </a:extLst>
+          </p:cNvPr>
+          <p:cNvSpPr>
+            <a:spLocks noGrp="1"/>
+          </p:cNvSpPr>
+          <p:nvPr>
+            <p:ph type="title"/>
+          </p:nvPr>
+        </p:nvSpPr>
+        <p:spPr>
+          <a:xfrm>
+            <a:off x="5297762" y="1053711"/>
+            <a:ext cx="5638994" cy="1424446"/>
+          </a:xfrm>
+        </p:spPr>
+        <p:txBody>
+          <a:bodyPr vert="horz" lIns="91440" tIns="45720" rIns="91440" bIns="45720" rtlCol="0" anchor="ctr">
+            <a:normAutofit/>
+          </a:bodyPr>
+          <a:lstStyle/>
+          <a:p>
+            <a:r>
+              <a:rPr lang="en-US">
+                <a:solidFill>
+                  <a:srgbClr val="FFFFFF"/>
+                </a:solidFill>
+              </a:rPr>
+              <a:t>Control vs Business value</a:t>
+            </a:r>
+          </a:p>
+        </p:txBody>
+      </p:sp>
+      <p:pic>
+        <p:nvPicPr>
+          <p:cNvPr id="11" name="Graphic 6" descr="Coins">
+            <a:extLst>
+              <a:ext uri="{FF2B5EF4-FFF2-40B4-BE49-F238E27FC236}">
+                <a16:creationId xmlns:a16="http://schemas.microsoft.com/office/drawing/2014/main" id="{67C5BF20-EA86-4B5D-A1EF-E9772CA156E0}"/>
+              </a:ext>
+            </a:extLst>
+          </p:cNvPr>
+          <p:cNvPicPr>
+            <a:picLocks noChangeAspect="1"/>
+          </p:cNvPicPr>
+          <p:nvPr/>
+        </p:nvPicPr>
+        <p:blipFill>
+          <a:blip r:embed="rId2">
+            <a:extLst>
+              <a:ext uri="{28A0092B-C50C-407E-A947-70E740481C1C}">
+                <a14:useLocalDpi xmlns:a14="http://schemas.microsoft.com/office/drawing/2010/main" val="0"/>
+              </a:ext>
+              <a:ext uri="{96DAC541-7B7A-43D3-8B79-37D633B846F1}">
+                <asvg:svgBlip xmlns:asvg="http://schemas.microsoft.com/office/drawing/2016/SVG/main" r:embed="rId3"/>
+              </a:ext>
+            </a:extLst>
+          </a:blip>
+          <a:stretch>
+            <a:fillRect/>
+          </a:stretch>
+        </p:blipFill>
+        <p:spPr>
+          <a:xfrm>
+            <a:off x="918300" y="478232"/>
+            <a:ext cx="2789902" cy="2789902"/>
+          </a:xfrm>
+          <a:prstGeom prst="rect">
+            <a:avLst/>
+          </a:prstGeom>
+        </p:spPr>
+      </p:pic>
+      <p:cxnSp>
+        <p:nvCxnSpPr>
+          <p:cNvPr id="20" name="Straight Connector 19">
+            <a:extLst>
+              <a:ext uri="{FF2B5EF4-FFF2-40B4-BE49-F238E27FC236}">
+                <a16:creationId xmlns:a16="http://schemas.microsoft.com/office/drawing/2014/main" id="{AAFEA932-2DF1-410C-A00A-7A1E7DBF7511}"/>
+              </a:ext>
+              <a:ext uri="{C183D7F6-B498-43B3-948B-1728B52AA6E4}">
+                <adec:decorative xmlns:adec="http://schemas.microsoft.com/office/drawing/2017/decorative" val="1"/>
+              </a:ext>
+            </a:extLst>
+          </p:cNvPr>
+          <p:cNvCxnSpPr>
+            <a:cxnSpLocks noGrp="1" noRot="1" noChangeAspect="1" noMove="1" noResize="1" noEditPoints="1" noAdjustHandles="1" noChangeArrowheads="1" noChangeShapeType="1"/>
+          </p:cNvCxnSpPr>
+          <p:nvPr>
+            <p:extLst>
+              <p:ext uri="{386F3935-93C4-4BCD-93E2-E3B085C9AB24}">
+                <p16:designElem xmlns:p16="http://schemas.microsoft.com/office/powerpoint/2015/main" val="1"/>
+              </p:ext>
+            </p:extLst>
+          </p:nvPr>
+        </p:nvCxnSpPr>
+        <p:spPr>
+          <a:xfrm>
+            <a:off x="5430098" y="2639023"/>
+            <a:ext cx="4562441" cy="0"/>
+          </a:xfrm>
+          <a:prstGeom prst="line">
+            <a:avLst/>
+          </a:prstGeom>
+          <a:ln w="22225">
+            <a:solidFill>
+              <a:srgbClr val="E7E6E6"/>
+            </a:solidFill>
+          </a:ln>
+        </p:spPr>
+        <p:style>
+          <a:lnRef idx="1">
+            <a:schemeClr val="accent1"/>
+          </a:lnRef>
+          <a:fillRef idx="0">
+            <a:schemeClr val="accent1"/>
+          </a:fillRef>
+          <a:effectRef idx="0">
+            <a:schemeClr val="accent1"/>
+          </a:effectRef>
+          <a:fontRef idx="minor">
+            <a:schemeClr val="tx1"/>
+          </a:fontRef>
+        </p:style>
+      </p:cxnSp>
+      <p:pic>
+        <p:nvPicPr>
+          <p:cNvPr id="13" name="Picture 12">
+            <a:extLst>
+              <a:ext uri="{FF2B5EF4-FFF2-40B4-BE49-F238E27FC236}">
+                <a16:creationId xmlns:a16="http://schemas.microsoft.com/office/drawing/2014/main" id="{CDD2619D-EBC2-4B3B-919E-2CFAC0BDF184}"/>
+              </a:ext>
+            </a:extLst>
+          </p:cNvPr>
+          <p:cNvPicPr>
+            <a:picLocks noChangeAspect="1"/>
+          </p:cNvPicPr>
+          <p:nvPr/>
+        </p:nvPicPr>
+        <p:blipFill>
+          <a:blip r:embed="rId4"/>
+          <a:stretch>
+            <a:fillRect/>
+          </a:stretch>
+        </p:blipFill>
+        <p:spPr>
+          <a:xfrm rot="60000">
+            <a:off x="481886" y="3702372"/>
+            <a:ext cx="3662730" cy="2563909"/>
+          </a:xfrm>
+          <a:prstGeom prst="rect">
+            <a:avLst/>
+          </a:prstGeom>
+        </p:spPr>
+      </p:pic>
+      <p:sp>
+        <p:nvSpPr>
+          <p:cNvPr id="3" name="TextBox 2">
+            <a:extLst>
+              <a:ext uri="{FF2B5EF4-FFF2-40B4-BE49-F238E27FC236}">
+                <a16:creationId xmlns:a16="http://schemas.microsoft.com/office/drawing/2014/main" id="{31AB2B53-80DE-4859-A624-C644A4AB9501}"/>
+              </a:ext>
+            </a:extLst>
+          </p:cNvPr>
+          <p:cNvSpPr txBox="1"/>
+          <p:nvPr/>
+        </p:nvSpPr>
+        <p:spPr>
+          <a:xfrm>
+            <a:off x="5297762" y="2799889"/>
+            <a:ext cx="5747187" cy="2987543"/>
+          </a:xfrm>
+          <a:prstGeom prst="rect">
+            <a:avLst/>
+          </a:prstGeom>
+        </p:spPr>
+        <p:txBody>
+          <a:bodyPr vert="horz" lIns="91440" tIns="45720" rIns="91440" bIns="45720" rtlCol="0" anchor="t">
+            <a:normAutofit/>
+          </a:bodyPr>
+          <a:lstStyle/>
+          <a:p>
+            <a:pPr marL="342900" indent="-342900">
+              <a:buFont typeface="Arial"/>
+              <a:buChar char="•"/>
+            </a:pPr>
+            <a:r>
+              <a:rPr lang="en-US" sz="2400" dirty="0">
+                <a:solidFill>
+                  <a:srgbClr val="FFFFFF"/>
+                </a:solidFill>
+                <a:cs typeface="Calibri"/>
+              </a:rPr>
+              <a:t>Lesser the control, more business value.</a:t>
+            </a:r>
+            <a:endParaRPr lang="en-US" sz="2400" dirty="0">
+              <a:cs typeface="Calibri"/>
+            </a:endParaRPr>
+          </a:p>
+          <a:p>
+            <a:pPr marL="342900" indent="-228600">
+              <a:lnSpc>
+                <a:spcPct val="90000"/>
+              </a:lnSpc>
+              <a:spcAft>
+                <a:spcPts val="600"/>
+              </a:spcAft>
+              <a:buFont typeface="Arial" panose="020B0604020202020204" pitchFamily="34" charset="0"/>
+              <a:buChar char="•"/>
+            </a:pPr>
+            <a:endParaRPr lang="en-US" sz="2400" dirty="0">
+              <a:solidFill>
+                <a:srgbClr val="FFFFFF"/>
+              </a:solidFill>
+              <a:cs typeface="Calibri"/>
+            </a:endParaRPr>
+          </a:p>
+          <a:p>
+            <a:pPr marL="342900" indent="-228600">
+              <a:lnSpc>
+                <a:spcPct val="90000"/>
+              </a:lnSpc>
+              <a:spcAft>
+                <a:spcPts val="600"/>
+              </a:spcAft>
+              <a:buFont typeface="Arial" panose="020B0604020202020204" pitchFamily="34" charset="0"/>
+              <a:buChar char="•"/>
+            </a:pPr>
+            <a:r>
+              <a:rPr lang="en-US" sz="2400" dirty="0">
+                <a:solidFill>
+                  <a:srgbClr val="FFFFFF"/>
+                </a:solidFill>
+              </a:rPr>
+              <a:t>More the control, less business value.</a:t>
+            </a:r>
+            <a:endParaRPr lang="en-US" dirty="0"/>
+          </a:p>
+          <a:p>
+            <a:pPr marL="342900" indent="-228600">
+              <a:lnSpc>
+                <a:spcPct val="90000"/>
+              </a:lnSpc>
+              <a:spcAft>
+                <a:spcPts val="600"/>
+              </a:spcAft>
+              <a:buFont typeface="Arial" panose="020B0604020202020204" pitchFamily="34" charset="0"/>
+              <a:buChar char="•"/>
+            </a:pPr>
+            <a:endParaRPr lang="en-US" sz="2400" dirty="0">
+              <a:solidFill>
+                <a:srgbClr val="FFFFFF"/>
+              </a:solidFill>
+            </a:endParaRPr>
+          </a:p>
+          <a:p>
+            <a:pPr marL="800100" lvl="1" indent="-228600">
+              <a:lnSpc>
+                <a:spcPct val="90000"/>
+              </a:lnSpc>
+              <a:spcAft>
+                <a:spcPts val="600"/>
+              </a:spcAft>
+              <a:buFont typeface="Arial" panose="020B0604020202020204" pitchFamily="34" charset="0"/>
+              <a:buChar char="•"/>
+            </a:pPr>
+            <a:endParaRPr lang="en-US" sz="2400" dirty="0">
+              <a:solidFill>
+                <a:srgbClr val="FFFFFF"/>
+              </a:solidFill>
+            </a:endParaRPr>
+          </a:p>
+          <a:p>
+            <a:pPr lvl="1" indent="-228600">
+              <a:lnSpc>
+                <a:spcPct val="90000"/>
+              </a:lnSpc>
+              <a:spcAft>
+                <a:spcPts val="600"/>
+              </a:spcAft>
+              <a:buFont typeface="Arial" panose="020B0604020202020204" pitchFamily="34" charset="0"/>
+              <a:buChar char="•"/>
+            </a:pPr>
+            <a:endParaRPr lang="en-US" sz="2400" dirty="0">
+              <a:solidFill>
+                <a:srgbClr val="FFFFFF"/>
+              </a:solidFill>
+            </a:endParaRPr>
+          </a:p>
+          <a:p>
+            <a:pPr indent="-228600">
+              <a:lnSpc>
+                <a:spcPct val="90000"/>
+              </a:lnSpc>
+              <a:spcAft>
+                <a:spcPts val="600"/>
+              </a:spcAft>
+              <a:buFont typeface="Arial" panose="020B0604020202020204" pitchFamily="34" charset="0"/>
+              <a:buChar char="•"/>
+            </a:pPr>
+            <a:endParaRPr lang="en-US" sz="2400" dirty="0">
+              <a:solidFill>
+                <a:srgbClr val="FFFFFF"/>
+              </a:solidFill>
+            </a:endParaRPr>
+          </a:p>
+        </p:txBody>
+      </p:sp>
+    </p:spTree>
+    <p:extLst>
+      <p:ext uri="{BB962C8B-B14F-4D97-AF65-F5344CB8AC3E}">
+        <p14:creationId xmlns:p14="http://schemas.microsoft.com/office/powerpoint/2010/main" val="4036904399"/>
+      </p:ext>
+    </p:extLst>
+  </p:cSld>
+  <p:clrMapOvr>
+    <a:masterClrMapping/>
+  </p:clrMapOvr>
+</p:sld>
+</file>
+
+<file path=ppt/slides/slide11.xml><?xml version="1.0" encoding="utf-8"?>
+<p:sld xmlns:a="http://schemas.openxmlformats.org/drawingml/2006/main" xmlns:r="http://schemas.openxmlformats.org/officeDocument/2006/relationships" xmlns:p="http://schemas.openxmlformats.org/presentationml/2006/main">
+  <p:cSld>
+    <p:bg>
+      <p:bgPr>
+        <a:solidFill>
           <a:schemeClr val="bg1">
             <a:tint val="95000"/>
             <a:satMod val="170000"/>
@@ -4435,8 +4686,8 @@
         </p:nvSpPr>
         <p:spPr>
           <a:xfrm>
-            <a:off x="6658044" y="2871982"/>
-            <a:ext cx="5006336" cy="3181684"/>
+            <a:off x="6167848" y="2871982"/>
+            <a:ext cx="5496532" cy="3181684"/>
           </a:xfrm>
           <a:prstGeom prst="rect">
             <a:avLst/>
@@ -4474,10 +4725,7 @@
               <a:buFont typeface="Arial" panose="020B0604020202020204" pitchFamily="34" charset="0"/>
               <a:buChar char="•"/>
             </a:pPr>
-            <a:r>
-              <a:rPr lang="en-US" dirty="0"/>
-              <a:t>Hierarchical file system</a:t>
-            </a:r>
+            <a:endParaRPr lang="en-US" dirty="0"/>
           </a:p>
           <a:p>
             <a:pPr marL="342900" lvl="0" indent="-228600">
@@ -4492,7 +4740,36 @@
             </a:pPr>
             <a:r>
               <a:rPr lang="en-US" dirty="0"/>
-              <a:t>Security</a:t>
+              <a:t>Hierarchical file system</a:t>
+            </a:r>
+          </a:p>
+          <a:p>
+            <a:pPr marL="342900" lvl="0" indent="-228600">
+              <a:lnSpc>
+                <a:spcPct val="90000"/>
+              </a:lnSpc>
+              <a:spcAft>
+                <a:spcPts val="600"/>
+              </a:spcAft>
+              <a:buFont typeface="Arial" panose="020B0604020202020204" pitchFamily="34" charset="0"/>
+              <a:buChar char="•"/>
+            </a:pPr>
+            <a:endParaRPr lang="en-US" dirty="0"/>
+          </a:p>
+          <a:p>
+            <a:pPr marL="342900" lvl="0" indent="-228600">
+              <a:lnSpc>
+                <a:spcPct val="90000"/>
+              </a:lnSpc>
+              <a:spcAft>
+                <a:spcPts val="600"/>
+              </a:spcAft>
+              <a:buFont typeface="Arial" panose="020B0604020202020204" pitchFamily="34" charset="0"/>
+              <a:buChar char="•"/>
+            </a:pPr>
+            <a:r>
+              <a:rPr lang="en-US" dirty="0"/>
+              <a:t>Security,</a:t>
             </a:r>
           </a:p>
           <a:p>
@@ -4526,6 +4803,19 @@
               <a:rPr lang="en-US" dirty="0"/>
               <a:t>Authorization – POSIX ACLs</a:t>
             </a:r>
+          </a:p>
+          <a:p>
+            <a:pPr marL="800100" lvl="1" indent="-228600">
+              <a:lnSpc>
+                <a:spcPct val="90000"/>
+              </a:lnSpc>
+              <a:spcAft>
+                <a:spcPts val="600"/>
+              </a:spcAft>
+              <a:buFont typeface="Arial" panose="020B0604020202020204" pitchFamily="34" charset="0"/>
+              <a:buChar char="•"/>
+            </a:pPr>
+            <a:endParaRPr lang="en-US" dirty="0"/>
           </a:p>
           <a:p>
             <a:pPr marL="342900" lvl="0" indent="-228600">
@@ -4571,7 +4861,7 @@
 </p:sld>
 </file>
 
-<file path=ppt/slides/slide11.xml><?xml version="1.0" encoding="utf-8"?>
+<file path=ppt/slides/slide12.xml><?xml version="1.0" encoding="utf-8"?>
 <p:sld xmlns:a="http://schemas.openxmlformats.org/drawingml/2006/main" xmlns:r="http://schemas.openxmlformats.org/officeDocument/2006/relationships" xmlns:p="http://schemas.openxmlformats.org/presentationml/2006/main">
   <p:cSld>
     <p:bg>
@@ -5176,7 +5466,7 @@
 </p:sld>
 </file>
 
-<file path=ppt/slides/slide12.xml><?xml version="1.0" encoding="utf-8"?>
+<file path=ppt/slides/slide13.xml><?xml version="1.0" encoding="utf-8"?>
 <p:sld xmlns:a="http://schemas.openxmlformats.org/drawingml/2006/main" xmlns:r="http://schemas.openxmlformats.org/officeDocument/2006/relationships" xmlns:p="http://schemas.openxmlformats.org/presentationml/2006/main">
   <p:cSld>
     <p:bg>
@@ -5439,7 +5729,7 @@
             <p:ph idx="1"/>
             <p:extLst>
               <p:ext uri="{D42A27DB-BD31-4B8C-83A1-F6EECF244321}">
-                <p14:modId xmlns:p14="http://schemas.microsoft.com/office/powerpoint/2010/main" val="4153802624"/>
+                <p14:modId xmlns:p14="http://schemas.microsoft.com/office/powerpoint/2010/main" val="4071849261"/>
               </p:ext>
             </p:extLst>
           </p:nvPr>
@@ -5888,29 +6178,7 @@
                             </a:schemeClr>
                           </a:solidFill>
                         </a:rPr>
-                        <a:t>Meant more for Analytics and tight integration with BigData environment (</a:t>
-                      </a:r>
-                      <a:r>
-                        <a:rPr lang="en-US" sz="1700" dirty="0" err="1">
-                          <a:solidFill>
-                            <a:schemeClr val="tx1">
-                              <a:lumMod val="75000"/>
-                              <a:lumOff val="25000"/>
-                            </a:schemeClr>
-                          </a:solidFill>
-                        </a:rPr>
-                        <a:t>HdInsight</a:t>
-                      </a:r>
-                      <a:r>
-                        <a:rPr lang="en-US" sz="1700" dirty="0">
-                          <a:solidFill>
-                            <a:schemeClr val="tx1">
-                              <a:lumMod val="75000"/>
-                              <a:lumOff val="25000"/>
-                            </a:schemeClr>
-                          </a:solidFill>
-                        </a:rPr>
-                        <a:t>, Any native tool like Hadoop, Spark…)</a:t>
+                        <a:t>Meant more for Analytics and tight integration around BigData (HDInsight, Native Hadoop, Spark…)</a:t>
                       </a:r>
                     </a:p>
                   </a:txBody>
@@ -6014,7 +6282,7 @@
 </p:sld>
 </file>
 
-<file path=ppt/slides/slide13.xml><?xml version="1.0" encoding="utf-8"?>
+<file path=ppt/slides/slide14.xml><?xml version="1.0" encoding="utf-8"?>
 <p:sld xmlns:a="http://schemas.openxmlformats.org/drawingml/2006/main" xmlns:r="http://schemas.openxmlformats.org/officeDocument/2006/relationships" xmlns:p="http://schemas.openxmlformats.org/presentationml/2006/main">
   <p:cSld>
     <p:bg>
@@ -6041,7 +6309,501 @@
       </p:grpSpPr>
       <p:sp>
         <p:nvSpPr>
-          <p:cNvPr id="32" name="Rectangle 31">
+          <p:cNvPr id="33" name="Rectangle 27">
+            <a:extLst>
+              <a:ext uri="{FF2B5EF4-FFF2-40B4-BE49-F238E27FC236}">
+                <a16:creationId xmlns:a16="http://schemas.microsoft.com/office/drawing/2014/main" id="{56C20283-73E0-40EC-8AD8-057F581F64C2}"/>
+              </a:ext>
+              <a:ext uri="{C183D7F6-B498-43B3-948B-1728B52AA6E4}">
+                <adec:decorative xmlns:adec="http://schemas.microsoft.com/office/drawing/2017/decorative" val="1"/>
+              </a:ext>
+            </a:extLst>
+          </p:cNvPr>
+          <p:cNvSpPr>
+            <a:spLocks noGrp="1" noRot="1" noChangeAspect="1" noMove="1" noResize="1" noEditPoints="1" noAdjustHandles="1" noChangeArrowheads="1" noChangeShapeType="1" noTextEdit="1"/>
+          </p:cNvSpPr>
+          <p:nvPr>
+            <p:extLst>
+              <p:ext uri="{386F3935-93C4-4BCD-93E2-E3B085C9AB24}">
+                <p16:designElem xmlns:p16="http://schemas.microsoft.com/office/powerpoint/2015/main" val="1"/>
+              </p:ext>
+            </p:extLst>
+          </p:nvPr>
+        </p:nvSpPr>
+        <p:spPr>
+          <a:xfrm>
+            <a:off x="1524" y="0"/>
+            <a:ext cx="12188952" cy="6858000"/>
+          </a:xfrm>
+          <a:prstGeom prst="rect">
+            <a:avLst/>
+          </a:prstGeom>
+          <a:solidFill>
+            <a:schemeClr val="tx1"/>
+          </a:solidFill>
+          <a:ln>
+            <a:noFill/>
+          </a:ln>
+        </p:spPr>
+        <p:style>
+          <a:lnRef idx="2">
+            <a:schemeClr val="accent1">
+              <a:shade val="50000"/>
+            </a:schemeClr>
+          </a:lnRef>
+          <a:fillRef idx="1">
+            <a:schemeClr val="accent1"/>
+          </a:fillRef>
+          <a:effectRef idx="0">
+            <a:schemeClr val="accent1"/>
+          </a:effectRef>
+          <a:fontRef idx="minor">
+            <a:schemeClr val="lt1"/>
+          </a:fontRef>
+        </p:style>
+        <p:txBody>
+          <a:bodyPr rtlCol="0" anchor="ctr"/>
+          <a:lstStyle/>
+          <a:p>
+            <a:pPr algn="ctr"/>
+            <a:endParaRPr lang="en-US"/>
+          </a:p>
+        </p:txBody>
+      </p:sp>
+      <p:sp>
+        <p:nvSpPr>
+          <p:cNvPr id="34" name="Freeform 28">
+            <a:extLst>
+              <a:ext uri="{FF2B5EF4-FFF2-40B4-BE49-F238E27FC236}">
+                <a16:creationId xmlns:a16="http://schemas.microsoft.com/office/drawing/2014/main" id="{3FCC729B-E528-40C3-82D3-BA4375575E87}"/>
+              </a:ext>
+              <a:ext uri="{C183D7F6-B498-43B3-948B-1728B52AA6E4}">
+                <adec:decorative xmlns:adec="http://schemas.microsoft.com/office/drawing/2017/decorative" val="1"/>
+              </a:ext>
+            </a:extLst>
+          </p:cNvPr>
+          <p:cNvSpPr>
+            <a:spLocks noGrp="1" noRot="1" noChangeAspect="1" noMove="1" noResize="1" noEditPoints="1" noAdjustHandles="1" noChangeArrowheads="1" noChangeShapeType="1" noTextEdit="1"/>
+          </p:cNvSpPr>
+          <p:nvPr>
+            <p:extLst>
+              <p:ext uri="{386F3935-93C4-4BCD-93E2-E3B085C9AB24}">
+                <p16:designElem xmlns:p16="http://schemas.microsoft.com/office/powerpoint/2015/main" val="1"/>
+              </p:ext>
+            </p:extLst>
+          </p:nvPr>
+        </p:nvSpPr>
+        <p:spPr>
+          <a:xfrm flipH="1" flipV="1">
+            <a:off x="960120" y="0"/>
+            <a:ext cx="11218661" cy="6858000"/>
+          </a:xfrm>
+          <a:custGeom>
+            <a:avLst/>
+            <a:gdLst>
+              <a:gd name="connsiteX0" fmla="*/ 0 w 11218661"/>
+              <a:gd name="connsiteY0" fmla="*/ 0 h 6858000"/>
+              <a:gd name="connsiteX1" fmla="*/ 8042507 w 11218661"/>
+              <a:gd name="connsiteY1" fmla="*/ 0 h 6858000"/>
+              <a:gd name="connsiteX2" fmla="*/ 11218661 w 11218661"/>
+              <a:gd name="connsiteY2" fmla="*/ 6858000 h 6858000"/>
+              <a:gd name="connsiteX3" fmla="*/ 0 w 11218661"/>
+              <a:gd name="connsiteY3" fmla="*/ 6858000 h 6858000"/>
+            </a:gdLst>
+            <a:ahLst/>
+            <a:cxnLst>
+              <a:cxn ang="0">
+                <a:pos x="connsiteX0" y="connsiteY0"/>
+              </a:cxn>
+              <a:cxn ang="0">
+                <a:pos x="connsiteX1" y="connsiteY1"/>
+              </a:cxn>
+              <a:cxn ang="0">
+                <a:pos x="connsiteX2" y="connsiteY2"/>
+              </a:cxn>
+              <a:cxn ang="0">
+                <a:pos x="connsiteX3" y="connsiteY3"/>
+              </a:cxn>
+            </a:cxnLst>
+            <a:rect l="l" t="t" r="r" b="b"/>
+            <a:pathLst>
+              <a:path w="11218661" h="6858000">
+                <a:moveTo>
+                  <a:pt x="0" y="0"/>
+                </a:moveTo>
+                <a:lnTo>
+                  <a:pt x="8042507" y="0"/>
+                </a:lnTo>
+                <a:lnTo>
+                  <a:pt x="11218661" y="6858000"/>
+                </a:lnTo>
+                <a:lnTo>
+                  <a:pt x="0" y="6858000"/>
+                </a:lnTo>
+                <a:close/>
+              </a:path>
+            </a:pathLst>
+          </a:custGeom>
+          <a:solidFill>
+            <a:schemeClr val="bg1">
+              <a:lumMod val="85000"/>
+              <a:lumOff val="15000"/>
+              <a:alpha val="70000"/>
+            </a:schemeClr>
+          </a:solidFill>
+          <a:ln>
+            <a:noFill/>
+          </a:ln>
+        </p:spPr>
+        <p:style>
+          <a:lnRef idx="2">
+            <a:schemeClr val="accent1">
+              <a:shade val="50000"/>
+            </a:schemeClr>
+          </a:lnRef>
+          <a:fillRef idx="1">
+            <a:schemeClr val="accent1"/>
+          </a:fillRef>
+          <a:effectRef idx="0">
+            <a:schemeClr val="accent1"/>
+          </a:effectRef>
+          <a:fontRef idx="minor">
+            <a:schemeClr val="lt1"/>
+          </a:fontRef>
+        </p:style>
+        <p:txBody>
+          <a:bodyPr wrap="square" rtlCol="0" anchor="ctr">
+            <a:noAutofit/>
+          </a:bodyPr>
+          <a:lstStyle/>
+          <a:p>
+            <a:pPr algn="ctr"/>
+            <a:endParaRPr lang="en-US"/>
+          </a:p>
+        </p:txBody>
+      </p:sp>
+      <p:sp>
+        <p:nvSpPr>
+          <p:cNvPr id="32" name="Freeform 26">
+            <a:extLst>
+              <a:ext uri="{FF2B5EF4-FFF2-40B4-BE49-F238E27FC236}">
+                <a16:creationId xmlns:a16="http://schemas.microsoft.com/office/drawing/2014/main" id="{58F1FB8D-1842-4A04-998D-6CF047AB2790}"/>
+              </a:ext>
+              <a:ext uri="{C183D7F6-B498-43B3-948B-1728B52AA6E4}">
+                <adec:decorative xmlns:adec="http://schemas.microsoft.com/office/drawing/2017/decorative" val="1"/>
+              </a:ext>
+            </a:extLst>
+          </p:cNvPr>
+          <p:cNvSpPr>
+            <a:spLocks noGrp="1" noRot="1" noChangeAspect="1" noMove="1" noResize="1" noEditPoints="1" noAdjustHandles="1" noChangeArrowheads="1" noChangeShapeType="1" noTextEdit="1"/>
+          </p:cNvSpPr>
+          <p:nvPr>
+            <p:extLst>
+              <p:ext uri="{386F3935-93C4-4BCD-93E2-E3B085C9AB24}">
+                <p16:designElem xmlns:p16="http://schemas.microsoft.com/office/powerpoint/2015/main" val="1"/>
+              </p:ext>
+            </p:extLst>
+          </p:nvPr>
+        </p:nvSpPr>
+        <p:spPr>
+          <a:xfrm flipH="1" flipV="1">
+            <a:off x="1420248" y="0"/>
+            <a:ext cx="10771752" cy="6858000"/>
+          </a:xfrm>
+          <a:custGeom>
+            <a:avLst/>
+            <a:gdLst>
+              <a:gd name="connsiteX0" fmla="*/ 0 w 10771752"/>
+              <a:gd name="connsiteY0" fmla="*/ 0 h 6858000"/>
+              <a:gd name="connsiteX1" fmla="*/ 7595598 w 10771752"/>
+              <a:gd name="connsiteY1" fmla="*/ 0 h 6858000"/>
+              <a:gd name="connsiteX2" fmla="*/ 10771752 w 10771752"/>
+              <a:gd name="connsiteY2" fmla="*/ 6858000 h 6858000"/>
+              <a:gd name="connsiteX3" fmla="*/ 0 w 10771752"/>
+              <a:gd name="connsiteY3" fmla="*/ 6858000 h 6858000"/>
+            </a:gdLst>
+            <a:ahLst/>
+            <a:cxnLst>
+              <a:cxn ang="0">
+                <a:pos x="connsiteX0" y="connsiteY0"/>
+              </a:cxn>
+              <a:cxn ang="0">
+                <a:pos x="connsiteX1" y="connsiteY1"/>
+              </a:cxn>
+              <a:cxn ang="0">
+                <a:pos x="connsiteX2" y="connsiteY2"/>
+              </a:cxn>
+              <a:cxn ang="0">
+                <a:pos x="connsiteX3" y="connsiteY3"/>
+              </a:cxn>
+            </a:cxnLst>
+            <a:rect l="l" t="t" r="r" b="b"/>
+            <a:pathLst>
+              <a:path w="10771752" h="6858000">
+                <a:moveTo>
+                  <a:pt x="0" y="0"/>
+                </a:moveTo>
+                <a:lnTo>
+                  <a:pt x="7595598" y="0"/>
+                </a:lnTo>
+                <a:lnTo>
+                  <a:pt x="10771752" y="6858000"/>
+                </a:lnTo>
+                <a:lnTo>
+                  <a:pt x="0" y="6858000"/>
+                </a:lnTo>
+                <a:close/>
+              </a:path>
+            </a:pathLst>
+          </a:custGeom>
+          <a:solidFill>
+            <a:schemeClr val="bg1">
+              <a:lumMod val="85000"/>
+              <a:lumOff val="15000"/>
+            </a:schemeClr>
+          </a:solidFill>
+          <a:ln>
+            <a:noFill/>
+          </a:ln>
+        </p:spPr>
+        <p:style>
+          <a:lnRef idx="2">
+            <a:schemeClr val="accent1">
+              <a:shade val="50000"/>
+            </a:schemeClr>
+          </a:lnRef>
+          <a:fillRef idx="1">
+            <a:schemeClr val="accent1"/>
+          </a:fillRef>
+          <a:effectRef idx="0">
+            <a:schemeClr val="accent1"/>
+          </a:effectRef>
+          <a:fontRef idx="minor">
+            <a:schemeClr val="lt1"/>
+          </a:fontRef>
+        </p:style>
+        <p:txBody>
+          <a:bodyPr wrap="square" rtlCol="0" anchor="ctr">
+            <a:noAutofit/>
+          </a:bodyPr>
+          <a:lstStyle/>
+          <a:p>
+            <a:pPr algn="ctr"/>
+            <a:endParaRPr lang="en-US"/>
+          </a:p>
+        </p:txBody>
+      </p:sp>
+      <p:sp>
+        <p:nvSpPr>
+          <p:cNvPr id="2" name="Title 1">
+            <a:extLst>
+              <a:ext uri="{FF2B5EF4-FFF2-40B4-BE49-F238E27FC236}">
+                <a16:creationId xmlns:a16="http://schemas.microsoft.com/office/drawing/2014/main" id="{D1DFC740-E98C-4D1B-96D9-BFDF2FE0F1E7}"/>
+              </a:ext>
+            </a:extLst>
+          </p:cNvPr>
+          <p:cNvSpPr>
+            <a:spLocks noGrp="1"/>
+          </p:cNvSpPr>
+          <p:nvPr>
+            <p:ph type="title"/>
+          </p:nvPr>
+        </p:nvSpPr>
+        <p:spPr>
+          <a:xfrm>
+            <a:off x="4384039" y="365125"/>
+            <a:ext cx="7164493" cy="1325563"/>
+          </a:xfrm>
+        </p:spPr>
+        <p:txBody>
+          <a:bodyPr>
+            <a:normAutofit/>
+          </a:bodyPr>
+          <a:lstStyle/>
+          <a:p>
+            <a:r>
+              <a:rPr lang="en-US" dirty="0"/>
+              <a:t>Data Lake Analytics</a:t>
+            </a:r>
+          </a:p>
+        </p:txBody>
+      </p:sp>
+      <p:pic>
+        <p:nvPicPr>
+          <p:cNvPr id="16" name="Graphic 6" descr="Bar chart">
+            <a:extLst>
+              <a:ext uri="{FF2B5EF4-FFF2-40B4-BE49-F238E27FC236}">
+                <a16:creationId xmlns:a16="http://schemas.microsoft.com/office/drawing/2014/main" id="{B17B742C-D5DB-4F32-AE60-9516C6BA6EF8}"/>
+              </a:ext>
+            </a:extLst>
+          </p:cNvPr>
+          <p:cNvPicPr>
+            <a:picLocks noChangeAspect="1"/>
+          </p:cNvPicPr>
+          <p:nvPr/>
+        </p:nvPicPr>
+        <p:blipFill>
+          <a:blip r:embed="rId3">
+            <a:extLst>
+              <a:ext uri="{28A0092B-C50C-407E-A947-70E740481C1C}">
+                <a14:useLocalDpi xmlns:a14="http://schemas.microsoft.com/office/drawing/2010/main" val="0"/>
+              </a:ext>
+              <a:ext uri="{96DAC541-7B7A-43D3-8B79-37D633B846F1}">
+                <asvg:svgBlip xmlns:asvg="http://schemas.microsoft.com/office/drawing/2016/SVG/main" r:embed="rId4"/>
+              </a:ext>
+            </a:extLst>
+          </a:blip>
+          <a:stretch>
+            <a:fillRect/>
+          </a:stretch>
+        </p:blipFill>
+        <p:spPr>
+          <a:xfrm>
+            <a:off x="480060" y="1715781"/>
+            <a:ext cx="3425957" cy="3425957"/>
+          </a:xfrm>
+          <a:prstGeom prst="rect">
+            <a:avLst/>
+          </a:prstGeom>
+        </p:spPr>
+      </p:pic>
+      <p:sp>
+        <p:nvSpPr>
+          <p:cNvPr id="3" name="Content Placeholder 2">
+            <a:extLst>
+              <a:ext uri="{FF2B5EF4-FFF2-40B4-BE49-F238E27FC236}">
+                <a16:creationId xmlns:a16="http://schemas.microsoft.com/office/drawing/2014/main" id="{C33E2DB0-AB25-48A2-89A1-D57DFF34F0A5}"/>
+              </a:ext>
+            </a:extLst>
+          </p:cNvPr>
+          <p:cNvSpPr>
+            <a:spLocks noGrp="1"/>
+          </p:cNvSpPr>
+          <p:nvPr>
+            <p:ph idx="1"/>
+          </p:nvPr>
+        </p:nvSpPr>
+        <p:spPr>
+          <a:xfrm>
+            <a:off x="4387515" y="2022601"/>
+            <a:ext cx="7161017" cy="4154361"/>
+          </a:xfrm>
+        </p:spPr>
+        <p:txBody>
+          <a:bodyPr>
+            <a:normAutofit/>
+          </a:bodyPr>
+          <a:lstStyle/>
+          <a:p>
+            <a:r>
+              <a:rPr lang="en-US" sz="2000" dirty="0"/>
+              <a:t>On demand analytics job service.</a:t>
+            </a:r>
+          </a:p>
+          <a:p>
+            <a:r>
+              <a:rPr lang="en-US" sz="2000" dirty="0"/>
+              <a:t>Simplifying BigData via Dynamic scaling based on data size.</a:t>
+            </a:r>
+          </a:p>
+          <a:p>
+            <a:r>
+              <a:rPr lang="en-US" sz="2000" dirty="0"/>
+              <a:t>Built on YARN for cloud scale and performance.</a:t>
+            </a:r>
+          </a:p>
+          <a:p>
+            <a:r>
+              <a:rPr lang="en-US" sz="2000" dirty="0"/>
+              <a:t>Works with all Azure data.</a:t>
+            </a:r>
+          </a:p>
+          <a:p>
+            <a:pPr lvl="1"/>
+            <a:r>
+              <a:rPr lang="en-US" sz="2000" dirty="0"/>
+              <a:t>Highest performance with Azure Data Lake</a:t>
+            </a:r>
+          </a:p>
+          <a:p>
+            <a:pPr lvl="1"/>
+            <a:r>
+              <a:rPr lang="en-US" sz="2000" dirty="0"/>
+              <a:t>Also works with Blob, SQL </a:t>
+            </a:r>
+            <a:r>
+              <a:rPr lang="en-US" sz="2000" dirty="0" err="1"/>
+              <a:t>db</a:t>
+            </a:r>
+            <a:r>
+              <a:rPr lang="en-US" sz="2000" dirty="0"/>
+              <a:t> and Warehouse.</a:t>
+            </a:r>
+          </a:p>
+          <a:p>
+            <a:endParaRPr lang="en-US" sz="2000" dirty="0"/>
+          </a:p>
+          <a:p>
+            <a:r>
+              <a:rPr lang="en-US" sz="2000" dirty="0"/>
+              <a:t>Query language -&gt; U-SQL.</a:t>
+            </a:r>
+          </a:p>
+          <a:p>
+            <a:r>
+              <a:rPr lang="en-US" sz="2000" dirty="0"/>
+              <a:t>IDE -&gt; Visual Studio.</a:t>
+            </a:r>
+          </a:p>
+          <a:p>
+            <a:r>
+              <a:rPr lang="en-US" sz="2000" dirty="0"/>
+              <a:t>Cost -&gt; Pay only for the processing power that you use.</a:t>
+            </a:r>
+          </a:p>
+        </p:txBody>
+      </p:sp>
+    </p:spTree>
+    <p:extLst>
+      <p:ext uri="{BB962C8B-B14F-4D97-AF65-F5344CB8AC3E}">
+        <p14:creationId xmlns:p14="http://schemas.microsoft.com/office/powerpoint/2010/main" val="2196034314"/>
+      </p:ext>
+    </p:extLst>
+  </p:cSld>
+  <p:clrMapOvr>
+    <a:overrideClrMapping bg1="dk1" tx1="lt1" bg2="dk2" tx2="lt2" accent1="accent1" accent2="accent2" accent3="accent3" accent4="accent4" accent5="accent5" accent6="accent6" hlink="hlink" folHlink="folHlink"/>
+  </p:clrMapOvr>
+</p:sld>
+</file>
+
+<file path=ppt/slides/slide15.xml><?xml version="1.0" encoding="utf-8"?>
+<p:sld xmlns:a="http://schemas.openxmlformats.org/drawingml/2006/main" xmlns:r="http://schemas.openxmlformats.org/officeDocument/2006/relationships" xmlns:p="http://schemas.openxmlformats.org/presentationml/2006/main">
+  <p:cSld>
+    <p:bg>
+      <p:bgPr>
+        <a:solidFill>
+          <a:schemeClr val="bg1"/>
+        </a:solidFill>
+        <a:effectLst/>
+      </p:bgPr>
+    </p:bg>
+    <p:spTree>
+      <p:nvGrpSpPr>
+        <p:cNvPr id="1" name=""/>
+        <p:cNvGrpSpPr/>
+        <p:nvPr/>
+      </p:nvGrpSpPr>
+      <p:grpSpPr>
+        <a:xfrm>
+          <a:off x="0" y="0"/>
+          <a:ext cx="0" cy="0"/>
+          <a:chOff x="0" y="0"/>
+          <a:chExt cx="0" cy="0"/>
+        </a:xfrm>
+      </p:grpSpPr>
+      <p:sp>
+        <p:nvSpPr>
+          <p:cNvPr id="25" name="Rectangle 24">
             <a:extLst>
               <a:ext uri="{FF2B5EF4-FFF2-40B4-BE49-F238E27FC236}">
                 <a16:creationId xmlns:a16="http://schemas.microsoft.com/office/drawing/2014/main" id="{C0B27210-D0CA-4654-B3E3-9ABB4F178EA1}"/>
@@ -6152,7 +6914,7 @@
               </a:spcAft>
             </a:pPr>
             <a:r>
-              <a:rPr lang="en-US" sz="6000" kern="1200" dirty="0">
+              <a:rPr lang="en-US" sz="6000" kern="1200">
                 <a:solidFill>
                   <a:schemeClr val="bg1"/>
                 </a:solidFill>
@@ -6167,7 +6929,7 @@
       </p:sp>
       <p:sp>
         <p:nvSpPr>
-          <p:cNvPr id="34" name="Freeform: Shape 33">
+          <p:cNvPr id="27" name="Freeform: Shape 26">
             <a:extLst>
               <a:ext uri="{FF2B5EF4-FFF2-40B4-BE49-F238E27FC236}">
                 <a16:creationId xmlns:a16="http://schemas.microsoft.com/office/drawing/2014/main" id="{1DB7C82F-AB7E-4F0C-B829-FA1B9C415180}"/>
@@ -6334,7 +7096,7 @@
       </p:sp>
       <p:sp>
         <p:nvSpPr>
-          <p:cNvPr id="36" name="Freeform: Shape 35">
+          <p:cNvPr id="29" name="Freeform: Shape 28">
             <a:extLst>
               <a:ext uri="{FF2B5EF4-FFF2-40B4-BE49-F238E27FC236}">
                 <a16:creationId xmlns:a16="http://schemas.microsoft.com/office/drawing/2014/main" id="{70B66945-4967-4040-926D-DCA44313CDAB}"/>
@@ -6558,17 +7320,1483 @@
     </p:spTree>
     <p:extLst>
       <p:ext uri="{BB962C8B-B14F-4D97-AF65-F5344CB8AC3E}">
-        <p14:creationId xmlns:p14="http://schemas.microsoft.com/office/powerpoint/2010/main" val="1495756082"/>
+        <p14:creationId xmlns:p14="http://schemas.microsoft.com/office/powerpoint/2010/main" val="3950535276"/>
       </p:ext>
     </p:extLst>
   </p:cSld>
   <p:clrMapOvr>
-    <a:overrideClrMapping bg1="lt1" tx1="dk1" bg2="lt2" tx2="dk2" accent1="accent1" accent2="accent2" accent3="accent3" accent4="accent4" accent5="accent5" accent6="accent6" hlink="hlink" folHlink="folHlink"/>
+    <a:masterClrMapping/>
   </p:clrMapOvr>
 </p:sld>
 </file>
 
-<file path=ppt/slides/slide14.xml><?xml version="1.0" encoding="utf-8"?>
+<file path=ppt/slides/slide16.xml><?xml version="1.0" encoding="utf-8"?>
+<p:sld xmlns:a="http://schemas.openxmlformats.org/drawingml/2006/main" xmlns:r="http://schemas.openxmlformats.org/officeDocument/2006/relationships" xmlns:p="http://schemas.openxmlformats.org/presentationml/2006/main">
+  <p:cSld>
+    <p:spTree>
+      <p:nvGrpSpPr>
+        <p:cNvPr id="1" name=""/>
+        <p:cNvGrpSpPr/>
+        <p:nvPr/>
+      </p:nvGrpSpPr>
+      <p:grpSpPr>
+        <a:xfrm>
+          <a:off x="0" y="0"/>
+          <a:ext cx="0" cy="0"/>
+          <a:chOff x="0" y="0"/>
+          <a:chExt cx="0" cy="0"/>
+        </a:xfrm>
+      </p:grpSpPr>
+      <p:sp>
+        <p:nvSpPr>
+          <p:cNvPr id="2" name="Title 1">
+            <a:extLst>
+              <a:ext uri="{FF2B5EF4-FFF2-40B4-BE49-F238E27FC236}">
+                <a16:creationId xmlns:a16="http://schemas.microsoft.com/office/drawing/2014/main" id="{D1DFC740-E98C-4D1B-96D9-BFDF2FE0F1E7}"/>
+              </a:ext>
+            </a:extLst>
+          </p:cNvPr>
+          <p:cNvSpPr>
+            <a:spLocks noGrp="1"/>
+          </p:cNvSpPr>
+          <p:nvPr>
+            <p:ph type="title"/>
+          </p:nvPr>
+        </p:nvSpPr>
+        <p:spPr>
+          <a:xfrm>
+            <a:off x="1136428" y="627564"/>
+            <a:ext cx="7474172" cy="1325563"/>
+          </a:xfrm>
+        </p:spPr>
+        <p:txBody>
+          <a:bodyPr>
+            <a:normAutofit/>
+          </a:bodyPr>
+          <a:lstStyle/>
+          <a:p>
+            <a:r>
+              <a:rPr lang="en-US" dirty="0"/>
+              <a:t>Azure Data Lake Storage Gen 2</a:t>
+            </a:r>
+          </a:p>
+        </p:txBody>
+      </p:sp>
+      <p:sp>
+        <p:nvSpPr>
+          <p:cNvPr id="3" name="Content Placeholder 2">
+            <a:extLst>
+              <a:ext uri="{FF2B5EF4-FFF2-40B4-BE49-F238E27FC236}">
+                <a16:creationId xmlns:a16="http://schemas.microsoft.com/office/drawing/2014/main" id="{C33E2DB0-AB25-48A2-89A1-D57DFF34F0A5}"/>
+              </a:ext>
+            </a:extLst>
+          </p:cNvPr>
+          <p:cNvSpPr>
+            <a:spLocks noGrp="1"/>
+          </p:cNvSpPr>
+          <p:nvPr>
+            <p:ph idx="1"/>
+          </p:nvPr>
+        </p:nvSpPr>
+        <p:spPr>
+          <a:xfrm>
+            <a:off x="1136429" y="2278173"/>
+            <a:ext cx="6467867" cy="3450613"/>
+          </a:xfrm>
+        </p:spPr>
+        <p:txBody>
+          <a:bodyPr anchor="ctr">
+            <a:normAutofit/>
+          </a:bodyPr>
+          <a:lstStyle/>
+          <a:p>
+            <a:r>
+              <a:rPr lang="en-US" sz="2400" dirty="0"/>
+              <a:t>Made GA at Feb 7, 2019</a:t>
+            </a:r>
+          </a:p>
+          <a:p>
+            <a:r>
+              <a:rPr lang="en-US" sz="2400" dirty="0"/>
+              <a:t>Data Lake architecture built on top of Blob storage,</a:t>
+            </a:r>
+          </a:p>
+          <a:p>
+            <a:pPr lvl="1"/>
+            <a:r>
+              <a:rPr lang="en-US" sz="2000" dirty="0"/>
+              <a:t>Same low cost as Blob</a:t>
+            </a:r>
+          </a:p>
+          <a:p>
+            <a:pPr lvl="1"/>
+            <a:r>
+              <a:rPr lang="en-US" sz="2000" dirty="0"/>
+              <a:t>Azure Data Ecosystem</a:t>
+            </a:r>
+          </a:p>
+          <a:p>
+            <a:pPr lvl="1"/>
+            <a:endParaRPr lang="en-US" sz="2000" dirty="0"/>
+          </a:p>
+          <a:p>
+            <a:pPr lvl="1"/>
+            <a:endParaRPr lang="en-US" sz="2000" dirty="0"/>
+          </a:p>
+        </p:txBody>
+      </p:sp>
+      <p:pic>
+        <p:nvPicPr>
+          <p:cNvPr id="16" name="Graphic 6" descr="Bar chart">
+            <a:extLst>
+              <a:ext uri="{FF2B5EF4-FFF2-40B4-BE49-F238E27FC236}">
+                <a16:creationId xmlns:a16="http://schemas.microsoft.com/office/drawing/2014/main" id="{B17B742C-D5DB-4F32-AE60-9516C6BA6EF8}"/>
+              </a:ext>
+            </a:extLst>
+          </p:cNvPr>
+          <p:cNvPicPr>
+            <a:picLocks noChangeAspect="1"/>
+          </p:cNvPicPr>
+          <p:nvPr/>
+        </p:nvPicPr>
+        <p:blipFill>
+          <a:blip r:embed="rId3">
+            <a:extLst>
+              <a:ext uri="{28A0092B-C50C-407E-A947-70E740481C1C}">
+                <a14:useLocalDpi xmlns:a14="http://schemas.microsoft.com/office/drawing/2010/main" val="0"/>
+              </a:ext>
+              <a:ext uri="{96DAC541-7B7A-43D3-8B79-37D633B846F1}">
+                <asvg:svgBlip xmlns:asvg="http://schemas.microsoft.com/office/drawing/2016/SVG/main" r:embed="rId4"/>
+              </a:ext>
+            </a:extLst>
+          </a:blip>
+          <a:stretch>
+            <a:fillRect/>
+          </a:stretch>
+        </p:blipFill>
+        <p:spPr>
+          <a:xfrm>
+            <a:off x="9413987" y="2857501"/>
+            <a:ext cx="1142998" cy="1142998"/>
+          </a:xfrm>
+          <a:prstGeom prst="rect">
+            <a:avLst/>
+          </a:prstGeom>
+        </p:spPr>
+      </p:pic>
+    </p:spTree>
+    <p:extLst>
+      <p:ext uri="{BB962C8B-B14F-4D97-AF65-F5344CB8AC3E}">
+        <p14:creationId xmlns:p14="http://schemas.microsoft.com/office/powerpoint/2010/main" val="3858052651"/>
+      </p:ext>
+    </p:extLst>
+  </p:cSld>
+  <p:clrMapOvr>
+    <a:masterClrMapping/>
+  </p:clrMapOvr>
+</p:sld>
+</file>
+
+<file path=ppt/slides/slide17.xml><?xml version="1.0" encoding="utf-8"?>
+<p:sld xmlns:a="http://schemas.openxmlformats.org/drawingml/2006/main" xmlns:r="http://schemas.openxmlformats.org/officeDocument/2006/relationships" xmlns:p="http://schemas.openxmlformats.org/presentationml/2006/main">
+  <p:cSld>
+    <p:spTree>
+      <p:nvGrpSpPr>
+        <p:cNvPr id="1" name=""/>
+        <p:cNvGrpSpPr/>
+        <p:nvPr/>
+      </p:nvGrpSpPr>
+      <p:grpSpPr>
+        <a:xfrm>
+          <a:off x="0" y="0"/>
+          <a:ext cx="0" cy="0"/>
+          <a:chOff x="0" y="0"/>
+          <a:chExt cx="0" cy="0"/>
+        </a:xfrm>
+      </p:grpSpPr>
+      <p:sp>
+        <p:nvSpPr>
+          <p:cNvPr id="2" name="Title 1">
+            <a:extLst>
+              <a:ext uri="{FF2B5EF4-FFF2-40B4-BE49-F238E27FC236}">
+                <a16:creationId xmlns:a16="http://schemas.microsoft.com/office/drawing/2014/main" id="{46CE63FE-11A2-4E54-A917-3178FB5E7856}"/>
+              </a:ext>
+            </a:extLst>
+          </p:cNvPr>
+          <p:cNvSpPr>
+            <a:spLocks noGrp="1"/>
+          </p:cNvSpPr>
+          <p:nvPr>
+            <p:ph type="title"/>
+          </p:nvPr>
+        </p:nvSpPr>
+        <p:spPr/>
+        <p:txBody>
+          <a:bodyPr/>
+          <a:lstStyle/>
+          <a:p>
+            <a:r>
+              <a:rPr lang="en-US" dirty="0"/>
+              <a:t>Pricing and Upgrade</a:t>
+            </a:r>
+            <a:endParaRPr lang="en-IN" dirty="0"/>
+          </a:p>
+        </p:txBody>
+      </p:sp>
+      <p:sp>
+        <p:nvSpPr>
+          <p:cNvPr id="3" name="Content Placeholder 2">
+            <a:extLst>
+              <a:ext uri="{FF2B5EF4-FFF2-40B4-BE49-F238E27FC236}">
+                <a16:creationId xmlns:a16="http://schemas.microsoft.com/office/drawing/2014/main" id="{90FE507B-CBB9-417D-8D15-29A4A75643CE}"/>
+              </a:ext>
+            </a:extLst>
+          </p:cNvPr>
+          <p:cNvSpPr>
+            <a:spLocks noGrp="1"/>
+          </p:cNvSpPr>
+          <p:nvPr>
+            <p:ph idx="1"/>
+          </p:nvPr>
+        </p:nvSpPr>
+        <p:spPr/>
+        <p:txBody>
+          <a:bodyPr>
+            <a:normAutofit lnSpcReduction="10000"/>
+          </a:bodyPr>
+          <a:lstStyle/>
+          <a:p>
+            <a:r>
+              <a:rPr lang="en-US" dirty="0"/>
+              <a:t>Gen 1 - </a:t>
+            </a:r>
+            <a:r>
+              <a:rPr lang="en-US" dirty="0">
+                <a:hlinkClick r:id="rId2"/>
+              </a:rPr>
+              <a:t>https://azure.microsoft.com/en-us/pricing/details/data-lake-storage-gen1/</a:t>
+            </a:r>
+            <a:endParaRPr lang="en-US" dirty="0"/>
+          </a:p>
+          <a:p>
+            <a:endParaRPr lang="en-US" dirty="0"/>
+          </a:p>
+          <a:p>
+            <a:r>
+              <a:rPr lang="en-US" dirty="0"/>
+              <a:t>Gen 2 - </a:t>
+            </a:r>
+            <a:r>
+              <a:rPr lang="en-US" dirty="0">
+                <a:hlinkClick r:id="rId3"/>
+              </a:rPr>
+              <a:t>https://azure.microsoft.com/en-us/pricing/details/storage/data-lake/</a:t>
+            </a:r>
+            <a:r>
+              <a:rPr lang="en-US" dirty="0"/>
+              <a:t> </a:t>
+            </a:r>
+          </a:p>
+          <a:p>
+            <a:pPr lvl="1"/>
+            <a:r>
+              <a:rPr lang="en-US" dirty="0"/>
+              <a:t>Lesser than Gen 1</a:t>
+            </a:r>
+          </a:p>
+          <a:p>
+            <a:pPr lvl="1"/>
+            <a:r>
+              <a:rPr lang="en-US" dirty="0"/>
+              <a:t>Bit more than Azure Blob</a:t>
+            </a:r>
+          </a:p>
+          <a:p>
+            <a:pPr lvl="1"/>
+            <a:endParaRPr lang="en-US" dirty="0"/>
+          </a:p>
+          <a:p>
+            <a:r>
+              <a:rPr lang="en-US" dirty="0"/>
+              <a:t>Upgrade from Gen1 to Gen2 – When and Why?</a:t>
+            </a:r>
+          </a:p>
+          <a:p>
+            <a:pPr lvl="1"/>
+            <a:r>
+              <a:rPr lang="en-IN" dirty="0">
+                <a:hlinkClick r:id="rId4"/>
+              </a:rPr>
+              <a:t>https://docs.microsoft.com/en-us/azure/storage/blobs/data-lake-storage-upgrade</a:t>
+            </a:r>
+            <a:r>
+              <a:rPr lang="en-IN" dirty="0"/>
+              <a:t> </a:t>
+            </a:r>
+          </a:p>
+        </p:txBody>
+      </p:sp>
+    </p:spTree>
+    <p:extLst>
+      <p:ext uri="{BB962C8B-B14F-4D97-AF65-F5344CB8AC3E}">
+        <p14:creationId xmlns:p14="http://schemas.microsoft.com/office/powerpoint/2010/main" val="109152529"/>
+      </p:ext>
+    </p:extLst>
+  </p:cSld>
+  <p:clrMapOvr>
+    <a:masterClrMapping/>
+  </p:clrMapOvr>
+</p:sld>
+</file>
+
+<file path=ppt/slides/slide18.xml><?xml version="1.0" encoding="utf-8"?>
+<p:sld xmlns:a="http://schemas.openxmlformats.org/drawingml/2006/main" xmlns:r="http://schemas.openxmlformats.org/officeDocument/2006/relationships" xmlns:p="http://schemas.openxmlformats.org/presentationml/2006/main">
+  <p:cSld>
+    <p:spTree>
+      <p:nvGrpSpPr>
+        <p:cNvPr id="1" name=""/>
+        <p:cNvGrpSpPr/>
+        <p:nvPr/>
+      </p:nvGrpSpPr>
+      <p:grpSpPr>
+        <a:xfrm>
+          <a:off x="0" y="0"/>
+          <a:ext cx="0" cy="0"/>
+          <a:chOff x="0" y="0"/>
+          <a:chExt cx="0" cy="0"/>
+        </a:xfrm>
+      </p:grpSpPr>
+      <p:sp>
+        <p:nvSpPr>
+          <p:cNvPr id="2" name="Title 1" hidden="1"/>
+          <p:cNvSpPr>
+            <a:spLocks noGrp="1"/>
+          </p:cNvSpPr>
+          <p:nvPr>
+            <p:ph type="title"/>
+          </p:nvPr>
+        </p:nvSpPr>
+        <p:spPr/>
+        <p:txBody>
+          <a:bodyPr/>
+          <a:lstStyle/>
+          <a:p>
+            <a:endParaRPr lang="en-US" dirty="0"/>
+          </a:p>
+        </p:txBody>
+      </p:sp>
+      <p:sp>
+        <p:nvSpPr>
+          <p:cNvPr id="7" name="Title 1"/>
+          <p:cNvSpPr txBox="1">
+            <a:spLocks/>
+          </p:cNvSpPr>
+          <p:nvPr/>
+        </p:nvSpPr>
+        <p:spPr>
+          <a:xfrm>
+            <a:off x="403747" y="1022492"/>
+            <a:ext cx="8139752" cy="4463908"/>
+          </a:xfrm>
+          <a:prstGeom prst="rect">
+            <a:avLst/>
+          </a:prstGeom>
+        </p:spPr>
+        <p:txBody>
+          <a:bodyPr vert="horz" lIns="91440" tIns="45720" rIns="91440" bIns="45720" rtlCol="0" anchor="ctr">
+            <a:normAutofit/>
+          </a:bodyPr>
+          <a:lstStyle>
+            <a:lvl1pPr algn="l" defTabSz="914400" rtl="0" eaLnBrk="1" latinLnBrk="0" hangingPunct="1">
+              <a:lnSpc>
+                <a:spcPct val="90000"/>
+              </a:lnSpc>
+              <a:spcBef>
+                <a:spcPct val="0"/>
+              </a:spcBef>
+              <a:buNone/>
+              <a:defRPr sz="4400" kern="1200">
+                <a:solidFill>
+                  <a:schemeClr val="tx1"/>
+                </a:solidFill>
+                <a:latin typeface="+mj-lt"/>
+                <a:ea typeface="+mj-ea"/>
+                <a:cs typeface="+mj-cs"/>
+              </a:defRPr>
+            </a:lvl1pPr>
+          </a:lstStyle>
+          <a:p>
+            <a:r>
+              <a:rPr lang="en-US" sz="3200" dirty="0">
+                <a:solidFill>
+                  <a:schemeClr val="bg1"/>
+                </a:solidFill>
+                <a:latin typeface="Segoe UI" panose="020B0502040204020203" pitchFamily="34" charset="0"/>
+                <a:ea typeface="Segoe UI" panose="020B0502040204020203" pitchFamily="34" charset="0"/>
+                <a:cs typeface="Segoe UI" panose="020B0502040204020203" pitchFamily="34" charset="0"/>
+              </a:rPr>
+              <a:t>Enter Text</a:t>
+            </a:r>
+          </a:p>
+        </p:txBody>
+      </p:sp>
+      <p:pic>
+        <p:nvPicPr>
+          <p:cNvPr id="4" name="Picture 3"/>
+          <p:cNvPicPr>
+            <a:picLocks noChangeAspect="1"/>
+          </p:cNvPicPr>
+          <p:nvPr/>
+        </p:nvPicPr>
+        <p:blipFill>
+          <a:blip r:embed="rId3">
+            <a:extLst>
+              <a:ext uri="{28A0092B-C50C-407E-A947-70E740481C1C}">
+                <a14:useLocalDpi xmlns:a14="http://schemas.microsoft.com/office/drawing/2010/main" val="0"/>
+              </a:ext>
+            </a:extLst>
+          </a:blip>
+          <a:stretch>
+            <a:fillRect/>
+          </a:stretch>
+        </p:blipFill>
+        <p:spPr>
+          <a:xfrm>
+            <a:off x="0" y="4180"/>
+            <a:ext cx="12192000" cy="6849639"/>
+          </a:xfrm>
+          <a:prstGeom prst="rect">
+            <a:avLst/>
+          </a:prstGeom>
+        </p:spPr>
+      </p:pic>
+      <p:sp>
+        <p:nvSpPr>
+          <p:cNvPr id="6" name="TextBox 5"/>
+          <p:cNvSpPr txBox="1"/>
+          <p:nvPr/>
+        </p:nvSpPr>
+        <p:spPr>
+          <a:xfrm>
+            <a:off x="403747" y="1874676"/>
+            <a:ext cx="9754044" cy="4708981"/>
+          </a:xfrm>
+          <a:prstGeom prst="rect">
+            <a:avLst/>
+          </a:prstGeom>
+          <a:noFill/>
+        </p:spPr>
+        <p:txBody>
+          <a:bodyPr wrap="square" rtlCol="0">
+            <a:spAutoFit/>
+          </a:bodyPr>
+          <a:lstStyle/>
+          <a:p>
+            <a:pPr marL="342900" lvl="0" indent="-342900">
+              <a:buFont typeface="Arial" panose="020B0604020202020204" pitchFamily="34" charset="0"/>
+              <a:buChar char="•"/>
+            </a:pPr>
+            <a:r>
+              <a:rPr lang="en-US" sz="3000" dirty="0">
+                <a:hlinkClick r:id="rId4"/>
+              </a:rPr>
+              <a:t>https://blogs.msdn.microsoft.com/azuredatalake/</a:t>
+            </a:r>
+            <a:endParaRPr lang="en-US" sz="3000" dirty="0"/>
+          </a:p>
+          <a:p>
+            <a:pPr marL="342900" lvl="0" indent="-342900">
+              <a:buFont typeface="Arial" panose="020B0604020202020204" pitchFamily="34" charset="0"/>
+              <a:buChar char="•"/>
+            </a:pPr>
+            <a:endParaRPr lang="en-US" sz="3000" dirty="0">
+              <a:hlinkClick r:id="rId5"/>
+            </a:endParaRPr>
+          </a:p>
+          <a:p>
+            <a:pPr marL="342900" lvl="0" indent="-342900">
+              <a:buFont typeface="Arial" panose="020B0604020202020204" pitchFamily="34" charset="0"/>
+              <a:buChar char="•"/>
+            </a:pPr>
+            <a:r>
+              <a:rPr lang="en-US" sz="3000" dirty="0">
+                <a:hlinkClick r:id="rId5"/>
+              </a:rPr>
+              <a:t>https://azure.microsoft.com/en-in/resources/videos/data-lake-developer-tools/</a:t>
+            </a:r>
+            <a:r>
+              <a:rPr lang="en-US" sz="3000" dirty="0"/>
+              <a:t>  </a:t>
+            </a:r>
+          </a:p>
+          <a:p>
+            <a:pPr marL="342900" lvl="0" indent="-342900">
+              <a:buFont typeface="Arial" panose="020B0604020202020204" pitchFamily="34" charset="0"/>
+              <a:buChar char="•"/>
+            </a:pPr>
+            <a:endParaRPr lang="en-US" sz="3000" dirty="0"/>
+          </a:p>
+          <a:p>
+            <a:pPr marL="342900" lvl="0" indent="-342900">
+              <a:buFont typeface="Arial" panose="020B0604020202020204" pitchFamily="34" charset="0"/>
+              <a:buChar char="•"/>
+            </a:pPr>
+            <a:r>
+              <a:rPr lang="en-US" sz="3000" dirty="0">
+                <a:hlinkClick r:id="rId6"/>
+              </a:rPr>
+              <a:t>https://docs.microsoft.com/en-us/azure/data-lake-analytics/</a:t>
+            </a:r>
+            <a:r>
+              <a:rPr lang="en-US" sz="3000" dirty="0"/>
+              <a:t> </a:t>
+            </a:r>
+          </a:p>
+          <a:p>
+            <a:pPr marL="342900" lvl="0" indent="-342900">
+              <a:buFont typeface="Arial" panose="020B0604020202020204" pitchFamily="34" charset="0"/>
+              <a:buChar char="•"/>
+            </a:pPr>
+            <a:endParaRPr lang="en-US" sz="3000" dirty="0"/>
+          </a:p>
+          <a:p>
+            <a:pPr marL="342900" lvl="0" indent="-342900">
+              <a:buFont typeface="Arial" panose="020B0604020202020204" pitchFamily="34" charset="0"/>
+              <a:buChar char="•"/>
+            </a:pPr>
+            <a:endParaRPr lang="en-US" sz="3000" dirty="0"/>
+          </a:p>
+          <a:p>
+            <a:pPr marL="342900" lvl="0" indent="-342900">
+              <a:buFont typeface="Arial" panose="020B0604020202020204" pitchFamily="34" charset="0"/>
+              <a:buChar char="•"/>
+            </a:pPr>
+            <a:endParaRPr lang="en-US" sz="3000" dirty="0"/>
+          </a:p>
+        </p:txBody>
+      </p:sp>
+      <p:sp>
+        <p:nvSpPr>
+          <p:cNvPr id="3" name="Rectangle 2">
+            <a:extLst>
+              <a:ext uri="{FF2B5EF4-FFF2-40B4-BE49-F238E27FC236}">
+                <a16:creationId xmlns:a16="http://schemas.microsoft.com/office/drawing/2014/main" id="{5DECC70E-2EDD-4E20-B4C1-240F4C3DD4B7}"/>
+              </a:ext>
+            </a:extLst>
+          </p:cNvPr>
+          <p:cNvSpPr/>
+          <p:nvPr/>
+        </p:nvSpPr>
+        <p:spPr>
+          <a:xfrm>
+            <a:off x="403747" y="848564"/>
+            <a:ext cx="9754044" cy="707886"/>
+          </a:xfrm>
+          <a:prstGeom prst="rect">
+            <a:avLst/>
+          </a:prstGeom>
+          <a:noFill/>
+        </p:spPr>
+        <p:txBody>
+          <a:bodyPr wrap="square" lIns="91440" tIns="45720" rIns="91440" bIns="45720">
+            <a:spAutoFit/>
+          </a:bodyPr>
+          <a:lstStyle/>
+          <a:p>
+            <a:r>
+              <a:rPr lang="en-US" sz="4000" dirty="0">
+                <a:ln w="0"/>
+                <a:effectLst>
+                  <a:outerShdw blurRad="38100" dist="19050" dir="2700000" algn="tl" rotWithShape="0">
+                    <a:schemeClr val="dk1">
+                      <a:alpha val="40000"/>
+                    </a:schemeClr>
+                  </a:outerShdw>
+                </a:effectLst>
+              </a:rPr>
+              <a:t>Other References</a:t>
+            </a:r>
+          </a:p>
+        </p:txBody>
+      </p:sp>
+    </p:spTree>
+    <p:extLst>
+      <p:ext uri="{BB962C8B-B14F-4D97-AF65-F5344CB8AC3E}">
+        <p14:creationId xmlns:p14="http://schemas.microsoft.com/office/powerpoint/2010/main" val="3797604941"/>
+      </p:ext>
+    </p:extLst>
+  </p:cSld>
+  <p:clrMapOvr>
+    <a:masterClrMapping/>
+  </p:clrMapOvr>
+</p:sld>
+</file>
+
+<file path=ppt/slides/slide19.xml><?xml version="1.0" encoding="utf-8"?>
+<p:sld xmlns:a="http://schemas.openxmlformats.org/drawingml/2006/main" xmlns:r="http://schemas.openxmlformats.org/officeDocument/2006/relationships" xmlns:p="http://schemas.openxmlformats.org/presentationml/2006/main">
+  <p:cSld>
+    <p:spTree>
+      <p:nvGrpSpPr>
+        <p:cNvPr id="1" name=""/>
+        <p:cNvGrpSpPr/>
+        <p:nvPr/>
+      </p:nvGrpSpPr>
+      <p:grpSpPr>
+        <a:xfrm>
+          <a:off x="0" y="0"/>
+          <a:ext cx="0" cy="0"/>
+          <a:chOff x="0" y="0"/>
+          <a:chExt cx="0" cy="0"/>
+        </a:xfrm>
+      </p:grpSpPr>
+      <p:sp>
+        <p:nvSpPr>
+          <p:cNvPr id="2" name="Title 1" hidden="1"/>
+          <p:cNvSpPr>
+            <a:spLocks noGrp="1"/>
+          </p:cNvSpPr>
+          <p:nvPr>
+            <p:ph type="title"/>
+          </p:nvPr>
+        </p:nvSpPr>
+        <p:spPr/>
+        <p:txBody>
+          <a:bodyPr/>
+          <a:lstStyle/>
+          <a:p>
+            <a:endParaRPr lang="en-US" dirty="0"/>
+          </a:p>
+        </p:txBody>
+      </p:sp>
+      <p:sp>
+        <p:nvSpPr>
+          <p:cNvPr id="7" name="Title 1"/>
+          <p:cNvSpPr txBox="1">
+            <a:spLocks/>
+          </p:cNvSpPr>
+          <p:nvPr/>
+        </p:nvSpPr>
+        <p:spPr>
+          <a:xfrm>
+            <a:off x="403747" y="1022492"/>
+            <a:ext cx="8139752" cy="4463908"/>
+          </a:xfrm>
+          <a:prstGeom prst="rect">
+            <a:avLst/>
+          </a:prstGeom>
+        </p:spPr>
+        <p:txBody>
+          <a:bodyPr vert="horz" lIns="91440" tIns="45720" rIns="91440" bIns="45720" rtlCol="0" anchor="ctr">
+            <a:normAutofit/>
+          </a:bodyPr>
+          <a:lstStyle>
+            <a:lvl1pPr algn="l" defTabSz="914400" rtl="0" eaLnBrk="1" latinLnBrk="0" hangingPunct="1">
+              <a:lnSpc>
+                <a:spcPct val="90000"/>
+              </a:lnSpc>
+              <a:spcBef>
+                <a:spcPct val="0"/>
+              </a:spcBef>
+              <a:buNone/>
+              <a:defRPr sz="4400" kern="1200">
+                <a:solidFill>
+                  <a:schemeClr val="tx1"/>
+                </a:solidFill>
+                <a:latin typeface="+mj-lt"/>
+                <a:ea typeface="+mj-ea"/>
+                <a:cs typeface="+mj-cs"/>
+              </a:defRPr>
+            </a:lvl1pPr>
+          </a:lstStyle>
+          <a:p>
+            <a:r>
+              <a:rPr lang="en-US" sz="3200" dirty="0">
+                <a:solidFill>
+                  <a:schemeClr val="bg1"/>
+                </a:solidFill>
+                <a:latin typeface="Segoe UI" panose="020B0502040204020203" pitchFamily="34" charset="0"/>
+                <a:ea typeface="Segoe UI" panose="020B0502040204020203" pitchFamily="34" charset="0"/>
+                <a:cs typeface="Segoe UI" panose="020B0502040204020203" pitchFamily="34" charset="0"/>
+              </a:rPr>
+              <a:t>Enter Text</a:t>
+            </a:r>
+          </a:p>
+        </p:txBody>
+      </p:sp>
+      <p:pic>
+        <p:nvPicPr>
+          <p:cNvPr id="4" name="Picture 3"/>
+          <p:cNvPicPr>
+            <a:picLocks noChangeAspect="1"/>
+          </p:cNvPicPr>
+          <p:nvPr/>
+        </p:nvPicPr>
+        <p:blipFill>
+          <a:blip r:embed="rId2">
+            <a:extLst>
+              <a:ext uri="{28A0092B-C50C-407E-A947-70E740481C1C}">
+                <a14:useLocalDpi xmlns:a14="http://schemas.microsoft.com/office/drawing/2010/main" val="0"/>
+              </a:ext>
+            </a:extLst>
+          </a:blip>
+          <a:stretch>
+            <a:fillRect/>
+          </a:stretch>
+        </p:blipFill>
+        <p:spPr>
+          <a:xfrm>
+            <a:off x="0" y="4180"/>
+            <a:ext cx="12192000" cy="6849639"/>
+          </a:xfrm>
+          <a:prstGeom prst="rect">
+            <a:avLst/>
+          </a:prstGeom>
+        </p:spPr>
+      </p:pic>
+      <p:sp>
+        <p:nvSpPr>
+          <p:cNvPr id="5" name="Rectangle 4">
+            <a:extLst>
+              <a:ext uri="{FF2B5EF4-FFF2-40B4-BE49-F238E27FC236}">
+                <a16:creationId xmlns:a16="http://schemas.microsoft.com/office/drawing/2014/main" id="{95D344C9-CBA8-4BF1-8CA0-979B03AD54B2}"/>
+              </a:ext>
+            </a:extLst>
+          </p:cNvPr>
+          <p:cNvSpPr/>
+          <p:nvPr/>
+        </p:nvSpPr>
+        <p:spPr>
+          <a:xfrm>
+            <a:off x="4147053" y="1026522"/>
+            <a:ext cx="3491918" cy="923330"/>
+          </a:xfrm>
+          <a:prstGeom prst="rect">
+            <a:avLst/>
+          </a:prstGeom>
+          <a:noFill/>
+        </p:spPr>
+        <p:txBody>
+          <a:bodyPr wrap="none" lIns="91440" tIns="45720" rIns="91440" bIns="45720">
+            <a:spAutoFit/>
+          </a:bodyPr>
+          <a:lstStyle/>
+          <a:p>
+            <a:pPr algn="ctr"/>
+            <a:r>
+              <a:rPr lang="en-US" sz="5400" dirty="0">
+                <a:ln w="0"/>
+                <a:effectLst>
+                  <a:outerShdw blurRad="38100" dist="19050" dir="2700000" algn="tl" rotWithShape="0">
+                    <a:schemeClr val="dk1">
+                      <a:alpha val="40000"/>
+                    </a:schemeClr>
+                  </a:outerShdw>
+                </a:effectLst>
+              </a:rPr>
+              <a:t>Questions ?</a:t>
+            </a:r>
+          </a:p>
+        </p:txBody>
+      </p:sp>
+      <p:sp>
+        <p:nvSpPr>
+          <p:cNvPr id="13" name="TextBox 12">
+            <a:extLst>
+              <a:ext uri="{FF2B5EF4-FFF2-40B4-BE49-F238E27FC236}">
+                <a16:creationId xmlns:a16="http://schemas.microsoft.com/office/drawing/2014/main" id="{00F1E887-74F5-4F95-8509-56E70256AA1E}"/>
+              </a:ext>
+            </a:extLst>
+          </p:cNvPr>
+          <p:cNvSpPr txBox="1"/>
+          <p:nvPr/>
+        </p:nvSpPr>
+        <p:spPr>
+          <a:xfrm>
+            <a:off x="1135469" y="4446550"/>
+            <a:ext cx="3338154" cy="430887"/>
+          </a:xfrm>
+          <a:prstGeom prst="rect">
+            <a:avLst/>
+          </a:prstGeom>
+          <a:noFill/>
+        </p:spPr>
+        <p:txBody>
+          <a:bodyPr wrap="square" rtlCol="0">
+            <a:spAutoFit/>
+          </a:bodyPr>
+          <a:lstStyle/>
+          <a:p>
+            <a:r>
+              <a:rPr lang="en-US" sz="2200" dirty="0">
+                <a:solidFill>
+                  <a:schemeClr val="tx2"/>
+                </a:solidFill>
+                <a:ea typeface="Segoe UI" panose="020B0502040204020203" pitchFamily="34" charset="0"/>
+                <a:cs typeface="Segoe UI" panose="020B0502040204020203" pitchFamily="34" charset="0"/>
+                <a:hlinkClick r:id="rId3">
+                  <a:extLst>
+                    <a:ext uri="{A12FA001-AC4F-418D-AE19-62706E023703}">
+                      <ahyp:hlinkClr xmlns:ahyp="http://schemas.microsoft.com/office/drawing/2018/hyperlinkcolor" xmlns="" val="tx"/>
+                    </a:ext>
+                  </a:extLst>
+                </a:hlinkClick>
+              </a:rPr>
+              <a:t>dinesarun@hotmail.com</a:t>
+            </a:r>
+            <a:endParaRPr lang="en-US" sz="2200" dirty="0">
+              <a:solidFill>
+                <a:schemeClr val="tx2"/>
+              </a:solidFill>
+              <a:ea typeface="Segoe UI" panose="020B0502040204020203" pitchFamily="34" charset="0"/>
+              <a:cs typeface="Segoe UI" panose="020B0502040204020203" pitchFamily="34" charset="0"/>
+            </a:endParaRPr>
+          </a:p>
+        </p:txBody>
+      </p:sp>
+      <p:pic>
+        <p:nvPicPr>
+          <p:cNvPr id="14" name="Picture 13">
+            <a:extLst>
+              <a:ext uri="{FF2B5EF4-FFF2-40B4-BE49-F238E27FC236}">
+                <a16:creationId xmlns:a16="http://schemas.microsoft.com/office/drawing/2014/main" id="{D9A53123-1833-40CC-9E6E-D6BC945D047F}"/>
+              </a:ext>
+            </a:extLst>
+          </p:cNvPr>
+          <p:cNvPicPr>
+            <a:picLocks noChangeAspect="1"/>
+          </p:cNvPicPr>
+          <p:nvPr/>
+        </p:nvPicPr>
+        <p:blipFill>
+          <a:blip r:embed="rId4" cstate="print">
+            <a:extLst>
+              <a:ext uri="{28A0092B-C50C-407E-A947-70E740481C1C}">
+                <a14:useLocalDpi xmlns:a14="http://schemas.microsoft.com/office/drawing/2010/main" val="0"/>
+              </a:ext>
+            </a:extLst>
+          </a:blip>
+          <a:stretch>
+            <a:fillRect/>
+          </a:stretch>
+        </p:blipFill>
+        <p:spPr>
+          <a:xfrm>
+            <a:off x="655144" y="5033112"/>
+            <a:ext cx="400110" cy="400110"/>
+          </a:xfrm>
+          <a:prstGeom prst="rect">
+            <a:avLst/>
+          </a:prstGeom>
+        </p:spPr>
+      </p:pic>
+      <p:sp>
+        <p:nvSpPr>
+          <p:cNvPr id="15" name="Rectangle 14">
+            <a:extLst>
+              <a:ext uri="{FF2B5EF4-FFF2-40B4-BE49-F238E27FC236}">
+                <a16:creationId xmlns:a16="http://schemas.microsoft.com/office/drawing/2014/main" id="{0E39F9F4-E445-43D1-9F4C-AF8E0478CF7E}"/>
+              </a:ext>
+            </a:extLst>
+          </p:cNvPr>
+          <p:cNvSpPr/>
+          <p:nvPr/>
+        </p:nvSpPr>
+        <p:spPr>
+          <a:xfrm>
+            <a:off x="1135469" y="5017723"/>
+            <a:ext cx="1535546" cy="430887"/>
+          </a:xfrm>
+          <a:prstGeom prst="rect">
+            <a:avLst/>
+          </a:prstGeom>
+        </p:spPr>
+        <p:txBody>
+          <a:bodyPr wrap="square">
+            <a:spAutoFit/>
+          </a:bodyPr>
+          <a:lstStyle/>
+          <a:p>
+            <a:r>
+              <a:rPr lang="en-US" sz="2200" dirty="0">
+                <a:solidFill>
+                  <a:schemeClr val="tx2"/>
+                </a:solidFill>
+                <a:ea typeface="Segoe UI" panose="020B0502040204020203" pitchFamily="34" charset="0"/>
+                <a:cs typeface="Segoe UI" panose="020B0502040204020203" pitchFamily="34" charset="0"/>
+              </a:rPr>
+              <a:t>dinuswt22</a:t>
+            </a:r>
+          </a:p>
+        </p:txBody>
+      </p:sp>
+      <p:sp>
+        <p:nvSpPr>
+          <p:cNvPr id="20" name="Rectangle 19">
+            <a:extLst>
+              <a:ext uri="{FF2B5EF4-FFF2-40B4-BE49-F238E27FC236}">
+                <a16:creationId xmlns:a16="http://schemas.microsoft.com/office/drawing/2014/main" id="{F64071A0-A47D-4532-945E-A9470B1BCDDF}"/>
+              </a:ext>
+            </a:extLst>
+          </p:cNvPr>
+          <p:cNvSpPr/>
+          <p:nvPr/>
+        </p:nvSpPr>
+        <p:spPr>
+          <a:xfrm>
+            <a:off x="1135469" y="3899138"/>
+            <a:ext cx="5664949" cy="430887"/>
+          </a:xfrm>
+          <a:prstGeom prst="rect">
+            <a:avLst/>
+          </a:prstGeom>
+        </p:spPr>
+        <p:txBody>
+          <a:bodyPr wrap="none">
+            <a:spAutoFit/>
+          </a:bodyPr>
+          <a:lstStyle/>
+          <a:p>
+            <a:r>
+              <a:rPr lang="en-US" sz="2200" dirty="0">
+                <a:ln w="0"/>
+                <a:solidFill>
+                  <a:schemeClr val="tx2"/>
+                </a:solidFill>
+                <a:hlinkClick r:id="rId5">
+                  <a:extLst>
+                    <a:ext uri="{A12FA001-AC4F-418D-AE19-62706E023703}">
+                      <ahyp:hlinkClr xmlns:ahyp="http://schemas.microsoft.com/office/drawing/2018/hyperlinkcolor" xmlns="" val="tx"/>
+                    </a:ext>
+                  </a:extLst>
+                </a:hlinkClick>
+              </a:rPr>
+              <a:t>https://github.com/dinesarun/azurevidyapeeth</a:t>
+            </a:r>
+            <a:r>
+              <a:rPr lang="en-US" sz="2200" dirty="0">
+                <a:ln w="0"/>
+                <a:solidFill>
+                  <a:schemeClr val="tx2"/>
+                </a:solidFill>
+              </a:rPr>
+              <a:t> </a:t>
+            </a:r>
+          </a:p>
+        </p:txBody>
+      </p:sp>
+      <p:pic>
+        <p:nvPicPr>
+          <p:cNvPr id="23" name="Picture 22">
+            <a:extLst>
+              <a:ext uri="{FF2B5EF4-FFF2-40B4-BE49-F238E27FC236}">
+                <a16:creationId xmlns:a16="http://schemas.microsoft.com/office/drawing/2014/main" id="{A9B0461C-AB70-4460-BF27-62E823D6EF90}"/>
+              </a:ext>
+            </a:extLst>
+          </p:cNvPr>
+          <p:cNvPicPr>
+            <a:picLocks noChangeAspect="1"/>
+          </p:cNvPicPr>
+          <p:nvPr/>
+        </p:nvPicPr>
+        <p:blipFill>
+          <a:blip r:embed="rId6" cstate="print">
+            <a:extLst>
+              <a:ext uri="{28A0092B-C50C-407E-A947-70E740481C1C}">
+                <a14:useLocalDpi xmlns:a14="http://schemas.microsoft.com/office/drawing/2010/main" val="0"/>
+              </a:ext>
+            </a:extLst>
+          </a:blip>
+          <a:stretch>
+            <a:fillRect/>
+          </a:stretch>
+        </p:blipFill>
+        <p:spPr>
+          <a:xfrm>
+            <a:off x="655145" y="3914527"/>
+            <a:ext cx="400110" cy="400110"/>
+          </a:xfrm>
+          <a:prstGeom prst="rect">
+            <a:avLst/>
+          </a:prstGeom>
+        </p:spPr>
+      </p:pic>
+      <p:pic>
+        <p:nvPicPr>
+          <p:cNvPr id="17" name="Picture 16">
+            <a:extLst>
+              <a:ext uri="{FF2B5EF4-FFF2-40B4-BE49-F238E27FC236}">
+                <a16:creationId xmlns:a16="http://schemas.microsoft.com/office/drawing/2014/main" id="{ECB69F6C-E75C-4C2B-B650-D04154C65845}"/>
+              </a:ext>
+            </a:extLst>
+          </p:cNvPr>
+          <p:cNvPicPr>
+            <a:picLocks noChangeAspect="1"/>
+          </p:cNvPicPr>
+          <p:nvPr/>
+        </p:nvPicPr>
+        <p:blipFill>
+          <a:blip r:embed="rId7" cstate="print">
+            <a:extLst>
+              <a:ext uri="{28A0092B-C50C-407E-A947-70E740481C1C}">
+                <a14:useLocalDpi xmlns:a14="http://schemas.microsoft.com/office/drawing/2010/main" val="0"/>
+              </a:ext>
+            </a:extLst>
+          </a:blip>
+          <a:stretch>
+            <a:fillRect/>
+          </a:stretch>
+        </p:blipFill>
+        <p:spPr>
+          <a:xfrm>
+            <a:off x="624367" y="4446550"/>
+            <a:ext cx="430887" cy="430887"/>
+          </a:xfrm>
+          <a:prstGeom prst="rect">
+            <a:avLst/>
+          </a:prstGeom>
+        </p:spPr>
+      </p:pic>
+    </p:spTree>
+    <p:extLst>
+      <p:ext uri="{BB962C8B-B14F-4D97-AF65-F5344CB8AC3E}">
+        <p14:creationId xmlns:p14="http://schemas.microsoft.com/office/powerpoint/2010/main" val="445054829"/>
+      </p:ext>
+    </p:extLst>
+  </p:cSld>
+  <p:clrMapOvr>
+    <a:masterClrMapping/>
+  </p:clrMapOvr>
+</p:sld>
+</file>
+
+<file path=ppt/slides/slide2.xml><?xml version="1.0" encoding="utf-8"?>
+<p:sld xmlns:a="http://schemas.openxmlformats.org/drawingml/2006/main" xmlns:r="http://schemas.openxmlformats.org/officeDocument/2006/relationships" xmlns:p="http://schemas.openxmlformats.org/presentationml/2006/main">
+  <p:cSld>
+    <p:bg>
+      <p:bgPr>
+        <a:solidFill>
+          <a:schemeClr val="bg1">
+            <a:tint val="95000"/>
+            <a:satMod val="170000"/>
+          </a:schemeClr>
+        </a:solidFill>
+        <a:effectLst/>
+      </p:bgPr>
+    </p:bg>
+    <p:spTree>
+      <p:nvGrpSpPr>
+        <p:cNvPr id="1" name=""/>
+        <p:cNvGrpSpPr/>
+        <p:nvPr/>
+      </p:nvGrpSpPr>
+      <p:grpSpPr>
+        <a:xfrm>
+          <a:off x="0" y="0"/>
+          <a:ext cx="0" cy="0"/>
+          <a:chOff x="0" y="0"/>
+          <a:chExt cx="0" cy="0"/>
+        </a:xfrm>
+      </p:grpSpPr>
+      <p:sp>
+        <p:nvSpPr>
+          <p:cNvPr id="12" name="Rectangle 11">
+            <a:extLst>
+              <a:ext uri="{FF2B5EF4-FFF2-40B4-BE49-F238E27FC236}">
+                <a16:creationId xmlns:a16="http://schemas.microsoft.com/office/drawing/2014/main" id="{5B336162-B533-4EFE-8BB3-8EBB4A5E32F8}"/>
+              </a:ext>
+              <a:ext uri="{C183D7F6-B498-43B3-948B-1728B52AA6E4}">
+                <adec:decorative xmlns:adec="http://schemas.microsoft.com/office/drawing/2017/decorative" val="1"/>
+              </a:ext>
+            </a:extLst>
+          </p:cNvPr>
+          <p:cNvSpPr>
+            <a:spLocks noGrp="1" noRot="1" noChangeAspect="1" noMove="1" noResize="1" noEditPoints="1" noAdjustHandles="1" noChangeArrowheads="1" noChangeShapeType="1" noTextEdit="1"/>
+          </p:cNvSpPr>
+          <p:nvPr>
+            <p:extLst>
+              <p:ext uri="{386F3935-93C4-4BCD-93E2-E3B085C9AB24}">
+                <p16:designElem xmlns:p16="http://schemas.microsoft.com/office/powerpoint/2015/main" val="1"/>
+              </p:ext>
+            </p:extLst>
+          </p:nvPr>
+        </p:nvSpPr>
+        <p:spPr>
+          <a:xfrm>
+            <a:off x="0" y="0"/>
+            <a:ext cx="5314384" cy="6858000"/>
+          </a:xfrm>
+          <a:prstGeom prst="rect">
+            <a:avLst/>
+          </a:prstGeom>
+          <a:solidFill>
+            <a:srgbClr val="D0CECE"/>
+          </a:solidFill>
+          <a:ln>
+            <a:noFill/>
+          </a:ln>
+        </p:spPr>
+        <p:style>
+          <a:lnRef idx="2">
+            <a:schemeClr val="accent1">
+              <a:shade val="50000"/>
+            </a:schemeClr>
+          </a:lnRef>
+          <a:fillRef idx="1">
+            <a:schemeClr val="accent1"/>
+          </a:fillRef>
+          <a:effectRef idx="0">
+            <a:schemeClr val="accent1"/>
+          </a:effectRef>
+          <a:fontRef idx="minor">
+            <a:schemeClr val="lt1"/>
+          </a:fontRef>
+        </p:style>
+        <p:txBody>
+          <a:bodyPr rtlCol="0" anchor="ctr"/>
+          <a:lstStyle/>
+          <a:p>
+            <a:pPr algn="ctr"/>
+            <a:endParaRPr lang="en-US"/>
+          </a:p>
+        </p:txBody>
+      </p:sp>
+      <p:sp>
+        <p:nvSpPr>
+          <p:cNvPr id="7" name="Title 1"/>
+          <p:cNvSpPr txBox="1">
+            <a:spLocks/>
+          </p:cNvSpPr>
+          <p:nvPr/>
+        </p:nvSpPr>
+        <p:spPr>
+          <a:xfrm>
+            <a:off x="6049182" y="802638"/>
+            <a:ext cx="5408696" cy="5252722"/>
+          </a:xfrm>
+          <a:prstGeom prst="rect">
+            <a:avLst/>
+          </a:prstGeom>
+        </p:spPr>
+        <p:txBody>
+          <a:bodyPr vert="horz" lIns="91440" tIns="45720" rIns="91440" bIns="45720" rtlCol="0" anchor="ctr">
+            <a:normAutofit/>
+          </a:bodyPr>
+          <a:lstStyle>
+            <a:lvl1pPr algn="l" defTabSz="914400" rtl="0" eaLnBrk="1" latinLnBrk="0" hangingPunct="1">
+              <a:lnSpc>
+                <a:spcPct val="90000"/>
+              </a:lnSpc>
+              <a:spcBef>
+                <a:spcPct val="0"/>
+              </a:spcBef>
+              <a:buNone/>
+              <a:defRPr sz="4400" kern="1200">
+                <a:solidFill>
+                  <a:schemeClr val="tx1"/>
+                </a:solidFill>
+                <a:latin typeface="+mj-lt"/>
+                <a:ea typeface="+mj-ea"/>
+                <a:cs typeface="+mj-cs"/>
+              </a:defRPr>
+            </a:lvl1pPr>
+          </a:lstStyle>
+          <a:p>
+            <a:pPr marL="285750" indent="-228600">
+              <a:spcAft>
+                <a:spcPts val="600"/>
+              </a:spcAft>
+              <a:buFont typeface="Arial" panose="020B0604020202020204" pitchFamily="34" charset="0"/>
+              <a:buChar char="•"/>
+            </a:pPr>
+            <a:endParaRPr lang="en-US" sz="2400" dirty="0">
+              <a:latin typeface="+mn-lt"/>
+              <a:ea typeface="+mn-ea"/>
+              <a:cs typeface="+mn-cs"/>
+            </a:endParaRPr>
+          </a:p>
+          <a:p>
+            <a:pPr marL="514350" indent="-228600">
+              <a:spcAft>
+                <a:spcPts val="600"/>
+              </a:spcAft>
+              <a:buFont typeface="Arial" panose="020B0604020202020204" pitchFamily="34" charset="0"/>
+              <a:buChar char="•"/>
+            </a:pPr>
+            <a:r>
+              <a:rPr lang="en-US" sz="2400" dirty="0">
+                <a:latin typeface="+mn-lt"/>
+                <a:ea typeface="+mn-ea"/>
+                <a:cs typeface="+mn-cs"/>
+              </a:rPr>
+              <a:t>Big Data and Data Lake</a:t>
+            </a:r>
+          </a:p>
+          <a:p>
+            <a:pPr marL="514350" indent="-228600">
+              <a:spcAft>
+                <a:spcPts val="600"/>
+              </a:spcAft>
+              <a:buFont typeface="Arial" panose="020B0604020202020204" pitchFamily="34" charset="0"/>
+              <a:buChar char="•"/>
+            </a:pPr>
+            <a:r>
+              <a:rPr lang="en-US" sz="2400" dirty="0">
+                <a:latin typeface="+mn-lt"/>
+                <a:ea typeface="+mn-ea"/>
+                <a:cs typeface="+mn-cs"/>
+              </a:rPr>
+              <a:t>Azure Blob / Azure Data Lake</a:t>
+            </a:r>
+          </a:p>
+          <a:p>
+            <a:pPr marL="514350" indent="-228600">
+              <a:spcAft>
+                <a:spcPts val="600"/>
+              </a:spcAft>
+              <a:buFont typeface="Arial" panose="020B0604020202020204" pitchFamily="34" charset="0"/>
+              <a:buChar char="•"/>
+            </a:pPr>
+            <a:r>
+              <a:rPr lang="en-US" sz="2400" dirty="0">
+                <a:latin typeface="+mn-lt"/>
+                <a:ea typeface="+mn-ea"/>
+                <a:cs typeface="+mn-cs"/>
+              </a:rPr>
+              <a:t>Azure Data Lake Analytics</a:t>
+            </a:r>
+          </a:p>
+          <a:p>
+            <a:pPr marL="514350" indent="-228600">
+              <a:spcAft>
+                <a:spcPts val="600"/>
+              </a:spcAft>
+              <a:buFont typeface="Arial" panose="020B0604020202020204" pitchFamily="34" charset="0"/>
+              <a:buChar char="•"/>
+            </a:pPr>
+            <a:r>
+              <a:rPr lang="en-US" sz="2400" dirty="0">
+                <a:latin typeface="+mn-lt"/>
+                <a:ea typeface="+mn-ea"/>
+                <a:cs typeface="+mn-cs"/>
+              </a:rPr>
+              <a:t>Demo</a:t>
+            </a:r>
+          </a:p>
+          <a:p>
+            <a:pPr marL="514350" indent="-228600">
+              <a:spcAft>
+                <a:spcPts val="600"/>
+              </a:spcAft>
+              <a:buFont typeface="Arial" panose="020B0604020202020204" pitchFamily="34" charset="0"/>
+              <a:buChar char="•"/>
+            </a:pPr>
+            <a:r>
+              <a:rPr lang="en-US" sz="2400" dirty="0">
+                <a:latin typeface="+mn-lt"/>
+                <a:ea typeface="+mn-ea"/>
+                <a:cs typeface="+mn-cs"/>
+              </a:rPr>
+              <a:t>Quick intro about new “Gen 2”</a:t>
+            </a:r>
+          </a:p>
+          <a:p>
+            <a:pPr marL="514350" indent="-228600">
+              <a:spcAft>
+                <a:spcPts val="600"/>
+              </a:spcAft>
+              <a:buFont typeface="Arial" panose="020B0604020202020204" pitchFamily="34" charset="0"/>
+              <a:buChar char="•"/>
+            </a:pPr>
+            <a:r>
+              <a:rPr lang="en-US" sz="2400" dirty="0">
+                <a:latin typeface="+mn-lt"/>
+                <a:ea typeface="+mn-ea"/>
+                <a:cs typeface="+mn-cs"/>
+              </a:rPr>
+              <a:t>Q &amp; A</a:t>
+            </a:r>
+          </a:p>
+          <a:p>
+            <a:pPr marL="514350" indent="-228600">
+              <a:spcAft>
+                <a:spcPts val="600"/>
+              </a:spcAft>
+              <a:buFont typeface="Arial" panose="020B0604020202020204" pitchFamily="34" charset="0"/>
+              <a:buChar char="•"/>
+            </a:pPr>
+            <a:endParaRPr lang="en-US" sz="2400" dirty="0">
+              <a:latin typeface="+mn-lt"/>
+              <a:ea typeface="+mn-ea"/>
+              <a:cs typeface="+mn-cs"/>
+            </a:endParaRPr>
+          </a:p>
+          <a:p>
+            <a:pPr marL="514350" indent="-228600">
+              <a:spcAft>
+                <a:spcPts val="600"/>
+              </a:spcAft>
+              <a:buFont typeface="Arial" panose="020B0604020202020204" pitchFamily="34" charset="0"/>
+              <a:buChar char="•"/>
+            </a:pPr>
+            <a:endParaRPr lang="en-US" sz="2400" dirty="0">
+              <a:latin typeface="+mn-lt"/>
+              <a:ea typeface="+mn-ea"/>
+              <a:cs typeface="+mn-cs"/>
+            </a:endParaRPr>
+          </a:p>
+        </p:txBody>
+      </p:sp>
+      <p:sp>
+        <p:nvSpPr>
+          <p:cNvPr id="2" name="Title 1" hidden="1"/>
+          <p:cNvSpPr>
+            <a:spLocks noGrp="1"/>
+          </p:cNvSpPr>
+          <p:nvPr>
+            <p:ph type="title"/>
+          </p:nvPr>
+        </p:nvSpPr>
+        <p:spPr/>
+        <p:txBody>
+          <a:bodyPr>
+            <a:normAutofit/>
+          </a:bodyPr>
+          <a:lstStyle/>
+          <a:p>
+            <a:r>
+              <a:rPr lang="en-US" dirty="0" err="1"/>
+              <a:t>Agensss</a:t>
+            </a:r>
+            <a:endParaRPr lang="en-US" dirty="0"/>
+          </a:p>
+        </p:txBody>
+      </p:sp>
+      <p:sp>
+        <p:nvSpPr>
+          <p:cNvPr id="3" name="Rectangle 2">
+            <a:extLst>
+              <a:ext uri="{FF2B5EF4-FFF2-40B4-BE49-F238E27FC236}">
+                <a16:creationId xmlns:a16="http://schemas.microsoft.com/office/drawing/2014/main" id="{5DECC70E-2EDD-4E20-B4C1-240F4C3DD4B7}"/>
+              </a:ext>
+            </a:extLst>
+          </p:cNvPr>
+          <p:cNvSpPr/>
+          <p:nvPr/>
+        </p:nvSpPr>
+        <p:spPr>
+          <a:xfrm>
+            <a:off x="403747" y="848564"/>
+            <a:ext cx="2408333" cy="707886"/>
+          </a:xfrm>
+          <a:prstGeom prst="rect">
+            <a:avLst/>
+          </a:prstGeom>
+          <a:noFill/>
+        </p:spPr>
+        <p:txBody>
+          <a:bodyPr wrap="square" lIns="91440" tIns="45720" rIns="91440" bIns="45720">
+            <a:spAutoFit/>
+          </a:bodyPr>
+          <a:lstStyle/>
+          <a:p>
+            <a:endParaRPr lang="en-US" sz="4000" dirty="0">
+              <a:ln w="0"/>
+              <a:effectLst>
+                <a:outerShdw blurRad="38100" dist="19050" dir="2700000" algn="tl" rotWithShape="0">
+                  <a:schemeClr val="dk1">
+                    <a:alpha val="40000"/>
+                  </a:schemeClr>
+                </a:outerShdw>
+              </a:effectLst>
+            </a:endParaRPr>
+          </a:p>
+        </p:txBody>
+      </p:sp>
+      <p:sp>
+        <p:nvSpPr>
+          <p:cNvPr id="24" name="Title 1">
+            <a:extLst>
+              <a:ext uri="{FF2B5EF4-FFF2-40B4-BE49-F238E27FC236}">
+                <a16:creationId xmlns:a16="http://schemas.microsoft.com/office/drawing/2014/main" id="{DC31FA86-3847-48D3-9F7C-CCA04A249F1A}"/>
+              </a:ext>
+            </a:extLst>
+          </p:cNvPr>
+          <p:cNvSpPr txBox="1">
+            <a:spLocks/>
+          </p:cNvSpPr>
+          <p:nvPr/>
+        </p:nvSpPr>
+        <p:spPr>
+          <a:xfrm>
+            <a:off x="1490598" y="2590731"/>
+            <a:ext cx="2647059" cy="1676537"/>
+          </a:xfrm>
+          <a:prstGeom prst="rect">
+            <a:avLst/>
+          </a:prstGeom>
+        </p:spPr>
+        <p:txBody>
+          <a:bodyPr vert="horz" lIns="91440" tIns="45720" rIns="91440" bIns="45720" rtlCol="0" anchor="ctr">
+            <a:normAutofit/>
+          </a:bodyPr>
+          <a:lstStyle>
+            <a:lvl1pPr algn="l" defTabSz="914400" rtl="0" eaLnBrk="1" latinLnBrk="0" hangingPunct="1">
+              <a:lnSpc>
+                <a:spcPct val="90000"/>
+              </a:lnSpc>
+              <a:spcBef>
+                <a:spcPct val="0"/>
+              </a:spcBef>
+              <a:buNone/>
+              <a:defRPr sz="4400" kern="1200">
+                <a:solidFill>
+                  <a:schemeClr val="tx1"/>
+                </a:solidFill>
+                <a:latin typeface="+mj-lt"/>
+                <a:ea typeface="+mj-ea"/>
+                <a:cs typeface="+mj-cs"/>
+              </a:defRPr>
+            </a:lvl1pPr>
+          </a:lstStyle>
+          <a:p>
+            <a:r>
+              <a:rPr lang="en-US" sz="5600" dirty="0">
+                <a:ln w="0"/>
+                <a:solidFill>
+                  <a:schemeClr val="bg1"/>
+                </a:solidFill>
+                <a:effectLst>
+                  <a:outerShdw blurRad="38100" dist="19050" dir="2700000" algn="tl" rotWithShape="0">
+                    <a:schemeClr val="dk1">
+                      <a:alpha val="40000"/>
+                    </a:schemeClr>
+                  </a:outerShdw>
+                </a:effectLst>
+              </a:rPr>
+              <a:t>Agenda</a:t>
+            </a:r>
+            <a:endParaRPr lang="en-US" sz="5600" dirty="0">
+              <a:solidFill>
+                <a:schemeClr val="bg1"/>
+              </a:solidFill>
+            </a:endParaRPr>
+          </a:p>
+        </p:txBody>
+      </p:sp>
+    </p:spTree>
+    <p:extLst>
+      <p:ext uri="{BB962C8B-B14F-4D97-AF65-F5344CB8AC3E}">
+        <p14:creationId xmlns:p14="http://schemas.microsoft.com/office/powerpoint/2010/main" val="3863763873"/>
+      </p:ext>
+    </p:extLst>
+  </p:cSld>
+  <p:clrMapOvr>
+    <a:overrideClrMapping bg1="dk1" tx1="lt1" bg2="dk2" tx2="lt2" accent1="accent1" accent2="accent2" accent3="accent3" accent4="accent4" accent5="accent5" accent6="accent6" hlink="hlink" folHlink="folHlink"/>
+  </p:clrMapOvr>
+</p:sld>
+</file>
+
+<file path=ppt/slides/slide3.xml><?xml version="1.0" encoding="utf-8"?>
 <p:sld xmlns:a="http://schemas.openxmlformats.org/drawingml/2006/main" xmlns:r="http://schemas.openxmlformats.org/officeDocument/2006/relationships" xmlns:p="http://schemas.openxmlformats.org/presentationml/2006/main">
   <p:cSld>
     <p:bg>
@@ -6595,10 +8823,10 @@
       </p:grpSpPr>
       <p:sp>
         <p:nvSpPr>
-          <p:cNvPr id="33" name="Rectangle 27">
+          <p:cNvPr id="10" name="Down Arrow 7">
             <a:extLst>
               <a:ext uri="{FF2B5EF4-FFF2-40B4-BE49-F238E27FC236}">
-                <a16:creationId xmlns:a16="http://schemas.microsoft.com/office/drawing/2014/main" id="{56C20283-73E0-40EC-8AD8-057F581F64C2}"/>
+                <a16:creationId xmlns:a16="http://schemas.microsoft.com/office/drawing/2014/main" id="{73DE2CFE-42F2-48F0-8706-5264E012B10C}"/>
               </a:ext>
               <a:ext uri="{C183D7F6-B498-43B3-948B-1728B52AA6E4}">
                 <adec:decorative xmlns:adec="http://schemas.microsoft.com/office/drawing/2017/decorative" val="1"/>
@@ -6617,17 +8845,20 @@
           </p:nvPr>
         </p:nvSpPr>
         <p:spPr>
-          <a:xfrm>
-            <a:off x="1524" y="0"/>
-            <a:ext cx="12188952" cy="6858000"/>
+          <a:xfrm rot="16200000">
+            <a:off x="5662795" y="-3745097"/>
+            <a:ext cx="1354979" cy="10750169"/>
           </a:xfrm>
-          <a:prstGeom prst="rect">
-            <a:avLst/>
+          <a:prstGeom prst="downArrow">
+            <a:avLst>
+              <a:gd name="adj1" fmla="val 100000"/>
+              <a:gd name="adj2" fmla="val 22582"/>
+            </a:avLst>
           </a:prstGeom>
           <a:solidFill>
-            <a:schemeClr val="tx1"/>
+            <a:srgbClr val="404040"/>
           </a:solidFill>
-          <a:ln>
+          <a:ln w="53975">
             <a:noFill/>
           </a:ln>
         </p:spPr>
@@ -6651,231 +8882,37 @@
           <a:bodyPr rtlCol="0" anchor="ctr"/>
           <a:lstStyle/>
           <a:p>
-            <a:pPr algn="ctr"/>
-            <a:endParaRPr lang="en-US"/>
-          </a:p>
-        </p:txBody>
-      </p:sp>
-      <p:sp>
-        <p:nvSpPr>
-          <p:cNvPr id="34" name="Freeform 28">
-            <a:extLst>
-              <a:ext uri="{FF2B5EF4-FFF2-40B4-BE49-F238E27FC236}">
-                <a16:creationId xmlns:a16="http://schemas.microsoft.com/office/drawing/2014/main" id="{3FCC729B-E528-40C3-82D3-BA4375575E87}"/>
-              </a:ext>
-              <a:ext uri="{C183D7F6-B498-43B3-948B-1728B52AA6E4}">
-                <adec:decorative xmlns:adec="http://schemas.microsoft.com/office/drawing/2017/decorative" val="1"/>
-              </a:ext>
-            </a:extLst>
-          </p:cNvPr>
-          <p:cNvSpPr>
-            <a:spLocks noGrp="1" noRot="1" noChangeAspect="1" noMove="1" noResize="1" noEditPoints="1" noAdjustHandles="1" noChangeArrowheads="1" noChangeShapeType="1" noTextEdit="1"/>
-          </p:cNvSpPr>
-          <p:nvPr>
-            <p:extLst>
-              <p:ext uri="{386F3935-93C4-4BCD-93E2-E3B085C9AB24}">
-                <p16:designElem xmlns:p16="http://schemas.microsoft.com/office/powerpoint/2015/main" val="1"/>
-              </p:ext>
-            </p:extLst>
-          </p:nvPr>
-        </p:nvSpPr>
-        <p:spPr>
-          <a:xfrm flipH="1" flipV="1">
-            <a:off x="960120" y="0"/>
-            <a:ext cx="11218661" cy="6858000"/>
-          </a:xfrm>
-          <a:custGeom>
-            <a:avLst/>
-            <a:gdLst>
-              <a:gd name="connsiteX0" fmla="*/ 0 w 11218661"/>
-              <a:gd name="connsiteY0" fmla="*/ 0 h 6858000"/>
-              <a:gd name="connsiteX1" fmla="*/ 8042507 w 11218661"/>
-              <a:gd name="connsiteY1" fmla="*/ 0 h 6858000"/>
-              <a:gd name="connsiteX2" fmla="*/ 11218661 w 11218661"/>
-              <a:gd name="connsiteY2" fmla="*/ 6858000 h 6858000"/>
-              <a:gd name="connsiteX3" fmla="*/ 0 w 11218661"/>
-              <a:gd name="connsiteY3" fmla="*/ 6858000 h 6858000"/>
-            </a:gdLst>
-            <a:ahLst/>
-            <a:cxnLst>
-              <a:cxn ang="0">
-                <a:pos x="connsiteX0" y="connsiteY0"/>
-              </a:cxn>
-              <a:cxn ang="0">
-                <a:pos x="connsiteX1" y="connsiteY1"/>
-              </a:cxn>
-              <a:cxn ang="0">
-                <a:pos x="connsiteX2" y="connsiteY2"/>
-              </a:cxn>
-              <a:cxn ang="0">
-                <a:pos x="connsiteX3" y="connsiteY3"/>
-              </a:cxn>
-            </a:cxnLst>
-            <a:rect l="l" t="t" r="r" b="b"/>
-            <a:pathLst>
-              <a:path w="11218661" h="6858000">
-                <a:moveTo>
-                  <a:pt x="0" y="0"/>
-                </a:moveTo>
-                <a:lnTo>
-                  <a:pt x="8042507" y="0"/>
-                </a:lnTo>
-                <a:lnTo>
-                  <a:pt x="11218661" y="6858000"/>
-                </a:lnTo>
-                <a:lnTo>
-                  <a:pt x="0" y="6858000"/>
-                </a:lnTo>
-                <a:close/>
-              </a:path>
-            </a:pathLst>
-          </a:custGeom>
-          <a:solidFill>
-            <a:schemeClr val="bg1">
-              <a:lumMod val="85000"/>
-              <a:lumOff val="15000"/>
-              <a:alpha val="70000"/>
-            </a:schemeClr>
-          </a:solidFill>
-          <a:ln>
-            <a:noFill/>
-          </a:ln>
-        </p:spPr>
-        <p:style>
-          <a:lnRef idx="2">
-            <a:schemeClr val="accent1">
-              <a:shade val="50000"/>
-            </a:schemeClr>
-          </a:lnRef>
-          <a:fillRef idx="1">
-            <a:schemeClr val="accent1"/>
-          </a:fillRef>
-          <a:effectRef idx="0">
-            <a:schemeClr val="accent1"/>
-          </a:effectRef>
-          <a:fontRef idx="minor">
-            <a:schemeClr val="lt1"/>
-          </a:fontRef>
-        </p:style>
-        <p:txBody>
-          <a:bodyPr wrap="square" rtlCol="0" anchor="ctr">
-            <a:noAutofit/>
-          </a:bodyPr>
-          <a:lstStyle/>
-          <a:p>
-            <a:pPr algn="ctr"/>
-            <a:endParaRPr lang="en-US"/>
-          </a:p>
-        </p:txBody>
-      </p:sp>
-      <p:sp>
-        <p:nvSpPr>
-          <p:cNvPr id="32" name="Freeform 26">
-            <a:extLst>
-              <a:ext uri="{FF2B5EF4-FFF2-40B4-BE49-F238E27FC236}">
-                <a16:creationId xmlns:a16="http://schemas.microsoft.com/office/drawing/2014/main" id="{58F1FB8D-1842-4A04-998D-6CF047AB2790}"/>
-              </a:ext>
-              <a:ext uri="{C183D7F6-B498-43B3-948B-1728B52AA6E4}">
-                <adec:decorative xmlns:adec="http://schemas.microsoft.com/office/drawing/2017/decorative" val="1"/>
-              </a:ext>
-            </a:extLst>
-          </p:cNvPr>
-          <p:cNvSpPr>
-            <a:spLocks noGrp="1" noRot="1" noChangeAspect="1" noMove="1" noResize="1" noEditPoints="1" noAdjustHandles="1" noChangeArrowheads="1" noChangeShapeType="1" noTextEdit="1"/>
-          </p:cNvSpPr>
-          <p:nvPr>
-            <p:extLst>
-              <p:ext uri="{386F3935-93C4-4BCD-93E2-E3B085C9AB24}">
-                <p16:designElem xmlns:p16="http://schemas.microsoft.com/office/powerpoint/2015/main" val="1"/>
-              </p:ext>
-            </p:extLst>
-          </p:nvPr>
-        </p:nvSpPr>
-        <p:spPr>
-          <a:xfrm flipH="1" flipV="1">
-            <a:off x="1420248" y="0"/>
-            <a:ext cx="10771752" cy="6858000"/>
-          </a:xfrm>
-          <a:custGeom>
-            <a:avLst/>
-            <a:gdLst>
-              <a:gd name="connsiteX0" fmla="*/ 0 w 10771752"/>
-              <a:gd name="connsiteY0" fmla="*/ 0 h 6858000"/>
-              <a:gd name="connsiteX1" fmla="*/ 7595598 w 10771752"/>
-              <a:gd name="connsiteY1" fmla="*/ 0 h 6858000"/>
-              <a:gd name="connsiteX2" fmla="*/ 10771752 w 10771752"/>
-              <a:gd name="connsiteY2" fmla="*/ 6858000 h 6858000"/>
-              <a:gd name="connsiteX3" fmla="*/ 0 w 10771752"/>
-              <a:gd name="connsiteY3" fmla="*/ 6858000 h 6858000"/>
-            </a:gdLst>
-            <a:ahLst/>
-            <a:cxnLst>
-              <a:cxn ang="0">
-                <a:pos x="connsiteX0" y="connsiteY0"/>
-              </a:cxn>
-              <a:cxn ang="0">
-                <a:pos x="connsiteX1" y="connsiteY1"/>
-              </a:cxn>
-              <a:cxn ang="0">
-                <a:pos x="connsiteX2" y="connsiteY2"/>
-              </a:cxn>
-              <a:cxn ang="0">
-                <a:pos x="connsiteX3" y="connsiteY3"/>
-              </a:cxn>
-            </a:cxnLst>
-            <a:rect l="l" t="t" r="r" b="b"/>
-            <a:pathLst>
-              <a:path w="10771752" h="6858000">
-                <a:moveTo>
-                  <a:pt x="0" y="0"/>
-                </a:moveTo>
-                <a:lnTo>
-                  <a:pt x="7595598" y="0"/>
-                </a:lnTo>
-                <a:lnTo>
-                  <a:pt x="10771752" y="6858000"/>
-                </a:lnTo>
-                <a:lnTo>
-                  <a:pt x="0" y="6858000"/>
-                </a:lnTo>
-                <a:close/>
-              </a:path>
-            </a:pathLst>
-          </a:custGeom>
-          <a:solidFill>
-            <a:schemeClr val="bg1">
-              <a:lumMod val="85000"/>
-              <a:lumOff val="15000"/>
-            </a:schemeClr>
-          </a:solidFill>
-          <a:ln>
-            <a:noFill/>
-          </a:ln>
-        </p:spPr>
-        <p:style>
-          <a:lnRef idx="2">
-            <a:schemeClr val="accent1">
-              <a:shade val="50000"/>
-            </a:schemeClr>
-          </a:lnRef>
-          <a:fillRef idx="1">
-            <a:schemeClr val="accent1"/>
-          </a:fillRef>
-          <a:effectRef idx="0">
-            <a:schemeClr val="accent1"/>
-          </a:effectRef>
-          <a:fontRef idx="minor">
-            <a:schemeClr val="lt1"/>
-          </a:fontRef>
-        </p:style>
-        <p:txBody>
-          <a:bodyPr wrap="square" rtlCol="0" anchor="ctr">
-            <a:noAutofit/>
-          </a:bodyPr>
-          <a:lstStyle/>
-          <a:p>
-            <a:pPr algn="ctr"/>
-            <a:endParaRPr lang="en-US"/>
+            <a:pPr marL="0" marR="0" lvl="0" indent="0" algn="ctr" defTabSz="914400" rtl="0" eaLnBrk="1" fontAlgn="auto" latinLnBrk="0" hangingPunct="1">
+              <a:lnSpc>
+                <a:spcPct val="100000"/>
+              </a:lnSpc>
+              <a:spcBef>
+                <a:spcPts val="0"/>
+              </a:spcBef>
+              <a:spcAft>
+                <a:spcPts val="0"/>
+              </a:spcAft>
+              <a:buClrTx/>
+              <a:buSzTx/>
+              <a:buFontTx/>
+              <a:buNone/>
+              <a:tabLst/>
+              <a:defRPr/>
+            </a:pPr>
+            <a:endParaRPr kumimoji="0" lang="en-US" sz="1800" b="0" i="0" u="none" strike="noStrike" kern="1200" cap="none" spc="0" normalizeH="0" baseline="0" noProof="0">
+              <a:ln>
+                <a:noFill/>
+              </a:ln>
+              <a:solidFill>
+                <a:prstClr val="white"/>
+              </a:solidFill>
+              <a:effectLst/>
+              <a:uLnTx/>
+              <a:uFillTx/>
+              <a:latin typeface="Calibri" panose="020F0502020204030204"/>
+              <a:ea typeface="+mn-ea"/>
+              <a:cs typeface="+mn-cs"/>
+            </a:endParaRPr>
           </a:p>
         </p:txBody>
       </p:sp>
@@ -6897,8 +8934,8 @@
         </p:nvSpPr>
         <p:spPr>
           <a:xfrm>
-            <a:off x="4384039" y="365125"/>
-            <a:ext cx="7164493" cy="1325563"/>
+            <a:off x="1286932" y="1204109"/>
+            <a:ext cx="10023398" cy="857894"/>
           </a:xfrm>
         </p:spPr>
         <p:txBody>
@@ -6908,18 +8945,81 @@
           <a:lstStyle/>
           <a:p>
             <a:r>
-              <a:rPr lang="en-US" dirty="0"/>
-              <a:t>Data Lake Analytics</a:t>
-            </a:r>
+              <a:rPr lang="en-US" sz="4000">
+                <a:solidFill>
+                  <a:srgbClr val="FFFFFF"/>
+                </a:solidFill>
+              </a:rPr>
+              <a:t>BigData – Apache Hadoop – Data Lake</a:t>
+            </a:r>
+          </a:p>
+        </p:txBody>
+      </p:sp>
+      <p:sp>
+        <p:nvSpPr>
+          <p:cNvPr id="3" name="Content Placeholder 2">
+            <a:extLst>
+              <a:ext uri="{FF2B5EF4-FFF2-40B4-BE49-F238E27FC236}">
+                <a16:creationId xmlns:a16="http://schemas.microsoft.com/office/drawing/2014/main" id="{C33E2DB0-AB25-48A2-89A1-D57DFF34F0A5}"/>
+              </a:ext>
+            </a:extLst>
+          </p:cNvPr>
+          <p:cNvSpPr>
+            <a:spLocks noGrp="1"/>
+          </p:cNvSpPr>
+          <p:nvPr>
+            <p:ph idx="1"/>
+          </p:nvPr>
+        </p:nvSpPr>
+        <p:spPr>
+          <a:xfrm>
+            <a:off x="1286930" y="2962451"/>
+            <a:ext cx="4052499" cy="2820012"/>
+          </a:xfrm>
+        </p:spPr>
+        <p:txBody>
+          <a:bodyPr>
+            <a:normAutofit/>
+          </a:bodyPr>
+          <a:lstStyle/>
+          <a:p>
+            <a:r>
+              <a:rPr lang="en-US" sz="1800" dirty="0"/>
+              <a:t>Data Lake – Store data in its natural format. Like water from different sources pool into a Lake and get stored.</a:t>
+            </a:r>
+          </a:p>
+          <a:p>
+            <a:r>
+              <a:rPr lang="en-US" sz="1800" dirty="0"/>
+              <a:t>Hadoop was the first major data lake with “HDFS” accepting videos, files, logs,…</a:t>
+            </a:r>
+          </a:p>
+          <a:p>
+            <a:r>
+              <a:rPr lang="en-US" sz="1800" dirty="0"/>
+              <a:t>Hadoop’s disadvantage – Slow processing that was overcome by tools like Spark, etc. </a:t>
+            </a:r>
+          </a:p>
+          <a:p>
+            <a:endParaRPr lang="en-US" sz="1800" dirty="0"/>
+          </a:p>
+          <a:p>
+            <a:endParaRPr lang="en-US" sz="1800" dirty="0"/>
+          </a:p>
+          <a:p>
+            <a:pPr marL="0" indent="0">
+              <a:buNone/>
+            </a:pPr>
+            <a:endParaRPr lang="en-US" sz="1800" dirty="0"/>
           </a:p>
         </p:txBody>
       </p:sp>
       <p:pic>
         <p:nvPicPr>
-          <p:cNvPr id="16" name="Graphic 6" descr="Bar chart">
+          <p:cNvPr id="5" name="Picture 4" descr="A screenshot of a video game&#10;&#10;Description generated with high confidence">
             <a:extLst>
               <a:ext uri="{FF2B5EF4-FFF2-40B4-BE49-F238E27FC236}">
-                <a16:creationId xmlns:a16="http://schemas.microsoft.com/office/drawing/2014/main" id="{B17B742C-D5DB-4F32-AE60-9516C6BA6EF8}"/>
+                <a16:creationId xmlns:a16="http://schemas.microsoft.com/office/drawing/2014/main" id="{79823462-CFD3-4584-8729-A74B23520607}"/>
               </a:ext>
             </a:extLst>
           </p:cNvPr>
@@ -6934,9 +9034,6 @@
               <a:ext uri="{28A0092B-C50C-407E-A947-70E740481C1C}">
                 <a14:useLocalDpi xmlns:a14="http://schemas.microsoft.com/office/drawing/2010/main" val="0"/>
               </a:ext>
-              <a:ext uri="{96DAC541-7B7A-43D3-8B79-37D633B846F1}">
-                <asvg:svgBlip xmlns:asvg="http://schemas.microsoft.com/office/drawing/2016/SVG/main" r:embed="rId4"/>
-              </a:ext>
             </a:extLst>
           </a:blip>
           <a:stretch>
@@ -6945,8 +9042,8 @@
         </p:blipFill>
         <p:spPr>
           <a:xfrm>
-            <a:off x="480060" y="1715781"/>
-            <a:ext cx="3425957" cy="3425957"/>
+            <a:off x="6153535" y="2950094"/>
+            <a:ext cx="5035735" cy="2820012"/>
           </a:xfrm>
           <a:prstGeom prst="rect">
             <a:avLst/>
@@ -6955,96 +9052,39 @@
       </p:pic>
       <p:sp>
         <p:nvSpPr>
-          <p:cNvPr id="3" name="Content Placeholder 2">
+          <p:cNvPr id="6" name="Rectangle 5">
             <a:extLst>
               <a:ext uri="{FF2B5EF4-FFF2-40B4-BE49-F238E27FC236}">
-                <a16:creationId xmlns:a16="http://schemas.microsoft.com/office/drawing/2014/main" id="{C33E2DB0-AB25-48A2-89A1-D57DFF34F0A5}"/>
+                <a16:creationId xmlns:a16="http://schemas.microsoft.com/office/drawing/2014/main" id="{679DA01B-4D3A-404F-A423-1FFD68B29DB6}"/>
               </a:ext>
             </a:extLst>
           </p:cNvPr>
-          <p:cNvSpPr>
-            <a:spLocks noGrp="1"/>
-          </p:cNvSpPr>
-          <p:nvPr>
-            <p:ph idx="1"/>
-          </p:nvPr>
+          <p:cNvSpPr/>
+          <p:nvPr/>
         </p:nvSpPr>
         <p:spPr>
           <a:xfrm>
-            <a:off x="4387515" y="2022601"/>
-            <a:ext cx="7161017" cy="4154361"/>
+            <a:off x="6808573" y="5904476"/>
+            <a:ext cx="4501757" cy="253916"/>
           </a:xfrm>
+          <a:prstGeom prst="rect">
+            <a:avLst/>
+          </a:prstGeom>
         </p:spPr>
         <p:txBody>
-          <a:bodyPr>
-            <a:normAutofit/>
+          <a:bodyPr wrap="square">
+            <a:spAutoFit/>
           </a:bodyPr>
           <a:lstStyle/>
           <a:p>
-            <a:r>
-              <a:rPr lang="en-US" sz="2000" dirty="0"/>
-              <a:t>On demand analytics job service.</a:t>
-            </a:r>
-          </a:p>
-          <a:p>
-            <a:r>
-              <a:rPr lang="en-US" sz="2000" dirty="0"/>
-              <a:t>Simplifying BigData via Dynamic scaling based on data size</a:t>
-            </a:r>
-          </a:p>
-          <a:p>
-            <a:r>
-              <a:rPr lang="en-US" sz="2000" dirty="0"/>
-              <a:t>Built on YARN for cloud scale and performance.</a:t>
-            </a:r>
-          </a:p>
-          <a:p>
-            <a:r>
-              <a:rPr lang="en-US" sz="2000" dirty="0"/>
-              <a:t>Works with all Azure data.</a:t>
-            </a:r>
-          </a:p>
-          <a:p>
-            <a:pPr lvl="1"/>
-            <a:r>
-              <a:rPr lang="en-US" sz="2000" dirty="0"/>
-              <a:t>Highest performance with Azure Data Lake</a:t>
-            </a:r>
-          </a:p>
-          <a:p>
-            <a:pPr lvl="1"/>
-            <a:r>
-              <a:rPr lang="en-US" sz="2000" dirty="0"/>
-              <a:t>Also works with Blob, SQL </a:t>
-            </a:r>
-            <a:r>
-              <a:rPr lang="en-US" sz="2000" dirty="0" err="1"/>
-              <a:t>db</a:t>
-            </a:r>
-            <a:r>
-              <a:rPr lang="en-US" sz="2000" dirty="0"/>
-              <a:t> and Warehouse.</a:t>
-            </a:r>
-          </a:p>
-          <a:p>
-            <a:endParaRPr lang="en-US" sz="2000" dirty="0"/>
-          </a:p>
-          <a:p>
-            <a:r>
-              <a:rPr lang="en-US" sz="2000" dirty="0"/>
-              <a:t>Query language -&gt; U-SQL.</a:t>
-            </a:r>
-          </a:p>
-          <a:p>
-            <a:r>
-              <a:rPr lang="en-US" sz="2000" dirty="0"/>
-              <a:t>IDE -&gt; Visual Studio.</a:t>
-            </a:r>
-          </a:p>
-          <a:p>
-            <a:r>
-              <a:rPr lang="en-US" sz="2000" dirty="0"/>
-              <a:t>Cost -&gt; Pay only for the processing power that you use.</a:t>
+            <a:pPr algn="r"/>
+            <a:r>
+              <a:rPr lang="en-US" sz="1050" i="1" dirty="0"/>
+              <a:t>Image from:</a:t>
+            </a:r>
+            <a:r>
+              <a:rPr lang="en-US" sz="1050" dirty="0"/>
+              <a:t> https://www.intricity.com/data-warehousing/what-is-a-data-lake/ </a:t>
             </a:r>
           </a:p>
         </p:txBody>
@@ -7052,17 +9092,17 @@
     </p:spTree>
     <p:extLst>
       <p:ext uri="{BB962C8B-B14F-4D97-AF65-F5344CB8AC3E}">
-        <p14:creationId xmlns:p14="http://schemas.microsoft.com/office/powerpoint/2010/main" val="2196034314"/>
+        <p14:creationId xmlns:p14="http://schemas.microsoft.com/office/powerpoint/2010/main" val="463510590"/>
       </p:ext>
     </p:extLst>
   </p:cSld>
   <p:clrMapOvr>
-    <a:overrideClrMapping bg1="dk1" tx1="lt1" bg2="dk2" tx2="lt2" accent1="accent1" accent2="accent2" accent3="accent3" accent4="accent4" accent5="accent5" accent6="accent6" hlink="hlink" folHlink="folHlink"/>
+    <a:masterClrMapping/>
   </p:clrMapOvr>
 </p:sld>
 </file>
 
-<file path=ppt/slides/slide15.xml><?xml version="1.0" encoding="utf-8"?>
+<file path=ppt/slides/slide4.xml><?xml version="1.0" encoding="utf-8"?>
 <p:sld xmlns:a="http://schemas.openxmlformats.org/drawingml/2006/main" xmlns:r="http://schemas.openxmlformats.org/officeDocument/2006/relationships" xmlns:p="http://schemas.openxmlformats.org/presentationml/2006/main">
   <p:cSld>
     <p:bg>
@@ -7089,7 +9129,611 @@
       </p:grpSpPr>
       <p:sp>
         <p:nvSpPr>
-          <p:cNvPr id="25" name="Rectangle 24">
+          <p:cNvPr id="9" name="Rectangle 11">
+            <a:extLst>
+              <a:ext uri="{FF2B5EF4-FFF2-40B4-BE49-F238E27FC236}">
+                <a16:creationId xmlns:a16="http://schemas.microsoft.com/office/drawing/2014/main" id="{823AC064-BC96-4F32-8AE1-B2FD38754823}"/>
+              </a:ext>
+              <a:ext uri="{C183D7F6-B498-43B3-948B-1728B52AA6E4}">
+                <adec:decorative xmlns:adec="http://schemas.microsoft.com/office/drawing/2017/decorative" val="1"/>
+              </a:ext>
+            </a:extLst>
+          </p:cNvPr>
+          <p:cNvSpPr>
+            <a:spLocks noGrp="1" noRot="1" noChangeAspect="1" noMove="1" noResize="1" noEditPoints="1" noAdjustHandles="1" noChangeArrowheads="1" noChangeShapeType="1" noTextEdit="1"/>
+          </p:cNvSpPr>
+          <p:nvPr>
+            <p:extLst>
+              <p:ext uri="{386F3935-93C4-4BCD-93E2-E3B085C9AB24}">
+                <p16:designElem xmlns:p16="http://schemas.microsoft.com/office/powerpoint/2015/main" val="1"/>
+              </p:ext>
+            </p:extLst>
+          </p:nvPr>
+        </p:nvSpPr>
+        <p:spPr bwMode="ltGray">
+          <a:xfrm>
+            <a:off x="378068" y="4633546"/>
+            <a:ext cx="11438793" cy="1844256"/>
+          </a:xfrm>
+          <a:prstGeom prst="rect">
+            <a:avLst/>
+          </a:prstGeom>
+          <a:solidFill>
+            <a:srgbClr val="404040"/>
+          </a:solidFill>
+          <a:ln w="127000" cap="sq" cmpd="thinThick">
+            <a:solidFill>
+              <a:srgbClr val="404040"/>
+            </a:solidFill>
+          </a:ln>
+        </p:spPr>
+        <p:style>
+          <a:lnRef idx="2">
+            <a:schemeClr val="accent1">
+              <a:shade val="50000"/>
+            </a:schemeClr>
+          </a:lnRef>
+          <a:fillRef idx="1">
+            <a:schemeClr val="accent1"/>
+          </a:fillRef>
+          <a:effectRef idx="0">
+            <a:schemeClr val="accent1"/>
+          </a:effectRef>
+          <a:fontRef idx="minor">
+            <a:schemeClr val="lt1"/>
+          </a:fontRef>
+        </p:style>
+        <p:txBody>
+          <a:bodyPr rtlCol="0" anchor="ctr"/>
+          <a:lstStyle/>
+          <a:p>
+            <a:pPr marL="0" marR="0" lvl="0" indent="0" algn="ctr" defTabSz="914400" rtl="0" eaLnBrk="1" fontAlgn="auto" latinLnBrk="0" hangingPunct="1">
+              <a:lnSpc>
+                <a:spcPct val="100000"/>
+              </a:lnSpc>
+              <a:spcBef>
+                <a:spcPts val="0"/>
+              </a:spcBef>
+              <a:spcAft>
+                <a:spcPts val="0"/>
+              </a:spcAft>
+              <a:buClrTx/>
+              <a:buSzTx/>
+              <a:buFontTx/>
+              <a:buNone/>
+              <a:tabLst/>
+              <a:defRPr/>
+            </a:pPr>
+            <a:endParaRPr kumimoji="0" lang="en-US" sz="1800" b="0" i="0" u="none" strike="noStrike" kern="1200" cap="none" spc="0" normalizeH="0" baseline="0" noProof="0">
+              <a:ln>
+                <a:noFill/>
+              </a:ln>
+              <a:solidFill>
+                <a:prstClr val="white"/>
+              </a:solidFill>
+              <a:effectLst/>
+              <a:uLnTx/>
+              <a:uFillTx/>
+              <a:latin typeface="Calibri" panose="020F0502020204030204"/>
+              <a:ea typeface="+mn-ea"/>
+              <a:cs typeface="+mn-cs"/>
+            </a:endParaRPr>
+          </a:p>
+        </p:txBody>
+      </p:sp>
+      <p:sp>
+        <p:nvSpPr>
+          <p:cNvPr id="7" name="Title 1"/>
+          <p:cNvSpPr txBox="1">
+            <a:spLocks/>
+          </p:cNvSpPr>
+          <p:nvPr/>
+        </p:nvSpPr>
+        <p:spPr>
+          <a:xfrm>
+            <a:off x="526073" y="4756638"/>
+            <a:ext cx="11139854" cy="930447"/>
+          </a:xfrm>
+          <a:prstGeom prst="rect">
+            <a:avLst/>
+          </a:prstGeom>
+        </p:spPr>
+        <p:txBody>
+          <a:bodyPr vert="horz" lIns="91440" tIns="45720" rIns="91440" bIns="45720" rtlCol="0" anchor="b">
+            <a:normAutofit/>
+          </a:bodyPr>
+          <a:lstStyle>
+            <a:lvl1pPr algn="l" defTabSz="914400" rtl="0" eaLnBrk="1" latinLnBrk="0" hangingPunct="1">
+              <a:lnSpc>
+                <a:spcPct val="90000"/>
+              </a:lnSpc>
+              <a:spcBef>
+                <a:spcPct val="0"/>
+              </a:spcBef>
+              <a:buNone/>
+              <a:defRPr sz="4400" kern="1200">
+                <a:solidFill>
+                  <a:schemeClr val="tx1"/>
+                </a:solidFill>
+                <a:latin typeface="+mj-lt"/>
+                <a:ea typeface="+mj-ea"/>
+                <a:cs typeface="+mj-cs"/>
+              </a:defRPr>
+            </a:lvl1pPr>
+          </a:lstStyle>
+          <a:p>
+            <a:pPr algn="ctr">
+              <a:spcAft>
+                <a:spcPts val="600"/>
+              </a:spcAft>
+            </a:pPr>
+            <a:r>
+              <a:rPr lang="en-US" sz="5400" kern="1200">
+                <a:solidFill>
+                  <a:srgbClr val="FFFFFF"/>
+                </a:solidFill>
+                <a:latin typeface="+mj-lt"/>
+                <a:ea typeface="+mj-ea"/>
+                <a:cs typeface="+mj-cs"/>
+              </a:rPr>
+              <a:t>Database options in Azure</a:t>
+            </a:r>
+          </a:p>
+        </p:txBody>
+      </p:sp>
+      <p:pic>
+        <p:nvPicPr>
+          <p:cNvPr id="5" name="Picture 4">
+            <a:extLst>
+              <a:ext uri="{FF2B5EF4-FFF2-40B4-BE49-F238E27FC236}">
+                <a16:creationId xmlns:a16="http://schemas.microsoft.com/office/drawing/2014/main" id="{7E7B9D47-43B9-401B-B302-53E330CE30B4}"/>
+              </a:ext>
+            </a:extLst>
+          </p:cNvPr>
+          <p:cNvPicPr>
+            <a:picLocks noChangeAspect="1"/>
+          </p:cNvPicPr>
+          <p:nvPr/>
+        </p:nvPicPr>
+        <p:blipFill>
+          <a:blip r:embed="rId3">
+            <a:extLst>
+              <a:ext uri="{BEBA8EAE-BF5A-486C-A8C5-ECC9F3942E4B}">
+                <a14:imgProps xmlns:a14="http://schemas.microsoft.com/office/drawing/2010/main">
+                  <a14:imgLayer r:embed="rId4">
+                    <a14:imgEffect>
+                      <a14:colorTemperature colorTemp="9334"/>
+                    </a14:imgEffect>
+                    <a14:imgEffect>
+                      <a14:saturation sat="264000"/>
+                    </a14:imgEffect>
+                    <a14:imgEffect>
+                      <a14:brightnessContrast bright="11000" contrast="-29000"/>
+                    </a14:imgEffect>
+                  </a14:imgLayer>
+                </a14:imgProps>
+              </a:ext>
+            </a:extLst>
+          </a:blip>
+          <a:stretch>
+            <a:fillRect/>
+          </a:stretch>
+        </p:blipFill>
+        <p:spPr>
+          <a:xfrm>
+            <a:off x="842781" y="307731"/>
+            <a:ext cx="10451339" cy="3997637"/>
+          </a:xfrm>
+          <a:prstGeom prst="rect">
+            <a:avLst/>
+          </a:prstGeom>
+        </p:spPr>
+      </p:pic>
+      <p:cxnSp>
+        <p:nvCxnSpPr>
+          <p:cNvPr id="14" name="Straight Connector 13">
+            <a:extLst>
+              <a:ext uri="{FF2B5EF4-FFF2-40B4-BE49-F238E27FC236}">
+                <a16:creationId xmlns:a16="http://schemas.microsoft.com/office/drawing/2014/main" id="{7E7C77BC-7138-40B1-A15B-20F57A494629}"/>
+              </a:ext>
+              <a:ext uri="{C183D7F6-B498-43B3-948B-1728B52AA6E4}">
+                <adec:decorative xmlns:adec="http://schemas.microsoft.com/office/drawing/2017/decorative" val="1"/>
+              </a:ext>
+            </a:extLst>
+          </p:cNvPr>
+          <p:cNvCxnSpPr>
+            <a:cxnSpLocks noGrp="1" noRot="1" noChangeAspect="1" noMove="1" noResize="1" noEditPoints="1" noAdjustHandles="1" noChangeArrowheads="1" noChangeShapeType="1"/>
+          </p:cNvCxnSpPr>
+          <p:nvPr>
+            <p:extLst>
+              <p:ext uri="{386F3935-93C4-4BCD-93E2-E3B085C9AB24}">
+                <p16:designElem xmlns:p16="http://schemas.microsoft.com/office/powerpoint/2015/main" val="1"/>
+              </p:ext>
+            </p:extLst>
+          </p:nvPr>
+        </p:nvCxnSpPr>
+        <p:spPr>
+          <a:xfrm>
+            <a:off x="2209800" y="5738691"/>
+            <a:ext cx="7772400" cy="0"/>
+          </a:xfrm>
+          <a:prstGeom prst="line">
+            <a:avLst/>
+          </a:prstGeom>
+          <a:ln w="22225">
+            <a:solidFill>
+              <a:srgbClr val="D9D9D9"/>
+            </a:solidFill>
+          </a:ln>
+        </p:spPr>
+        <p:style>
+          <a:lnRef idx="1">
+            <a:schemeClr val="accent1"/>
+          </a:lnRef>
+          <a:fillRef idx="0">
+            <a:schemeClr val="accent1"/>
+          </a:fillRef>
+          <a:effectRef idx="0">
+            <a:schemeClr val="accent1"/>
+          </a:effectRef>
+          <a:fontRef idx="minor">
+            <a:schemeClr val="tx1"/>
+          </a:fontRef>
+        </p:style>
+      </p:cxnSp>
+      <p:sp>
+        <p:nvSpPr>
+          <p:cNvPr id="2" name="Title 1" hidden="1"/>
+          <p:cNvSpPr>
+            <a:spLocks noGrp="1"/>
+          </p:cNvSpPr>
+          <p:nvPr>
+            <p:ph type="title"/>
+          </p:nvPr>
+        </p:nvSpPr>
+        <p:spPr/>
+        <p:txBody>
+          <a:bodyPr/>
+          <a:lstStyle/>
+          <a:p>
+            <a:endParaRPr lang="en-US" dirty="0"/>
+          </a:p>
+        </p:txBody>
+      </p:sp>
+    </p:spTree>
+    <p:extLst>
+      <p:ext uri="{BB962C8B-B14F-4D97-AF65-F5344CB8AC3E}">
+        <p14:creationId xmlns:p14="http://schemas.microsoft.com/office/powerpoint/2010/main" val="2163416231"/>
+      </p:ext>
+    </p:extLst>
+  </p:cSld>
+  <p:clrMapOvr>
+    <a:masterClrMapping/>
+  </p:clrMapOvr>
+</p:sld>
+</file>
+
+<file path=ppt/slides/slide5.xml><?xml version="1.0" encoding="utf-8"?>
+<p:sld xmlns:a="http://schemas.openxmlformats.org/drawingml/2006/main" xmlns:r="http://schemas.openxmlformats.org/officeDocument/2006/relationships" xmlns:p="http://schemas.openxmlformats.org/presentationml/2006/main">
+  <p:cSld>
+    <p:bg>
+      <p:bgPr>
+        <a:solidFill>
+          <a:schemeClr val="bg1"/>
+        </a:solidFill>
+        <a:effectLst/>
+      </p:bgPr>
+    </p:bg>
+    <p:spTree>
+      <p:nvGrpSpPr>
+        <p:cNvPr id="1" name=""/>
+        <p:cNvGrpSpPr/>
+        <p:nvPr/>
+      </p:nvGrpSpPr>
+      <p:grpSpPr>
+        <a:xfrm>
+          <a:off x="0" y="0"/>
+          <a:ext cx="0" cy="0"/>
+          <a:chOff x="0" y="0"/>
+          <a:chExt cx="0" cy="0"/>
+        </a:xfrm>
+      </p:grpSpPr>
+      <p:sp>
+        <p:nvSpPr>
+          <p:cNvPr id="13" name="Rectangle 12">
+            <a:extLst>
+              <a:ext uri="{FF2B5EF4-FFF2-40B4-BE49-F238E27FC236}">
+                <a16:creationId xmlns:a16="http://schemas.microsoft.com/office/drawing/2014/main" id="{823AC064-BC96-4F32-8AE1-B2FD38754823}"/>
+              </a:ext>
+              <a:ext uri="{C183D7F6-B498-43B3-948B-1728B52AA6E4}">
+                <adec:decorative xmlns:adec="http://schemas.microsoft.com/office/drawing/2017/decorative" val="1"/>
+              </a:ext>
+            </a:extLst>
+          </p:cNvPr>
+          <p:cNvSpPr>
+            <a:spLocks noGrp="1" noRot="1" noChangeAspect="1" noMove="1" noResize="1" noEditPoints="1" noAdjustHandles="1" noChangeArrowheads="1" noChangeShapeType="1" noTextEdit="1"/>
+          </p:cNvSpPr>
+          <p:nvPr>
+            <p:extLst>
+              <p:ext uri="{386F3935-93C4-4BCD-93E2-E3B085C9AB24}">
+                <p16:designElem xmlns:p16="http://schemas.microsoft.com/office/powerpoint/2015/main" val="1"/>
+              </p:ext>
+            </p:extLst>
+          </p:nvPr>
+        </p:nvSpPr>
+        <p:spPr bwMode="ltGray">
+          <a:xfrm>
+            <a:off x="378068" y="4633546"/>
+            <a:ext cx="11438793" cy="1844256"/>
+          </a:xfrm>
+          <a:prstGeom prst="rect">
+            <a:avLst/>
+          </a:prstGeom>
+          <a:solidFill>
+            <a:srgbClr val="404040"/>
+          </a:solidFill>
+          <a:ln w="127000" cap="sq" cmpd="thinThick">
+            <a:solidFill>
+              <a:srgbClr val="404040"/>
+            </a:solidFill>
+          </a:ln>
+        </p:spPr>
+        <p:style>
+          <a:lnRef idx="2">
+            <a:schemeClr val="accent1">
+              <a:shade val="50000"/>
+            </a:schemeClr>
+          </a:lnRef>
+          <a:fillRef idx="1">
+            <a:schemeClr val="accent1"/>
+          </a:fillRef>
+          <a:effectRef idx="0">
+            <a:schemeClr val="accent1"/>
+          </a:effectRef>
+          <a:fontRef idx="minor">
+            <a:schemeClr val="lt1"/>
+          </a:fontRef>
+        </p:style>
+        <p:txBody>
+          <a:bodyPr rtlCol="0" anchor="ctr"/>
+          <a:lstStyle/>
+          <a:p>
+            <a:pPr marL="0" marR="0" lvl="0" indent="0" algn="ctr" defTabSz="914400" rtl="0" eaLnBrk="1" fontAlgn="auto" latinLnBrk="0" hangingPunct="1">
+              <a:lnSpc>
+                <a:spcPct val="100000"/>
+              </a:lnSpc>
+              <a:spcBef>
+                <a:spcPts val="0"/>
+              </a:spcBef>
+              <a:spcAft>
+                <a:spcPts val="0"/>
+              </a:spcAft>
+              <a:buClrTx/>
+              <a:buSzTx/>
+              <a:buFontTx/>
+              <a:buNone/>
+              <a:tabLst/>
+              <a:defRPr/>
+            </a:pPr>
+            <a:endParaRPr kumimoji="0" lang="en-US" sz="1800" b="0" i="0" u="none" strike="noStrike" kern="1200" cap="none" spc="0" normalizeH="0" baseline="0" noProof="0">
+              <a:ln>
+                <a:noFill/>
+              </a:ln>
+              <a:solidFill>
+                <a:prstClr val="white"/>
+              </a:solidFill>
+              <a:effectLst/>
+              <a:uLnTx/>
+              <a:uFillTx/>
+              <a:latin typeface="Calibri" panose="020F0502020204030204"/>
+              <a:ea typeface="+mn-ea"/>
+              <a:cs typeface="+mn-cs"/>
+            </a:endParaRPr>
+          </a:p>
+        </p:txBody>
+      </p:sp>
+      <p:sp>
+        <p:nvSpPr>
+          <p:cNvPr id="7" name="Title 1"/>
+          <p:cNvSpPr txBox="1">
+            <a:spLocks/>
+          </p:cNvSpPr>
+          <p:nvPr/>
+        </p:nvSpPr>
+        <p:spPr>
+          <a:xfrm>
+            <a:off x="526073" y="4756638"/>
+            <a:ext cx="11139854" cy="930447"/>
+          </a:xfrm>
+          <a:prstGeom prst="rect">
+            <a:avLst/>
+          </a:prstGeom>
+        </p:spPr>
+        <p:txBody>
+          <a:bodyPr vert="horz" lIns="91440" tIns="45720" rIns="91440" bIns="45720" rtlCol="0" anchor="b">
+            <a:normAutofit/>
+          </a:bodyPr>
+          <a:lstStyle>
+            <a:lvl1pPr algn="l" defTabSz="914400" rtl="0" eaLnBrk="1" latinLnBrk="0" hangingPunct="1">
+              <a:lnSpc>
+                <a:spcPct val="90000"/>
+              </a:lnSpc>
+              <a:spcBef>
+                <a:spcPct val="0"/>
+              </a:spcBef>
+              <a:buNone/>
+              <a:defRPr sz="4400" kern="1200">
+                <a:solidFill>
+                  <a:schemeClr val="tx1"/>
+                </a:solidFill>
+                <a:latin typeface="+mj-lt"/>
+                <a:ea typeface="+mj-ea"/>
+                <a:cs typeface="+mj-cs"/>
+              </a:defRPr>
+            </a:lvl1pPr>
+          </a:lstStyle>
+          <a:p>
+            <a:pPr algn="ctr">
+              <a:spcAft>
+                <a:spcPts val="600"/>
+              </a:spcAft>
+            </a:pPr>
+            <a:r>
+              <a:rPr lang="en-US" sz="5400" kern="1200" dirty="0">
+                <a:solidFill>
+                  <a:srgbClr val="FFFFFF"/>
+                </a:solidFill>
+                <a:latin typeface="+mj-lt"/>
+                <a:ea typeface="+mj-ea"/>
+                <a:cs typeface="+mj-cs"/>
+              </a:rPr>
+              <a:t>OLAP, OLTP</a:t>
+            </a:r>
+          </a:p>
+        </p:txBody>
+      </p:sp>
+      <p:pic>
+        <p:nvPicPr>
+          <p:cNvPr id="8" name="Picture 7">
+            <a:extLst>
+              <a:ext uri="{FF2B5EF4-FFF2-40B4-BE49-F238E27FC236}">
+                <a16:creationId xmlns:a16="http://schemas.microsoft.com/office/drawing/2014/main" id="{724D2382-4398-4CAB-9665-3A3871483AA7}"/>
+              </a:ext>
+            </a:extLst>
+          </p:cNvPr>
+          <p:cNvPicPr>
+            <a:picLocks noChangeAspect="1"/>
+          </p:cNvPicPr>
+          <p:nvPr/>
+        </p:nvPicPr>
+        <p:blipFill>
+          <a:blip r:embed="rId3"/>
+          <a:stretch>
+            <a:fillRect/>
+          </a:stretch>
+        </p:blipFill>
+        <p:spPr>
+          <a:xfrm>
+            <a:off x="1860411" y="307731"/>
+            <a:ext cx="8416079" cy="3997637"/>
+          </a:xfrm>
+          <a:prstGeom prst="rect">
+            <a:avLst/>
+          </a:prstGeom>
+        </p:spPr>
+      </p:pic>
+      <p:cxnSp>
+        <p:nvCxnSpPr>
+          <p:cNvPr id="15" name="Straight Connector 14">
+            <a:extLst>
+              <a:ext uri="{FF2B5EF4-FFF2-40B4-BE49-F238E27FC236}">
+                <a16:creationId xmlns:a16="http://schemas.microsoft.com/office/drawing/2014/main" id="{7E7C77BC-7138-40B1-A15B-20F57A494629}"/>
+              </a:ext>
+              <a:ext uri="{C183D7F6-B498-43B3-948B-1728B52AA6E4}">
+                <adec:decorative xmlns:adec="http://schemas.microsoft.com/office/drawing/2017/decorative" val="1"/>
+              </a:ext>
+            </a:extLst>
+          </p:cNvPr>
+          <p:cNvCxnSpPr>
+            <a:cxnSpLocks noGrp="1" noRot="1" noChangeAspect="1" noMove="1" noResize="1" noEditPoints="1" noAdjustHandles="1" noChangeArrowheads="1" noChangeShapeType="1"/>
+          </p:cNvCxnSpPr>
+          <p:nvPr>
+            <p:extLst>
+              <p:ext uri="{386F3935-93C4-4BCD-93E2-E3B085C9AB24}">
+                <p16:designElem xmlns:p16="http://schemas.microsoft.com/office/powerpoint/2015/main" val="1"/>
+              </p:ext>
+            </p:extLst>
+          </p:nvPr>
+        </p:nvCxnSpPr>
+        <p:spPr>
+          <a:xfrm>
+            <a:off x="2209800" y="5738691"/>
+            <a:ext cx="7772400" cy="0"/>
+          </a:xfrm>
+          <a:prstGeom prst="line">
+            <a:avLst/>
+          </a:prstGeom>
+          <a:ln w="22225">
+            <a:solidFill>
+              <a:srgbClr val="D9D9D9"/>
+            </a:solidFill>
+          </a:ln>
+        </p:spPr>
+        <p:style>
+          <a:lnRef idx="1">
+            <a:schemeClr val="accent1"/>
+          </a:lnRef>
+          <a:fillRef idx="0">
+            <a:schemeClr val="accent1"/>
+          </a:fillRef>
+          <a:effectRef idx="0">
+            <a:schemeClr val="accent1"/>
+          </a:effectRef>
+          <a:fontRef idx="minor">
+            <a:schemeClr val="tx1"/>
+          </a:fontRef>
+        </p:style>
+      </p:cxnSp>
+      <p:sp>
+        <p:nvSpPr>
+          <p:cNvPr id="2" name="Title 1" hidden="1"/>
+          <p:cNvSpPr>
+            <a:spLocks noGrp="1"/>
+          </p:cNvSpPr>
+          <p:nvPr>
+            <p:ph type="title"/>
+          </p:nvPr>
+        </p:nvSpPr>
+        <p:spPr/>
+        <p:txBody>
+          <a:bodyPr/>
+          <a:lstStyle/>
+          <a:p>
+            <a:endParaRPr lang="en-US" dirty="0"/>
+          </a:p>
+        </p:txBody>
+      </p:sp>
+    </p:spTree>
+    <p:extLst>
+      <p:ext uri="{BB962C8B-B14F-4D97-AF65-F5344CB8AC3E}">
+        <p14:creationId xmlns:p14="http://schemas.microsoft.com/office/powerpoint/2010/main" val="3228373058"/>
+      </p:ext>
+    </p:extLst>
+  </p:cSld>
+  <p:clrMapOvr>
+    <a:masterClrMapping/>
+  </p:clrMapOvr>
+</p:sld>
+</file>
+
+<file path=ppt/slides/slide6.xml><?xml version="1.0" encoding="utf-8"?>
+<p:sld xmlns:a="http://schemas.openxmlformats.org/drawingml/2006/main" xmlns:r="http://schemas.openxmlformats.org/officeDocument/2006/relationships" xmlns:p="http://schemas.openxmlformats.org/presentationml/2006/main">
+  <p:cSld>
+    <p:bg>
+      <p:bgPr>
+        <a:solidFill>
+          <a:schemeClr val="bg1"/>
+        </a:solidFill>
+        <a:effectLst/>
+      </p:bgPr>
+    </p:bg>
+    <p:spTree>
+      <p:nvGrpSpPr>
+        <p:cNvPr id="1" name=""/>
+        <p:cNvGrpSpPr/>
+        <p:nvPr/>
+      </p:nvGrpSpPr>
+      <p:grpSpPr>
+        <a:xfrm>
+          <a:off x="0" y="0"/>
+          <a:ext cx="0" cy="0"/>
+          <a:chOff x="0" y="0"/>
+          <a:chExt cx="0" cy="0"/>
+        </a:xfrm>
+      </p:grpSpPr>
+      <p:sp>
+        <p:nvSpPr>
+          <p:cNvPr id="11" name="Rectangle 10">
             <a:extLst>
               <a:ext uri="{FF2B5EF4-FFF2-40B4-BE49-F238E27FC236}">
                 <a16:creationId xmlns:a16="http://schemas.microsoft.com/office/drawing/2014/main" id="{C0B27210-D0CA-4654-B3E3-9ABB4F178EA1}"/>
@@ -7155,67 +9799,65 @@
       </p:sp>
       <p:sp>
         <p:nvSpPr>
-          <p:cNvPr id="7" name="Title 1"/>
-          <p:cNvSpPr txBox="1">
-            <a:spLocks/>
+          <p:cNvPr id="2" name="Title 1">
+            <a:extLst>
+              <a:ext uri="{FF2B5EF4-FFF2-40B4-BE49-F238E27FC236}">
+                <a16:creationId xmlns:a16="http://schemas.microsoft.com/office/drawing/2014/main" id="{FB79745D-258C-40B9-87BB-E62B7BED6093}"/>
+              </a:ext>
+            </a:extLst>
+          </p:cNvPr>
+          <p:cNvSpPr>
+            <a:spLocks noGrp="1"/>
           </p:cNvSpPr>
-          <p:nvPr/>
+          <p:nvPr>
+            <p:ph type="title"/>
+          </p:nvPr>
         </p:nvSpPr>
         <p:spPr>
           <a:xfrm>
             <a:off x="6746628" y="1783959"/>
             <a:ext cx="4645250" cy="2889114"/>
           </a:xfrm>
-          <a:prstGeom prst="rect">
-            <a:avLst/>
-          </a:prstGeom>
         </p:spPr>
         <p:txBody>
           <a:bodyPr vert="horz" lIns="91440" tIns="45720" rIns="91440" bIns="45720" rtlCol="0" anchor="b">
             <a:normAutofit/>
           </a:bodyPr>
-          <a:lstStyle>
-            <a:lvl1pPr algn="l" defTabSz="914400" rtl="0" eaLnBrk="1" latinLnBrk="0" hangingPunct="1">
-              <a:lnSpc>
-                <a:spcPct val="90000"/>
-              </a:lnSpc>
-              <a:spcBef>
-                <a:spcPct val="0"/>
-              </a:spcBef>
-              <a:buNone/>
-              <a:defRPr sz="4400" kern="1200">
-                <a:solidFill>
-                  <a:schemeClr val="tx1"/>
-                </a:solidFill>
-                <a:latin typeface="+mj-lt"/>
-                <a:ea typeface="+mj-ea"/>
-                <a:cs typeface="+mj-cs"/>
-              </a:defRPr>
-            </a:lvl1pPr>
-          </a:lstStyle>
-          <a:p>
-            <a:pPr>
-              <a:spcAft>
-                <a:spcPts val="600"/>
-              </a:spcAft>
-            </a:pPr>
-            <a:r>
-              <a:rPr lang="en-US" sz="6000" kern="1200">
+          <a:lstStyle/>
+          <a:p>
+            <a:r>
+              <a:rPr lang="en-US" sz="6000" kern="1200" dirty="0">
+                <a:ln w="0"/>
                 <a:solidFill>
                   <a:schemeClr val="bg1"/>
                 </a:solidFill>
+                <a:effectLst>
+                  <a:outerShdw blurRad="38100" dist="19050" dir="2700000" algn="tl" rotWithShape="0">
+                    <a:schemeClr val="dk1">
+                      <a:alpha val="40000"/>
+                    </a:schemeClr>
+                  </a:outerShdw>
+                </a:effectLst>
                 <a:latin typeface="+mj-lt"/>
                 <a:ea typeface="+mj-ea"/>
                 <a:cs typeface="+mj-cs"/>
               </a:rPr>
-              <a:t>Play Time!</a:t>
-            </a:r>
+              <a:t>Building a Data Lake</a:t>
+            </a:r>
+            <a:endParaRPr lang="en-US" sz="6000" kern="1200" dirty="0">
+              <a:solidFill>
+                <a:schemeClr val="bg1"/>
+              </a:solidFill>
+              <a:latin typeface="+mj-lt"/>
+              <a:ea typeface="+mj-ea"/>
+              <a:cs typeface="+mj-cs"/>
+            </a:endParaRPr>
           </a:p>
         </p:txBody>
       </p:sp>
       <p:sp>
         <p:nvSpPr>
-          <p:cNvPr id="27" name="Freeform: Shape 26">
+          <p:cNvPr id="13" name="Freeform: Shape 12">
             <a:extLst>
               <a:ext uri="{FF2B5EF4-FFF2-40B4-BE49-F238E27FC236}">
                 <a16:creationId xmlns:a16="http://schemas.microsoft.com/office/drawing/2014/main" id="{1DB7C82F-AB7E-4F0C-B829-FA1B9C415180}"/>
@@ -7382,7 +10024,7 @@
       </p:sp>
       <p:sp>
         <p:nvSpPr>
-          <p:cNvPr id="29" name="Freeform: Shape 28">
+          <p:cNvPr id="15" name="Freeform: Shape 14">
             <a:extLst>
               <a:ext uri="{FF2B5EF4-FFF2-40B4-BE49-F238E27FC236}">
                 <a16:creationId xmlns:a16="http://schemas.microsoft.com/office/drawing/2014/main" id="{70B66945-4967-4040-926D-DCA44313CDAB}"/>
@@ -7547,10 +10189,10 @@
       </p:sp>
       <p:pic>
         <p:nvPicPr>
-          <p:cNvPr id="20" name="Graphic 19" descr="Game controller">
+          <p:cNvPr id="6" name="Graphic 5" descr="Thought bubble">
             <a:extLst>
               <a:ext uri="{FF2B5EF4-FFF2-40B4-BE49-F238E27FC236}">
-                <a16:creationId xmlns:a16="http://schemas.microsoft.com/office/drawing/2014/main" id="{BD5C9F0B-0710-4943-B1E7-10580408D24D}"/>
+                <a16:creationId xmlns:a16="http://schemas.microsoft.com/office/drawing/2014/main" id="{43F18568-3874-468E-991F-67144FF1D570}"/>
               </a:ext>
             </a:extLst>
           </p:cNvPr>
@@ -7584,29 +10226,10 @@
           </a:prstGeom>
         </p:spPr>
       </p:pic>
-      <p:sp>
-        <p:nvSpPr>
-          <p:cNvPr id="2" name="Title 1" hidden="1"/>
-          <p:cNvSpPr>
-            <a:spLocks noGrp="1"/>
-          </p:cNvSpPr>
-          <p:nvPr>
-            <p:ph type="title"/>
-          </p:nvPr>
-        </p:nvSpPr>
-        <p:spPr/>
-        <p:txBody>
-          <a:bodyPr/>
-          <a:lstStyle/>
-          <a:p>
-            <a:endParaRPr lang="en-US" dirty="0"/>
-          </a:p>
-        </p:txBody>
-      </p:sp>
     </p:spTree>
     <p:extLst>
       <p:ext uri="{BB962C8B-B14F-4D97-AF65-F5344CB8AC3E}">
-        <p14:creationId xmlns:p14="http://schemas.microsoft.com/office/powerpoint/2010/main" val="3950535276"/>
+        <p14:creationId xmlns:p14="http://schemas.microsoft.com/office/powerpoint/2010/main" val="282758675"/>
       </p:ext>
     </p:extLst>
   </p:cSld>
@@ -7616,1385 +10239,7 @@
 </p:sld>
 </file>
 
-<file path=ppt/slides/slide16.xml><?xml version="1.0" encoding="utf-8"?>
-<p:sld xmlns:a="http://schemas.openxmlformats.org/drawingml/2006/main" xmlns:r="http://schemas.openxmlformats.org/officeDocument/2006/relationships" xmlns:p="http://schemas.openxmlformats.org/presentationml/2006/main">
-  <p:cSld>
-    <p:spTree>
-      <p:nvGrpSpPr>
-        <p:cNvPr id="1" name=""/>
-        <p:cNvGrpSpPr/>
-        <p:nvPr/>
-      </p:nvGrpSpPr>
-      <p:grpSpPr>
-        <a:xfrm>
-          <a:off x="0" y="0"/>
-          <a:ext cx="0" cy="0"/>
-          <a:chOff x="0" y="0"/>
-          <a:chExt cx="0" cy="0"/>
-        </a:xfrm>
-      </p:grpSpPr>
-      <p:sp>
-        <p:nvSpPr>
-          <p:cNvPr id="2" name="Title 1">
-            <a:extLst>
-              <a:ext uri="{FF2B5EF4-FFF2-40B4-BE49-F238E27FC236}">
-                <a16:creationId xmlns:a16="http://schemas.microsoft.com/office/drawing/2014/main" id="{D1DFC740-E98C-4D1B-96D9-BFDF2FE0F1E7}"/>
-              </a:ext>
-            </a:extLst>
-          </p:cNvPr>
-          <p:cNvSpPr>
-            <a:spLocks noGrp="1"/>
-          </p:cNvSpPr>
-          <p:nvPr>
-            <p:ph type="title"/>
-          </p:nvPr>
-        </p:nvSpPr>
-        <p:spPr>
-          <a:xfrm>
-            <a:off x="1136428" y="627564"/>
-            <a:ext cx="7474172" cy="1325563"/>
-          </a:xfrm>
-        </p:spPr>
-        <p:txBody>
-          <a:bodyPr>
-            <a:normAutofit/>
-          </a:bodyPr>
-          <a:lstStyle/>
-          <a:p>
-            <a:r>
-              <a:rPr lang="en-US" dirty="0"/>
-              <a:t>Azure Data Lake Storage Gen 2</a:t>
-            </a:r>
-          </a:p>
-        </p:txBody>
-      </p:sp>
-      <p:sp>
-        <p:nvSpPr>
-          <p:cNvPr id="3" name="Content Placeholder 2">
-            <a:extLst>
-              <a:ext uri="{FF2B5EF4-FFF2-40B4-BE49-F238E27FC236}">
-                <a16:creationId xmlns:a16="http://schemas.microsoft.com/office/drawing/2014/main" id="{C33E2DB0-AB25-48A2-89A1-D57DFF34F0A5}"/>
-              </a:ext>
-            </a:extLst>
-          </p:cNvPr>
-          <p:cNvSpPr>
-            <a:spLocks noGrp="1"/>
-          </p:cNvSpPr>
-          <p:nvPr>
-            <p:ph idx="1"/>
-          </p:nvPr>
-        </p:nvSpPr>
-        <p:spPr>
-          <a:xfrm>
-            <a:off x="1136429" y="2278173"/>
-            <a:ext cx="6467867" cy="3450613"/>
-          </a:xfrm>
-        </p:spPr>
-        <p:txBody>
-          <a:bodyPr anchor="ctr">
-            <a:normAutofit/>
-          </a:bodyPr>
-          <a:lstStyle/>
-          <a:p>
-            <a:r>
-              <a:rPr lang="en-US" sz="2400" dirty="0"/>
-              <a:t>GA at Feb 7, 2019</a:t>
-            </a:r>
-          </a:p>
-          <a:p>
-            <a:r>
-              <a:rPr lang="en-US" sz="2400" dirty="0"/>
-              <a:t>Data Lake architecture built on top of Blob storage,</a:t>
-            </a:r>
-          </a:p>
-          <a:p>
-            <a:pPr lvl="1"/>
-            <a:r>
-              <a:rPr lang="en-US" sz="2000" dirty="0"/>
-              <a:t>Same low cost as Blob</a:t>
-            </a:r>
-          </a:p>
-          <a:p>
-            <a:pPr lvl="1"/>
-            <a:r>
-              <a:rPr lang="en-US" sz="2000" dirty="0"/>
-              <a:t>Azure Data Ecosystem</a:t>
-            </a:r>
-          </a:p>
-          <a:p>
-            <a:pPr lvl="1"/>
-            <a:endParaRPr lang="en-US" sz="2000" dirty="0"/>
-          </a:p>
-          <a:p>
-            <a:pPr lvl="1"/>
-            <a:endParaRPr lang="en-US" sz="2000" dirty="0"/>
-          </a:p>
-        </p:txBody>
-      </p:sp>
-      <p:pic>
-        <p:nvPicPr>
-          <p:cNvPr id="16" name="Graphic 6" descr="Bar chart">
-            <a:extLst>
-              <a:ext uri="{FF2B5EF4-FFF2-40B4-BE49-F238E27FC236}">
-                <a16:creationId xmlns:a16="http://schemas.microsoft.com/office/drawing/2014/main" id="{B17B742C-D5DB-4F32-AE60-9516C6BA6EF8}"/>
-              </a:ext>
-            </a:extLst>
-          </p:cNvPr>
-          <p:cNvPicPr>
-            <a:picLocks noChangeAspect="1"/>
-          </p:cNvPicPr>
-          <p:nvPr/>
-        </p:nvPicPr>
-        <p:blipFill>
-          <a:blip r:embed="rId3">
-            <a:extLst>
-              <a:ext uri="{28A0092B-C50C-407E-A947-70E740481C1C}">
-                <a14:useLocalDpi xmlns:a14="http://schemas.microsoft.com/office/drawing/2010/main" val="0"/>
-              </a:ext>
-              <a:ext uri="{96DAC541-7B7A-43D3-8B79-37D633B846F1}">
-                <asvg:svgBlip xmlns:asvg="http://schemas.microsoft.com/office/drawing/2016/SVG/main" r:embed="rId4"/>
-              </a:ext>
-            </a:extLst>
-          </a:blip>
-          <a:stretch>
-            <a:fillRect/>
-          </a:stretch>
-        </p:blipFill>
-        <p:spPr>
-          <a:xfrm>
-            <a:off x="9413987" y="2857501"/>
-            <a:ext cx="1142998" cy="1142998"/>
-          </a:xfrm>
-          <a:prstGeom prst="rect">
-            <a:avLst/>
-          </a:prstGeom>
-        </p:spPr>
-      </p:pic>
-    </p:spTree>
-    <p:extLst>
-      <p:ext uri="{BB962C8B-B14F-4D97-AF65-F5344CB8AC3E}">
-        <p14:creationId xmlns:p14="http://schemas.microsoft.com/office/powerpoint/2010/main" val="3858052651"/>
-      </p:ext>
-    </p:extLst>
-  </p:cSld>
-  <p:clrMapOvr>
-    <a:masterClrMapping/>
-  </p:clrMapOvr>
-</p:sld>
-</file>
-
-<file path=ppt/slides/slide17.xml><?xml version="1.0" encoding="utf-8"?>
-<p:sld xmlns:a="http://schemas.openxmlformats.org/drawingml/2006/main" xmlns:r="http://schemas.openxmlformats.org/officeDocument/2006/relationships" xmlns:p="http://schemas.openxmlformats.org/presentationml/2006/main">
-  <p:cSld>
-    <p:spTree>
-      <p:nvGrpSpPr>
-        <p:cNvPr id="1" name=""/>
-        <p:cNvGrpSpPr/>
-        <p:nvPr/>
-      </p:nvGrpSpPr>
-      <p:grpSpPr>
-        <a:xfrm>
-          <a:off x="0" y="0"/>
-          <a:ext cx="0" cy="0"/>
-          <a:chOff x="0" y="0"/>
-          <a:chExt cx="0" cy="0"/>
-        </a:xfrm>
-      </p:grpSpPr>
-      <p:sp>
-        <p:nvSpPr>
-          <p:cNvPr id="2" name="Title 1">
-            <a:extLst>
-              <a:ext uri="{FF2B5EF4-FFF2-40B4-BE49-F238E27FC236}">
-                <a16:creationId xmlns:a16="http://schemas.microsoft.com/office/drawing/2014/main" id="{46CE63FE-11A2-4E54-A917-3178FB5E7856}"/>
-              </a:ext>
-            </a:extLst>
-          </p:cNvPr>
-          <p:cNvSpPr>
-            <a:spLocks noGrp="1"/>
-          </p:cNvSpPr>
-          <p:nvPr>
-            <p:ph type="title"/>
-          </p:nvPr>
-        </p:nvSpPr>
-        <p:spPr/>
-        <p:txBody>
-          <a:bodyPr/>
-          <a:lstStyle/>
-          <a:p>
-            <a:r>
-              <a:rPr lang="en-US" dirty="0"/>
-              <a:t>Pricing and Upgrade</a:t>
-            </a:r>
-            <a:endParaRPr lang="en-IN" dirty="0"/>
-          </a:p>
-        </p:txBody>
-      </p:sp>
-      <p:sp>
-        <p:nvSpPr>
-          <p:cNvPr id="3" name="Content Placeholder 2">
-            <a:extLst>
-              <a:ext uri="{FF2B5EF4-FFF2-40B4-BE49-F238E27FC236}">
-                <a16:creationId xmlns:a16="http://schemas.microsoft.com/office/drawing/2014/main" id="{90FE507B-CBB9-417D-8D15-29A4A75643CE}"/>
-              </a:ext>
-            </a:extLst>
-          </p:cNvPr>
-          <p:cNvSpPr>
-            <a:spLocks noGrp="1"/>
-          </p:cNvSpPr>
-          <p:nvPr>
-            <p:ph idx="1"/>
-          </p:nvPr>
-        </p:nvSpPr>
-        <p:spPr/>
-        <p:txBody>
-          <a:bodyPr>
-            <a:normAutofit lnSpcReduction="10000"/>
-          </a:bodyPr>
-          <a:lstStyle/>
-          <a:p>
-            <a:r>
-              <a:rPr lang="en-US" dirty="0"/>
-              <a:t>Gen 1 - </a:t>
-            </a:r>
-            <a:r>
-              <a:rPr lang="en-US" dirty="0">
-                <a:hlinkClick r:id="rId2"/>
-              </a:rPr>
-              <a:t>https://azure.microsoft.com/en-us/pricing/details/data-lake-storage-gen1/</a:t>
-            </a:r>
-            <a:endParaRPr lang="en-US" dirty="0"/>
-          </a:p>
-          <a:p>
-            <a:endParaRPr lang="en-US" dirty="0"/>
-          </a:p>
-          <a:p>
-            <a:r>
-              <a:rPr lang="en-US" dirty="0"/>
-              <a:t>Gen 2 - </a:t>
-            </a:r>
-            <a:r>
-              <a:rPr lang="en-US" dirty="0">
-                <a:hlinkClick r:id="rId3"/>
-              </a:rPr>
-              <a:t>https://azure.microsoft.com/en-us/pricing/details/storage/data-lake/</a:t>
-            </a:r>
-            <a:r>
-              <a:rPr lang="en-US" dirty="0"/>
-              <a:t> </a:t>
-            </a:r>
-          </a:p>
-          <a:p>
-            <a:pPr lvl="1"/>
-            <a:r>
-              <a:rPr lang="en-US" dirty="0"/>
-              <a:t>Lesser than Gen 1</a:t>
-            </a:r>
-          </a:p>
-          <a:p>
-            <a:pPr lvl="1"/>
-            <a:r>
-              <a:rPr lang="en-US" dirty="0"/>
-              <a:t>Bit more than Azure Blob</a:t>
-            </a:r>
-          </a:p>
-          <a:p>
-            <a:pPr lvl="1"/>
-            <a:endParaRPr lang="en-US" dirty="0"/>
-          </a:p>
-          <a:p>
-            <a:r>
-              <a:rPr lang="en-US" dirty="0"/>
-              <a:t>Upgrade from Gen1 to Gen2 – When and Why?</a:t>
-            </a:r>
-          </a:p>
-          <a:p>
-            <a:pPr lvl="1"/>
-            <a:r>
-              <a:rPr lang="en-IN" dirty="0">
-                <a:hlinkClick r:id="rId4"/>
-              </a:rPr>
-              <a:t>https://docs.microsoft.com/en-us/azure/storage/blobs/data-lake-storage-upgrade</a:t>
-            </a:r>
-            <a:r>
-              <a:rPr lang="en-IN" dirty="0"/>
-              <a:t> </a:t>
-            </a:r>
-          </a:p>
-        </p:txBody>
-      </p:sp>
-    </p:spTree>
-    <p:extLst>
-      <p:ext uri="{BB962C8B-B14F-4D97-AF65-F5344CB8AC3E}">
-        <p14:creationId xmlns:p14="http://schemas.microsoft.com/office/powerpoint/2010/main" val="109152529"/>
-      </p:ext>
-    </p:extLst>
-  </p:cSld>
-  <p:clrMapOvr>
-    <a:masterClrMapping/>
-  </p:clrMapOvr>
-</p:sld>
-</file>
-
-<file path=ppt/slides/slide18.xml><?xml version="1.0" encoding="utf-8"?>
-<p:sld xmlns:a="http://schemas.openxmlformats.org/drawingml/2006/main" xmlns:r="http://schemas.openxmlformats.org/officeDocument/2006/relationships" xmlns:p="http://schemas.openxmlformats.org/presentationml/2006/main">
-  <p:cSld>
-    <p:spTree>
-      <p:nvGrpSpPr>
-        <p:cNvPr id="1" name=""/>
-        <p:cNvGrpSpPr/>
-        <p:nvPr/>
-      </p:nvGrpSpPr>
-      <p:grpSpPr>
-        <a:xfrm>
-          <a:off x="0" y="0"/>
-          <a:ext cx="0" cy="0"/>
-          <a:chOff x="0" y="0"/>
-          <a:chExt cx="0" cy="0"/>
-        </a:xfrm>
-      </p:grpSpPr>
-      <p:sp>
-        <p:nvSpPr>
-          <p:cNvPr id="2" name="Title 1" hidden="1"/>
-          <p:cNvSpPr>
-            <a:spLocks noGrp="1"/>
-          </p:cNvSpPr>
-          <p:nvPr>
-            <p:ph type="title"/>
-          </p:nvPr>
-        </p:nvSpPr>
-        <p:spPr/>
-        <p:txBody>
-          <a:bodyPr/>
-          <a:lstStyle/>
-          <a:p>
-            <a:endParaRPr lang="en-US" dirty="0"/>
-          </a:p>
-        </p:txBody>
-      </p:sp>
-      <p:sp>
-        <p:nvSpPr>
-          <p:cNvPr id="7" name="Title 1"/>
-          <p:cNvSpPr txBox="1">
-            <a:spLocks/>
-          </p:cNvSpPr>
-          <p:nvPr/>
-        </p:nvSpPr>
-        <p:spPr>
-          <a:xfrm>
-            <a:off x="403747" y="1022492"/>
-            <a:ext cx="8139752" cy="4463908"/>
-          </a:xfrm>
-          <a:prstGeom prst="rect">
-            <a:avLst/>
-          </a:prstGeom>
-        </p:spPr>
-        <p:txBody>
-          <a:bodyPr vert="horz" lIns="91440" tIns="45720" rIns="91440" bIns="45720" rtlCol="0" anchor="ctr">
-            <a:normAutofit/>
-          </a:bodyPr>
-          <a:lstStyle>
-            <a:lvl1pPr algn="l" defTabSz="914400" rtl="0" eaLnBrk="1" latinLnBrk="0" hangingPunct="1">
-              <a:lnSpc>
-                <a:spcPct val="90000"/>
-              </a:lnSpc>
-              <a:spcBef>
-                <a:spcPct val="0"/>
-              </a:spcBef>
-              <a:buNone/>
-              <a:defRPr sz="4400" kern="1200">
-                <a:solidFill>
-                  <a:schemeClr val="tx1"/>
-                </a:solidFill>
-                <a:latin typeface="+mj-lt"/>
-                <a:ea typeface="+mj-ea"/>
-                <a:cs typeface="+mj-cs"/>
-              </a:defRPr>
-            </a:lvl1pPr>
-          </a:lstStyle>
-          <a:p>
-            <a:r>
-              <a:rPr lang="en-US" sz="3200" dirty="0">
-                <a:solidFill>
-                  <a:schemeClr val="bg1"/>
-                </a:solidFill>
-                <a:latin typeface="Segoe UI" panose="020B0502040204020203" pitchFamily="34" charset="0"/>
-                <a:ea typeface="Segoe UI" panose="020B0502040204020203" pitchFamily="34" charset="0"/>
-                <a:cs typeface="Segoe UI" panose="020B0502040204020203" pitchFamily="34" charset="0"/>
-              </a:rPr>
-              <a:t>Enter Text</a:t>
-            </a:r>
-          </a:p>
-        </p:txBody>
-      </p:sp>
-      <p:pic>
-        <p:nvPicPr>
-          <p:cNvPr id="4" name="Picture 3"/>
-          <p:cNvPicPr>
-            <a:picLocks noChangeAspect="1"/>
-          </p:cNvPicPr>
-          <p:nvPr/>
-        </p:nvPicPr>
-        <p:blipFill>
-          <a:blip r:embed="rId3">
-            <a:extLst>
-              <a:ext uri="{28A0092B-C50C-407E-A947-70E740481C1C}">
-                <a14:useLocalDpi xmlns:a14="http://schemas.microsoft.com/office/drawing/2010/main" val="0"/>
-              </a:ext>
-            </a:extLst>
-          </a:blip>
-          <a:stretch>
-            <a:fillRect/>
-          </a:stretch>
-        </p:blipFill>
-        <p:spPr>
-          <a:xfrm>
-            <a:off x="0" y="4180"/>
-            <a:ext cx="12192000" cy="6849639"/>
-          </a:xfrm>
-          <a:prstGeom prst="rect">
-            <a:avLst/>
-          </a:prstGeom>
-        </p:spPr>
-      </p:pic>
-      <p:sp>
-        <p:nvSpPr>
-          <p:cNvPr id="6" name="TextBox 5"/>
-          <p:cNvSpPr txBox="1"/>
-          <p:nvPr/>
-        </p:nvSpPr>
-        <p:spPr>
-          <a:xfrm>
-            <a:off x="403747" y="1874676"/>
-            <a:ext cx="9754044" cy="3323987"/>
-          </a:xfrm>
-          <a:prstGeom prst="rect">
-            <a:avLst/>
-          </a:prstGeom>
-          <a:noFill/>
-        </p:spPr>
-        <p:txBody>
-          <a:bodyPr wrap="square" rtlCol="0">
-            <a:spAutoFit/>
-          </a:bodyPr>
-          <a:lstStyle/>
-          <a:p>
-            <a:pPr marL="342900" lvl="0" indent="-342900">
-              <a:buFont typeface="Arial" panose="020B0604020202020204" pitchFamily="34" charset="0"/>
-              <a:buChar char="•"/>
-            </a:pPr>
-            <a:r>
-              <a:rPr lang="en-US" sz="3000" dirty="0">
-                <a:hlinkClick r:id="rId4"/>
-              </a:rPr>
-              <a:t>https://blogs.msdn.microsoft.com/azuredatalake/</a:t>
-            </a:r>
-            <a:endParaRPr lang="en-US" sz="3000" dirty="0"/>
-          </a:p>
-          <a:p>
-            <a:pPr marL="342900" lvl="0" indent="-342900">
-              <a:buFont typeface="Arial" panose="020B0604020202020204" pitchFamily="34" charset="0"/>
-              <a:buChar char="•"/>
-            </a:pPr>
-            <a:endParaRPr lang="en-US" sz="3000" dirty="0">
-              <a:hlinkClick r:id="rId5"/>
-            </a:endParaRPr>
-          </a:p>
-          <a:p>
-            <a:pPr marL="342900" lvl="0" indent="-342900">
-              <a:buFont typeface="Arial" panose="020B0604020202020204" pitchFamily="34" charset="0"/>
-              <a:buChar char="•"/>
-            </a:pPr>
-            <a:r>
-              <a:rPr lang="en-US" sz="3000" dirty="0">
-                <a:hlinkClick r:id="rId5"/>
-              </a:rPr>
-              <a:t>https://azure.microsoft.com/en-in/resources/videos/data-lake-developer-tools/</a:t>
-            </a:r>
-            <a:r>
-              <a:rPr lang="en-US" sz="3000" dirty="0"/>
-              <a:t>  </a:t>
-            </a:r>
-          </a:p>
-          <a:p>
-            <a:pPr marL="342900" lvl="0" indent="-342900">
-              <a:buFont typeface="Arial" panose="020B0604020202020204" pitchFamily="34" charset="0"/>
-              <a:buChar char="•"/>
-            </a:pPr>
-            <a:endParaRPr lang="en-US" sz="3000" dirty="0"/>
-          </a:p>
-          <a:p>
-            <a:pPr marL="342900" lvl="0" indent="-342900">
-              <a:buFont typeface="Arial" panose="020B0604020202020204" pitchFamily="34" charset="0"/>
-              <a:buChar char="•"/>
-            </a:pPr>
-            <a:endParaRPr lang="en-US" sz="3000" dirty="0"/>
-          </a:p>
-          <a:p>
-            <a:pPr marL="342900" lvl="0" indent="-342900">
-              <a:buFont typeface="Arial" panose="020B0604020202020204" pitchFamily="34" charset="0"/>
-              <a:buChar char="•"/>
-            </a:pPr>
-            <a:endParaRPr lang="en-US" sz="3000" dirty="0"/>
-          </a:p>
-        </p:txBody>
-      </p:sp>
-      <p:sp>
-        <p:nvSpPr>
-          <p:cNvPr id="3" name="Rectangle 2">
-            <a:extLst>
-              <a:ext uri="{FF2B5EF4-FFF2-40B4-BE49-F238E27FC236}">
-                <a16:creationId xmlns:a16="http://schemas.microsoft.com/office/drawing/2014/main" id="{5DECC70E-2EDD-4E20-B4C1-240F4C3DD4B7}"/>
-              </a:ext>
-            </a:extLst>
-          </p:cNvPr>
-          <p:cNvSpPr/>
-          <p:nvPr/>
-        </p:nvSpPr>
-        <p:spPr>
-          <a:xfrm>
-            <a:off x="403747" y="848564"/>
-            <a:ext cx="9754044" cy="707886"/>
-          </a:xfrm>
-          <a:prstGeom prst="rect">
-            <a:avLst/>
-          </a:prstGeom>
-          <a:noFill/>
-        </p:spPr>
-        <p:txBody>
-          <a:bodyPr wrap="square" lIns="91440" tIns="45720" rIns="91440" bIns="45720">
-            <a:spAutoFit/>
-          </a:bodyPr>
-          <a:lstStyle/>
-          <a:p>
-            <a:r>
-              <a:rPr lang="en-US" sz="4000" dirty="0">
-                <a:ln w="0"/>
-                <a:effectLst>
-                  <a:outerShdw blurRad="38100" dist="19050" dir="2700000" algn="tl" rotWithShape="0">
-                    <a:schemeClr val="dk1">
-                      <a:alpha val="40000"/>
-                    </a:schemeClr>
-                  </a:outerShdw>
-                </a:effectLst>
-              </a:rPr>
-              <a:t>References</a:t>
-            </a:r>
-          </a:p>
-        </p:txBody>
-      </p:sp>
-    </p:spTree>
-    <p:extLst>
-      <p:ext uri="{BB962C8B-B14F-4D97-AF65-F5344CB8AC3E}">
-        <p14:creationId xmlns:p14="http://schemas.microsoft.com/office/powerpoint/2010/main" val="3797604941"/>
-      </p:ext>
-    </p:extLst>
-  </p:cSld>
-  <p:clrMapOvr>
-    <a:masterClrMapping/>
-  </p:clrMapOvr>
-</p:sld>
-</file>
-
-<file path=ppt/slides/slide19.xml><?xml version="1.0" encoding="utf-8"?>
-<p:sld xmlns:a="http://schemas.openxmlformats.org/drawingml/2006/main" xmlns:r="http://schemas.openxmlformats.org/officeDocument/2006/relationships" xmlns:p="http://schemas.openxmlformats.org/presentationml/2006/main">
-  <p:cSld>
-    <p:spTree>
-      <p:nvGrpSpPr>
-        <p:cNvPr id="1" name=""/>
-        <p:cNvGrpSpPr/>
-        <p:nvPr/>
-      </p:nvGrpSpPr>
-      <p:grpSpPr>
-        <a:xfrm>
-          <a:off x="0" y="0"/>
-          <a:ext cx="0" cy="0"/>
-          <a:chOff x="0" y="0"/>
-          <a:chExt cx="0" cy="0"/>
-        </a:xfrm>
-      </p:grpSpPr>
-      <p:sp>
-        <p:nvSpPr>
-          <p:cNvPr id="2" name="Title 1" hidden="1"/>
-          <p:cNvSpPr>
-            <a:spLocks noGrp="1"/>
-          </p:cNvSpPr>
-          <p:nvPr>
-            <p:ph type="title"/>
-          </p:nvPr>
-        </p:nvSpPr>
-        <p:spPr/>
-        <p:txBody>
-          <a:bodyPr/>
-          <a:lstStyle/>
-          <a:p>
-            <a:endParaRPr lang="en-US" dirty="0"/>
-          </a:p>
-        </p:txBody>
-      </p:sp>
-      <p:sp>
-        <p:nvSpPr>
-          <p:cNvPr id="7" name="Title 1"/>
-          <p:cNvSpPr txBox="1">
-            <a:spLocks/>
-          </p:cNvSpPr>
-          <p:nvPr/>
-        </p:nvSpPr>
-        <p:spPr>
-          <a:xfrm>
-            <a:off x="403747" y="1022492"/>
-            <a:ext cx="8139752" cy="4463908"/>
-          </a:xfrm>
-          <a:prstGeom prst="rect">
-            <a:avLst/>
-          </a:prstGeom>
-        </p:spPr>
-        <p:txBody>
-          <a:bodyPr vert="horz" lIns="91440" tIns="45720" rIns="91440" bIns="45720" rtlCol="0" anchor="ctr">
-            <a:normAutofit/>
-          </a:bodyPr>
-          <a:lstStyle>
-            <a:lvl1pPr algn="l" defTabSz="914400" rtl="0" eaLnBrk="1" latinLnBrk="0" hangingPunct="1">
-              <a:lnSpc>
-                <a:spcPct val="90000"/>
-              </a:lnSpc>
-              <a:spcBef>
-                <a:spcPct val="0"/>
-              </a:spcBef>
-              <a:buNone/>
-              <a:defRPr sz="4400" kern="1200">
-                <a:solidFill>
-                  <a:schemeClr val="tx1"/>
-                </a:solidFill>
-                <a:latin typeface="+mj-lt"/>
-                <a:ea typeface="+mj-ea"/>
-                <a:cs typeface="+mj-cs"/>
-              </a:defRPr>
-            </a:lvl1pPr>
-          </a:lstStyle>
-          <a:p>
-            <a:r>
-              <a:rPr lang="en-US" sz="3200" dirty="0">
-                <a:solidFill>
-                  <a:schemeClr val="bg1"/>
-                </a:solidFill>
-                <a:latin typeface="Segoe UI" panose="020B0502040204020203" pitchFamily="34" charset="0"/>
-                <a:ea typeface="Segoe UI" panose="020B0502040204020203" pitchFamily="34" charset="0"/>
-                <a:cs typeface="Segoe UI" panose="020B0502040204020203" pitchFamily="34" charset="0"/>
-              </a:rPr>
-              <a:t>Enter Text</a:t>
-            </a:r>
-          </a:p>
-        </p:txBody>
-      </p:sp>
-      <p:pic>
-        <p:nvPicPr>
-          <p:cNvPr id="4" name="Picture 3"/>
-          <p:cNvPicPr>
-            <a:picLocks noChangeAspect="1"/>
-          </p:cNvPicPr>
-          <p:nvPr/>
-        </p:nvPicPr>
-        <p:blipFill>
-          <a:blip r:embed="rId2">
-            <a:extLst>
-              <a:ext uri="{28A0092B-C50C-407E-A947-70E740481C1C}">
-                <a14:useLocalDpi xmlns:a14="http://schemas.microsoft.com/office/drawing/2010/main" val="0"/>
-              </a:ext>
-            </a:extLst>
-          </a:blip>
-          <a:stretch>
-            <a:fillRect/>
-          </a:stretch>
-        </p:blipFill>
-        <p:spPr>
-          <a:xfrm>
-            <a:off x="0" y="4180"/>
-            <a:ext cx="12192000" cy="6849639"/>
-          </a:xfrm>
-          <a:prstGeom prst="rect">
-            <a:avLst/>
-          </a:prstGeom>
-        </p:spPr>
-      </p:pic>
-      <p:sp>
-        <p:nvSpPr>
-          <p:cNvPr id="5" name="Rectangle 4">
-            <a:extLst>
-              <a:ext uri="{FF2B5EF4-FFF2-40B4-BE49-F238E27FC236}">
-                <a16:creationId xmlns:a16="http://schemas.microsoft.com/office/drawing/2014/main" id="{95D344C9-CBA8-4BF1-8CA0-979B03AD54B2}"/>
-              </a:ext>
-            </a:extLst>
-          </p:cNvPr>
-          <p:cNvSpPr/>
-          <p:nvPr/>
-        </p:nvSpPr>
-        <p:spPr>
-          <a:xfrm>
-            <a:off x="4147053" y="1026522"/>
-            <a:ext cx="3491918" cy="923330"/>
-          </a:xfrm>
-          <a:prstGeom prst="rect">
-            <a:avLst/>
-          </a:prstGeom>
-          <a:noFill/>
-        </p:spPr>
-        <p:txBody>
-          <a:bodyPr wrap="none" lIns="91440" tIns="45720" rIns="91440" bIns="45720">
-            <a:spAutoFit/>
-          </a:bodyPr>
-          <a:lstStyle/>
-          <a:p>
-            <a:pPr algn="ctr"/>
-            <a:r>
-              <a:rPr lang="en-US" sz="5400" dirty="0">
-                <a:ln w="0"/>
-                <a:effectLst>
-                  <a:outerShdw blurRad="38100" dist="19050" dir="2700000" algn="tl" rotWithShape="0">
-                    <a:schemeClr val="dk1">
-                      <a:alpha val="40000"/>
-                    </a:schemeClr>
-                  </a:outerShdw>
-                </a:effectLst>
-              </a:rPr>
-              <a:t>Questions ?</a:t>
-            </a:r>
-          </a:p>
-        </p:txBody>
-      </p:sp>
-      <p:sp>
-        <p:nvSpPr>
-          <p:cNvPr id="13" name="TextBox 12">
-            <a:extLst>
-              <a:ext uri="{FF2B5EF4-FFF2-40B4-BE49-F238E27FC236}">
-                <a16:creationId xmlns:a16="http://schemas.microsoft.com/office/drawing/2014/main" id="{00F1E887-74F5-4F95-8509-56E70256AA1E}"/>
-              </a:ext>
-            </a:extLst>
-          </p:cNvPr>
-          <p:cNvSpPr txBox="1"/>
-          <p:nvPr/>
-        </p:nvSpPr>
-        <p:spPr>
-          <a:xfrm>
-            <a:off x="1135469" y="4446550"/>
-            <a:ext cx="3338154" cy="430887"/>
-          </a:xfrm>
-          <a:prstGeom prst="rect">
-            <a:avLst/>
-          </a:prstGeom>
-          <a:noFill/>
-        </p:spPr>
-        <p:txBody>
-          <a:bodyPr wrap="square" rtlCol="0">
-            <a:spAutoFit/>
-          </a:bodyPr>
-          <a:lstStyle/>
-          <a:p>
-            <a:r>
-              <a:rPr lang="en-US" sz="2200" dirty="0">
-                <a:solidFill>
-                  <a:schemeClr val="tx2"/>
-                </a:solidFill>
-                <a:ea typeface="Segoe UI" panose="020B0502040204020203" pitchFamily="34" charset="0"/>
-                <a:cs typeface="Segoe UI" panose="020B0502040204020203" pitchFamily="34" charset="0"/>
-                <a:hlinkClick r:id="rId3">
-                  <a:extLst>
-                    <a:ext uri="{A12FA001-AC4F-418D-AE19-62706E023703}">
-                      <ahyp:hlinkClr xmlns="" xmlns:ahyp="http://schemas.microsoft.com/office/drawing/2018/hyperlinkcolor" val="tx"/>
-                    </a:ext>
-                  </a:extLst>
-                </a:hlinkClick>
-              </a:rPr>
-              <a:t>dinesarun@hotmail.com</a:t>
-            </a:r>
-            <a:endParaRPr lang="en-US" sz="2200" dirty="0">
-              <a:solidFill>
-                <a:schemeClr val="tx2"/>
-              </a:solidFill>
-              <a:ea typeface="Segoe UI" panose="020B0502040204020203" pitchFamily="34" charset="0"/>
-              <a:cs typeface="Segoe UI" panose="020B0502040204020203" pitchFamily="34" charset="0"/>
-            </a:endParaRPr>
-          </a:p>
-        </p:txBody>
-      </p:sp>
-      <p:pic>
-        <p:nvPicPr>
-          <p:cNvPr id="14" name="Picture 13">
-            <a:extLst>
-              <a:ext uri="{FF2B5EF4-FFF2-40B4-BE49-F238E27FC236}">
-                <a16:creationId xmlns:a16="http://schemas.microsoft.com/office/drawing/2014/main" id="{D9A53123-1833-40CC-9E6E-D6BC945D047F}"/>
-              </a:ext>
-            </a:extLst>
-          </p:cNvPr>
-          <p:cNvPicPr>
-            <a:picLocks noChangeAspect="1"/>
-          </p:cNvPicPr>
-          <p:nvPr/>
-        </p:nvPicPr>
-        <p:blipFill>
-          <a:blip r:embed="rId4" cstate="print">
-            <a:extLst>
-              <a:ext uri="{28A0092B-C50C-407E-A947-70E740481C1C}">
-                <a14:useLocalDpi xmlns:a14="http://schemas.microsoft.com/office/drawing/2010/main" val="0"/>
-              </a:ext>
-            </a:extLst>
-          </a:blip>
-          <a:stretch>
-            <a:fillRect/>
-          </a:stretch>
-        </p:blipFill>
-        <p:spPr>
-          <a:xfrm>
-            <a:off x="655144" y="5033112"/>
-            <a:ext cx="400110" cy="400110"/>
-          </a:xfrm>
-          <a:prstGeom prst="rect">
-            <a:avLst/>
-          </a:prstGeom>
-        </p:spPr>
-      </p:pic>
-      <p:sp>
-        <p:nvSpPr>
-          <p:cNvPr id="15" name="Rectangle 14">
-            <a:extLst>
-              <a:ext uri="{FF2B5EF4-FFF2-40B4-BE49-F238E27FC236}">
-                <a16:creationId xmlns:a16="http://schemas.microsoft.com/office/drawing/2014/main" id="{0E39F9F4-E445-43D1-9F4C-AF8E0478CF7E}"/>
-              </a:ext>
-            </a:extLst>
-          </p:cNvPr>
-          <p:cNvSpPr/>
-          <p:nvPr/>
-        </p:nvSpPr>
-        <p:spPr>
-          <a:xfrm>
-            <a:off x="1135469" y="5017723"/>
-            <a:ext cx="1535546" cy="430887"/>
-          </a:xfrm>
-          <a:prstGeom prst="rect">
-            <a:avLst/>
-          </a:prstGeom>
-        </p:spPr>
-        <p:txBody>
-          <a:bodyPr wrap="square">
-            <a:spAutoFit/>
-          </a:bodyPr>
-          <a:lstStyle/>
-          <a:p>
-            <a:r>
-              <a:rPr lang="en-US" sz="2200" dirty="0">
-                <a:solidFill>
-                  <a:schemeClr val="tx2"/>
-                </a:solidFill>
-                <a:ea typeface="Segoe UI" panose="020B0502040204020203" pitchFamily="34" charset="0"/>
-                <a:cs typeface="Segoe UI" panose="020B0502040204020203" pitchFamily="34" charset="0"/>
-              </a:rPr>
-              <a:t>dinuswt22</a:t>
-            </a:r>
-          </a:p>
-        </p:txBody>
-      </p:sp>
-      <p:sp>
-        <p:nvSpPr>
-          <p:cNvPr id="20" name="Rectangle 19">
-            <a:extLst>
-              <a:ext uri="{FF2B5EF4-FFF2-40B4-BE49-F238E27FC236}">
-                <a16:creationId xmlns:a16="http://schemas.microsoft.com/office/drawing/2014/main" id="{F64071A0-A47D-4532-945E-A9470B1BCDDF}"/>
-              </a:ext>
-            </a:extLst>
-          </p:cNvPr>
-          <p:cNvSpPr/>
-          <p:nvPr/>
-        </p:nvSpPr>
-        <p:spPr>
-          <a:xfrm>
-            <a:off x="1135469" y="3899138"/>
-            <a:ext cx="5664949" cy="430887"/>
-          </a:xfrm>
-          <a:prstGeom prst="rect">
-            <a:avLst/>
-          </a:prstGeom>
-        </p:spPr>
-        <p:txBody>
-          <a:bodyPr wrap="none">
-            <a:spAutoFit/>
-          </a:bodyPr>
-          <a:lstStyle/>
-          <a:p>
-            <a:r>
-              <a:rPr lang="en-US" sz="2200" dirty="0">
-                <a:ln w="0"/>
-                <a:solidFill>
-                  <a:schemeClr val="tx2"/>
-                </a:solidFill>
-                <a:hlinkClick r:id="rId5">
-                  <a:extLst>
-                    <a:ext uri="{A12FA001-AC4F-418D-AE19-62706E023703}">
-                      <ahyp:hlinkClr xmlns="" xmlns:ahyp="http://schemas.microsoft.com/office/drawing/2018/hyperlinkcolor" val="tx"/>
-                    </a:ext>
-                  </a:extLst>
-                </a:hlinkClick>
-              </a:rPr>
-              <a:t>https://github.com/dinesarun/azurevidyapeeth</a:t>
-            </a:r>
-            <a:r>
-              <a:rPr lang="en-US" sz="2200" dirty="0">
-                <a:ln w="0"/>
-                <a:solidFill>
-                  <a:schemeClr val="tx2"/>
-                </a:solidFill>
-              </a:rPr>
-              <a:t> </a:t>
-            </a:r>
-          </a:p>
-        </p:txBody>
-      </p:sp>
-      <p:pic>
-        <p:nvPicPr>
-          <p:cNvPr id="23" name="Picture 22">
-            <a:extLst>
-              <a:ext uri="{FF2B5EF4-FFF2-40B4-BE49-F238E27FC236}">
-                <a16:creationId xmlns:a16="http://schemas.microsoft.com/office/drawing/2014/main" id="{A9B0461C-AB70-4460-BF27-62E823D6EF90}"/>
-              </a:ext>
-            </a:extLst>
-          </p:cNvPr>
-          <p:cNvPicPr>
-            <a:picLocks noChangeAspect="1"/>
-          </p:cNvPicPr>
-          <p:nvPr/>
-        </p:nvPicPr>
-        <p:blipFill>
-          <a:blip r:embed="rId6" cstate="print">
-            <a:extLst>
-              <a:ext uri="{28A0092B-C50C-407E-A947-70E740481C1C}">
-                <a14:useLocalDpi xmlns:a14="http://schemas.microsoft.com/office/drawing/2010/main" val="0"/>
-              </a:ext>
-            </a:extLst>
-          </a:blip>
-          <a:stretch>
-            <a:fillRect/>
-          </a:stretch>
-        </p:blipFill>
-        <p:spPr>
-          <a:xfrm>
-            <a:off x="655145" y="3914527"/>
-            <a:ext cx="400110" cy="400110"/>
-          </a:xfrm>
-          <a:prstGeom prst="rect">
-            <a:avLst/>
-          </a:prstGeom>
-        </p:spPr>
-      </p:pic>
-      <p:pic>
-        <p:nvPicPr>
-          <p:cNvPr id="17" name="Picture 16">
-            <a:extLst>
-              <a:ext uri="{FF2B5EF4-FFF2-40B4-BE49-F238E27FC236}">
-                <a16:creationId xmlns:a16="http://schemas.microsoft.com/office/drawing/2014/main" id="{ECB69F6C-E75C-4C2B-B650-D04154C65845}"/>
-              </a:ext>
-            </a:extLst>
-          </p:cNvPr>
-          <p:cNvPicPr>
-            <a:picLocks noChangeAspect="1"/>
-          </p:cNvPicPr>
-          <p:nvPr/>
-        </p:nvPicPr>
-        <p:blipFill>
-          <a:blip r:embed="rId7" cstate="print">
-            <a:extLst>
-              <a:ext uri="{28A0092B-C50C-407E-A947-70E740481C1C}">
-                <a14:useLocalDpi xmlns:a14="http://schemas.microsoft.com/office/drawing/2010/main" val="0"/>
-              </a:ext>
-            </a:extLst>
-          </a:blip>
-          <a:stretch>
-            <a:fillRect/>
-          </a:stretch>
-        </p:blipFill>
-        <p:spPr>
-          <a:xfrm>
-            <a:off x="624367" y="4446550"/>
-            <a:ext cx="430887" cy="430887"/>
-          </a:xfrm>
-          <a:prstGeom prst="rect">
-            <a:avLst/>
-          </a:prstGeom>
-        </p:spPr>
-      </p:pic>
-    </p:spTree>
-    <p:extLst>
-      <p:ext uri="{BB962C8B-B14F-4D97-AF65-F5344CB8AC3E}">
-        <p14:creationId xmlns:p14="http://schemas.microsoft.com/office/powerpoint/2010/main" val="445054829"/>
-      </p:ext>
-    </p:extLst>
-  </p:cSld>
-  <p:clrMapOvr>
-    <a:masterClrMapping/>
-  </p:clrMapOvr>
-</p:sld>
-</file>
-
-<file path=ppt/slides/slide2.xml><?xml version="1.0" encoding="utf-8"?>
-<p:sld xmlns:a="http://schemas.openxmlformats.org/drawingml/2006/main" xmlns:r="http://schemas.openxmlformats.org/officeDocument/2006/relationships" xmlns:p="http://schemas.openxmlformats.org/presentationml/2006/main">
-  <p:cSld>
-    <p:bg>
-      <p:bgPr>
-        <a:solidFill>
-          <a:schemeClr val="bg1">
-            <a:tint val="95000"/>
-            <a:satMod val="170000"/>
-          </a:schemeClr>
-        </a:solidFill>
-        <a:effectLst/>
-      </p:bgPr>
-    </p:bg>
-    <p:spTree>
-      <p:nvGrpSpPr>
-        <p:cNvPr id="1" name=""/>
-        <p:cNvGrpSpPr/>
-        <p:nvPr/>
-      </p:nvGrpSpPr>
-      <p:grpSpPr>
-        <a:xfrm>
-          <a:off x="0" y="0"/>
-          <a:ext cx="0" cy="0"/>
-          <a:chOff x="0" y="0"/>
-          <a:chExt cx="0" cy="0"/>
-        </a:xfrm>
-      </p:grpSpPr>
-      <p:sp>
-        <p:nvSpPr>
-          <p:cNvPr id="12" name="Rectangle 11">
-            <a:extLst>
-              <a:ext uri="{FF2B5EF4-FFF2-40B4-BE49-F238E27FC236}">
-                <a16:creationId xmlns:a16="http://schemas.microsoft.com/office/drawing/2014/main" id="{5B336162-B533-4EFE-8BB3-8EBB4A5E32F8}"/>
-              </a:ext>
-              <a:ext uri="{C183D7F6-B498-43B3-948B-1728B52AA6E4}">
-                <adec:decorative xmlns:adec="http://schemas.microsoft.com/office/drawing/2017/decorative" val="1"/>
-              </a:ext>
-            </a:extLst>
-          </p:cNvPr>
-          <p:cNvSpPr>
-            <a:spLocks noGrp="1" noRot="1" noChangeAspect="1" noMove="1" noResize="1" noEditPoints="1" noAdjustHandles="1" noChangeArrowheads="1" noChangeShapeType="1" noTextEdit="1"/>
-          </p:cNvSpPr>
-          <p:nvPr>
-            <p:extLst>
-              <p:ext uri="{386F3935-93C4-4BCD-93E2-E3B085C9AB24}">
-                <p16:designElem xmlns:p16="http://schemas.microsoft.com/office/powerpoint/2015/main" val="1"/>
-              </p:ext>
-            </p:extLst>
-          </p:nvPr>
-        </p:nvSpPr>
-        <p:spPr>
-          <a:xfrm>
-            <a:off x="0" y="0"/>
-            <a:ext cx="5314384" cy="6858000"/>
-          </a:xfrm>
-          <a:prstGeom prst="rect">
-            <a:avLst/>
-          </a:prstGeom>
-          <a:solidFill>
-            <a:srgbClr val="D0CECE"/>
-          </a:solidFill>
-          <a:ln>
-            <a:noFill/>
-          </a:ln>
-        </p:spPr>
-        <p:style>
-          <a:lnRef idx="2">
-            <a:schemeClr val="accent1">
-              <a:shade val="50000"/>
-            </a:schemeClr>
-          </a:lnRef>
-          <a:fillRef idx="1">
-            <a:schemeClr val="accent1"/>
-          </a:fillRef>
-          <a:effectRef idx="0">
-            <a:schemeClr val="accent1"/>
-          </a:effectRef>
-          <a:fontRef idx="minor">
-            <a:schemeClr val="lt1"/>
-          </a:fontRef>
-        </p:style>
-        <p:txBody>
-          <a:bodyPr rtlCol="0" anchor="ctr"/>
-          <a:lstStyle/>
-          <a:p>
-            <a:pPr algn="ctr"/>
-            <a:endParaRPr lang="en-US"/>
-          </a:p>
-        </p:txBody>
-      </p:sp>
-      <p:sp>
-        <p:nvSpPr>
-          <p:cNvPr id="7" name="Title 1"/>
-          <p:cNvSpPr txBox="1">
-            <a:spLocks/>
-          </p:cNvSpPr>
-          <p:nvPr/>
-        </p:nvSpPr>
-        <p:spPr>
-          <a:xfrm>
-            <a:off x="6049182" y="802638"/>
-            <a:ext cx="5408696" cy="5252722"/>
-          </a:xfrm>
-          <a:prstGeom prst="rect">
-            <a:avLst/>
-          </a:prstGeom>
-        </p:spPr>
-        <p:txBody>
-          <a:bodyPr vert="horz" lIns="91440" tIns="45720" rIns="91440" bIns="45720" rtlCol="0" anchor="ctr">
-            <a:normAutofit/>
-          </a:bodyPr>
-          <a:lstStyle>
-            <a:lvl1pPr algn="l" defTabSz="914400" rtl="0" eaLnBrk="1" latinLnBrk="0" hangingPunct="1">
-              <a:lnSpc>
-                <a:spcPct val="90000"/>
-              </a:lnSpc>
-              <a:spcBef>
-                <a:spcPct val="0"/>
-              </a:spcBef>
-              <a:buNone/>
-              <a:defRPr sz="4400" kern="1200">
-                <a:solidFill>
-                  <a:schemeClr val="tx1"/>
-                </a:solidFill>
-                <a:latin typeface="+mj-lt"/>
-                <a:ea typeface="+mj-ea"/>
-                <a:cs typeface="+mj-cs"/>
-              </a:defRPr>
-            </a:lvl1pPr>
-          </a:lstStyle>
-          <a:p>
-            <a:pPr marL="285750" indent="-228600">
-              <a:spcAft>
-                <a:spcPts val="600"/>
-              </a:spcAft>
-              <a:buFont typeface="Arial" panose="020B0604020202020204" pitchFamily="34" charset="0"/>
-              <a:buChar char="•"/>
-            </a:pPr>
-            <a:endParaRPr lang="en-US" sz="2400">
-              <a:latin typeface="+mn-lt"/>
-              <a:ea typeface="+mn-ea"/>
-              <a:cs typeface="+mn-cs"/>
-            </a:endParaRPr>
-          </a:p>
-          <a:p>
-            <a:pPr marL="514350" indent="-228600">
-              <a:spcAft>
-                <a:spcPts val="600"/>
-              </a:spcAft>
-              <a:buFont typeface="Arial" panose="020B0604020202020204" pitchFamily="34" charset="0"/>
-              <a:buChar char="•"/>
-            </a:pPr>
-            <a:r>
-              <a:rPr lang="en-US" sz="2400" dirty="0">
-                <a:latin typeface="+mn-lt"/>
-                <a:ea typeface="+mn-ea"/>
-                <a:cs typeface="+mn-cs"/>
-              </a:rPr>
-              <a:t>Database options in Azure</a:t>
-            </a:r>
-          </a:p>
-          <a:p>
-            <a:pPr marL="514350" indent="-228600">
-              <a:spcAft>
-                <a:spcPts val="600"/>
-              </a:spcAft>
-              <a:buFont typeface="Arial" panose="020B0604020202020204" pitchFamily="34" charset="0"/>
-              <a:buChar char="•"/>
-            </a:pPr>
-            <a:r>
-              <a:rPr lang="en-US" sz="2400" dirty="0">
-                <a:latin typeface="+mn-lt"/>
-                <a:ea typeface="+mn-ea"/>
-                <a:cs typeface="+mn-cs"/>
-              </a:rPr>
-              <a:t>Why should I choose Data Lake?</a:t>
-            </a:r>
-          </a:p>
-          <a:p>
-            <a:pPr marL="514350" indent="-228600">
-              <a:spcAft>
-                <a:spcPts val="600"/>
-              </a:spcAft>
-              <a:buFont typeface="Arial" panose="020B0604020202020204" pitchFamily="34" charset="0"/>
-              <a:buChar char="•"/>
-            </a:pPr>
-            <a:r>
-              <a:rPr lang="en-US" sz="2400" dirty="0">
-                <a:latin typeface="+mn-lt"/>
-                <a:ea typeface="+mn-ea"/>
-                <a:cs typeface="+mn-cs"/>
-              </a:rPr>
-              <a:t>Control v Business value</a:t>
-            </a:r>
-          </a:p>
-          <a:p>
-            <a:pPr marL="514350" indent="-228600">
-              <a:spcAft>
-                <a:spcPts val="600"/>
-              </a:spcAft>
-              <a:buFont typeface="Arial" panose="020B0604020202020204" pitchFamily="34" charset="0"/>
-              <a:buChar char="•"/>
-            </a:pPr>
-            <a:endParaRPr lang="en-US" sz="2400" dirty="0">
-              <a:latin typeface="+mn-lt"/>
-              <a:ea typeface="+mn-ea"/>
-              <a:cs typeface="+mn-cs"/>
-            </a:endParaRPr>
-          </a:p>
-        </p:txBody>
-      </p:sp>
-      <p:sp>
-        <p:nvSpPr>
-          <p:cNvPr id="2" name="Title 1" hidden="1"/>
-          <p:cNvSpPr>
-            <a:spLocks noGrp="1"/>
-          </p:cNvSpPr>
-          <p:nvPr>
-            <p:ph type="title"/>
-          </p:nvPr>
-        </p:nvSpPr>
-        <p:spPr/>
-        <p:txBody>
-          <a:bodyPr>
-            <a:normAutofit/>
-          </a:bodyPr>
-          <a:lstStyle/>
-          <a:p>
-            <a:r>
-              <a:rPr lang="en-US" dirty="0" err="1"/>
-              <a:t>Agensss</a:t>
-            </a:r>
-            <a:endParaRPr lang="en-US" dirty="0"/>
-          </a:p>
-        </p:txBody>
-      </p:sp>
-      <p:sp>
-        <p:nvSpPr>
-          <p:cNvPr id="3" name="Rectangle 2">
-            <a:extLst>
-              <a:ext uri="{FF2B5EF4-FFF2-40B4-BE49-F238E27FC236}">
-                <a16:creationId xmlns:a16="http://schemas.microsoft.com/office/drawing/2014/main" id="{5DECC70E-2EDD-4E20-B4C1-240F4C3DD4B7}"/>
-              </a:ext>
-            </a:extLst>
-          </p:cNvPr>
-          <p:cNvSpPr/>
-          <p:nvPr/>
-        </p:nvSpPr>
-        <p:spPr>
-          <a:xfrm>
-            <a:off x="403747" y="848564"/>
-            <a:ext cx="2408333" cy="707886"/>
-          </a:xfrm>
-          <a:prstGeom prst="rect">
-            <a:avLst/>
-          </a:prstGeom>
-          <a:noFill/>
-        </p:spPr>
-        <p:txBody>
-          <a:bodyPr wrap="square" lIns="91440" tIns="45720" rIns="91440" bIns="45720">
-            <a:spAutoFit/>
-          </a:bodyPr>
-          <a:lstStyle/>
-          <a:p>
-            <a:endParaRPr lang="en-US" sz="4000" dirty="0">
-              <a:ln w="0"/>
-              <a:effectLst>
-                <a:outerShdw blurRad="38100" dist="19050" dir="2700000" algn="tl" rotWithShape="0">
-                  <a:schemeClr val="dk1">
-                    <a:alpha val="40000"/>
-                  </a:schemeClr>
-                </a:outerShdw>
-              </a:effectLst>
-            </a:endParaRPr>
-          </a:p>
-        </p:txBody>
-      </p:sp>
-      <p:sp>
-        <p:nvSpPr>
-          <p:cNvPr id="24" name="Title 1">
-            <a:extLst>
-              <a:ext uri="{FF2B5EF4-FFF2-40B4-BE49-F238E27FC236}">
-                <a16:creationId xmlns:a16="http://schemas.microsoft.com/office/drawing/2014/main" id="{DC31FA86-3847-48D3-9F7C-CCA04A249F1A}"/>
-              </a:ext>
-            </a:extLst>
-          </p:cNvPr>
-          <p:cNvSpPr txBox="1">
-            <a:spLocks/>
-          </p:cNvSpPr>
-          <p:nvPr/>
-        </p:nvSpPr>
-        <p:spPr>
-          <a:xfrm>
-            <a:off x="1490598" y="2590731"/>
-            <a:ext cx="2647059" cy="1676537"/>
-          </a:xfrm>
-          <a:prstGeom prst="rect">
-            <a:avLst/>
-          </a:prstGeom>
-        </p:spPr>
-        <p:txBody>
-          <a:bodyPr vert="horz" lIns="91440" tIns="45720" rIns="91440" bIns="45720" rtlCol="0" anchor="ctr">
-            <a:normAutofit/>
-          </a:bodyPr>
-          <a:lstStyle>
-            <a:lvl1pPr algn="l" defTabSz="914400" rtl="0" eaLnBrk="1" latinLnBrk="0" hangingPunct="1">
-              <a:lnSpc>
-                <a:spcPct val="90000"/>
-              </a:lnSpc>
-              <a:spcBef>
-                <a:spcPct val="0"/>
-              </a:spcBef>
-              <a:buNone/>
-              <a:defRPr sz="4400" kern="1200">
-                <a:solidFill>
-                  <a:schemeClr val="tx1"/>
-                </a:solidFill>
-                <a:latin typeface="+mj-lt"/>
-                <a:ea typeface="+mj-ea"/>
-                <a:cs typeface="+mj-cs"/>
-              </a:defRPr>
-            </a:lvl1pPr>
-          </a:lstStyle>
-          <a:p>
-            <a:r>
-              <a:rPr lang="en-US" sz="5600" dirty="0">
-                <a:ln w="0"/>
-                <a:solidFill>
-                  <a:schemeClr val="bg1"/>
-                </a:solidFill>
-                <a:effectLst>
-                  <a:outerShdw blurRad="38100" dist="19050" dir="2700000" algn="tl" rotWithShape="0">
-                    <a:schemeClr val="dk1">
-                      <a:alpha val="40000"/>
-                    </a:schemeClr>
-                  </a:outerShdw>
-                </a:effectLst>
-              </a:rPr>
-              <a:t>Agenda</a:t>
-            </a:r>
-            <a:endParaRPr lang="en-US" sz="5600" dirty="0">
-              <a:solidFill>
-                <a:schemeClr val="bg1"/>
-              </a:solidFill>
-            </a:endParaRPr>
-          </a:p>
-        </p:txBody>
-      </p:sp>
-    </p:spTree>
-    <p:extLst>
-      <p:ext uri="{BB962C8B-B14F-4D97-AF65-F5344CB8AC3E}">
-        <p14:creationId xmlns:p14="http://schemas.microsoft.com/office/powerpoint/2010/main" val="3863763873"/>
-      </p:ext>
-    </p:extLst>
-  </p:cSld>
-  <p:clrMapOvr>
-    <a:overrideClrMapping bg1="dk1" tx1="lt1" bg2="dk2" tx2="lt2" accent1="accent1" accent2="accent2" accent3="accent3" accent4="accent4" accent5="accent5" accent6="accent6" hlink="hlink" folHlink="folHlink"/>
-  </p:clrMapOvr>
-</p:sld>
-</file>
-
-<file path=ppt/slides/slide3.xml><?xml version="1.0" encoding="utf-8"?>
+<file path=ppt/slides/slide7.xml><?xml version="1.0" encoding="utf-8"?>
 <p:sld xmlns:a="http://schemas.openxmlformats.org/drawingml/2006/main" xmlns:r="http://schemas.openxmlformats.org/officeDocument/2006/relationships" xmlns:p="http://schemas.openxmlformats.org/presentationml/2006/main">
   <p:cSld>
     <p:bg>
@@ -9021,10 +10266,10 @@
       </p:grpSpPr>
       <p:sp>
         <p:nvSpPr>
-          <p:cNvPr id="10" name="Down Arrow 7">
+          <p:cNvPr id="14" name="Rectangle 7">
             <a:extLst>
               <a:ext uri="{FF2B5EF4-FFF2-40B4-BE49-F238E27FC236}">
-                <a16:creationId xmlns:a16="http://schemas.microsoft.com/office/drawing/2014/main" id="{73DE2CFE-42F2-48F0-8706-5264E012B10C}"/>
+                <a16:creationId xmlns:a16="http://schemas.microsoft.com/office/drawing/2014/main" id="{8D70B121-56F4-4848-B38B-182089D909FA}"/>
               </a:ext>
               <a:ext uri="{C183D7F6-B498-43B3-948B-1728B52AA6E4}">
                 <adec:decorative xmlns:adec="http://schemas.microsoft.com/office/drawing/2017/decorative" val="1"/>
@@ -9042,21 +10287,20 @@
             </p:extLst>
           </p:nvPr>
         </p:nvSpPr>
-        <p:spPr>
-          <a:xfrm rot="16200000">
-            <a:off x="5662795" y="-3745097"/>
-            <a:ext cx="1354979" cy="10750169"/>
+        <p:spPr bwMode="ltGray">
+          <a:xfrm>
+            <a:off x="321564" y="320040"/>
+            <a:ext cx="11548872" cy="6217920"/>
           </a:xfrm>
-          <a:prstGeom prst="downArrow">
-            <a:avLst>
-              <a:gd name="adj1" fmla="val 100000"/>
-              <a:gd name="adj2" fmla="val 22582"/>
-            </a:avLst>
+          <a:prstGeom prst="rect">
+            <a:avLst/>
           </a:prstGeom>
           <a:solidFill>
-            <a:srgbClr val="404040"/>
+            <a:schemeClr val="tx1">
+              <a:alpha val="8000"/>
+            </a:schemeClr>
           </a:solidFill>
-          <a:ln w="53975">
+          <a:ln w="127000" cap="sq" cmpd="thinThick">
             <a:noFill/>
           </a:ln>
         </p:spPr>
@@ -9080,85 +10324,72 @@
           <a:bodyPr rtlCol="0" anchor="ctr"/>
           <a:lstStyle/>
           <a:p>
-            <a:pPr marL="0" marR="0" lvl="0" indent="0" algn="ctr" defTabSz="914400" rtl="0" eaLnBrk="1" fontAlgn="auto" latinLnBrk="0" hangingPunct="1">
-              <a:lnSpc>
-                <a:spcPct val="100000"/>
-              </a:lnSpc>
-              <a:spcBef>
-                <a:spcPts val="0"/>
-              </a:spcBef>
-              <a:spcAft>
-                <a:spcPts val="0"/>
-              </a:spcAft>
-              <a:buClrTx/>
-              <a:buSzTx/>
-              <a:buFontTx/>
-              <a:buNone/>
-              <a:tabLst/>
-              <a:defRPr/>
-            </a:pPr>
-            <a:endParaRPr kumimoji="0" lang="en-US" sz="1800" b="0" i="0" u="none" strike="noStrike" kern="1200" cap="none" spc="0" normalizeH="0" baseline="0" noProof="0">
-              <a:ln>
-                <a:noFill/>
-              </a:ln>
-              <a:solidFill>
-                <a:prstClr val="white"/>
-              </a:solidFill>
-              <a:effectLst/>
-              <a:uLnTx/>
-              <a:uFillTx/>
-              <a:latin typeface="Calibri" panose="020F0502020204030204"/>
-              <a:ea typeface="+mn-ea"/>
-              <a:cs typeface="+mn-cs"/>
-            </a:endParaRPr>
+            <a:pPr algn="ctr"/>
+            <a:endParaRPr lang="en-US"/>
           </a:p>
         </p:txBody>
       </p:sp>
-      <p:sp>
-        <p:nvSpPr>
-          <p:cNvPr id="2" name="Title 1">
+      <p:cxnSp>
+        <p:nvCxnSpPr>
+          <p:cNvPr id="15" name="Straight Connector 9">
             <a:extLst>
               <a:ext uri="{FF2B5EF4-FFF2-40B4-BE49-F238E27FC236}">
-                <a16:creationId xmlns:a16="http://schemas.microsoft.com/office/drawing/2014/main" id="{D1DFC740-E98C-4D1B-96D9-BFDF2FE0F1E7}"/>
+                <a16:creationId xmlns:a16="http://schemas.microsoft.com/office/drawing/2014/main" id="{2D72A2C9-F3CA-4216-8BAD-FA4C970C3C4E}"/>
+              </a:ext>
+              <a:ext uri="{C183D7F6-B498-43B3-948B-1728B52AA6E4}">
+                <adec:decorative xmlns:adec="http://schemas.microsoft.com/office/drawing/2017/decorative" val="1"/>
               </a:ext>
             </a:extLst>
           </p:cNvPr>
-          <p:cNvSpPr>
-            <a:spLocks noGrp="1"/>
-          </p:cNvSpPr>
+          <p:cNvCxnSpPr>
+            <a:cxnSpLocks noGrp="1" noRot="1" noChangeAspect="1" noMove="1" noResize="1" noEditPoints="1" noAdjustHandles="1" noChangeArrowheads="1" noChangeShapeType="1"/>
+          </p:cNvCxnSpPr>
           <p:nvPr>
-            <p:ph type="title"/>
+            <p:extLst>
+              <p:ext uri="{386F3935-93C4-4BCD-93E2-E3B085C9AB24}">
+                <p16:designElem xmlns:p16="http://schemas.microsoft.com/office/powerpoint/2015/main" val="1"/>
+              </p:ext>
+            </p:extLst>
           </p:nvPr>
-        </p:nvSpPr>
+        </p:nvCxnSpPr>
         <p:spPr>
           <a:xfrm>
-            <a:off x="1286932" y="1204109"/>
-            <a:ext cx="10023398" cy="857894"/>
+            <a:off x="4654296" y="2057400"/>
+            <a:ext cx="0" cy="2743200"/>
           </a:xfrm>
+          <a:prstGeom prst="line">
+            <a:avLst/>
+          </a:prstGeom>
+          <a:ln w="19050">
+            <a:solidFill>
+              <a:schemeClr val="tx1">
+                <a:lumMod val="85000"/>
+                <a:lumOff val="15000"/>
+              </a:schemeClr>
+            </a:solidFill>
+          </a:ln>
         </p:spPr>
-        <p:txBody>
-          <a:bodyPr>
-            <a:normAutofit/>
-          </a:bodyPr>
-          <a:lstStyle/>
-          <a:p>
-            <a:r>
-              <a:rPr lang="en-US" sz="4000">
-                <a:solidFill>
-                  <a:srgbClr val="FFFFFF"/>
-                </a:solidFill>
-              </a:rPr>
-              <a:t>BigData – Apache Hadoop – Data Lake</a:t>
-            </a:r>
-          </a:p>
-        </p:txBody>
-      </p:sp>
+        <p:style>
+          <a:lnRef idx="1">
+            <a:schemeClr val="accent1"/>
+          </a:lnRef>
+          <a:fillRef idx="0">
+            <a:schemeClr val="accent1"/>
+          </a:fillRef>
+          <a:effectRef idx="0">
+            <a:schemeClr val="accent1"/>
+          </a:effectRef>
+          <a:fontRef idx="minor">
+            <a:schemeClr val="tx1"/>
+          </a:fontRef>
+        </p:style>
+      </p:cxnSp>
       <p:sp>
         <p:nvSpPr>
           <p:cNvPr id="3" name="Content Placeholder 2">
             <a:extLst>
               <a:ext uri="{FF2B5EF4-FFF2-40B4-BE49-F238E27FC236}">
-                <a16:creationId xmlns:a16="http://schemas.microsoft.com/office/drawing/2014/main" id="{C33E2DB0-AB25-48A2-89A1-D57DFF34F0A5}"/>
+                <a16:creationId xmlns:a16="http://schemas.microsoft.com/office/drawing/2014/main" id="{7770DD40-3D66-48B5-B6CF-AB1C4ED524D5}"/>
               </a:ext>
             </a:extLst>
           </p:cNvPr>
@@ -9171,122 +10402,49 @@
         </p:nvSpPr>
         <p:spPr>
           <a:xfrm>
-            <a:off x="1286930" y="2962451"/>
-            <a:ext cx="4052499" cy="2820012"/>
+            <a:off x="4976031" y="963877"/>
+            <a:ext cx="6377769" cy="4930246"/>
           </a:xfrm>
         </p:spPr>
         <p:txBody>
-          <a:bodyPr>
+          <a:bodyPr anchor="ctr">
             <a:normAutofit/>
           </a:bodyPr>
           <a:lstStyle/>
           <a:p>
-            <a:r>
-              <a:rPr lang="en-US" sz="1800" dirty="0"/>
-              <a:t>Data Lake – Store any kind of data. Like water from different sources pool into a Lake and get stored.</a:t>
-            </a:r>
-          </a:p>
-          <a:p>
-            <a:r>
-              <a:rPr lang="en-US" sz="1800" dirty="0"/>
-              <a:t>Hadoop was the first major data lake with “HDFS” accepting videos, files, logs,…</a:t>
-            </a:r>
-          </a:p>
-          <a:p>
-            <a:r>
-              <a:rPr lang="en-US" sz="1800" dirty="0"/>
-              <a:t>Hadoop’s disadvantage – Slow processing that was overcome by tools like Spark, etc. </a:t>
-            </a:r>
-          </a:p>
-          <a:p>
-            <a:endParaRPr lang="en-US" sz="1800" dirty="0"/>
-          </a:p>
-          <a:p>
-            <a:endParaRPr lang="en-US" sz="1800" dirty="0"/>
-          </a:p>
-          <a:p>
             <a:pPr marL="0" indent="0">
               <a:buNone/>
             </a:pPr>
-            <a:endParaRPr lang="en-US" sz="1800" dirty="0"/>
-          </a:p>
-        </p:txBody>
-      </p:sp>
-      <p:pic>
-        <p:nvPicPr>
-          <p:cNvPr id="5" name="Picture 4" descr="A screenshot of a video game&#10;&#10;Description generated with high confidence">
-            <a:extLst>
-              <a:ext uri="{FF2B5EF4-FFF2-40B4-BE49-F238E27FC236}">
-                <a16:creationId xmlns:a16="http://schemas.microsoft.com/office/drawing/2014/main" id="{79823462-CFD3-4584-8729-A74B23520607}"/>
-              </a:ext>
-            </a:extLst>
-          </p:cNvPr>
-          <p:cNvPicPr>
-            <a:picLocks noChangeAspect="1"/>
-          </p:cNvPicPr>
-          <p:nvPr/>
-        </p:nvPicPr>
-        <p:blipFill>
-          <a:blip r:embed="rId3">
-            <a:extLst>
-              <a:ext uri="{28A0092B-C50C-407E-A947-70E740481C1C}">
-                <a14:useLocalDpi xmlns:a14="http://schemas.microsoft.com/office/drawing/2010/main" val="0"/>
-              </a:ext>
-            </a:extLst>
-          </a:blip>
-          <a:stretch>
-            <a:fillRect/>
-          </a:stretch>
-        </p:blipFill>
-        <p:spPr>
-          <a:xfrm>
-            <a:off x="6153535" y="2950094"/>
-            <a:ext cx="5035735" cy="2820012"/>
-          </a:xfrm>
-          <a:prstGeom prst="rect">
-            <a:avLst/>
-          </a:prstGeom>
-        </p:spPr>
-      </p:pic>
-      <p:sp>
-        <p:nvSpPr>
-          <p:cNvPr id="6" name="Rectangle 5">
-            <a:extLst>
-              <a:ext uri="{FF2B5EF4-FFF2-40B4-BE49-F238E27FC236}">
-                <a16:creationId xmlns:a16="http://schemas.microsoft.com/office/drawing/2014/main" id="{679DA01B-4D3A-404F-A423-1FFD68B29DB6}"/>
-              </a:ext>
-            </a:extLst>
-          </p:cNvPr>
-          <p:cNvSpPr/>
-          <p:nvPr/>
-        </p:nvSpPr>
-        <p:spPr>
-          <a:xfrm>
-            <a:off x="7030903" y="5904476"/>
-            <a:ext cx="4279427" cy="261610"/>
-          </a:xfrm>
-          <a:prstGeom prst="rect">
-            <a:avLst/>
-          </a:prstGeom>
-        </p:spPr>
-        <p:txBody>
-          <a:bodyPr wrap="square">
-            <a:spAutoFit/>
-          </a:bodyPr>
-          <a:lstStyle/>
-          <a:p>
-            <a:pPr algn="r"/>
-            <a:r>
-              <a:rPr lang="en-US" sz="1050" dirty="0"/>
-              <a:t>From: https://www.intricity.com/data-warehousing/what-is-a-data-lake/</a:t>
-            </a:r>
+            <a:r>
+              <a:rPr lang="en-US" sz="2400" dirty="0"/>
+              <a:t>“Data projects should be treated as </a:t>
+            </a:r>
+            <a:r>
+              <a:rPr lang="en-US" sz="2400" b="1" dirty="0"/>
+              <a:t>products</a:t>
+            </a:r>
+            <a:r>
+              <a:rPr lang="en-US" sz="2400" dirty="0"/>
+              <a:t> and not merely as </a:t>
+            </a:r>
+            <a:r>
+              <a:rPr lang="en-US" sz="2400" b="1" dirty="0"/>
+              <a:t>infrastructure</a:t>
+            </a:r>
+            <a:r>
+              <a:rPr lang="en-US" sz="2400" dirty="0"/>
+              <a:t>”</a:t>
+            </a:r>
+          </a:p>
+          <a:p>
+            <a:endParaRPr lang="en-IN" sz="2400" dirty="0"/>
           </a:p>
         </p:txBody>
       </p:sp>
     </p:spTree>
     <p:extLst>
       <p:ext uri="{BB962C8B-B14F-4D97-AF65-F5344CB8AC3E}">
-        <p14:creationId xmlns:p14="http://schemas.microsoft.com/office/powerpoint/2010/main" val="463510590"/>
+        <p14:creationId xmlns:p14="http://schemas.microsoft.com/office/powerpoint/2010/main" val="2937522089"/>
       </p:ext>
     </p:extLst>
   </p:cSld>
@@ -9296,7 +10454,7 @@
 </p:sld>
 </file>
 
-<file path=ppt/slides/slide4.xml><?xml version="1.0" encoding="utf-8"?>
+<file path=ppt/slides/slide8.xml><?xml version="1.0" encoding="utf-8"?>
 <p:sld xmlns:a="http://schemas.openxmlformats.org/drawingml/2006/main" xmlns:r="http://schemas.openxmlformats.org/officeDocument/2006/relationships" xmlns:p="http://schemas.openxmlformats.org/presentationml/2006/main">
   <p:cSld>
     <p:bg>
@@ -9323,164 +10481,47 @@
       </p:grpSpPr>
       <p:sp>
         <p:nvSpPr>
-          <p:cNvPr id="9" name="Rectangle 11">
+          <p:cNvPr id="2" name="Title 1">
             <a:extLst>
               <a:ext uri="{FF2B5EF4-FFF2-40B4-BE49-F238E27FC236}">
-                <a16:creationId xmlns:a16="http://schemas.microsoft.com/office/drawing/2014/main" id="{823AC064-BC96-4F32-8AE1-B2FD38754823}"/>
-              </a:ext>
-              <a:ext uri="{C183D7F6-B498-43B3-948B-1728B52AA6E4}">
-                <adec:decorative xmlns:adec="http://schemas.microsoft.com/office/drawing/2017/decorative" val="1"/>
+                <a16:creationId xmlns:a16="http://schemas.microsoft.com/office/drawing/2014/main" id="{50504AE7-3D0D-4654-B930-3BCBA7466941}"/>
               </a:ext>
             </a:extLst>
           </p:cNvPr>
           <p:cNvSpPr>
-            <a:spLocks noGrp="1" noRot="1" noChangeAspect="1" noMove="1" noResize="1" noEditPoints="1" noAdjustHandles="1" noChangeArrowheads="1" noChangeShapeType="1" noTextEdit="1"/>
+            <a:spLocks noGrp="1"/>
           </p:cNvSpPr>
           <p:nvPr>
-            <p:extLst>
-              <p:ext uri="{386F3935-93C4-4BCD-93E2-E3B085C9AB24}">
-                <p16:designElem xmlns:p16="http://schemas.microsoft.com/office/powerpoint/2015/main" val="1"/>
-              </p:ext>
-            </p:extLst>
+            <p:ph type="title"/>
           </p:nvPr>
-        </p:nvSpPr>
-        <p:spPr bwMode="ltGray">
-          <a:xfrm>
-            <a:off x="378068" y="4633546"/>
-            <a:ext cx="11438793" cy="1844256"/>
-          </a:xfrm>
-          <a:prstGeom prst="rect">
-            <a:avLst/>
-          </a:prstGeom>
-          <a:solidFill>
-            <a:srgbClr val="404040"/>
-          </a:solidFill>
-          <a:ln w="127000" cap="sq" cmpd="thinThick">
-            <a:solidFill>
-              <a:srgbClr val="404040"/>
-            </a:solidFill>
-          </a:ln>
-        </p:spPr>
-        <p:style>
-          <a:lnRef idx="2">
-            <a:schemeClr val="accent1">
-              <a:shade val="50000"/>
-            </a:schemeClr>
-          </a:lnRef>
-          <a:fillRef idx="1">
-            <a:schemeClr val="accent1"/>
-          </a:fillRef>
-          <a:effectRef idx="0">
-            <a:schemeClr val="accent1"/>
-          </a:effectRef>
-          <a:fontRef idx="minor">
-            <a:schemeClr val="lt1"/>
-          </a:fontRef>
-        </p:style>
-        <p:txBody>
-          <a:bodyPr rtlCol="0" anchor="ctr"/>
-          <a:lstStyle/>
-          <a:p>
-            <a:pPr marL="0" marR="0" lvl="0" indent="0" algn="ctr" defTabSz="914400" rtl="0" eaLnBrk="1" fontAlgn="auto" latinLnBrk="0" hangingPunct="1">
-              <a:lnSpc>
-                <a:spcPct val="100000"/>
-              </a:lnSpc>
-              <a:spcBef>
-                <a:spcPts val="0"/>
-              </a:spcBef>
-              <a:spcAft>
-                <a:spcPts val="0"/>
-              </a:spcAft>
-              <a:buClrTx/>
-              <a:buSzTx/>
-              <a:buFontTx/>
-              <a:buNone/>
-              <a:tabLst/>
-              <a:defRPr/>
-            </a:pPr>
-            <a:endParaRPr kumimoji="0" lang="en-US" sz="1800" b="0" i="0" u="none" strike="noStrike" kern="1200" cap="none" spc="0" normalizeH="0" baseline="0" noProof="0">
-              <a:ln>
-                <a:noFill/>
-              </a:ln>
-              <a:solidFill>
-                <a:prstClr val="white"/>
-              </a:solidFill>
-              <a:effectLst/>
-              <a:uLnTx/>
-              <a:uFillTx/>
-              <a:latin typeface="Calibri" panose="020F0502020204030204"/>
-              <a:ea typeface="+mn-ea"/>
-              <a:cs typeface="+mn-cs"/>
-            </a:endParaRPr>
-          </a:p>
-        </p:txBody>
-      </p:sp>
-      <p:sp>
-        <p:nvSpPr>
-          <p:cNvPr id="7" name="Title 1"/>
-          <p:cNvSpPr txBox="1">
-            <a:spLocks/>
-          </p:cNvSpPr>
-          <p:nvPr/>
         </p:nvSpPr>
         <p:spPr>
           <a:xfrm>
-            <a:off x="526073" y="4756638"/>
-            <a:ext cx="11139854" cy="930447"/>
+            <a:off x="433495" y="3433763"/>
+            <a:ext cx="3197013" cy="2743200"/>
           </a:xfrm>
-          <a:prstGeom prst="rect">
-            <a:avLst/>
-          </a:prstGeom>
         </p:spPr>
         <p:txBody>
-          <a:bodyPr vert="horz" lIns="91440" tIns="45720" rIns="91440" bIns="45720" rtlCol="0" anchor="b">
+          <a:bodyPr anchor="t">
             <a:normAutofit/>
           </a:bodyPr>
-          <a:lstStyle>
-            <a:lvl1pPr algn="l" defTabSz="914400" rtl="0" eaLnBrk="1" latinLnBrk="0" hangingPunct="1">
-              <a:lnSpc>
-                <a:spcPct val="90000"/>
-              </a:lnSpc>
-              <a:spcBef>
-                <a:spcPct val="0"/>
-              </a:spcBef>
-              <a:buNone/>
-              <a:defRPr sz="4400" kern="1200">
-                <a:solidFill>
-                  <a:schemeClr val="tx1"/>
-                </a:solidFill>
-                <a:latin typeface="+mj-lt"/>
-                <a:ea typeface="+mj-ea"/>
-                <a:cs typeface="+mj-cs"/>
-              </a:defRPr>
-            </a:lvl1pPr>
-          </a:lstStyle>
-          <a:p>
-            <a:pPr algn="ctr">
-              <a:spcAft>
-                <a:spcPts val="600"/>
-              </a:spcAft>
-            </a:pPr>
-            <a:r>
-              <a:rPr lang="en-US" sz="5400" kern="1200">
-                <a:solidFill>
-                  <a:srgbClr val="FFFFFF"/>
-                </a:solidFill>
-                <a:latin typeface="+mj-lt"/>
-                <a:ea typeface="+mj-ea"/>
-                <a:cs typeface="+mj-cs"/>
-              </a:rPr>
-              <a:t>Database options in Azure</a:t>
-            </a:r>
+          <a:lstStyle/>
+          <a:p>
+            <a:pPr algn="ctr"/>
+            <a:r>
+              <a:rPr lang="en-US"/>
+              <a:t>Use case</a:t>
+            </a:r>
+            <a:endParaRPr lang="en-IN"/>
           </a:p>
         </p:txBody>
       </p:sp>
       <p:pic>
         <p:nvPicPr>
-          <p:cNvPr id="5" name="Picture 4">
+          <p:cNvPr id="7" name="Graphic 6" descr="Upward trend">
             <a:extLst>
               <a:ext uri="{FF2B5EF4-FFF2-40B4-BE49-F238E27FC236}">
-                <a16:creationId xmlns:a16="http://schemas.microsoft.com/office/drawing/2014/main" id="{7E7B9D47-43B9-401B-B302-53E330CE30B4}"/>
+                <a16:creationId xmlns:a16="http://schemas.microsoft.com/office/drawing/2014/main" id="{F0711A8C-B43F-4783-9022-FEF63B557DEC}"/>
               </a:ext>
             </a:extLst>
           </p:cNvPr>
@@ -9492,20 +10533,11 @@
         <p:blipFill>
           <a:blip r:embed="rId3">
             <a:extLst>
-              <a:ext uri="{BEBA8EAE-BF5A-486C-A8C5-ECC9F3942E4B}">
-                <a14:imgProps xmlns:a14="http://schemas.microsoft.com/office/drawing/2010/main">
-                  <a14:imgLayer r:embed="rId4">
-                    <a14:imgEffect>
-                      <a14:colorTemperature colorTemp="9334"/>
-                    </a14:imgEffect>
-                    <a14:imgEffect>
-                      <a14:saturation sat="264000"/>
-                    </a14:imgEffect>
-                    <a14:imgEffect>
-                      <a14:brightnessContrast bright="11000" contrast="-29000"/>
-                    </a14:imgEffect>
-                  </a14:imgLayer>
-                </a14:imgProps>
+              <a:ext uri="{28A0092B-C50C-407E-A947-70E740481C1C}">
+                <a14:useLocalDpi xmlns:a14="http://schemas.microsoft.com/office/drawing/2010/main" val="0"/>
+              </a:ext>
+              <a:ext uri="{96DAC541-7B7A-43D3-8B79-37D633B846F1}">
+                <asvg:svgBlip xmlns:asvg="http://schemas.microsoft.com/office/drawing/2016/SVG/main" r:embed="rId4"/>
               </a:ext>
             </a:extLst>
           </a:blip>
@@ -9515,89 +10547,133 @@
         </p:blipFill>
         <p:spPr>
           <a:xfrm>
-            <a:off x="842781" y="307731"/>
-            <a:ext cx="10451339" cy="3997637"/>
+            <a:off x="1574801" y="2519363"/>
+            <a:ext cx="914400" cy="914400"/>
           </a:xfrm>
           <a:prstGeom prst="rect">
             <a:avLst/>
           </a:prstGeom>
         </p:spPr>
       </p:pic>
-      <p:cxnSp>
-        <p:nvCxnSpPr>
-          <p:cNvPr id="14" name="Straight Connector 13">
+      <p:sp>
+        <p:nvSpPr>
+          <p:cNvPr id="3" name="Content Placeholder 2">
             <a:extLst>
               <a:ext uri="{FF2B5EF4-FFF2-40B4-BE49-F238E27FC236}">
-                <a16:creationId xmlns:a16="http://schemas.microsoft.com/office/drawing/2014/main" id="{7E7C77BC-7138-40B1-A15B-20F57A494629}"/>
-              </a:ext>
-              <a:ext uri="{C183D7F6-B498-43B3-948B-1728B52AA6E4}">
-                <adec:decorative xmlns:adec="http://schemas.microsoft.com/office/drawing/2017/decorative" val="1"/>
+                <a16:creationId xmlns:a16="http://schemas.microsoft.com/office/drawing/2014/main" id="{79343D11-7352-4A0A-A830-DA238A5133BB}"/>
               </a:ext>
             </a:extLst>
           </p:cNvPr>
-          <p:cNvCxnSpPr>
-            <a:cxnSpLocks noGrp="1" noRot="1" noChangeAspect="1" noMove="1" noResize="1" noEditPoints="1" noAdjustHandles="1" noChangeArrowheads="1" noChangeShapeType="1"/>
-          </p:cNvCxnSpPr>
-          <p:nvPr>
-            <p:extLst>
-              <p:ext uri="{386F3935-93C4-4BCD-93E2-E3B085C9AB24}">
-                <p16:designElem xmlns:p16="http://schemas.microsoft.com/office/powerpoint/2015/main" val="1"/>
-              </p:ext>
-            </p:extLst>
-          </p:nvPr>
-        </p:nvCxnSpPr>
-        <p:spPr>
-          <a:xfrm>
-            <a:off x="2209800" y="5738691"/>
-            <a:ext cx="7772400" cy="0"/>
-          </a:xfrm>
-          <a:prstGeom prst="line">
-            <a:avLst/>
-          </a:prstGeom>
-          <a:ln w="22225">
-            <a:solidFill>
-              <a:srgbClr val="D9D9D9"/>
-            </a:solidFill>
-          </a:ln>
-        </p:spPr>
-        <p:style>
-          <a:lnRef idx="1">
-            <a:schemeClr val="accent1"/>
-          </a:lnRef>
-          <a:fillRef idx="0">
-            <a:schemeClr val="accent1"/>
-          </a:fillRef>
-          <a:effectRef idx="0">
-            <a:schemeClr val="accent1"/>
-          </a:effectRef>
-          <a:fontRef idx="minor">
-            <a:schemeClr val="tx1"/>
-          </a:fontRef>
-        </p:style>
-      </p:cxnSp>
-      <p:sp>
-        <p:nvSpPr>
-          <p:cNvPr id="2" name="Title 1" hidden="1"/>
           <p:cNvSpPr>
             <a:spLocks noGrp="1"/>
           </p:cNvSpPr>
           <p:nvPr>
-            <p:ph type="title"/>
+            <p:ph idx="1"/>
           </p:nvPr>
         </p:nvSpPr>
-        <p:spPr/>
+        <p:spPr>
+          <a:xfrm>
+            <a:off x="4064000" y="643467"/>
+            <a:ext cx="7289799" cy="5533496"/>
+          </a:xfrm>
+        </p:spPr>
         <p:txBody>
-          <a:bodyPr/>
+          <a:bodyPr anchor="ctr">
+            <a:normAutofit lnSpcReduction="10000"/>
+          </a:bodyPr>
           <a:lstStyle/>
           <a:p>
-            <a:endParaRPr lang="en-US" dirty="0"/>
+            <a:r>
+              <a:rPr lang="en-US" sz="2200" dirty="0"/>
+              <a:t>An insurance firm. </a:t>
+            </a:r>
+          </a:p>
+          <a:p>
+            <a:r>
+              <a:rPr lang="en-US" sz="2200" dirty="0"/>
+              <a:t>Grown over the years through acquisition of many small insurance companies - hence, it doesn’t have a single, consolidated view of their customer base.</a:t>
+            </a:r>
+          </a:p>
+          <a:p>
+            <a:r>
+              <a:rPr lang="en-US" sz="2200" dirty="0"/>
+              <a:t>Also details are fragmented among many subsystems, product lines -  </a:t>
+            </a:r>
+          </a:p>
+          <a:p>
+            <a:pPr lvl="1"/>
+            <a:r>
+              <a:rPr lang="en-US" sz="2200" dirty="0"/>
+              <a:t>Health insurance, </a:t>
+            </a:r>
+          </a:p>
+          <a:p>
+            <a:pPr lvl="1"/>
+            <a:r>
+              <a:rPr lang="en-US" sz="2200" dirty="0"/>
+              <a:t>Vehicle insurance, </a:t>
+            </a:r>
+          </a:p>
+          <a:p>
+            <a:pPr lvl="1"/>
+            <a:r>
+              <a:rPr lang="en-US" sz="2200" dirty="0"/>
+              <a:t>Pet insurance, etc.	</a:t>
+            </a:r>
+          </a:p>
+          <a:p>
+            <a:pPr marL="0" indent="0">
+              <a:buNone/>
+            </a:pPr>
+            <a:endParaRPr lang="en-US" sz="2200" dirty="0"/>
+          </a:p>
+          <a:p>
+            <a:r>
+              <a:rPr lang="en-US" sz="2200" b="1" dirty="0"/>
+              <a:t>So plans to build a data lake.</a:t>
+            </a:r>
+          </a:p>
+          <a:p>
+            <a:r>
+              <a:rPr lang="en-US" sz="2200" b="1" dirty="0"/>
+              <a:t>Data scientists or BI analysts to generate insights.</a:t>
+            </a:r>
+          </a:p>
+          <a:p>
+            <a:endParaRPr lang="en-US" sz="2400" dirty="0"/>
+          </a:p>
+          <a:p>
+            <a:pPr marL="0" indent="0" algn="r">
+              <a:buNone/>
+            </a:pPr>
+            <a:br>
+              <a:rPr lang="en-US" sz="2000" dirty="0"/>
+            </a:br>
+            <a:br>
+              <a:rPr lang="en-US" sz="2000" dirty="0"/>
+            </a:br>
+            <a:r>
+              <a:rPr lang="en-US" sz="1600" dirty="0"/>
+              <a:t>From: </a:t>
+            </a:r>
+            <a:r>
+              <a:rPr lang="en-US" sz="1600" dirty="0">
+                <a:hlinkClick r:id="rId5"/>
+              </a:rPr>
+              <a:t>https://www.thoughtworks.com/insights/blog/curse-data-lake-monster</a:t>
+            </a:r>
+            <a:r>
+              <a:rPr lang="en-US" sz="1600" dirty="0"/>
+              <a:t> </a:t>
+            </a:r>
+            <a:endParaRPr lang="en-IN" sz="2000" dirty="0"/>
           </a:p>
         </p:txBody>
       </p:sp>
     </p:spTree>
     <p:extLst>
       <p:ext uri="{BB962C8B-B14F-4D97-AF65-F5344CB8AC3E}">
-        <p14:creationId xmlns:p14="http://schemas.microsoft.com/office/powerpoint/2010/main" val="2163416231"/>
+        <p14:creationId xmlns:p14="http://schemas.microsoft.com/office/powerpoint/2010/main" val="57619213"/>
       </p:ext>
     </p:extLst>
   </p:cSld>
@@ -9607,300 +10683,7 @@
 </p:sld>
 </file>
 
-<file path=ppt/slides/slide5.xml><?xml version="1.0" encoding="utf-8"?>
-<p:sld xmlns:a="http://schemas.openxmlformats.org/drawingml/2006/main" xmlns:r="http://schemas.openxmlformats.org/officeDocument/2006/relationships" xmlns:p="http://schemas.openxmlformats.org/presentationml/2006/main">
-  <p:cSld>
-    <p:bg>
-      <p:bgPr>
-        <a:solidFill>
-          <a:schemeClr val="bg1"/>
-        </a:solidFill>
-        <a:effectLst/>
-      </p:bgPr>
-    </p:bg>
-    <p:spTree>
-      <p:nvGrpSpPr>
-        <p:cNvPr id="1" name=""/>
-        <p:cNvGrpSpPr/>
-        <p:nvPr/>
-      </p:nvGrpSpPr>
-      <p:grpSpPr>
-        <a:xfrm>
-          <a:off x="0" y="0"/>
-          <a:ext cx="0" cy="0"/>
-          <a:chOff x="0" y="0"/>
-          <a:chExt cx="0" cy="0"/>
-        </a:xfrm>
-      </p:grpSpPr>
-      <p:sp>
-        <p:nvSpPr>
-          <p:cNvPr id="13" name="Rectangle 12">
-            <a:extLst>
-              <a:ext uri="{FF2B5EF4-FFF2-40B4-BE49-F238E27FC236}">
-                <a16:creationId xmlns:a16="http://schemas.microsoft.com/office/drawing/2014/main" id="{823AC064-BC96-4F32-8AE1-B2FD38754823}"/>
-              </a:ext>
-              <a:ext uri="{C183D7F6-B498-43B3-948B-1728B52AA6E4}">
-                <adec:decorative xmlns:adec="http://schemas.microsoft.com/office/drawing/2017/decorative" val="1"/>
-              </a:ext>
-            </a:extLst>
-          </p:cNvPr>
-          <p:cNvSpPr>
-            <a:spLocks noGrp="1" noRot="1" noChangeAspect="1" noMove="1" noResize="1" noEditPoints="1" noAdjustHandles="1" noChangeArrowheads="1" noChangeShapeType="1" noTextEdit="1"/>
-          </p:cNvSpPr>
-          <p:nvPr>
-            <p:extLst>
-              <p:ext uri="{386F3935-93C4-4BCD-93E2-E3B085C9AB24}">
-                <p16:designElem xmlns:p16="http://schemas.microsoft.com/office/powerpoint/2015/main" val="1"/>
-              </p:ext>
-            </p:extLst>
-          </p:nvPr>
-        </p:nvSpPr>
-        <p:spPr bwMode="ltGray">
-          <a:xfrm>
-            <a:off x="378068" y="4633546"/>
-            <a:ext cx="11438793" cy="1844256"/>
-          </a:xfrm>
-          <a:prstGeom prst="rect">
-            <a:avLst/>
-          </a:prstGeom>
-          <a:solidFill>
-            <a:srgbClr val="404040"/>
-          </a:solidFill>
-          <a:ln w="127000" cap="sq" cmpd="thinThick">
-            <a:solidFill>
-              <a:srgbClr val="404040"/>
-            </a:solidFill>
-          </a:ln>
-        </p:spPr>
-        <p:style>
-          <a:lnRef idx="2">
-            <a:schemeClr val="accent1">
-              <a:shade val="50000"/>
-            </a:schemeClr>
-          </a:lnRef>
-          <a:fillRef idx="1">
-            <a:schemeClr val="accent1"/>
-          </a:fillRef>
-          <a:effectRef idx="0">
-            <a:schemeClr val="accent1"/>
-          </a:effectRef>
-          <a:fontRef idx="minor">
-            <a:schemeClr val="lt1"/>
-          </a:fontRef>
-        </p:style>
-        <p:txBody>
-          <a:bodyPr rtlCol="0" anchor="ctr"/>
-          <a:lstStyle/>
-          <a:p>
-            <a:pPr marL="0" marR="0" lvl="0" indent="0" algn="ctr" defTabSz="914400" rtl="0" eaLnBrk="1" fontAlgn="auto" latinLnBrk="0" hangingPunct="1">
-              <a:lnSpc>
-                <a:spcPct val="100000"/>
-              </a:lnSpc>
-              <a:spcBef>
-                <a:spcPts val="0"/>
-              </a:spcBef>
-              <a:spcAft>
-                <a:spcPts val="0"/>
-              </a:spcAft>
-              <a:buClrTx/>
-              <a:buSzTx/>
-              <a:buFontTx/>
-              <a:buNone/>
-              <a:tabLst/>
-              <a:defRPr/>
-            </a:pPr>
-            <a:endParaRPr kumimoji="0" lang="en-US" sz="1800" b="0" i="0" u="none" strike="noStrike" kern="1200" cap="none" spc="0" normalizeH="0" baseline="0" noProof="0">
-              <a:ln>
-                <a:noFill/>
-              </a:ln>
-              <a:solidFill>
-                <a:prstClr val="white"/>
-              </a:solidFill>
-              <a:effectLst/>
-              <a:uLnTx/>
-              <a:uFillTx/>
-              <a:latin typeface="Calibri" panose="020F0502020204030204"/>
-              <a:ea typeface="+mn-ea"/>
-              <a:cs typeface="+mn-cs"/>
-            </a:endParaRPr>
-          </a:p>
-        </p:txBody>
-      </p:sp>
-      <p:sp>
-        <p:nvSpPr>
-          <p:cNvPr id="7" name="Title 1"/>
-          <p:cNvSpPr txBox="1">
-            <a:spLocks/>
-          </p:cNvSpPr>
-          <p:nvPr/>
-        </p:nvSpPr>
-        <p:spPr>
-          <a:xfrm>
-            <a:off x="526073" y="4756638"/>
-            <a:ext cx="11139854" cy="930447"/>
-          </a:xfrm>
-          <a:prstGeom prst="rect">
-            <a:avLst/>
-          </a:prstGeom>
-        </p:spPr>
-        <p:txBody>
-          <a:bodyPr vert="horz" lIns="91440" tIns="45720" rIns="91440" bIns="45720" rtlCol="0" anchor="b">
-            <a:normAutofit/>
-          </a:bodyPr>
-          <a:lstStyle>
-            <a:lvl1pPr algn="l" defTabSz="914400" rtl="0" eaLnBrk="1" latinLnBrk="0" hangingPunct="1">
-              <a:lnSpc>
-                <a:spcPct val="90000"/>
-              </a:lnSpc>
-              <a:spcBef>
-                <a:spcPct val="0"/>
-              </a:spcBef>
-              <a:buNone/>
-              <a:defRPr sz="4400" kern="1200">
-                <a:solidFill>
-                  <a:schemeClr val="tx1"/>
-                </a:solidFill>
-                <a:latin typeface="+mj-lt"/>
-                <a:ea typeface="+mj-ea"/>
-                <a:cs typeface="+mj-cs"/>
-              </a:defRPr>
-            </a:lvl1pPr>
-          </a:lstStyle>
-          <a:p>
-            <a:pPr algn="ctr">
-              <a:spcAft>
-                <a:spcPts val="600"/>
-              </a:spcAft>
-            </a:pPr>
-            <a:r>
-              <a:rPr lang="en-US" sz="5400" kern="1200" dirty="0">
-                <a:solidFill>
-                  <a:srgbClr val="FFFFFF"/>
-                </a:solidFill>
-                <a:latin typeface="+mj-lt"/>
-                <a:ea typeface="+mj-ea"/>
-                <a:cs typeface="+mj-cs"/>
-              </a:rPr>
-              <a:t>OLAP, OLTP</a:t>
-            </a:r>
-          </a:p>
-        </p:txBody>
-      </p:sp>
-      <p:pic>
-        <p:nvPicPr>
-          <p:cNvPr id="8" name="Picture 7">
-            <a:extLst>
-              <a:ext uri="{FF2B5EF4-FFF2-40B4-BE49-F238E27FC236}">
-                <a16:creationId xmlns:a16="http://schemas.microsoft.com/office/drawing/2014/main" id="{724D2382-4398-4CAB-9665-3A3871483AA7}"/>
-              </a:ext>
-            </a:extLst>
-          </p:cNvPr>
-          <p:cNvPicPr>
-            <a:picLocks noChangeAspect="1"/>
-          </p:cNvPicPr>
-          <p:nvPr/>
-        </p:nvPicPr>
-        <p:blipFill>
-          <a:blip r:embed="rId3"/>
-          <a:stretch>
-            <a:fillRect/>
-          </a:stretch>
-        </p:blipFill>
-        <p:spPr>
-          <a:xfrm>
-            <a:off x="1860411" y="307731"/>
-            <a:ext cx="8416079" cy="3997637"/>
-          </a:xfrm>
-          <a:prstGeom prst="rect">
-            <a:avLst/>
-          </a:prstGeom>
-        </p:spPr>
-      </p:pic>
-      <p:cxnSp>
-        <p:nvCxnSpPr>
-          <p:cNvPr id="15" name="Straight Connector 14">
-            <a:extLst>
-              <a:ext uri="{FF2B5EF4-FFF2-40B4-BE49-F238E27FC236}">
-                <a16:creationId xmlns:a16="http://schemas.microsoft.com/office/drawing/2014/main" id="{7E7C77BC-7138-40B1-A15B-20F57A494629}"/>
-              </a:ext>
-              <a:ext uri="{C183D7F6-B498-43B3-948B-1728B52AA6E4}">
-                <adec:decorative xmlns:adec="http://schemas.microsoft.com/office/drawing/2017/decorative" val="1"/>
-              </a:ext>
-            </a:extLst>
-          </p:cNvPr>
-          <p:cNvCxnSpPr>
-            <a:cxnSpLocks noGrp="1" noRot="1" noChangeAspect="1" noMove="1" noResize="1" noEditPoints="1" noAdjustHandles="1" noChangeArrowheads="1" noChangeShapeType="1"/>
-          </p:cNvCxnSpPr>
-          <p:nvPr>
-            <p:extLst>
-              <p:ext uri="{386F3935-93C4-4BCD-93E2-E3B085C9AB24}">
-                <p16:designElem xmlns:p16="http://schemas.microsoft.com/office/powerpoint/2015/main" val="1"/>
-              </p:ext>
-            </p:extLst>
-          </p:nvPr>
-        </p:nvCxnSpPr>
-        <p:spPr>
-          <a:xfrm>
-            <a:off x="2209800" y="5738691"/>
-            <a:ext cx="7772400" cy="0"/>
-          </a:xfrm>
-          <a:prstGeom prst="line">
-            <a:avLst/>
-          </a:prstGeom>
-          <a:ln w="22225">
-            <a:solidFill>
-              <a:srgbClr val="D9D9D9"/>
-            </a:solidFill>
-          </a:ln>
-        </p:spPr>
-        <p:style>
-          <a:lnRef idx="1">
-            <a:schemeClr val="accent1"/>
-          </a:lnRef>
-          <a:fillRef idx="0">
-            <a:schemeClr val="accent1"/>
-          </a:fillRef>
-          <a:effectRef idx="0">
-            <a:schemeClr val="accent1"/>
-          </a:effectRef>
-          <a:fontRef idx="minor">
-            <a:schemeClr val="tx1"/>
-          </a:fontRef>
-        </p:style>
-      </p:cxnSp>
-      <p:sp>
-        <p:nvSpPr>
-          <p:cNvPr id="2" name="Title 1" hidden="1"/>
-          <p:cNvSpPr>
-            <a:spLocks noGrp="1"/>
-          </p:cNvSpPr>
-          <p:nvPr>
-            <p:ph type="title"/>
-          </p:nvPr>
-        </p:nvSpPr>
-        <p:spPr/>
-        <p:txBody>
-          <a:bodyPr/>
-          <a:lstStyle/>
-          <a:p>
-            <a:endParaRPr lang="en-US" dirty="0"/>
-          </a:p>
-        </p:txBody>
-      </p:sp>
-    </p:spTree>
-    <p:extLst>
-      <p:ext uri="{BB962C8B-B14F-4D97-AF65-F5344CB8AC3E}">
-        <p14:creationId xmlns:p14="http://schemas.microsoft.com/office/powerpoint/2010/main" val="3228373058"/>
-      </p:ext>
-    </p:extLst>
-  </p:cSld>
-  <p:clrMapOvr>
-    <a:masterClrMapping/>
-  </p:clrMapOvr>
-</p:sld>
-</file>
-
-<file path=ppt/slides/slide6.xml><?xml version="1.0" encoding="utf-8"?>
+<file path=ppt/slides/slide9.xml><?xml version="1.0" encoding="utf-8"?>
 <p:sld xmlns:a="http://schemas.openxmlformats.org/drawingml/2006/main" xmlns:r="http://schemas.openxmlformats.org/officeDocument/2006/relationships" xmlns:p="http://schemas.openxmlformats.org/presentationml/2006/main">
   <p:cSld>
     <p:bg>
@@ -9996,7 +10779,7 @@
           <p:cNvPr id="2" name="Title 1">
             <a:extLst>
               <a:ext uri="{FF2B5EF4-FFF2-40B4-BE49-F238E27FC236}">
-                <a16:creationId xmlns:a16="http://schemas.microsoft.com/office/drawing/2014/main" id="{FB79745D-258C-40B9-87BB-E62B7BED6093}"/>
+                <a16:creationId xmlns:a16="http://schemas.microsoft.com/office/drawing/2014/main" id="{B58EAD85-94C4-4149-AF70-0C4AE5E41ABD}"/>
               </a:ext>
             </a:extLst>
           </p:cNvPr>
@@ -10019,33 +10802,91 @@
           </a:bodyPr>
           <a:lstStyle/>
           <a:p>
-            <a:r>
-              <a:rPr lang="en-US" sz="6000" kern="1200" dirty="0">
-                <a:ln w="0"/>
+            <a:pPr marL="342900" lvl="0" indent="-342900"/>
+            <a:r>
+              <a:rPr lang="en-US" sz="3800" kern="1200">
                 <a:solidFill>
                   <a:schemeClr val="bg1"/>
                 </a:solidFill>
-                <a:effectLst>
-                  <a:outerShdw blurRad="38100" dist="19050" dir="2700000" algn="tl" rotWithShape="0">
-                    <a:schemeClr val="dk1">
-                      <a:alpha val="40000"/>
-                    </a:schemeClr>
-                  </a:outerShdw>
-                </a:effectLst>
                 <a:latin typeface="+mj-lt"/>
                 <a:ea typeface="+mj-ea"/>
                 <a:cs typeface="+mj-cs"/>
               </a:rPr>
-              <a:t>Building a Data Lake</a:t>
-            </a:r>
-            <a:endParaRPr lang="en-US" sz="6000" kern="1200" dirty="0">
-              <a:solidFill>
-                <a:schemeClr val="bg1"/>
-              </a:solidFill>
-              <a:latin typeface="+mj-lt"/>
-              <a:ea typeface="+mj-ea"/>
-              <a:cs typeface="+mj-cs"/>
-            </a:endParaRPr>
+              <a:t>Simple analogy,</a:t>
+            </a:r>
+            <a:br>
+              <a:rPr lang="en-US" sz="3800" kern="1200">
+                <a:solidFill>
+                  <a:schemeClr val="bg1"/>
+                </a:solidFill>
+                <a:latin typeface="+mj-lt"/>
+                <a:ea typeface="+mj-ea"/>
+                <a:cs typeface="+mj-cs"/>
+              </a:rPr>
+            </a:br>
+            <a:br>
+              <a:rPr lang="en-US" sz="3800" kern="1200">
+                <a:solidFill>
+                  <a:schemeClr val="bg1"/>
+                </a:solidFill>
+                <a:latin typeface="+mj-lt"/>
+                <a:ea typeface="+mj-ea"/>
+                <a:cs typeface="+mj-cs"/>
+              </a:rPr>
+            </a:br>
+            <a:r>
+              <a:rPr lang="en-US" sz="3800" kern="1200">
+                <a:solidFill>
+                  <a:schemeClr val="bg1"/>
+                </a:solidFill>
+                <a:latin typeface="+mj-lt"/>
+                <a:ea typeface="+mj-ea"/>
+                <a:cs typeface="+mj-cs"/>
+              </a:rPr>
+              <a:t>Build a car?</a:t>
+            </a:r>
+            <a:br>
+              <a:rPr lang="en-US" sz="3800" kern="1200">
+                <a:solidFill>
+                  <a:schemeClr val="bg1"/>
+                </a:solidFill>
+                <a:latin typeface="+mj-lt"/>
+                <a:ea typeface="+mj-ea"/>
+                <a:cs typeface="+mj-cs"/>
+              </a:rPr>
+            </a:br>
+            <a:r>
+              <a:rPr lang="en-US" sz="3800" kern="1200">
+                <a:solidFill>
+                  <a:schemeClr val="bg1"/>
+                </a:solidFill>
+                <a:latin typeface="+mj-lt"/>
+                <a:ea typeface="+mj-ea"/>
+                <a:cs typeface="+mj-cs"/>
+              </a:rPr>
+              <a:t>Buy a car?</a:t>
+            </a:r>
+            <a:br>
+              <a:rPr lang="en-US" sz="3800" kern="1200">
+                <a:solidFill>
+                  <a:schemeClr val="bg1"/>
+                </a:solidFill>
+                <a:latin typeface="+mj-lt"/>
+                <a:ea typeface="+mj-ea"/>
+                <a:cs typeface="+mj-cs"/>
+              </a:rPr>
+            </a:br>
+            <a:r>
+              <a:rPr lang="en-US" sz="3800" kern="1200">
+                <a:solidFill>
+                  <a:schemeClr val="bg1"/>
+                </a:solidFill>
+                <a:latin typeface="+mj-lt"/>
+                <a:ea typeface="+mj-ea"/>
+                <a:cs typeface="+mj-cs"/>
+              </a:rPr>
+              <a:t>Rent a car?</a:t>
+            </a:r>
           </a:p>
         </p:txBody>
       </p:sp>
@@ -10383,826 +11224,6 @@
       </p:sp>
       <p:pic>
         <p:nvPicPr>
-          <p:cNvPr id="6" name="Graphic 5" descr="Thought bubble">
-            <a:extLst>
-              <a:ext uri="{FF2B5EF4-FFF2-40B4-BE49-F238E27FC236}">
-                <a16:creationId xmlns:a16="http://schemas.microsoft.com/office/drawing/2014/main" id="{43F18568-3874-468E-991F-67144FF1D570}"/>
-              </a:ext>
-            </a:extLst>
-          </p:cNvPr>
-          <p:cNvPicPr>
-            <a:picLocks noChangeAspect="1"/>
-          </p:cNvPicPr>
-          <p:nvPr/>
-        </p:nvPicPr>
-        <p:blipFill>
-          <a:blip r:embed="rId3">
-            <a:extLst>
-              <a:ext uri="{28A0092B-C50C-407E-A947-70E740481C1C}">
-                <a14:useLocalDpi xmlns:a14="http://schemas.microsoft.com/office/drawing/2010/main" val="0"/>
-              </a:ext>
-              <a:ext uri="{96DAC541-7B7A-43D3-8B79-37D633B846F1}">
-                <asvg:svgBlip xmlns:asvg="http://schemas.microsoft.com/office/drawing/2016/SVG/main" r:embed="rId4"/>
-              </a:ext>
-            </a:extLst>
-          </a:blip>
-          <a:stretch>
-            <a:fillRect/>
-          </a:stretch>
-        </p:blipFill>
-        <p:spPr>
-          <a:xfrm>
-            <a:off x="419382" y="720993"/>
-            <a:ext cx="4047843" cy="4047843"/>
-          </a:xfrm>
-          <a:prstGeom prst="rect">
-            <a:avLst/>
-          </a:prstGeom>
-        </p:spPr>
-      </p:pic>
-    </p:spTree>
-    <p:extLst>
-      <p:ext uri="{BB962C8B-B14F-4D97-AF65-F5344CB8AC3E}">
-        <p14:creationId xmlns:p14="http://schemas.microsoft.com/office/powerpoint/2010/main" val="282758675"/>
-      </p:ext>
-    </p:extLst>
-  </p:cSld>
-  <p:clrMapOvr>
-    <a:masterClrMapping/>
-  </p:clrMapOvr>
-</p:sld>
-</file>
-
-<file path=ppt/slides/slide7.xml><?xml version="1.0" encoding="utf-8"?>
-<p:sld xmlns:a="http://schemas.openxmlformats.org/drawingml/2006/main" xmlns:r="http://schemas.openxmlformats.org/officeDocument/2006/relationships" xmlns:p="http://schemas.openxmlformats.org/presentationml/2006/main">
-  <p:cSld>
-    <p:bg>
-      <p:bgPr>
-        <a:solidFill>
-          <a:schemeClr val="bg1"/>
-        </a:solidFill>
-        <a:effectLst/>
-      </p:bgPr>
-    </p:bg>
-    <p:spTree>
-      <p:nvGrpSpPr>
-        <p:cNvPr id="1" name=""/>
-        <p:cNvGrpSpPr/>
-        <p:nvPr/>
-      </p:nvGrpSpPr>
-      <p:grpSpPr>
-        <a:xfrm>
-          <a:off x="0" y="0"/>
-          <a:ext cx="0" cy="0"/>
-          <a:chOff x="0" y="0"/>
-          <a:chExt cx="0" cy="0"/>
-        </a:xfrm>
-      </p:grpSpPr>
-      <p:sp>
-        <p:nvSpPr>
-          <p:cNvPr id="2" name="Title 1">
-            <a:extLst>
-              <a:ext uri="{FF2B5EF4-FFF2-40B4-BE49-F238E27FC236}">
-                <a16:creationId xmlns:a16="http://schemas.microsoft.com/office/drawing/2014/main" id="{50504AE7-3D0D-4654-B930-3BCBA7466941}"/>
-              </a:ext>
-            </a:extLst>
-          </p:cNvPr>
-          <p:cNvSpPr>
-            <a:spLocks noGrp="1"/>
-          </p:cNvSpPr>
-          <p:nvPr>
-            <p:ph type="title"/>
-          </p:nvPr>
-        </p:nvSpPr>
-        <p:spPr>
-          <a:xfrm>
-            <a:off x="433495" y="3433763"/>
-            <a:ext cx="3197013" cy="2743200"/>
-          </a:xfrm>
-        </p:spPr>
-        <p:txBody>
-          <a:bodyPr anchor="t">
-            <a:normAutofit/>
-          </a:bodyPr>
-          <a:lstStyle/>
-          <a:p>
-            <a:pPr algn="ctr"/>
-            <a:r>
-              <a:rPr lang="en-US"/>
-              <a:t>Use case</a:t>
-            </a:r>
-            <a:endParaRPr lang="en-IN"/>
-          </a:p>
-        </p:txBody>
-      </p:sp>
-      <p:pic>
-        <p:nvPicPr>
-          <p:cNvPr id="7" name="Graphic 6" descr="Upward trend">
-            <a:extLst>
-              <a:ext uri="{FF2B5EF4-FFF2-40B4-BE49-F238E27FC236}">
-                <a16:creationId xmlns:a16="http://schemas.microsoft.com/office/drawing/2014/main" id="{F0711A8C-B43F-4783-9022-FEF63B557DEC}"/>
-              </a:ext>
-            </a:extLst>
-          </p:cNvPr>
-          <p:cNvPicPr>
-            <a:picLocks noChangeAspect="1"/>
-          </p:cNvPicPr>
-          <p:nvPr/>
-        </p:nvPicPr>
-        <p:blipFill>
-          <a:blip r:embed="rId3">
-            <a:extLst>
-              <a:ext uri="{28A0092B-C50C-407E-A947-70E740481C1C}">
-                <a14:useLocalDpi xmlns:a14="http://schemas.microsoft.com/office/drawing/2010/main" val="0"/>
-              </a:ext>
-              <a:ext uri="{96DAC541-7B7A-43D3-8B79-37D633B846F1}">
-                <asvg:svgBlip xmlns:asvg="http://schemas.microsoft.com/office/drawing/2016/SVG/main" r:embed="rId4"/>
-              </a:ext>
-            </a:extLst>
-          </a:blip>
-          <a:stretch>
-            <a:fillRect/>
-          </a:stretch>
-        </p:blipFill>
-        <p:spPr>
-          <a:xfrm>
-            <a:off x="1574801" y="2519363"/>
-            <a:ext cx="914400" cy="914400"/>
-          </a:xfrm>
-          <a:prstGeom prst="rect">
-            <a:avLst/>
-          </a:prstGeom>
-        </p:spPr>
-      </p:pic>
-      <p:sp>
-        <p:nvSpPr>
-          <p:cNvPr id="3" name="Content Placeholder 2">
-            <a:extLst>
-              <a:ext uri="{FF2B5EF4-FFF2-40B4-BE49-F238E27FC236}">
-                <a16:creationId xmlns:a16="http://schemas.microsoft.com/office/drawing/2014/main" id="{79343D11-7352-4A0A-A830-DA238A5133BB}"/>
-              </a:ext>
-            </a:extLst>
-          </p:cNvPr>
-          <p:cNvSpPr>
-            <a:spLocks noGrp="1"/>
-          </p:cNvSpPr>
-          <p:nvPr>
-            <p:ph idx="1"/>
-          </p:nvPr>
-        </p:nvSpPr>
-        <p:spPr>
-          <a:xfrm>
-            <a:off x="4064000" y="643467"/>
-            <a:ext cx="7289799" cy="5533496"/>
-          </a:xfrm>
-        </p:spPr>
-        <p:txBody>
-          <a:bodyPr anchor="ctr">
-            <a:normAutofit lnSpcReduction="10000"/>
-          </a:bodyPr>
-          <a:lstStyle/>
-          <a:p>
-            <a:r>
-              <a:rPr lang="en-US" sz="2200" dirty="0"/>
-              <a:t>An insurance firm. </a:t>
-            </a:r>
-          </a:p>
-          <a:p>
-            <a:r>
-              <a:rPr lang="en-US" sz="2200" dirty="0"/>
-              <a:t>Grown over the years through acquisition of many small insurance companies - hence, it doesn’t have a single, consolidated view of their customer base.</a:t>
-            </a:r>
-          </a:p>
-          <a:p>
-            <a:r>
-              <a:rPr lang="en-US" sz="2200" dirty="0"/>
-              <a:t>Also details are fragmented among many subsystems, product lines -  </a:t>
-            </a:r>
-          </a:p>
-          <a:p>
-            <a:pPr lvl="1"/>
-            <a:r>
-              <a:rPr lang="en-US" sz="2200" dirty="0"/>
-              <a:t>Health insurance, </a:t>
-            </a:r>
-          </a:p>
-          <a:p>
-            <a:pPr lvl="1"/>
-            <a:r>
-              <a:rPr lang="en-US" sz="2200" dirty="0"/>
-              <a:t>Vehicle insurance, </a:t>
-            </a:r>
-          </a:p>
-          <a:p>
-            <a:pPr lvl="1"/>
-            <a:r>
-              <a:rPr lang="en-US" sz="2200" dirty="0"/>
-              <a:t>Pet insurance, etc.	</a:t>
-            </a:r>
-          </a:p>
-          <a:p>
-            <a:pPr marL="0" indent="0">
-              <a:buNone/>
-            </a:pPr>
-            <a:endParaRPr lang="en-US" sz="2200" dirty="0"/>
-          </a:p>
-          <a:p>
-            <a:r>
-              <a:rPr lang="en-US" sz="2200" b="1" dirty="0"/>
-              <a:t>So plans to build a data lake.</a:t>
-            </a:r>
-          </a:p>
-          <a:p>
-            <a:r>
-              <a:rPr lang="en-US" sz="2200" b="1" dirty="0"/>
-              <a:t>Data scientists or BI analysts to generate insights.</a:t>
-            </a:r>
-          </a:p>
-          <a:p>
-            <a:endParaRPr lang="en-US" sz="2400" dirty="0"/>
-          </a:p>
-          <a:p>
-            <a:pPr marL="0" indent="0" algn="r">
-              <a:buNone/>
-            </a:pPr>
-            <a:br>
-              <a:rPr lang="en-US" sz="2000" dirty="0"/>
-            </a:br>
-            <a:br>
-              <a:rPr lang="en-US" sz="2000" dirty="0"/>
-            </a:br>
-            <a:r>
-              <a:rPr lang="en-US" sz="1600" dirty="0"/>
-              <a:t>From: </a:t>
-            </a:r>
-            <a:r>
-              <a:rPr lang="en-US" sz="1600" dirty="0">
-                <a:hlinkClick r:id="rId5"/>
-              </a:rPr>
-              <a:t>https://www.thoughtworks.com/insights/blog/curse-data-lake-monster</a:t>
-            </a:r>
-            <a:r>
-              <a:rPr lang="en-US" sz="1600" dirty="0"/>
-              <a:t> </a:t>
-            </a:r>
-            <a:endParaRPr lang="en-IN" sz="2000" dirty="0"/>
-          </a:p>
-        </p:txBody>
-      </p:sp>
-    </p:spTree>
-    <p:extLst>
-      <p:ext uri="{BB962C8B-B14F-4D97-AF65-F5344CB8AC3E}">
-        <p14:creationId xmlns:p14="http://schemas.microsoft.com/office/powerpoint/2010/main" val="57619213"/>
-      </p:ext>
-    </p:extLst>
-  </p:cSld>
-  <p:clrMapOvr>
-    <a:masterClrMapping/>
-  </p:clrMapOvr>
-</p:sld>
-</file>
-
-<file path=ppt/slides/slide8.xml><?xml version="1.0" encoding="utf-8"?>
-<p:sld xmlns:a="http://schemas.openxmlformats.org/drawingml/2006/main" xmlns:r="http://schemas.openxmlformats.org/officeDocument/2006/relationships" xmlns:p="http://schemas.openxmlformats.org/presentationml/2006/main">
-  <p:cSld>
-    <p:bg>
-      <p:bgPr>
-        <a:solidFill>
-          <a:schemeClr val="bg1"/>
-        </a:solidFill>
-        <a:effectLst/>
-      </p:bgPr>
-    </p:bg>
-    <p:spTree>
-      <p:nvGrpSpPr>
-        <p:cNvPr id="1" name=""/>
-        <p:cNvGrpSpPr/>
-        <p:nvPr/>
-      </p:nvGrpSpPr>
-      <p:grpSpPr>
-        <a:xfrm>
-          <a:off x="0" y="0"/>
-          <a:ext cx="0" cy="0"/>
-          <a:chOff x="0" y="0"/>
-          <a:chExt cx="0" cy="0"/>
-        </a:xfrm>
-      </p:grpSpPr>
-      <p:sp>
-        <p:nvSpPr>
-          <p:cNvPr id="11" name="Rectangle 10">
-            <a:extLst>
-              <a:ext uri="{FF2B5EF4-FFF2-40B4-BE49-F238E27FC236}">
-                <a16:creationId xmlns:a16="http://schemas.microsoft.com/office/drawing/2014/main" id="{C0B27210-D0CA-4654-B3E3-9ABB4F178EA1}"/>
-              </a:ext>
-              <a:ext uri="{C183D7F6-B498-43B3-948B-1728B52AA6E4}">
-                <adec:decorative xmlns:adec="http://schemas.microsoft.com/office/drawing/2017/decorative" val="1"/>
-              </a:ext>
-            </a:extLst>
-          </p:cNvPr>
-          <p:cNvSpPr>
-            <a:spLocks noGrp="1" noRot="1" noChangeAspect="1" noMove="1" noResize="1" noEditPoints="1" noAdjustHandles="1" noChangeArrowheads="1" noChangeShapeType="1" noTextEdit="1"/>
-          </p:cNvSpPr>
-          <p:nvPr>
-            <p:extLst>
-              <p:ext uri="{386F3935-93C4-4BCD-93E2-E3B085C9AB24}">
-                <p16:designElem xmlns:p16="http://schemas.microsoft.com/office/powerpoint/2015/main" val="1"/>
-              </p:ext>
-            </p:extLst>
-          </p:nvPr>
-        </p:nvSpPr>
-        <p:spPr>
-          <a:xfrm>
-            <a:off x="0" y="0"/>
-            <a:ext cx="12192000" cy="6858000"/>
-          </a:xfrm>
-          <a:prstGeom prst="rect">
-            <a:avLst/>
-          </a:prstGeom>
-          <a:solidFill>
-            <a:schemeClr val="tx1">
-              <a:lumMod val="75000"/>
-              <a:lumOff val="25000"/>
-            </a:schemeClr>
-          </a:solidFill>
-          <a:ln>
-            <a:noFill/>
-          </a:ln>
-        </p:spPr>
-        <p:style>
-          <a:lnRef idx="2">
-            <a:schemeClr val="accent1">
-              <a:shade val="50000"/>
-            </a:schemeClr>
-          </a:lnRef>
-          <a:fillRef idx="1">
-            <a:schemeClr val="accent1"/>
-          </a:fillRef>
-          <a:effectRef idx="0">
-            <a:schemeClr val="accent1"/>
-          </a:effectRef>
-          <a:fontRef idx="minor">
-            <a:schemeClr val="lt1"/>
-          </a:fontRef>
-        </p:style>
-        <p:txBody>
-          <a:bodyPr rtlCol="0" anchor="ctr"/>
-          <a:lstStyle/>
-          <a:p>
-            <a:pPr algn="ctr"/>
-            <a:endParaRPr lang="en-US"/>
-          </a:p>
-        </p:txBody>
-      </p:sp>
-      <p:sp>
-        <p:nvSpPr>
-          <p:cNvPr id="2" name="Title 1">
-            <a:extLst>
-              <a:ext uri="{FF2B5EF4-FFF2-40B4-BE49-F238E27FC236}">
-                <a16:creationId xmlns:a16="http://schemas.microsoft.com/office/drawing/2014/main" id="{B58EAD85-94C4-4149-AF70-0C4AE5E41ABD}"/>
-              </a:ext>
-            </a:extLst>
-          </p:cNvPr>
-          <p:cNvSpPr>
-            <a:spLocks noGrp="1"/>
-          </p:cNvSpPr>
-          <p:nvPr>
-            <p:ph type="title"/>
-          </p:nvPr>
-        </p:nvSpPr>
-        <p:spPr>
-          <a:xfrm>
-            <a:off x="6746628" y="1783959"/>
-            <a:ext cx="4645250" cy="2889114"/>
-          </a:xfrm>
-        </p:spPr>
-        <p:txBody>
-          <a:bodyPr vert="horz" lIns="91440" tIns="45720" rIns="91440" bIns="45720" rtlCol="0" anchor="b">
-            <a:normAutofit/>
-          </a:bodyPr>
-          <a:lstStyle/>
-          <a:p>
-            <a:pPr marL="342900" lvl="0" indent="-342900"/>
-            <a:r>
-              <a:rPr lang="en-US" sz="3800" kern="1200">
-                <a:solidFill>
-                  <a:schemeClr val="bg1"/>
-                </a:solidFill>
-                <a:latin typeface="+mj-lt"/>
-                <a:ea typeface="+mj-ea"/>
-                <a:cs typeface="+mj-cs"/>
-              </a:rPr>
-              <a:t>Simple analogy,</a:t>
-            </a:r>
-            <a:br>
-              <a:rPr lang="en-US" sz="3800" kern="1200">
-                <a:solidFill>
-                  <a:schemeClr val="bg1"/>
-                </a:solidFill>
-                <a:latin typeface="+mj-lt"/>
-                <a:ea typeface="+mj-ea"/>
-                <a:cs typeface="+mj-cs"/>
-              </a:rPr>
-            </a:br>
-            <a:br>
-              <a:rPr lang="en-US" sz="3800" kern="1200">
-                <a:solidFill>
-                  <a:schemeClr val="bg1"/>
-                </a:solidFill>
-                <a:latin typeface="+mj-lt"/>
-                <a:ea typeface="+mj-ea"/>
-                <a:cs typeface="+mj-cs"/>
-              </a:rPr>
-            </a:br>
-            <a:r>
-              <a:rPr lang="en-US" sz="3800" kern="1200">
-                <a:solidFill>
-                  <a:schemeClr val="bg1"/>
-                </a:solidFill>
-                <a:latin typeface="+mj-lt"/>
-                <a:ea typeface="+mj-ea"/>
-                <a:cs typeface="+mj-cs"/>
-              </a:rPr>
-              <a:t>Build a car?</a:t>
-            </a:r>
-            <a:br>
-              <a:rPr lang="en-US" sz="3800" kern="1200">
-                <a:solidFill>
-                  <a:schemeClr val="bg1"/>
-                </a:solidFill>
-                <a:latin typeface="+mj-lt"/>
-                <a:ea typeface="+mj-ea"/>
-                <a:cs typeface="+mj-cs"/>
-              </a:rPr>
-            </a:br>
-            <a:r>
-              <a:rPr lang="en-US" sz="3800" kern="1200">
-                <a:solidFill>
-                  <a:schemeClr val="bg1"/>
-                </a:solidFill>
-                <a:latin typeface="+mj-lt"/>
-                <a:ea typeface="+mj-ea"/>
-                <a:cs typeface="+mj-cs"/>
-              </a:rPr>
-              <a:t>Buy a car?</a:t>
-            </a:r>
-            <a:br>
-              <a:rPr lang="en-US" sz="3800" kern="1200">
-                <a:solidFill>
-                  <a:schemeClr val="bg1"/>
-                </a:solidFill>
-                <a:latin typeface="+mj-lt"/>
-                <a:ea typeface="+mj-ea"/>
-                <a:cs typeface="+mj-cs"/>
-              </a:rPr>
-            </a:br>
-            <a:r>
-              <a:rPr lang="en-US" sz="3800" kern="1200">
-                <a:solidFill>
-                  <a:schemeClr val="bg1"/>
-                </a:solidFill>
-                <a:latin typeface="+mj-lt"/>
-                <a:ea typeface="+mj-ea"/>
-                <a:cs typeface="+mj-cs"/>
-              </a:rPr>
-              <a:t>Rent a car?</a:t>
-            </a:r>
-          </a:p>
-        </p:txBody>
-      </p:sp>
-      <p:sp>
-        <p:nvSpPr>
-          <p:cNvPr id="13" name="Freeform: Shape 12">
-            <a:extLst>
-              <a:ext uri="{FF2B5EF4-FFF2-40B4-BE49-F238E27FC236}">
-                <a16:creationId xmlns:a16="http://schemas.microsoft.com/office/drawing/2014/main" id="{1DB7C82F-AB7E-4F0C-B829-FA1B9C415180}"/>
-              </a:ext>
-              <a:ext uri="{C183D7F6-B498-43B3-948B-1728B52AA6E4}">
-                <adec:decorative xmlns:adec="http://schemas.microsoft.com/office/drawing/2017/decorative" val="1"/>
-              </a:ext>
-            </a:extLst>
-          </p:cNvPr>
-          <p:cNvSpPr>
-            <a:spLocks noGrp="1" noRot="1" noChangeAspect="1" noMove="1" noResize="1" noEditPoints="1" noAdjustHandles="1" noChangeArrowheads="1" noChangeShapeType="1" noTextEdit="1"/>
-          </p:cNvSpPr>
-          <p:nvPr>
-            <p:extLst>
-              <p:ext uri="{386F3935-93C4-4BCD-93E2-E3B085C9AB24}">
-                <p16:designElem xmlns:p16="http://schemas.microsoft.com/office/powerpoint/2015/main" val="1"/>
-              </p:ext>
-            </p:extLst>
-          </p:nvPr>
-        </p:nvSpPr>
-        <p:spPr>
-          <a:xfrm flipH="1">
-            <a:off x="0" y="0"/>
-            <a:ext cx="6172782" cy="6858000"/>
-          </a:xfrm>
-          <a:custGeom>
-            <a:avLst/>
-            <a:gdLst>
-              <a:gd name="connsiteX0" fmla="*/ 6172782 w 6172782"/>
-              <a:gd name="connsiteY0" fmla="*/ 0 h 6858000"/>
-              <a:gd name="connsiteX1" fmla="*/ 69075 w 6172782"/>
-              <a:gd name="connsiteY1" fmla="*/ 0 h 6858000"/>
-              <a:gd name="connsiteX2" fmla="*/ 35131 w 6172782"/>
-              <a:gd name="connsiteY2" fmla="*/ 267128 h 6858000"/>
-              <a:gd name="connsiteX3" fmla="*/ 0 w 6172782"/>
-              <a:gd name="connsiteY3" fmla="*/ 962845 h 6858000"/>
-              <a:gd name="connsiteX4" fmla="*/ 3276103 w 6172782"/>
-              <a:gd name="connsiteY4" fmla="*/ 6782205 h 6858000"/>
-              <a:gd name="connsiteX5" fmla="*/ 3407923 w 6172782"/>
-              <a:gd name="connsiteY5" fmla="*/ 6858000 h 6858000"/>
-              <a:gd name="connsiteX6" fmla="*/ 6172782 w 6172782"/>
-              <a:gd name="connsiteY6" fmla="*/ 6858000 h 6858000"/>
-            </a:gdLst>
-            <a:ahLst/>
-            <a:cxnLst>
-              <a:cxn ang="0">
-                <a:pos x="connsiteX0" y="connsiteY0"/>
-              </a:cxn>
-              <a:cxn ang="0">
-                <a:pos x="connsiteX1" y="connsiteY1"/>
-              </a:cxn>
-              <a:cxn ang="0">
-                <a:pos x="connsiteX2" y="connsiteY2"/>
-              </a:cxn>
-              <a:cxn ang="0">
-                <a:pos x="connsiteX3" y="connsiteY3"/>
-              </a:cxn>
-              <a:cxn ang="0">
-                <a:pos x="connsiteX4" y="connsiteY4"/>
-              </a:cxn>
-              <a:cxn ang="0">
-                <a:pos x="connsiteX5" y="connsiteY5"/>
-              </a:cxn>
-              <a:cxn ang="0">
-                <a:pos x="connsiteX6" y="connsiteY6"/>
-              </a:cxn>
-            </a:cxnLst>
-            <a:rect l="l" t="t" r="r" b="b"/>
-            <a:pathLst>
-              <a:path w="6172782" h="6858000">
-                <a:moveTo>
-                  <a:pt x="6172782" y="0"/>
-                </a:moveTo>
-                <a:lnTo>
-                  <a:pt x="69075" y="0"/>
-                </a:lnTo>
-                <a:lnTo>
-                  <a:pt x="35131" y="267128"/>
-                </a:lnTo>
-                <a:cubicBezTo>
-                  <a:pt x="11901" y="495874"/>
-                  <a:pt x="0" y="727970"/>
-                  <a:pt x="0" y="962845"/>
-                </a:cubicBezTo>
-                <a:cubicBezTo>
-                  <a:pt x="0" y="3429034"/>
-                  <a:pt x="1312002" y="5588789"/>
-                  <a:pt x="3276103" y="6782205"/>
-                </a:cubicBezTo>
-                <a:lnTo>
-                  <a:pt x="3407923" y="6858000"/>
-                </a:lnTo>
-                <a:lnTo>
-                  <a:pt x="6172782" y="6858000"/>
-                </a:lnTo>
-                <a:close/>
-              </a:path>
-            </a:pathLst>
-          </a:custGeom>
-          <a:solidFill>
-            <a:schemeClr val="bg1">
-              <a:alpha val="80000"/>
-            </a:schemeClr>
-          </a:solidFill>
-          <a:ln>
-            <a:noFill/>
-          </a:ln>
-        </p:spPr>
-        <p:style>
-          <a:lnRef idx="2">
-            <a:schemeClr val="accent1">
-              <a:shade val="50000"/>
-            </a:schemeClr>
-          </a:lnRef>
-          <a:fillRef idx="1">
-            <a:schemeClr val="accent1"/>
-          </a:fillRef>
-          <a:effectRef idx="0">
-            <a:schemeClr val="accent1"/>
-          </a:effectRef>
-          <a:fontRef idx="minor">
-            <a:schemeClr val="lt1"/>
-          </a:fontRef>
-        </p:style>
-        <p:txBody>
-          <a:bodyPr wrap="square" rtlCol="0" anchor="ctr">
-            <a:noAutofit/>
-          </a:bodyPr>
-          <a:lstStyle/>
-          <a:p>
-            <a:pPr marL="0" marR="0" lvl="0" indent="0" algn="ctr" defTabSz="914400" rtl="0" eaLnBrk="1" fontAlgn="auto" latinLnBrk="0" hangingPunct="1">
-              <a:lnSpc>
-                <a:spcPct val="100000"/>
-              </a:lnSpc>
-              <a:spcBef>
-                <a:spcPts val="0"/>
-              </a:spcBef>
-              <a:spcAft>
-                <a:spcPts val="0"/>
-              </a:spcAft>
-              <a:buClrTx/>
-              <a:buSzTx/>
-              <a:buFontTx/>
-              <a:buNone/>
-              <a:tabLst/>
-              <a:defRPr/>
-            </a:pPr>
-            <a:endParaRPr kumimoji="0" lang="en-US" sz="1800" b="0" i="0" u="none" strike="noStrike" kern="1200" cap="none" spc="0" normalizeH="0" baseline="0" noProof="0">
-              <a:ln>
-                <a:noFill/>
-              </a:ln>
-              <a:solidFill>
-                <a:prstClr val="white"/>
-              </a:solidFill>
-              <a:effectLst/>
-              <a:uLnTx/>
-              <a:uFillTx/>
-              <a:latin typeface="Calibri" panose="020F0502020204030204"/>
-              <a:ea typeface="+mn-ea"/>
-              <a:cs typeface="+mn-cs"/>
-            </a:endParaRPr>
-          </a:p>
-        </p:txBody>
-      </p:sp>
-      <p:sp>
-        <p:nvSpPr>
-          <p:cNvPr id="15" name="Freeform: Shape 14">
-            <a:extLst>
-              <a:ext uri="{FF2B5EF4-FFF2-40B4-BE49-F238E27FC236}">
-                <a16:creationId xmlns:a16="http://schemas.microsoft.com/office/drawing/2014/main" id="{70B66945-4967-4040-926D-DCA44313CDAB}"/>
-              </a:ext>
-              <a:ext uri="{C183D7F6-B498-43B3-948B-1728B52AA6E4}">
-                <adec:decorative xmlns:adec="http://schemas.microsoft.com/office/drawing/2017/decorative" val="1"/>
-              </a:ext>
-            </a:extLst>
-          </p:cNvPr>
-          <p:cNvSpPr>
-            <a:spLocks noGrp="1" noRot="1" noChangeAspect="1" noMove="1" noResize="1" noEditPoints="1" noAdjustHandles="1" noChangeArrowheads="1" noChangeShapeType="1" noTextEdit="1"/>
-          </p:cNvSpPr>
-          <p:nvPr>
-            <p:extLst>
-              <p:ext uri="{386F3935-93C4-4BCD-93E2-E3B085C9AB24}">
-                <p16:designElem xmlns:p16="http://schemas.microsoft.com/office/powerpoint/2015/main" val="1"/>
-              </p:ext>
-            </p:extLst>
-          </p:nvPr>
-        </p:nvSpPr>
-        <p:spPr>
-          <a:xfrm>
-            <a:off x="0" y="0"/>
-            <a:ext cx="6024154" cy="6858000"/>
-          </a:xfrm>
-          <a:custGeom>
-            <a:avLst/>
-            <a:gdLst>
-              <a:gd name="connsiteX0" fmla="*/ 0 w 6024154"/>
-              <a:gd name="connsiteY0" fmla="*/ 0 h 6858000"/>
-              <a:gd name="connsiteX1" fmla="*/ 5953780 w 6024154"/>
-              <a:gd name="connsiteY1" fmla="*/ 0 h 6858000"/>
-              <a:gd name="connsiteX2" fmla="*/ 5989880 w 6024154"/>
-              <a:gd name="connsiteY2" fmla="*/ 284091 h 6858000"/>
-              <a:gd name="connsiteX3" fmla="*/ 6024154 w 6024154"/>
-              <a:gd name="connsiteY3" fmla="*/ 962844 h 6858000"/>
-              <a:gd name="connsiteX4" fmla="*/ 2549934 w 6024154"/>
-              <a:gd name="connsiteY4" fmla="*/ 6800152 h 6858000"/>
-              <a:gd name="connsiteX5" fmla="*/ 2436987 w 6024154"/>
-              <a:gd name="connsiteY5" fmla="*/ 6858000 h 6858000"/>
-              <a:gd name="connsiteX6" fmla="*/ 0 w 6024154"/>
-              <a:gd name="connsiteY6" fmla="*/ 6858000 h 6858000"/>
-            </a:gdLst>
-            <a:ahLst/>
-            <a:cxnLst>
-              <a:cxn ang="0">
-                <a:pos x="connsiteX0" y="connsiteY0"/>
-              </a:cxn>
-              <a:cxn ang="0">
-                <a:pos x="connsiteX1" y="connsiteY1"/>
-              </a:cxn>
-              <a:cxn ang="0">
-                <a:pos x="connsiteX2" y="connsiteY2"/>
-              </a:cxn>
-              <a:cxn ang="0">
-                <a:pos x="connsiteX3" y="connsiteY3"/>
-              </a:cxn>
-              <a:cxn ang="0">
-                <a:pos x="connsiteX4" y="connsiteY4"/>
-              </a:cxn>
-              <a:cxn ang="0">
-                <a:pos x="connsiteX5" y="connsiteY5"/>
-              </a:cxn>
-              <a:cxn ang="0">
-                <a:pos x="connsiteX6" y="connsiteY6"/>
-              </a:cxn>
-            </a:cxnLst>
-            <a:rect l="l" t="t" r="r" b="b"/>
-            <a:pathLst>
-              <a:path w="6024154" h="6858000">
-                <a:moveTo>
-                  <a:pt x="0" y="0"/>
-                </a:moveTo>
-                <a:lnTo>
-                  <a:pt x="5953780" y="0"/>
-                </a:lnTo>
-                <a:lnTo>
-                  <a:pt x="5989880" y="284091"/>
-                </a:lnTo>
-                <a:cubicBezTo>
-                  <a:pt x="6012544" y="507260"/>
-                  <a:pt x="6024154" y="733696"/>
-                  <a:pt x="6024154" y="962844"/>
-                </a:cubicBezTo>
-                <a:cubicBezTo>
-                  <a:pt x="6024154" y="3483472"/>
-                  <a:pt x="4619336" y="5675986"/>
-                  <a:pt x="2549934" y="6800152"/>
-                </a:cubicBezTo>
-                <a:lnTo>
-                  <a:pt x="2436987" y="6858000"/>
-                </a:lnTo>
-                <a:lnTo>
-                  <a:pt x="0" y="6858000"/>
-                </a:lnTo>
-                <a:close/>
-              </a:path>
-            </a:pathLst>
-          </a:custGeom>
-          <a:solidFill>
-            <a:schemeClr val="bg1"/>
-          </a:solidFill>
-          <a:ln>
-            <a:noFill/>
-          </a:ln>
-        </p:spPr>
-        <p:style>
-          <a:lnRef idx="2">
-            <a:schemeClr val="accent1">
-              <a:shade val="50000"/>
-            </a:schemeClr>
-          </a:lnRef>
-          <a:fillRef idx="1">
-            <a:schemeClr val="accent1"/>
-          </a:fillRef>
-          <a:effectRef idx="0">
-            <a:schemeClr val="accent1"/>
-          </a:effectRef>
-          <a:fontRef idx="minor">
-            <a:schemeClr val="lt1"/>
-          </a:fontRef>
-        </p:style>
-        <p:txBody>
-          <a:bodyPr wrap="square" rtlCol="0" anchor="ctr">
-            <a:noAutofit/>
-          </a:bodyPr>
-          <a:lstStyle/>
-          <a:p>
-            <a:pPr marL="0" marR="0" lvl="0" indent="0" algn="ctr" defTabSz="914400" rtl="0" eaLnBrk="1" fontAlgn="auto" latinLnBrk="0" hangingPunct="1">
-              <a:lnSpc>
-                <a:spcPct val="100000"/>
-              </a:lnSpc>
-              <a:spcBef>
-                <a:spcPts val="0"/>
-              </a:spcBef>
-              <a:spcAft>
-                <a:spcPts val="0"/>
-              </a:spcAft>
-              <a:buClrTx/>
-              <a:buSzTx/>
-              <a:buFontTx/>
-              <a:buNone/>
-              <a:tabLst/>
-              <a:defRPr/>
-            </a:pPr>
-            <a:endParaRPr kumimoji="0" lang="en-US" sz="1800" b="0" i="0" u="none" strike="noStrike" kern="1200" cap="none" spc="0" normalizeH="0" baseline="0" noProof="0">
-              <a:ln>
-                <a:noFill/>
-              </a:ln>
-              <a:solidFill>
-                <a:prstClr val="white"/>
-              </a:solidFill>
-              <a:effectLst/>
-              <a:uLnTx/>
-              <a:uFillTx/>
-              <a:latin typeface="Calibri" panose="020F0502020204030204"/>
-              <a:ea typeface="+mn-ea"/>
-              <a:cs typeface="+mn-cs"/>
-            </a:endParaRPr>
-          </a:p>
-        </p:txBody>
-      </p:sp>
-      <p:pic>
-        <p:nvPicPr>
           <p:cNvPr id="6" name="Graphic 5" descr="Car">
             <a:extLst>
               <a:ext uri="{FF2B5EF4-FFF2-40B4-BE49-F238E27FC236}">
@@ -11244,422 +11265,6 @@
     <p:extLst>
       <p:ext uri="{BB962C8B-B14F-4D97-AF65-F5344CB8AC3E}">
         <p14:creationId xmlns:p14="http://schemas.microsoft.com/office/powerpoint/2010/main" val="2398154059"/>
-      </p:ext>
-    </p:extLst>
-  </p:cSld>
-  <p:clrMapOvr>
-    <a:masterClrMapping/>
-  </p:clrMapOvr>
-</p:sld>
-</file>
-
-<file path=ppt/slides/slide9.xml><?xml version="1.0" encoding="utf-8"?>
-<p:sld xmlns:a="http://schemas.openxmlformats.org/drawingml/2006/main" xmlns:r="http://schemas.openxmlformats.org/officeDocument/2006/relationships" xmlns:p="http://schemas.openxmlformats.org/presentationml/2006/main">
-  <p:cSld>
-    <p:bg>
-      <p:bgPr>
-        <a:solidFill>
-          <a:schemeClr val="bg1"/>
-        </a:solidFill>
-        <a:effectLst/>
-      </p:bgPr>
-    </p:bg>
-    <p:spTree>
-      <p:nvGrpSpPr>
-        <p:cNvPr id="1" name=""/>
-        <p:cNvGrpSpPr/>
-        <p:nvPr/>
-      </p:nvGrpSpPr>
-      <p:grpSpPr>
-        <a:xfrm>
-          <a:off x="0" y="0"/>
-          <a:ext cx="0" cy="0"/>
-          <a:chOff x="0" y="0"/>
-          <a:chExt cx="0" cy="0"/>
-        </a:xfrm>
-      </p:grpSpPr>
-      <p:sp>
-        <p:nvSpPr>
-          <p:cNvPr id="18" name="Rectangle 17">
-            <a:extLst>
-              <a:ext uri="{FF2B5EF4-FFF2-40B4-BE49-F238E27FC236}">
-                <a16:creationId xmlns:a16="http://schemas.microsoft.com/office/drawing/2014/main" id="{99899462-FC16-43B0-966B-FCA263450716}"/>
-              </a:ext>
-              <a:ext uri="{C183D7F6-B498-43B3-948B-1728B52AA6E4}">
-                <adec:decorative xmlns:adec="http://schemas.microsoft.com/office/drawing/2017/decorative" val="1"/>
-              </a:ext>
-            </a:extLst>
-          </p:cNvPr>
-          <p:cNvSpPr>
-            <a:spLocks noGrp="1" noRot="1" noChangeAspect="1" noMove="1" noResize="1" noEditPoints="1" noAdjustHandles="1" noChangeArrowheads="1" noChangeShapeType="1" noTextEdit="1"/>
-          </p:cNvSpPr>
-          <p:nvPr>
-            <p:extLst>
-              <p:ext uri="{386F3935-93C4-4BCD-93E2-E3B085C9AB24}">
-                <p16:designElem xmlns:p16="http://schemas.microsoft.com/office/powerpoint/2015/main" val="1"/>
-              </p:ext>
-            </p:extLst>
-          </p:nvPr>
-        </p:nvSpPr>
-        <p:spPr bwMode="ltGray">
-          <a:xfrm>
-            <a:off x="4654295" y="478232"/>
-            <a:ext cx="7034121" cy="5918673"/>
-          </a:xfrm>
-          <a:prstGeom prst="rect">
-            <a:avLst/>
-          </a:prstGeom>
-          <a:solidFill>
-            <a:srgbClr val="404040"/>
-          </a:solidFill>
-          <a:ln w="127000" cap="sq" cmpd="thinThick">
-            <a:solidFill>
-              <a:srgbClr val="404040"/>
-            </a:solidFill>
-          </a:ln>
-        </p:spPr>
-        <p:style>
-          <a:lnRef idx="2">
-            <a:schemeClr val="accent1">
-              <a:shade val="50000"/>
-            </a:schemeClr>
-          </a:lnRef>
-          <a:fillRef idx="1">
-            <a:schemeClr val="accent1"/>
-          </a:fillRef>
-          <a:effectRef idx="0">
-            <a:schemeClr val="accent1"/>
-          </a:effectRef>
-          <a:fontRef idx="minor">
-            <a:schemeClr val="lt1"/>
-          </a:fontRef>
-        </p:style>
-        <p:txBody>
-          <a:bodyPr rtlCol="0" anchor="ctr"/>
-          <a:lstStyle/>
-          <a:p>
-            <a:pPr algn="ctr"/>
-            <a:endParaRPr lang="en-US"/>
-          </a:p>
-        </p:txBody>
-      </p:sp>
-      <p:sp>
-        <p:nvSpPr>
-          <p:cNvPr id="2" name="Title 1">
-            <a:extLst>
-              <a:ext uri="{FF2B5EF4-FFF2-40B4-BE49-F238E27FC236}">
-                <a16:creationId xmlns:a16="http://schemas.microsoft.com/office/drawing/2014/main" id="{D5D1CDD3-5A9C-428D-97DE-C8E62C358176}"/>
-              </a:ext>
-            </a:extLst>
-          </p:cNvPr>
-          <p:cNvSpPr>
-            <a:spLocks noGrp="1"/>
-          </p:cNvSpPr>
-          <p:nvPr>
-            <p:ph type="title"/>
-          </p:nvPr>
-        </p:nvSpPr>
-        <p:spPr>
-          <a:xfrm>
-            <a:off x="5297762" y="1053711"/>
-            <a:ext cx="5638994" cy="1424446"/>
-          </a:xfrm>
-        </p:spPr>
-        <p:txBody>
-          <a:bodyPr vert="horz" lIns="91440" tIns="45720" rIns="91440" bIns="45720" rtlCol="0" anchor="ctr">
-            <a:normAutofit/>
-          </a:bodyPr>
-          <a:lstStyle/>
-          <a:p>
-            <a:r>
-              <a:rPr lang="en-US">
-                <a:solidFill>
-                  <a:srgbClr val="FFFFFF"/>
-                </a:solidFill>
-              </a:rPr>
-              <a:t>Control vs Business value</a:t>
-            </a:r>
-          </a:p>
-        </p:txBody>
-      </p:sp>
-      <p:pic>
-        <p:nvPicPr>
-          <p:cNvPr id="11" name="Graphic 6" descr="Coins">
-            <a:extLst>
-              <a:ext uri="{FF2B5EF4-FFF2-40B4-BE49-F238E27FC236}">
-                <a16:creationId xmlns:a16="http://schemas.microsoft.com/office/drawing/2014/main" id="{67C5BF20-EA86-4B5D-A1EF-E9772CA156E0}"/>
-              </a:ext>
-            </a:extLst>
-          </p:cNvPr>
-          <p:cNvPicPr>
-            <a:picLocks noChangeAspect="1"/>
-          </p:cNvPicPr>
-          <p:nvPr/>
-        </p:nvPicPr>
-        <p:blipFill>
-          <a:blip r:embed="rId2">
-            <a:extLst>
-              <a:ext uri="{28A0092B-C50C-407E-A947-70E740481C1C}">
-                <a14:useLocalDpi xmlns:a14="http://schemas.microsoft.com/office/drawing/2010/main" val="0"/>
-              </a:ext>
-              <a:ext uri="{96DAC541-7B7A-43D3-8B79-37D633B846F1}">
-                <asvg:svgBlip xmlns:asvg="http://schemas.microsoft.com/office/drawing/2016/SVG/main" r:embed="rId3"/>
-              </a:ext>
-            </a:extLst>
-          </a:blip>
-          <a:stretch>
-            <a:fillRect/>
-          </a:stretch>
-        </p:blipFill>
-        <p:spPr>
-          <a:xfrm>
-            <a:off x="918300" y="478232"/>
-            <a:ext cx="2789902" cy="2789902"/>
-          </a:xfrm>
-          <a:prstGeom prst="rect">
-            <a:avLst/>
-          </a:prstGeom>
-        </p:spPr>
-      </p:pic>
-      <p:cxnSp>
-        <p:nvCxnSpPr>
-          <p:cNvPr id="20" name="Straight Connector 19">
-            <a:extLst>
-              <a:ext uri="{FF2B5EF4-FFF2-40B4-BE49-F238E27FC236}">
-                <a16:creationId xmlns:a16="http://schemas.microsoft.com/office/drawing/2014/main" id="{AAFEA932-2DF1-410C-A00A-7A1E7DBF7511}"/>
-              </a:ext>
-              <a:ext uri="{C183D7F6-B498-43B3-948B-1728B52AA6E4}">
-                <adec:decorative xmlns:adec="http://schemas.microsoft.com/office/drawing/2017/decorative" val="1"/>
-              </a:ext>
-            </a:extLst>
-          </p:cNvPr>
-          <p:cNvCxnSpPr>
-            <a:cxnSpLocks noGrp="1" noRot="1" noChangeAspect="1" noMove="1" noResize="1" noEditPoints="1" noAdjustHandles="1" noChangeArrowheads="1" noChangeShapeType="1"/>
-          </p:cNvCxnSpPr>
-          <p:nvPr>
-            <p:extLst>
-              <p:ext uri="{386F3935-93C4-4BCD-93E2-E3B085C9AB24}">
-                <p16:designElem xmlns:p16="http://schemas.microsoft.com/office/powerpoint/2015/main" val="1"/>
-              </p:ext>
-            </p:extLst>
-          </p:nvPr>
-        </p:nvCxnSpPr>
-        <p:spPr>
-          <a:xfrm>
-            <a:off x="5430098" y="2639023"/>
-            <a:ext cx="4562441" cy="0"/>
-          </a:xfrm>
-          <a:prstGeom prst="line">
-            <a:avLst/>
-          </a:prstGeom>
-          <a:ln w="22225">
-            <a:solidFill>
-              <a:srgbClr val="E7E6E6"/>
-            </a:solidFill>
-          </a:ln>
-        </p:spPr>
-        <p:style>
-          <a:lnRef idx="1">
-            <a:schemeClr val="accent1"/>
-          </a:lnRef>
-          <a:fillRef idx="0">
-            <a:schemeClr val="accent1"/>
-          </a:fillRef>
-          <a:effectRef idx="0">
-            <a:schemeClr val="accent1"/>
-          </a:effectRef>
-          <a:fontRef idx="minor">
-            <a:schemeClr val="tx1"/>
-          </a:fontRef>
-        </p:style>
-      </p:cxnSp>
-      <p:pic>
-        <p:nvPicPr>
-          <p:cNvPr id="13" name="Picture 12">
-            <a:extLst>
-              <a:ext uri="{FF2B5EF4-FFF2-40B4-BE49-F238E27FC236}">
-                <a16:creationId xmlns:a16="http://schemas.microsoft.com/office/drawing/2014/main" id="{CDD2619D-EBC2-4B3B-919E-2CFAC0BDF184}"/>
-              </a:ext>
-            </a:extLst>
-          </p:cNvPr>
-          <p:cNvPicPr>
-            <a:picLocks noChangeAspect="1"/>
-          </p:cNvPicPr>
-          <p:nvPr/>
-        </p:nvPicPr>
-        <p:blipFill>
-          <a:blip r:embed="rId4"/>
-          <a:stretch>
-            <a:fillRect/>
-          </a:stretch>
-        </p:blipFill>
-        <p:spPr>
-          <a:xfrm rot="60000">
-            <a:off x="481886" y="3702372"/>
-            <a:ext cx="3662730" cy="2563909"/>
-          </a:xfrm>
-          <a:prstGeom prst="rect">
-            <a:avLst/>
-          </a:prstGeom>
-        </p:spPr>
-      </p:pic>
-      <p:sp>
-        <p:nvSpPr>
-          <p:cNvPr id="3" name="TextBox 2">
-            <a:extLst>
-              <a:ext uri="{FF2B5EF4-FFF2-40B4-BE49-F238E27FC236}">
-                <a16:creationId xmlns:a16="http://schemas.microsoft.com/office/drawing/2014/main" id="{31AB2B53-80DE-4859-A624-C644A4AB9501}"/>
-              </a:ext>
-            </a:extLst>
-          </p:cNvPr>
-          <p:cNvSpPr txBox="1"/>
-          <p:nvPr/>
-        </p:nvSpPr>
-        <p:spPr>
-          <a:xfrm>
-            <a:off x="5297762" y="2799889"/>
-            <a:ext cx="5747187" cy="2987543"/>
-          </a:xfrm>
-          <a:prstGeom prst="rect">
-            <a:avLst/>
-          </a:prstGeom>
-        </p:spPr>
-        <p:txBody>
-          <a:bodyPr vert="horz" lIns="91440" tIns="45720" rIns="91440" bIns="45720" rtlCol="0" anchor="t">
-            <a:normAutofit/>
-          </a:bodyPr>
-          <a:lstStyle/>
-          <a:p>
-            <a:pPr marL="342900" indent="-342900">
-              <a:buFont typeface="Arial"/>
-              <a:buChar char="•"/>
-            </a:pPr>
-            <a:r>
-              <a:rPr lang="en-US" sz="2400" dirty="0">
-                <a:solidFill>
-                  <a:srgbClr val="FFFFFF"/>
-                </a:solidFill>
-                <a:cs typeface="Calibri"/>
-              </a:rPr>
-              <a:t>Lesser the control, more business value.</a:t>
-            </a:r>
-            <a:endParaRPr lang="en-US" sz="2400" dirty="0">
-              <a:cs typeface="Calibri"/>
-            </a:endParaRPr>
-          </a:p>
-          <a:p>
-            <a:pPr marL="342900" indent="-228600">
-              <a:lnSpc>
-                <a:spcPct val="90000"/>
-              </a:lnSpc>
-              <a:spcAft>
-                <a:spcPts val="600"/>
-              </a:spcAft>
-              <a:buFont typeface="Arial" panose="020B0604020202020204" pitchFamily="34" charset="0"/>
-              <a:buChar char="•"/>
-            </a:pPr>
-            <a:endParaRPr lang="en-US" sz="2400" dirty="0">
-              <a:solidFill>
-                <a:srgbClr val="FFFFFF"/>
-              </a:solidFill>
-              <a:cs typeface="Calibri"/>
-            </a:endParaRPr>
-          </a:p>
-          <a:p>
-            <a:pPr marL="342900" indent="-228600">
-              <a:lnSpc>
-                <a:spcPct val="90000"/>
-              </a:lnSpc>
-              <a:spcAft>
-                <a:spcPts val="600"/>
-              </a:spcAft>
-              <a:buFont typeface="Arial" panose="020B0604020202020204" pitchFamily="34" charset="0"/>
-              <a:buChar char="•"/>
-            </a:pPr>
-            <a:r>
-              <a:rPr lang="en-US" sz="2400" dirty="0">
-                <a:solidFill>
-                  <a:srgbClr val="FFFFFF"/>
-                </a:solidFill>
-              </a:rPr>
-              <a:t>More the control, less business value.</a:t>
-            </a:r>
-            <a:endParaRPr lang="en-US" dirty="0"/>
-          </a:p>
-          <a:p>
-            <a:pPr marL="342900" indent="-228600">
-              <a:lnSpc>
-                <a:spcPct val="90000"/>
-              </a:lnSpc>
-              <a:spcAft>
-                <a:spcPts val="600"/>
-              </a:spcAft>
-              <a:buFont typeface="Arial" panose="020B0604020202020204" pitchFamily="34" charset="0"/>
-              <a:buChar char="•"/>
-            </a:pPr>
-            <a:endParaRPr lang="en-US" sz="2400" dirty="0">
-              <a:solidFill>
-                <a:srgbClr val="FFFFFF"/>
-              </a:solidFill>
-            </a:endParaRPr>
-          </a:p>
-          <a:p>
-            <a:pPr marL="800100" lvl="1" indent="-228600">
-              <a:lnSpc>
-                <a:spcPct val="90000"/>
-              </a:lnSpc>
-              <a:spcAft>
-                <a:spcPts val="600"/>
-              </a:spcAft>
-              <a:buFont typeface="Arial" panose="020B0604020202020204" pitchFamily="34" charset="0"/>
-              <a:buChar char="•"/>
-            </a:pPr>
-            <a:endParaRPr lang="en-US" sz="2400" dirty="0">
-              <a:solidFill>
-                <a:srgbClr val="FFFFFF"/>
-              </a:solidFill>
-            </a:endParaRPr>
-          </a:p>
-          <a:p>
-            <a:pPr lvl="1" indent="-228600">
-              <a:lnSpc>
-                <a:spcPct val="90000"/>
-              </a:lnSpc>
-              <a:spcAft>
-                <a:spcPts val="600"/>
-              </a:spcAft>
-              <a:buFont typeface="Arial" panose="020B0604020202020204" pitchFamily="34" charset="0"/>
-              <a:buChar char="•"/>
-            </a:pPr>
-            <a:endParaRPr lang="en-US" sz="2400" dirty="0">
-              <a:solidFill>
-                <a:srgbClr val="FFFFFF"/>
-              </a:solidFill>
-            </a:endParaRPr>
-          </a:p>
-          <a:p>
-            <a:pPr indent="-228600">
-              <a:lnSpc>
-                <a:spcPct val="90000"/>
-              </a:lnSpc>
-              <a:spcAft>
-                <a:spcPts val="600"/>
-              </a:spcAft>
-              <a:buFont typeface="Arial" panose="020B0604020202020204" pitchFamily="34" charset="0"/>
-              <a:buChar char="•"/>
-            </a:pPr>
-            <a:endParaRPr lang="en-US" sz="2400" dirty="0">
-              <a:solidFill>
-                <a:srgbClr val="FFFFFF"/>
-              </a:solidFill>
-            </a:endParaRPr>
-          </a:p>
-        </p:txBody>
-      </p:sp>
-    </p:spTree>
-    <p:extLst>
-      <p:ext uri="{BB962C8B-B14F-4D97-AF65-F5344CB8AC3E}">
-        <p14:creationId xmlns:p14="http://schemas.microsoft.com/office/powerpoint/2010/main" val="4036904399"/>
       </p:ext>
     </p:extLst>
   </p:cSld>
